--- a/Presentations/2018-06-01-copenhagen.pptx
+++ b/Presentations/2018-06-01-copenhagen.pptx
@@ -5,7 +5,16 @@
     <p:sldMasterId id="2147483648" r:id="rId1"/>
   </p:sldMasterIdLst>
   <p:sldIdLst>
-    <p:sldId id="256" r:id="rId2"/>
+    <p:sldId id="272" r:id="rId2"/>
+    <p:sldId id="259" r:id="rId3"/>
+    <p:sldId id="271" r:id="rId4"/>
+    <p:sldId id="260" r:id="rId5"/>
+    <p:sldId id="261" r:id="rId6"/>
+    <p:sldId id="262" r:id="rId7"/>
+    <p:sldId id="268" r:id="rId8"/>
+    <p:sldId id="266" r:id="rId9"/>
+    <p:sldId id="269" r:id="rId10"/>
+    <p:sldId id="270" r:id="rId11"/>
   </p:sldIdLst>
   <p:sldSz cx="12192000" cy="6858000"/>
   <p:notesSz cx="6858000" cy="9144000"/>
@@ -104,6 +113,11 @@
       </a:defRPr>
     </a:lvl9pPr>
   </p:defaultTextStyle>
+  <p:extLst>
+    <p:ext uri="{EFAFB233-063F-42B5-8137-9DF3F51BA10A}">
+      <p15:sldGuideLst xmlns:p15="http://schemas.microsoft.com/office/powerpoint/2012/main"/>
+    </p:ext>
+  </p:extLst>
 </p:presentation>
 </file>
 
@@ -149,10 +163,9 @@
           </a:lstStyle>
           <a:p>
             <a:r>
-              <a:rPr lang="en-US" smtClean="0"/>
+              <a:rPr lang="en-US"/>
               <a:t>Click to edit Master title style</a:t>
             </a:r>
-            <a:endParaRPr lang="en-US"/>
           </a:p>
         </p:txBody>
       </p:sp>
@@ -214,10 +227,9 @@
           </a:lstStyle>
           <a:p>
             <a:r>
-              <a:rPr lang="en-US" smtClean="0"/>
+              <a:rPr lang="en-US"/>
               <a:t>Click to edit Master subtitle style</a:t>
             </a:r>
-            <a:endParaRPr lang="en-US"/>
           </a:p>
         </p:txBody>
       </p:sp>
@@ -238,7 +250,7 @@
           <a:p>
             <a:fld id="{2B704016-15D2-5B42-B0F2-F6C7046F1092}" type="datetimeFigureOut">
               <a:rPr lang="en-US" smtClean="0"/>
-              <a:t>5/28/18</a:t>
+              <a:t>5/29/18</a:t>
             </a:fld>
             <a:endParaRPr lang="en-US"/>
           </a:p>
@@ -332,10 +344,9 @@
           <a:lstStyle/>
           <a:p>
             <a:r>
-              <a:rPr lang="en-US" smtClean="0"/>
+              <a:rPr lang="en-US"/>
               <a:t>Click to edit Master title style</a:t>
             </a:r>
-            <a:endParaRPr lang="en-US"/>
           </a:p>
         </p:txBody>
       </p:sp>
@@ -356,38 +367,37 @@
           <a:p>
             <a:pPr lvl="0"/>
             <a:r>
-              <a:rPr lang="en-US" smtClean="0"/>
+              <a:rPr lang="en-US"/>
               <a:t>Click to edit Master text styles</a:t>
             </a:r>
           </a:p>
           <a:p>
             <a:pPr lvl="1"/>
             <a:r>
-              <a:rPr lang="en-US" smtClean="0"/>
+              <a:rPr lang="en-US"/>
               <a:t>Second level</a:t>
             </a:r>
           </a:p>
           <a:p>
             <a:pPr lvl="2"/>
             <a:r>
-              <a:rPr lang="en-US" smtClean="0"/>
+              <a:rPr lang="en-US"/>
               <a:t>Third level</a:t>
             </a:r>
           </a:p>
           <a:p>
             <a:pPr lvl="3"/>
             <a:r>
-              <a:rPr lang="en-US" smtClean="0"/>
+              <a:rPr lang="en-US"/>
               <a:t>Fourth level</a:t>
             </a:r>
           </a:p>
           <a:p>
             <a:pPr lvl="4"/>
             <a:r>
-              <a:rPr lang="en-US" smtClean="0"/>
+              <a:rPr lang="en-US"/>
               <a:t>Fifth level</a:t>
             </a:r>
-            <a:endParaRPr lang="en-US"/>
           </a:p>
         </p:txBody>
       </p:sp>
@@ -408,7 +418,7 @@
           <a:p>
             <a:fld id="{2B704016-15D2-5B42-B0F2-F6C7046F1092}" type="datetimeFigureOut">
               <a:rPr lang="en-US" smtClean="0"/>
-              <a:t>5/28/18</a:t>
+              <a:t>5/29/18</a:t>
             </a:fld>
             <a:endParaRPr lang="en-US"/>
           </a:p>
@@ -507,10 +517,9 @@
           <a:lstStyle/>
           <a:p>
             <a:r>
-              <a:rPr lang="en-US" smtClean="0"/>
+              <a:rPr lang="en-US"/>
               <a:t>Click to edit Master title style</a:t>
             </a:r>
-            <a:endParaRPr lang="en-US"/>
           </a:p>
         </p:txBody>
       </p:sp>
@@ -536,38 +545,37 @@
           <a:p>
             <a:pPr lvl="0"/>
             <a:r>
-              <a:rPr lang="en-US" smtClean="0"/>
+              <a:rPr lang="en-US"/>
               <a:t>Click to edit Master text styles</a:t>
             </a:r>
           </a:p>
           <a:p>
             <a:pPr lvl="1"/>
             <a:r>
-              <a:rPr lang="en-US" smtClean="0"/>
+              <a:rPr lang="en-US"/>
               <a:t>Second level</a:t>
             </a:r>
           </a:p>
           <a:p>
             <a:pPr lvl="2"/>
             <a:r>
-              <a:rPr lang="en-US" smtClean="0"/>
+              <a:rPr lang="en-US"/>
               <a:t>Third level</a:t>
             </a:r>
           </a:p>
           <a:p>
             <a:pPr lvl="3"/>
             <a:r>
-              <a:rPr lang="en-US" smtClean="0"/>
+              <a:rPr lang="en-US"/>
               <a:t>Fourth level</a:t>
             </a:r>
           </a:p>
           <a:p>
             <a:pPr lvl="4"/>
             <a:r>
-              <a:rPr lang="en-US" smtClean="0"/>
+              <a:rPr lang="en-US"/>
               <a:t>Fifth level</a:t>
             </a:r>
-            <a:endParaRPr lang="en-US"/>
           </a:p>
         </p:txBody>
       </p:sp>
@@ -588,7 +596,7 @@
           <a:p>
             <a:fld id="{2B704016-15D2-5B42-B0F2-F6C7046F1092}" type="datetimeFigureOut">
               <a:rPr lang="en-US" smtClean="0"/>
-              <a:t>5/28/18</a:t>
+              <a:t>5/29/18</a:t>
             </a:fld>
             <a:endParaRPr lang="en-US"/>
           </a:p>
@@ -682,10 +690,9 @@
           <a:lstStyle/>
           <a:p>
             <a:r>
-              <a:rPr lang="en-US" smtClean="0"/>
+              <a:rPr lang="en-US"/>
               <a:t>Click to edit Master title style</a:t>
             </a:r>
-            <a:endParaRPr lang="en-US"/>
           </a:p>
         </p:txBody>
       </p:sp>
@@ -706,38 +713,37 @@
           <a:p>
             <a:pPr lvl="0"/>
             <a:r>
-              <a:rPr lang="en-US" smtClean="0"/>
+              <a:rPr lang="en-US"/>
               <a:t>Click to edit Master text styles</a:t>
             </a:r>
           </a:p>
           <a:p>
             <a:pPr lvl="1"/>
             <a:r>
-              <a:rPr lang="en-US" smtClean="0"/>
+              <a:rPr lang="en-US"/>
               <a:t>Second level</a:t>
             </a:r>
           </a:p>
           <a:p>
             <a:pPr lvl="2"/>
             <a:r>
-              <a:rPr lang="en-US" smtClean="0"/>
+              <a:rPr lang="en-US"/>
               <a:t>Third level</a:t>
             </a:r>
           </a:p>
           <a:p>
             <a:pPr lvl="3"/>
             <a:r>
-              <a:rPr lang="en-US" smtClean="0"/>
+              <a:rPr lang="en-US"/>
               <a:t>Fourth level</a:t>
             </a:r>
           </a:p>
           <a:p>
             <a:pPr lvl="4"/>
             <a:r>
-              <a:rPr lang="en-US" smtClean="0"/>
+              <a:rPr lang="en-US"/>
               <a:t>Fifth level</a:t>
             </a:r>
-            <a:endParaRPr lang="en-US"/>
           </a:p>
         </p:txBody>
       </p:sp>
@@ -758,7 +764,7 @@
           <a:p>
             <a:fld id="{2B704016-15D2-5B42-B0F2-F6C7046F1092}" type="datetimeFigureOut">
               <a:rPr lang="en-US" smtClean="0"/>
-              <a:t>5/28/18</a:t>
+              <a:t>5/29/18</a:t>
             </a:fld>
             <a:endParaRPr lang="en-US"/>
           </a:p>
@@ -861,10 +867,9 @@
           </a:lstStyle>
           <a:p>
             <a:r>
-              <a:rPr lang="en-US" smtClean="0"/>
+              <a:rPr lang="en-US"/>
               <a:t>Click to edit Master title style</a:t>
             </a:r>
-            <a:endParaRPr lang="en-US"/>
           </a:p>
         </p:txBody>
       </p:sp>
@@ -981,7 +986,7 @@
           <a:p>
             <a:pPr lvl="0"/>
             <a:r>
-              <a:rPr lang="en-US" smtClean="0"/>
+              <a:rPr lang="en-US"/>
               <a:t>Click to edit Master text styles</a:t>
             </a:r>
           </a:p>
@@ -1004,7 +1009,7 @@
           <a:p>
             <a:fld id="{2B704016-15D2-5B42-B0F2-F6C7046F1092}" type="datetimeFigureOut">
               <a:rPr lang="en-US" smtClean="0"/>
-              <a:t>5/28/18</a:t>
+              <a:t>5/29/18</a:t>
             </a:fld>
             <a:endParaRPr lang="en-US"/>
           </a:p>
@@ -1098,10 +1103,9 @@
           <a:lstStyle/>
           <a:p>
             <a:r>
-              <a:rPr lang="en-US" smtClean="0"/>
+              <a:rPr lang="en-US"/>
               <a:t>Click to edit Master title style</a:t>
             </a:r>
-            <a:endParaRPr lang="en-US"/>
           </a:p>
         </p:txBody>
       </p:sp>
@@ -1127,38 +1131,37 @@
           <a:p>
             <a:pPr lvl="0"/>
             <a:r>
-              <a:rPr lang="en-US" smtClean="0"/>
+              <a:rPr lang="en-US"/>
               <a:t>Click to edit Master text styles</a:t>
             </a:r>
           </a:p>
           <a:p>
             <a:pPr lvl="1"/>
             <a:r>
-              <a:rPr lang="en-US" smtClean="0"/>
+              <a:rPr lang="en-US"/>
               <a:t>Second level</a:t>
             </a:r>
           </a:p>
           <a:p>
             <a:pPr lvl="2"/>
             <a:r>
-              <a:rPr lang="en-US" smtClean="0"/>
+              <a:rPr lang="en-US"/>
               <a:t>Third level</a:t>
             </a:r>
           </a:p>
           <a:p>
             <a:pPr lvl="3"/>
             <a:r>
-              <a:rPr lang="en-US" smtClean="0"/>
+              <a:rPr lang="en-US"/>
               <a:t>Fourth level</a:t>
             </a:r>
           </a:p>
           <a:p>
             <a:pPr lvl="4"/>
             <a:r>
-              <a:rPr lang="en-US" smtClean="0"/>
+              <a:rPr lang="en-US"/>
               <a:t>Fifth level</a:t>
             </a:r>
-            <a:endParaRPr lang="en-US"/>
           </a:p>
         </p:txBody>
       </p:sp>
@@ -1184,38 +1187,37 @@
           <a:p>
             <a:pPr lvl="0"/>
             <a:r>
-              <a:rPr lang="en-US" smtClean="0"/>
+              <a:rPr lang="en-US"/>
               <a:t>Click to edit Master text styles</a:t>
             </a:r>
           </a:p>
           <a:p>
             <a:pPr lvl="1"/>
             <a:r>
-              <a:rPr lang="en-US" smtClean="0"/>
+              <a:rPr lang="en-US"/>
               <a:t>Second level</a:t>
             </a:r>
           </a:p>
           <a:p>
             <a:pPr lvl="2"/>
             <a:r>
-              <a:rPr lang="en-US" smtClean="0"/>
+              <a:rPr lang="en-US"/>
               <a:t>Third level</a:t>
             </a:r>
           </a:p>
           <a:p>
             <a:pPr lvl="3"/>
             <a:r>
-              <a:rPr lang="en-US" smtClean="0"/>
+              <a:rPr lang="en-US"/>
               <a:t>Fourth level</a:t>
             </a:r>
           </a:p>
           <a:p>
             <a:pPr lvl="4"/>
             <a:r>
-              <a:rPr lang="en-US" smtClean="0"/>
+              <a:rPr lang="en-US"/>
               <a:t>Fifth level</a:t>
             </a:r>
-            <a:endParaRPr lang="en-US"/>
           </a:p>
         </p:txBody>
       </p:sp>
@@ -1236,7 +1238,7 @@
           <a:p>
             <a:fld id="{2B704016-15D2-5B42-B0F2-F6C7046F1092}" type="datetimeFigureOut">
               <a:rPr lang="en-US" smtClean="0"/>
-              <a:t>5/28/18</a:t>
+              <a:t>5/29/18</a:t>
             </a:fld>
             <a:endParaRPr lang="en-US"/>
           </a:p>
@@ -1335,10 +1337,9 @@
           <a:lstStyle/>
           <a:p>
             <a:r>
-              <a:rPr lang="en-US" smtClean="0"/>
+              <a:rPr lang="en-US"/>
               <a:t>Click to edit Master title style</a:t>
             </a:r>
-            <a:endParaRPr lang="en-US"/>
           </a:p>
         </p:txBody>
       </p:sp>
@@ -1401,7 +1402,7 @@
           <a:p>
             <a:pPr lvl="0"/>
             <a:r>
-              <a:rPr lang="en-US" smtClean="0"/>
+              <a:rPr lang="en-US"/>
               <a:t>Click to edit Master text styles</a:t>
             </a:r>
           </a:p>
@@ -1429,38 +1430,37 @@
           <a:p>
             <a:pPr lvl="0"/>
             <a:r>
-              <a:rPr lang="en-US" smtClean="0"/>
+              <a:rPr lang="en-US"/>
               <a:t>Click to edit Master text styles</a:t>
             </a:r>
           </a:p>
           <a:p>
             <a:pPr lvl="1"/>
             <a:r>
-              <a:rPr lang="en-US" smtClean="0"/>
+              <a:rPr lang="en-US"/>
               <a:t>Second level</a:t>
             </a:r>
           </a:p>
           <a:p>
             <a:pPr lvl="2"/>
             <a:r>
-              <a:rPr lang="en-US" smtClean="0"/>
+              <a:rPr lang="en-US"/>
               <a:t>Third level</a:t>
             </a:r>
           </a:p>
           <a:p>
             <a:pPr lvl="3"/>
             <a:r>
-              <a:rPr lang="en-US" smtClean="0"/>
+              <a:rPr lang="en-US"/>
               <a:t>Fourth level</a:t>
             </a:r>
           </a:p>
           <a:p>
             <a:pPr lvl="4"/>
             <a:r>
-              <a:rPr lang="en-US" smtClean="0"/>
+              <a:rPr lang="en-US"/>
               <a:t>Fifth level</a:t>
             </a:r>
-            <a:endParaRPr lang="en-US"/>
           </a:p>
         </p:txBody>
       </p:sp>
@@ -1523,7 +1523,7 @@
           <a:p>
             <a:pPr lvl="0"/>
             <a:r>
-              <a:rPr lang="en-US" smtClean="0"/>
+              <a:rPr lang="en-US"/>
               <a:t>Click to edit Master text styles</a:t>
             </a:r>
           </a:p>
@@ -1551,38 +1551,37 @@
           <a:p>
             <a:pPr lvl="0"/>
             <a:r>
-              <a:rPr lang="en-US" smtClean="0"/>
+              <a:rPr lang="en-US"/>
               <a:t>Click to edit Master text styles</a:t>
             </a:r>
           </a:p>
           <a:p>
             <a:pPr lvl="1"/>
             <a:r>
-              <a:rPr lang="en-US" smtClean="0"/>
+              <a:rPr lang="en-US"/>
               <a:t>Second level</a:t>
             </a:r>
           </a:p>
           <a:p>
             <a:pPr lvl="2"/>
             <a:r>
-              <a:rPr lang="en-US" smtClean="0"/>
+              <a:rPr lang="en-US"/>
               <a:t>Third level</a:t>
             </a:r>
           </a:p>
           <a:p>
             <a:pPr lvl="3"/>
             <a:r>
-              <a:rPr lang="en-US" smtClean="0"/>
+              <a:rPr lang="en-US"/>
               <a:t>Fourth level</a:t>
             </a:r>
           </a:p>
           <a:p>
             <a:pPr lvl="4"/>
             <a:r>
-              <a:rPr lang="en-US" smtClean="0"/>
+              <a:rPr lang="en-US"/>
               <a:t>Fifth level</a:t>
             </a:r>
-            <a:endParaRPr lang="en-US"/>
           </a:p>
         </p:txBody>
       </p:sp>
@@ -1603,7 +1602,7 @@
           <a:p>
             <a:fld id="{2B704016-15D2-5B42-B0F2-F6C7046F1092}" type="datetimeFigureOut">
               <a:rPr lang="en-US" smtClean="0"/>
-              <a:t>5/28/18</a:t>
+              <a:t>5/29/18</a:t>
             </a:fld>
             <a:endParaRPr lang="en-US"/>
           </a:p>
@@ -1697,10 +1696,9 @@
           <a:lstStyle/>
           <a:p>
             <a:r>
-              <a:rPr lang="en-US" smtClean="0"/>
+              <a:rPr lang="en-US"/>
               <a:t>Click to edit Master title style</a:t>
             </a:r>
-            <a:endParaRPr lang="en-US"/>
           </a:p>
         </p:txBody>
       </p:sp>
@@ -1721,7 +1719,7 @@
           <a:p>
             <a:fld id="{2B704016-15D2-5B42-B0F2-F6C7046F1092}" type="datetimeFigureOut">
               <a:rPr lang="en-US" smtClean="0"/>
-              <a:t>5/28/18</a:t>
+              <a:t>5/29/18</a:t>
             </a:fld>
             <a:endParaRPr lang="en-US"/>
           </a:p>
@@ -1816,7 +1814,7 @@
           <a:p>
             <a:fld id="{2B704016-15D2-5B42-B0F2-F6C7046F1092}" type="datetimeFigureOut">
               <a:rPr lang="en-US" smtClean="0"/>
-              <a:t>5/28/18</a:t>
+              <a:t>5/29/18</a:t>
             </a:fld>
             <a:endParaRPr lang="en-US"/>
           </a:p>
@@ -1919,10 +1917,9 @@
           </a:lstStyle>
           <a:p>
             <a:r>
-              <a:rPr lang="en-US" smtClean="0"/>
+              <a:rPr lang="en-US"/>
               <a:t>Click to edit Master title style</a:t>
             </a:r>
-            <a:endParaRPr lang="en-US"/>
           </a:p>
         </p:txBody>
       </p:sp>
@@ -1976,38 +1973,37 @@
           <a:p>
             <a:pPr lvl="0"/>
             <a:r>
-              <a:rPr lang="en-US" smtClean="0"/>
+              <a:rPr lang="en-US"/>
               <a:t>Click to edit Master text styles</a:t>
             </a:r>
           </a:p>
           <a:p>
             <a:pPr lvl="1"/>
             <a:r>
-              <a:rPr lang="en-US" smtClean="0"/>
+              <a:rPr lang="en-US"/>
               <a:t>Second level</a:t>
             </a:r>
           </a:p>
           <a:p>
             <a:pPr lvl="2"/>
             <a:r>
-              <a:rPr lang="en-US" smtClean="0"/>
+              <a:rPr lang="en-US"/>
               <a:t>Third level</a:t>
             </a:r>
           </a:p>
           <a:p>
             <a:pPr lvl="3"/>
             <a:r>
-              <a:rPr lang="en-US" smtClean="0"/>
+              <a:rPr lang="en-US"/>
               <a:t>Fourth level</a:t>
             </a:r>
           </a:p>
           <a:p>
             <a:pPr lvl="4"/>
             <a:r>
-              <a:rPr lang="en-US" smtClean="0"/>
+              <a:rPr lang="en-US"/>
               <a:t>Fifth level</a:t>
             </a:r>
-            <a:endParaRPr lang="en-US"/>
           </a:p>
         </p:txBody>
       </p:sp>
@@ -2070,7 +2066,7 @@
           <a:p>
             <a:pPr lvl="0"/>
             <a:r>
-              <a:rPr lang="en-US" smtClean="0"/>
+              <a:rPr lang="en-US"/>
               <a:t>Click to edit Master text styles</a:t>
             </a:r>
           </a:p>
@@ -2093,7 +2089,7 @@
           <a:p>
             <a:fld id="{2B704016-15D2-5B42-B0F2-F6C7046F1092}" type="datetimeFigureOut">
               <a:rPr lang="en-US" smtClean="0"/>
-              <a:t>5/28/18</a:t>
+              <a:t>5/29/18</a:t>
             </a:fld>
             <a:endParaRPr lang="en-US"/>
           </a:p>
@@ -2196,10 +2192,9 @@
           </a:lstStyle>
           <a:p>
             <a:r>
-              <a:rPr lang="en-US" smtClean="0"/>
+              <a:rPr lang="en-US"/>
               <a:t>Click to edit Master title style</a:t>
             </a:r>
-            <a:endParaRPr lang="en-US"/>
           </a:p>
         </p:txBody>
       </p:sp>
@@ -2323,7 +2318,7 @@
           <a:p>
             <a:pPr lvl="0"/>
             <a:r>
-              <a:rPr lang="en-US" smtClean="0"/>
+              <a:rPr lang="en-US"/>
               <a:t>Click to edit Master text styles</a:t>
             </a:r>
           </a:p>
@@ -2346,7 +2341,7 @@
           <a:p>
             <a:fld id="{2B704016-15D2-5B42-B0F2-F6C7046F1092}" type="datetimeFigureOut">
               <a:rPr lang="en-US" smtClean="0"/>
-              <a:t>5/28/18</a:t>
+              <a:t>5/29/18</a:t>
             </a:fld>
             <a:endParaRPr lang="en-US"/>
           </a:p>
@@ -2455,10 +2450,9 @@
           <a:lstStyle/>
           <a:p>
             <a:r>
-              <a:rPr lang="en-US" smtClean="0"/>
+              <a:rPr lang="en-US"/>
               <a:t>Click to edit Master title style</a:t>
             </a:r>
-            <a:endParaRPr lang="en-US"/>
           </a:p>
         </p:txBody>
       </p:sp>
@@ -2489,38 +2483,37 @@
           <a:p>
             <a:pPr lvl="0"/>
             <a:r>
-              <a:rPr lang="en-US" smtClean="0"/>
+              <a:rPr lang="en-US"/>
               <a:t>Click to edit Master text styles</a:t>
             </a:r>
           </a:p>
           <a:p>
             <a:pPr lvl="1"/>
             <a:r>
-              <a:rPr lang="en-US" smtClean="0"/>
+              <a:rPr lang="en-US"/>
               <a:t>Second level</a:t>
             </a:r>
           </a:p>
           <a:p>
             <a:pPr lvl="2"/>
             <a:r>
-              <a:rPr lang="en-US" smtClean="0"/>
+              <a:rPr lang="en-US"/>
               <a:t>Third level</a:t>
             </a:r>
           </a:p>
           <a:p>
             <a:pPr lvl="3"/>
             <a:r>
-              <a:rPr lang="en-US" smtClean="0"/>
+              <a:rPr lang="en-US"/>
               <a:t>Fourth level</a:t>
             </a:r>
           </a:p>
           <a:p>
             <a:pPr lvl="4"/>
             <a:r>
-              <a:rPr lang="en-US" smtClean="0"/>
+              <a:rPr lang="en-US"/>
               <a:t>Fifth level</a:t>
             </a:r>
-            <a:endParaRPr lang="en-US"/>
           </a:p>
         </p:txBody>
       </p:sp>
@@ -2559,7 +2552,7 @@
           <a:p>
             <a:fld id="{2B704016-15D2-5B42-B0F2-F6C7046F1092}" type="datetimeFigureOut">
               <a:rPr lang="en-US" smtClean="0"/>
-              <a:t>5/28/18</a:t>
+              <a:t>5/29/18</a:t>
             </a:fld>
             <a:endParaRPr lang="en-US"/>
           </a:p>
@@ -2964,18 +2957,209 @@
           <a:chExt cx="0" cy="0"/>
         </a:xfrm>
       </p:grpSpPr>
-      <mc:AlternateContent xmlns:mc="http://schemas.openxmlformats.org/markup-compatibility/2006">
-        <mc:Choice xmlns:a14="http://schemas.microsoft.com/office/drawing/2010/main" Requires="a14">
+      <p:sp>
+        <p:nvSpPr>
+          <p:cNvPr id="2" name="Title 1">
+            <a:extLst>
+              <a:ext uri="{FF2B5EF4-FFF2-40B4-BE49-F238E27FC236}">
+                <a16:creationId xmlns:a16="http://schemas.microsoft.com/office/drawing/2014/main" id="{D5E189EA-57A0-3E40-B200-AA930432CB90}"/>
+              </a:ext>
+            </a:extLst>
+          </p:cNvPr>
+          <p:cNvSpPr>
+            <a:spLocks noGrp="1"/>
+          </p:cNvSpPr>
+          <p:nvPr>
+            <p:ph type="ctrTitle"/>
+          </p:nvPr>
+        </p:nvSpPr>
+        <p:spPr/>
+        <p:txBody>
+          <a:bodyPr/>
+          <a:lstStyle/>
+          <a:p>
+            <a:endParaRPr lang="da-DK"/>
+          </a:p>
+        </p:txBody>
+      </p:sp>
+      <p:sp>
+        <p:nvSpPr>
+          <p:cNvPr id="3" name="Subtitle 2">
+            <a:extLst>
+              <a:ext uri="{FF2B5EF4-FFF2-40B4-BE49-F238E27FC236}">
+                <a16:creationId xmlns:a16="http://schemas.microsoft.com/office/drawing/2014/main" id="{9F5D1B12-4203-D549-9060-C0F65B4F2184}"/>
+              </a:ext>
+            </a:extLst>
+          </p:cNvPr>
+          <p:cNvSpPr>
+            <a:spLocks noGrp="1"/>
+          </p:cNvSpPr>
+          <p:nvPr>
+            <p:ph type="subTitle" idx="1"/>
+          </p:nvPr>
+        </p:nvSpPr>
+        <p:spPr/>
+        <p:txBody>
+          <a:bodyPr/>
+          <a:lstStyle/>
+          <a:p>
+            <a:endParaRPr lang="da-DK"/>
+          </a:p>
+        </p:txBody>
+      </p:sp>
+    </p:spTree>
+    <p:extLst>
+      <p:ext uri="{BB962C8B-B14F-4D97-AF65-F5344CB8AC3E}">
+        <p14:creationId xmlns:p14="http://schemas.microsoft.com/office/powerpoint/2010/main" val="1422585642"/>
+      </p:ext>
+    </p:extLst>
+  </p:cSld>
+  <p:clrMapOvr>
+    <a:masterClrMapping/>
+  </p:clrMapOvr>
+</p:sld>
+</file>
+
+<file path=ppt/slides/slide10.xml><?xml version="1.0" encoding="utf-8"?>
+<p:sld xmlns:a="http://schemas.openxmlformats.org/drawingml/2006/main" xmlns:r="http://schemas.openxmlformats.org/officeDocument/2006/relationships" xmlns:p="http://schemas.openxmlformats.org/presentationml/2006/main">
+  <p:cSld>
+    <p:spTree>
+      <p:nvGrpSpPr>
+        <p:cNvPr id="1" name=""/>
+        <p:cNvGrpSpPr/>
+        <p:nvPr/>
+      </p:nvGrpSpPr>
+      <p:grpSpPr>
+        <a:xfrm>
+          <a:off x="0" y="0"/>
+          <a:ext cx="0" cy="0"/>
+          <a:chOff x="0" y="0"/>
+          <a:chExt cx="0" cy="0"/>
+        </a:xfrm>
+      </p:grpSpPr>
+      <p:sp>
+        <p:nvSpPr>
+          <p:cNvPr id="2" name="Title 1">
+            <a:extLst>
+              <a:ext uri="{FF2B5EF4-FFF2-40B4-BE49-F238E27FC236}">
+                <a16:creationId xmlns:a16="http://schemas.microsoft.com/office/drawing/2014/main" id="{90371848-C3C2-2946-8721-32944148379F}"/>
+              </a:ext>
+            </a:extLst>
+          </p:cNvPr>
+          <p:cNvSpPr>
+            <a:spLocks noGrp="1"/>
+          </p:cNvSpPr>
+          <p:nvPr>
+            <p:ph type="title"/>
+          </p:nvPr>
+        </p:nvSpPr>
+        <p:spPr/>
+        <p:txBody>
+          <a:bodyPr/>
+          <a:lstStyle/>
+          <a:p>
+            <a:r>
+              <a:rPr lang="da-DK" dirty="0" err="1"/>
+              <a:t>Kernel</a:t>
+            </a:r>
+            <a:r>
+              <a:rPr lang="da-DK" dirty="0"/>
+              <a:t> </a:t>
+            </a:r>
+            <a:r>
+              <a:rPr lang="da-DK" dirty="0" err="1"/>
+              <a:t>Ridge</a:t>
+            </a:r>
+            <a:r>
+              <a:rPr lang="da-DK" dirty="0"/>
+              <a:t> Regression</a:t>
+            </a:r>
+          </a:p>
+        </p:txBody>
+      </p:sp>
+      <p:pic>
+        <p:nvPicPr>
+          <p:cNvPr id="5" name="Picture 4">
+            <a:extLst>
+              <a:ext uri="{FF2B5EF4-FFF2-40B4-BE49-F238E27FC236}">
+                <a16:creationId xmlns:a16="http://schemas.microsoft.com/office/drawing/2014/main" id="{96C8DA8D-9BEF-744E-AFF8-50655E69712A}"/>
+              </a:ext>
+            </a:extLst>
+          </p:cNvPr>
+          <p:cNvPicPr>
+            <a:picLocks noChangeAspect="1"/>
+          </p:cNvPicPr>
+          <p:nvPr/>
+        </p:nvPicPr>
+        <p:blipFill>
+          <a:blip r:embed="rId2"/>
+          <a:stretch>
+            <a:fillRect/>
+          </a:stretch>
+        </p:blipFill>
+        <p:spPr>
+          <a:xfrm>
+            <a:off x="6096000" y="1286582"/>
+            <a:ext cx="5854700" cy="4394200"/>
+          </a:xfrm>
+          <a:prstGeom prst="rect">
+            <a:avLst/>
+          </a:prstGeom>
+        </p:spPr>
+      </p:pic>
+      <p:sp>
+        <p:nvSpPr>
+          <p:cNvPr id="6" name="TextBox 5">
+            <a:extLst>
+              <a:ext uri="{FF2B5EF4-FFF2-40B4-BE49-F238E27FC236}">
+                <a16:creationId xmlns:a16="http://schemas.microsoft.com/office/drawing/2014/main" id="{B64305C1-D8DA-9449-80AD-775E6D513BE6}"/>
+              </a:ext>
+            </a:extLst>
+          </p:cNvPr>
+          <p:cNvSpPr txBox="1"/>
+          <p:nvPr/>
+        </p:nvSpPr>
+        <p:spPr>
+          <a:xfrm>
+            <a:off x="838200" y="1593706"/>
+            <a:ext cx="1659557" cy="461665"/>
+          </a:xfrm>
+          <a:prstGeom prst="rect">
+            <a:avLst/>
+          </a:prstGeom>
+          <a:noFill/>
+        </p:spPr>
+        <p:txBody>
+          <a:bodyPr wrap="none" rtlCol="0">
+            <a:spAutoFit/>
+          </a:bodyPr>
+          <a:lstStyle/>
+          <a:p>
+            <a:r>
+              <a:rPr lang="en-US" sz="2400" u="sng" dirty="0"/>
+              <a:t>Fit/training:</a:t>
+            </a:r>
+          </a:p>
+        </p:txBody>
+      </p:sp>
+      <mc:AlternateContent xmlns:mc="http://schemas.openxmlformats.org/markup-compatibility/2006" xmlns:a14="http://schemas.microsoft.com/office/drawing/2010/main">
+        <mc:Choice Requires="a14">
           <p:sp>
             <p:nvSpPr>
-              <p:cNvPr id="4" name="TextBox 3"/>
+              <p:cNvPr id="8" name="TextBox 7">
+                <a:extLst>
+                  <a:ext uri="{FF2B5EF4-FFF2-40B4-BE49-F238E27FC236}">
+                    <a16:creationId xmlns:a16="http://schemas.microsoft.com/office/drawing/2014/main" id="{4565886E-73A9-DD4D-90C2-BD9C2AFADF7F}"/>
+                  </a:ext>
+                </a:extLst>
+              </p:cNvPr>
               <p:cNvSpPr txBox="1"/>
               <p:nvPr/>
             </p:nvSpPr>
             <p:spPr>
               <a:xfrm>
-                <a:off x="6728059" y="4251675"/>
-                <a:ext cx="2671051" cy="871457"/>
+                <a:off x="838200" y="3896028"/>
+                <a:ext cx="4302973" cy="1172629"/>
               </a:xfrm>
               <a:prstGeom prst="rect">
                 <a:avLst/>
@@ -2988,6 +3172,7 @@
               </a:bodyPr>
               <a:lstStyle/>
               <a:p>
+                <a:pPr/>
                 <a14:m>
                   <m:oMathPara xmlns:m="http://schemas.openxmlformats.org/officeDocument/2006/math">
                     <m:oMathParaPr>
@@ -2997,14 +3182,14 @@
                       <m:sSup>
                         <m:sSupPr>
                           <m:ctrlPr>
-                            <a:rPr lang="en-US" i="1" smtClean="0">
-                              <a:latin typeface="Cambria Math" charset="0"/>
+                            <a:rPr lang="en-US" sz="2400" i="1" smtClean="0">
+                              <a:latin typeface="Cambria Math" panose="02040503050406030204" pitchFamily="18" charset="0"/>
                             </a:rPr>
                           </m:ctrlPr>
                         </m:sSupPr>
                         <m:e>
                           <m:r>
-                            <a:rPr lang="en-US" b="0" i="1" smtClean="0">
+                            <a:rPr lang="en-US" sz="2400" b="0" i="1" smtClean="0">
                               <a:latin typeface="Cambria Math" charset="0"/>
                             </a:rPr>
                             <m:t>𝐸</m:t>
@@ -3012,7 +3197,7 @@
                         </m:e>
                         <m:sup>
                           <m:r>
-                            <a:rPr lang="en-US" b="0" i="1" smtClean="0">
+                            <a:rPr lang="en-US" sz="2400" b="0" i="1" smtClean="0">
                               <a:latin typeface="Cambria Math" charset="0"/>
                             </a:rPr>
                             <m:t>𝑀𝐿</m:t>
@@ -3022,22 +3207,41 @@
                       <m:d>
                         <m:dPr>
                           <m:ctrlPr>
-                            <a:rPr lang="en-US" i="1" smtClean="0">
-                              <a:latin typeface="Cambria Math" charset="0"/>
+                            <a:rPr lang="en-US" sz="2400" i="1" smtClean="0">
+                              <a:latin typeface="Cambria Math" panose="02040503050406030204" pitchFamily="18" charset="0"/>
                             </a:rPr>
                           </m:ctrlPr>
                         </m:dPr>
                         <m:e>
-                          <m:r>
-                            <a:rPr lang="en-US" b="0" i="1" smtClean="0">
-                              <a:latin typeface="Cambria Math" charset="0"/>
-                            </a:rPr>
-                            <m:t>𝑥</m:t>
-                          </m:r>
+                          <m:sSup>
+                            <m:sSupPr>
+                              <m:ctrlPr>
+                                <a:rPr lang="en-US" sz="2400" b="1" i="1" smtClean="0">
+                                  <a:latin typeface="Cambria Math" panose="02040503050406030204" pitchFamily="18" charset="0"/>
+                                </a:rPr>
+                              </m:ctrlPr>
+                            </m:sSupPr>
+                            <m:e>
+                              <m:r>
+                                <a:rPr lang="en-US" sz="2400" b="1" i="1" smtClean="0">
+                                  <a:latin typeface="Cambria Math" panose="02040503050406030204" pitchFamily="18" charset="0"/>
+                                </a:rPr>
+                                <m:t>𝒙</m:t>
+                              </m:r>
+                            </m:e>
+                            <m:sup>
+                              <m:r>
+                                <a:rPr lang="en-US" sz="2400" b="1" i="1" smtClean="0">
+                                  <a:latin typeface="Cambria Math" panose="02040503050406030204" pitchFamily="18" charset="0"/>
+                                </a:rPr>
+                                <m:t>∗</m:t>
+                              </m:r>
+                            </m:sup>
+                          </m:sSup>
                         </m:e>
                       </m:d>
                       <m:r>
-                        <a:rPr lang="en-US" b="0" i="1" smtClean="0">
+                        <a:rPr lang="en-US" sz="2400" b="0" i="1" smtClean="0">
                           <a:latin typeface="Cambria Math" charset="0"/>
                         </a:rPr>
                         <m:t>=</m:t>
@@ -3046,25 +3250,22 @@
                         <m:naryPr>
                           <m:chr m:val="∑"/>
                           <m:ctrlPr>
-                            <a:rPr lang="en-US" i="1" smtClean="0">
-                              <a:latin typeface="Cambria Math" charset="0"/>
+                            <a:rPr lang="en-US" sz="2400" i="1" smtClean="0">
+                              <a:latin typeface="Cambria Math" panose="02040503050406030204" pitchFamily="18" charset="0"/>
                             </a:rPr>
                           </m:ctrlPr>
                         </m:naryPr>
                         <m:sub>
                           <m:r>
-                            <m:rPr>
-                              <m:brk m:alnAt="23"/>
-                            </m:rPr>
-                            <a:rPr lang="en-US" b="0" i="1" smtClean="0">
-                              <a:latin typeface="Cambria Math" charset="0"/>
-                            </a:rPr>
-                            <m:t>𝑛</m:t>
+                            <a:rPr lang="en-US" sz="2400" b="0" i="1" smtClean="0">
+                              <a:latin typeface="Cambria Math" panose="02040503050406030204" pitchFamily="18" charset="0"/>
+                            </a:rPr>
+                            <m:t>𝑗</m:t>
                           </m:r>
                         </m:sub>
                         <m:sup>
                           <m:r>
-                            <a:rPr lang="en-US" b="0" i="1" smtClean="0">
+                            <a:rPr lang="en-US" sz="2400" b="0" i="1" smtClean="0">
                               <a:latin typeface="Cambria Math" charset="0"/>
                             </a:rPr>
                             <m:t>𝑁</m:t>
@@ -3074,14 +3275,14 @@
                           <m:sSub>
                             <m:sSubPr>
                               <m:ctrlPr>
-                                <a:rPr lang="en-US" i="1" smtClean="0">
-                                  <a:latin typeface="Cambria Math" charset="0"/>
+                                <a:rPr lang="en-US" sz="2400" i="1" smtClean="0">
+                                  <a:latin typeface="Cambria Math" panose="02040503050406030204" pitchFamily="18" charset="0"/>
                                 </a:rPr>
                               </m:ctrlPr>
                             </m:sSubPr>
                             <m:e>
                               <m:r>
-                                <a:rPr lang="en-US" b="0" i="1" smtClean="0">
+                                <a:rPr lang="en-US" sz="2400" b="0" i="1" smtClean="0">
                                   <a:latin typeface="Cambria Math" charset="0"/>
                                 </a:rPr>
                                 <m:t>𝛼</m:t>
@@ -3089,78 +3290,119 @@
                             </m:e>
                             <m:sub>
                               <m:r>
-                                <a:rPr lang="en-US" b="0" i="1" smtClean="0">
-                                  <a:latin typeface="Cambria Math" charset="0"/>
-                                </a:rPr>
-                                <m:t>𝑛</m:t>
+                                <a:rPr lang="en-US" sz="2400" b="0" i="1" smtClean="0">
+                                  <a:latin typeface="Cambria Math" panose="02040503050406030204" pitchFamily="18" charset="0"/>
+                                </a:rPr>
+                                <m:t>𝑗</m:t>
                               </m:r>
                             </m:sub>
                           </m:sSub>
-                          <m:sSubSup>
-                            <m:sSubSupPr>
+                          <m:r>
+                            <a:rPr lang="en-US" sz="2400" i="1">
+                              <a:latin typeface="Cambria Math" panose="02040503050406030204" pitchFamily="18" charset="0"/>
+                            </a:rPr>
+                            <m:t>𝑘</m:t>
+                          </m:r>
+                          <m:r>
+                            <a:rPr lang="en-US" sz="2400" i="1">
+                              <a:latin typeface="Cambria Math" panose="02040503050406030204" pitchFamily="18" charset="0"/>
+                            </a:rPr>
+                            <m:t>(</m:t>
+                          </m:r>
+                          <m:sSup>
+                            <m:sSupPr>
                               <m:ctrlPr>
-                                <a:rPr lang="en-US" i="1" smtClean="0">
-                                  <a:latin typeface="Cambria Math" charset="0"/>
+                                <a:rPr lang="en-US" sz="2400" b="0" i="1" smtClean="0">
+                                  <a:latin typeface="Cambria Math" panose="02040503050406030204" pitchFamily="18" charset="0"/>
                                 </a:rPr>
                               </m:ctrlPr>
-                            </m:sSubSupPr>
+                            </m:sSupPr>
                             <m:e>
                               <m:r>
-                                <a:rPr lang="en-US" b="0" i="1" smtClean="0">
-                                  <a:latin typeface="Cambria Math" charset="0"/>
-                                </a:rPr>
-                                <m:t>𝑓</m:t>
+                                <a:rPr lang="en-US" sz="2400" b="1" i="1" smtClean="0">
+                                  <a:latin typeface="Cambria Math" panose="02040503050406030204" pitchFamily="18" charset="0"/>
+                                </a:rPr>
+                                <m:t>𝒙</m:t>
+                              </m:r>
+                            </m:e>
+                            <m:sup>
+                              <m:r>
+                                <a:rPr lang="en-US" sz="2400" b="0" i="1" smtClean="0">
+                                  <a:latin typeface="Cambria Math" panose="02040503050406030204" pitchFamily="18" charset="0"/>
+                                </a:rPr>
+                                <m:t>∗</m:t>
+                              </m:r>
+                            </m:sup>
+                          </m:sSup>
+                          <m:r>
+                            <a:rPr lang="en-US" sz="2400" i="1">
+                              <a:latin typeface="Cambria Math" panose="02040503050406030204" pitchFamily="18" charset="0"/>
+                            </a:rPr>
+                            <m:t>,</m:t>
+                          </m:r>
+                          <m:sSub>
+                            <m:sSubPr>
+                              <m:ctrlPr>
+                                <a:rPr lang="en-US" sz="2400" i="1">
+                                  <a:latin typeface="Cambria Math" panose="02040503050406030204" pitchFamily="18" charset="0"/>
+                                </a:rPr>
+                              </m:ctrlPr>
+                            </m:sSubPr>
+                            <m:e>
+                              <m:r>
+                                <a:rPr lang="en-US" sz="2400" b="1" i="1">
+                                  <a:latin typeface="Cambria Math" panose="02040503050406030204" pitchFamily="18" charset="0"/>
+                                </a:rPr>
+                                <m:t>𝒙</m:t>
                               </m:r>
                             </m:e>
                             <m:sub>
                               <m:r>
-                                <a:rPr lang="en-US" b="0" i="1" smtClean="0">
-                                  <a:latin typeface="Cambria Math" charset="0"/>
-                                </a:rPr>
-                                <m:t>𝑛</m:t>
+                                <a:rPr lang="en-US" sz="2400" b="0" i="1" smtClean="0">
+                                  <a:latin typeface="Cambria Math" panose="02040503050406030204" pitchFamily="18" charset="0"/>
+                                </a:rPr>
+                                <m:t>𝑗</m:t>
                               </m:r>
                             </m:sub>
-                            <m:sup>
-                              <m:r>
-                                <a:rPr lang="en-US" b="0" i="1" smtClean="0">
-                                  <a:latin typeface="Cambria Math" charset="0"/>
-                                </a:rPr>
-                                <m:t>𝑀𝐿</m:t>
-                              </m:r>
-                            </m:sup>
-                          </m:sSubSup>
+                          </m:sSub>
                           <m:r>
-                            <a:rPr lang="en-US" b="0" i="1" smtClean="0">
-                              <a:latin typeface="Cambria Math" charset="0"/>
-                            </a:rPr>
-                            <m:t>(</m:t>
+                            <a:rPr lang="en-US" sz="2400" i="1">
+                              <a:latin typeface="Cambria Math" panose="02040503050406030204" pitchFamily="18" charset="0"/>
+                            </a:rPr>
+                            <m:t>)</m:t>
                           </m:r>
                           <m:r>
-                            <a:rPr lang="en-US" b="0" i="1" smtClean="0">
-                              <a:latin typeface="Cambria Math" charset="0"/>
-                            </a:rPr>
-                            <m:t>𝑥</m:t>
+                            <a:rPr lang="en-US" sz="2400" b="0" i="1" smtClean="0">
+                              <a:latin typeface="Cambria Math" panose="02040503050406030204" pitchFamily="18" charset="0"/>
+                            </a:rPr>
+                            <m:t>+</m:t>
                           </m:r>
                           <m:r>
-                            <a:rPr lang="en-US" b="0" i="1" smtClean="0">
-                              <a:latin typeface="Cambria Math" charset="0"/>
-                            </a:rPr>
-                            <m:t>)</m:t>
+                            <a:rPr lang="en-US" sz="2400" b="0" i="1" smtClean="0">
+                              <a:latin typeface="Cambria Math" panose="02040503050406030204" pitchFamily="18" charset="0"/>
+                            </a:rPr>
+                            <m:t>𝛽</m:t>
                           </m:r>
                         </m:e>
                       </m:nary>
                     </m:oMath>
                   </m:oMathPara>
                 </a14:m>
-                <a:endParaRPr lang="en-US" dirty="0"/>
+                <a:endParaRPr lang="en-US" sz="2400" dirty="0"/>
               </a:p>
             </p:txBody>
           </p:sp>
         </mc:Choice>
-        <mc:Fallback>
+        <mc:Fallback xmlns="">
           <p:sp>
             <p:nvSpPr>
-              <p:cNvPr id="4" name="TextBox 3"/>
+              <p:cNvPr id="8" name="TextBox 7">
+                <a:extLst>
+                  <a:ext uri="{FF2B5EF4-FFF2-40B4-BE49-F238E27FC236}">
+                    <a16:creationId xmlns:a16="http://schemas.microsoft.com/office/drawing/2014/main" id="{4565886E-73A9-DD4D-90C2-BD9C2AFADF7F}"/>
+                  </a:ext>
+                </a:extLst>
+              </p:cNvPr>
               <p:cNvSpPr txBox="1">
                 <a:spLocks noRot="1" noChangeAspect="1" noMove="1" noResize="1" noEditPoints="1" noAdjustHandles="1" noChangeArrowheads="1" noChangeShapeType="1" noTextEdit="1"/>
               </p:cNvSpPr>
@@ -3168,16 +3410,16 @@
             </p:nvSpPr>
             <p:spPr>
               <a:xfrm>
-                <a:off x="6728059" y="4251675"/>
-                <a:ext cx="2671051" cy="871457"/>
+                <a:off x="838200" y="3896028"/>
+                <a:ext cx="4302973" cy="1172629"/>
               </a:xfrm>
               <a:prstGeom prst="rect">
                 <a:avLst/>
               </a:prstGeom>
-              <a:blipFill rotWithShape="0">
-                <a:blip r:embed="rId2"/>
+              <a:blipFill>
+                <a:blip r:embed="rId6"/>
                 <a:stretch>
-                  <a:fillRect/>
+                  <a:fillRect t="-97849" b="-148387"/>
                 </a:stretch>
               </a:blipFill>
             </p:spPr>
@@ -3186,7 +3428,1363 @@
               <a:lstStyle/>
               <a:p>
                 <a:r>
-                  <a:rPr lang="en-US">
+                  <a:rPr lang="da-DK">
+                    <a:noFill/>
+                  </a:rPr>
+                  <a:t> </a:t>
+                </a:r>
+              </a:p>
+            </p:txBody>
+          </p:sp>
+        </mc:Fallback>
+      </mc:AlternateContent>
+      <mc:AlternateContent xmlns:mc="http://schemas.openxmlformats.org/markup-compatibility/2006" xmlns:a14="http://schemas.microsoft.com/office/drawing/2010/main">
+        <mc:Choice Requires="a14">
+          <p:sp>
+            <p:nvSpPr>
+              <p:cNvPr id="9" name="TextBox 8">
+                <a:extLst>
+                  <a:ext uri="{FF2B5EF4-FFF2-40B4-BE49-F238E27FC236}">
+                    <a16:creationId xmlns:a16="http://schemas.microsoft.com/office/drawing/2014/main" id="{F3A575DB-1649-C547-9BCE-503D6BD6423A}"/>
+                  </a:ext>
+                </a:extLst>
+              </p:cNvPr>
+              <p:cNvSpPr txBox="1"/>
+              <p:nvPr/>
+            </p:nvSpPr>
+            <p:spPr>
+              <a:xfrm>
+                <a:off x="838200" y="2183131"/>
+                <a:ext cx="3604641" cy="1126975"/>
+              </a:xfrm>
+              <a:prstGeom prst="rect">
+                <a:avLst/>
+              </a:prstGeom>
+              <a:noFill/>
+            </p:spPr>
+            <p:txBody>
+              <a:bodyPr wrap="none" rtlCol="0">
+                <a:spAutoFit/>
+              </a:bodyPr>
+              <a:lstStyle/>
+              <a:p>
+                <a:pPr/>
+                <a14:m>
+                  <m:oMathPara xmlns:m="http://schemas.openxmlformats.org/officeDocument/2006/math">
+                    <m:oMathParaPr>
+                      <m:jc m:val="centerGroup"/>
+                    </m:oMathParaPr>
+                    <m:oMath xmlns:m="http://schemas.openxmlformats.org/officeDocument/2006/math">
+                      <m:d>
+                        <m:dPr>
+                          <m:ctrlPr>
+                            <a:rPr lang="en-US" sz="2400" i="1" smtClean="0">
+                              <a:latin typeface="Cambria Math" panose="02040503050406030204" pitchFamily="18" charset="0"/>
+                            </a:rPr>
+                          </m:ctrlPr>
+                        </m:dPr>
+                        <m:e>
+                          <m:m>
+                            <m:mPr>
+                              <m:mcs>
+                                <m:mc>
+                                  <m:mcPr>
+                                    <m:count m:val="1"/>
+                                    <m:mcJc m:val="center"/>
+                                  </m:mcPr>
+                                </m:mc>
+                              </m:mcs>
+                              <m:ctrlPr>
+                                <a:rPr lang="en-US" sz="2400" i="1">
+                                  <a:latin typeface="Cambria Math" panose="02040503050406030204" pitchFamily="18" charset="0"/>
+                                </a:rPr>
+                              </m:ctrlPr>
+                            </m:mPr>
+                            <m:mr>
+                              <m:e>
+                                <m:sSub>
+                                  <m:sSubPr>
+                                    <m:ctrlPr>
+                                      <a:rPr lang="en-US" sz="2400" i="1">
+                                        <a:latin typeface="Cambria Math" panose="02040503050406030204" pitchFamily="18" charset="0"/>
+                                      </a:rPr>
+                                    </m:ctrlPr>
+                                  </m:sSubPr>
+                                  <m:e>
+                                    <m:r>
+                                      <a:rPr lang="en-US" sz="2400" b="0" i="1" smtClean="0">
+                                        <a:latin typeface="Cambria Math" panose="02040503050406030204" pitchFamily="18" charset="0"/>
+                                      </a:rPr>
+                                      <m:t>𝛼</m:t>
+                                    </m:r>
+                                  </m:e>
+                                  <m:sub>
+                                    <m:r>
+                                      <m:rPr>
+                                        <m:brk m:alnAt="7"/>
+                                      </m:rPr>
+                                      <a:rPr lang="en-US" sz="2400" i="1">
+                                        <a:latin typeface="Cambria Math" panose="02040503050406030204" pitchFamily="18" charset="0"/>
+                                      </a:rPr>
+                                      <m:t>1</m:t>
+                                    </m:r>
+                                  </m:sub>
+                                </m:sSub>
+                              </m:e>
+                            </m:mr>
+                            <m:mr>
+                              <m:e>
+                                <m:r>
+                                  <a:rPr lang="en-US" sz="2400" i="1">
+                                    <a:latin typeface="Cambria Math" panose="02040503050406030204" pitchFamily="18" charset="0"/>
+                                  </a:rPr>
+                                  <m:t>⋮</m:t>
+                                </m:r>
+                              </m:e>
+                            </m:mr>
+                            <m:mr>
+                              <m:e>
+                                <m:sSub>
+                                  <m:sSubPr>
+                                    <m:ctrlPr>
+                                      <a:rPr lang="en-US" sz="2400" i="1">
+                                        <a:latin typeface="Cambria Math" panose="02040503050406030204" pitchFamily="18" charset="0"/>
+                                      </a:rPr>
+                                    </m:ctrlPr>
+                                  </m:sSubPr>
+                                  <m:e>
+                                    <m:r>
+                                      <a:rPr lang="en-US" sz="2400" b="0" i="1" smtClean="0">
+                                        <a:latin typeface="Cambria Math" panose="02040503050406030204" pitchFamily="18" charset="0"/>
+                                      </a:rPr>
+                                      <m:t>𝛼</m:t>
+                                    </m:r>
+                                  </m:e>
+                                  <m:sub>
+                                    <m:r>
+                                      <a:rPr lang="en-US" sz="2400" i="1">
+                                        <a:latin typeface="Cambria Math" panose="02040503050406030204" pitchFamily="18" charset="0"/>
+                                      </a:rPr>
+                                      <m:t>𝑁</m:t>
+                                    </m:r>
+                                  </m:sub>
+                                </m:sSub>
+                              </m:e>
+                            </m:mr>
+                          </m:m>
+                        </m:e>
+                      </m:d>
+                      <m:r>
+                        <a:rPr lang="en-US" sz="2400" b="0" i="1" smtClean="0">
+                          <a:latin typeface="Cambria Math" panose="02040503050406030204" pitchFamily="18" charset="0"/>
+                        </a:rPr>
+                        <m:t>=</m:t>
+                      </m:r>
+                      <m:sSup>
+                        <m:sSupPr>
+                          <m:ctrlPr>
+                            <a:rPr lang="en-US" sz="2400" b="0" i="1" smtClean="0">
+                              <a:latin typeface="Cambria Math" panose="02040503050406030204" pitchFamily="18" charset="0"/>
+                            </a:rPr>
+                          </m:ctrlPr>
+                        </m:sSupPr>
+                        <m:e>
+                          <m:d>
+                            <m:dPr>
+                              <m:ctrlPr>
+                                <a:rPr lang="en-US" sz="2400" b="0" i="1" smtClean="0">
+                                  <a:latin typeface="Cambria Math" panose="02040503050406030204" pitchFamily="18" charset="0"/>
+                                </a:rPr>
+                              </m:ctrlPr>
+                            </m:dPr>
+                            <m:e>
+                              <m:r>
+                                <a:rPr lang="en-US" sz="2400" b="1" i="0" smtClean="0">
+                                  <a:latin typeface="Cambria Math" panose="02040503050406030204" pitchFamily="18" charset="0"/>
+                                </a:rPr>
+                                <m:t>𝐊</m:t>
+                              </m:r>
+                              <m:r>
+                                <a:rPr lang="en-US" sz="2400" b="0" i="1" smtClean="0">
+                                  <a:latin typeface="Cambria Math" panose="02040503050406030204" pitchFamily="18" charset="0"/>
+                                </a:rPr>
+                                <m:t>+</m:t>
+                              </m:r>
+                              <m:r>
+                                <a:rPr lang="en-US" sz="2400" b="0" i="1" smtClean="0">
+                                  <a:latin typeface="Cambria Math" panose="02040503050406030204" pitchFamily="18" charset="0"/>
+                                </a:rPr>
+                                <m:t>𝜆</m:t>
+                              </m:r>
+                              <m:r>
+                                <a:rPr lang="en-US" sz="2400" b="1" i="0" smtClean="0">
+                                  <a:latin typeface="Cambria Math" panose="02040503050406030204" pitchFamily="18" charset="0"/>
+                                </a:rPr>
+                                <m:t>𝐈</m:t>
+                              </m:r>
+                            </m:e>
+                          </m:d>
+                        </m:e>
+                        <m:sup>
+                          <m:r>
+                            <a:rPr lang="en-US" sz="2400" b="0" i="1" smtClean="0">
+                              <a:latin typeface="Cambria Math" panose="02040503050406030204" pitchFamily="18" charset="0"/>
+                            </a:rPr>
+                            <m:t>−1</m:t>
+                          </m:r>
+                        </m:sup>
+                      </m:sSup>
+                      <m:d>
+                        <m:dPr>
+                          <m:ctrlPr>
+                            <a:rPr lang="en-US" sz="2400" b="0" i="1" smtClean="0">
+                              <a:latin typeface="Cambria Math" panose="02040503050406030204" pitchFamily="18" charset="0"/>
+                            </a:rPr>
+                          </m:ctrlPr>
+                        </m:dPr>
+                        <m:e>
+                          <m:m>
+                            <m:mPr>
+                              <m:mcs>
+                                <m:mc>
+                                  <m:mcPr>
+                                    <m:count m:val="1"/>
+                                    <m:mcJc m:val="center"/>
+                                  </m:mcPr>
+                                </m:mc>
+                              </m:mcs>
+                              <m:ctrlPr>
+                                <a:rPr lang="en-US" sz="2400" i="1">
+                                  <a:latin typeface="Cambria Math" panose="02040503050406030204" pitchFamily="18" charset="0"/>
+                                </a:rPr>
+                              </m:ctrlPr>
+                            </m:mPr>
+                            <m:mr>
+                              <m:e>
+                                <m:sSub>
+                                  <m:sSubPr>
+                                    <m:ctrlPr>
+                                      <a:rPr lang="en-US" sz="2400" b="0" i="1" smtClean="0">
+                                        <a:latin typeface="Cambria Math" panose="02040503050406030204" pitchFamily="18" charset="0"/>
+                                      </a:rPr>
+                                    </m:ctrlPr>
+                                  </m:sSubPr>
+                                  <m:e>
+                                    <m:r>
+                                      <m:rPr>
+                                        <m:brk m:alnAt="7"/>
+                                      </m:rPr>
+                                      <a:rPr lang="en-US" sz="2400" b="0" i="1" smtClean="0">
+                                        <a:latin typeface="Cambria Math" panose="02040503050406030204" pitchFamily="18" charset="0"/>
+                                      </a:rPr>
+                                      <m:t>𝐸</m:t>
+                                    </m:r>
+                                  </m:e>
+                                  <m:sub>
+                                    <m:r>
+                                      <m:rPr>
+                                        <m:brk m:alnAt="7"/>
+                                      </m:rPr>
+                                      <a:rPr lang="en-US" sz="2400" b="0" i="1" smtClean="0">
+                                        <a:latin typeface="Cambria Math" panose="02040503050406030204" pitchFamily="18" charset="0"/>
+                                      </a:rPr>
+                                      <m:t>1</m:t>
+                                    </m:r>
+                                  </m:sub>
+                                </m:sSub>
+                              </m:e>
+                            </m:mr>
+                            <m:mr>
+                              <m:e>
+                                <m:r>
+                                  <a:rPr lang="en-US" sz="2400" i="1" smtClean="0">
+                                    <a:latin typeface="Cambria Math" panose="02040503050406030204" pitchFamily="18" charset="0"/>
+                                  </a:rPr>
+                                  <m:t>⋮</m:t>
+                                </m:r>
+                              </m:e>
+                            </m:mr>
+                            <m:mr>
+                              <m:e>
+                                <m:sSub>
+                                  <m:sSubPr>
+                                    <m:ctrlPr>
+                                      <a:rPr lang="en-US" sz="2400" b="0" i="1" smtClean="0">
+                                        <a:latin typeface="Cambria Math" panose="02040503050406030204" pitchFamily="18" charset="0"/>
+                                      </a:rPr>
+                                    </m:ctrlPr>
+                                  </m:sSubPr>
+                                  <m:e>
+                                    <m:r>
+                                      <a:rPr lang="en-US" sz="2400" b="0" i="1" smtClean="0">
+                                        <a:latin typeface="Cambria Math" panose="02040503050406030204" pitchFamily="18" charset="0"/>
+                                      </a:rPr>
+                                      <m:t>𝐸</m:t>
+                                    </m:r>
+                                  </m:e>
+                                  <m:sub>
+                                    <m:r>
+                                      <a:rPr lang="en-US" sz="2400" b="0" i="1" smtClean="0">
+                                        <a:latin typeface="Cambria Math" panose="02040503050406030204" pitchFamily="18" charset="0"/>
+                                      </a:rPr>
+                                      <m:t>𝑁</m:t>
+                                    </m:r>
+                                  </m:sub>
+                                </m:sSub>
+                              </m:e>
+                            </m:mr>
+                          </m:m>
+                        </m:e>
+                      </m:d>
+                    </m:oMath>
+                  </m:oMathPara>
+                </a14:m>
+                <a:endParaRPr lang="en-US" sz="2400" dirty="0"/>
+              </a:p>
+            </p:txBody>
+          </p:sp>
+        </mc:Choice>
+        <mc:Fallback xmlns="">
+          <p:sp>
+            <p:nvSpPr>
+              <p:cNvPr id="9" name="TextBox 8">
+                <a:extLst>
+                  <a:ext uri="{FF2B5EF4-FFF2-40B4-BE49-F238E27FC236}">
+                    <a16:creationId xmlns:a16="http://schemas.microsoft.com/office/drawing/2014/main" id="{F3A575DB-1649-C547-9BCE-503D6BD6423A}"/>
+                  </a:ext>
+                </a:extLst>
+              </p:cNvPr>
+              <p:cNvSpPr txBox="1">
+                <a:spLocks noRot="1" noChangeAspect="1" noMove="1" noResize="1" noEditPoints="1" noAdjustHandles="1" noChangeArrowheads="1" noChangeShapeType="1" noTextEdit="1"/>
+              </p:cNvSpPr>
+              <p:nvPr/>
+            </p:nvSpPr>
+            <p:spPr>
+              <a:xfrm>
+                <a:off x="838200" y="2183131"/>
+                <a:ext cx="3604641" cy="1126975"/>
+              </a:xfrm>
+              <a:prstGeom prst="rect">
+                <a:avLst/>
+              </a:prstGeom>
+              <a:blipFill>
+                <a:blip r:embed="rId5"/>
+                <a:stretch>
+                  <a:fillRect b="-1111"/>
+                </a:stretch>
+              </a:blipFill>
+            </p:spPr>
+            <p:txBody>
+              <a:bodyPr/>
+              <a:lstStyle/>
+              <a:p>
+                <a:r>
+                  <a:rPr lang="da-DK">
+                    <a:noFill/>
+                  </a:rPr>
+                  <a:t> </a:t>
+                </a:r>
+              </a:p>
+            </p:txBody>
+          </p:sp>
+        </mc:Fallback>
+      </mc:AlternateContent>
+      <p:sp>
+        <p:nvSpPr>
+          <p:cNvPr id="4" name="TextBox 3">
+            <a:extLst>
+              <a:ext uri="{FF2B5EF4-FFF2-40B4-BE49-F238E27FC236}">
+                <a16:creationId xmlns:a16="http://schemas.microsoft.com/office/drawing/2014/main" id="{418E9695-FFEC-9740-A3A8-69ED16AB64CF}"/>
+              </a:ext>
+            </a:extLst>
+          </p:cNvPr>
+          <p:cNvSpPr txBox="1"/>
+          <p:nvPr/>
+        </p:nvSpPr>
+        <p:spPr>
+          <a:xfrm>
+            <a:off x="838200" y="3454902"/>
+            <a:ext cx="1541576" cy="461665"/>
+          </a:xfrm>
+          <a:prstGeom prst="rect">
+            <a:avLst/>
+          </a:prstGeom>
+          <a:noFill/>
+        </p:spPr>
+        <p:txBody>
+          <a:bodyPr wrap="none" rtlCol="0">
+            <a:spAutoFit/>
+          </a:bodyPr>
+          <a:lstStyle/>
+          <a:p>
+            <a:r>
+              <a:rPr lang="da-DK" sz="2400" u="sng" dirty="0" err="1"/>
+              <a:t>Prediction</a:t>
+            </a:r>
+            <a:r>
+              <a:rPr lang="da-DK" sz="2400" u="sng" dirty="0"/>
+              <a:t>:</a:t>
+            </a:r>
+          </a:p>
+        </p:txBody>
+      </p:sp>
+      <p:sp>
+        <p:nvSpPr>
+          <p:cNvPr id="11" name="TextBox 10">
+            <a:extLst>
+              <a:ext uri="{FF2B5EF4-FFF2-40B4-BE49-F238E27FC236}">
+                <a16:creationId xmlns:a16="http://schemas.microsoft.com/office/drawing/2014/main" id="{48B9982E-2EAD-4D48-B195-35C6B9D88A1B}"/>
+              </a:ext>
+            </a:extLst>
+          </p:cNvPr>
+          <p:cNvSpPr txBox="1"/>
+          <p:nvPr/>
+        </p:nvSpPr>
+        <p:spPr>
+          <a:xfrm>
+            <a:off x="838200" y="5184123"/>
+            <a:ext cx="2243563" cy="461665"/>
+          </a:xfrm>
+          <a:prstGeom prst="rect">
+            <a:avLst/>
+          </a:prstGeom>
+          <a:noFill/>
+        </p:spPr>
+        <p:txBody>
+          <a:bodyPr wrap="none" rtlCol="0">
+            <a:spAutoFit/>
+          </a:bodyPr>
+          <a:lstStyle/>
+          <a:p>
+            <a:r>
+              <a:rPr lang="da-DK" sz="2400" u="sng" dirty="0" err="1"/>
+              <a:t>Prediction</a:t>
+            </a:r>
+            <a:r>
+              <a:rPr lang="da-DK" sz="2400" u="sng" dirty="0"/>
+              <a:t> </a:t>
+            </a:r>
+            <a:r>
+              <a:rPr lang="da-DK" sz="2400" u="sng" dirty="0" err="1"/>
+              <a:t>error</a:t>
+            </a:r>
+            <a:r>
+              <a:rPr lang="da-DK" sz="2400" u="sng" dirty="0"/>
+              <a:t>:</a:t>
+            </a:r>
+          </a:p>
+        </p:txBody>
+      </p:sp>
+      <p:sp>
+        <p:nvSpPr>
+          <p:cNvPr id="3" name="TextBox 2">
+            <a:extLst>
+              <a:ext uri="{FF2B5EF4-FFF2-40B4-BE49-F238E27FC236}">
+                <a16:creationId xmlns:a16="http://schemas.microsoft.com/office/drawing/2014/main" id="{11136707-7EEC-3249-B706-C64078848168}"/>
+              </a:ext>
+            </a:extLst>
+          </p:cNvPr>
+          <p:cNvSpPr txBox="1"/>
+          <p:nvPr/>
+        </p:nvSpPr>
+        <p:spPr>
+          <a:xfrm>
+            <a:off x="1309254" y="5787145"/>
+            <a:ext cx="4539576" cy="461665"/>
+          </a:xfrm>
+          <a:prstGeom prst="rect">
+            <a:avLst/>
+          </a:prstGeom>
+          <a:noFill/>
+        </p:spPr>
+        <p:txBody>
+          <a:bodyPr wrap="none" rtlCol="0">
+            <a:spAutoFit/>
+          </a:bodyPr>
+          <a:lstStyle/>
+          <a:p>
+            <a:r>
+              <a:rPr lang="da-DK" sz="2400" dirty="0"/>
+              <a:t>from </a:t>
+            </a:r>
+            <a:r>
+              <a:rPr lang="da-DK" sz="2400" b="1" i="1" dirty="0" err="1"/>
+              <a:t>Gaussian</a:t>
+            </a:r>
+            <a:r>
+              <a:rPr lang="da-DK" sz="2400" b="1" i="1" dirty="0"/>
+              <a:t> </a:t>
+            </a:r>
+            <a:r>
+              <a:rPr lang="da-DK" sz="2400" b="1" i="1" dirty="0" err="1"/>
+              <a:t>process</a:t>
+            </a:r>
+            <a:r>
+              <a:rPr lang="da-DK" sz="2400" b="1" i="1" dirty="0"/>
+              <a:t> Regression</a:t>
+            </a:r>
+            <a:endParaRPr lang="da-DK" sz="2400" dirty="0"/>
+          </a:p>
+        </p:txBody>
+      </p:sp>
+    </p:spTree>
+    <p:extLst>
+      <p:ext uri="{BB962C8B-B14F-4D97-AF65-F5344CB8AC3E}">
+        <p14:creationId xmlns:p14="http://schemas.microsoft.com/office/powerpoint/2010/main" val="782458205"/>
+      </p:ext>
+    </p:extLst>
+  </p:cSld>
+  <p:clrMapOvr>
+    <a:masterClrMapping/>
+  </p:clrMapOvr>
+</p:sld>
+</file>
+
+<file path=ppt/slides/slide2.xml><?xml version="1.0" encoding="utf-8"?>
+<p:sld xmlns:a="http://schemas.openxmlformats.org/drawingml/2006/main" xmlns:r="http://schemas.openxmlformats.org/officeDocument/2006/relationships" xmlns:p="http://schemas.openxmlformats.org/presentationml/2006/main">
+  <p:cSld>
+    <p:spTree>
+      <p:nvGrpSpPr>
+        <p:cNvPr id="1" name=""/>
+        <p:cNvGrpSpPr/>
+        <p:nvPr/>
+      </p:nvGrpSpPr>
+      <p:grpSpPr>
+        <a:xfrm>
+          <a:off x="0" y="0"/>
+          <a:ext cx="0" cy="0"/>
+          <a:chOff x="0" y="0"/>
+          <a:chExt cx="0" cy="0"/>
+        </a:xfrm>
+      </p:grpSpPr>
+      <p:sp>
+        <p:nvSpPr>
+          <p:cNvPr id="2" name="Title 1">
+            <a:extLst>
+              <a:ext uri="{FF2B5EF4-FFF2-40B4-BE49-F238E27FC236}">
+                <a16:creationId xmlns:a16="http://schemas.microsoft.com/office/drawing/2014/main" id="{90371848-C3C2-2946-8721-32944148379F}"/>
+              </a:ext>
+            </a:extLst>
+          </p:cNvPr>
+          <p:cNvSpPr>
+            <a:spLocks noGrp="1"/>
+          </p:cNvSpPr>
+          <p:nvPr>
+            <p:ph type="title"/>
+          </p:nvPr>
+        </p:nvSpPr>
+        <p:spPr/>
+        <p:txBody>
+          <a:bodyPr/>
+          <a:lstStyle/>
+          <a:p>
+            <a:r>
+              <a:rPr lang="da-DK" dirty="0" err="1"/>
+              <a:t>Kernel</a:t>
+            </a:r>
+            <a:r>
+              <a:rPr lang="da-DK" dirty="0"/>
+              <a:t> Regression</a:t>
+            </a:r>
+          </a:p>
+        </p:txBody>
+      </p:sp>
+      <p:pic>
+        <p:nvPicPr>
+          <p:cNvPr id="5" name="Picture 4">
+            <a:extLst>
+              <a:ext uri="{FF2B5EF4-FFF2-40B4-BE49-F238E27FC236}">
+                <a16:creationId xmlns:a16="http://schemas.microsoft.com/office/drawing/2014/main" id="{96C8DA8D-9BEF-744E-AFF8-50655E69712A}"/>
+              </a:ext>
+            </a:extLst>
+          </p:cNvPr>
+          <p:cNvPicPr>
+            <a:picLocks noChangeAspect="1"/>
+          </p:cNvPicPr>
+          <p:nvPr/>
+        </p:nvPicPr>
+        <p:blipFill>
+          <a:blip r:embed="rId2"/>
+          <a:stretch>
+            <a:fillRect/>
+          </a:stretch>
+        </p:blipFill>
+        <p:spPr>
+          <a:xfrm>
+            <a:off x="6096000" y="1288905"/>
+            <a:ext cx="5854700" cy="4394200"/>
+          </a:xfrm>
+          <a:prstGeom prst="rect">
+            <a:avLst/>
+          </a:prstGeom>
+        </p:spPr>
+      </p:pic>
+      <mc:AlternateContent xmlns:mc="http://schemas.openxmlformats.org/markup-compatibility/2006" xmlns:a14="http://schemas.microsoft.com/office/drawing/2010/main">
+        <mc:Choice Requires="a14">
+          <p:sp>
+            <p:nvSpPr>
+              <p:cNvPr id="6" name="TextBox 5">
+                <a:extLst>
+                  <a:ext uri="{FF2B5EF4-FFF2-40B4-BE49-F238E27FC236}">
+                    <a16:creationId xmlns:a16="http://schemas.microsoft.com/office/drawing/2014/main" id="{B64305C1-D8DA-9449-80AD-775E6D513BE6}"/>
+                  </a:ext>
+                </a:extLst>
+              </p:cNvPr>
+              <p:cNvSpPr txBox="1"/>
+              <p:nvPr/>
+            </p:nvSpPr>
+            <p:spPr>
+              <a:xfrm>
+                <a:off x="838200" y="1593706"/>
+                <a:ext cx="4389150" cy="830997"/>
+              </a:xfrm>
+              <a:prstGeom prst="rect">
+                <a:avLst/>
+              </a:prstGeom>
+              <a:noFill/>
+            </p:spPr>
+            <p:txBody>
+              <a:bodyPr wrap="none" rtlCol="0">
+                <a:spAutoFit/>
+              </a:bodyPr>
+              <a:lstStyle/>
+              <a:p>
+                <a:pPr marL="342900" indent="-342900">
+                  <a:buFont typeface="Arial" panose="020B0604020202020204" pitchFamily="34" charset="0"/>
+                  <a:buChar char="•"/>
+                </a:pPr>
+                <a:r>
+                  <a:rPr lang="en-US" sz="2400" dirty="0"/>
+                  <a:t>Given data </a:t>
+                </a:r>
+                <a14:m>
+                  <m:oMath xmlns:m="http://schemas.openxmlformats.org/officeDocument/2006/math">
+                    <m:d>
+                      <m:dPr>
+                        <m:begChr m:val="{"/>
+                        <m:endChr m:val="}"/>
+                        <m:ctrlPr>
+                          <a:rPr lang="en-US" sz="2400" b="0" i="1" smtClean="0">
+                            <a:latin typeface="Cambria Math" panose="02040503050406030204" pitchFamily="18" charset="0"/>
+                          </a:rPr>
+                        </m:ctrlPr>
+                      </m:dPr>
+                      <m:e>
+                        <m:sSub>
+                          <m:sSubPr>
+                            <m:ctrlPr>
+                              <a:rPr lang="en-US" sz="2400" b="0" i="1" smtClean="0">
+                                <a:latin typeface="Cambria Math" panose="02040503050406030204" pitchFamily="18" charset="0"/>
+                              </a:rPr>
+                            </m:ctrlPr>
+                          </m:sSubPr>
+                          <m:e>
+                            <m:r>
+                              <a:rPr lang="en-US" sz="2400" b="1" i="1" smtClean="0">
+                                <a:latin typeface="Cambria Math" charset="0"/>
+                              </a:rPr>
+                              <m:t>𝒙</m:t>
+                            </m:r>
+                          </m:e>
+                          <m:sub>
+                            <m:r>
+                              <a:rPr lang="en-US" sz="2400" b="0" i="1" smtClean="0">
+                                <a:latin typeface="Cambria Math" charset="0"/>
+                              </a:rPr>
+                              <m:t>𝑖</m:t>
+                            </m:r>
+                          </m:sub>
+                        </m:sSub>
+                        <m:r>
+                          <a:rPr lang="en-US" sz="2400" b="0" i="1" smtClean="0">
+                            <a:latin typeface="Cambria Math" charset="0"/>
+                          </a:rPr>
+                          <m:t>, </m:t>
+                        </m:r>
+                        <m:sSub>
+                          <m:sSubPr>
+                            <m:ctrlPr>
+                              <a:rPr lang="en-US" sz="2400" b="0" i="1" smtClean="0">
+                                <a:latin typeface="Cambria Math" panose="02040503050406030204" pitchFamily="18" charset="0"/>
+                              </a:rPr>
+                            </m:ctrlPr>
+                          </m:sSubPr>
+                          <m:e>
+                            <m:r>
+                              <a:rPr lang="en-US" sz="2400" b="0" i="1" smtClean="0">
+                                <a:latin typeface="Cambria Math" charset="0"/>
+                              </a:rPr>
+                              <m:t>𝐸</m:t>
+                            </m:r>
+                          </m:e>
+                          <m:sub>
+                            <m:r>
+                              <a:rPr lang="en-US" sz="2400" b="0" i="1" smtClean="0">
+                                <a:latin typeface="Cambria Math" charset="0"/>
+                              </a:rPr>
+                              <m:t>𝑖</m:t>
+                            </m:r>
+                          </m:sub>
+                        </m:sSub>
+                      </m:e>
+                    </m:d>
+                    <m:r>
+                      <a:rPr lang="en-US" sz="2400" b="0" i="0" smtClean="0">
+                        <a:latin typeface="Cambria Math" panose="02040503050406030204" pitchFamily="18" charset="0"/>
+                      </a:rPr>
+                      <m:t>, </m:t>
+                    </m:r>
+                    <m:r>
+                      <m:rPr>
+                        <m:sty m:val="p"/>
+                      </m:rPr>
+                      <a:rPr lang="en-US" sz="2400" b="0" i="0" smtClean="0">
+                        <a:latin typeface="Cambria Math" panose="02040503050406030204" pitchFamily="18" charset="0"/>
+                      </a:rPr>
+                      <m:t>predict</m:t>
+                    </m:r>
+                    <m:r>
+                      <a:rPr lang="en-US" sz="2400" b="0" i="0" smtClean="0">
+                        <a:latin typeface="Cambria Math" panose="02040503050406030204" pitchFamily="18" charset="0"/>
+                      </a:rPr>
+                      <m:t> </m:t>
+                    </m:r>
+                    <m:r>
+                      <m:rPr>
+                        <m:sty m:val="p"/>
+                      </m:rPr>
+                      <a:rPr lang="en-US" sz="2400" b="0" i="0" smtClean="0">
+                        <a:latin typeface="Cambria Math" panose="02040503050406030204" pitchFamily="18" charset="0"/>
+                      </a:rPr>
+                      <m:t>the</m:t>
+                    </m:r>
+                  </m:oMath>
+                </a14:m>
+                <a:endParaRPr lang="en-US" sz="2400" b="0" dirty="0"/>
+              </a:p>
+              <a:p>
+                <a:r>
+                  <a:rPr lang="en-US" sz="2400" dirty="0"/>
+                  <a:t>     energy landscape.</a:t>
+                </a:r>
+              </a:p>
+            </p:txBody>
+          </p:sp>
+        </mc:Choice>
+        <mc:Fallback xmlns="">
+          <p:sp>
+            <p:nvSpPr>
+              <p:cNvPr id="6" name="TextBox 5">
+                <a:extLst>
+                  <a:ext uri="{FF2B5EF4-FFF2-40B4-BE49-F238E27FC236}">
+                    <a16:creationId xmlns:a16="http://schemas.microsoft.com/office/drawing/2014/main" id="{B64305C1-D8DA-9449-80AD-775E6D513BE6}"/>
+                  </a:ext>
+                </a:extLst>
+              </p:cNvPr>
+              <p:cNvSpPr txBox="1">
+                <a:spLocks noRot="1" noChangeAspect="1" noMove="1" noResize="1" noEditPoints="1" noAdjustHandles="1" noChangeArrowheads="1" noChangeShapeType="1" noTextEdit="1"/>
+              </p:cNvSpPr>
+              <p:nvPr/>
+            </p:nvSpPr>
+            <p:spPr>
+              <a:xfrm>
+                <a:off x="838200" y="1593706"/>
+                <a:ext cx="4389150" cy="830997"/>
+              </a:xfrm>
+              <a:prstGeom prst="rect">
+                <a:avLst/>
+              </a:prstGeom>
+              <a:blipFill>
+                <a:blip r:embed="rId4"/>
+                <a:stretch>
+                  <a:fillRect l="-1729" t="-2985" b="-13433"/>
+                </a:stretch>
+              </a:blipFill>
+            </p:spPr>
+            <p:txBody>
+              <a:bodyPr/>
+              <a:lstStyle/>
+              <a:p>
+                <a:r>
+                  <a:rPr lang="da-DK">
+                    <a:noFill/>
+                  </a:rPr>
+                  <a:t> </a:t>
+                </a:r>
+              </a:p>
+            </p:txBody>
+          </p:sp>
+        </mc:Fallback>
+      </mc:AlternateContent>
+    </p:spTree>
+    <p:extLst>
+      <p:ext uri="{BB962C8B-B14F-4D97-AF65-F5344CB8AC3E}">
+        <p14:creationId xmlns:p14="http://schemas.microsoft.com/office/powerpoint/2010/main" val="1071576598"/>
+      </p:ext>
+    </p:extLst>
+  </p:cSld>
+  <p:clrMapOvr>
+    <a:masterClrMapping/>
+  </p:clrMapOvr>
+</p:sld>
+</file>
+
+<file path=ppt/slides/slide3.xml><?xml version="1.0" encoding="utf-8"?>
+<p:sld xmlns:a="http://schemas.openxmlformats.org/drawingml/2006/main" xmlns:r="http://schemas.openxmlformats.org/officeDocument/2006/relationships" xmlns:p="http://schemas.openxmlformats.org/presentationml/2006/main">
+  <p:cSld>
+    <p:spTree>
+      <p:nvGrpSpPr>
+        <p:cNvPr id="1" name=""/>
+        <p:cNvGrpSpPr/>
+        <p:nvPr/>
+      </p:nvGrpSpPr>
+      <p:grpSpPr>
+        <a:xfrm>
+          <a:off x="0" y="0"/>
+          <a:ext cx="0" cy="0"/>
+          <a:chOff x="0" y="0"/>
+          <a:chExt cx="0" cy="0"/>
+        </a:xfrm>
+      </p:grpSpPr>
+      <p:sp>
+        <p:nvSpPr>
+          <p:cNvPr id="2" name="Title 1">
+            <a:extLst>
+              <a:ext uri="{FF2B5EF4-FFF2-40B4-BE49-F238E27FC236}">
+                <a16:creationId xmlns:a16="http://schemas.microsoft.com/office/drawing/2014/main" id="{90371848-C3C2-2946-8721-32944148379F}"/>
+              </a:ext>
+            </a:extLst>
+          </p:cNvPr>
+          <p:cNvSpPr>
+            <a:spLocks noGrp="1"/>
+          </p:cNvSpPr>
+          <p:nvPr>
+            <p:ph type="title"/>
+          </p:nvPr>
+        </p:nvSpPr>
+        <p:spPr/>
+        <p:txBody>
+          <a:bodyPr/>
+          <a:lstStyle/>
+          <a:p>
+            <a:r>
+              <a:rPr lang="da-DK" dirty="0" err="1"/>
+              <a:t>Kernel</a:t>
+            </a:r>
+            <a:r>
+              <a:rPr lang="da-DK" dirty="0"/>
+              <a:t> Regression</a:t>
+            </a:r>
+          </a:p>
+        </p:txBody>
+      </p:sp>
+      <p:pic>
+        <p:nvPicPr>
+          <p:cNvPr id="5" name="Picture 4">
+            <a:extLst>
+              <a:ext uri="{FF2B5EF4-FFF2-40B4-BE49-F238E27FC236}">
+                <a16:creationId xmlns:a16="http://schemas.microsoft.com/office/drawing/2014/main" id="{96C8DA8D-9BEF-744E-AFF8-50655E69712A}"/>
+              </a:ext>
+            </a:extLst>
+          </p:cNvPr>
+          <p:cNvPicPr>
+            <a:picLocks noChangeAspect="1"/>
+          </p:cNvPicPr>
+          <p:nvPr/>
+        </p:nvPicPr>
+        <p:blipFill>
+          <a:blip r:embed="rId2"/>
+          <a:stretch>
+            <a:fillRect/>
+          </a:stretch>
+        </p:blipFill>
+        <p:spPr>
+          <a:xfrm>
+            <a:off x="6096000" y="1288905"/>
+            <a:ext cx="5854700" cy="4394200"/>
+          </a:xfrm>
+          <a:prstGeom prst="rect">
+            <a:avLst/>
+          </a:prstGeom>
+        </p:spPr>
+      </p:pic>
+      <mc:AlternateContent xmlns:mc="http://schemas.openxmlformats.org/markup-compatibility/2006" xmlns:a14="http://schemas.microsoft.com/office/drawing/2010/main">
+        <mc:Choice Requires="a14">
+          <p:sp>
+            <p:nvSpPr>
+              <p:cNvPr id="6" name="TextBox 5">
+                <a:extLst>
+                  <a:ext uri="{FF2B5EF4-FFF2-40B4-BE49-F238E27FC236}">
+                    <a16:creationId xmlns:a16="http://schemas.microsoft.com/office/drawing/2014/main" id="{B64305C1-D8DA-9449-80AD-775E6D513BE6}"/>
+                  </a:ext>
+                </a:extLst>
+              </p:cNvPr>
+              <p:cNvSpPr txBox="1"/>
+              <p:nvPr/>
+            </p:nvSpPr>
+            <p:spPr>
+              <a:xfrm>
+                <a:off x="838200" y="1593706"/>
+                <a:ext cx="4389150" cy="830997"/>
+              </a:xfrm>
+              <a:prstGeom prst="rect">
+                <a:avLst/>
+              </a:prstGeom>
+              <a:noFill/>
+            </p:spPr>
+            <p:txBody>
+              <a:bodyPr wrap="none" rtlCol="0">
+                <a:spAutoFit/>
+              </a:bodyPr>
+              <a:lstStyle/>
+              <a:p>
+                <a:pPr marL="342900" indent="-342900">
+                  <a:buFont typeface="Arial" panose="020B0604020202020204" pitchFamily="34" charset="0"/>
+                  <a:buChar char="•"/>
+                </a:pPr>
+                <a:r>
+                  <a:rPr lang="en-US" sz="2400" dirty="0"/>
+                  <a:t>Given data </a:t>
+                </a:r>
+                <a14:m>
+                  <m:oMath xmlns:m="http://schemas.openxmlformats.org/officeDocument/2006/math">
+                    <m:d>
+                      <m:dPr>
+                        <m:begChr m:val="{"/>
+                        <m:endChr m:val="}"/>
+                        <m:ctrlPr>
+                          <a:rPr lang="en-US" sz="2400" b="0" i="1" smtClean="0">
+                            <a:latin typeface="Cambria Math" panose="02040503050406030204" pitchFamily="18" charset="0"/>
+                          </a:rPr>
+                        </m:ctrlPr>
+                      </m:dPr>
+                      <m:e>
+                        <m:sSub>
+                          <m:sSubPr>
+                            <m:ctrlPr>
+                              <a:rPr lang="en-US" sz="2400" b="0" i="1" smtClean="0">
+                                <a:latin typeface="Cambria Math" panose="02040503050406030204" pitchFamily="18" charset="0"/>
+                              </a:rPr>
+                            </m:ctrlPr>
+                          </m:sSubPr>
+                          <m:e>
+                            <m:r>
+                              <a:rPr lang="en-US" sz="2400" b="1" i="1" smtClean="0">
+                                <a:latin typeface="Cambria Math" charset="0"/>
+                              </a:rPr>
+                              <m:t>𝒙</m:t>
+                            </m:r>
+                          </m:e>
+                          <m:sub>
+                            <m:r>
+                              <a:rPr lang="en-US" sz="2400" b="0" i="1" smtClean="0">
+                                <a:latin typeface="Cambria Math" charset="0"/>
+                              </a:rPr>
+                              <m:t>𝑖</m:t>
+                            </m:r>
+                          </m:sub>
+                        </m:sSub>
+                        <m:r>
+                          <a:rPr lang="en-US" sz="2400" b="0" i="1" smtClean="0">
+                            <a:latin typeface="Cambria Math" charset="0"/>
+                          </a:rPr>
+                          <m:t>, </m:t>
+                        </m:r>
+                        <m:sSub>
+                          <m:sSubPr>
+                            <m:ctrlPr>
+                              <a:rPr lang="en-US" sz="2400" b="0" i="1" smtClean="0">
+                                <a:latin typeface="Cambria Math" panose="02040503050406030204" pitchFamily="18" charset="0"/>
+                              </a:rPr>
+                            </m:ctrlPr>
+                          </m:sSubPr>
+                          <m:e>
+                            <m:r>
+                              <a:rPr lang="en-US" sz="2400" b="0" i="1" smtClean="0">
+                                <a:latin typeface="Cambria Math" charset="0"/>
+                              </a:rPr>
+                              <m:t>𝐸</m:t>
+                            </m:r>
+                          </m:e>
+                          <m:sub>
+                            <m:r>
+                              <a:rPr lang="en-US" sz="2400" b="0" i="1" smtClean="0">
+                                <a:latin typeface="Cambria Math" charset="0"/>
+                              </a:rPr>
+                              <m:t>𝑖</m:t>
+                            </m:r>
+                          </m:sub>
+                        </m:sSub>
+                      </m:e>
+                    </m:d>
+                    <m:r>
+                      <a:rPr lang="en-US" sz="2400" b="0" i="0" smtClean="0">
+                        <a:latin typeface="Cambria Math" panose="02040503050406030204" pitchFamily="18" charset="0"/>
+                      </a:rPr>
+                      <m:t>, </m:t>
+                    </m:r>
+                    <m:r>
+                      <m:rPr>
+                        <m:sty m:val="p"/>
+                      </m:rPr>
+                      <a:rPr lang="en-US" sz="2400" b="0" i="0" smtClean="0">
+                        <a:latin typeface="Cambria Math" panose="02040503050406030204" pitchFamily="18" charset="0"/>
+                      </a:rPr>
+                      <m:t>predict</m:t>
+                    </m:r>
+                    <m:r>
+                      <a:rPr lang="en-US" sz="2400" b="0" i="0" smtClean="0">
+                        <a:latin typeface="Cambria Math" panose="02040503050406030204" pitchFamily="18" charset="0"/>
+                      </a:rPr>
+                      <m:t> </m:t>
+                    </m:r>
+                    <m:r>
+                      <m:rPr>
+                        <m:sty m:val="p"/>
+                      </m:rPr>
+                      <a:rPr lang="en-US" sz="2400" b="0" i="0" smtClean="0">
+                        <a:latin typeface="Cambria Math" panose="02040503050406030204" pitchFamily="18" charset="0"/>
+                      </a:rPr>
+                      <m:t>the</m:t>
+                    </m:r>
+                  </m:oMath>
+                </a14:m>
+                <a:endParaRPr lang="en-US" sz="2400" b="0" dirty="0"/>
+              </a:p>
+              <a:p>
+                <a:r>
+                  <a:rPr lang="en-US" sz="2400" dirty="0"/>
+                  <a:t>     energy landscape.</a:t>
+                </a:r>
+              </a:p>
+            </p:txBody>
+          </p:sp>
+        </mc:Choice>
+        <mc:Fallback xmlns="">
+          <p:sp>
+            <p:nvSpPr>
+              <p:cNvPr id="6" name="TextBox 5">
+                <a:extLst>
+                  <a:ext uri="{FF2B5EF4-FFF2-40B4-BE49-F238E27FC236}">
+                    <a16:creationId xmlns:a16="http://schemas.microsoft.com/office/drawing/2014/main" id="{B64305C1-D8DA-9449-80AD-775E6D513BE6}"/>
+                  </a:ext>
+                </a:extLst>
+              </p:cNvPr>
+              <p:cNvSpPr txBox="1">
+                <a:spLocks noRot="1" noChangeAspect="1" noMove="1" noResize="1" noEditPoints="1" noAdjustHandles="1" noChangeArrowheads="1" noChangeShapeType="1" noTextEdit="1"/>
+              </p:cNvSpPr>
+              <p:nvPr/>
+            </p:nvSpPr>
+            <p:spPr>
+              <a:xfrm>
+                <a:off x="838200" y="1593706"/>
+                <a:ext cx="4389150" cy="830997"/>
+              </a:xfrm>
+              <a:prstGeom prst="rect">
+                <a:avLst/>
+              </a:prstGeom>
+              <a:blipFill>
+                <a:blip r:embed="rId4"/>
+                <a:stretch>
+                  <a:fillRect l="-1729" t="-2985" b="-13433"/>
+                </a:stretch>
+              </a:blipFill>
+            </p:spPr>
+            <p:txBody>
+              <a:bodyPr/>
+              <a:lstStyle/>
+              <a:p>
+                <a:r>
+                  <a:rPr lang="da-DK">
+                    <a:noFill/>
+                  </a:rPr>
+                  <a:t> </a:t>
+                </a:r>
+              </a:p>
+            </p:txBody>
+          </p:sp>
+        </mc:Fallback>
+      </mc:AlternateContent>
+    </p:spTree>
+    <p:extLst>
+      <p:ext uri="{BB962C8B-B14F-4D97-AF65-F5344CB8AC3E}">
+        <p14:creationId xmlns:p14="http://schemas.microsoft.com/office/powerpoint/2010/main" val="1994775207"/>
+      </p:ext>
+    </p:extLst>
+  </p:cSld>
+  <p:clrMapOvr>
+    <a:masterClrMapping/>
+  </p:clrMapOvr>
+</p:sld>
+</file>
+
+<file path=ppt/slides/slide4.xml><?xml version="1.0" encoding="utf-8"?>
+<p:sld xmlns:a="http://schemas.openxmlformats.org/drawingml/2006/main" xmlns:r="http://schemas.openxmlformats.org/officeDocument/2006/relationships" xmlns:p="http://schemas.openxmlformats.org/presentationml/2006/main">
+  <p:cSld>
+    <p:spTree>
+      <p:nvGrpSpPr>
+        <p:cNvPr id="1" name=""/>
+        <p:cNvGrpSpPr/>
+        <p:nvPr/>
+      </p:nvGrpSpPr>
+      <p:grpSpPr>
+        <a:xfrm>
+          <a:off x="0" y="0"/>
+          <a:ext cx="0" cy="0"/>
+          <a:chOff x="0" y="0"/>
+          <a:chExt cx="0" cy="0"/>
+        </a:xfrm>
+      </p:grpSpPr>
+      <p:sp>
+        <p:nvSpPr>
+          <p:cNvPr id="2" name="Title 1">
+            <a:extLst>
+              <a:ext uri="{FF2B5EF4-FFF2-40B4-BE49-F238E27FC236}">
+                <a16:creationId xmlns:a16="http://schemas.microsoft.com/office/drawing/2014/main" id="{90371848-C3C2-2946-8721-32944148379F}"/>
+              </a:ext>
+            </a:extLst>
+          </p:cNvPr>
+          <p:cNvSpPr>
+            <a:spLocks noGrp="1"/>
+          </p:cNvSpPr>
+          <p:nvPr>
+            <p:ph type="title"/>
+          </p:nvPr>
+        </p:nvSpPr>
+        <p:spPr/>
+        <p:txBody>
+          <a:bodyPr/>
+          <a:lstStyle/>
+          <a:p>
+            <a:r>
+              <a:rPr lang="da-DK" dirty="0" err="1"/>
+              <a:t>Kernel</a:t>
+            </a:r>
+            <a:r>
+              <a:rPr lang="da-DK" dirty="0"/>
+              <a:t> Regression</a:t>
+            </a:r>
+          </a:p>
+        </p:txBody>
+      </p:sp>
+      <p:pic>
+        <p:nvPicPr>
+          <p:cNvPr id="5" name="Picture 4">
+            <a:extLst>
+              <a:ext uri="{FF2B5EF4-FFF2-40B4-BE49-F238E27FC236}">
+                <a16:creationId xmlns:a16="http://schemas.microsoft.com/office/drawing/2014/main" id="{96C8DA8D-9BEF-744E-AFF8-50655E69712A}"/>
+              </a:ext>
+            </a:extLst>
+          </p:cNvPr>
+          <p:cNvPicPr>
+            <a:picLocks noChangeAspect="1"/>
+          </p:cNvPicPr>
+          <p:nvPr/>
+        </p:nvPicPr>
+        <p:blipFill>
+          <a:blip r:embed="rId2"/>
+          <a:stretch>
+            <a:fillRect/>
+          </a:stretch>
+        </p:blipFill>
+        <p:spPr>
+          <a:xfrm>
+            <a:off x="6096000" y="1286582"/>
+            <a:ext cx="5854700" cy="4394200"/>
+          </a:xfrm>
+          <a:prstGeom prst="rect">
+            <a:avLst/>
+          </a:prstGeom>
+        </p:spPr>
+      </p:pic>
+      <mc:AlternateContent xmlns:mc="http://schemas.openxmlformats.org/markup-compatibility/2006" xmlns:a14="http://schemas.microsoft.com/office/drawing/2010/main">
+        <mc:Choice Requires="a14">
+          <p:sp>
+            <p:nvSpPr>
+              <p:cNvPr id="6" name="TextBox 5">
+                <a:extLst>
+                  <a:ext uri="{FF2B5EF4-FFF2-40B4-BE49-F238E27FC236}">
+                    <a16:creationId xmlns:a16="http://schemas.microsoft.com/office/drawing/2014/main" id="{B64305C1-D8DA-9449-80AD-775E6D513BE6}"/>
+                  </a:ext>
+                </a:extLst>
+              </p:cNvPr>
+              <p:cNvSpPr txBox="1"/>
+              <p:nvPr/>
+            </p:nvSpPr>
+            <p:spPr>
+              <a:xfrm>
+                <a:off x="838200" y="1593706"/>
+                <a:ext cx="4389150" cy="830997"/>
+              </a:xfrm>
+              <a:prstGeom prst="rect">
+                <a:avLst/>
+              </a:prstGeom>
+              <a:noFill/>
+            </p:spPr>
+            <p:txBody>
+              <a:bodyPr wrap="none" rtlCol="0">
+                <a:spAutoFit/>
+              </a:bodyPr>
+              <a:lstStyle/>
+              <a:p>
+                <a:pPr marL="342900" indent="-342900">
+                  <a:buFont typeface="Arial" panose="020B0604020202020204" pitchFamily="34" charset="0"/>
+                  <a:buChar char="•"/>
+                </a:pPr>
+                <a:r>
+                  <a:rPr lang="en-US" sz="2400" dirty="0"/>
+                  <a:t>Given data </a:t>
+                </a:r>
+                <a14:m>
+                  <m:oMath xmlns:m="http://schemas.openxmlformats.org/officeDocument/2006/math">
+                    <m:d>
+                      <m:dPr>
+                        <m:begChr m:val="{"/>
+                        <m:endChr m:val="}"/>
+                        <m:ctrlPr>
+                          <a:rPr lang="en-US" sz="2400" b="0" i="1" smtClean="0">
+                            <a:latin typeface="Cambria Math" panose="02040503050406030204" pitchFamily="18" charset="0"/>
+                          </a:rPr>
+                        </m:ctrlPr>
+                      </m:dPr>
+                      <m:e>
+                        <m:sSub>
+                          <m:sSubPr>
+                            <m:ctrlPr>
+                              <a:rPr lang="en-US" sz="2400" b="0" i="1" smtClean="0">
+                                <a:latin typeface="Cambria Math" panose="02040503050406030204" pitchFamily="18" charset="0"/>
+                              </a:rPr>
+                            </m:ctrlPr>
+                          </m:sSubPr>
+                          <m:e>
+                            <m:r>
+                              <a:rPr lang="en-US" sz="2400" b="1" i="1" smtClean="0">
+                                <a:latin typeface="Cambria Math" charset="0"/>
+                              </a:rPr>
+                              <m:t>𝒙</m:t>
+                            </m:r>
+                          </m:e>
+                          <m:sub>
+                            <m:r>
+                              <a:rPr lang="en-US" sz="2400" b="0" i="1" smtClean="0">
+                                <a:latin typeface="Cambria Math" charset="0"/>
+                              </a:rPr>
+                              <m:t>𝑖</m:t>
+                            </m:r>
+                          </m:sub>
+                        </m:sSub>
+                        <m:r>
+                          <a:rPr lang="en-US" sz="2400" b="0" i="1" smtClean="0">
+                            <a:latin typeface="Cambria Math" charset="0"/>
+                          </a:rPr>
+                          <m:t>, </m:t>
+                        </m:r>
+                        <m:sSub>
+                          <m:sSubPr>
+                            <m:ctrlPr>
+                              <a:rPr lang="en-US" sz="2400" b="0" i="1" smtClean="0">
+                                <a:latin typeface="Cambria Math" panose="02040503050406030204" pitchFamily="18" charset="0"/>
+                              </a:rPr>
+                            </m:ctrlPr>
+                          </m:sSubPr>
+                          <m:e>
+                            <m:r>
+                              <a:rPr lang="en-US" sz="2400" b="0" i="1" smtClean="0">
+                                <a:latin typeface="Cambria Math" charset="0"/>
+                              </a:rPr>
+                              <m:t>𝐸</m:t>
+                            </m:r>
+                          </m:e>
+                          <m:sub>
+                            <m:r>
+                              <a:rPr lang="en-US" sz="2400" b="0" i="1" smtClean="0">
+                                <a:latin typeface="Cambria Math" charset="0"/>
+                              </a:rPr>
+                              <m:t>𝑖</m:t>
+                            </m:r>
+                          </m:sub>
+                        </m:sSub>
+                      </m:e>
+                    </m:d>
+                    <m:r>
+                      <a:rPr lang="en-US" sz="2400" b="0" i="0" smtClean="0">
+                        <a:latin typeface="Cambria Math" panose="02040503050406030204" pitchFamily="18" charset="0"/>
+                      </a:rPr>
+                      <m:t>, </m:t>
+                    </m:r>
+                    <m:r>
+                      <m:rPr>
+                        <m:sty m:val="p"/>
+                      </m:rPr>
+                      <a:rPr lang="en-US" sz="2400" b="0" i="0" smtClean="0">
+                        <a:latin typeface="Cambria Math" panose="02040503050406030204" pitchFamily="18" charset="0"/>
+                      </a:rPr>
+                      <m:t>predict</m:t>
+                    </m:r>
+                    <m:r>
+                      <a:rPr lang="en-US" sz="2400" b="0" i="0" smtClean="0">
+                        <a:latin typeface="Cambria Math" panose="02040503050406030204" pitchFamily="18" charset="0"/>
+                      </a:rPr>
+                      <m:t> </m:t>
+                    </m:r>
+                    <m:r>
+                      <m:rPr>
+                        <m:sty m:val="p"/>
+                      </m:rPr>
+                      <a:rPr lang="en-US" sz="2400" b="0" i="0" smtClean="0">
+                        <a:latin typeface="Cambria Math" panose="02040503050406030204" pitchFamily="18" charset="0"/>
+                      </a:rPr>
+                      <m:t>the</m:t>
+                    </m:r>
+                  </m:oMath>
+                </a14:m>
+                <a:endParaRPr lang="en-US" sz="2400" b="0" dirty="0"/>
+              </a:p>
+              <a:p>
+                <a:r>
+                  <a:rPr lang="en-US" sz="2400" dirty="0"/>
+                  <a:t>     energy landscape.</a:t>
+                </a:r>
+              </a:p>
+            </p:txBody>
+          </p:sp>
+        </mc:Choice>
+        <mc:Fallback xmlns="">
+          <p:sp>
+            <p:nvSpPr>
+              <p:cNvPr id="6" name="TextBox 5">
+                <a:extLst>
+                  <a:ext uri="{FF2B5EF4-FFF2-40B4-BE49-F238E27FC236}">
+                    <a16:creationId xmlns:a16="http://schemas.microsoft.com/office/drawing/2014/main" id="{B64305C1-D8DA-9449-80AD-775E6D513BE6}"/>
+                  </a:ext>
+                </a:extLst>
+              </p:cNvPr>
+              <p:cNvSpPr txBox="1">
+                <a:spLocks noRot="1" noChangeAspect="1" noMove="1" noResize="1" noEditPoints="1" noAdjustHandles="1" noChangeArrowheads="1" noChangeShapeType="1" noTextEdit="1"/>
+              </p:cNvSpPr>
+              <p:nvPr/>
+            </p:nvSpPr>
+            <p:spPr>
+              <a:xfrm>
+                <a:off x="838200" y="1593706"/>
+                <a:ext cx="4389150" cy="830997"/>
+              </a:xfrm>
+              <a:prstGeom prst="rect">
+                <a:avLst/>
+              </a:prstGeom>
+              <a:blipFill>
+                <a:blip r:embed="rId3"/>
+                <a:stretch>
+                  <a:fillRect l="-1729" t="-2985" b="-13433"/>
+                </a:stretch>
+              </a:blipFill>
+            </p:spPr>
+            <p:txBody>
+              <a:bodyPr/>
+              <a:lstStyle/>
+              <a:p>
+                <a:r>
+                  <a:rPr lang="da-DK">
                     <a:noFill/>
                   </a:rPr>
                   <a:t> </a:t>
@@ -3200,14 +4798,20 @@
         <mc:Choice xmlns:a14="http://schemas.microsoft.com/office/drawing/2010/main" Requires="a14">
           <p:sp>
             <p:nvSpPr>
-              <p:cNvPr id="8" name="TextBox 7"/>
+              <p:cNvPr id="7" name="TextBox 6">
+                <a:extLst>
+                  <a:ext uri="{FF2B5EF4-FFF2-40B4-BE49-F238E27FC236}">
+                    <a16:creationId xmlns:a16="http://schemas.microsoft.com/office/drawing/2014/main" id="{2E27A3FC-BD37-3248-B5F7-F703EA8946A7}"/>
+                  </a:ext>
+                </a:extLst>
+              </p:cNvPr>
               <p:cNvSpPr txBox="1"/>
               <p:nvPr/>
             </p:nvSpPr>
             <p:spPr>
               <a:xfrm>
-                <a:off x="6107803" y="3071648"/>
-                <a:ext cx="3711592" cy="871457"/>
+                <a:off x="673615" y="2547681"/>
+                <a:ext cx="3340978" cy="1130822"/>
               </a:xfrm>
               <a:prstGeom prst="rect">
                 <a:avLst/>
@@ -3220,166 +4824,159 @@
               </a:bodyPr>
               <a:lstStyle/>
               <a:p>
+                <a:pPr/>
                 <a14:m>
                   <m:oMathPara xmlns:m="http://schemas.openxmlformats.org/officeDocument/2006/math">
                     <m:oMathParaPr>
                       <m:jc m:val="centerGroup"/>
                     </m:oMathParaPr>
                     <m:oMath xmlns:m="http://schemas.openxmlformats.org/officeDocument/2006/math">
-                      <m:sSup>
-                        <m:sSupPr>
+                      <m:func>
+                        <m:funcPr>
                           <m:ctrlPr>
-                            <a:rPr lang="en-US" i="1" smtClean="0">
-                              <a:latin typeface="Cambria Math" charset="0"/>
+                            <a:rPr lang="en-US" sz="2400" i="1" smtClean="0">
+                              <a:latin typeface="Cambria Math" panose="02040503050406030204" pitchFamily="18" charset="0"/>
                             </a:rPr>
                           </m:ctrlPr>
-                        </m:sSupPr>
-                        <m:e>
-                          <m:r>
-                            <a:rPr lang="en-US" b="0" i="1" smtClean="0">
-                              <a:latin typeface="Cambria Math" charset="0"/>
-                            </a:rPr>
-                            <m:t>𝐸</m:t>
-                          </m:r>
-                        </m:e>
-                        <m:sup>
-                          <m:r>
-                            <a:rPr lang="en-US" b="0" i="1" smtClean="0">
-                              <a:latin typeface="Cambria Math" charset="0"/>
-                            </a:rPr>
-                            <m:t>𝑀𝐿</m:t>
-                          </m:r>
-                        </m:sup>
-                      </m:sSup>
-                      <m:d>
-                        <m:dPr>
-                          <m:ctrlPr>
-                            <a:rPr lang="en-US" i="1" smtClean="0">
-                              <a:latin typeface="Cambria Math" charset="0"/>
-                            </a:rPr>
-                          </m:ctrlPr>
-                        </m:dPr>
-                        <m:e>
-                          <m:r>
-                            <a:rPr lang="en-US" b="0" i="1" smtClean="0">
-                              <a:latin typeface="Cambria Math" charset="0"/>
-                            </a:rPr>
-                            <m:t>𝑥</m:t>
-                          </m:r>
-                        </m:e>
-                      </m:d>
-                      <m:r>
-                        <a:rPr lang="en-US" b="0" i="1" smtClean="0">
-                          <a:latin typeface="Cambria Math" charset="0"/>
-                        </a:rPr>
-                        <m:t>=</m:t>
-                      </m:r>
-                      <m:nary>
-                        <m:naryPr>
-                          <m:chr m:val="∑"/>
-                          <m:ctrlPr>
-                            <a:rPr lang="en-US" i="1" smtClean="0">
-                              <a:latin typeface="Cambria Math" charset="0"/>
-                            </a:rPr>
-                          </m:ctrlPr>
-                        </m:naryPr>
-                        <m:sub>
-                          <m:r>
-                            <m:rPr>
-                              <m:brk m:alnAt="23"/>
-                            </m:rPr>
-                            <a:rPr lang="en-US" b="0" i="1" smtClean="0">
-                              <a:latin typeface="Cambria Math" charset="0"/>
-                            </a:rPr>
-                            <m:t>𝑛</m:t>
-                          </m:r>
-                        </m:sub>
-                        <m:sup>
-                          <m:r>
-                            <a:rPr lang="en-US" b="0" i="1" smtClean="0">
-                              <a:latin typeface="Cambria Math" charset="0"/>
-                            </a:rPr>
-                            <m:t>𝑁</m:t>
-                          </m:r>
-                        </m:sup>
-                        <m:e>
-                          <m:sSub>
-                            <m:sSubPr>
+                        </m:funcPr>
+                        <m:fName>
+                          <m:limLow>
+                            <m:limLowPr>
                               <m:ctrlPr>
-                                <a:rPr lang="en-US" i="1" smtClean="0">
-                                  <a:latin typeface="Cambria Math" charset="0"/>
+                                <a:rPr lang="en-US" sz="2400" i="1" smtClean="0">
+                                  <a:latin typeface="Cambria Math" panose="02040503050406030204" pitchFamily="18" charset="0"/>
                                 </a:rPr>
                               </m:ctrlPr>
-                            </m:sSubPr>
+                            </m:limLowPr>
                             <m:e>
                               <m:r>
-                                <a:rPr lang="en-US" b="0" i="1" smtClean="0">
-                                  <a:latin typeface="Cambria Math" charset="0"/>
-                                </a:rPr>
-                                <m:t>𝛼</m:t>
+                                <m:rPr>
+                                  <m:sty m:val="p"/>
+                                </m:rPr>
+                                <a:rPr lang="en-US" sz="2400" i="0" smtClean="0">
+                                  <a:latin typeface="Cambria Math" panose="02040503050406030204" pitchFamily="18" charset="0"/>
+                                </a:rPr>
+                                <m:t>min</m:t>
                               </m:r>
                             </m:e>
+                            <m:lim>
+                              <m:r>
+                                <a:rPr lang="en-US" sz="2400" b="1" i="1" smtClean="0">
+                                  <a:latin typeface="Cambria Math" panose="02040503050406030204" pitchFamily="18" charset="0"/>
+                                </a:rPr>
+                                <m:t>𝜶</m:t>
+                              </m:r>
+                            </m:lim>
+                          </m:limLow>
+                        </m:fName>
+                        <m:e>
+                          <m:nary>
+                            <m:naryPr>
+                              <m:chr m:val="∑"/>
+                              <m:ctrlPr>
+                                <a:rPr lang="en-US" sz="2400" i="1" smtClean="0">
+                                  <a:latin typeface="Cambria Math" panose="02040503050406030204" pitchFamily="18" charset="0"/>
+                                </a:rPr>
+                              </m:ctrlPr>
+                            </m:naryPr>
                             <m:sub>
                               <m:r>
-                                <a:rPr lang="en-US" b="0" i="1" smtClean="0">
+                                <a:rPr lang="en-US" sz="2400" i="1">
                                   <a:latin typeface="Cambria Math" charset="0"/>
                                 </a:rPr>
-                                <m:t>𝑛</m:t>
+                                <m:t>𝑖</m:t>
                               </m:r>
                             </m:sub>
-                          </m:sSub>
-                          <m:r>
-                            <m:rPr>
-                              <m:sty m:val="p"/>
-                            </m:rPr>
-                            <a:rPr lang="en-US" i="0" smtClean="0">
-                              <a:latin typeface="Cambria Math" charset="0"/>
-                            </a:rPr>
-                            <m:t>exp</m:t>
-                          </m:r>
-                          <m:r>
-                            <a:rPr lang="en-US" b="0" i="1" smtClean="0">
-                              <a:latin typeface="Cambria Math" charset="0"/>
-                            </a:rPr>
-                            <m:t>⁡(−</m:t>
-                          </m:r>
-                          <m:f>
-                            <m:fPr>
-                              <m:ctrlPr>
-                                <a:rPr lang="en-US" b="0" i="1" smtClean="0">
+                            <m:sup>
+                              <m:r>
+                                <a:rPr lang="en-US" sz="2400" i="1">
                                   <a:latin typeface="Cambria Math" charset="0"/>
                                 </a:rPr>
-                              </m:ctrlPr>
-                            </m:fPr>
-                            <m:num>
+                                <m:t>𝑁</m:t>
+                              </m:r>
+                            </m:sup>
+                            <m:e>
                               <m:sSup>
                                 <m:sSupPr>
                                   <m:ctrlPr>
-                                    <a:rPr lang="en-US" b="0" i="1" smtClean="0">
-                                      <a:latin typeface="Cambria Math" charset="0"/>
+                                    <a:rPr lang="en-US" sz="2400" i="1">
+                                      <a:latin typeface="Cambria Math" panose="02040503050406030204" pitchFamily="18" charset="0"/>
                                     </a:rPr>
                                   </m:ctrlPr>
                                 </m:sSupPr>
                                 <m:e>
                                   <m:d>
                                     <m:dPr>
-                                      <m:begChr m:val="‖"/>
-                                      <m:endChr m:val="‖"/>
                                       <m:ctrlPr>
-                                        <a:rPr lang="en-US" b="0" i="1" smtClean="0">
-                                          <a:latin typeface="Cambria Math" charset="0"/>
+                                        <a:rPr lang="en-US" sz="2400" i="1">
+                                          <a:latin typeface="Cambria Math" panose="02040503050406030204" pitchFamily="18" charset="0"/>
                                         </a:rPr>
                                       </m:ctrlPr>
                                     </m:dPr>
                                     <m:e>
+                                      <m:sSup>
+                                        <m:sSupPr>
+                                          <m:ctrlPr>
+                                            <a:rPr lang="en-US" sz="2400" i="1">
+                                              <a:latin typeface="Cambria Math" panose="02040503050406030204" pitchFamily="18" charset="0"/>
+                                            </a:rPr>
+                                          </m:ctrlPr>
+                                        </m:sSupPr>
+                                        <m:e>
+                                          <m:r>
+                                            <a:rPr lang="en-US" sz="2400" i="1">
+                                              <a:latin typeface="Cambria Math" charset="0"/>
+                                            </a:rPr>
+                                            <m:t>𝐸</m:t>
+                                          </m:r>
+                                        </m:e>
+                                        <m:sup>
+                                          <m:r>
+                                            <a:rPr lang="en-US" sz="2400" i="1">
+                                              <a:latin typeface="Cambria Math" charset="0"/>
+                                            </a:rPr>
+                                            <m:t>𝑀𝐿</m:t>
+                                          </m:r>
+                                        </m:sup>
+                                      </m:sSup>
+                                      <m:d>
+                                        <m:dPr>
+                                          <m:ctrlPr>
+                                            <a:rPr lang="en-US" sz="2400" i="1">
+                                              <a:latin typeface="Cambria Math" panose="02040503050406030204" pitchFamily="18" charset="0"/>
+                                            </a:rPr>
+                                          </m:ctrlPr>
+                                        </m:dPr>
+                                        <m:e>
+                                          <m:sSub>
+                                            <m:sSubPr>
+                                              <m:ctrlPr>
+                                                <a:rPr lang="en-US" sz="2400" b="1" i="1">
+                                                  <a:latin typeface="Cambria Math" panose="02040503050406030204" pitchFamily="18" charset="0"/>
+                                                </a:rPr>
+                                              </m:ctrlPr>
+                                            </m:sSubPr>
+                                            <m:e>
+                                              <m:r>
+                                                <a:rPr lang="en-US" sz="2400" b="1" i="1">
+                                                  <a:latin typeface="Cambria Math" charset="0"/>
+                                                </a:rPr>
+                                                <m:t>𝒙</m:t>
+                                              </m:r>
+                                            </m:e>
+                                            <m:sub>
+                                              <m:r>
+                                                <a:rPr lang="en-US" sz="2400" i="1">
+                                                  <a:latin typeface="Cambria Math" charset="0"/>
+                                                </a:rPr>
+                                                <m:t>𝑖</m:t>
+                                              </m:r>
+                                            </m:sub>
+                                          </m:sSub>
+                                        </m:e>
+                                      </m:d>
                                       <m:r>
-                                        <a:rPr lang="en-US" b="0" i="1" smtClean="0">
-                                          <a:latin typeface="Cambria Math" charset="0"/>
-                                        </a:rPr>
-                                        <m:t>𝑥</m:t>
-                                      </m:r>
-                                      <m:r>
-                                        <a:rPr lang="en-US" b="0" i="1" smtClean="0">
+                                        <a:rPr lang="en-US" sz="2400" i="1">
                                           <a:latin typeface="Cambria Math" charset="0"/>
                                         </a:rPr>
                                         <m:t>−</m:t>
@@ -3387,25 +4984,25 @@
                                       <m:sSub>
                                         <m:sSubPr>
                                           <m:ctrlPr>
-                                            <a:rPr lang="en-US" b="0" i="1" smtClean="0">
-                                              <a:latin typeface="Cambria Math" charset="0"/>
+                                            <a:rPr lang="en-US" sz="2400" i="1">
+                                              <a:latin typeface="Cambria Math" panose="02040503050406030204" pitchFamily="18" charset="0"/>
                                             </a:rPr>
                                           </m:ctrlPr>
                                         </m:sSubPr>
                                         <m:e>
                                           <m:r>
-                                            <a:rPr lang="en-US" b="0" i="1" smtClean="0">
+                                            <a:rPr lang="en-US" sz="2400" i="1">
                                               <a:latin typeface="Cambria Math" charset="0"/>
                                             </a:rPr>
-                                            <m:t>𝑥</m:t>
+                                            <m:t>𝐸</m:t>
                                           </m:r>
                                         </m:e>
                                         <m:sub>
                                           <m:r>
-                                            <a:rPr lang="en-US" b="0" i="1" smtClean="0">
+                                            <a:rPr lang="en-US" sz="2400" i="1">
                                               <a:latin typeface="Cambria Math" charset="0"/>
                                             </a:rPr>
-                                            <m:t>𝑛</m:t>
+                                            <m:t>𝑖</m:t>
                                           </m:r>
                                         </m:sub>
                                       </m:sSub>
@@ -3414,60 +5011,21 @@
                                 </m:e>
                                 <m:sup>
                                   <m:r>
-                                    <a:rPr lang="en-US" b="0" i="1" smtClean="0">
+                                    <a:rPr lang="en-US" sz="2400" i="1">
                                       <a:latin typeface="Cambria Math" charset="0"/>
                                     </a:rPr>
                                     <m:t>2</m:t>
                                   </m:r>
                                 </m:sup>
                               </m:sSup>
-                            </m:num>
-                            <m:den>
-                              <m:r>
-                                <a:rPr lang="en-US" b="0" i="1" smtClean="0">
-                                  <a:latin typeface="Cambria Math" charset="0"/>
-                                </a:rPr>
-                                <m:t>2</m:t>
-                              </m:r>
-                              <m:sSup>
-                                <m:sSupPr>
-                                  <m:ctrlPr>
-                                    <a:rPr lang="en-US" b="0" i="1" smtClean="0">
-                                      <a:latin typeface="Cambria Math" charset="0"/>
-                                    </a:rPr>
-                                  </m:ctrlPr>
-                                </m:sSupPr>
-                                <m:e>
-                                  <m:r>
-                                    <a:rPr lang="en-US" b="0" i="1" smtClean="0">
-                                      <a:latin typeface="Cambria Math" charset="0"/>
-                                    </a:rPr>
-                                    <m:t>𝜎</m:t>
-                                  </m:r>
-                                </m:e>
-                                <m:sup>
-                                  <m:r>
-                                    <a:rPr lang="en-US" b="0" i="1" smtClean="0">
-                                      <a:latin typeface="Cambria Math" charset="0"/>
-                                    </a:rPr>
-                                    <m:t>2</m:t>
-                                  </m:r>
-                                </m:sup>
-                              </m:sSup>
-                            </m:den>
-                          </m:f>
-                          <m:r>
-                            <a:rPr lang="en-US" b="0" i="1" smtClean="0">
-                              <a:latin typeface="Cambria Math" charset="0"/>
-                            </a:rPr>
-                            <m:t>)</m:t>
-                          </m:r>
+                            </m:e>
+                          </m:nary>
                         </m:e>
-                      </m:nary>
+                      </m:func>
                     </m:oMath>
                   </m:oMathPara>
                 </a14:m>
-                <a:endParaRPr lang="en-US" dirty="0"/>
+                <a:endParaRPr lang="en-US" sz="2400" dirty="0"/>
               </a:p>
             </p:txBody>
           </p:sp>
@@ -3475,7 +5033,13 @@
         <mc:Fallback>
           <p:sp>
             <p:nvSpPr>
-              <p:cNvPr id="8" name="TextBox 7"/>
+              <p:cNvPr id="7" name="TextBox 6">
+                <a:extLst>
+                  <a:ext uri="{FF2B5EF4-FFF2-40B4-BE49-F238E27FC236}">
+                    <a16:creationId xmlns:a16="http://schemas.microsoft.com/office/drawing/2014/main" id="{2E27A3FC-BD37-3248-B5F7-F703EA8946A7}"/>
+                  </a:ext>
+                </a:extLst>
+              </p:cNvPr>
               <p:cNvSpPr txBox="1">
                 <a:spLocks noRot="1" noChangeAspect="1" noMove="1" noResize="1" noEditPoints="1" noAdjustHandles="1" noChangeArrowheads="1" noChangeShapeType="1" noTextEdit="1"/>
               </p:cNvSpPr>
@@ -3483,16 +5047,16 @@
             </p:nvSpPr>
             <p:spPr>
               <a:xfrm>
-                <a:off x="6107803" y="3071648"/>
-                <a:ext cx="3711592" cy="871457"/>
+                <a:off x="673615" y="2547681"/>
+                <a:ext cx="3340978" cy="1130822"/>
               </a:xfrm>
               <a:prstGeom prst="rect">
                 <a:avLst/>
               </a:prstGeom>
-              <a:blipFill rotWithShape="0">
-                <a:blip r:embed="rId3"/>
+              <a:blipFill>
+                <a:blip r:embed="rId4"/>
                 <a:stretch>
-                  <a:fillRect/>
+                  <a:fillRect l="-14015" t="-102222" b="-156667"/>
                 </a:stretch>
               </a:blipFill>
             </p:spPr>
@@ -3501,7 +5065,296 @@
               <a:lstStyle/>
               <a:p>
                 <a:r>
-                  <a:rPr lang="en-US">
+                  <a:rPr lang="da-DK">
+                    <a:noFill/>
+                  </a:rPr>
+                  <a:t> </a:t>
+                </a:r>
+              </a:p>
+            </p:txBody>
+          </p:sp>
+        </mc:Fallback>
+      </mc:AlternateContent>
+    </p:spTree>
+    <p:extLst>
+      <p:ext uri="{BB962C8B-B14F-4D97-AF65-F5344CB8AC3E}">
+        <p14:creationId xmlns:p14="http://schemas.microsoft.com/office/powerpoint/2010/main" val="1279472089"/>
+      </p:ext>
+    </p:extLst>
+  </p:cSld>
+  <p:clrMapOvr>
+    <a:masterClrMapping/>
+  </p:clrMapOvr>
+</p:sld>
+</file>
+
+<file path=ppt/slides/slide5.xml><?xml version="1.0" encoding="utf-8"?>
+<p:sld xmlns:a="http://schemas.openxmlformats.org/drawingml/2006/main" xmlns:r="http://schemas.openxmlformats.org/officeDocument/2006/relationships" xmlns:p="http://schemas.openxmlformats.org/presentationml/2006/main">
+  <p:cSld>
+    <p:spTree>
+      <p:nvGrpSpPr>
+        <p:cNvPr id="1" name=""/>
+        <p:cNvGrpSpPr/>
+        <p:nvPr/>
+      </p:nvGrpSpPr>
+      <p:grpSpPr>
+        <a:xfrm>
+          <a:off x="0" y="0"/>
+          <a:ext cx="0" cy="0"/>
+          <a:chOff x="0" y="0"/>
+          <a:chExt cx="0" cy="0"/>
+        </a:xfrm>
+      </p:grpSpPr>
+      <p:sp>
+        <p:nvSpPr>
+          <p:cNvPr id="2" name="Title 1">
+            <a:extLst>
+              <a:ext uri="{FF2B5EF4-FFF2-40B4-BE49-F238E27FC236}">
+                <a16:creationId xmlns:a16="http://schemas.microsoft.com/office/drawing/2014/main" id="{90371848-C3C2-2946-8721-32944148379F}"/>
+              </a:ext>
+            </a:extLst>
+          </p:cNvPr>
+          <p:cNvSpPr>
+            <a:spLocks noGrp="1"/>
+          </p:cNvSpPr>
+          <p:nvPr>
+            <p:ph type="title"/>
+          </p:nvPr>
+        </p:nvSpPr>
+        <p:spPr/>
+        <p:txBody>
+          <a:bodyPr/>
+          <a:lstStyle/>
+          <a:p>
+            <a:r>
+              <a:rPr lang="da-DK" dirty="0" err="1"/>
+              <a:t>Kernel</a:t>
+            </a:r>
+            <a:r>
+              <a:rPr lang="da-DK" dirty="0"/>
+              <a:t> Regression</a:t>
+            </a:r>
+          </a:p>
+        </p:txBody>
+      </p:sp>
+      <p:pic>
+        <p:nvPicPr>
+          <p:cNvPr id="5" name="Picture 4">
+            <a:extLst>
+              <a:ext uri="{FF2B5EF4-FFF2-40B4-BE49-F238E27FC236}">
+                <a16:creationId xmlns:a16="http://schemas.microsoft.com/office/drawing/2014/main" id="{96C8DA8D-9BEF-744E-AFF8-50655E69712A}"/>
+              </a:ext>
+            </a:extLst>
+          </p:cNvPr>
+          <p:cNvPicPr>
+            <a:picLocks noChangeAspect="1"/>
+          </p:cNvPicPr>
+          <p:nvPr/>
+        </p:nvPicPr>
+        <p:blipFill>
+          <a:blip r:embed="rId2"/>
+          <a:stretch>
+            <a:fillRect/>
+          </a:stretch>
+        </p:blipFill>
+        <p:spPr>
+          <a:xfrm>
+            <a:off x="6096000" y="1286582"/>
+            <a:ext cx="5854700" cy="4394200"/>
+          </a:xfrm>
+          <a:prstGeom prst="rect">
+            <a:avLst/>
+          </a:prstGeom>
+        </p:spPr>
+      </p:pic>
+      <mc:AlternateContent xmlns:mc="http://schemas.openxmlformats.org/markup-compatibility/2006" xmlns:a14="http://schemas.microsoft.com/office/drawing/2010/main">
+        <mc:Choice Requires="a14">
+          <p:sp>
+            <p:nvSpPr>
+              <p:cNvPr id="6" name="TextBox 5">
+                <a:extLst>
+                  <a:ext uri="{FF2B5EF4-FFF2-40B4-BE49-F238E27FC236}">
+                    <a16:creationId xmlns:a16="http://schemas.microsoft.com/office/drawing/2014/main" id="{B64305C1-D8DA-9449-80AD-775E6D513BE6}"/>
+                  </a:ext>
+                </a:extLst>
+              </p:cNvPr>
+              <p:cNvSpPr txBox="1"/>
+              <p:nvPr/>
+            </p:nvSpPr>
+            <p:spPr>
+              <a:xfrm>
+                <a:off x="838200" y="1593706"/>
+                <a:ext cx="4389150" cy="830997"/>
+              </a:xfrm>
+              <a:prstGeom prst="rect">
+                <a:avLst/>
+              </a:prstGeom>
+              <a:noFill/>
+            </p:spPr>
+            <p:txBody>
+              <a:bodyPr wrap="none" rtlCol="0">
+                <a:spAutoFit/>
+              </a:bodyPr>
+              <a:lstStyle/>
+              <a:p>
+                <a:pPr marL="342900" indent="-342900">
+                  <a:buFont typeface="Arial" panose="020B0604020202020204" pitchFamily="34" charset="0"/>
+                  <a:buChar char="•"/>
+                </a:pPr>
+                <a:r>
+                  <a:rPr lang="en-US" sz="2400" dirty="0"/>
+                  <a:t>Given data </a:t>
+                </a:r>
+                <a14:m>
+                  <m:oMath xmlns:m="http://schemas.openxmlformats.org/officeDocument/2006/math">
+                    <m:d>
+                      <m:dPr>
+                        <m:begChr m:val="{"/>
+                        <m:endChr m:val="}"/>
+                        <m:ctrlPr>
+                          <a:rPr lang="en-US" sz="2400" b="0" i="1" smtClean="0">
+                            <a:latin typeface="Cambria Math" panose="02040503050406030204" pitchFamily="18" charset="0"/>
+                          </a:rPr>
+                        </m:ctrlPr>
+                      </m:dPr>
+                      <m:e>
+                        <m:sSub>
+                          <m:sSubPr>
+                            <m:ctrlPr>
+                              <a:rPr lang="en-US" sz="2400" b="0" i="1" smtClean="0">
+                                <a:latin typeface="Cambria Math" panose="02040503050406030204" pitchFamily="18" charset="0"/>
+                              </a:rPr>
+                            </m:ctrlPr>
+                          </m:sSubPr>
+                          <m:e>
+                            <m:r>
+                              <a:rPr lang="en-US" sz="2400" b="1" i="1" smtClean="0">
+                                <a:latin typeface="Cambria Math" charset="0"/>
+                              </a:rPr>
+                              <m:t>𝒙</m:t>
+                            </m:r>
+                          </m:e>
+                          <m:sub>
+                            <m:r>
+                              <a:rPr lang="en-US" sz="2400" b="0" i="1" smtClean="0">
+                                <a:latin typeface="Cambria Math" charset="0"/>
+                              </a:rPr>
+                              <m:t>𝑖</m:t>
+                            </m:r>
+                          </m:sub>
+                        </m:sSub>
+                        <m:r>
+                          <a:rPr lang="en-US" sz="2400" b="0" i="1" smtClean="0">
+                            <a:latin typeface="Cambria Math" charset="0"/>
+                          </a:rPr>
+                          <m:t>, </m:t>
+                        </m:r>
+                        <m:sSub>
+                          <m:sSubPr>
+                            <m:ctrlPr>
+                              <a:rPr lang="en-US" sz="2400" b="0" i="1" smtClean="0">
+                                <a:latin typeface="Cambria Math" panose="02040503050406030204" pitchFamily="18" charset="0"/>
+                              </a:rPr>
+                            </m:ctrlPr>
+                          </m:sSubPr>
+                          <m:e>
+                            <m:r>
+                              <a:rPr lang="en-US" sz="2400" b="0" i="1" smtClean="0">
+                                <a:latin typeface="Cambria Math" charset="0"/>
+                              </a:rPr>
+                              <m:t>𝐸</m:t>
+                            </m:r>
+                          </m:e>
+                          <m:sub>
+                            <m:r>
+                              <a:rPr lang="en-US" sz="2400" b="0" i="1" smtClean="0">
+                                <a:latin typeface="Cambria Math" charset="0"/>
+                              </a:rPr>
+                              <m:t>𝑖</m:t>
+                            </m:r>
+                          </m:sub>
+                        </m:sSub>
+                      </m:e>
+                    </m:d>
+                    <m:r>
+                      <a:rPr lang="en-US" sz="2400" b="0" i="0" smtClean="0">
+                        <a:latin typeface="Cambria Math" panose="02040503050406030204" pitchFamily="18" charset="0"/>
+                      </a:rPr>
+                      <m:t>, </m:t>
+                    </m:r>
+                    <m:r>
+                      <m:rPr>
+                        <m:sty m:val="p"/>
+                      </m:rPr>
+                      <a:rPr lang="en-US" sz="2400" b="0" i="0" smtClean="0">
+                        <a:latin typeface="Cambria Math" panose="02040503050406030204" pitchFamily="18" charset="0"/>
+                      </a:rPr>
+                      <m:t>predict</m:t>
+                    </m:r>
+                    <m:r>
+                      <a:rPr lang="en-US" sz="2400" b="0" i="0" smtClean="0">
+                        <a:latin typeface="Cambria Math" panose="02040503050406030204" pitchFamily="18" charset="0"/>
+                      </a:rPr>
+                      <m:t> </m:t>
+                    </m:r>
+                    <m:r>
+                      <m:rPr>
+                        <m:sty m:val="p"/>
+                      </m:rPr>
+                      <a:rPr lang="en-US" sz="2400" b="0" i="0" smtClean="0">
+                        <a:latin typeface="Cambria Math" panose="02040503050406030204" pitchFamily="18" charset="0"/>
+                      </a:rPr>
+                      <m:t>the</m:t>
+                    </m:r>
+                  </m:oMath>
+                </a14:m>
+                <a:endParaRPr lang="en-US" sz="2400" b="0" dirty="0"/>
+              </a:p>
+              <a:p>
+                <a:r>
+                  <a:rPr lang="en-US" sz="2400" dirty="0"/>
+                  <a:t>     energy landscape.</a:t>
+                </a:r>
+              </a:p>
+            </p:txBody>
+          </p:sp>
+        </mc:Choice>
+        <mc:Fallback xmlns="">
+          <p:sp>
+            <p:nvSpPr>
+              <p:cNvPr id="6" name="TextBox 5">
+                <a:extLst>
+                  <a:ext uri="{FF2B5EF4-FFF2-40B4-BE49-F238E27FC236}">
+                    <a16:creationId xmlns:a16="http://schemas.microsoft.com/office/drawing/2014/main" id="{B64305C1-D8DA-9449-80AD-775E6D513BE6}"/>
+                  </a:ext>
+                </a:extLst>
+              </p:cNvPr>
+              <p:cNvSpPr txBox="1">
+                <a:spLocks noRot="1" noChangeAspect="1" noMove="1" noResize="1" noEditPoints="1" noAdjustHandles="1" noChangeArrowheads="1" noChangeShapeType="1" noTextEdit="1"/>
+              </p:cNvSpPr>
+              <p:nvPr/>
+            </p:nvSpPr>
+            <p:spPr>
+              <a:xfrm>
+                <a:off x="838200" y="1593706"/>
+                <a:ext cx="4389150" cy="830997"/>
+              </a:xfrm>
+              <a:prstGeom prst="rect">
+                <a:avLst/>
+              </a:prstGeom>
+              <a:blipFill>
+                <a:blip r:embed="rId3"/>
+                <a:stretch>
+                  <a:fillRect l="-1729" t="-2985" b="-13433"/>
+                </a:stretch>
+              </a:blipFill>
+            </p:spPr>
+            <p:txBody>
+              <a:bodyPr/>
+              <a:lstStyle/>
+              <a:p>
+                <a:r>
+                  <a:rPr lang="da-DK">
                     <a:noFill/>
                   </a:rPr>
                   <a:t> </a:t>
@@ -3515,14 +5368,20 @@
         <mc:Choice xmlns:a14="http://schemas.microsoft.com/office/drawing/2010/main" Requires="a14">
           <p:sp>
             <p:nvSpPr>
-              <p:cNvPr id="11" name="TextBox 10"/>
+              <p:cNvPr id="10" name="TextBox 9">
+                <a:extLst>
+                  <a:ext uri="{FF2B5EF4-FFF2-40B4-BE49-F238E27FC236}">
+                    <a16:creationId xmlns:a16="http://schemas.microsoft.com/office/drawing/2014/main" id="{1F23FA21-7447-684E-82A3-7876D03ED643}"/>
+                  </a:ext>
+                </a:extLst>
+              </p:cNvPr>
               <p:cNvSpPr txBox="1"/>
               <p:nvPr/>
             </p:nvSpPr>
             <p:spPr>
               <a:xfrm>
-                <a:off x="959250" y="3266882"/>
-                <a:ext cx="2702085" cy="871457"/>
+                <a:off x="668098" y="4854106"/>
+                <a:ext cx="5247847" cy="936025"/>
               </a:xfrm>
               <a:prstGeom prst="rect">
                 <a:avLst/>
@@ -3535,175 +5394,299 @@
               </a:bodyPr>
               <a:lstStyle/>
               <a:p>
+                <a:pPr/>
                 <a14:m>
                   <m:oMathPara xmlns:m="http://schemas.openxmlformats.org/officeDocument/2006/math">
                     <m:oMathParaPr>
                       <m:jc m:val="centerGroup"/>
                     </m:oMathParaPr>
                     <m:oMath xmlns:m="http://schemas.openxmlformats.org/officeDocument/2006/math">
-                      <m:sSup>
-                        <m:sSupPr>
+                      <m:sSub>
+                        <m:sSubPr>
                           <m:ctrlPr>
-                            <a:rPr lang="en-US" i="1" smtClean="0">
-                              <a:latin typeface="Cambria Math" charset="0"/>
+                            <a:rPr lang="en-US" sz="2400" b="0" i="1" smtClean="0">
+                              <a:latin typeface="Cambria Math" panose="02040503050406030204" pitchFamily="18" charset="0"/>
                             </a:rPr>
                           </m:ctrlPr>
-                        </m:sSupPr>
+                        </m:sSubPr>
                         <m:e>
                           <m:r>
-                            <a:rPr lang="en-US" b="0" i="1" smtClean="0">
-                              <a:latin typeface="Cambria Math" charset="0"/>
-                            </a:rPr>
-                            <m:t>𝐸</m:t>
+                            <a:rPr lang="en-US" sz="2400" b="0" i="1" smtClean="0">
+                              <a:latin typeface="Cambria Math" panose="02040503050406030204" pitchFamily="18" charset="0"/>
+                            </a:rPr>
+                            <m:t>𝐾</m:t>
                           </m:r>
                         </m:e>
-                        <m:sup>
+                        <m:sub>
                           <m:r>
-                            <a:rPr lang="en-US" b="0" i="1" smtClean="0">
-                              <a:latin typeface="Cambria Math" charset="0"/>
-                            </a:rPr>
-                            <m:t>𝑀𝐿</m:t>
+                            <a:rPr lang="en-US" sz="2400" b="0" i="1" smtClean="0">
+                              <a:latin typeface="Cambria Math" panose="02040503050406030204" pitchFamily="18" charset="0"/>
+                            </a:rPr>
+                            <m:t>𝑖𝑗</m:t>
                           </m:r>
-                        </m:sup>
-                      </m:sSup>
-                      <m:d>
-                        <m:dPr>
+                        </m:sub>
+                      </m:sSub>
+                      <m:r>
+                        <a:rPr lang="en-US" sz="2400" b="0" i="1" smtClean="0">
+                          <a:latin typeface="Cambria Math" panose="02040503050406030204" pitchFamily="18" charset="0"/>
+                        </a:rPr>
+                        <m:t>=</m:t>
+                      </m:r>
+                      <m:r>
+                        <a:rPr lang="en-US" sz="2400" b="0" i="1" smtClean="0">
+                          <a:latin typeface="Cambria Math" panose="02040503050406030204" pitchFamily="18" charset="0"/>
+                        </a:rPr>
+                        <m:t>𝑘</m:t>
+                      </m:r>
+                      <m:r>
+                        <a:rPr lang="en-US" sz="2400" b="0" i="1" smtClean="0">
+                          <a:latin typeface="Cambria Math" panose="02040503050406030204" pitchFamily="18" charset="0"/>
+                        </a:rPr>
+                        <m:t>(</m:t>
+                      </m:r>
+                      <m:sSub>
+                        <m:sSubPr>
                           <m:ctrlPr>
-                            <a:rPr lang="en-US" i="1" smtClean="0">
-                              <a:latin typeface="Cambria Math" charset="0"/>
+                            <a:rPr lang="en-US" sz="2400" b="0" i="1" smtClean="0">
+                              <a:latin typeface="Cambria Math" panose="02040503050406030204" pitchFamily="18" charset="0"/>
                             </a:rPr>
                           </m:ctrlPr>
-                        </m:dPr>
+                        </m:sSubPr>
                         <m:e>
                           <m:r>
-                            <a:rPr lang="en-US" b="0" i="1" smtClean="0">
-                              <a:latin typeface="Cambria Math" charset="0"/>
-                            </a:rPr>
-                            <m:t>𝑥</m:t>
+                            <a:rPr lang="en-US" sz="2400" b="1" i="1" smtClean="0">
+                              <a:latin typeface="Cambria Math" panose="02040503050406030204" pitchFamily="18" charset="0"/>
+                            </a:rPr>
+                            <m:t>𝒙</m:t>
                           </m:r>
                         </m:e>
-                      </m:d>
+                        <m:sub>
+                          <m:r>
+                            <a:rPr lang="en-US" sz="2400" b="0" i="1" smtClean="0">
+                              <a:latin typeface="Cambria Math" panose="02040503050406030204" pitchFamily="18" charset="0"/>
+                            </a:rPr>
+                            <m:t>𝑖</m:t>
+                          </m:r>
+                        </m:sub>
+                      </m:sSub>
                       <m:r>
-                        <a:rPr lang="en-US" b="0" i="1" smtClean="0">
+                        <a:rPr lang="en-US" sz="2400" b="0" i="1" smtClean="0">
+                          <a:latin typeface="Cambria Math" panose="02040503050406030204" pitchFamily="18" charset="0"/>
+                        </a:rPr>
+                        <m:t>,</m:t>
+                      </m:r>
+                      <m:sSub>
+                        <m:sSubPr>
+                          <m:ctrlPr>
+                            <a:rPr lang="en-US" sz="2400" b="0" i="1" smtClean="0">
+                              <a:latin typeface="Cambria Math" panose="02040503050406030204" pitchFamily="18" charset="0"/>
+                            </a:rPr>
+                          </m:ctrlPr>
+                        </m:sSubPr>
+                        <m:e>
+                          <m:r>
+                            <a:rPr lang="en-US" sz="2400" b="1" i="1" smtClean="0">
+                              <a:latin typeface="Cambria Math" panose="02040503050406030204" pitchFamily="18" charset="0"/>
+                            </a:rPr>
+                            <m:t>𝒙</m:t>
+                          </m:r>
+                        </m:e>
+                        <m:sub>
+                          <m:r>
+                            <a:rPr lang="en-US" sz="2400" b="0" i="1" smtClean="0">
+                              <a:latin typeface="Cambria Math" panose="02040503050406030204" pitchFamily="18" charset="0"/>
+                            </a:rPr>
+                            <m:t>𝑗</m:t>
+                          </m:r>
+                        </m:sub>
+                      </m:sSub>
+                      <m:r>
+                        <a:rPr lang="en-US" sz="2400" b="0" i="1" smtClean="0">
+                          <a:latin typeface="Cambria Math" panose="02040503050406030204" pitchFamily="18" charset="0"/>
+                        </a:rPr>
+                        <m:t>)</m:t>
+                      </m:r>
+                      <m:r>
+                        <a:rPr lang="en-US" sz="2400" b="0" i="1" smtClean="0">
                           <a:latin typeface="Cambria Math" charset="0"/>
                         </a:rPr>
                         <m:t>=</m:t>
                       </m:r>
-                      <m:nary>
-                        <m:naryPr>
-                          <m:chr m:val="∑"/>
+                      <m:func>
+                        <m:funcPr>
                           <m:ctrlPr>
-                            <a:rPr lang="en-US" i="1" smtClean="0">
-                              <a:latin typeface="Cambria Math" charset="0"/>
+                            <a:rPr lang="en-US" sz="2400" b="0" i="1" smtClean="0">
+                              <a:latin typeface="Cambria Math" panose="02040503050406030204" pitchFamily="18" charset="0"/>
                             </a:rPr>
                           </m:ctrlPr>
-                        </m:naryPr>
-                        <m:sub>
+                        </m:funcPr>
+                        <m:fName>
                           <m:r>
                             <m:rPr>
-                              <m:brk m:alnAt="23"/>
+                              <m:sty m:val="p"/>
                             </m:rPr>
-                            <a:rPr lang="en-US" b="0" i="1" smtClean="0">
-                              <a:latin typeface="Cambria Math" charset="0"/>
-                            </a:rPr>
-                            <m:t>𝑖</m:t>
+                            <a:rPr lang="en-US" sz="2400" b="0" i="0" smtClean="0">
+                              <a:latin typeface="Cambria Math" panose="02040503050406030204" pitchFamily="18" charset="0"/>
+                            </a:rPr>
+                            <m:t>exp</m:t>
                           </m:r>
-                        </m:sub>
-                        <m:sup>
-                          <m:r>
-                            <a:rPr lang="en-US" b="0" i="1" smtClean="0">
-                              <a:latin typeface="Cambria Math" charset="0"/>
-                            </a:rPr>
-                            <m:t>𝑁</m:t>
-                          </m:r>
-                        </m:sup>
+                        </m:fName>
                         <m:e>
-                          <m:sSub>
-                            <m:sSubPr>
+                          <m:d>
+                            <m:dPr>
                               <m:ctrlPr>
-                                <a:rPr lang="en-US" i="1" smtClean="0">
-                                  <a:latin typeface="Cambria Math" charset="0"/>
+                                <a:rPr lang="en-US" sz="2400" i="1">
+                                  <a:latin typeface="Cambria Math" panose="02040503050406030204" pitchFamily="18" charset="0"/>
                                 </a:rPr>
                               </m:ctrlPr>
-                            </m:sSubPr>
+                            </m:dPr>
                             <m:e>
                               <m:r>
-                                <a:rPr lang="en-US" b="0" i="1" smtClean="0">
+                                <a:rPr lang="en-US" sz="2400" i="1">
                                   <a:latin typeface="Cambria Math" charset="0"/>
                                 </a:rPr>
-                                <m:t>𝛼</m:t>
+                                <m:t>−</m:t>
                               </m:r>
+                              <m:f>
+                                <m:fPr>
+                                  <m:ctrlPr>
+                                    <a:rPr lang="en-US" sz="2400" i="1">
+                                      <a:latin typeface="Cambria Math" panose="02040503050406030204" pitchFamily="18" charset="0"/>
+                                    </a:rPr>
+                                  </m:ctrlPr>
+                                </m:fPr>
+                                <m:num>
+                                  <m:sSup>
+                                    <m:sSupPr>
+                                      <m:ctrlPr>
+                                        <a:rPr lang="en-US" sz="2400" i="1">
+                                          <a:latin typeface="Cambria Math" panose="02040503050406030204" pitchFamily="18" charset="0"/>
+                                        </a:rPr>
+                                      </m:ctrlPr>
+                                    </m:sSupPr>
+                                    <m:e>
+                                      <m:d>
+                                        <m:dPr>
+                                          <m:begChr m:val="‖"/>
+                                          <m:endChr m:val="‖"/>
+                                          <m:ctrlPr>
+                                            <a:rPr lang="en-US" sz="2400" i="1">
+                                              <a:latin typeface="Cambria Math" panose="02040503050406030204" pitchFamily="18" charset="0"/>
+                                            </a:rPr>
+                                          </m:ctrlPr>
+                                        </m:dPr>
+                                        <m:e>
+                                          <m:sSub>
+                                            <m:sSubPr>
+                                              <m:ctrlPr>
+                                                <a:rPr lang="en-US" sz="2400" b="0" i="1" smtClean="0">
+                                                  <a:latin typeface="Cambria Math" panose="02040503050406030204" pitchFamily="18" charset="0"/>
+                                                </a:rPr>
+                                              </m:ctrlPr>
+                                            </m:sSubPr>
+                                            <m:e>
+                                              <m:r>
+                                                <a:rPr lang="en-US" sz="2400" b="1" i="1">
+                                                  <a:latin typeface="Cambria Math" charset="0"/>
+                                                </a:rPr>
+                                                <m:t>𝒙</m:t>
+                                              </m:r>
+                                            </m:e>
+                                            <m:sub>
+                                              <m:r>
+                                                <a:rPr lang="en-US" sz="2400" b="0" i="1" smtClean="0">
+                                                  <a:latin typeface="Cambria Math" panose="02040503050406030204" pitchFamily="18" charset="0"/>
+                                                </a:rPr>
+                                                <m:t>𝑖</m:t>
+                                              </m:r>
+                                            </m:sub>
+                                          </m:sSub>
+                                          <m:r>
+                                            <a:rPr lang="en-US" sz="2400" i="1">
+                                              <a:latin typeface="Cambria Math" charset="0"/>
+                                            </a:rPr>
+                                            <m:t>−</m:t>
+                                          </m:r>
+                                          <m:sSub>
+                                            <m:sSubPr>
+                                              <m:ctrlPr>
+                                                <a:rPr lang="en-US" sz="2400" i="1">
+                                                  <a:latin typeface="Cambria Math" panose="02040503050406030204" pitchFamily="18" charset="0"/>
+                                                </a:rPr>
+                                              </m:ctrlPr>
+                                            </m:sSubPr>
+                                            <m:e>
+                                              <m:r>
+                                                <a:rPr lang="en-US" sz="2400" b="1" i="1">
+                                                  <a:latin typeface="Cambria Math" charset="0"/>
+                                                </a:rPr>
+                                                <m:t>𝒙</m:t>
+                                              </m:r>
+                                            </m:e>
+                                            <m:sub>
+                                              <m:r>
+                                                <a:rPr lang="en-US" sz="2400" b="0" i="1" smtClean="0">
+                                                  <a:latin typeface="Cambria Math" panose="02040503050406030204" pitchFamily="18" charset="0"/>
+                                                </a:rPr>
+                                                <m:t>𝑗</m:t>
+                                              </m:r>
+                                            </m:sub>
+                                          </m:sSub>
+                                        </m:e>
+                                      </m:d>
+                                    </m:e>
+                                    <m:sup>
+                                      <m:r>
+                                        <a:rPr lang="en-US" sz="2400" i="1">
+                                          <a:latin typeface="Cambria Math" charset="0"/>
+                                        </a:rPr>
+                                        <m:t>2</m:t>
+                                      </m:r>
+                                    </m:sup>
+                                  </m:sSup>
+                                </m:num>
+                                <m:den>
+                                  <m:r>
+                                    <a:rPr lang="en-US" sz="2400" i="1">
+                                      <a:latin typeface="Cambria Math" charset="0"/>
+                                    </a:rPr>
+                                    <m:t>2</m:t>
+                                  </m:r>
+                                  <m:sSup>
+                                    <m:sSupPr>
+                                      <m:ctrlPr>
+                                        <a:rPr lang="en-US" sz="2400" i="1">
+                                          <a:latin typeface="Cambria Math" panose="02040503050406030204" pitchFamily="18" charset="0"/>
+                                        </a:rPr>
+                                      </m:ctrlPr>
+                                    </m:sSupPr>
+                                    <m:e>
+                                      <m:r>
+                                        <a:rPr lang="en-US" sz="2400" i="1">
+                                          <a:latin typeface="Cambria Math" charset="0"/>
+                                        </a:rPr>
+                                        <m:t>𝜎</m:t>
+                                      </m:r>
+                                    </m:e>
+                                    <m:sup>
+                                      <m:r>
+                                        <a:rPr lang="en-US" sz="2400" i="1">
+                                          <a:latin typeface="Cambria Math" charset="0"/>
+                                        </a:rPr>
+                                        <m:t>2</m:t>
+                                      </m:r>
+                                    </m:sup>
+                                  </m:sSup>
+                                </m:den>
+                              </m:f>
                             </m:e>
-                            <m:sub>
-                              <m:r>
-                                <a:rPr lang="en-US" b="0" i="1" smtClean="0">
-                                  <a:latin typeface="Cambria Math" charset="0"/>
-                                </a:rPr>
-                                <m:t>𝑛</m:t>
-                              </m:r>
-                            </m:sub>
-                          </m:sSub>
-                          <m:r>
-                            <a:rPr lang="en-US" b="0" i="1" smtClean="0">
-                              <a:latin typeface="Cambria Math" charset="0"/>
-                            </a:rPr>
-                            <m:t>𝑘</m:t>
-                          </m:r>
-                          <m:r>
-                            <a:rPr lang="en-US" b="0" i="1" smtClean="0">
-                              <a:latin typeface="Cambria Math" charset="0"/>
-                            </a:rPr>
-                            <m:t>(</m:t>
-                          </m:r>
-                          <m:r>
-                            <a:rPr lang="en-US" b="0" i="1" smtClean="0">
-                              <a:latin typeface="Cambria Math" charset="0"/>
-                            </a:rPr>
-                            <m:t>𝑥</m:t>
-                          </m:r>
-                          <m:r>
-                            <a:rPr lang="en-US" b="0" i="1" smtClean="0">
-                              <a:latin typeface="Cambria Math" charset="0"/>
-                            </a:rPr>
-                            <m:t>, </m:t>
-                          </m:r>
-                          <m:sSub>
-                            <m:sSubPr>
-                              <m:ctrlPr>
-                                <a:rPr lang="en-US" b="0" i="1" smtClean="0">
-                                  <a:latin typeface="Cambria Math" charset="0"/>
-                                </a:rPr>
-                              </m:ctrlPr>
-                            </m:sSubPr>
-                            <m:e>
-                              <m:r>
-                                <a:rPr lang="en-US" b="0" i="1" smtClean="0">
-                                  <a:latin typeface="Cambria Math" charset="0"/>
-                                </a:rPr>
-                                <m:t>𝑥</m:t>
-                              </m:r>
-                            </m:e>
-                            <m:sub>
-                              <m:r>
-                                <a:rPr lang="en-US" b="0" i="1" smtClean="0">
-                                  <a:latin typeface="Cambria Math" charset="0"/>
-                                </a:rPr>
-                                <m:t>𝑖</m:t>
-                              </m:r>
-                            </m:sub>
-                          </m:sSub>
-                          <m:r>
-                            <a:rPr lang="en-US" b="0" i="1" smtClean="0">
-                              <a:latin typeface="Cambria Math" charset="0"/>
-                            </a:rPr>
-                            <m:t>)</m:t>
-                          </m:r>
+                          </m:d>
                         </m:e>
-                      </m:nary>
+                      </m:func>
                     </m:oMath>
                   </m:oMathPara>
                 </a14:m>
-                <a:endParaRPr lang="en-US" dirty="0"/>
+                <a:endParaRPr lang="en-US" sz="2400" dirty="0"/>
               </a:p>
             </p:txBody>
           </p:sp>
@@ -3711,7 +5694,13 @@
         <mc:Fallback>
           <p:sp>
             <p:nvSpPr>
-              <p:cNvPr id="11" name="TextBox 10"/>
+              <p:cNvPr id="10" name="TextBox 9">
+                <a:extLst>
+                  <a:ext uri="{FF2B5EF4-FFF2-40B4-BE49-F238E27FC236}">
+                    <a16:creationId xmlns:a16="http://schemas.microsoft.com/office/drawing/2014/main" id="{1F23FA21-7447-684E-82A3-7876D03ED643}"/>
+                  </a:ext>
+                </a:extLst>
+              </p:cNvPr>
               <p:cNvSpPr txBox="1">
                 <a:spLocks noRot="1" noChangeAspect="1" noMove="1" noResize="1" noEditPoints="1" noAdjustHandles="1" noChangeArrowheads="1" noChangeShapeType="1" noTextEdit="1"/>
               </p:cNvSpPr>
@@ -3719,16 +5708,16 @@
             </p:nvSpPr>
             <p:spPr>
               <a:xfrm>
-                <a:off x="959250" y="3266882"/>
-                <a:ext cx="2702085" cy="871457"/>
+                <a:off x="668098" y="4854106"/>
+                <a:ext cx="5247847" cy="936025"/>
               </a:xfrm>
               <a:prstGeom prst="rect">
                 <a:avLst/>
               </a:prstGeom>
-              <a:blipFill rotWithShape="0">
+              <a:blipFill>
                 <a:blip r:embed="rId4"/>
                 <a:stretch>
-                  <a:fillRect/>
+                  <a:fillRect b="-5333"/>
                 </a:stretch>
               </a:blipFill>
             </p:spPr>
@@ -3737,7 +5726,7 @@
               <a:lstStyle/>
               <a:p>
                 <a:r>
-                  <a:rPr lang="en-US">
+                  <a:rPr lang="da-DK">
                     <a:noFill/>
                   </a:rPr>
                   <a:t> </a:t>
@@ -3751,14 +5740,20 @@
         <mc:Choice xmlns:a14="http://schemas.microsoft.com/office/drawing/2010/main" Requires="a14">
           <p:sp>
             <p:nvSpPr>
-              <p:cNvPr id="12" name="TextBox 11"/>
+              <p:cNvPr id="11" name="TextBox 10">
+                <a:extLst>
+                  <a:ext uri="{FF2B5EF4-FFF2-40B4-BE49-F238E27FC236}">
+                    <a16:creationId xmlns:a16="http://schemas.microsoft.com/office/drawing/2014/main" id="{562228B6-98A4-0A4A-8CF0-FBD357ADB06A}"/>
+                  </a:ext>
+                </a:extLst>
+              </p:cNvPr>
               <p:cNvSpPr txBox="1"/>
               <p:nvPr/>
             </p:nvSpPr>
             <p:spPr>
               <a:xfrm>
-                <a:off x="1039528" y="2176559"/>
-                <a:ext cx="2541530" cy="871264"/>
+                <a:off x="668098" y="3648968"/>
+                <a:ext cx="3425873" cy="1172629"/>
               </a:xfrm>
               <a:prstGeom prst="rect">
                 <a:avLst/>
@@ -3771,6 +5766,254 @@
               </a:bodyPr>
               <a:lstStyle/>
               <a:p>
+                <a:pPr/>
+                <a14:m>
+                  <m:oMathPara xmlns:m="http://schemas.openxmlformats.org/officeDocument/2006/math">
+                    <m:oMathParaPr>
+                      <m:jc m:val="centerGroup"/>
+                    </m:oMathParaPr>
+                    <m:oMath xmlns:m="http://schemas.openxmlformats.org/officeDocument/2006/math">
+                      <m:sSup>
+                        <m:sSupPr>
+                          <m:ctrlPr>
+                            <a:rPr lang="en-US" sz="2400" i="1" smtClean="0">
+                              <a:latin typeface="Cambria Math" panose="02040503050406030204" pitchFamily="18" charset="0"/>
+                            </a:rPr>
+                          </m:ctrlPr>
+                        </m:sSupPr>
+                        <m:e>
+                          <m:r>
+                            <a:rPr lang="en-US" sz="2400" b="0" i="1" smtClean="0">
+                              <a:latin typeface="Cambria Math" charset="0"/>
+                            </a:rPr>
+                            <m:t>𝐸</m:t>
+                          </m:r>
+                        </m:e>
+                        <m:sup>
+                          <m:r>
+                            <a:rPr lang="en-US" sz="2400" b="0" i="1" smtClean="0">
+                              <a:latin typeface="Cambria Math" charset="0"/>
+                            </a:rPr>
+                            <m:t>𝑀𝐿</m:t>
+                          </m:r>
+                        </m:sup>
+                      </m:sSup>
+                      <m:d>
+                        <m:dPr>
+                          <m:ctrlPr>
+                            <a:rPr lang="en-US" sz="2400" i="1" smtClean="0">
+                              <a:latin typeface="Cambria Math" panose="02040503050406030204" pitchFamily="18" charset="0"/>
+                            </a:rPr>
+                          </m:ctrlPr>
+                        </m:dPr>
+                        <m:e>
+                          <m:sSub>
+                            <m:sSubPr>
+                              <m:ctrlPr>
+                                <a:rPr lang="en-US" sz="2400" b="1" i="1" smtClean="0">
+                                  <a:latin typeface="Cambria Math" panose="02040503050406030204" pitchFamily="18" charset="0"/>
+                                </a:rPr>
+                              </m:ctrlPr>
+                            </m:sSubPr>
+                            <m:e>
+                              <m:r>
+                                <a:rPr lang="en-US" sz="2400" b="1" i="1" smtClean="0">
+                                  <a:latin typeface="Cambria Math" charset="0"/>
+                                </a:rPr>
+                                <m:t>𝒙</m:t>
+                              </m:r>
+                            </m:e>
+                            <m:sub>
+                              <m:r>
+                                <a:rPr lang="en-US" sz="2400" b="1" i="1" smtClean="0">
+                                  <a:latin typeface="Cambria Math" panose="02040503050406030204" pitchFamily="18" charset="0"/>
+                                </a:rPr>
+                                <m:t>𝒊</m:t>
+                              </m:r>
+                            </m:sub>
+                          </m:sSub>
+                        </m:e>
+                      </m:d>
+                      <m:r>
+                        <a:rPr lang="en-US" sz="2400" b="0" i="1" smtClean="0">
+                          <a:latin typeface="Cambria Math" charset="0"/>
+                        </a:rPr>
+                        <m:t>=</m:t>
+                      </m:r>
+                      <m:nary>
+                        <m:naryPr>
+                          <m:chr m:val="∑"/>
+                          <m:ctrlPr>
+                            <a:rPr lang="en-US" sz="2400" i="1" smtClean="0">
+                              <a:latin typeface="Cambria Math" panose="02040503050406030204" pitchFamily="18" charset="0"/>
+                            </a:rPr>
+                          </m:ctrlPr>
+                        </m:naryPr>
+                        <m:sub>
+                          <m:r>
+                            <a:rPr lang="en-US" sz="2400" b="0" i="1" smtClean="0">
+                              <a:latin typeface="Cambria Math" panose="02040503050406030204" pitchFamily="18" charset="0"/>
+                            </a:rPr>
+                            <m:t>𝑗</m:t>
+                          </m:r>
+                        </m:sub>
+                        <m:sup>
+                          <m:r>
+                            <a:rPr lang="en-US" sz="2400" b="0" i="1" smtClean="0">
+                              <a:latin typeface="Cambria Math" charset="0"/>
+                            </a:rPr>
+                            <m:t>𝑁</m:t>
+                          </m:r>
+                        </m:sup>
+                        <m:e>
+                          <m:sSub>
+                            <m:sSubPr>
+                              <m:ctrlPr>
+                                <a:rPr lang="en-US" sz="2400" i="1" smtClean="0">
+                                  <a:latin typeface="Cambria Math" panose="02040503050406030204" pitchFamily="18" charset="0"/>
+                                </a:rPr>
+                              </m:ctrlPr>
+                            </m:sSubPr>
+                            <m:e>
+                              <m:r>
+                                <a:rPr lang="en-US" sz="2400" b="0" i="1" smtClean="0">
+                                  <a:latin typeface="Cambria Math" charset="0"/>
+                                </a:rPr>
+                                <m:t>𝛼</m:t>
+                              </m:r>
+                            </m:e>
+                            <m:sub>
+                              <m:r>
+                                <a:rPr lang="en-US" sz="2400" b="0" i="1" smtClean="0">
+                                  <a:latin typeface="Cambria Math" panose="02040503050406030204" pitchFamily="18" charset="0"/>
+                                </a:rPr>
+                                <m:t>𝑗</m:t>
+                              </m:r>
+                            </m:sub>
+                          </m:sSub>
+                          <m:sSub>
+                            <m:sSubPr>
+                              <m:ctrlPr>
+                                <a:rPr lang="en-US" sz="2400" b="0" i="1" smtClean="0">
+                                  <a:latin typeface="Cambria Math" panose="02040503050406030204" pitchFamily="18" charset="0"/>
+                                </a:rPr>
+                              </m:ctrlPr>
+                            </m:sSubPr>
+                            <m:e>
+                              <m:r>
+                                <a:rPr lang="en-US" sz="2400" b="0" i="1" smtClean="0">
+                                  <a:latin typeface="Cambria Math" panose="02040503050406030204" pitchFamily="18" charset="0"/>
+                                </a:rPr>
+                                <m:t>𝐾</m:t>
+                              </m:r>
+                            </m:e>
+                            <m:sub>
+                              <m:r>
+                                <a:rPr lang="en-US" sz="2400" b="0" i="1" smtClean="0">
+                                  <a:latin typeface="Cambria Math" panose="02040503050406030204" pitchFamily="18" charset="0"/>
+                                </a:rPr>
+                                <m:t>𝑖𝑗</m:t>
+                              </m:r>
+                            </m:sub>
+                          </m:sSub>
+                          <m:r>
+                            <a:rPr lang="en-US" sz="2400" b="0" i="1" smtClean="0">
+                              <a:latin typeface="Cambria Math" panose="02040503050406030204" pitchFamily="18" charset="0"/>
+                            </a:rPr>
+                            <m:t>+</m:t>
+                          </m:r>
+                          <m:r>
+                            <a:rPr lang="en-US" sz="2400" b="0" i="1" smtClean="0">
+                              <a:latin typeface="Cambria Math" panose="02040503050406030204" pitchFamily="18" charset="0"/>
+                            </a:rPr>
+                            <m:t>𝛽</m:t>
+                          </m:r>
+                        </m:e>
+                      </m:nary>
+                    </m:oMath>
+                  </m:oMathPara>
+                </a14:m>
+                <a:endParaRPr lang="en-US" sz="2400" dirty="0"/>
+              </a:p>
+            </p:txBody>
+          </p:sp>
+        </mc:Choice>
+        <mc:Fallback>
+          <p:sp>
+            <p:nvSpPr>
+              <p:cNvPr id="11" name="TextBox 10">
+                <a:extLst>
+                  <a:ext uri="{FF2B5EF4-FFF2-40B4-BE49-F238E27FC236}">
+                    <a16:creationId xmlns:a16="http://schemas.microsoft.com/office/drawing/2014/main" id="{562228B6-98A4-0A4A-8CF0-FBD357ADB06A}"/>
+                  </a:ext>
+                </a:extLst>
+              </p:cNvPr>
+              <p:cNvSpPr txBox="1">
+                <a:spLocks noRot="1" noChangeAspect="1" noMove="1" noResize="1" noEditPoints="1" noAdjustHandles="1" noChangeArrowheads="1" noChangeShapeType="1" noTextEdit="1"/>
+              </p:cNvSpPr>
+              <p:nvPr/>
+            </p:nvSpPr>
+            <p:spPr>
+              <a:xfrm>
+                <a:off x="668098" y="3648968"/>
+                <a:ext cx="3425873" cy="1172629"/>
+              </a:xfrm>
+              <a:prstGeom prst="rect">
+                <a:avLst/>
+              </a:prstGeom>
+              <a:blipFill>
+                <a:blip r:embed="rId5"/>
+                <a:stretch>
+                  <a:fillRect t="-96809" b="-145745"/>
+                </a:stretch>
+              </a:blipFill>
+            </p:spPr>
+            <p:txBody>
+              <a:bodyPr/>
+              <a:lstStyle/>
+              <a:p>
+                <a:r>
+                  <a:rPr lang="da-DK">
+                    <a:noFill/>
+                  </a:rPr>
+                  <a:t> </a:t>
+                </a:r>
+              </a:p>
+            </p:txBody>
+          </p:sp>
+        </mc:Fallback>
+      </mc:AlternateContent>
+      <mc:AlternateContent xmlns:mc="http://schemas.openxmlformats.org/markup-compatibility/2006">
+        <mc:Choice xmlns:a14="http://schemas.microsoft.com/office/drawing/2010/main" Requires="a14">
+          <p:sp>
+            <p:nvSpPr>
+              <p:cNvPr id="12" name="TextBox 11">
+                <a:extLst>
+                  <a:ext uri="{FF2B5EF4-FFF2-40B4-BE49-F238E27FC236}">
+                    <a16:creationId xmlns:a16="http://schemas.microsoft.com/office/drawing/2014/main" id="{A54B9D57-2391-3E48-AB78-34250B63E794}"/>
+                  </a:ext>
+                </a:extLst>
+              </p:cNvPr>
+              <p:cNvSpPr txBox="1"/>
+              <p:nvPr/>
+            </p:nvSpPr>
+            <p:spPr>
+              <a:xfrm>
+                <a:off x="673615" y="2547681"/>
+                <a:ext cx="3340978" cy="1130822"/>
+              </a:xfrm>
+              <a:prstGeom prst="rect">
+                <a:avLst/>
+              </a:prstGeom>
+              <a:noFill/>
+            </p:spPr>
+            <p:txBody>
+              <a:bodyPr wrap="none" rtlCol="0">
+                <a:spAutoFit/>
+              </a:bodyPr>
+              <a:lstStyle/>
+              <a:p>
+                <a:pPr/>
                 <a14:m>
                   <m:oMathPara xmlns:m="http://schemas.openxmlformats.org/officeDocument/2006/math">
                     <m:oMathParaPr>
@@ -3780,35 +6023,54 @@
                       <m:func>
                         <m:funcPr>
                           <m:ctrlPr>
-                            <a:rPr lang="en-US" b="0" i="1" smtClean="0">
-                              <a:latin typeface="Cambria Math" charset="0"/>
+                            <a:rPr lang="en-US" sz="2400" i="1" smtClean="0">
+                              <a:latin typeface="Cambria Math" panose="02040503050406030204" pitchFamily="18" charset="0"/>
                             </a:rPr>
                           </m:ctrlPr>
                         </m:funcPr>
                         <m:fName>
-                          <m:r>
-                            <m:rPr>
-                              <m:sty m:val="p"/>
-                            </m:rPr>
-                            <a:rPr lang="en-US" b="0" i="0" smtClean="0">
-                              <a:latin typeface="Cambria Math" charset="0"/>
-                            </a:rPr>
-                            <m:t>min</m:t>
-                          </m:r>
+                          <m:limLow>
+                            <m:limLowPr>
+                              <m:ctrlPr>
+                                <a:rPr lang="en-US" sz="2400" i="1" smtClean="0">
+                                  <a:latin typeface="Cambria Math" panose="02040503050406030204" pitchFamily="18" charset="0"/>
+                                </a:rPr>
+                              </m:ctrlPr>
+                            </m:limLowPr>
+                            <m:e>
+                              <m:r>
+                                <m:rPr>
+                                  <m:sty m:val="p"/>
+                                </m:rPr>
+                                <a:rPr lang="en-US" sz="2400" i="0" smtClean="0">
+                                  <a:latin typeface="Cambria Math" panose="02040503050406030204" pitchFamily="18" charset="0"/>
+                                </a:rPr>
+                                <m:t>min</m:t>
+                              </m:r>
+                            </m:e>
+                            <m:lim>
+                              <m:r>
+                                <a:rPr lang="en-US" sz="2400" b="1" i="1" smtClean="0">
+                                  <a:latin typeface="Cambria Math" panose="02040503050406030204" pitchFamily="18" charset="0"/>
+                                </a:rPr>
+                                <m:t>𝜶</m:t>
+                              </m:r>
+                            </m:lim>
+                          </m:limLow>
                         </m:fName>
                         <m:e>
                           <m:nary>
                             <m:naryPr>
                               <m:chr m:val="∑"/>
                               <m:ctrlPr>
-                                <a:rPr lang="en-US" b="0" i="1" smtClean="0">
-                                  <a:latin typeface="Cambria Math" charset="0"/>
+                                <a:rPr lang="en-US" sz="2400" i="1" smtClean="0">
+                                  <a:latin typeface="Cambria Math" panose="02040503050406030204" pitchFamily="18" charset="0"/>
                                 </a:rPr>
                               </m:ctrlPr>
                             </m:naryPr>
                             <m:sub>
                               <m:r>
-                                <a:rPr lang="en-US" b="0" i="1" smtClean="0">
+                                <a:rPr lang="en-US" sz="2400" i="1">
                                   <a:latin typeface="Cambria Math" charset="0"/>
                                 </a:rPr>
                                 <m:t>𝑖</m:t>
@@ -3816,7 +6078,7 @@
                             </m:sub>
                             <m:sup>
                               <m:r>
-                                <a:rPr lang="en-US" b="0" i="1" smtClean="0">
+                                <a:rPr lang="en-US" sz="2400" i="1">
                                   <a:latin typeface="Cambria Math" charset="0"/>
                                 </a:rPr>
                                 <m:t>𝑁</m:t>
@@ -3826,8 +6088,8 @@
                               <m:sSup>
                                 <m:sSupPr>
                                   <m:ctrlPr>
-                                    <a:rPr lang="en-US" b="0" i="1" smtClean="0">
-                                      <a:latin typeface="Cambria Math" charset="0"/>
+                                    <a:rPr lang="en-US" sz="2400" i="1">
+                                      <a:latin typeface="Cambria Math" panose="02040503050406030204" pitchFamily="18" charset="0"/>
                                     </a:rPr>
                                   </m:ctrlPr>
                                 </m:sSupPr>
@@ -3835,8 +6097,8 @@
                                   <m:d>
                                     <m:dPr>
                                       <m:ctrlPr>
-                                        <a:rPr lang="en-US" b="0" i="1" smtClean="0">
-                                          <a:latin typeface="Cambria Math" charset="0"/>
+                                        <a:rPr lang="en-US" sz="2400" i="1">
+                                          <a:latin typeface="Cambria Math" panose="02040503050406030204" pitchFamily="18" charset="0"/>
                                         </a:rPr>
                                       </m:ctrlPr>
                                     </m:dPr>
@@ -3844,14 +6106,14 @@
                                       <m:sSup>
                                         <m:sSupPr>
                                           <m:ctrlPr>
-                                            <a:rPr lang="en-US" b="0" i="1" smtClean="0">
-                                              <a:latin typeface="Cambria Math" charset="0"/>
+                                            <a:rPr lang="en-US" sz="2400" i="1">
+                                              <a:latin typeface="Cambria Math" panose="02040503050406030204" pitchFamily="18" charset="0"/>
                                             </a:rPr>
                                           </m:ctrlPr>
                                         </m:sSupPr>
                                         <m:e>
                                           <m:r>
-                                            <a:rPr lang="en-US" b="0" i="1" smtClean="0">
+                                            <a:rPr lang="en-US" sz="2400" i="1">
                                               <a:latin typeface="Cambria Math" charset="0"/>
                                             </a:rPr>
                                             <m:t>𝐸</m:t>
@@ -3859,7 +6121,7 @@
                                         </m:e>
                                         <m:sup>
                                           <m:r>
-                                            <a:rPr lang="en-US" b="0" i="1" smtClean="0">
+                                            <a:rPr lang="en-US" sz="2400" i="1">
                                               <a:latin typeface="Cambria Math" charset="0"/>
                                             </a:rPr>
                                             <m:t>𝑀𝐿</m:t>
@@ -3869,8 +6131,8 @@
                                       <m:d>
                                         <m:dPr>
                                           <m:ctrlPr>
-                                            <a:rPr lang="en-US" b="0" i="1" smtClean="0">
-                                              <a:latin typeface="Cambria Math" charset="0"/>
+                                            <a:rPr lang="en-US" sz="2400" i="1">
+                                              <a:latin typeface="Cambria Math" panose="02040503050406030204" pitchFamily="18" charset="0"/>
                                             </a:rPr>
                                           </m:ctrlPr>
                                         </m:dPr>
@@ -3878,14 +6140,14 @@
                                           <m:sSub>
                                             <m:sSubPr>
                                               <m:ctrlPr>
-                                                <a:rPr lang="en-US" b="1" i="1" smtClean="0">
-                                                  <a:latin typeface="Cambria Math" charset="0"/>
+                                                <a:rPr lang="en-US" sz="2400" b="1" i="1">
+                                                  <a:latin typeface="Cambria Math" panose="02040503050406030204" pitchFamily="18" charset="0"/>
                                                 </a:rPr>
                                               </m:ctrlPr>
                                             </m:sSubPr>
                                             <m:e>
                                               <m:r>
-                                                <a:rPr lang="en-US" b="1" i="1" smtClean="0">
+                                                <a:rPr lang="en-US" sz="2400" b="1" i="1">
                                                   <a:latin typeface="Cambria Math" charset="0"/>
                                                 </a:rPr>
                                                 <m:t>𝒙</m:t>
@@ -3893,7 +6155,7 @@
                                             </m:e>
                                             <m:sub>
                                               <m:r>
-                                                <a:rPr lang="en-US" b="0" i="1" smtClean="0">
+                                                <a:rPr lang="en-US" sz="2400" i="1">
                                                   <a:latin typeface="Cambria Math" charset="0"/>
                                                 </a:rPr>
                                                 <m:t>𝑖</m:t>
@@ -3903,7 +6165,7 @@
                                         </m:e>
                                       </m:d>
                                       <m:r>
-                                        <a:rPr lang="en-US" b="0" i="1" smtClean="0">
+                                        <a:rPr lang="en-US" sz="2400" i="1">
                                           <a:latin typeface="Cambria Math" charset="0"/>
                                         </a:rPr>
                                         <m:t>−</m:t>
@@ -3911,14 +6173,14 @@
                                       <m:sSub>
                                         <m:sSubPr>
                                           <m:ctrlPr>
-                                            <a:rPr lang="en-US" b="0" i="1" smtClean="0">
-                                              <a:latin typeface="Cambria Math" charset="0"/>
+                                            <a:rPr lang="en-US" sz="2400" i="1">
+                                              <a:latin typeface="Cambria Math" panose="02040503050406030204" pitchFamily="18" charset="0"/>
                                             </a:rPr>
                                           </m:ctrlPr>
                                         </m:sSubPr>
                                         <m:e>
                                           <m:r>
-                                            <a:rPr lang="en-US" b="0" i="1" smtClean="0">
+                                            <a:rPr lang="en-US" sz="2400" i="1">
                                               <a:latin typeface="Cambria Math" charset="0"/>
                                             </a:rPr>
                                             <m:t>𝐸</m:t>
@@ -3926,7 +6188,7 @@
                                         </m:e>
                                         <m:sub>
                                           <m:r>
-                                            <a:rPr lang="en-US" b="0" i="1" smtClean="0">
+                                            <a:rPr lang="en-US" sz="2400" i="1">
                                               <a:latin typeface="Cambria Math" charset="0"/>
                                             </a:rPr>
                                             <m:t>𝑖</m:t>
@@ -3938,7 +6200,7 @@
                                 </m:e>
                                 <m:sup>
                                   <m:r>
-                                    <a:rPr lang="en-US" b="0" i="1" smtClean="0">
+                                    <a:rPr lang="en-US" sz="2400" i="1">
                                       <a:latin typeface="Cambria Math" charset="0"/>
                                     </a:rPr>
                                     <m:t>2</m:t>
@@ -3952,7 +6214,7 @@
                     </m:oMath>
                   </m:oMathPara>
                 </a14:m>
-                <a:endParaRPr lang="en-US" dirty="0"/>
+                <a:endParaRPr lang="en-US" sz="2400" dirty="0"/>
               </a:p>
             </p:txBody>
           </p:sp>
@@ -3960,7 +6222,13 @@
         <mc:Fallback>
           <p:sp>
             <p:nvSpPr>
-              <p:cNvPr id="12" name="TextBox 11"/>
+              <p:cNvPr id="12" name="TextBox 11">
+                <a:extLst>
+                  <a:ext uri="{FF2B5EF4-FFF2-40B4-BE49-F238E27FC236}">
+                    <a16:creationId xmlns:a16="http://schemas.microsoft.com/office/drawing/2014/main" id="{A54B9D57-2391-3E48-AB78-34250B63E794}"/>
+                  </a:ext>
+                </a:extLst>
+              </p:cNvPr>
               <p:cNvSpPr txBox="1">
                 <a:spLocks noRot="1" noChangeAspect="1" noMove="1" noResize="1" noEditPoints="1" noAdjustHandles="1" noChangeArrowheads="1" noChangeShapeType="1" noTextEdit="1"/>
               </p:cNvSpPr>
@@ -3968,16 +6236,16 @@
             </p:nvSpPr>
             <p:spPr>
               <a:xfrm>
-                <a:off x="1039528" y="2176559"/>
-                <a:ext cx="2541530" cy="871264"/>
+                <a:off x="673615" y="2547681"/>
+                <a:ext cx="3340978" cy="1130822"/>
               </a:xfrm>
               <a:prstGeom prst="rect">
                 <a:avLst/>
               </a:prstGeom>
-              <a:blipFill rotWithShape="0">
-                <a:blip r:embed="rId5"/>
+              <a:blipFill>
+                <a:blip r:embed="rId6"/>
                 <a:stretch>
-                  <a:fillRect/>
+                  <a:fillRect l="-14015" t="-102222" b="-156667"/>
                 </a:stretch>
               </a:blipFill>
             </p:spPr>
@@ -3986,7 +6254,296 @@
               <a:lstStyle/>
               <a:p>
                 <a:r>
-                  <a:rPr lang="en-US">
+                  <a:rPr lang="da-DK">
+                    <a:noFill/>
+                  </a:rPr>
+                  <a:t> </a:t>
+                </a:r>
+              </a:p>
+            </p:txBody>
+          </p:sp>
+        </mc:Fallback>
+      </mc:AlternateContent>
+    </p:spTree>
+    <p:extLst>
+      <p:ext uri="{BB962C8B-B14F-4D97-AF65-F5344CB8AC3E}">
+        <p14:creationId xmlns:p14="http://schemas.microsoft.com/office/powerpoint/2010/main" val="37389667"/>
+      </p:ext>
+    </p:extLst>
+  </p:cSld>
+  <p:clrMapOvr>
+    <a:masterClrMapping/>
+  </p:clrMapOvr>
+</p:sld>
+</file>
+
+<file path=ppt/slides/slide6.xml><?xml version="1.0" encoding="utf-8"?>
+<p:sld xmlns:a="http://schemas.openxmlformats.org/drawingml/2006/main" xmlns:r="http://schemas.openxmlformats.org/officeDocument/2006/relationships" xmlns:p="http://schemas.openxmlformats.org/presentationml/2006/main">
+  <p:cSld>
+    <p:spTree>
+      <p:nvGrpSpPr>
+        <p:cNvPr id="1" name=""/>
+        <p:cNvGrpSpPr/>
+        <p:nvPr/>
+      </p:nvGrpSpPr>
+      <p:grpSpPr>
+        <a:xfrm>
+          <a:off x="0" y="0"/>
+          <a:ext cx="0" cy="0"/>
+          <a:chOff x="0" y="0"/>
+          <a:chExt cx="0" cy="0"/>
+        </a:xfrm>
+      </p:grpSpPr>
+      <p:sp>
+        <p:nvSpPr>
+          <p:cNvPr id="2" name="Title 1">
+            <a:extLst>
+              <a:ext uri="{FF2B5EF4-FFF2-40B4-BE49-F238E27FC236}">
+                <a16:creationId xmlns:a16="http://schemas.microsoft.com/office/drawing/2014/main" id="{90371848-C3C2-2946-8721-32944148379F}"/>
+              </a:ext>
+            </a:extLst>
+          </p:cNvPr>
+          <p:cNvSpPr>
+            <a:spLocks noGrp="1"/>
+          </p:cNvSpPr>
+          <p:nvPr>
+            <p:ph type="title"/>
+          </p:nvPr>
+        </p:nvSpPr>
+        <p:spPr/>
+        <p:txBody>
+          <a:bodyPr/>
+          <a:lstStyle/>
+          <a:p>
+            <a:r>
+              <a:rPr lang="da-DK" dirty="0" err="1"/>
+              <a:t>Kernel</a:t>
+            </a:r>
+            <a:r>
+              <a:rPr lang="da-DK" dirty="0"/>
+              <a:t> Regression</a:t>
+            </a:r>
+          </a:p>
+        </p:txBody>
+      </p:sp>
+      <p:pic>
+        <p:nvPicPr>
+          <p:cNvPr id="5" name="Picture 4">
+            <a:extLst>
+              <a:ext uri="{FF2B5EF4-FFF2-40B4-BE49-F238E27FC236}">
+                <a16:creationId xmlns:a16="http://schemas.microsoft.com/office/drawing/2014/main" id="{96C8DA8D-9BEF-744E-AFF8-50655E69712A}"/>
+              </a:ext>
+            </a:extLst>
+          </p:cNvPr>
+          <p:cNvPicPr>
+            <a:picLocks noChangeAspect="1"/>
+          </p:cNvPicPr>
+          <p:nvPr/>
+        </p:nvPicPr>
+        <p:blipFill>
+          <a:blip r:embed="rId2"/>
+          <a:stretch>
+            <a:fillRect/>
+          </a:stretch>
+        </p:blipFill>
+        <p:spPr>
+          <a:xfrm>
+            <a:off x="6096000" y="1286582"/>
+            <a:ext cx="5854700" cy="4394200"/>
+          </a:xfrm>
+          <a:prstGeom prst="rect">
+            <a:avLst/>
+          </a:prstGeom>
+        </p:spPr>
+      </p:pic>
+      <mc:AlternateContent xmlns:mc="http://schemas.openxmlformats.org/markup-compatibility/2006" xmlns:a14="http://schemas.microsoft.com/office/drawing/2010/main">
+        <mc:Choice Requires="a14">
+          <p:sp>
+            <p:nvSpPr>
+              <p:cNvPr id="6" name="TextBox 5">
+                <a:extLst>
+                  <a:ext uri="{FF2B5EF4-FFF2-40B4-BE49-F238E27FC236}">
+                    <a16:creationId xmlns:a16="http://schemas.microsoft.com/office/drawing/2014/main" id="{B64305C1-D8DA-9449-80AD-775E6D513BE6}"/>
+                  </a:ext>
+                </a:extLst>
+              </p:cNvPr>
+              <p:cNvSpPr txBox="1"/>
+              <p:nvPr/>
+            </p:nvSpPr>
+            <p:spPr>
+              <a:xfrm>
+                <a:off x="838200" y="1593706"/>
+                <a:ext cx="4389150" cy="830997"/>
+              </a:xfrm>
+              <a:prstGeom prst="rect">
+                <a:avLst/>
+              </a:prstGeom>
+              <a:noFill/>
+            </p:spPr>
+            <p:txBody>
+              <a:bodyPr wrap="none" rtlCol="0">
+                <a:spAutoFit/>
+              </a:bodyPr>
+              <a:lstStyle/>
+              <a:p>
+                <a:pPr marL="342900" indent="-342900">
+                  <a:buFont typeface="Arial" panose="020B0604020202020204" pitchFamily="34" charset="0"/>
+                  <a:buChar char="•"/>
+                </a:pPr>
+                <a:r>
+                  <a:rPr lang="en-US" sz="2400" dirty="0"/>
+                  <a:t>Given data </a:t>
+                </a:r>
+                <a14:m>
+                  <m:oMath xmlns:m="http://schemas.openxmlformats.org/officeDocument/2006/math">
+                    <m:d>
+                      <m:dPr>
+                        <m:begChr m:val="{"/>
+                        <m:endChr m:val="}"/>
+                        <m:ctrlPr>
+                          <a:rPr lang="en-US" sz="2400" b="0" i="1" smtClean="0">
+                            <a:latin typeface="Cambria Math" panose="02040503050406030204" pitchFamily="18" charset="0"/>
+                          </a:rPr>
+                        </m:ctrlPr>
+                      </m:dPr>
+                      <m:e>
+                        <m:sSub>
+                          <m:sSubPr>
+                            <m:ctrlPr>
+                              <a:rPr lang="en-US" sz="2400" b="0" i="1" smtClean="0">
+                                <a:latin typeface="Cambria Math" panose="02040503050406030204" pitchFamily="18" charset="0"/>
+                              </a:rPr>
+                            </m:ctrlPr>
+                          </m:sSubPr>
+                          <m:e>
+                            <m:r>
+                              <a:rPr lang="en-US" sz="2400" b="1" i="1" smtClean="0">
+                                <a:latin typeface="Cambria Math" charset="0"/>
+                              </a:rPr>
+                              <m:t>𝒙</m:t>
+                            </m:r>
+                          </m:e>
+                          <m:sub>
+                            <m:r>
+                              <a:rPr lang="en-US" sz="2400" b="0" i="1" smtClean="0">
+                                <a:latin typeface="Cambria Math" charset="0"/>
+                              </a:rPr>
+                              <m:t>𝑖</m:t>
+                            </m:r>
+                          </m:sub>
+                        </m:sSub>
+                        <m:r>
+                          <a:rPr lang="en-US" sz="2400" b="0" i="1" smtClean="0">
+                            <a:latin typeface="Cambria Math" charset="0"/>
+                          </a:rPr>
+                          <m:t>, </m:t>
+                        </m:r>
+                        <m:sSub>
+                          <m:sSubPr>
+                            <m:ctrlPr>
+                              <a:rPr lang="en-US" sz="2400" b="0" i="1" smtClean="0">
+                                <a:latin typeface="Cambria Math" panose="02040503050406030204" pitchFamily="18" charset="0"/>
+                              </a:rPr>
+                            </m:ctrlPr>
+                          </m:sSubPr>
+                          <m:e>
+                            <m:r>
+                              <a:rPr lang="en-US" sz="2400" b="0" i="1" smtClean="0">
+                                <a:latin typeface="Cambria Math" charset="0"/>
+                              </a:rPr>
+                              <m:t>𝐸</m:t>
+                            </m:r>
+                          </m:e>
+                          <m:sub>
+                            <m:r>
+                              <a:rPr lang="en-US" sz="2400" b="0" i="1" smtClean="0">
+                                <a:latin typeface="Cambria Math" charset="0"/>
+                              </a:rPr>
+                              <m:t>𝑖</m:t>
+                            </m:r>
+                          </m:sub>
+                        </m:sSub>
+                      </m:e>
+                    </m:d>
+                    <m:r>
+                      <a:rPr lang="en-US" sz="2400" b="0" i="0" smtClean="0">
+                        <a:latin typeface="Cambria Math" panose="02040503050406030204" pitchFamily="18" charset="0"/>
+                      </a:rPr>
+                      <m:t>, </m:t>
+                    </m:r>
+                    <m:r>
+                      <m:rPr>
+                        <m:sty m:val="p"/>
+                      </m:rPr>
+                      <a:rPr lang="en-US" sz="2400" b="0" i="0" smtClean="0">
+                        <a:latin typeface="Cambria Math" panose="02040503050406030204" pitchFamily="18" charset="0"/>
+                      </a:rPr>
+                      <m:t>predict</m:t>
+                    </m:r>
+                    <m:r>
+                      <a:rPr lang="en-US" sz="2400" b="0" i="0" smtClean="0">
+                        <a:latin typeface="Cambria Math" panose="02040503050406030204" pitchFamily="18" charset="0"/>
+                      </a:rPr>
+                      <m:t> </m:t>
+                    </m:r>
+                    <m:r>
+                      <m:rPr>
+                        <m:sty m:val="p"/>
+                      </m:rPr>
+                      <a:rPr lang="en-US" sz="2400" b="0" i="0" smtClean="0">
+                        <a:latin typeface="Cambria Math" panose="02040503050406030204" pitchFamily="18" charset="0"/>
+                      </a:rPr>
+                      <m:t>the</m:t>
+                    </m:r>
+                  </m:oMath>
+                </a14:m>
+                <a:endParaRPr lang="en-US" sz="2400" b="0" dirty="0"/>
+              </a:p>
+              <a:p>
+                <a:r>
+                  <a:rPr lang="en-US" sz="2400" dirty="0"/>
+                  <a:t>     energy landscape.</a:t>
+                </a:r>
+              </a:p>
+            </p:txBody>
+          </p:sp>
+        </mc:Choice>
+        <mc:Fallback xmlns="">
+          <p:sp>
+            <p:nvSpPr>
+              <p:cNvPr id="6" name="TextBox 5">
+                <a:extLst>
+                  <a:ext uri="{FF2B5EF4-FFF2-40B4-BE49-F238E27FC236}">
+                    <a16:creationId xmlns:a16="http://schemas.microsoft.com/office/drawing/2014/main" id="{B64305C1-D8DA-9449-80AD-775E6D513BE6}"/>
+                  </a:ext>
+                </a:extLst>
+              </p:cNvPr>
+              <p:cNvSpPr txBox="1">
+                <a:spLocks noRot="1" noChangeAspect="1" noMove="1" noResize="1" noEditPoints="1" noAdjustHandles="1" noChangeArrowheads="1" noChangeShapeType="1" noTextEdit="1"/>
+              </p:cNvSpPr>
+              <p:nvPr/>
+            </p:nvSpPr>
+            <p:spPr>
+              <a:xfrm>
+                <a:off x="838200" y="1593706"/>
+                <a:ext cx="4389150" cy="830997"/>
+              </a:xfrm>
+              <a:prstGeom prst="rect">
+                <a:avLst/>
+              </a:prstGeom>
+              <a:blipFill>
+                <a:blip r:embed="rId3"/>
+                <a:stretch>
+                  <a:fillRect l="-1729" t="-2985" b="-13433"/>
+                </a:stretch>
+              </a:blipFill>
+            </p:spPr>
+            <p:txBody>
+              <a:bodyPr/>
+              <a:lstStyle/>
+              <a:p>
+                <a:r>
+                  <a:rPr lang="da-DK">
                     <a:noFill/>
                   </a:rPr>
                   <a:t> </a:t>
@@ -4000,14 +6557,20 @@
         <mc:Choice xmlns:a14="http://schemas.microsoft.com/office/drawing/2010/main" Requires="a14">
           <p:sp>
             <p:nvSpPr>
-              <p:cNvPr id="13" name="TextBox 12"/>
+              <p:cNvPr id="10" name="TextBox 9">
+                <a:extLst>
+                  <a:ext uri="{FF2B5EF4-FFF2-40B4-BE49-F238E27FC236}">
+                    <a16:creationId xmlns:a16="http://schemas.microsoft.com/office/drawing/2014/main" id="{7D5A9CE5-A77C-4946-B639-CBEAA30C1E22}"/>
+                  </a:ext>
+                </a:extLst>
+              </p:cNvPr>
               <p:cNvSpPr txBox="1"/>
               <p:nvPr/>
             </p:nvSpPr>
             <p:spPr>
               <a:xfrm>
-                <a:off x="869111" y="606165"/>
-                <a:ext cx="4264181" cy="646331"/>
+                <a:off x="668098" y="4854106"/>
+                <a:ext cx="5247847" cy="936025"/>
               </a:xfrm>
               <a:prstGeom prst="rect">
                 <a:avLst/>
@@ -4020,225 +6583,299 @@
               </a:bodyPr>
               <a:lstStyle/>
               <a:p>
-                <a:r>
-                  <a:rPr lang="en-US" dirty="0" smtClean="0"/>
-                  <a:t>Given data with features </a:t>
-                </a:r>
+                <a:pPr/>
                 <a14:m>
-                  <m:oMath xmlns:m="http://schemas.openxmlformats.org/officeDocument/2006/math">
-                    <m:d>
-                      <m:dPr>
-                        <m:begChr m:val="{"/>
-                        <m:endChr m:val="}"/>
-                        <m:ctrlPr>
-                          <a:rPr lang="en-US" b="0" i="1" smtClean="0">
-                            <a:latin typeface="Cambria Math" charset="0"/>
-                          </a:rPr>
-                        </m:ctrlPr>
-                      </m:dPr>
-                      <m:e>
-                        <m:sSub>
-                          <m:sSubPr>
-                            <m:ctrlPr>
-                              <a:rPr lang="en-US" b="0" i="1" smtClean="0">
-                                <a:latin typeface="Cambria Math" charset="0"/>
-                              </a:rPr>
-                            </m:ctrlPr>
-                          </m:sSubPr>
-                          <m:e>
-                            <m:r>
-                              <a:rPr lang="en-US" b="0" i="1" smtClean="0">
-                                <a:latin typeface="Cambria Math" charset="0"/>
-                              </a:rPr>
-                              <m:t>𝑥</m:t>
-                            </m:r>
-                          </m:e>
-                          <m:sub>
-                            <m:r>
-                              <a:rPr lang="en-US" b="0" i="1" smtClean="0">
-                                <a:latin typeface="Cambria Math" charset="0"/>
-                              </a:rPr>
-                              <m:t>1</m:t>
-                            </m:r>
-                          </m:sub>
-                        </m:sSub>
-                        <m:r>
-                          <a:rPr lang="en-US" b="0" i="1" smtClean="0">
-                            <a:latin typeface="Cambria Math" charset="0"/>
-                          </a:rPr>
-                          <m:t>, </m:t>
-                        </m:r>
-                        <m:sSub>
-                          <m:sSubPr>
-                            <m:ctrlPr>
-                              <a:rPr lang="en-US" b="0" i="1" smtClean="0">
-                                <a:latin typeface="Cambria Math" charset="0"/>
-                              </a:rPr>
-                            </m:ctrlPr>
-                          </m:sSubPr>
-                          <m:e>
-                            <m:r>
-                              <a:rPr lang="en-US" b="0" i="1" smtClean="0">
-                                <a:latin typeface="Cambria Math" charset="0"/>
-                              </a:rPr>
-                              <m:t>𝑥</m:t>
-                            </m:r>
-                          </m:e>
-                          <m:sub>
-                            <m:r>
-                              <a:rPr lang="en-US" b="0" i="1" smtClean="0">
-                                <a:latin typeface="Cambria Math" charset="0"/>
-                              </a:rPr>
-                              <m:t>2</m:t>
-                            </m:r>
-                          </m:sub>
-                        </m:sSub>
-                        <m:r>
-                          <a:rPr lang="en-US" b="0" i="1" smtClean="0">
-                            <a:latin typeface="Cambria Math" charset="0"/>
-                          </a:rPr>
-                          <m:t>,…,</m:t>
-                        </m:r>
-                        <m:sSub>
-                          <m:sSubPr>
-                            <m:ctrlPr>
-                              <a:rPr lang="en-US" b="0" i="1" smtClean="0">
-                                <a:latin typeface="Cambria Math" charset="0"/>
-                              </a:rPr>
-                            </m:ctrlPr>
-                          </m:sSubPr>
-                          <m:e>
-                            <m:r>
-                              <a:rPr lang="en-US" b="0" i="1" smtClean="0">
-                                <a:latin typeface="Cambria Math" charset="0"/>
-                              </a:rPr>
-                              <m:t>𝑥</m:t>
-                            </m:r>
-                          </m:e>
-                          <m:sub>
-                            <m:r>
-                              <a:rPr lang="en-US" b="0" i="1" smtClean="0">
-                                <a:latin typeface="Cambria Math" charset="0"/>
-                              </a:rPr>
-                              <m:t>𝑁</m:t>
-                            </m:r>
-                          </m:sub>
-                        </m:sSub>
-                      </m:e>
-                    </m:d>
-                  </m:oMath>
+                  <m:oMathPara xmlns:m="http://schemas.openxmlformats.org/officeDocument/2006/math">
+                    <m:oMathParaPr>
+                      <m:jc m:val="centerGroup"/>
+                    </m:oMathParaPr>
+                    <m:oMath xmlns:m="http://schemas.openxmlformats.org/officeDocument/2006/math">
+                      <m:sSub>
+                        <m:sSubPr>
+                          <m:ctrlPr>
+                            <a:rPr lang="en-US" sz="2400" b="0" i="1" smtClean="0">
+                              <a:latin typeface="Cambria Math" panose="02040503050406030204" pitchFamily="18" charset="0"/>
+                            </a:rPr>
+                          </m:ctrlPr>
+                        </m:sSubPr>
+                        <m:e>
+                          <m:r>
+                            <a:rPr lang="en-US" sz="2400" b="0" i="1" smtClean="0">
+                              <a:latin typeface="Cambria Math" panose="02040503050406030204" pitchFamily="18" charset="0"/>
+                            </a:rPr>
+                            <m:t>𝐾</m:t>
+                          </m:r>
+                        </m:e>
+                        <m:sub>
+                          <m:r>
+                            <a:rPr lang="en-US" sz="2400" b="0" i="1" smtClean="0">
+                              <a:latin typeface="Cambria Math" panose="02040503050406030204" pitchFamily="18" charset="0"/>
+                            </a:rPr>
+                            <m:t>𝑖𝑗</m:t>
+                          </m:r>
+                        </m:sub>
+                      </m:sSub>
+                      <m:r>
+                        <a:rPr lang="en-US" sz="2400" b="0" i="1" smtClean="0">
+                          <a:latin typeface="Cambria Math" panose="02040503050406030204" pitchFamily="18" charset="0"/>
+                        </a:rPr>
+                        <m:t>=</m:t>
+                      </m:r>
+                      <m:r>
+                        <a:rPr lang="en-US" sz="2400" b="0" i="1" smtClean="0">
+                          <a:latin typeface="Cambria Math" panose="02040503050406030204" pitchFamily="18" charset="0"/>
+                        </a:rPr>
+                        <m:t>𝑘</m:t>
+                      </m:r>
+                      <m:r>
+                        <a:rPr lang="en-US" sz="2400" b="0" i="1" smtClean="0">
+                          <a:latin typeface="Cambria Math" panose="02040503050406030204" pitchFamily="18" charset="0"/>
+                        </a:rPr>
+                        <m:t>(</m:t>
+                      </m:r>
+                      <m:sSub>
+                        <m:sSubPr>
+                          <m:ctrlPr>
+                            <a:rPr lang="en-US" sz="2400" b="0" i="1" smtClean="0">
+                              <a:latin typeface="Cambria Math" panose="02040503050406030204" pitchFamily="18" charset="0"/>
+                            </a:rPr>
+                          </m:ctrlPr>
+                        </m:sSubPr>
+                        <m:e>
+                          <m:r>
+                            <a:rPr lang="en-US" sz="2400" b="1" i="1" smtClean="0">
+                              <a:latin typeface="Cambria Math" panose="02040503050406030204" pitchFamily="18" charset="0"/>
+                            </a:rPr>
+                            <m:t>𝒙</m:t>
+                          </m:r>
+                        </m:e>
+                        <m:sub>
+                          <m:r>
+                            <a:rPr lang="en-US" sz="2400" b="0" i="1" smtClean="0">
+                              <a:latin typeface="Cambria Math" panose="02040503050406030204" pitchFamily="18" charset="0"/>
+                            </a:rPr>
+                            <m:t>𝑖</m:t>
+                          </m:r>
+                        </m:sub>
+                      </m:sSub>
+                      <m:r>
+                        <a:rPr lang="en-US" sz="2400" b="0" i="1" smtClean="0">
+                          <a:latin typeface="Cambria Math" panose="02040503050406030204" pitchFamily="18" charset="0"/>
+                        </a:rPr>
+                        <m:t>,</m:t>
+                      </m:r>
+                      <m:sSub>
+                        <m:sSubPr>
+                          <m:ctrlPr>
+                            <a:rPr lang="en-US" sz="2400" b="0" i="1" smtClean="0">
+                              <a:latin typeface="Cambria Math" panose="02040503050406030204" pitchFamily="18" charset="0"/>
+                            </a:rPr>
+                          </m:ctrlPr>
+                        </m:sSubPr>
+                        <m:e>
+                          <m:r>
+                            <a:rPr lang="en-US" sz="2400" b="1" i="1" smtClean="0">
+                              <a:latin typeface="Cambria Math" panose="02040503050406030204" pitchFamily="18" charset="0"/>
+                            </a:rPr>
+                            <m:t>𝒙</m:t>
+                          </m:r>
+                        </m:e>
+                        <m:sub>
+                          <m:r>
+                            <a:rPr lang="en-US" sz="2400" b="0" i="1" smtClean="0">
+                              <a:latin typeface="Cambria Math" panose="02040503050406030204" pitchFamily="18" charset="0"/>
+                            </a:rPr>
+                            <m:t>𝑗</m:t>
+                          </m:r>
+                        </m:sub>
+                      </m:sSub>
+                      <m:r>
+                        <a:rPr lang="en-US" sz="2400" b="0" i="1" smtClean="0">
+                          <a:latin typeface="Cambria Math" panose="02040503050406030204" pitchFamily="18" charset="0"/>
+                        </a:rPr>
+                        <m:t>)</m:t>
+                      </m:r>
+                      <m:r>
+                        <a:rPr lang="en-US" sz="2400" b="0" i="1" smtClean="0">
+                          <a:latin typeface="Cambria Math" charset="0"/>
+                        </a:rPr>
+                        <m:t>=</m:t>
+                      </m:r>
+                      <m:func>
+                        <m:funcPr>
+                          <m:ctrlPr>
+                            <a:rPr lang="en-US" sz="2400" b="0" i="1" smtClean="0">
+                              <a:latin typeface="Cambria Math" panose="02040503050406030204" pitchFamily="18" charset="0"/>
+                            </a:rPr>
+                          </m:ctrlPr>
+                        </m:funcPr>
+                        <m:fName>
+                          <m:r>
+                            <m:rPr>
+                              <m:sty m:val="p"/>
+                            </m:rPr>
+                            <a:rPr lang="en-US" sz="2400" b="0" i="0" smtClean="0">
+                              <a:latin typeface="Cambria Math" panose="02040503050406030204" pitchFamily="18" charset="0"/>
+                            </a:rPr>
+                            <m:t>exp</m:t>
+                          </m:r>
+                        </m:fName>
+                        <m:e>
+                          <m:d>
+                            <m:dPr>
+                              <m:ctrlPr>
+                                <a:rPr lang="en-US" sz="2400" i="1">
+                                  <a:latin typeface="Cambria Math" panose="02040503050406030204" pitchFamily="18" charset="0"/>
+                                </a:rPr>
+                              </m:ctrlPr>
+                            </m:dPr>
+                            <m:e>
+                              <m:r>
+                                <a:rPr lang="en-US" sz="2400" i="1">
+                                  <a:latin typeface="Cambria Math" charset="0"/>
+                                </a:rPr>
+                                <m:t>−</m:t>
+                              </m:r>
+                              <m:f>
+                                <m:fPr>
+                                  <m:ctrlPr>
+                                    <a:rPr lang="en-US" sz="2400" i="1">
+                                      <a:latin typeface="Cambria Math" panose="02040503050406030204" pitchFamily="18" charset="0"/>
+                                    </a:rPr>
+                                  </m:ctrlPr>
+                                </m:fPr>
+                                <m:num>
+                                  <m:sSup>
+                                    <m:sSupPr>
+                                      <m:ctrlPr>
+                                        <a:rPr lang="en-US" sz="2400" i="1">
+                                          <a:latin typeface="Cambria Math" panose="02040503050406030204" pitchFamily="18" charset="0"/>
+                                        </a:rPr>
+                                      </m:ctrlPr>
+                                    </m:sSupPr>
+                                    <m:e>
+                                      <m:d>
+                                        <m:dPr>
+                                          <m:begChr m:val="‖"/>
+                                          <m:endChr m:val="‖"/>
+                                          <m:ctrlPr>
+                                            <a:rPr lang="en-US" sz="2400" i="1">
+                                              <a:latin typeface="Cambria Math" panose="02040503050406030204" pitchFamily="18" charset="0"/>
+                                            </a:rPr>
+                                          </m:ctrlPr>
+                                        </m:dPr>
+                                        <m:e>
+                                          <m:sSub>
+                                            <m:sSubPr>
+                                              <m:ctrlPr>
+                                                <a:rPr lang="en-US" sz="2400" b="0" i="1" smtClean="0">
+                                                  <a:latin typeface="Cambria Math" panose="02040503050406030204" pitchFamily="18" charset="0"/>
+                                                </a:rPr>
+                                              </m:ctrlPr>
+                                            </m:sSubPr>
+                                            <m:e>
+                                              <m:r>
+                                                <a:rPr lang="en-US" sz="2400" b="1" i="1">
+                                                  <a:latin typeface="Cambria Math" charset="0"/>
+                                                </a:rPr>
+                                                <m:t>𝒙</m:t>
+                                              </m:r>
+                                            </m:e>
+                                            <m:sub>
+                                              <m:r>
+                                                <a:rPr lang="en-US" sz="2400" b="0" i="1" smtClean="0">
+                                                  <a:latin typeface="Cambria Math" panose="02040503050406030204" pitchFamily="18" charset="0"/>
+                                                </a:rPr>
+                                                <m:t>𝑖</m:t>
+                                              </m:r>
+                                            </m:sub>
+                                          </m:sSub>
+                                          <m:r>
+                                            <a:rPr lang="en-US" sz="2400" i="1">
+                                              <a:latin typeface="Cambria Math" charset="0"/>
+                                            </a:rPr>
+                                            <m:t>−</m:t>
+                                          </m:r>
+                                          <m:sSub>
+                                            <m:sSubPr>
+                                              <m:ctrlPr>
+                                                <a:rPr lang="en-US" sz="2400" i="1">
+                                                  <a:latin typeface="Cambria Math" panose="02040503050406030204" pitchFamily="18" charset="0"/>
+                                                </a:rPr>
+                                              </m:ctrlPr>
+                                            </m:sSubPr>
+                                            <m:e>
+                                              <m:r>
+                                                <a:rPr lang="en-US" sz="2400" b="1" i="1">
+                                                  <a:latin typeface="Cambria Math" charset="0"/>
+                                                </a:rPr>
+                                                <m:t>𝒙</m:t>
+                                              </m:r>
+                                            </m:e>
+                                            <m:sub>
+                                              <m:r>
+                                                <a:rPr lang="en-US" sz="2400" b="0" i="1" smtClean="0">
+                                                  <a:latin typeface="Cambria Math" panose="02040503050406030204" pitchFamily="18" charset="0"/>
+                                                </a:rPr>
+                                                <m:t>𝑗</m:t>
+                                              </m:r>
+                                            </m:sub>
+                                          </m:sSub>
+                                        </m:e>
+                                      </m:d>
+                                    </m:e>
+                                    <m:sup>
+                                      <m:r>
+                                        <a:rPr lang="en-US" sz="2400" i="1">
+                                          <a:latin typeface="Cambria Math" charset="0"/>
+                                        </a:rPr>
+                                        <m:t>2</m:t>
+                                      </m:r>
+                                    </m:sup>
+                                  </m:sSup>
+                                </m:num>
+                                <m:den>
+                                  <m:r>
+                                    <a:rPr lang="en-US" sz="2400" i="1">
+                                      <a:latin typeface="Cambria Math" charset="0"/>
+                                    </a:rPr>
+                                    <m:t>2</m:t>
+                                  </m:r>
+                                  <m:sSup>
+                                    <m:sSupPr>
+                                      <m:ctrlPr>
+                                        <a:rPr lang="en-US" sz="2400" i="1">
+                                          <a:latin typeface="Cambria Math" panose="02040503050406030204" pitchFamily="18" charset="0"/>
+                                        </a:rPr>
+                                      </m:ctrlPr>
+                                    </m:sSupPr>
+                                    <m:e>
+                                      <m:r>
+                                        <a:rPr lang="en-US" sz="2400" i="1">
+                                          <a:latin typeface="Cambria Math" charset="0"/>
+                                        </a:rPr>
+                                        <m:t>𝜎</m:t>
+                                      </m:r>
+                                    </m:e>
+                                    <m:sup>
+                                      <m:r>
+                                        <a:rPr lang="en-US" sz="2400" i="1">
+                                          <a:latin typeface="Cambria Math" charset="0"/>
+                                        </a:rPr>
+                                        <m:t>2</m:t>
+                                      </m:r>
+                                    </m:sup>
+                                  </m:sSup>
+                                </m:den>
+                              </m:f>
+                            </m:e>
+                          </m:d>
+                        </m:e>
+                      </m:func>
+                    </m:oMath>
+                  </m:oMathPara>
                 </a14:m>
-                <a:endParaRPr lang="en-US" dirty="0" smtClean="0"/>
-              </a:p>
-              <a:p>
-                <a:r>
-                  <a:rPr lang="en-US" dirty="0" smtClean="0"/>
-                  <a:t>and corresponding energies </a:t>
-                </a:r>
-                <a14:m>
-                  <m:oMath xmlns:m="http://schemas.openxmlformats.org/officeDocument/2006/math">
-                    <m:r>
-                      <a:rPr lang="en-US" b="0" i="1" smtClean="0">
-                        <a:latin typeface="Cambria Math" charset="0"/>
-                      </a:rPr>
-                      <m:t>{</m:t>
-                    </m:r>
-                    <m:sSub>
-                      <m:sSubPr>
-                        <m:ctrlPr>
-                          <a:rPr lang="en-US" b="0" i="1" smtClean="0">
-                            <a:latin typeface="Cambria Math" charset="0"/>
-                          </a:rPr>
-                        </m:ctrlPr>
-                      </m:sSubPr>
-                      <m:e>
-                        <m:r>
-                          <a:rPr lang="en-US" b="0" i="1" smtClean="0">
-                            <a:latin typeface="Cambria Math" charset="0"/>
-                          </a:rPr>
-                          <m:t>𝐸</m:t>
-                        </m:r>
-                      </m:e>
-                      <m:sub>
-                        <m:r>
-                          <a:rPr lang="en-US" b="0" i="1" smtClean="0">
-                            <a:latin typeface="Cambria Math" charset="0"/>
-                          </a:rPr>
-                          <m:t>1</m:t>
-                        </m:r>
-                      </m:sub>
-                    </m:sSub>
-                    <m:r>
-                      <a:rPr lang="en-US" b="0" i="1" smtClean="0">
-                        <a:latin typeface="Cambria Math" charset="0"/>
-                      </a:rPr>
-                      <m:t>,</m:t>
-                    </m:r>
-                    <m:sSub>
-                      <m:sSubPr>
-                        <m:ctrlPr>
-                          <a:rPr lang="en-US" b="0" i="1" smtClean="0">
-                            <a:latin typeface="Cambria Math" charset="0"/>
-                          </a:rPr>
-                        </m:ctrlPr>
-                      </m:sSubPr>
-                      <m:e>
-                        <m:r>
-                          <a:rPr lang="en-US" b="0" i="1" smtClean="0">
-                            <a:latin typeface="Cambria Math" charset="0"/>
-                          </a:rPr>
-                          <m:t>𝐸</m:t>
-                        </m:r>
-                      </m:e>
-                      <m:sub>
-                        <m:r>
-                          <a:rPr lang="en-US" b="0" i="1" smtClean="0">
-                            <a:latin typeface="Cambria Math" charset="0"/>
-                          </a:rPr>
-                          <m:t>2</m:t>
-                        </m:r>
-                      </m:sub>
-                    </m:sSub>
-                    <m:r>
-                      <a:rPr lang="en-US" b="0" i="1" smtClean="0">
-                        <a:latin typeface="Cambria Math" charset="0"/>
-                      </a:rPr>
-                      <m:t>,…,</m:t>
-                    </m:r>
-                    <m:sSub>
-                      <m:sSubPr>
-                        <m:ctrlPr>
-                          <a:rPr lang="en-US" b="0" i="1" smtClean="0">
-                            <a:latin typeface="Cambria Math" charset="0"/>
-                          </a:rPr>
-                        </m:ctrlPr>
-                      </m:sSubPr>
-                      <m:e>
-                        <m:r>
-                          <a:rPr lang="en-US" b="0" i="1" smtClean="0">
-                            <a:latin typeface="Cambria Math" charset="0"/>
-                          </a:rPr>
-                          <m:t>𝐸</m:t>
-                        </m:r>
-                      </m:e>
-                      <m:sub>
-                        <m:r>
-                          <a:rPr lang="en-US" b="0" i="1" smtClean="0">
-                            <a:latin typeface="Cambria Math" charset="0"/>
-                          </a:rPr>
-                          <m:t>𝑁</m:t>
-                        </m:r>
-                      </m:sub>
-                    </m:sSub>
-                    <m:r>
-                      <a:rPr lang="en-US" b="0" i="1" smtClean="0">
-                        <a:latin typeface="Cambria Math" charset="0"/>
-                      </a:rPr>
-                      <m:t>}</m:t>
-                    </m:r>
-                  </m:oMath>
-                </a14:m>
-                <a:endParaRPr lang="en-US" dirty="0" smtClean="0"/>
+                <a:endParaRPr lang="en-US" sz="2400" dirty="0"/>
               </a:p>
             </p:txBody>
           </p:sp>
@@ -4246,7 +6883,13 @@
         <mc:Fallback>
           <p:sp>
             <p:nvSpPr>
-              <p:cNvPr id="13" name="TextBox 12"/>
+              <p:cNvPr id="10" name="TextBox 9">
+                <a:extLst>
+                  <a:ext uri="{FF2B5EF4-FFF2-40B4-BE49-F238E27FC236}">
+                    <a16:creationId xmlns:a16="http://schemas.microsoft.com/office/drawing/2014/main" id="{7D5A9CE5-A77C-4946-B639-CBEAA30C1E22}"/>
+                  </a:ext>
+                </a:extLst>
+              </p:cNvPr>
               <p:cNvSpPr txBox="1">
                 <a:spLocks noRot="1" noChangeAspect="1" noMove="1" noResize="1" noEditPoints="1" noAdjustHandles="1" noChangeArrowheads="1" noChangeShapeType="1" noTextEdit="1"/>
               </p:cNvSpPr>
@@ -4254,16 +6897,16 @@
             </p:nvSpPr>
             <p:spPr>
               <a:xfrm>
-                <a:off x="869111" y="606165"/>
-                <a:ext cx="4264181" cy="646331"/>
+                <a:off x="668098" y="4854106"/>
+                <a:ext cx="5247847" cy="936025"/>
               </a:xfrm>
               <a:prstGeom prst="rect">
                 <a:avLst/>
               </a:prstGeom>
-              <a:blipFill rotWithShape="0">
-                <a:blip r:embed="rId6"/>
+              <a:blipFill>
+                <a:blip r:embed="rId4"/>
                 <a:stretch>
-                  <a:fillRect l="-1288" t="-4717" b="-14151"/>
+                  <a:fillRect b="-5333"/>
                 </a:stretch>
               </a:blipFill>
             </p:spPr>
@@ -4272,7 +6915,7 @@
               <a:lstStyle/>
               <a:p>
                 <a:r>
-                  <a:rPr lang="en-US">
+                  <a:rPr lang="da-DK">
                     <a:noFill/>
                   </a:rPr>
                   <a:t> </a:t>
@@ -4286,14 +6929,20 @@
         <mc:Choice xmlns:a14="http://schemas.microsoft.com/office/drawing/2010/main" Requires="a14">
           <p:sp>
             <p:nvSpPr>
-              <p:cNvPr id="14" name="TextBox 13"/>
+              <p:cNvPr id="11" name="TextBox 10">
+                <a:extLst>
+                  <a:ext uri="{FF2B5EF4-FFF2-40B4-BE49-F238E27FC236}">
+                    <a16:creationId xmlns:a16="http://schemas.microsoft.com/office/drawing/2014/main" id="{2BCFFAF7-053D-EC4C-B2C4-7D00740F1FEF}"/>
+                  </a:ext>
+                </a:extLst>
+              </p:cNvPr>
               <p:cNvSpPr txBox="1"/>
               <p:nvPr/>
             </p:nvSpPr>
             <p:spPr>
               <a:xfrm>
-                <a:off x="1039528" y="1588168"/>
-                <a:ext cx="6013890" cy="369332"/>
+                <a:off x="668098" y="3648968"/>
+                <a:ext cx="3425873" cy="1172629"/>
               </a:xfrm>
               <a:prstGeom prst="rect">
                 <a:avLst/>
@@ -4306,88 +6955,174 @@
               </a:bodyPr>
               <a:lstStyle/>
               <a:p>
-                <a:r>
-                  <a:rPr lang="en-US" dirty="0" smtClean="0"/>
-                  <a:t>Given data </a:t>
-                </a:r>
+                <a:pPr/>
                 <a14:m>
-                  <m:oMath xmlns:m="http://schemas.openxmlformats.org/officeDocument/2006/math">
-                    <m:d>
-                      <m:dPr>
-                        <m:begChr m:val="{"/>
-                        <m:endChr m:val="}"/>
-                        <m:ctrlPr>
-                          <a:rPr lang="en-US" b="0" i="1" smtClean="0">
-                            <a:latin typeface="Cambria Math" charset="0"/>
-                          </a:rPr>
-                        </m:ctrlPr>
-                      </m:dPr>
-                      <m:e>
-                        <m:sSub>
-                          <m:sSubPr>
-                            <m:ctrlPr>
-                              <a:rPr lang="en-US" b="0" i="1" smtClean="0">
-                                <a:latin typeface="Cambria Math" charset="0"/>
-                              </a:rPr>
-                            </m:ctrlPr>
-                          </m:sSubPr>
-                          <m:e>
-                            <m:r>
-                              <a:rPr lang="en-US" b="1" i="1" smtClean="0">
-                                <a:latin typeface="Cambria Math" charset="0"/>
-                              </a:rPr>
-                              <m:t>𝒙</m:t>
-                            </m:r>
-                          </m:e>
-                          <m:sub>
-                            <m:r>
-                              <a:rPr lang="en-US" b="0" i="1" smtClean="0">
-                                <a:latin typeface="Cambria Math" charset="0"/>
-                              </a:rPr>
-                              <m:t>𝑖</m:t>
-                            </m:r>
-                          </m:sub>
-                        </m:sSub>
-                        <m:r>
-                          <a:rPr lang="en-US" b="0" i="1" smtClean="0">
-                            <a:latin typeface="Cambria Math" charset="0"/>
-                          </a:rPr>
-                          <m:t>, </m:t>
-                        </m:r>
-                        <m:sSub>
-                          <m:sSubPr>
-                            <m:ctrlPr>
-                              <a:rPr lang="en-US" b="0" i="1" smtClean="0">
-                                <a:latin typeface="Cambria Math" charset="0"/>
-                              </a:rPr>
-                            </m:ctrlPr>
-                          </m:sSubPr>
-                          <m:e>
-                            <m:r>
-                              <a:rPr lang="en-US" b="0" i="1" smtClean="0">
-                                <a:latin typeface="Cambria Math" charset="0"/>
-                              </a:rPr>
-                              <m:t>𝐸</m:t>
-                            </m:r>
-                          </m:e>
-                          <m:sub>
-                            <m:r>
-                              <a:rPr lang="en-US" b="0" i="1" smtClean="0">
-                                <a:latin typeface="Cambria Math" charset="0"/>
-                              </a:rPr>
-                              <m:t>𝑖</m:t>
-                            </m:r>
-                          </m:sub>
-                        </m:sSub>
-                      </m:e>
-                    </m:d>
-                  </m:oMath>
+                  <m:oMathPara xmlns:m="http://schemas.openxmlformats.org/officeDocument/2006/math">
+                    <m:oMathParaPr>
+                      <m:jc m:val="centerGroup"/>
+                    </m:oMathParaPr>
+                    <m:oMath xmlns:m="http://schemas.openxmlformats.org/officeDocument/2006/math">
+                      <m:sSup>
+                        <m:sSupPr>
+                          <m:ctrlPr>
+                            <a:rPr lang="en-US" sz="2400" i="1" smtClean="0">
+                              <a:latin typeface="Cambria Math" panose="02040503050406030204" pitchFamily="18" charset="0"/>
+                            </a:rPr>
+                          </m:ctrlPr>
+                        </m:sSupPr>
+                        <m:e>
+                          <m:r>
+                            <a:rPr lang="en-US" sz="2400" b="0" i="1" smtClean="0">
+                              <a:latin typeface="Cambria Math" charset="0"/>
+                            </a:rPr>
+                            <m:t>𝐸</m:t>
+                          </m:r>
+                        </m:e>
+                        <m:sup>
+                          <m:r>
+                            <a:rPr lang="en-US" sz="2400" b="0" i="1" smtClean="0">
+                              <a:latin typeface="Cambria Math" charset="0"/>
+                            </a:rPr>
+                            <m:t>𝑀𝐿</m:t>
+                          </m:r>
+                        </m:sup>
+                      </m:sSup>
+                      <m:d>
+                        <m:dPr>
+                          <m:ctrlPr>
+                            <a:rPr lang="en-US" sz="2400" i="1" smtClean="0">
+                              <a:latin typeface="Cambria Math" panose="02040503050406030204" pitchFamily="18" charset="0"/>
+                            </a:rPr>
+                          </m:ctrlPr>
+                        </m:dPr>
+                        <m:e>
+                          <m:sSub>
+                            <m:sSubPr>
+                              <m:ctrlPr>
+                                <a:rPr lang="en-US" sz="2400" b="1" i="1" smtClean="0">
+                                  <a:latin typeface="Cambria Math" panose="02040503050406030204" pitchFamily="18" charset="0"/>
+                                </a:rPr>
+                              </m:ctrlPr>
+                            </m:sSubPr>
+                            <m:e>
+                              <m:r>
+                                <a:rPr lang="en-US" sz="2400" b="1" i="1" smtClean="0">
+                                  <a:latin typeface="Cambria Math" charset="0"/>
+                                </a:rPr>
+                                <m:t>𝒙</m:t>
+                              </m:r>
+                            </m:e>
+                            <m:sub>
+                              <m:r>
+                                <a:rPr lang="en-US" sz="2400" b="1" i="1" smtClean="0">
+                                  <a:latin typeface="Cambria Math" panose="02040503050406030204" pitchFamily="18" charset="0"/>
+                                </a:rPr>
+                                <m:t>𝒊</m:t>
+                              </m:r>
+                            </m:sub>
+                          </m:sSub>
+                        </m:e>
+                      </m:d>
+                      <m:r>
+                        <a:rPr lang="en-US" sz="2400" b="0" i="1" smtClean="0">
+                          <a:latin typeface="Cambria Math" charset="0"/>
+                        </a:rPr>
+                        <m:t>=</m:t>
+                      </m:r>
+                      <m:nary>
+                        <m:naryPr>
+                          <m:chr m:val="∑"/>
+                          <m:ctrlPr>
+                            <a:rPr lang="en-US" sz="2400" i="1" smtClean="0">
+                              <a:latin typeface="Cambria Math" panose="02040503050406030204" pitchFamily="18" charset="0"/>
+                            </a:rPr>
+                          </m:ctrlPr>
+                        </m:naryPr>
+                        <m:sub>
+                          <m:r>
+                            <a:rPr lang="en-US" sz="2400" b="0" i="1" smtClean="0">
+                              <a:latin typeface="Cambria Math" panose="02040503050406030204" pitchFamily="18" charset="0"/>
+                            </a:rPr>
+                            <m:t>𝑗</m:t>
+                          </m:r>
+                        </m:sub>
+                        <m:sup>
+                          <m:r>
+                            <a:rPr lang="en-US" sz="2400" b="0" i="1" smtClean="0">
+                              <a:latin typeface="Cambria Math" charset="0"/>
+                            </a:rPr>
+                            <m:t>𝑁</m:t>
+                          </m:r>
+                        </m:sup>
+                        <m:e>
+                          <m:sSub>
+                            <m:sSubPr>
+                              <m:ctrlPr>
+                                <a:rPr lang="en-US" sz="2400" i="1" smtClean="0">
+                                  <a:latin typeface="Cambria Math" panose="02040503050406030204" pitchFamily="18" charset="0"/>
+                                </a:rPr>
+                              </m:ctrlPr>
+                            </m:sSubPr>
+                            <m:e>
+                              <m:r>
+                                <a:rPr lang="en-US" sz="2400" b="0" i="1" smtClean="0">
+                                  <a:latin typeface="Cambria Math" charset="0"/>
+                                </a:rPr>
+                                <m:t>𝛼</m:t>
+                              </m:r>
+                            </m:e>
+                            <m:sub>
+                              <m:r>
+                                <a:rPr lang="en-US" sz="2400" b="0" i="1" smtClean="0">
+                                  <a:latin typeface="Cambria Math" panose="02040503050406030204" pitchFamily="18" charset="0"/>
+                                </a:rPr>
+                                <m:t>𝑗</m:t>
+                              </m:r>
+                            </m:sub>
+                          </m:sSub>
+                          <m:sSub>
+                            <m:sSubPr>
+                              <m:ctrlPr>
+                                <a:rPr lang="en-US" sz="2400" b="0" i="1" smtClean="0">
+                                  <a:latin typeface="Cambria Math" panose="02040503050406030204" pitchFamily="18" charset="0"/>
+                                </a:rPr>
+                              </m:ctrlPr>
+                            </m:sSubPr>
+                            <m:e>
+                              <m:r>
+                                <a:rPr lang="en-US" sz="2400" b="0" i="1" smtClean="0">
+                                  <a:latin typeface="Cambria Math" panose="02040503050406030204" pitchFamily="18" charset="0"/>
+                                </a:rPr>
+                                <m:t>𝐾</m:t>
+                              </m:r>
+                            </m:e>
+                            <m:sub>
+                              <m:r>
+                                <a:rPr lang="en-US" sz="2400" b="0" i="1" smtClean="0">
+                                  <a:latin typeface="Cambria Math" panose="02040503050406030204" pitchFamily="18" charset="0"/>
+                                </a:rPr>
+                                <m:t>𝑖𝑗</m:t>
+                              </m:r>
+                            </m:sub>
+                          </m:sSub>
+                          <m:r>
+                            <a:rPr lang="en-US" sz="2400" b="0" i="1" smtClean="0">
+                              <a:latin typeface="Cambria Math" panose="02040503050406030204" pitchFamily="18" charset="0"/>
+                            </a:rPr>
+                            <m:t>+</m:t>
+                          </m:r>
+                          <m:r>
+                            <a:rPr lang="en-US" sz="2400" b="0" i="1" smtClean="0">
+                              <a:latin typeface="Cambria Math" panose="02040503050406030204" pitchFamily="18" charset="0"/>
+                            </a:rPr>
+                            <m:t>𝛽</m:t>
+                          </m:r>
+                        </m:e>
+                      </m:nary>
+                    </m:oMath>
+                  </m:oMathPara>
                 </a14:m>
-                <a:r>
-                  <a:rPr lang="en-US" dirty="0" smtClean="0"/>
-                  <a:t> how can we model the energy landscape?</a:t>
-                </a:r>
-                <a:endParaRPr lang="en-US" dirty="0"/>
+                <a:endParaRPr lang="en-US" sz="2400" dirty="0"/>
               </a:p>
             </p:txBody>
           </p:sp>
@@ -4395,7 +7130,13 @@
         <mc:Fallback>
           <p:sp>
             <p:nvSpPr>
-              <p:cNvPr id="14" name="TextBox 13"/>
+              <p:cNvPr id="11" name="TextBox 10">
+                <a:extLst>
+                  <a:ext uri="{FF2B5EF4-FFF2-40B4-BE49-F238E27FC236}">
+                    <a16:creationId xmlns:a16="http://schemas.microsoft.com/office/drawing/2014/main" id="{2BCFFAF7-053D-EC4C-B2C4-7D00740F1FEF}"/>
+                  </a:ext>
+                </a:extLst>
+              </p:cNvPr>
               <p:cNvSpPr txBox="1">
                 <a:spLocks noRot="1" noChangeAspect="1" noMove="1" noResize="1" noEditPoints="1" noAdjustHandles="1" noChangeArrowheads="1" noChangeShapeType="1" noTextEdit="1"/>
               </p:cNvSpPr>
@@ -4403,16 +7144,16 @@
             </p:nvSpPr>
             <p:spPr>
               <a:xfrm>
-                <a:off x="1039528" y="1588168"/>
-                <a:ext cx="6013890" cy="369332"/>
+                <a:off x="668098" y="3648968"/>
+                <a:ext cx="3425873" cy="1172629"/>
               </a:xfrm>
               <a:prstGeom prst="rect">
                 <a:avLst/>
               </a:prstGeom>
-              <a:blipFill rotWithShape="0">
-                <a:blip r:embed="rId7"/>
+              <a:blipFill>
+                <a:blip r:embed="rId5"/>
                 <a:stretch>
-                  <a:fillRect l="-913" t="-10000" b="-26667"/>
+                  <a:fillRect t="-96809" b="-145745"/>
                 </a:stretch>
               </a:blipFill>
             </p:spPr>
@@ -4421,7 +7162,288 @@
               <a:lstStyle/>
               <a:p>
                 <a:r>
-                  <a:rPr lang="en-US">
+                  <a:rPr lang="da-DK">
+                    <a:noFill/>
+                  </a:rPr>
+                  <a:t> </a:t>
+                </a:r>
+              </a:p>
+            </p:txBody>
+          </p:sp>
+        </mc:Fallback>
+      </mc:AlternateContent>
+      <mc:AlternateContent xmlns:mc="http://schemas.openxmlformats.org/markup-compatibility/2006">
+        <mc:Choice xmlns:a14="http://schemas.microsoft.com/office/drawing/2010/main" Requires="a14">
+          <p:sp>
+            <p:nvSpPr>
+              <p:cNvPr id="12" name="TextBox 11">
+                <a:extLst>
+                  <a:ext uri="{FF2B5EF4-FFF2-40B4-BE49-F238E27FC236}">
+                    <a16:creationId xmlns:a16="http://schemas.microsoft.com/office/drawing/2014/main" id="{E42519B7-76F1-154B-B8F2-6D963495238A}"/>
+                  </a:ext>
+                </a:extLst>
+              </p:cNvPr>
+              <p:cNvSpPr txBox="1"/>
+              <p:nvPr/>
+            </p:nvSpPr>
+            <p:spPr>
+              <a:xfrm>
+                <a:off x="673615" y="2547681"/>
+                <a:ext cx="3340978" cy="1130822"/>
+              </a:xfrm>
+              <a:prstGeom prst="rect">
+                <a:avLst/>
+              </a:prstGeom>
+              <a:noFill/>
+            </p:spPr>
+            <p:txBody>
+              <a:bodyPr wrap="none" rtlCol="0">
+                <a:spAutoFit/>
+              </a:bodyPr>
+              <a:lstStyle/>
+              <a:p>
+                <a:pPr/>
+                <a14:m>
+                  <m:oMathPara xmlns:m="http://schemas.openxmlformats.org/officeDocument/2006/math">
+                    <m:oMathParaPr>
+                      <m:jc m:val="centerGroup"/>
+                    </m:oMathParaPr>
+                    <m:oMath xmlns:m="http://schemas.openxmlformats.org/officeDocument/2006/math">
+                      <m:func>
+                        <m:funcPr>
+                          <m:ctrlPr>
+                            <a:rPr lang="en-US" sz="2400" i="1" smtClean="0">
+                              <a:latin typeface="Cambria Math" panose="02040503050406030204" pitchFamily="18" charset="0"/>
+                            </a:rPr>
+                          </m:ctrlPr>
+                        </m:funcPr>
+                        <m:fName>
+                          <m:limLow>
+                            <m:limLowPr>
+                              <m:ctrlPr>
+                                <a:rPr lang="en-US" sz="2400" i="1" smtClean="0">
+                                  <a:latin typeface="Cambria Math" panose="02040503050406030204" pitchFamily="18" charset="0"/>
+                                </a:rPr>
+                              </m:ctrlPr>
+                            </m:limLowPr>
+                            <m:e>
+                              <m:r>
+                                <m:rPr>
+                                  <m:sty m:val="p"/>
+                                </m:rPr>
+                                <a:rPr lang="en-US" sz="2400" i="0" smtClean="0">
+                                  <a:latin typeface="Cambria Math" panose="02040503050406030204" pitchFamily="18" charset="0"/>
+                                </a:rPr>
+                                <m:t>min</m:t>
+                              </m:r>
+                            </m:e>
+                            <m:lim>
+                              <m:r>
+                                <a:rPr lang="en-US" sz="2400" b="1" i="1" smtClean="0">
+                                  <a:latin typeface="Cambria Math" panose="02040503050406030204" pitchFamily="18" charset="0"/>
+                                </a:rPr>
+                                <m:t>𝜶</m:t>
+                              </m:r>
+                            </m:lim>
+                          </m:limLow>
+                        </m:fName>
+                        <m:e>
+                          <m:nary>
+                            <m:naryPr>
+                              <m:chr m:val="∑"/>
+                              <m:ctrlPr>
+                                <a:rPr lang="en-US" sz="2400" i="1" smtClean="0">
+                                  <a:latin typeface="Cambria Math" panose="02040503050406030204" pitchFamily="18" charset="0"/>
+                                </a:rPr>
+                              </m:ctrlPr>
+                            </m:naryPr>
+                            <m:sub>
+                              <m:r>
+                                <a:rPr lang="en-US" sz="2400" i="1">
+                                  <a:latin typeface="Cambria Math" charset="0"/>
+                                </a:rPr>
+                                <m:t>𝑖</m:t>
+                              </m:r>
+                            </m:sub>
+                            <m:sup>
+                              <m:r>
+                                <a:rPr lang="en-US" sz="2400" i="1">
+                                  <a:latin typeface="Cambria Math" charset="0"/>
+                                </a:rPr>
+                                <m:t>𝑁</m:t>
+                              </m:r>
+                            </m:sup>
+                            <m:e>
+                              <m:sSup>
+                                <m:sSupPr>
+                                  <m:ctrlPr>
+                                    <a:rPr lang="en-US" sz="2400" i="1">
+                                      <a:latin typeface="Cambria Math" panose="02040503050406030204" pitchFamily="18" charset="0"/>
+                                    </a:rPr>
+                                  </m:ctrlPr>
+                                </m:sSupPr>
+                                <m:e>
+                                  <m:d>
+                                    <m:dPr>
+                                      <m:ctrlPr>
+                                        <a:rPr lang="en-US" sz="2400" i="1">
+                                          <a:latin typeface="Cambria Math" panose="02040503050406030204" pitchFamily="18" charset="0"/>
+                                        </a:rPr>
+                                      </m:ctrlPr>
+                                    </m:dPr>
+                                    <m:e>
+                                      <m:sSup>
+                                        <m:sSupPr>
+                                          <m:ctrlPr>
+                                            <a:rPr lang="en-US" sz="2400" i="1">
+                                              <a:latin typeface="Cambria Math" panose="02040503050406030204" pitchFamily="18" charset="0"/>
+                                            </a:rPr>
+                                          </m:ctrlPr>
+                                        </m:sSupPr>
+                                        <m:e>
+                                          <m:r>
+                                            <a:rPr lang="en-US" sz="2400" i="1">
+                                              <a:latin typeface="Cambria Math" charset="0"/>
+                                            </a:rPr>
+                                            <m:t>𝐸</m:t>
+                                          </m:r>
+                                        </m:e>
+                                        <m:sup>
+                                          <m:r>
+                                            <a:rPr lang="en-US" sz="2400" i="1">
+                                              <a:latin typeface="Cambria Math" charset="0"/>
+                                            </a:rPr>
+                                            <m:t>𝑀𝐿</m:t>
+                                          </m:r>
+                                        </m:sup>
+                                      </m:sSup>
+                                      <m:d>
+                                        <m:dPr>
+                                          <m:ctrlPr>
+                                            <a:rPr lang="en-US" sz="2400" i="1">
+                                              <a:latin typeface="Cambria Math" panose="02040503050406030204" pitchFamily="18" charset="0"/>
+                                            </a:rPr>
+                                          </m:ctrlPr>
+                                        </m:dPr>
+                                        <m:e>
+                                          <m:sSub>
+                                            <m:sSubPr>
+                                              <m:ctrlPr>
+                                                <a:rPr lang="en-US" sz="2400" b="1" i="1">
+                                                  <a:latin typeface="Cambria Math" panose="02040503050406030204" pitchFamily="18" charset="0"/>
+                                                </a:rPr>
+                                              </m:ctrlPr>
+                                            </m:sSubPr>
+                                            <m:e>
+                                              <m:r>
+                                                <a:rPr lang="en-US" sz="2400" b="1" i="1">
+                                                  <a:latin typeface="Cambria Math" charset="0"/>
+                                                </a:rPr>
+                                                <m:t>𝒙</m:t>
+                                              </m:r>
+                                            </m:e>
+                                            <m:sub>
+                                              <m:r>
+                                                <a:rPr lang="en-US" sz="2400" i="1">
+                                                  <a:latin typeface="Cambria Math" charset="0"/>
+                                                </a:rPr>
+                                                <m:t>𝑖</m:t>
+                                              </m:r>
+                                            </m:sub>
+                                          </m:sSub>
+                                        </m:e>
+                                      </m:d>
+                                      <m:r>
+                                        <a:rPr lang="en-US" sz="2400" i="1">
+                                          <a:latin typeface="Cambria Math" charset="0"/>
+                                        </a:rPr>
+                                        <m:t>−</m:t>
+                                      </m:r>
+                                      <m:sSub>
+                                        <m:sSubPr>
+                                          <m:ctrlPr>
+                                            <a:rPr lang="en-US" sz="2400" i="1">
+                                              <a:latin typeface="Cambria Math" panose="02040503050406030204" pitchFamily="18" charset="0"/>
+                                            </a:rPr>
+                                          </m:ctrlPr>
+                                        </m:sSubPr>
+                                        <m:e>
+                                          <m:r>
+                                            <a:rPr lang="en-US" sz="2400" i="1">
+                                              <a:latin typeface="Cambria Math" charset="0"/>
+                                            </a:rPr>
+                                            <m:t>𝐸</m:t>
+                                          </m:r>
+                                        </m:e>
+                                        <m:sub>
+                                          <m:r>
+                                            <a:rPr lang="en-US" sz="2400" i="1">
+                                              <a:latin typeface="Cambria Math" charset="0"/>
+                                            </a:rPr>
+                                            <m:t>𝑖</m:t>
+                                          </m:r>
+                                        </m:sub>
+                                      </m:sSub>
+                                    </m:e>
+                                  </m:d>
+                                </m:e>
+                                <m:sup>
+                                  <m:r>
+                                    <a:rPr lang="en-US" sz="2400" i="1">
+                                      <a:latin typeface="Cambria Math" charset="0"/>
+                                    </a:rPr>
+                                    <m:t>2</m:t>
+                                  </m:r>
+                                </m:sup>
+                              </m:sSup>
+                            </m:e>
+                          </m:nary>
+                        </m:e>
+                      </m:func>
+                    </m:oMath>
+                  </m:oMathPara>
+                </a14:m>
+                <a:endParaRPr lang="en-US" sz="2400" dirty="0"/>
+              </a:p>
+            </p:txBody>
+          </p:sp>
+        </mc:Choice>
+        <mc:Fallback>
+          <p:sp>
+            <p:nvSpPr>
+              <p:cNvPr id="12" name="TextBox 11">
+                <a:extLst>
+                  <a:ext uri="{FF2B5EF4-FFF2-40B4-BE49-F238E27FC236}">
+                    <a16:creationId xmlns:a16="http://schemas.microsoft.com/office/drawing/2014/main" id="{E42519B7-76F1-154B-B8F2-6D963495238A}"/>
+                  </a:ext>
+                </a:extLst>
+              </p:cNvPr>
+              <p:cNvSpPr txBox="1">
+                <a:spLocks noRot="1" noChangeAspect="1" noMove="1" noResize="1" noEditPoints="1" noAdjustHandles="1" noChangeArrowheads="1" noChangeShapeType="1" noTextEdit="1"/>
+              </p:cNvSpPr>
+              <p:nvPr/>
+            </p:nvSpPr>
+            <p:spPr>
+              <a:xfrm>
+                <a:off x="673615" y="2547681"/>
+                <a:ext cx="3340978" cy="1130822"/>
+              </a:xfrm>
+              <a:prstGeom prst="rect">
+                <a:avLst/>
+              </a:prstGeom>
+              <a:blipFill>
+                <a:blip r:embed="rId6"/>
+                <a:stretch>
+                  <a:fillRect l="-14015" t="-102222" b="-156667"/>
+                </a:stretch>
+              </a:blipFill>
+            </p:spPr>
+            <p:txBody>
+              <a:bodyPr/>
+              <a:lstStyle/>
+              <a:p>
+                <a:r>
+                  <a:rPr lang="da-DK">
                     <a:noFill/>
                   </a:rPr>
                   <a:t> </a:t>
@@ -4434,7 +7456,3796 @@
     </p:spTree>
     <p:extLst>
       <p:ext uri="{BB962C8B-B14F-4D97-AF65-F5344CB8AC3E}">
-        <p14:creationId xmlns:p14="http://schemas.microsoft.com/office/powerpoint/2010/main" val="96195677"/>
+        <p14:creationId xmlns:p14="http://schemas.microsoft.com/office/powerpoint/2010/main" val="2114050747"/>
+      </p:ext>
+    </p:extLst>
+  </p:cSld>
+  <p:clrMapOvr>
+    <a:masterClrMapping/>
+  </p:clrMapOvr>
+</p:sld>
+</file>
+
+<file path=ppt/slides/slide7.xml><?xml version="1.0" encoding="utf-8"?>
+<p:sld xmlns:a="http://schemas.openxmlformats.org/drawingml/2006/main" xmlns:r="http://schemas.openxmlformats.org/officeDocument/2006/relationships" xmlns:p="http://schemas.openxmlformats.org/presentationml/2006/main">
+  <p:cSld>
+    <p:spTree>
+      <p:nvGrpSpPr>
+        <p:cNvPr id="1" name=""/>
+        <p:cNvGrpSpPr/>
+        <p:nvPr/>
+      </p:nvGrpSpPr>
+      <p:grpSpPr>
+        <a:xfrm>
+          <a:off x="0" y="0"/>
+          <a:ext cx="0" cy="0"/>
+          <a:chOff x="0" y="0"/>
+          <a:chExt cx="0" cy="0"/>
+        </a:xfrm>
+      </p:grpSpPr>
+      <p:sp>
+        <p:nvSpPr>
+          <p:cNvPr id="2" name="Title 1">
+            <a:extLst>
+              <a:ext uri="{FF2B5EF4-FFF2-40B4-BE49-F238E27FC236}">
+                <a16:creationId xmlns:a16="http://schemas.microsoft.com/office/drawing/2014/main" id="{90371848-C3C2-2946-8721-32944148379F}"/>
+              </a:ext>
+            </a:extLst>
+          </p:cNvPr>
+          <p:cNvSpPr>
+            <a:spLocks noGrp="1"/>
+          </p:cNvSpPr>
+          <p:nvPr>
+            <p:ph type="title"/>
+          </p:nvPr>
+        </p:nvSpPr>
+        <p:spPr/>
+        <p:txBody>
+          <a:bodyPr/>
+          <a:lstStyle/>
+          <a:p>
+            <a:r>
+              <a:rPr lang="da-DK" dirty="0" err="1"/>
+              <a:t>Kernel</a:t>
+            </a:r>
+            <a:r>
+              <a:rPr lang="da-DK" dirty="0"/>
+              <a:t> </a:t>
+            </a:r>
+            <a:r>
+              <a:rPr lang="da-DK" dirty="0" err="1"/>
+              <a:t>Ridge</a:t>
+            </a:r>
+            <a:r>
+              <a:rPr lang="da-DK" dirty="0"/>
+              <a:t> Regression</a:t>
+            </a:r>
+          </a:p>
+        </p:txBody>
+      </p:sp>
+      <p:pic>
+        <p:nvPicPr>
+          <p:cNvPr id="5" name="Picture 4">
+            <a:extLst>
+              <a:ext uri="{FF2B5EF4-FFF2-40B4-BE49-F238E27FC236}">
+                <a16:creationId xmlns:a16="http://schemas.microsoft.com/office/drawing/2014/main" id="{96C8DA8D-9BEF-744E-AFF8-50655E69712A}"/>
+              </a:ext>
+            </a:extLst>
+          </p:cNvPr>
+          <p:cNvPicPr>
+            <a:picLocks noChangeAspect="1"/>
+          </p:cNvPicPr>
+          <p:nvPr/>
+        </p:nvPicPr>
+        <p:blipFill>
+          <a:blip r:embed="rId2"/>
+          <a:stretch>
+            <a:fillRect/>
+          </a:stretch>
+        </p:blipFill>
+        <p:spPr>
+          <a:xfrm>
+            <a:off x="6096000" y="1286582"/>
+            <a:ext cx="5854700" cy="4394200"/>
+          </a:xfrm>
+          <a:prstGeom prst="rect">
+            <a:avLst/>
+          </a:prstGeom>
+        </p:spPr>
+      </p:pic>
+      <mc:AlternateContent xmlns:mc="http://schemas.openxmlformats.org/markup-compatibility/2006" xmlns:a14="http://schemas.microsoft.com/office/drawing/2010/main">
+        <mc:Choice Requires="a14">
+          <p:sp>
+            <p:nvSpPr>
+              <p:cNvPr id="6" name="TextBox 5">
+                <a:extLst>
+                  <a:ext uri="{FF2B5EF4-FFF2-40B4-BE49-F238E27FC236}">
+                    <a16:creationId xmlns:a16="http://schemas.microsoft.com/office/drawing/2014/main" id="{B64305C1-D8DA-9449-80AD-775E6D513BE6}"/>
+                  </a:ext>
+                </a:extLst>
+              </p:cNvPr>
+              <p:cNvSpPr txBox="1"/>
+              <p:nvPr/>
+            </p:nvSpPr>
+            <p:spPr>
+              <a:xfrm>
+                <a:off x="838200" y="1593706"/>
+                <a:ext cx="4389150" cy="830997"/>
+              </a:xfrm>
+              <a:prstGeom prst="rect">
+                <a:avLst/>
+              </a:prstGeom>
+              <a:noFill/>
+            </p:spPr>
+            <p:txBody>
+              <a:bodyPr wrap="none" rtlCol="0">
+                <a:spAutoFit/>
+              </a:bodyPr>
+              <a:lstStyle/>
+              <a:p>
+                <a:pPr marL="342900" indent="-342900">
+                  <a:buFont typeface="Arial" panose="020B0604020202020204" pitchFamily="34" charset="0"/>
+                  <a:buChar char="•"/>
+                </a:pPr>
+                <a:r>
+                  <a:rPr lang="en-US" sz="2400" dirty="0"/>
+                  <a:t>Given data </a:t>
+                </a:r>
+                <a14:m>
+                  <m:oMath xmlns:m="http://schemas.openxmlformats.org/officeDocument/2006/math">
+                    <m:d>
+                      <m:dPr>
+                        <m:begChr m:val="{"/>
+                        <m:endChr m:val="}"/>
+                        <m:ctrlPr>
+                          <a:rPr lang="en-US" sz="2400" b="0" i="1" smtClean="0">
+                            <a:latin typeface="Cambria Math" panose="02040503050406030204" pitchFamily="18" charset="0"/>
+                          </a:rPr>
+                        </m:ctrlPr>
+                      </m:dPr>
+                      <m:e>
+                        <m:sSub>
+                          <m:sSubPr>
+                            <m:ctrlPr>
+                              <a:rPr lang="en-US" sz="2400" b="0" i="1" smtClean="0">
+                                <a:latin typeface="Cambria Math" panose="02040503050406030204" pitchFamily="18" charset="0"/>
+                              </a:rPr>
+                            </m:ctrlPr>
+                          </m:sSubPr>
+                          <m:e>
+                            <m:r>
+                              <a:rPr lang="en-US" sz="2400" b="1" i="1" smtClean="0">
+                                <a:latin typeface="Cambria Math" charset="0"/>
+                              </a:rPr>
+                              <m:t>𝒙</m:t>
+                            </m:r>
+                          </m:e>
+                          <m:sub>
+                            <m:r>
+                              <a:rPr lang="en-US" sz="2400" b="0" i="1" smtClean="0">
+                                <a:latin typeface="Cambria Math" charset="0"/>
+                              </a:rPr>
+                              <m:t>𝑖</m:t>
+                            </m:r>
+                          </m:sub>
+                        </m:sSub>
+                        <m:r>
+                          <a:rPr lang="en-US" sz="2400" b="0" i="1" smtClean="0">
+                            <a:latin typeface="Cambria Math" charset="0"/>
+                          </a:rPr>
+                          <m:t>, </m:t>
+                        </m:r>
+                        <m:sSub>
+                          <m:sSubPr>
+                            <m:ctrlPr>
+                              <a:rPr lang="en-US" sz="2400" b="0" i="1" smtClean="0">
+                                <a:latin typeface="Cambria Math" panose="02040503050406030204" pitchFamily="18" charset="0"/>
+                              </a:rPr>
+                            </m:ctrlPr>
+                          </m:sSubPr>
+                          <m:e>
+                            <m:r>
+                              <a:rPr lang="en-US" sz="2400" b="0" i="1" smtClean="0">
+                                <a:latin typeface="Cambria Math" charset="0"/>
+                              </a:rPr>
+                              <m:t>𝐸</m:t>
+                            </m:r>
+                          </m:e>
+                          <m:sub>
+                            <m:r>
+                              <a:rPr lang="en-US" sz="2400" b="0" i="1" smtClean="0">
+                                <a:latin typeface="Cambria Math" charset="0"/>
+                              </a:rPr>
+                              <m:t>𝑖</m:t>
+                            </m:r>
+                          </m:sub>
+                        </m:sSub>
+                      </m:e>
+                    </m:d>
+                    <m:r>
+                      <a:rPr lang="en-US" sz="2400" b="0" i="0" smtClean="0">
+                        <a:latin typeface="Cambria Math" panose="02040503050406030204" pitchFamily="18" charset="0"/>
+                      </a:rPr>
+                      <m:t>, </m:t>
+                    </m:r>
+                    <m:r>
+                      <m:rPr>
+                        <m:sty m:val="p"/>
+                      </m:rPr>
+                      <a:rPr lang="en-US" sz="2400" b="0" i="0" smtClean="0">
+                        <a:latin typeface="Cambria Math" panose="02040503050406030204" pitchFamily="18" charset="0"/>
+                      </a:rPr>
+                      <m:t>predict</m:t>
+                    </m:r>
+                    <m:r>
+                      <a:rPr lang="en-US" sz="2400" b="0" i="0" smtClean="0">
+                        <a:latin typeface="Cambria Math" panose="02040503050406030204" pitchFamily="18" charset="0"/>
+                      </a:rPr>
+                      <m:t> </m:t>
+                    </m:r>
+                    <m:r>
+                      <m:rPr>
+                        <m:sty m:val="p"/>
+                      </m:rPr>
+                      <a:rPr lang="en-US" sz="2400" b="0" i="0" smtClean="0">
+                        <a:latin typeface="Cambria Math" panose="02040503050406030204" pitchFamily="18" charset="0"/>
+                      </a:rPr>
+                      <m:t>the</m:t>
+                    </m:r>
+                  </m:oMath>
+                </a14:m>
+                <a:endParaRPr lang="en-US" sz="2400" b="0" dirty="0"/>
+              </a:p>
+              <a:p>
+                <a:r>
+                  <a:rPr lang="en-US" sz="2400" dirty="0"/>
+                  <a:t>     energy landscape.</a:t>
+                </a:r>
+              </a:p>
+            </p:txBody>
+          </p:sp>
+        </mc:Choice>
+        <mc:Fallback xmlns="">
+          <p:sp>
+            <p:nvSpPr>
+              <p:cNvPr id="6" name="TextBox 5">
+                <a:extLst>
+                  <a:ext uri="{FF2B5EF4-FFF2-40B4-BE49-F238E27FC236}">
+                    <a16:creationId xmlns:a16="http://schemas.microsoft.com/office/drawing/2014/main" id="{B64305C1-D8DA-9449-80AD-775E6D513BE6}"/>
+                  </a:ext>
+                </a:extLst>
+              </p:cNvPr>
+              <p:cNvSpPr txBox="1">
+                <a:spLocks noRot="1" noChangeAspect="1" noMove="1" noResize="1" noEditPoints="1" noAdjustHandles="1" noChangeArrowheads="1" noChangeShapeType="1" noTextEdit="1"/>
+              </p:cNvSpPr>
+              <p:nvPr/>
+            </p:nvSpPr>
+            <p:spPr>
+              <a:xfrm>
+                <a:off x="838200" y="1593706"/>
+                <a:ext cx="4389150" cy="830997"/>
+              </a:xfrm>
+              <a:prstGeom prst="rect">
+                <a:avLst/>
+              </a:prstGeom>
+              <a:blipFill>
+                <a:blip r:embed="rId3"/>
+                <a:stretch>
+                  <a:fillRect l="-1729" t="-2985" b="-13433"/>
+                </a:stretch>
+              </a:blipFill>
+            </p:spPr>
+            <p:txBody>
+              <a:bodyPr/>
+              <a:lstStyle/>
+              <a:p>
+                <a:r>
+                  <a:rPr lang="da-DK">
+                    <a:noFill/>
+                  </a:rPr>
+                  <a:t> </a:t>
+                </a:r>
+              </a:p>
+            </p:txBody>
+          </p:sp>
+        </mc:Fallback>
+      </mc:AlternateContent>
+      <mc:AlternateContent xmlns:mc="http://schemas.openxmlformats.org/markup-compatibility/2006" xmlns:a14="http://schemas.microsoft.com/office/drawing/2010/main">
+        <mc:Choice Requires="a14">
+          <p:sp>
+            <p:nvSpPr>
+              <p:cNvPr id="7" name="TextBox 6">
+                <a:extLst>
+                  <a:ext uri="{FF2B5EF4-FFF2-40B4-BE49-F238E27FC236}">
+                    <a16:creationId xmlns:a16="http://schemas.microsoft.com/office/drawing/2014/main" id="{B326EACE-184C-7541-863E-4FC005F8970C}"/>
+                  </a:ext>
+                </a:extLst>
+              </p:cNvPr>
+              <p:cNvSpPr txBox="1"/>
+              <p:nvPr/>
+            </p:nvSpPr>
+            <p:spPr>
+              <a:xfrm>
+                <a:off x="668098" y="4854106"/>
+                <a:ext cx="5247847" cy="936025"/>
+              </a:xfrm>
+              <a:prstGeom prst="rect">
+                <a:avLst/>
+              </a:prstGeom>
+              <a:noFill/>
+            </p:spPr>
+            <p:txBody>
+              <a:bodyPr wrap="none" rtlCol="0">
+                <a:spAutoFit/>
+              </a:bodyPr>
+              <a:lstStyle/>
+              <a:p>
+                <a:pPr/>
+                <a14:m>
+                  <m:oMathPara xmlns:m="http://schemas.openxmlformats.org/officeDocument/2006/math">
+                    <m:oMathParaPr>
+                      <m:jc m:val="centerGroup"/>
+                    </m:oMathParaPr>
+                    <m:oMath xmlns:m="http://schemas.openxmlformats.org/officeDocument/2006/math">
+                      <m:sSub>
+                        <m:sSubPr>
+                          <m:ctrlPr>
+                            <a:rPr lang="en-US" sz="2400" b="0" i="1" smtClean="0">
+                              <a:latin typeface="Cambria Math" panose="02040503050406030204" pitchFamily="18" charset="0"/>
+                            </a:rPr>
+                          </m:ctrlPr>
+                        </m:sSubPr>
+                        <m:e>
+                          <m:r>
+                            <a:rPr lang="en-US" sz="2400" b="0" i="1" smtClean="0">
+                              <a:latin typeface="Cambria Math" panose="02040503050406030204" pitchFamily="18" charset="0"/>
+                            </a:rPr>
+                            <m:t>𝐾</m:t>
+                          </m:r>
+                        </m:e>
+                        <m:sub>
+                          <m:r>
+                            <a:rPr lang="en-US" sz="2400" b="0" i="1" smtClean="0">
+                              <a:latin typeface="Cambria Math" panose="02040503050406030204" pitchFamily="18" charset="0"/>
+                            </a:rPr>
+                            <m:t>𝑖𝑗</m:t>
+                          </m:r>
+                        </m:sub>
+                      </m:sSub>
+                      <m:r>
+                        <a:rPr lang="en-US" sz="2400" b="0" i="1" smtClean="0">
+                          <a:latin typeface="Cambria Math" panose="02040503050406030204" pitchFamily="18" charset="0"/>
+                        </a:rPr>
+                        <m:t>=</m:t>
+                      </m:r>
+                      <m:r>
+                        <a:rPr lang="en-US" sz="2400" b="0" i="1" smtClean="0">
+                          <a:latin typeface="Cambria Math" panose="02040503050406030204" pitchFamily="18" charset="0"/>
+                        </a:rPr>
+                        <m:t>𝑘</m:t>
+                      </m:r>
+                      <m:r>
+                        <a:rPr lang="en-US" sz="2400" b="0" i="1" smtClean="0">
+                          <a:latin typeface="Cambria Math" panose="02040503050406030204" pitchFamily="18" charset="0"/>
+                        </a:rPr>
+                        <m:t>(</m:t>
+                      </m:r>
+                      <m:sSub>
+                        <m:sSubPr>
+                          <m:ctrlPr>
+                            <a:rPr lang="en-US" sz="2400" b="0" i="1" smtClean="0">
+                              <a:latin typeface="Cambria Math" panose="02040503050406030204" pitchFamily="18" charset="0"/>
+                            </a:rPr>
+                          </m:ctrlPr>
+                        </m:sSubPr>
+                        <m:e>
+                          <m:r>
+                            <a:rPr lang="en-US" sz="2400" b="1" i="1" smtClean="0">
+                              <a:latin typeface="Cambria Math" panose="02040503050406030204" pitchFamily="18" charset="0"/>
+                            </a:rPr>
+                            <m:t>𝒙</m:t>
+                          </m:r>
+                        </m:e>
+                        <m:sub>
+                          <m:r>
+                            <a:rPr lang="en-US" sz="2400" b="0" i="1" smtClean="0">
+                              <a:latin typeface="Cambria Math" panose="02040503050406030204" pitchFamily="18" charset="0"/>
+                            </a:rPr>
+                            <m:t>𝑖</m:t>
+                          </m:r>
+                        </m:sub>
+                      </m:sSub>
+                      <m:r>
+                        <a:rPr lang="en-US" sz="2400" b="0" i="1" smtClean="0">
+                          <a:latin typeface="Cambria Math" panose="02040503050406030204" pitchFamily="18" charset="0"/>
+                        </a:rPr>
+                        <m:t>,</m:t>
+                      </m:r>
+                      <m:sSub>
+                        <m:sSubPr>
+                          <m:ctrlPr>
+                            <a:rPr lang="en-US" sz="2400" b="0" i="1" smtClean="0">
+                              <a:latin typeface="Cambria Math" panose="02040503050406030204" pitchFamily="18" charset="0"/>
+                            </a:rPr>
+                          </m:ctrlPr>
+                        </m:sSubPr>
+                        <m:e>
+                          <m:r>
+                            <a:rPr lang="en-US" sz="2400" b="1" i="1" smtClean="0">
+                              <a:latin typeface="Cambria Math" panose="02040503050406030204" pitchFamily="18" charset="0"/>
+                            </a:rPr>
+                            <m:t>𝒙</m:t>
+                          </m:r>
+                        </m:e>
+                        <m:sub>
+                          <m:r>
+                            <a:rPr lang="en-US" sz="2400" b="0" i="1" smtClean="0">
+                              <a:latin typeface="Cambria Math" panose="02040503050406030204" pitchFamily="18" charset="0"/>
+                            </a:rPr>
+                            <m:t>𝑗</m:t>
+                          </m:r>
+                        </m:sub>
+                      </m:sSub>
+                      <m:r>
+                        <a:rPr lang="en-US" sz="2400" b="0" i="1" smtClean="0">
+                          <a:latin typeface="Cambria Math" panose="02040503050406030204" pitchFamily="18" charset="0"/>
+                        </a:rPr>
+                        <m:t>)</m:t>
+                      </m:r>
+                      <m:r>
+                        <a:rPr lang="en-US" sz="2400" b="0" i="1" smtClean="0">
+                          <a:latin typeface="Cambria Math" charset="0"/>
+                        </a:rPr>
+                        <m:t>=</m:t>
+                      </m:r>
+                      <m:func>
+                        <m:funcPr>
+                          <m:ctrlPr>
+                            <a:rPr lang="en-US" sz="2400" b="0" i="1" smtClean="0">
+                              <a:latin typeface="Cambria Math" panose="02040503050406030204" pitchFamily="18" charset="0"/>
+                            </a:rPr>
+                          </m:ctrlPr>
+                        </m:funcPr>
+                        <m:fName>
+                          <m:r>
+                            <m:rPr>
+                              <m:sty m:val="p"/>
+                            </m:rPr>
+                            <a:rPr lang="en-US" sz="2400" b="0" i="0" smtClean="0">
+                              <a:latin typeface="Cambria Math" panose="02040503050406030204" pitchFamily="18" charset="0"/>
+                            </a:rPr>
+                            <m:t>exp</m:t>
+                          </m:r>
+                        </m:fName>
+                        <m:e>
+                          <m:d>
+                            <m:dPr>
+                              <m:ctrlPr>
+                                <a:rPr lang="en-US" sz="2400" i="1">
+                                  <a:latin typeface="Cambria Math" panose="02040503050406030204" pitchFamily="18" charset="0"/>
+                                </a:rPr>
+                              </m:ctrlPr>
+                            </m:dPr>
+                            <m:e>
+                              <m:r>
+                                <a:rPr lang="en-US" sz="2400" i="1">
+                                  <a:latin typeface="Cambria Math" charset="0"/>
+                                </a:rPr>
+                                <m:t>−</m:t>
+                              </m:r>
+                              <m:f>
+                                <m:fPr>
+                                  <m:ctrlPr>
+                                    <a:rPr lang="en-US" sz="2400" i="1">
+                                      <a:latin typeface="Cambria Math" panose="02040503050406030204" pitchFamily="18" charset="0"/>
+                                    </a:rPr>
+                                  </m:ctrlPr>
+                                </m:fPr>
+                                <m:num>
+                                  <m:sSup>
+                                    <m:sSupPr>
+                                      <m:ctrlPr>
+                                        <a:rPr lang="en-US" sz="2400" i="1">
+                                          <a:latin typeface="Cambria Math" panose="02040503050406030204" pitchFamily="18" charset="0"/>
+                                        </a:rPr>
+                                      </m:ctrlPr>
+                                    </m:sSupPr>
+                                    <m:e>
+                                      <m:d>
+                                        <m:dPr>
+                                          <m:begChr m:val="‖"/>
+                                          <m:endChr m:val="‖"/>
+                                          <m:ctrlPr>
+                                            <a:rPr lang="en-US" sz="2400" i="1">
+                                              <a:latin typeface="Cambria Math" panose="02040503050406030204" pitchFamily="18" charset="0"/>
+                                            </a:rPr>
+                                          </m:ctrlPr>
+                                        </m:dPr>
+                                        <m:e>
+                                          <m:sSub>
+                                            <m:sSubPr>
+                                              <m:ctrlPr>
+                                                <a:rPr lang="en-US" sz="2400" b="0" i="1" smtClean="0">
+                                                  <a:latin typeface="Cambria Math" panose="02040503050406030204" pitchFamily="18" charset="0"/>
+                                                </a:rPr>
+                                              </m:ctrlPr>
+                                            </m:sSubPr>
+                                            <m:e>
+                                              <m:r>
+                                                <a:rPr lang="en-US" sz="2400" b="1" i="1">
+                                                  <a:latin typeface="Cambria Math" charset="0"/>
+                                                </a:rPr>
+                                                <m:t>𝒙</m:t>
+                                              </m:r>
+                                            </m:e>
+                                            <m:sub>
+                                              <m:r>
+                                                <a:rPr lang="en-US" sz="2400" b="0" i="1" smtClean="0">
+                                                  <a:latin typeface="Cambria Math" panose="02040503050406030204" pitchFamily="18" charset="0"/>
+                                                </a:rPr>
+                                                <m:t>𝑖</m:t>
+                                              </m:r>
+                                            </m:sub>
+                                          </m:sSub>
+                                          <m:r>
+                                            <a:rPr lang="en-US" sz="2400" i="1">
+                                              <a:latin typeface="Cambria Math" charset="0"/>
+                                            </a:rPr>
+                                            <m:t>−</m:t>
+                                          </m:r>
+                                          <m:sSub>
+                                            <m:sSubPr>
+                                              <m:ctrlPr>
+                                                <a:rPr lang="en-US" sz="2400" i="1">
+                                                  <a:latin typeface="Cambria Math" panose="02040503050406030204" pitchFamily="18" charset="0"/>
+                                                </a:rPr>
+                                              </m:ctrlPr>
+                                            </m:sSubPr>
+                                            <m:e>
+                                              <m:r>
+                                                <a:rPr lang="en-US" sz="2400" b="1" i="1">
+                                                  <a:latin typeface="Cambria Math" charset="0"/>
+                                                </a:rPr>
+                                                <m:t>𝒙</m:t>
+                                              </m:r>
+                                            </m:e>
+                                            <m:sub>
+                                              <m:r>
+                                                <a:rPr lang="en-US" sz="2400" b="0" i="1" smtClean="0">
+                                                  <a:latin typeface="Cambria Math" panose="02040503050406030204" pitchFamily="18" charset="0"/>
+                                                </a:rPr>
+                                                <m:t>𝑗</m:t>
+                                              </m:r>
+                                            </m:sub>
+                                          </m:sSub>
+                                        </m:e>
+                                      </m:d>
+                                    </m:e>
+                                    <m:sup>
+                                      <m:r>
+                                        <a:rPr lang="en-US" sz="2400" i="1">
+                                          <a:latin typeface="Cambria Math" charset="0"/>
+                                        </a:rPr>
+                                        <m:t>2</m:t>
+                                      </m:r>
+                                    </m:sup>
+                                  </m:sSup>
+                                </m:num>
+                                <m:den>
+                                  <m:r>
+                                    <a:rPr lang="en-US" sz="2400" i="1">
+                                      <a:latin typeface="Cambria Math" charset="0"/>
+                                    </a:rPr>
+                                    <m:t>2</m:t>
+                                  </m:r>
+                                  <m:sSup>
+                                    <m:sSupPr>
+                                      <m:ctrlPr>
+                                        <a:rPr lang="en-US" sz="2400" i="1">
+                                          <a:latin typeface="Cambria Math" panose="02040503050406030204" pitchFamily="18" charset="0"/>
+                                        </a:rPr>
+                                      </m:ctrlPr>
+                                    </m:sSupPr>
+                                    <m:e>
+                                      <m:r>
+                                        <a:rPr lang="en-US" sz="2400" i="1">
+                                          <a:latin typeface="Cambria Math" charset="0"/>
+                                        </a:rPr>
+                                        <m:t>𝜎</m:t>
+                                      </m:r>
+                                    </m:e>
+                                    <m:sup>
+                                      <m:r>
+                                        <a:rPr lang="en-US" sz="2400" i="1">
+                                          <a:latin typeface="Cambria Math" charset="0"/>
+                                        </a:rPr>
+                                        <m:t>2</m:t>
+                                      </m:r>
+                                    </m:sup>
+                                  </m:sSup>
+                                </m:den>
+                              </m:f>
+                            </m:e>
+                          </m:d>
+                        </m:e>
+                      </m:func>
+                    </m:oMath>
+                  </m:oMathPara>
+                </a14:m>
+                <a:endParaRPr lang="en-US" sz="2400" dirty="0"/>
+              </a:p>
+            </p:txBody>
+          </p:sp>
+        </mc:Choice>
+        <mc:Fallback xmlns="">
+          <p:sp>
+            <p:nvSpPr>
+              <p:cNvPr id="7" name="TextBox 6">
+                <a:extLst>
+                  <a:ext uri="{FF2B5EF4-FFF2-40B4-BE49-F238E27FC236}">
+                    <a16:creationId xmlns:a16="http://schemas.microsoft.com/office/drawing/2014/main" id="{B326EACE-184C-7541-863E-4FC005F8970C}"/>
+                  </a:ext>
+                </a:extLst>
+              </p:cNvPr>
+              <p:cNvSpPr txBox="1">
+                <a:spLocks noRot="1" noChangeAspect="1" noMove="1" noResize="1" noEditPoints="1" noAdjustHandles="1" noChangeArrowheads="1" noChangeShapeType="1" noTextEdit="1"/>
+              </p:cNvSpPr>
+              <p:nvPr/>
+            </p:nvSpPr>
+            <p:spPr>
+              <a:xfrm>
+                <a:off x="668098" y="4854106"/>
+                <a:ext cx="5247847" cy="936025"/>
+              </a:xfrm>
+              <a:prstGeom prst="rect">
+                <a:avLst/>
+              </a:prstGeom>
+              <a:blipFill>
+                <a:blip r:embed="rId4"/>
+                <a:stretch>
+                  <a:fillRect b="-5333"/>
+                </a:stretch>
+              </a:blipFill>
+            </p:spPr>
+            <p:txBody>
+              <a:bodyPr/>
+              <a:lstStyle/>
+              <a:p>
+                <a:r>
+                  <a:rPr lang="da-DK">
+                    <a:noFill/>
+                  </a:rPr>
+                  <a:t> </a:t>
+                </a:r>
+              </a:p>
+            </p:txBody>
+          </p:sp>
+        </mc:Fallback>
+      </mc:AlternateContent>
+      <mc:AlternateContent xmlns:mc="http://schemas.openxmlformats.org/markup-compatibility/2006" xmlns:a14="http://schemas.microsoft.com/office/drawing/2010/main">
+        <mc:Choice Requires="a14">
+          <p:sp>
+            <p:nvSpPr>
+              <p:cNvPr id="8" name="TextBox 7">
+                <a:extLst>
+                  <a:ext uri="{FF2B5EF4-FFF2-40B4-BE49-F238E27FC236}">
+                    <a16:creationId xmlns:a16="http://schemas.microsoft.com/office/drawing/2014/main" id="{4565886E-73A9-DD4D-90C2-BD9C2AFADF7F}"/>
+                  </a:ext>
+                </a:extLst>
+              </p:cNvPr>
+              <p:cNvSpPr txBox="1"/>
+              <p:nvPr/>
+            </p:nvSpPr>
+            <p:spPr>
+              <a:xfrm>
+                <a:off x="668098" y="3648968"/>
+                <a:ext cx="3425873" cy="1172629"/>
+              </a:xfrm>
+              <a:prstGeom prst="rect">
+                <a:avLst/>
+              </a:prstGeom>
+              <a:noFill/>
+            </p:spPr>
+            <p:txBody>
+              <a:bodyPr wrap="none" rtlCol="0">
+                <a:spAutoFit/>
+              </a:bodyPr>
+              <a:lstStyle/>
+              <a:p>
+                <a:pPr/>
+                <a14:m>
+                  <m:oMathPara xmlns:m="http://schemas.openxmlformats.org/officeDocument/2006/math">
+                    <m:oMathParaPr>
+                      <m:jc m:val="centerGroup"/>
+                    </m:oMathParaPr>
+                    <m:oMath xmlns:m="http://schemas.openxmlformats.org/officeDocument/2006/math">
+                      <m:sSup>
+                        <m:sSupPr>
+                          <m:ctrlPr>
+                            <a:rPr lang="en-US" sz="2400" i="1" smtClean="0">
+                              <a:latin typeface="Cambria Math" panose="02040503050406030204" pitchFamily="18" charset="0"/>
+                            </a:rPr>
+                          </m:ctrlPr>
+                        </m:sSupPr>
+                        <m:e>
+                          <m:r>
+                            <a:rPr lang="en-US" sz="2400" b="0" i="1" smtClean="0">
+                              <a:latin typeface="Cambria Math" charset="0"/>
+                            </a:rPr>
+                            <m:t>𝐸</m:t>
+                          </m:r>
+                        </m:e>
+                        <m:sup>
+                          <m:r>
+                            <a:rPr lang="en-US" sz="2400" b="0" i="1" smtClean="0">
+                              <a:latin typeface="Cambria Math" charset="0"/>
+                            </a:rPr>
+                            <m:t>𝑀𝐿</m:t>
+                          </m:r>
+                        </m:sup>
+                      </m:sSup>
+                      <m:d>
+                        <m:dPr>
+                          <m:ctrlPr>
+                            <a:rPr lang="en-US" sz="2400" i="1" smtClean="0">
+                              <a:latin typeface="Cambria Math" panose="02040503050406030204" pitchFamily="18" charset="0"/>
+                            </a:rPr>
+                          </m:ctrlPr>
+                        </m:dPr>
+                        <m:e>
+                          <m:sSub>
+                            <m:sSubPr>
+                              <m:ctrlPr>
+                                <a:rPr lang="en-US" sz="2400" b="1" i="1" smtClean="0">
+                                  <a:latin typeface="Cambria Math" panose="02040503050406030204" pitchFamily="18" charset="0"/>
+                                </a:rPr>
+                              </m:ctrlPr>
+                            </m:sSubPr>
+                            <m:e>
+                              <m:r>
+                                <a:rPr lang="en-US" sz="2400" b="1" i="1" smtClean="0">
+                                  <a:latin typeface="Cambria Math" charset="0"/>
+                                </a:rPr>
+                                <m:t>𝒙</m:t>
+                              </m:r>
+                            </m:e>
+                            <m:sub>
+                              <m:r>
+                                <a:rPr lang="en-US" sz="2400" b="1" i="1" smtClean="0">
+                                  <a:latin typeface="Cambria Math" panose="02040503050406030204" pitchFamily="18" charset="0"/>
+                                </a:rPr>
+                                <m:t>𝒊</m:t>
+                              </m:r>
+                            </m:sub>
+                          </m:sSub>
+                        </m:e>
+                      </m:d>
+                      <m:r>
+                        <a:rPr lang="en-US" sz="2400" b="0" i="1" smtClean="0">
+                          <a:latin typeface="Cambria Math" charset="0"/>
+                        </a:rPr>
+                        <m:t>=</m:t>
+                      </m:r>
+                      <m:nary>
+                        <m:naryPr>
+                          <m:chr m:val="∑"/>
+                          <m:ctrlPr>
+                            <a:rPr lang="en-US" sz="2400" i="1" smtClean="0">
+                              <a:latin typeface="Cambria Math" panose="02040503050406030204" pitchFamily="18" charset="0"/>
+                            </a:rPr>
+                          </m:ctrlPr>
+                        </m:naryPr>
+                        <m:sub>
+                          <m:r>
+                            <a:rPr lang="en-US" sz="2400" b="0" i="1" smtClean="0">
+                              <a:latin typeface="Cambria Math" panose="02040503050406030204" pitchFamily="18" charset="0"/>
+                            </a:rPr>
+                            <m:t>𝑗</m:t>
+                          </m:r>
+                        </m:sub>
+                        <m:sup>
+                          <m:r>
+                            <a:rPr lang="en-US" sz="2400" b="0" i="1" smtClean="0">
+                              <a:latin typeface="Cambria Math" charset="0"/>
+                            </a:rPr>
+                            <m:t>𝑁</m:t>
+                          </m:r>
+                        </m:sup>
+                        <m:e>
+                          <m:sSub>
+                            <m:sSubPr>
+                              <m:ctrlPr>
+                                <a:rPr lang="en-US" sz="2400" i="1" smtClean="0">
+                                  <a:latin typeface="Cambria Math" panose="02040503050406030204" pitchFamily="18" charset="0"/>
+                                </a:rPr>
+                              </m:ctrlPr>
+                            </m:sSubPr>
+                            <m:e>
+                              <m:r>
+                                <a:rPr lang="en-US" sz="2400" b="0" i="1" smtClean="0">
+                                  <a:latin typeface="Cambria Math" charset="0"/>
+                                </a:rPr>
+                                <m:t>𝛼</m:t>
+                              </m:r>
+                            </m:e>
+                            <m:sub>
+                              <m:r>
+                                <a:rPr lang="en-US" sz="2400" b="0" i="1" smtClean="0">
+                                  <a:latin typeface="Cambria Math" panose="02040503050406030204" pitchFamily="18" charset="0"/>
+                                </a:rPr>
+                                <m:t>𝑗</m:t>
+                              </m:r>
+                            </m:sub>
+                          </m:sSub>
+                          <m:sSub>
+                            <m:sSubPr>
+                              <m:ctrlPr>
+                                <a:rPr lang="en-US" sz="2400" b="0" i="1" smtClean="0">
+                                  <a:latin typeface="Cambria Math" panose="02040503050406030204" pitchFamily="18" charset="0"/>
+                                </a:rPr>
+                              </m:ctrlPr>
+                            </m:sSubPr>
+                            <m:e>
+                              <m:r>
+                                <a:rPr lang="en-US" sz="2400" b="0" i="1" smtClean="0">
+                                  <a:latin typeface="Cambria Math" panose="02040503050406030204" pitchFamily="18" charset="0"/>
+                                </a:rPr>
+                                <m:t>𝐾</m:t>
+                              </m:r>
+                            </m:e>
+                            <m:sub>
+                              <m:r>
+                                <a:rPr lang="en-US" sz="2400" b="0" i="1" smtClean="0">
+                                  <a:latin typeface="Cambria Math" panose="02040503050406030204" pitchFamily="18" charset="0"/>
+                                </a:rPr>
+                                <m:t>𝑖𝑗</m:t>
+                              </m:r>
+                            </m:sub>
+                          </m:sSub>
+                          <m:r>
+                            <a:rPr lang="en-US" sz="2400" b="0" i="1" smtClean="0">
+                              <a:latin typeface="Cambria Math" panose="02040503050406030204" pitchFamily="18" charset="0"/>
+                            </a:rPr>
+                            <m:t>+</m:t>
+                          </m:r>
+                          <m:r>
+                            <a:rPr lang="en-US" sz="2400" b="0" i="1" smtClean="0">
+                              <a:latin typeface="Cambria Math" panose="02040503050406030204" pitchFamily="18" charset="0"/>
+                            </a:rPr>
+                            <m:t>𝛽</m:t>
+                          </m:r>
+                        </m:e>
+                      </m:nary>
+                    </m:oMath>
+                  </m:oMathPara>
+                </a14:m>
+                <a:endParaRPr lang="en-US" sz="2400" dirty="0"/>
+              </a:p>
+            </p:txBody>
+          </p:sp>
+        </mc:Choice>
+        <mc:Fallback xmlns="">
+          <p:sp>
+            <p:nvSpPr>
+              <p:cNvPr id="8" name="TextBox 7">
+                <a:extLst>
+                  <a:ext uri="{FF2B5EF4-FFF2-40B4-BE49-F238E27FC236}">
+                    <a16:creationId xmlns:a16="http://schemas.microsoft.com/office/drawing/2014/main" id="{4565886E-73A9-DD4D-90C2-BD9C2AFADF7F}"/>
+                  </a:ext>
+                </a:extLst>
+              </p:cNvPr>
+              <p:cNvSpPr txBox="1">
+                <a:spLocks noRot="1" noChangeAspect="1" noMove="1" noResize="1" noEditPoints="1" noAdjustHandles="1" noChangeArrowheads="1" noChangeShapeType="1" noTextEdit="1"/>
+              </p:cNvSpPr>
+              <p:nvPr/>
+            </p:nvSpPr>
+            <p:spPr>
+              <a:xfrm>
+                <a:off x="668098" y="3648968"/>
+                <a:ext cx="3425873" cy="1172629"/>
+              </a:xfrm>
+              <a:prstGeom prst="rect">
+                <a:avLst/>
+              </a:prstGeom>
+              <a:blipFill>
+                <a:blip r:embed="rId5"/>
+                <a:stretch>
+                  <a:fillRect t="-96809" b="-145745"/>
+                </a:stretch>
+              </a:blipFill>
+            </p:spPr>
+            <p:txBody>
+              <a:bodyPr/>
+              <a:lstStyle/>
+              <a:p>
+                <a:r>
+                  <a:rPr lang="da-DK">
+                    <a:noFill/>
+                  </a:rPr>
+                  <a:t> </a:t>
+                </a:r>
+              </a:p>
+            </p:txBody>
+          </p:sp>
+        </mc:Fallback>
+      </mc:AlternateContent>
+      <mc:AlternateContent xmlns:mc="http://schemas.openxmlformats.org/markup-compatibility/2006" xmlns:a14="http://schemas.microsoft.com/office/drawing/2010/main">
+        <mc:Choice Requires="a14">
+          <p:sp>
+            <p:nvSpPr>
+              <p:cNvPr id="9" name="TextBox 8">
+                <a:extLst>
+                  <a:ext uri="{FF2B5EF4-FFF2-40B4-BE49-F238E27FC236}">
+                    <a16:creationId xmlns:a16="http://schemas.microsoft.com/office/drawing/2014/main" id="{F3A575DB-1649-C547-9BCE-503D6BD6423A}"/>
+                  </a:ext>
+                </a:extLst>
+              </p:cNvPr>
+              <p:cNvSpPr txBox="1"/>
+              <p:nvPr/>
+            </p:nvSpPr>
+            <p:spPr>
+              <a:xfrm>
+                <a:off x="673615" y="2547681"/>
+                <a:ext cx="5416868" cy="1205138"/>
+              </a:xfrm>
+              <a:prstGeom prst="rect">
+                <a:avLst/>
+              </a:prstGeom>
+              <a:noFill/>
+            </p:spPr>
+            <p:txBody>
+              <a:bodyPr wrap="none" rtlCol="0">
+                <a:spAutoFit/>
+              </a:bodyPr>
+              <a:lstStyle/>
+              <a:p>
+                <a:pPr/>
+                <a14:m>
+                  <m:oMathPara xmlns:m="http://schemas.openxmlformats.org/officeDocument/2006/math">
+                    <m:oMathParaPr>
+                      <m:jc m:val="centerGroup"/>
+                    </m:oMathParaPr>
+                    <m:oMath xmlns:m="http://schemas.openxmlformats.org/officeDocument/2006/math">
+                      <m:func>
+                        <m:funcPr>
+                          <m:ctrlPr>
+                            <a:rPr lang="en-US" sz="2400" i="1" smtClean="0">
+                              <a:latin typeface="Cambria Math" panose="02040503050406030204" pitchFamily="18" charset="0"/>
+                            </a:rPr>
+                          </m:ctrlPr>
+                        </m:funcPr>
+                        <m:fName>
+                          <m:limLow>
+                            <m:limLowPr>
+                              <m:ctrlPr>
+                                <a:rPr lang="en-US" sz="2400" i="1" smtClean="0">
+                                  <a:latin typeface="Cambria Math" panose="02040503050406030204" pitchFamily="18" charset="0"/>
+                                </a:rPr>
+                              </m:ctrlPr>
+                            </m:limLowPr>
+                            <m:e>
+                              <m:r>
+                                <m:rPr>
+                                  <m:sty m:val="p"/>
+                                </m:rPr>
+                                <a:rPr lang="en-US" sz="2400" i="0" smtClean="0">
+                                  <a:latin typeface="Cambria Math" panose="02040503050406030204" pitchFamily="18" charset="0"/>
+                                </a:rPr>
+                                <m:t>min</m:t>
+                              </m:r>
+                            </m:e>
+                            <m:lim>
+                              <m:r>
+                                <a:rPr lang="en-US" sz="2400" b="1" i="1" smtClean="0">
+                                  <a:latin typeface="Cambria Math" panose="02040503050406030204" pitchFamily="18" charset="0"/>
+                                </a:rPr>
+                                <m:t>𝜶</m:t>
+                              </m:r>
+                            </m:lim>
+                          </m:limLow>
+                        </m:fName>
+                        <m:e>
+                          <m:nary>
+                            <m:naryPr>
+                              <m:chr m:val="∑"/>
+                              <m:ctrlPr>
+                                <a:rPr lang="en-US" sz="2400" i="1" smtClean="0">
+                                  <a:latin typeface="Cambria Math" panose="02040503050406030204" pitchFamily="18" charset="0"/>
+                                </a:rPr>
+                              </m:ctrlPr>
+                            </m:naryPr>
+                            <m:sub>
+                              <m:r>
+                                <a:rPr lang="en-US" sz="2400" i="1">
+                                  <a:latin typeface="Cambria Math" charset="0"/>
+                                </a:rPr>
+                                <m:t>𝑖</m:t>
+                              </m:r>
+                            </m:sub>
+                            <m:sup>
+                              <m:r>
+                                <a:rPr lang="en-US" sz="2400" i="1">
+                                  <a:latin typeface="Cambria Math" charset="0"/>
+                                </a:rPr>
+                                <m:t>𝑁</m:t>
+                              </m:r>
+                            </m:sup>
+                            <m:e>
+                              <m:sSup>
+                                <m:sSupPr>
+                                  <m:ctrlPr>
+                                    <a:rPr lang="en-US" sz="2400" i="1">
+                                      <a:latin typeface="Cambria Math" panose="02040503050406030204" pitchFamily="18" charset="0"/>
+                                    </a:rPr>
+                                  </m:ctrlPr>
+                                </m:sSupPr>
+                                <m:e>
+                                  <m:d>
+                                    <m:dPr>
+                                      <m:ctrlPr>
+                                        <a:rPr lang="en-US" sz="2400" i="1">
+                                          <a:latin typeface="Cambria Math" panose="02040503050406030204" pitchFamily="18" charset="0"/>
+                                        </a:rPr>
+                                      </m:ctrlPr>
+                                    </m:dPr>
+                                    <m:e>
+                                      <m:sSup>
+                                        <m:sSupPr>
+                                          <m:ctrlPr>
+                                            <a:rPr lang="en-US" sz="2400" i="1">
+                                              <a:latin typeface="Cambria Math" panose="02040503050406030204" pitchFamily="18" charset="0"/>
+                                            </a:rPr>
+                                          </m:ctrlPr>
+                                        </m:sSupPr>
+                                        <m:e>
+                                          <m:r>
+                                            <a:rPr lang="en-US" sz="2400" i="1">
+                                              <a:latin typeface="Cambria Math" charset="0"/>
+                                            </a:rPr>
+                                            <m:t>𝐸</m:t>
+                                          </m:r>
+                                        </m:e>
+                                        <m:sup>
+                                          <m:r>
+                                            <a:rPr lang="en-US" sz="2400" i="1">
+                                              <a:latin typeface="Cambria Math" charset="0"/>
+                                            </a:rPr>
+                                            <m:t>𝑀𝐿</m:t>
+                                          </m:r>
+                                        </m:sup>
+                                      </m:sSup>
+                                      <m:d>
+                                        <m:dPr>
+                                          <m:ctrlPr>
+                                            <a:rPr lang="en-US" sz="2400" i="1">
+                                              <a:latin typeface="Cambria Math" panose="02040503050406030204" pitchFamily="18" charset="0"/>
+                                            </a:rPr>
+                                          </m:ctrlPr>
+                                        </m:dPr>
+                                        <m:e>
+                                          <m:sSub>
+                                            <m:sSubPr>
+                                              <m:ctrlPr>
+                                                <a:rPr lang="en-US" sz="2400" b="1" i="1">
+                                                  <a:latin typeface="Cambria Math" panose="02040503050406030204" pitchFamily="18" charset="0"/>
+                                                </a:rPr>
+                                              </m:ctrlPr>
+                                            </m:sSubPr>
+                                            <m:e>
+                                              <m:r>
+                                                <a:rPr lang="en-US" sz="2400" b="1" i="1">
+                                                  <a:latin typeface="Cambria Math" charset="0"/>
+                                                </a:rPr>
+                                                <m:t>𝒙</m:t>
+                                              </m:r>
+                                            </m:e>
+                                            <m:sub>
+                                              <m:r>
+                                                <a:rPr lang="en-US" sz="2400" i="1">
+                                                  <a:latin typeface="Cambria Math" charset="0"/>
+                                                </a:rPr>
+                                                <m:t>𝑖</m:t>
+                                              </m:r>
+                                            </m:sub>
+                                          </m:sSub>
+                                        </m:e>
+                                      </m:d>
+                                      <m:r>
+                                        <a:rPr lang="en-US" sz="2400" i="1">
+                                          <a:latin typeface="Cambria Math" charset="0"/>
+                                        </a:rPr>
+                                        <m:t>−</m:t>
+                                      </m:r>
+                                      <m:sSub>
+                                        <m:sSubPr>
+                                          <m:ctrlPr>
+                                            <a:rPr lang="en-US" sz="2400" i="1">
+                                              <a:latin typeface="Cambria Math" panose="02040503050406030204" pitchFamily="18" charset="0"/>
+                                            </a:rPr>
+                                          </m:ctrlPr>
+                                        </m:sSubPr>
+                                        <m:e>
+                                          <m:r>
+                                            <a:rPr lang="en-US" sz="2400" i="1">
+                                              <a:latin typeface="Cambria Math" charset="0"/>
+                                            </a:rPr>
+                                            <m:t>𝐸</m:t>
+                                          </m:r>
+                                        </m:e>
+                                        <m:sub>
+                                          <m:r>
+                                            <a:rPr lang="en-US" sz="2400" i="1">
+                                              <a:latin typeface="Cambria Math" charset="0"/>
+                                            </a:rPr>
+                                            <m:t>𝑖</m:t>
+                                          </m:r>
+                                        </m:sub>
+                                      </m:sSub>
+                                    </m:e>
+                                  </m:d>
+                                </m:e>
+                                <m:sup>
+                                  <m:r>
+                                    <a:rPr lang="en-US" sz="2400" i="1">
+                                      <a:latin typeface="Cambria Math" charset="0"/>
+                                    </a:rPr>
+                                    <m:t>2</m:t>
+                                  </m:r>
+                                </m:sup>
+                              </m:sSup>
+                              <m:r>
+                                <a:rPr lang="en-US" sz="2400" b="0" i="1" smtClean="0">
+                                  <a:latin typeface="Cambria Math" panose="02040503050406030204" pitchFamily="18" charset="0"/>
+                                </a:rPr>
+                                <m:t>+</m:t>
+                              </m:r>
+                              <m:r>
+                                <a:rPr lang="en-US" sz="2400" b="0" i="1" smtClean="0">
+                                  <a:latin typeface="Cambria Math" panose="02040503050406030204" pitchFamily="18" charset="0"/>
+                                </a:rPr>
+                                <m:t>𝜆</m:t>
+                              </m:r>
+                            </m:e>
+                          </m:nary>
+                          <m:nary>
+                            <m:naryPr>
+                              <m:chr m:val="∑"/>
+                              <m:ctrlPr>
+                                <a:rPr lang="en-US" sz="2400" i="1" smtClean="0">
+                                  <a:latin typeface="Cambria Math" panose="02040503050406030204" pitchFamily="18" charset="0"/>
+                                </a:rPr>
+                              </m:ctrlPr>
+                            </m:naryPr>
+                            <m:sub>
+                              <m:r>
+                                <m:rPr>
+                                  <m:brk m:alnAt="23"/>
+                                </m:rPr>
+                                <a:rPr lang="en-US" sz="2400" b="0" i="1" smtClean="0">
+                                  <a:latin typeface="Cambria Math" panose="02040503050406030204" pitchFamily="18" charset="0"/>
+                                </a:rPr>
+                                <m:t>𝑖</m:t>
+                              </m:r>
+                              <m:r>
+                                <a:rPr lang="en-US" sz="2400" b="0" i="1" smtClean="0">
+                                  <a:latin typeface="Cambria Math" panose="02040503050406030204" pitchFamily="18" charset="0"/>
+                                </a:rPr>
+                                <m:t>,</m:t>
+                              </m:r>
+                              <m:r>
+                                <a:rPr lang="en-US" sz="2400" b="0" i="1" smtClean="0">
+                                  <a:latin typeface="Cambria Math" panose="02040503050406030204" pitchFamily="18" charset="0"/>
+                                </a:rPr>
+                                <m:t>𝑗</m:t>
+                              </m:r>
+                            </m:sub>
+                            <m:sup>
+                              <m:r>
+                                <a:rPr lang="en-US" sz="2400" b="0" i="1" smtClean="0">
+                                  <a:latin typeface="Cambria Math" panose="02040503050406030204" pitchFamily="18" charset="0"/>
+                                </a:rPr>
+                                <m:t>𝑁</m:t>
+                              </m:r>
+                            </m:sup>
+                            <m:e>
+                              <m:sSubSup>
+                                <m:sSubSupPr>
+                                  <m:ctrlPr>
+                                    <a:rPr lang="en-US" sz="2400" b="0" i="1" smtClean="0">
+                                      <a:latin typeface="Cambria Math" panose="02040503050406030204" pitchFamily="18" charset="0"/>
+                                    </a:rPr>
+                                  </m:ctrlPr>
+                                </m:sSubSupPr>
+                                <m:e>
+                                  <m:r>
+                                    <a:rPr lang="en-US" sz="2400" b="0" i="1" smtClean="0">
+                                      <a:latin typeface="Cambria Math" panose="02040503050406030204" pitchFamily="18" charset="0"/>
+                                    </a:rPr>
+                                    <m:t>𝛼</m:t>
+                                  </m:r>
+                                </m:e>
+                                <m:sub>
+                                  <m:r>
+                                    <a:rPr lang="en-US" sz="2400" b="0" i="1" smtClean="0">
+                                      <a:latin typeface="Cambria Math" panose="02040503050406030204" pitchFamily="18" charset="0"/>
+                                    </a:rPr>
+                                    <m:t>𝑖</m:t>
+                                  </m:r>
+                                </m:sub>
+                                <m:sup>
+                                  <m:r>
+                                    <a:rPr lang="en-US" sz="2400" b="0" i="1" smtClean="0">
+                                      <a:latin typeface="Cambria Math" panose="02040503050406030204" pitchFamily="18" charset="0"/>
+                                    </a:rPr>
+                                    <m:t>𝑇</m:t>
+                                  </m:r>
+                                </m:sup>
+                              </m:sSubSup>
+                              <m:sSub>
+                                <m:sSubPr>
+                                  <m:ctrlPr>
+                                    <a:rPr lang="en-US" sz="2400" b="0" i="1" smtClean="0">
+                                      <a:latin typeface="Cambria Math" panose="02040503050406030204" pitchFamily="18" charset="0"/>
+                                    </a:rPr>
+                                  </m:ctrlPr>
+                                </m:sSubPr>
+                                <m:e>
+                                  <m:r>
+                                    <a:rPr lang="en-US" sz="2400" b="0" i="1" smtClean="0">
+                                      <a:latin typeface="Cambria Math" panose="02040503050406030204" pitchFamily="18" charset="0"/>
+                                    </a:rPr>
+                                    <m:t>𝐾</m:t>
+                                  </m:r>
+                                </m:e>
+                                <m:sub>
+                                  <m:r>
+                                    <a:rPr lang="en-US" sz="2400" b="0" i="1" smtClean="0">
+                                      <a:latin typeface="Cambria Math" panose="02040503050406030204" pitchFamily="18" charset="0"/>
+                                    </a:rPr>
+                                    <m:t>𝑖𝑗</m:t>
+                                  </m:r>
+                                </m:sub>
+                              </m:sSub>
+                              <m:sSub>
+                                <m:sSubPr>
+                                  <m:ctrlPr>
+                                    <a:rPr lang="en-US" sz="2400" b="0" i="1" smtClean="0">
+                                      <a:latin typeface="Cambria Math" panose="02040503050406030204" pitchFamily="18" charset="0"/>
+                                    </a:rPr>
+                                  </m:ctrlPr>
+                                </m:sSubPr>
+                                <m:e>
+                                  <m:r>
+                                    <a:rPr lang="en-US" sz="2400" b="0" i="1" smtClean="0">
+                                      <a:latin typeface="Cambria Math" panose="02040503050406030204" pitchFamily="18" charset="0"/>
+                                    </a:rPr>
+                                    <m:t>𝛼</m:t>
+                                  </m:r>
+                                </m:e>
+                                <m:sub>
+                                  <m:r>
+                                    <a:rPr lang="en-US" sz="2400" b="0" i="1" smtClean="0">
+                                      <a:latin typeface="Cambria Math" panose="02040503050406030204" pitchFamily="18" charset="0"/>
+                                    </a:rPr>
+                                    <m:t>𝑗</m:t>
+                                  </m:r>
+                                </m:sub>
+                              </m:sSub>
+                            </m:e>
+                          </m:nary>
+                        </m:e>
+                      </m:func>
+                    </m:oMath>
+                  </m:oMathPara>
+                </a14:m>
+                <a:endParaRPr lang="en-US" sz="2400" dirty="0"/>
+              </a:p>
+            </p:txBody>
+          </p:sp>
+        </mc:Choice>
+        <mc:Fallback xmlns="">
+          <p:sp>
+            <p:nvSpPr>
+              <p:cNvPr id="9" name="TextBox 8">
+                <a:extLst>
+                  <a:ext uri="{FF2B5EF4-FFF2-40B4-BE49-F238E27FC236}">
+                    <a16:creationId xmlns:a16="http://schemas.microsoft.com/office/drawing/2014/main" id="{F3A575DB-1649-C547-9BCE-503D6BD6423A}"/>
+                  </a:ext>
+                </a:extLst>
+              </p:cNvPr>
+              <p:cNvSpPr txBox="1">
+                <a:spLocks noRot="1" noChangeAspect="1" noMove="1" noResize="1" noEditPoints="1" noAdjustHandles="1" noChangeArrowheads="1" noChangeShapeType="1" noTextEdit="1"/>
+              </p:cNvSpPr>
+              <p:nvPr/>
+            </p:nvSpPr>
+            <p:spPr>
+              <a:xfrm>
+                <a:off x="673615" y="2547681"/>
+                <a:ext cx="5416868" cy="1205138"/>
+              </a:xfrm>
+              <a:prstGeom prst="rect">
+                <a:avLst/>
+              </a:prstGeom>
+              <a:blipFill>
+                <a:blip r:embed="rId6"/>
+                <a:stretch>
+                  <a:fillRect l="-8411" t="-96842" b="-143158"/>
+                </a:stretch>
+              </a:blipFill>
+            </p:spPr>
+            <p:txBody>
+              <a:bodyPr/>
+              <a:lstStyle/>
+              <a:p>
+                <a:r>
+                  <a:rPr lang="da-DK">
+                    <a:noFill/>
+                  </a:rPr>
+                  <a:t> </a:t>
+                </a:r>
+              </a:p>
+            </p:txBody>
+          </p:sp>
+        </mc:Fallback>
+      </mc:AlternateContent>
+    </p:spTree>
+    <p:extLst>
+      <p:ext uri="{BB962C8B-B14F-4D97-AF65-F5344CB8AC3E}">
+        <p14:creationId xmlns:p14="http://schemas.microsoft.com/office/powerpoint/2010/main" val="3900836144"/>
+      </p:ext>
+    </p:extLst>
+  </p:cSld>
+  <p:clrMapOvr>
+    <a:masterClrMapping/>
+  </p:clrMapOvr>
+</p:sld>
+</file>
+
+<file path=ppt/slides/slide8.xml><?xml version="1.0" encoding="utf-8"?>
+<p:sld xmlns:a="http://schemas.openxmlformats.org/drawingml/2006/main" xmlns:r="http://schemas.openxmlformats.org/officeDocument/2006/relationships" xmlns:p="http://schemas.openxmlformats.org/presentationml/2006/main">
+  <p:cSld>
+    <p:spTree>
+      <p:nvGrpSpPr>
+        <p:cNvPr id="1" name=""/>
+        <p:cNvGrpSpPr/>
+        <p:nvPr/>
+      </p:nvGrpSpPr>
+      <p:grpSpPr>
+        <a:xfrm>
+          <a:off x="0" y="0"/>
+          <a:ext cx="0" cy="0"/>
+          <a:chOff x="0" y="0"/>
+          <a:chExt cx="0" cy="0"/>
+        </a:xfrm>
+      </p:grpSpPr>
+      <p:sp>
+        <p:nvSpPr>
+          <p:cNvPr id="2" name="Title 1">
+            <a:extLst>
+              <a:ext uri="{FF2B5EF4-FFF2-40B4-BE49-F238E27FC236}">
+                <a16:creationId xmlns:a16="http://schemas.microsoft.com/office/drawing/2014/main" id="{90371848-C3C2-2946-8721-32944148379F}"/>
+              </a:ext>
+            </a:extLst>
+          </p:cNvPr>
+          <p:cNvSpPr>
+            <a:spLocks noGrp="1"/>
+          </p:cNvSpPr>
+          <p:nvPr>
+            <p:ph type="title"/>
+          </p:nvPr>
+        </p:nvSpPr>
+        <p:spPr/>
+        <p:txBody>
+          <a:bodyPr/>
+          <a:lstStyle/>
+          <a:p>
+            <a:r>
+              <a:rPr lang="da-DK" dirty="0" err="1"/>
+              <a:t>Kernel</a:t>
+            </a:r>
+            <a:r>
+              <a:rPr lang="da-DK" dirty="0"/>
+              <a:t> </a:t>
+            </a:r>
+            <a:r>
+              <a:rPr lang="da-DK" dirty="0" err="1"/>
+              <a:t>Ridge</a:t>
+            </a:r>
+            <a:r>
+              <a:rPr lang="da-DK" dirty="0"/>
+              <a:t> Regression</a:t>
+            </a:r>
+          </a:p>
+        </p:txBody>
+      </p:sp>
+      <p:pic>
+        <p:nvPicPr>
+          <p:cNvPr id="5" name="Picture 4">
+            <a:extLst>
+              <a:ext uri="{FF2B5EF4-FFF2-40B4-BE49-F238E27FC236}">
+                <a16:creationId xmlns:a16="http://schemas.microsoft.com/office/drawing/2014/main" id="{96C8DA8D-9BEF-744E-AFF8-50655E69712A}"/>
+              </a:ext>
+            </a:extLst>
+          </p:cNvPr>
+          <p:cNvPicPr>
+            <a:picLocks noChangeAspect="1"/>
+          </p:cNvPicPr>
+          <p:nvPr/>
+        </p:nvPicPr>
+        <p:blipFill>
+          <a:blip r:embed="rId2"/>
+          <a:stretch>
+            <a:fillRect/>
+          </a:stretch>
+        </p:blipFill>
+        <p:spPr>
+          <a:xfrm>
+            <a:off x="6096000" y="1286582"/>
+            <a:ext cx="5854700" cy="4394200"/>
+          </a:xfrm>
+          <a:prstGeom prst="rect">
+            <a:avLst/>
+          </a:prstGeom>
+        </p:spPr>
+      </p:pic>
+      <p:sp>
+        <p:nvSpPr>
+          <p:cNvPr id="6" name="TextBox 5">
+            <a:extLst>
+              <a:ext uri="{FF2B5EF4-FFF2-40B4-BE49-F238E27FC236}">
+                <a16:creationId xmlns:a16="http://schemas.microsoft.com/office/drawing/2014/main" id="{B64305C1-D8DA-9449-80AD-775E6D513BE6}"/>
+              </a:ext>
+            </a:extLst>
+          </p:cNvPr>
+          <p:cNvSpPr txBox="1"/>
+          <p:nvPr/>
+        </p:nvSpPr>
+        <p:spPr>
+          <a:xfrm>
+            <a:off x="838200" y="1593706"/>
+            <a:ext cx="1659557" cy="461665"/>
+          </a:xfrm>
+          <a:prstGeom prst="rect">
+            <a:avLst/>
+          </a:prstGeom>
+          <a:noFill/>
+        </p:spPr>
+        <p:txBody>
+          <a:bodyPr wrap="none" rtlCol="0">
+            <a:spAutoFit/>
+          </a:bodyPr>
+          <a:lstStyle/>
+          <a:p>
+            <a:r>
+              <a:rPr lang="en-US" sz="2400" u="sng" dirty="0"/>
+              <a:t>Fit/training:</a:t>
+            </a:r>
+          </a:p>
+        </p:txBody>
+      </p:sp>
+      <mc:AlternateContent xmlns:mc="http://schemas.openxmlformats.org/markup-compatibility/2006" xmlns:a14="http://schemas.microsoft.com/office/drawing/2010/main">
+        <mc:Choice Requires="a14">
+          <p:sp>
+            <p:nvSpPr>
+              <p:cNvPr id="8" name="TextBox 7">
+                <a:extLst>
+                  <a:ext uri="{FF2B5EF4-FFF2-40B4-BE49-F238E27FC236}">
+                    <a16:creationId xmlns:a16="http://schemas.microsoft.com/office/drawing/2014/main" id="{4565886E-73A9-DD4D-90C2-BD9C2AFADF7F}"/>
+                  </a:ext>
+                </a:extLst>
+              </p:cNvPr>
+              <p:cNvSpPr txBox="1"/>
+              <p:nvPr/>
+            </p:nvSpPr>
+            <p:spPr>
+              <a:xfrm>
+                <a:off x="838200" y="3896028"/>
+                <a:ext cx="4302973" cy="1172629"/>
+              </a:xfrm>
+              <a:prstGeom prst="rect">
+                <a:avLst/>
+              </a:prstGeom>
+              <a:noFill/>
+            </p:spPr>
+            <p:txBody>
+              <a:bodyPr wrap="none" rtlCol="0">
+                <a:spAutoFit/>
+              </a:bodyPr>
+              <a:lstStyle/>
+              <a:p>
+                <a:pPr/>
+                <a14:m>
+                  <m:oMathPara xmlns:m="http://schemas.openxmlformats.org/officeDocument/2006/math">
+                    <m:oMathParaPr>
+                      <m:jc m:val="centerGroup"/>
+                    </m:oMathParaPr>
+                    <m:oMath xmlns:m="http://schemas.openxmlformats.org/officeDocument/2006/math">
+                      <m:sSup>
+                        <m:sSupPr>
+                          <m:ctrlPr>
+                            <a:rPr lang="en-US" sz="2400" i="1" smtClean="0">
+                              <a:latin typeface="Cambria Math" panose="02040503050406030204" pitchFamily="18" charset="0"/>
+                            </a:rPr>
+                          </m:ctrlPr>
+                        </m:sSupPr>
+                        <m:e>
+                          <m:r>
+                            <a:rPr lang="en-US" sz="2400" b="0" i="1" smtClean="0">
+                              <a:latin typeface="Cambria Math" charset="0"/>
+                            </a:rPr>
+                            <m:t>𝐸</m:t>
+                          </m:r>
+                        </m:e>
+                        <m:sup>
+                          <m:r>
+                            <a:rPr lang="en-US" sz="2400" b="0" i="1" smtClean="0">
+                              <a:latin typeface="Cambria Math" charset="0"/>
+                            </a:rPr>
+                            <m:t>𝑀𝐿</m:t>
+                          </m:r>
+                        </m:sup>
+                      </m:sSup>
+                      <m:d>
+                        <m:dPr>
+                          <m:ctrlPr>
+                            <a:rPr lang="en-US" sz="2400" i="1" smtClean="0">
+                              <a:latin typeface="Cambria Math" panose="02040503050406030204" pitchFamily="18" charset="0"/>
+                            </a:rPr>
+                          </m:ctrlPr>
+                        </m:dPr>
+                        <m:e>
+                          <m:sSup>
+                            <m:sSupPr>
+                              <m:ctrlPr>
+                                <a:rPr lang="en-US" sz="2400" b="1" i="1" smtClean="0">
+                                  <a:latin typeface="Cambria Math" panose="02040503050406030204" pitchFamily="18" charset="0"/>
+                                </a:rPr>
+                              </m:ctrlPr>
+                            </m:sSupPr>
+                            <m:e>
+                              <m:r>
+                                <a:rPr lang="en-US" sz="2400" b="1" i="1" smtClean="0">
+                                  <a:latin typeface="Cambria Math" panose="02040503050406030204" pitchFamily="18" charset="0"/>
+                                </a:rPr>
+                                <m:t>𝒙</m:t>
+                              </m:r>
+                            </m:e>
+                            <m:sup>
+                              <m:r>
+                                <a:rPr lang="en-US" sz="2400" b="1" i="1" smtClean="0">
+                                  <a:latin typeface="Cambria Math" panose="02040503050406030204" pitchFamily="18" charset="0"/>
+                                </a:rPr>
+                                <m:t>∗</m:t>
+                              </m:r>
+                            </m:sup>
+                          </m:sSup>
+                        </m:e>
+                      </m:d>
+                      <m:r>
+                        <a:rPr lang="en-US" sz="2400" b="0" i="1" smtClean="0">
+                          <a:latin typeface="Cambria Math" charset="0"/>
+                        </a:rPr>
+                        <m:t>=</m:t>
+                      </m:r>
+                      <m:nary>
+                        <m:naryPr>
+                          <m:chr m:val="∑"/>
+                          <m:ctrlPr>
+                            <a:rPr lang="en-US" sz="2400" i="1" smtClean="0">
+                              <a:latin typeface="Cambria Math" panose="02040503050406030204" pitchFamily="18" charset="0"/>
+                            </a:rPr>
+                          </m:ctrlPr>
+                        </m:naryPr>
+                        <m:sub>
+                          <m:r>
+                            <a:rPr lang="en-US" sz="2400" b="0" i="1" smtClean="0">
+                              <a:latin typeface="Cambria Math" panose="02040503050406030204" pitchFamily="18" charset="0"/>
+                            </a:rPr>
+                            <m:t>𝑗</m:t>
+                          </m:r>
+                        </m:sub>
+                        <m:sup>
+                          <m:r>
+                            <a:rPr lang="en-US" sz="2400" b="0" i="1" smtClean="0">
+                              <a:latin typeface="Cambria Math" charset="0"/>
+                            </a:rPr>
+                            <m:t>𝑁</m:t>
+                          </m:r>
+                        </m:sup>
+                        <m:e>
+                          <m:sSub>
+                            <m:sSubPr>
+                              <m:ctrlPr>
+                                <a:rPr lang="en-US" sz="2400" i="1" smtClean="0">
+                                  <a:latin typeface="Cambria Math" panose="02040503050406030204" pitchFamily="18" charset="0"/>
+                                </a:rPr>
+                              </m:ctrlPr>
+                            </m:sSubPr>
+                            <m:e>
+                              <m:r>
+                                <a:rPr lang="en-US" sz="2400" b="0" i="1" smtClean="0">
+                                  <a:latin typeface="Cambria Math" charset="0"/>
+                                </a:rPr>
+                                <m:t>𝛼</m:t>
+                              </m:r>
+                            </m:e>
+                            <m:sub>
+                              <m:r>
+                                <a:rPr lang="en-US" sz="2400" b="0" i="1" smtClean="0">
+                                  <a:latin typeface="Cambria Math" panose="02040503050406030204" pitchFamily="18" charset="0"/>
+                                </a:rPr>
+                                <m:t>𝑗</m:t>
+                              </m:r>
+                            </m:sub>
+                          </m:sSub>
+                          <m:r>
+                            <a:rPr lang="en-US" sz="2400" i="1">
+                              <a:latin typeface="Cambria Math" panose="02040503050406030204" pitchFamily="18" charset="0"/>
+                            </a:rPr>
+                            <m:t>𝑘</m:t>
+                          </m:r>
+                          <m:r>
+                            <a:rPr lang="en-US" sz="2400" i="1">
+                              <a:latin typeface="Cambria Math" panose="02040503050406030204" pitchFamily="18" charset="0"/>
+                            </a:rPr>
+                            <m:t>(</m:t>
+                          </m:r>
+                          <m:sSup>
+                            <m:sSupPr>
+                              <m:ctrlPr>
+                                <a:rPr lang="en-US" sz="2400" b="0" i="1" smtClean="0">
+                                  <a:latin typeface="Cambria Math" panose="02040503050406030204" pitchFamily="18" charset="0"/>
+                                </a:rPr>
+                              </m:ctrlPr>
+                            </m:sSupPr>
+                            <m:e>
+                              <m:r>
+                                <a:rPr lang="en-US" sz="2400" b="1" i="1" smtClean="0">
+                                  <a:latin typeface="Cambria Math" panose="02040503050406030204" pitchFamily="18" charset="0"/>
+                                </a:rPr>
+                                <m:t>𝒙</m:t>
+                              </m:r>
+                            </m:e>
+                            <m:sup>
+                              <m:r>
+                                <a:rPr lang="en-US" sz="2400" b="0" i="1" smtClean="0">
+                                  <a:latin typeface="Cambria Math" panose="02040503050406030204" pitchFamily="18" charset="0"/>
+                                </a:rPr>
+                                <m:t>∗</m:t>
+                              </m:r>
+                            </m:sup>
+                          </m:sSup>
+                          <m:r>
+                            <a:rPr lang="en-US" sz="2400" i="1">
+                              <a:latin typeface="Cambria Math" panose="02040503050406030204" pitchFamily="18" charset="0"/>
+                            </a:rPr>
+                            <m:t>,</m:t>
+                          </m:r>
+                          <m:sSub>
+                            <m:sSubPr>
+                              <m:ctrlPr>
+                                <a:rPr lang="en-US" sz="2400" i="1">
+                                  <a:latin typeface="Cambria Math" panose="02040503050406030204" pitchFamily="18" charset="0"/>
+                                </a:rPr>
+                              </m:ctrlPr>
+                            </m:sSubPr>
+                            <m:e>
+                              <m:r>
+                                <a:rPr lang="en-US" sz="2400" b="1" i="1">
+                                  <a:latin typeface="Cambria Math" panose="02040503050406030204" pitchFamily="18" charset="0"/>
+                                </a:rPr>
+                                <m:t>𝒙</m:t>
+                              </m:r>
+                            </m:e>
+                            <m:sub>
+                              <m:r>
+                                <a:rPr lang="en-US" sz="2400" b="0" i="1" smtClean="0">
+                                  <a:latin typeface="Cambria Math" panose="02040503050406030204" pitchFamily="18" charset="0"/>
+                                </a:rPr>
+                                <m:t>𝑗</m:t>
+                              </m:r>
+                            </m:sub>
+                          </m:sSub>
+                          <m:r>
+                            <a:rPr lang="en-US" sz="2400" i="1">
+                              <a:latin typeface="Cambria Math" panose="02040503050406030204" pitchFamily="18" charset="0"/>
+                            </a:rPr>
+                            <m:t>)</m:t>
+                          </m:r>
+                          <m:r>
+                            <a:rPr lang="en-US" sz="2400" b="0" i="1" smtClean="0">
+                              <a:latin typeface="Cambria Math" panose="02040503050406030204" pitchFamily="18" charset="0"/>
+                            </a:rPr>
+                            <m:t>+</m:t>
+                          </m:r>
+                          <m:r>
+                            <a:rPr lang="en-US" sz="2400" b="0" i="1" smtClean="0">
+                              <a:latin typeface="Cambria Math" panose="02040503050406030204" pitchFamily="18" charset="0"/>
+                            </a:rPr>
+                            <m:t>𝛽</m:t>
+                          </m:r>
+                        </m:e>
+                      </m:nary>
+                    </m:oMath>
+                  </m:oMathPara>
+                </a14:m>
+                <a:endParaRPr lang="en-US" sz="2400" dirty="0"/>
+              </a:p>
+            </p:txBody>
+          </p:sp>
+        </mc:Choice>
+        <mc:Fallback xmlns="">
+          <p:sp>
+            <p:nvSpPr>
+              <p:cNvPr id="8" name="TextBox 7">
+                <a:extLst>
+                  <a:ext uri="{FF2B5EF4-FFF2-40B4-BE49-F238E27FC236}">
+                    <a16:creationId xmlns:a16="http://schemas.microsoft.com/office/drawing/2014/main" id="{4565886E-73A9-DD4D-90C2-BD9C2AFADF7F}"/>
+                  </a:ext>
+                </a:extLst>
+              </p:cNvPr>
+              <p:cNvSpPr txBox="1">
+                <a:spLocks noRot="1" noChangeAspect="1" noMove="1" noResize="1" noEditPoints="1" noAdjustHandles="1" noChangeArrowheads="1" noChangeShapeType="1" noTextEdit="1"/>
+              </p:cNvSpPr>
+              <p:nvPr/>
+            </p:nvSpPr>
+            <p:spPr>
+              <a:xfrm>
+                <a:off x="838200" y="3896028"/>
+                <a:ext cx="4302973" cy="1172629"/>
+              </a:xfrm>
+              <a:prstGeom prst="rect">
+                <a:avLst/>
+              </a:prstGeom>
+              <a:blipFill>
+                <a:blip r:embed="rId6"/>
+                <a:stretch>
+                  <a:fillRect t="-97849" b="-148387"/>
+                </a:stretch>
+              </a:blipFill>
+            </p:spPr>
+            <p:txBody>
+              <a:bodyPr/>
+              <a:lstStyle/>
+              <a:p>
+                <a:r>
+                  <a:rPr lang="da-DK">
+                    <a:noFill/>
+                  </a:rPr>
+                  <a:t> </a:t>
+                </a:r>
+              </a:p>
+            </p:txBody>
+          </p:sp>
+        </mc:Fallback>
+      </mc:AlternateContent>
+      <mc:AlternateContent xmlns:mc="http://schemas.openxmlformats.org/markup-compatibility/2006" xmlns:a14="http://schemas.microsoft.com/office/drawing/2010/main">
+        <mc:Choice Requires="a14">
+          <p:sp>
+            <p:nvSpPr>
+              <p:cNvPr id="9" name="TextBox 8">
+                <a:extLst>
+                  <a:ext uri="{FF2B5EF4-FFF2-40B4-BE49-F238E27FC236}">
+                    <a16:creationId xmlns:a16="http://schemas.microsoft.com/office/drawing/2014/main" id="{F3A575DB-1649-C547-9BCE-503D6BD6423A}"/>
+                  </a:ext>
+                </a:extLst>
+              </p:cNvPr>
+              <p:cNvSpPr txBox="1"/>
+              <p:nvPr/>
+            </p:nvSpPr>
+            <p:spPr>
+              <a:xfrm>
+                <a:off x="838200" y="2183131"/>
+                <a:ext cx="3604641" cy="1126975"/>
+              </a:xfrm>
+              <a:prstGeom prst="rect">
+                <a:avLst/>
+              </a:prstGeom>
+              <a:noFill/>
+            </p:spPr>
+            <p:txBody>
+              <a:bodyPr wrap="none" rtlCol="0">
+                <a:spAutoFit/>
+              </a:bodyPr>
+              <a:lstStyle/>
+              <a:p>
+                <a:pPr/>
+                <a14:m>
+                  <m:oMathPara xmlns:m="http://schemas.openxmlformats.org/officeDocument/2006/math">
+                    <m:oMathParaPr>
+                      <m:jc m:val="centerGroup"/>
+                    </m:oMathParaPr>
+                    <m:oMath xmlns:m="http://schemas.openxmlformats.org/officeDocument/2006/math">
+                      <m:d>
+                        <m:dPr>
+                          <m:ctrlPr>
+                            <a:rPr lang="en-US" sz="2400" i="1" smtClean="0">
+                              <a:latin typeface="Cambria Math" panose="02040503050406030204" pitchFamily="18" charset="0"/>
+                            </a:rPr>
+                          </m:ctrlPr>
+                        </m:dPr>
+                        <m:e>
+                          <m:m>
+                            <m:mPr>
+                              <m:mcs>
+                                <m:mc>
+                                  <m:mcPr>
+                                    <m:count m:val="1"/>
+                                    <m:mcJc m:val="center"/>
+                                  </m:mcPr>
+                                </m:mc>
+                              </m:mcs>
+                              <m:ctrlPr>
+                                <a:rPr lang="en-US" sz="2400" i="1">
+                                  <a:latin typeface="Cambria Math" panose="02040503050406030204" pitchFamily="18" charset="0"/>
+                                </a:rPr>
+                              </m:ctrlPr>
+                            </m:mPr>
+                            <m:mr>
+                              <m:e>
+                                <m:sSub>
+                                  <m:sSubPr>
+                                    <m:ctrlPr>
+                                      <a:rPr lang="en-US" sz="2400" i="1">
+                                        <a:latin typeface="Cambria Math" panose="02040503050406030204" pitchFamily="18" charset="0"/>
+                                      </a:rPr>
+                                    </m:ctrlPr>
+                                  </m:sSubPr>
+                                  <m:e>
+                                    <m:r>
+                                      <a:rPr lang="en-US" sz="2400" b="0" i="1" smtClean="0">
+                                        <a:latin typeface="Cambria Math" panose="02040503050406030204" pitchFamily="18" charset="0"/>
+                                      </a:rPr>
+                                      <m:t>𝛼</m:t>
+                                    </m:r>
+                                  </m:e>
+                                  <m:sub>
+                                    <m:r>
+                                      <m:rPr>
+                                        <m:brk m:alnAt="7"/>
+                                      </m:rPr>
+                                      <a:rPr lang="en-US" sz="2400" i="1">
+                                        <a:latin typeface="Cambria Math" panose="02040503050406030204" pitchFamily="18" charset="0"/>
+                                      </a:rPr>
+                                      <m:t>1</m:t>
+                                    </m:r>
+                                  </m:sub>
+                                </m:sSub>
+                              </m:e>
+                            </m:mr>
+                            <m:mr>
+                              <m:e>
+                                <m:r>
+                                  <a:rPr lang="en-US" sz="2400" i="1">
+                                    <a:latin typeface="Cambria Math" panose="02040503050406030204" pitchFamily="18" charset="0"/>
+                                  </a:rPr>
+                                  <m:t>⋮</m:t>
+                                </m:r>
+                              </m:e>
+                            </m:mr>
+                            <m:mr>
+                              <m:e>
+                                <m:sSub>
+                                  <m:sSubPr>
+                                    <m:ctrlPr>
+                                      <a:rPr lang="en-US" sz="2400" i="1">
+                                        <a:latin typeface="Cambria Math" panose="02040503050406030204" pitchFamily="18" charset="0"/>
+                                      </a:rPr>
+                                    </m:ctrlPr>
+                                  </m:sSubPr>
+                                  <m:e>
+                                    <m:r>
+                                      <a:rPr lang="en-US" sz="2400" b="0" i="1" smtClean="0">
+                                        <a:latin typeface="Cambria Math" panose="02040503050406030204" pitchFamily="18" charset="0"/>
+                                      </a:rPr>
+                                      <m:t>𝛼</m:t>
+                                    </m:r>
+                                  </m:e>
+                                  <m:sub>
+                                    <m:r>
+                                      <a:rPr lang="en-US" sz="2400" i="1">
+                                        <a:latin typeface="Cambria Math" panose="02040503050406030204" pitchFamily="18" charset="0"/>
+                                      </a:rPr>
+                                      <m:t>𝑁</m:t>
+                                    </m:r>
+                                  </m:sub>
+                                </m:sSub>
+                              </m:e>
+                            </m:mr>
+                          </m:m>
+                        </m:e>
+                      </m:d>
+                      <m:r>
+                        <a:rPr lang="en-US" sz="2400" b="0" i="1" smtClean="0">
+                          <a:latin typeface="Cambria Math" panose="02040503050406030204" pitchFamily="18" charset="0"/>
+                        </a:rPr>
+                        <m:t>=</m:t>
+                      </m:r>
+                      <m:sSup>
+                        <m:sSupPr>
+                          <m:ctrlPr>
+                            <a:rPr lang="en-US" sz="2400" b="0" i="1" smtClean="0">
+                              <a:latin typeface="Cambria Math" panose="02040503050406030204" pitchFamily="18" charset="0"/>
+                            </a:rPr>
+                          </m:ctrlPr>
+                        </m:sSupPr>
+                        <m:e>
+                          <m:d>
+                            <m:dPr>
+                              <m:ctrlPr>
+                                <a:rPr lang="en-US" sz="2400" b="0" i="1" smtClean="0">
+                                  <a:latin typeface="Cambria Math" panose="02040503050406030204" pitchFamily="18" charset="0"/>
+                                </a:rPr>
+                              </m:ctrlPr>
+                            </m:dPr>
+                            <m:e>
+                              <m:r>
+                                <a:rPr lang="en-US" sz="2400" b="1" i="0" smtClean="0">
+                                  <a:latin typeface="Cambria Math" panose="02040503050406030204" pitchFamily="18" charset="0"/>
+                                </a:rPr>
+                                <m:t>𝐊</m:t>
+                              </m:r>
+                              <m:r>
+                                <a:rPr lang="en-US" sz="2400" b="0" i="1" smtClean="0">
+                                  <a:latin typeface="Cambria Math" panose="02040503050406030204" pitchFamily="18" charset="0"/>
+                                </a:rPr>
+                                <m:t>+</m:t>
+                              </m:r>
+                              <m:r>
+                                <a:rPr lang="en-US" sz="2400" b="0" i="1" smtClean="0">
+                                  <a:latin typeface="Cambria Math" panose="02040503050406030204" pitchFamily="18" charset="0"/>
+                                </a:rPr>
+                                <m:t>𝜆</m:t>
+                              </m:r>
+                              <m:r>
+                                <a:rPr lang="en-US" sz="2400" b="1" i="0" smtClean="0">
+                                  <a:latin typeface="Cambria Math" panose="02040503050406030204" pitchFamily="18" charset="0"/>
+                                </a:rPr>
+                                <m:t>𝐈</m:t>
+                              </m:r>
+                            </m:e>
+                          </m:d>
+                        </m:e>
+                        <m:sup>
+                          <m:r>
+                            <a:rPr lang="en-US" sz="2400" b="0" i="1" smtClean="0">
+                              <a:latin typeface="Cambria Math" panose="02040503050406030204" pitchFamily="18" charset="0"/>
+                            </a:rPr>
+                            <m:t>−1</m:t>
+                          </m:r>
+                        </m:sup>
+                      </m:sSup>
+                      <m:d>
+                        <m:dPr>
+                          <m:ctrlPr>
+                            <a:rPr lang="en-US" sz="2400" b="0" i="1" smtClean="0">
+                              <a:latin typeface="Cambria Math" panose="02040503050406030204" pitchFamily="18" charset="0"/>
+                            </a:rPr>
+                          </m:ctrlPr>
+                        </m:dPr>
+                        <m:e>
+                          <m:m>
+                            <m:mPr>
+                              <m:mcs>
+                                <m:mc>
+                                  <m:mcPr>
+                                    <m:count m:val="1"/>
+                                    <m:mcJc m:val="center"/>
+                                  </m:mcPr>
+                                </m:mc>
+                              </m:mcs>
+                              <m:ctrlPr>
+                                <a:rPr lang="en-US" sz="2400" i="1">
+                                  <a:latin typeface="Cambria Math" panose="02040503050406030204" pitchFamily="18" charset="0"/>
+                                </a:rPr>
+                              </m:ctrlPr>
+                            </m:mPr>
+                            <m:mr>
+                              <m:e>
+                                <m:sSub>
+                                  <m:sSubPr>
+                                    <m:ctrlPr>
+                                      <a:rPr lang="en-US" sz="2400" b="0" i="1" smtClean="0">
+                                        <a:latin typeface="Cambria Math" panose="02040503050406030204" pitchFamily="18" charset="0"/>
+                                      </a:rPr>
+                                    </m:ctrlPr>
+                                  </m:sSubPr>
+                                  <m:e>
+                                    <m:r>
+                                      <m:rPr>
+                                        <m:brk m:alnAt="7"/>
+                                      </m:rPr>
+                                      <a:rPr lang="en-US" sz="2400" b="0" i="1" smtClean="0">
+                                        <a:latin typeface="Cambria Math" panose="02040503050406030204" pitchFamily="18" charset="0"/>
+                                      </a:rPr>
+                                      <m:t>𝐸</m:t>
+                                    </m:r>
+                                  </m:e>
+                                  <m:sub>
+                                    <m:r>
+                                      <m:rPr>
+                                        <m:brk m:alnAt="7"/>
+                                      </m:rPr>
+                                      <a:rPr lang="en-US" sz="2400" b="0" i="1" smtClean="0">
+                                        <a:latin typeface="Cambria Math" panose="02040503050406030204" pitchFamily="18" charset="0"/>
+                                      </a:rPr>
+                                      <m:t>1</m:t>
+                                    </m:r>
+                                  </m:sub>
+                                </m:sSub>
+                              </m:e>
+                            </m:mr>
+                            <m:mr>
+                              <m:e>
+                                <m:r>
+                                  <a:rPr lang="en-US" sz="2400" i="1" smtClean="0">
+                                    <a:latin typeface="Cambria Math" panose="02040503050406030204" pitchFamily="18" charset="0"/>
+                                  </a:rPr>
+                                  <m:t>⋮</m:t>
+                                </m:r>
+                              </m:e>
+                            </m:mr>
+                            <m:mr>
+                              <m:e>
+                                <m:sSub>
+                                  <m:sSubPr>
+                                    <m:ctrlPr>
+                                      <a:rPr lang="en-US" sz="2400" b="0" i="1" smtClean="0">
+                                        <a:latin typeface="Cambria Math" panose="02040503050406030204" pitchFamily="18" charset="0"/>
+                                      </a:rPr>
+                                    </m:ctrlPr>
+                                  </m:sSubPr>
+                                  <m:e>
+                                    <m:r>
+                                      <a:rPr lang="en-US" sz="2400" b="0" i="1" smtClean="0">
+                                        <a:latin typeface="Cambria Math" panose="02040503050406030204" pitchFamily="18" charset="0"/>
+                                      </a:rPr>
+                                      <m:t>𝐸</m:t>
+                                    </m:r>
+                                  </m:e>
+                                  <m:sub>
+                                    <m:r>
+                                      <a:rPr lang="en-US" sz="2400" b="0" i="1" smtClean="0">
+                                        <a:latin typeface="Cambria Math" panose="02040503050406030204" pitchFamily="18" charset="0"/>
+                                      </a:rPr>
+                                      <m:t>𝑁</m:t>
+                                    </m:r>
+                                  </m:sub>
+                                </m:sSub>
+                              </m:e>
+                            </m:mr>
+                          </m:m>
+                        </m:e>
+                      </m:d>
+                    </m:oMath>
+                  </m:oMathPara>
+                </a14:m>
+                <a:endParaRPr lang="en-US" sz="2400" dirty="0"/>
+              </a:p>
+            </p:txBody>
+          </p:sp>
+        </mc:Choice>
+        <mc:Fallback xmlns="">
+          <p:sp>
+            <p:nvSpPr>
+              <p:cNvPr id="9" name="TextBox 8">
+                <a:extLst>
+                  <a:ext uri="{FF2B5EF4-FFF2-40B4-BE49-F238E27FC236}">
+                    <a16:creationId xmlns:a16="http://schemas.microsoft.com/office/drawing/2014/main" id="{F3A575DB-1649-C547-9BCE-503D6BD6423A}"/>
+                  </a:ext>
+                </a:extLst>
+              </p:cNvPr>
+              <p:cNvSpPr txBox="1">
+                <a:spLocks noRot="1" noChangeAspect="1" noMove="1" noResize="1" noEditPoints="1" noAdjustHandles="1" noChangeArrowheads="1" noChangeShapeType="1" noTextEdit="1"/>
+              </p:cNvSpPr>
+              <p:nvPr/>
+            </p:nvSpPr>
+            <p:spPr>
+              <a:xfrm>
+                <a:off x="838200" y="2183131"/>
+                <a:ext cx="3604641" cy="1126975"/>
+              </a:xfrm>
+              <a:prstGeom prst="rect">
+                <a:avLst/>
+              </a:prstGeom>
+              <a:blipFill>
+                <a:blip r:embed="rId5"/>
+                <a:stretch>
+                  <a:fillRect b="-1111"/>
+                </a:stretch>
+              </a:blipFill>
+            </p:spPr>
+            <p:txBody>
+              <a:bodyPr/>
+              <a:lstStyle/>
+              <a:p>
+                <a:r>
+                  <a:rPr lang="da-DK">
+                    <a:noFill/>
+                  </a:rPr>
+                  <a:t> </a:t>
+                </a:r>
+              </a:p>
+            </p:txBody>
+          </p:sp>
+        </mc:Fallback>
+      </mc:AlternateContent>
+      <p:sp>
+        <p:nvSpPr>
+          <p:cNvPr id="4" name="TextBox 3">
+            <a:extLst>
+              <a:ext uri="{FF2B5EF4-FFF2-40B4-BE49-F238E27FC236}">
+                <a16:creationId xmlns:a16="http://schemas.microsoft.com/office/drawing/2014/main" id="{418E9695-FFEC-9740-A3A8-69ED16AB64CF}"/>
+              </a:ext>
+            </a:extLst>
+          </p:cNvPr>
+          <p:cNvSpPr txBox="1"/>
+          <p:nvPr/>
+        </p:nvSpPr>
+        <p:spPr>
+          <a:xfrm>
+            <a:off x="838200" y="3454902"/>
+            <a:ext cx="1541576" cy="461665"/>
+          </a:xfrm>
+          <a:prstGeom prst="rect">
+            <a:avLst/>
+          </a:prstGeom>
+          <a:noFill/>
+        </p:spPr>
+        <p:txBody>
+          <a:bodyPr wrap="none" rtlCol="0">
+            <a:spAutoFit/>
+          </a:bodyPr>
+          <a:lstStyle/>
+          <a:p>
+            <a:r>
+              <a:rPr lang="da-DK" sz="2400" u="sng" dirty="0" err="1"/>
+              <a:t>Prediction</a:t>
+            </a:r>
+            <a:r>
+              <a:rPr lang="da-DK" sz="2400" u="sng" dirty="0"/>
+              <a:t>:</a:t>
+            </a:r>
+          </a:p>
+        </p:txBody>
+      </p:sp>
+      <p:sp>
+        <p:nvSpPr>
+          <p:cNvPr id="10" name="TextBox 9">
+            <a:extLst>
+              <a:ext uri="{FF2B5EF4-FFF2-40B4-BE49-F238E27FC236}">
+                <a16:creationId xmlns:a16="http://schemas.microsoft.com/office/drawing/2014/main" id="{945ACA75-0E48-FF40-A53C-87B487D242ED}"/>
+              </a:ext>
+            </a:extLst>
+          </p:cNvPr>
+          <p:cNvSpPr txBox="1"/>
+          <p:nvPr/>
+        </p:nvSpPr>
+        <p:spPr>
+          <a:xfrm>
+            <a:off x="838200" y="5184123"/>
+            <a:ext cx="977319" cy="461665"/>
+          </a:xfrm>
+          <a:prstGeom prst="rect">
+            <a:avLst/>
+          </a:prstGeom>
+          <a:noFill/>
+        </p:spPr>
+        <p:txBody>
+          <a:bodyPr wrap="none" rtlCol="0">
+            <a:spAutoFit/>
+          </a:bodyPr>
+          <a:lstStyle/>
+          <a:p>
+            <a:r>
+              <a:rPr lang="da-DK" sz="2400" dirty="0" err="1"/>
+              <a:t>where</a:t>
+            </a:r>
+            <a:endParaRPr lang="da-DK" sz="2400" dirty="0"/>
+          </a:p>
+        </p:txBody>
+      </p:sp>
+      <mc:AlternateContent xmlns:mc="http://schemas.openxmlformats.org/markup-compatibility/2006">
+        <mc:Choice xmlns:a14="http://schemas.microsoft.com/office/drawing/2010/main" Requires="a14">
+          <p:sp>
+            <p:nvSpPr>
+              <p:cNvPr id="7" name="Rectangle 6">
+                <a:extLst>
+                  <a:ext uri="{FF2B5EF4-FFF2-40B4-BE49-F238E27FC236}">
+                    <a16:creationId xmlns:a16="http://schemas.microsoft.com/office/drawing/2014/main" id="{4BF5CFFC-8B74-194D-B6CA-9B4FAFDE734F}"/>
+                  </a:ext>
+                </a:extLst>
+              </p:cNvPr>
+              <p:cNvSpPr/>
+              <p:nvPr/>
+            </p:nvSpPr>
+            <p:spPr>
+              <a:xfrm>
+                <a:off x="838200" y="5509783"/>
+                <a:ext cx="5091266" cy="936025"/>
+              </a:xfrm>
+              <a:prstGeom prst="rect">
+                <a:avLst/>
+              </a:prstGeom>
+            </p:spPr>
+            <p:txBody>
+              <a:bodyPr wrap="none">
+                <a:spAutoFit/>
+              </a:bodyPr>
+              <a:lstStyle/>
+              <a:p>
+                <a14:m>
+                  <m:oMathPara xmlns:m="http://schemas.openxmlformats.org/officeDocument/2006/math">
+                    <m:oMathParaPr>
+                      <m:jc m:val="centerGroup"/>
+                    </m:oMathParaPr>
+                    <m:oMath xmlns:m="http://schemas.openxmlformats.org/officeDocument/2006/math">
+                      <m:sSub>
+                        <m:sSubPr>
+                          <m:ctrlPr>
+                            <a:rPr lang="en-US" sz="2400" i="1">
+                              <a:latin typeface="Cambria Math" panose="02040503050406030204" pitchFamily="18" charset="0"/>
+                            </a:rPr>
+                          </m:ctrlPr>
+                        </m:sSubPr>
+                        <m:e>
+                          <m:r>
+                            <a:rPr lang="en-US" sz="2400" i="1">
+                              <a:latin typeface="Cambria Math" panose="02040503050406030204" pitchFamily="18" charset="0"/>
+                            </a:rPr>
+                            <m:t>𝐾</m:t>
+                          </m:r>
+                        </m:e>
+                        <m:sub>
+                          <m:r>
+                            <a:rPr lang="en-US" sz="2400" i="1">
+                              <a:latin typeface="Cambria Math" panose="02040503050406030204" pitchFamily="18" charset="0"/>
+                            </a:rPr>
+                            <m:t>𝑖𝑗</m:t>
+                          </m:r>
+                        </m:sub>
+                      </m:sSub>
+                      <m:r>
+                        <a:rPr lang="en-US" sz="2400" i="1">
+                          <a:latin typeface="Cambria Math" panose="02040503050406030204" pitchFamily="18" charset="0"/>
+                        </a:rPr>
+                        <m:t>=</m:t>
+                      </m:r>
+                      <m:r>
+                        <a:rPr lang="en-US" sz="2400" i="1">
+                          <a:latin typeface="Cambria Math" panose="02040503050406030204" pitchFamily="18" charset="0"/>
+                        </a:rPr>
+                        <m:t>𝑘</m:t>
+                      </m:r>
+                      <m:r>
+                        <a:rPr lang="en-US" sz="2400" i="1">
+                          <a:latin typeface="Cambria Math" panose="02040503050406030204" pitchFamily="18" charset="0"/>
+                        </a:rPr>
+                        <m:t>(</m:t>
+                      </m:r>
+                      <m:sSub>
+                        <m:sSubPr>
+                          <m:ctrlPr>
+                            <a:rPr lang="en-US" sz="2400" i="1">
+                              <a:latin typeface="Cambria Math" panose="02040503050406030204" pitchFamily="18" charset="0"/>
+                            </a:rPr>
+                          </m:ctrlPr>
+                        </m:sSubPr>
+                        <m:e>
+                          <m:r>
+                            <a:rPr lang="en-US" sz="2400" b="1" i="1">
+                              <a:latin typeface="Cambria Math" panose="02040503050406030204" pitchFamily="18" charset="0"/>
+                            </a:rPr>
+                            <m:t>𝒙</m:t>
+                          </m:r>
+                        </m:e>
+                        <m:sub>
+                          <m:r>
+                            <a:rPr lang="en-US" sz="2400" i="1">
+                              <a:latin typeface="Cambria Math" panose="02040503050406030204" pitchFamily="18" charset="0"/>
+                            </a:rPr>
+                            <m:t>𝑖</m:t>
+                          </m:r>
+                        </m:sub>
+                      </m:sSub>
+                      <m:r>
+                        <a:rPr lang="en-US" sz="2400" i="1">
+                          <a:latin typeface="Cambria Math" panose="02040503050406030204" pitchFamily="18" charset="0"/>
+                        </a:rPr>
+                        <m:t>,</m:t>
+                      </m:r>
+                      <m:sSub>
+                        <m:sSubPr>
+                          <m:ctrlPr>
+                            <a:rPr lang="en-US" sz="2400" i="1">
+                              <a:latin typeface="Cambria Math" panose="02040503050406030204" pitchFamily="18" charset="0"/>
+                            </a:rPr>
+                          </m:ctrlPr>
+                        </m:sSubPr>
+                        <m:e>
+                          <m:r>
+                            <a:rPr lang="en-US" sz="2400" b="1" i="1">
+                              <a:latin typeface="Cambria Math" panose="02040503050406030204" pitchFamily="18" charset="0"/>
+                            </a:rPr>
+                            <m:t>𝒙</m:t>
+                          </m:r>
+                        </m:e>
+                        <m:sub>
+                          <m:r>
+                            <a:rPr lang="en-US" sz="2400" i="1">
+                              <a:latin typeface="Cambria Math" panose="02040503050406030204" pitchFamily="18" charset="0"/>
+                            </a:rPr>
+                            <m:t>𝑗</m:t>
+                          </m:r>
+                        </m:sub>
+                      </m:sSub>
+                      <m:r>
+                        <a:rPr lang="en-US" sz="2400" i="1">
+                          <a:latin typeface="Cambria Math" panose="02040503050406030204" pitchFamily="18" charset="0"/>
+                        </a:rPr>
+                        <m:t>)</m:t>
+                      </m:r>
+                      <m:r>
+                        <a:rPr lang="en-US" sz="2400" i="1">
+                          <a:latin typeface="Cambria Math" charset="0"/>
+                        </a:rPr>
+                        <m:t>=</m:t>
+                      </m:r>
+                      <m:func>
+                        <m:funcPr>
+                          <m:ctrlPr>
+                            <a:rPr lang="en-US" sz="2400" i="1">
+                              <a:latin typeface="Cambria Math" panose="02040503050406030204" pitchFamily="18" charset="0"/>
+                            </a:rPr>
+                          </m:ctrlPr>
+                        </m:funcPr>
+                        <m:fName>
+                          <m:r>
+                            <m:rPr>
+                              <m:sty m:val="p"/>
+                            </m:rPr>
+                            <a:rPr lang="en-US" sz="2400">
+                              <a:latin typeface="Cambria Math" panose="02040503050406030204" pitchFamily="18" charset="0"/>
+                            </a:rPr>
+                            <m:t>exp</m:t>
+                          </m:r>
+                        </m:fName>
+                        <m:e>
+                          <m:d>
+                            <m:dPr>
+                              <m:ctrlPr>
+                                <a:rPr lang="en-US" sz="2400" i="1">
+                                  <a:latin typeface="Cambria Math" panose="02040503050406030204" pitchFamily="18" charset="0"/>
+                                </a:rPr>
+                              </m:ctrlPr>
+                            </m:dPr>
+                            <m:e>
+                              <m:r>
+                                <a:rPr lang="en-US" sz="2400" i="1">
+                                  <a:latin typeface="Cambria Math" charset="0"/>
+                                </a:rPr>
+                                <m:t>−</m:t>
+                              </m:r>
+                              <m:f>
+                                <m:fPr>
+                                  <m:ctrlPr>
+                                    <a:rPr lang="en-US" sz="2400" i="1">
+                                      <a:latin typeface="Cambria Math" panose="02040503050406030204" pitchFamily="18" charset="0"/>
+                                    </a:rPr>
+                                  </m:ctrlPr>
+                                </m:fPr>
+                                <m:num>
+                                  <m:sSup>
+                                    <m:sSupPr>
+                                      <m:ctrlPr>
+                                        <a:rPr lang="en-US" sz="2400" i="1">
+                                          <a:latin typeface="Cambria Math" panose="02040503050406030204" pitchFamily="18" charset="0"/>
+                                        </a:rPr>
+                                      </m:ctrlPr>
+                                    </m:sSupPr>
+                                    <m:e>
+                                      <m:d>
+                                        <m:dPr>
+                                          <m:begChr m:val="‖"/>
+                                          <m:endChr m:val="‖"/>
+                                          <m:ctrlPr>
+                                            <a:rPr lang="en-US" sz="2400" i="1">
+                                              <a:latin typeface="Cambria Math" panose="02040503050406030204" pitchFamily="18" charset="0"/>
+                                            </a:rPr>
+                                          </m:ctrlPr>
+                                        </m:dPr>
+                                        <m:e>
+                                          <m:sSub>
+                                            <m:sSubPr>
+                                              <m:ctrlPr>
+                                                <a:rPr lang="en-US" sz="2400" i="1">
+                                                  <a:latin typeface="Cambria Math" panose="02040503050406030204" pitchFamily="18" charset="0"/>
+                                                </a:rPr>
+                                              </m:ctrlPr>
+                                            </m:sSubPr>
+                                            <m:e>
+                                              <m:r>
+                                                <a:rPr lang="en-US" sz="2400" b="1" i="1">
+                                                  <a:latin typeface="Cambria Math" charset="0"/>
+                                                </a:rPr>
+                                                <m:t>𝒙</m:t>
+                                              </m:r>
+                                            </m:e>
+                                            <m:sub>
+                                              <m:r>
+                                                <a:rPr lang="en-US" sz="2400" i="1">
+                                                  <a:latin typeface="Cambria Math" panose="02040503050406030204" pitchFamily="18" charset="0"/>
+                                                </a:rPr>
+                                                <m:t>𝑖</m:t>
+                                              </m:r>
+                                            </m:sub>
+                                          </m:sSub>
+                                          <m:r>
+                                            <a:rPr lang="en-US" sz="2400" i="1">
+                                              <a:latin typeface="Cambria Math" charset="0"/>
+                                            </a:rPr>
+                                            <m:t>−</m:t>
+                                          </m:r>
+                                          <m:sSub>
+                                            <m:sSubPr>
+                                              <m:ctrlPr>
+                                                <a:rPr lang="en-US" sz="2400" i="1">
+                                                  <a:latin typeface="Cambria Math" panose="02040503050406030204" pitchFamily="18" charset="0"/>
+                                                </a:rPr>
+                                              </m:ctrlPr>
+                                            </m:sSubPr>
+                                            <m:e>
+                                              <m:r>
+                                                <a:rPr lang="en-US" sz="2400" b="1" i="1">
+                                                  <a:latin typeface="Cambria Math" charset="0"/>
+                                                </a:rPr>
+                                                <m:t>𝒙</m:t>
+                                              </m:r>
+                                            </m:e>
+                                            <m:sub>
+                                              <m:r>
+                                                <a:rPr lang="en-US" sz="2400" i="1">
+                                                  <a:latin typeface="Cambria Math" panose="02040503050406030204" pitchFamily="18" charset="0"/>
+                                                </a:rPr>
+                                                <m:t>𝑗</m:t>
+                                              </m:r>
+                                            </m:sub>
+                                          </m:sSub>
+                                        </m:e>
+                                      </m:d>
+                                    </m:e>
+                                    <m:sup>
+                                      <m:r>
+                                        <a:rPr lang="en-US" sz="2400" i="1">
+                                          <a:latin typeface="Cambria Math" charset="0"/>
+                                        </a:rPr>
+                                        <m:t>2</m:t>
+                                      </m:r>
+                                    </m:sup>
+                                  </m:sSup>
+                                </m:num>
+                                <m:den>
+                                  <m:r>
+                                    <a:rPr lang="en-US" sz="2400" i="1">
+                                      <a:latin typeface="Cambria Math" charset="0"/>
+                                    </a:rPr>
+                                    <m:t>2</m:t>
+                                  </m:r>
+                                  <m:sSup>
+                                    <m:sSupPr>
+                                      <m:ctrlPr>
+                                        <a:rPr lang="en-US" sz="2400" i="1">
+                                          <a:latin typeface="Cambria Math" panose="02040503050406030204" pitchFamily="18" charset="0"/>
+                                        </a:rPr>
+                                      </m:ctrlPr>
+                                    </m:sSupPr>
+                                    <m:e>
+                                      <m:r>
+                                        <a:rPr lang="en-US" sz="2400" i="1">
+                                          <a:latin typeface="Cambria Math" charset="0"/>
+                                        </a:rPr>
+                                        <m:t>𝜎</m:t>
+                                      </m:r>
+                                    </m:e>
+                                    <m:sup>
+                                      <m:r>
+                                        <a:rPr lang="en-US" sz="2400" i="1">
+                                          <a:latin typeface="Cambria Math" charset="0"/>
+                                        </a:rPr>
+                                        <m:t>2</m:t>
+                                      </m:r>
+                                    </m:sup>
+                                  </m:sSup>
+                                </m:den>
+                              </m:f>
+                            </m:e>
+                          </m:d>
+                        </m:e>
+                      </m:func>
+                    </m:oMath>
+                  </m:oMathPara>
+                </a14:m>
+                <a:endParaRPr lang="da-DK" sz="2400" dirty="0"/>
+              </a:p>
+            </p:txBody>
+          </p:sp>
+        </mc:Choice>
+        <mc:Fallback>
+          <p:sp>
+            <p:nvSpPr>
+              <p:cNvPr id="7" name="Rectangle 6">
+                <a:extLst>
+                  <a:ext uri="{FF2B5EF4-FFF2-40B4-BE49-F238E27FC236}">
+                    <a16:creationId xmlns:a16="http://schemas.microsoft.com/office/drawing/2014/main" id="{4BF5CFFC-8B74-194D-B6CA-9B4FAFDE734F}"/>
+                  </a:ext>
+                </a:extLst>
+              </p:cNvPr>
+              <p:cNvSpPr>
+                <a:spLocks noRot="1" noChangeAspect="1" noMove="1" noResize="1" noEditPoints="1" noAdjustHandles="1" noChangeArrowheads="1" noChangeShapeType="1" noTextEdit="1"/>
+              </p:cNvSpPr>
+              <p:nvPr/>
+            </p:nvSpPr>
+            <p:spPr>
+              <a:xfrm>
+                <a:off x="838200" y="5509783"/>
+                <a:ext cx="5091266" cy="936025"/>
+              </a:xfrm>
+              <a:prstGeom prst="rect">
+                <a:avLst/>
+              </a:prstGeom>
+              <a:blipFill>
+                <a:blip r:embed="rId7"/>
+                <a:stretch>
+                  <a:fillRect b="-4000"/>
+                </a:stretch>
+              </a:blipFill>
+            </p:spPr>
+            <p:txBody>
+              <a:bodyPr/>
+              <a:lstStyle/>
+              <a:p>
+                <a:r>
+                  <a:rPr lang="da-DK">
+                    <a:noFill/>
+                  </a:rPr>
+                  <a:t> </a:t>
+                </a:r>
+              </a:p>
+            </p:txBody>
+          </p:sp>
+        </mc:Fallback>
+      </mc:AlternateContent>
+    </p:spTree>
+    <p:extLst>
+      <p:ext uri="{BB962C8B-B14F-4D97-AF65-F5344CB8AC3E}">
+        <p14:creationId xmlns:p14="http://schemas.microsoft.com/office/powerpoint/2010/main" val="2556801402"/>
+      </p:ext>
+    </p:extLst>
+  </p:cSld>
+  <p:clrMapOvr>
+    <a:masterClrMapping/>
+  </p:clrMapOvr>
+</p:sld>
+</file>
+
+<file path=ppt/slides/slide9.xml><?xml version="1.0" encoding="utf-8"?>
+<p:sld xmlns:a="http://schemas.openxmlformats.org/drawingml/2006/main" xmlns:r="http://schemas.openxmlformats.org/officeDocument/2006/relationships" xmlns:p="http://schemas.openxmlformats.org/presentationml/2006/main">
+  <p:cSld>
+    <p:spTree>
+      <p:nvGrpSpPr>
+        <p:cNvPr id="1" name=""/>
+        <p:cNvGrpSpPr/>
+        <p:nvPr/>
+      </p:nvGrpSpPr>
+      <p:grpSpPr>
+        <a:xfrm>
+          <a:off x="0" y="0"/>
+          <a:ext cx="0" cy="0"/>
+          <a:chOff x="0" y="0"/>
+          <a:chExt cx="0" cy="0"/>
+        </a:xfrm>
+      </p:grpSpPr>
+      <p:sp>
+        <p:nvSpPr>
+          <p:cNvPr id="2" name="Title 1">
+            <a:extLst>
+              <a:ext uri="{FF2B5EF4-FFF2-40B4-BE49-F238E27FC236}">
+                <a16:creationId xmlns:a16="http://schemas.microsoft.com/office/drawing/2014/main" id="{90371848-C3C2-2946-8721-32944148379F}"/>
+              </a:ext>
+            </a:extLst>
+          </p:cNvPr>
+          <p:cNvSpPr>
+            <a:spLocks noGrp="1"/>
+          </p:cNvSpPr>
+          <p:nvPr>
+            <p:ph type="title"/>
+          </p:nvPr>
+        </p:nvSpPr>
+        <p:spPr/>
+        <p:txBody>
+          <a:bodyPr/>
+          <a:lstStyle/>
+          <a:p>
+            <a:r>
+              <a:rPr lang="da-DK" dirty="0" err="1"/>
+              <a:t>Kernel</a:t>
+            </a:r>
+            <a:r>
+              <a:rPr lang="da-DK" dirty="0"/>
+              <a:t> </a:t>
+            </a:r>
+            <a:r>
+              <a:rPr lang="da-DK" dirty="0" err="1"/>
+              <a:t>Ridge</a:t>
+            </a:r>
+            <a:r>
+              <a:rPr lang="da-DK" dirty="0"/>
+              <a:t> Regression</a:t>
+            </a:r>
+          </a:p>
+        </p:txBody>
+      </p:sp>
+      <p:pic>
+        <p:nvPicPr>
+          <p:cNvPr id="5" name="Picture 4">
+            <a:extLst>
+              <a:ext uri="{FF2B5EF4-FFF2-40B4-BE49-F238E27FC236}">
+                <a16:creationId xmlns:a16="http://schemas.microsoft.com/office/drawing/2014/main" id="{96C8DA8D-9BEF-744E-AFF8-50655E69712A}"/>
+              </a:ext>
+            </a:extLst>
+          </p:cNvPr>
+          <p:cNvPicPr>
+            <a:picLocks noChangeAspect="1"/>
+          </p:cNvPicPr>
+          <p:nvPr/>
+        </p:nvPicPr>
+        <p:blipFill>
+          <a:blip r:embed="rId2"/>
+          <a:stretch>
+            <a:fillRect/>
+          </a:stretch>
+        </p:blipFill>
+        <p:spPr>
+          <a:xfrm>
+            <a:off x="6096000" y="1286582"/>
+            <a:ext cx="5854700" cy="4394200"/>
+          </a:xfrm>
+          <a:prstGeom prst="rect">
+            <a:avLst/>
+          </a:prstGeom>
+        </p:spPr>
+      </p:pic>
+      <p:sp>
+        <p:nvSpPr>
+          <p:cNvPr id="6" name="TextBox 5">
+            <a:extLst>
+              <a:ext uri="{FF2B5EF4-FFF2-40B4-BE49-F238E27FC236}">
+                <a16:creationId xmlns:a16="http://schemas.microsoft.com/office/drawing/2014/main" id="{B64305C1-D8DA-9449-80AD-775E6D513BE6}"/>
+              </a:ext>
+            </a:extLst>
+          </p:cNvPr>
+          <p:cNvSpPr txBox="1"/>
+          <p:nvPr/>
+        </p:nvSpPr>
+        <p:spPr>
+          <a:xfrm>
+            <a:off x="838200" y="1593706"/>
+            <a:ext cx="1659557" cy="461665"/>
+          </a:xfrm>
+          <a:prstGeom prst="rect">
+            <a:avLst/>
+          </a:prstGeom>
+          <a:noFill/>
+        </p:spPr>
+        <p:txBody>
+          <a:bodyPr wrap="none" rtlCol="0">
+            <a:spAutoFit/>
+          </a:bodyPr>
+          <a:lstStyle/>
+          <a:p>
+            <a:r>
+              <a:rPr lang="en-US" sz="2400" u="sng" dirty="0"/>
+              <a:t>Fit/training:</a:t>
+            </a:r>
+          </a:p>
+        </p:txBody>
+      </p:sp>
+      <mc:AlternateContent xmlns:mc="http://schemas.openxmlformats.org/markup-compatibility/2006" xmlns:a14="http://schemas.microsoft.com/office/drawing/2010/main">
+        <mc:Choice Requires="a14">
+          <p:sp>
+            <p:nvSpPr>
+              <p:cNvPr id="8" name="TextBox 7">
+                <a:extLst>
+                  <a:ext uri="{FF2B5EF4-FFF2-40B4-BE49-F238E27FC236}">
+                    <a16:creationId xmlns:a16="http://schemas.microsoft.com/office/drawing/2014/main" id="{4565886E-73A9-DD4D-90C2-BD9C2AFADF7F}"/>
+                  </a:ext>
+                </a:extLst>
+              </p:cNvPr>
+              <p:cNvSpPr txBox="1"/>
+              <p:nvPr/>
+            </p:nvSpPr>
+            <p:spPr>
+              <a:xfrm>
+                <a:off x="838200" y="3896028"/>
+                <a:ext cx="4302973" cy="1172629"/>
+              </a:xfrm>
+              <a:prstGeom prst="rect">
+                <a:avLst/>
+              </a:prstGeom>
+              <a:noFill/>
+            </p:spPr>
+            <p:txBody>
+              <a:bodyPr wrap="none" rtlCol="0">
+                <a:spAutoFit/>
+              </a:bodyPr>
+              <a:lstStyle/>
+              <a:p>
+                <a:pPr/>
+                <a14:m>
+                  <m:oMathPara xmlns:m="http://schemas.openxmlformats.org/officeDocument/2006/math">
+                    <m:oMathParaPr>
+                      <m:jc m:val="centerGroup"/>
+                    </m:oMathParaPr>
+                    <m:oMath xmlns:m="http://schemas.openxmlformats.org/officeDocument/2006/math">
+                      <m:sSup>
+                        <m:sSupPr>
+                          <m:ctrlPr>
+                            <a:rPr lang="en-US" sz="2400" i="1" smtClean="0">
+                              <a:latin typeface="Cambria Math" panose="02040503050406030204" pitchFamily="18" charset="0"/>
+                            </a:rPr>
+                          </m:ctrlPr>
+                        </m:sSupPr>
+                        <m:e>
+                          <m:r>
+                            <a:rPr lang="en-US" sz="2400" b="0" i="1" smtClean="0">
+                              <a:latin typeface="Cambria Math" charset="0"/>
+                            </a:rPr>
+                            <m:t>𝐸</m:t>
+                          </m:r>
+                        </m:e>
+                        <m:sup>
+                          <m:r>
+                            <a:rPr lang="en-US" sz="2400" b="0" i="1" smtClean="0">
+                              <a:latin typeface="Cambria Math" charset="0"/>
+                            </a:rPr>
+                            <m:t>𝑀𝐿</m:t>
+                          </m:r>
+                        </m:sup>
+                      </m:sSup>
+                      <m:d>
+                        <m:dPr>
+                          <m:ctrlPr>
+                            <a:rPr lang="en-US" sz="2400" i="1" smtClean="0">
+                              <a:latin typeface="Cambria Math" panose="02040503050406030204" pitchFamily="18" charset="0"/>
+                            </a:rPr>
+                          </m:ctrlPr>
+                        </m:dPr>
+                        <m:e>
+                          <m:sSup>
+                            <m:sSupPr>
+                              <m:ctrlPr>
+                                <a:rPr lang="en-US" sz="2400" b="1" i="1" smtClean="0">
+                                  <a:latin typeface="Cambria Math" panose="02040503050406030204" pitchFamily="18" charset="0"/>
+                                </a:rPr>
+                              </m:ctrlPr>
+                            </m:sSupPr>
+                            <m:e>
+                              <m:r>
+                                <a:rPr lang="en-US" sz="2400" b="1" i="1" smtClean="0">
+                                  <a:latin typeface="Cambria Math" panose="02040503050406030204" pitchFamily="18" charset="0"/>
+                                </a:rPr>
+                                <m:t>𝒙</m:t>
+                              </m:r>
+                            </m:e>
+                            <m:sup>
+                              <m:r>
+                                <a:rPr lang="en-US" sz="2400" b="1" i="1" smtClean="0">
+                                  <a:latin typeface="Cambria Math" panose="02040503050406030204" pitchFamily="18" charset="0"/>
+                                </a:rPr>
+                                <m:t>∗</m:t>
+                              </m:r>
+                            </m:sup>
+                          </m:sSup>
+                        </m:e>
+                      </m:d>
+                      <m:r>
+                        <a:rPr lang="en-US" sz="2400" b="0" i="1" smtClean="0">
+                          <a:latin typeface="Cambria Math" charset="0"/>
+                        </a:rPr>
+                        <m:t>=</m:t>
+                      </m:r>
+                      <m:nary>
+                        <m:naryPr>
+                          <m:chr m:val="∑"/>
+                          <m:ctrlPr>
+                            <a:rPr lang="en-US" sz="2400" i="1" smtClean="0">
+                              <a:latin typeface="Cambria Math" panose="02040503050406030204" pitchFamily="18" charset="0"/>
+                            </a:rPr>
+                          </m:ctrlPr>
+                        </m:naryPr>
+                        <m:sub>
+                          <m:r>
+                            <a:rPr lang="en-US" sz="2400" b="0" i="1" smtClean="0">
+                              <a:latin typeface="Cambria Math" panose="02040503050406030204" pitchFamily="18" charset="0"/>
+                            </a:rPr>
+                            <m:t>𝑗</m:t>
+                          </m:r>
+                        </m:sub>
+                        <m:sup>
+                          <m:r>
+                            <a:rPr lang="en-US" sz="2400" b="0" i="1" smtClean="0">
+                              <a:latin typeface="Cambria Math" charset="0"/>
+                            </a:rPr>
+                            <m:t>𝑁</m:t>
+                          </m:r>
+                        </m:sup>
+                        <m:e>
+                          <m:sSub>
+                            <m:sSubPr>
+                              <m:ctrlPr>
+                                <a:rPr lang="en-US" sz="2400" i="1" smtClean="0">
+                                  <a:latin typeface="Cambria Math" panose="02040503050406030204" pitchFamily="18" charset="0"/>
+                                </a:rPr>
+                              </m:ctrlPr>
+                            </m:sSubPr>
+                            <m:e>
+                              <m:r>
+                                <a:rPr lang="en-US" sz="2400" b="0" i="1" smtClean="0">
+                                  <a:latin typeface="Cambria Math" charset="0"/>
+                                </a:rPr>
+                                <m:t>𝛼</m:t>
+                              </m:r>
+                            </m:e>
+                            <m:sub>
+                              <m:r>
+                                <a:rPr lang="en-US" sz="2400" b="0" i="1" smtClean="0">
+                                  <a:latin typeface="Cambria Math" panose="02040503050406030204" pitchFamily="18" charset="0"/>
+                                </a:rPr>
+                                <m:t>𝑗</m:t>
+                              </m:r>
+                            </m:sub>
+                          </m:sSub>
+                          <m:r>
+                            <a:rPr lang="en-US" sz="2400" i="1">
+                              <a:latin typeface="Cambria Math" panose="02040503050406030204" pitchFamily="18" charset="0"/>
+                            </a:rPr>
+                            <m:t>𝑘</m:t>
+                          </m:r>
+                          <m:r>
+                            <a:rPr lang="en-US" sz="2400" i="1">
+                              <a:latin typeface="Cambria Math" panose="02040503050406030204" pitchFamily="18" charset="0"/>
+                            </a:rPr>
+                            <m:t>(</m:t>
+                          </m:r>
+                          <m:sSup>
+                            <m:sSupPr>
+                              <m:ctrlPr>
+                                <a:rPr lang="en-US" sz="2400" b="0" i="1" smtClean="0">
+                                  <a:latin typeface="Cambria Math" panose="02040503050406030204" pitchFamily="18" charset="0"/>
+                                </a:rPr>
+                              </m:ctrlPr>
+                            </m:sSupPr>
+                            <m:e>
+                              <m:r>
+                                <a:rPr lang="en-US" sz="2400" b="1" i="1" smtClean="0">
+                                  <a:latin typeface="Cambria Math" panose="02040503050406030204" pitchFamily="18" charset="0"/>
+                                </a:rPr>
+                                <m:t>𝒙</m:t>
+                              </m:r>
+                            </m:e>
+                            <m:sup>
+                              <m:r>
+                                <a:rPr lang="en-US" sz="2400" b="0" i="1" smtClean="0">
+                                  <a:latin typeface="Cambria Math" panose="02040503050406030204" pitchFamily="18" charset="0"/>
+                                </a:rPr>
+                                <m:t>∗</m:t>
+                              </m:r>
+                            </m:sup>
+                          </m:sSup>
+                          <m:r>
+                            <a:rPr lang="en-US" sz="2400" i="1">
+                              <a:latin typeface="Cambria Math" panose="02040503050406030204" pitchFamily="18" charset="0"/>
+                            </a:rPr>
+                            <m:t>,</m:t>
+                          </m:r>
+                          <m:sSub>
+                            <m:sSubPr>
+                              <m:ctrlPr>
+                                <a:rPr lang="en-US" sz="2400" i="1">
+                                  <a:latin typeface="Cambria Math" panose="02040503050406030204" pitchFamily="18" charset="0"/>
+                                </a:rPr>
+                              </m:ctrlPr>
+                            </m:sSubPr>
+                            <m:e>
+                              <m:r>
+                                <a:rPr lang="en-US" sz="2400" b="1" i="1">
+                                  <a:latin typeface="Cambria Math" panose="02040503050406030204" pitchFamily="18" charset="0"/>
+                                </a:rPr>
+                                <m:t>𝒙</m:t>
+                              </m:r>
+                            </m:e>
+                            <m:sub>
+                              <m:r>
+                                <a:rPr lang="en-US" sz="2400" b="0" i="1" smtClean="0">
+                                  <a:latin typeface="Cambria Math" panose="02040503050406030204" pitchFamily="18" charset="0"/>
+                                </a:rPr>
+                                <m:t>𝑗</m:t>
+                              </m:r>
+                            </m:sub>
+                          </m:sSub>
+                          <m:r>
+                            <a:rPr lang="en-US" sz="2400" i="1">
+                              <a:latin typeface="Cambria Math" panose="02040503050406030204" pitchFamily="18" charset="0"/>
+                            </a:rPr>
+                            <m:t>)</m:t>
+                          </m:r>
+                          <m:r>
+                            <a:rPr lang="en-US" sz="2400" b="0" i="1" smtClean="0">
+                              <a:latin typeface="Cambria Math" panose="02040503050406030204" pitchFamily="18" charset="0"/>
+                            </a:rPr>
+                            <m:t>+</m:t>
+                          </m:r>
+                          <m:r>
+                            <a:rPr lang="en-US" sz="2400" b="0" i="1" smtClean="0">
+                              <a:latin typeface="Cambria Math" panose="02040503050406030204" pitchFamily="18" charset="0"/>
+                            </a:rPr>
+                            <m:t>𝛽</m:t>
+                          </m:r>
+                        </m:e>
+                      </m:nary>
+                    </m:oMath>
+                  </m:oMathPara>
+                </a14:m>
+                <a:endParaRPr lang="en-US" sz="2400" dirty="0"/>
+              </a:p>
+            </p:txBody>
+          </p:sp>
+        </mc:Choice>
+        <mc:Fallback xmlns="">
+          <p:sp>
+            <p:nvSpPr>
+              <p:cNvPr id="8" name="TextBox 7">
+                <a:extLst>
+                  <a:ext uri="{FF2B5EF4-FFF2-40B4-BE49-F238E27FC236}">
+                    <a16:creationId xmlns:a16="http://schemas.microsoft.com/office/drawing/2014/main" id="{4565886E-73A9-DD4D-90C2-BD9C2AFADF7F}"/>
+                  </a:ext>
+                </a:extLst>
+              </p:cNvPr>
+              <p:cNvSpPr txBox="1">
+                <a:spLocks noRot="1" noChangeAspect="1" noMove="1" noResize="1" noEditPoints="1" noAdjustHandles="1" noChangeArrowheads="1" noChangeShapeType="1" noTextEdit="1"/>
+              </p:cNvSpPr>
+              <p:nvPr/>
+            </p:nvSpPr>
+            <p:spPr>
+              <a:xfrm>
+                <a:off x="838200" y="3896028"/>
+                <a:ext cx="4302973" cy="1172629"/>
+              </a:xfrm>
+              <a:prstGeom prst="rect">
+                <a:avLst/>
+              </a:prstGeom>
+              <a:blipFill>
+                <a:blip r:embed="rId6"/>
+                <a:stretch>
+                  <a:fillRect t="-97849" b="-148387"/>
+                </a:stretch>
+              </a:blipFill>
+            </p:spPr>
+            <p:txBody>
+              <a:bodyPr/>
+              <a:lstStyle/>
+              <a:p>
+                <a:r>
+                  <a:rPr lang="da-DK">
+                    <a:noFill/>
+                  </a:rPr>
+                  <a:t> </a:t>
+                </a:r>
+              </a:p>
+            </p:txBody>
+          </p:sp>
+        </mc:Fallback>
+      </mc:AlternateContent>
+      <mc:AlternateContent xmlns:mc="http://schemas.openxmlformats.org/markup-compatibility/2006" xmlns:a14="http://schemas.microsoft.com/office/drawing/2010/main">
+        <mc:Choice Requires="a14">
+          <p:sp>
+            <p:nvSpPr>
+              <p:cNvPr id="9" name="TextBox 8">
+                <a:extLst>
+                  <a:ext uri="{FF2B5EF4-FFF2-40B4-BE49-F238E27FC236}">
+                    <a16:creationId xmlns:a16="http://schemas.microsoft.com/office/drawing/2014/main" id="{F3A575DB-1649-C547-9BCE-503D6BD6423A}"/>
+                  </a:ext>
+                </a:extLst>
+              </p:cNvPr>
+              <p:cNvSpPr txBox="1"/>
+              <p:nvPr/>
+            </p:nvSpPr>
+            <p:spPr>
+              <a:xfrm>
+                <a:off x="838200" y="2183131"/>
+                <a:ext cx="3604641" cy="1126975"/>
+              </a:xfrm>
+              <a:prstGeom prst="rect">
+                <a:avLst/>
+              </a:prstGeom>
+              <a:noFill/>
+            </p:spPr>
+            <p:txBody>
+              <a:bodyPr wrap="none" rtlCol="0">
+                <a:spAutoFit/>
+              </a:bodyPr>
+              <a:lstStyle/>
+              <a:p>
+                <a:pPr/>
+                <a14:m>
+                  <m:oMathPara xmlns:m="http://schemas.openxmlformats.org/officeDocument/2006/math">
+                    <m:oMathParaPr>
+                      <m:jc m:val="centerGroup"/>
+                    </m:oMathParaPr>
+                    <m:oMath xmlns:m="http://schemas.openxmlformats.org/officeDocument/2006/math">
+                      <m:d>
+                        <m:dPr>
+                          <m:ctrlPr>
+                            <a:rPr lang="en-US" sz="2400" i="1" smtClean="0">
+                              <a:latin typeface="Cambria Math" panose="02040503050406030204" pitchFamily="18" charset="0"/>
+                            </a:rPr>
+                          </m:ctrlPr>
+                        </m:dPr>
+                        <m:e>
+                          <m:m>
+                            <m:mPr>
+                              <m:mcs>
+                                <m:mc>
+                                  <m:mcPr>
+                                    <m:count m:val="1"/>
+                                    <m:mcJc m:val="center"/>
+                                  </m:mcPr>
+                                </m:mc>
+                              </m:mcs>
+                              <m:ctrlPr>
+                                <a:rPr lang="en-US" sz="2400" i="1">
+                                  <a:latin typeface="Cambria Math" panose="02040503050406030204" pitchFamily="18" charset="0"/>
+                                </a:rPr>
+                              </m:ctrlPr>
+                            </m:mPr>
+                            <m:mr>
+                              <m:e>
+                                <m:sSub>
+                                  <m:sSubPr>
+                                    <m:ctrlPr>
+                                      <a:rPr lang="en-US" sz="2400" i="1">
+                                        <a:latin typeface="Cambria Math" panose="02040503050406030204" pitchFamily="18" charset="0"/>
+                                      </a:rPr>
+                                    </m:ctrlPr>
+                                  </m:sSubPr>
+                                  <m:e>
+                                    <m:r>
+                                      <a:rPr lang="en-US" sz="2400" b="0" i="1" smtClean="0">
+                                        <a:latin typeface="Cambria Math" panose="02040503050406030204" pitchFamily="18" charset="0"/>
+                                      </a:rPr>
+                                      <m:t>𝛼</m:t>
+                                    </m:r>
+                                  </m:e>
+                                  <m:sub>
+                                    <m:r>
+                                      <m:rPr>
+                                        <m:brk m:alnAt="7"/>
+                                      </m:rPr>
+                                      <a:rPr lang="en-US" sz="2400" i="1">
+                                        <a:latin typeface="Cambria Math" panose="02040503050406030204" pitchFamily="18" charset="0"/>
+                                      </a:rPr>
+                                      <m:t>1</m:t>
+                                    </m:r>
+                                  </m:sub>
+                                </m:sSub>
+                              </m:e>
+                            </m:mr>
+                            <m:mr>
+                              <m:e>
+                                <m:r>
+                                  <a:rPr lang="en-US" sz="2400" i="1">
+                                    <a:latin typeface="Cambria Math" panose="02040503050406030204" pitchFamily="18" charset="0"/>
+                                  </a:rPr>
+                                  <m:t>⋮</m:t>
+                                </m:r>
+                              </m:e>
+                            </m:mr>
+                            <m:mr>
+                              <m:e>
+                                <m:sSub>
+                                  <m:sSubPr>
+                                    <m:ctrlPr>
+                                      <a:rPr lang="en-US" sz="2400" i="1">
+                                        <a:latin typeface="Cambria Math" panose="02040503050406030204" pitchFamily="18" charset="0"/>
+                                      </a:rPr>
+                                    </m:ctrlPr>
+                                  </m:sSubPr>
+                                  <m:e>
+                                    <m:r>
+                                      <a:rPr lang="en-US" sz="2400" b="0" i="1" smtClean="0">
+                                        <a:latin typeface="Cambria Math" panose="02040503050406030204" pitchFamily="18" charset="0"/>
+                                      </a:rPr>
+                                      <m:t>𝛼</m:t>
+                                    </m:r>
+                                  </m:e>
+                                  <m:sub>
+                                    <m:r>
+                                      <a:rPr lang="en-US" sz="2400" i="1">
+                                        <a:latin typeface="Cambria Math" panose="02040503050406030204" pitchFamily="18" charset="0"/>
+                                      </a:rPr>
+                                      <m:t>𝑁</m:t>
+                                    </m:r>
+                                  </m:sub>
+                                </m:sSub>
+                              </m:e>
+                            </m:mr>
+                          </m:m>
+                        </m:e>
+                      </m:d>
+                      <m:r>
+                        <a:rPr lang="en-US" sz="2400" b="0" i="1" smtClean="0">
+                          <a:latin typeface="Cambria Math" panose="02040503050406030204" pitchFamily="18" charset="0"/>
+                        </a:rPr>
+                        <m:t>=</m:t>
+                      </m:r>
+                      <m:sSup>
+                        <m:sSupPr>
+                          <m:ctrlPr>
+                            <a:rPr lang="en-US" sz="2400" b="0" i="1" smtClean="0">
+                              <a:latin typeface="Cambria Math" panose="02040503050406030204" pitchFamily="18" charset="0"/>
+                            </a:rPr>
+                          </m:ctrlPr>
+                        </m:sSupPr>
+                        <m:e>
+                          <m:d>
+                            <m:dPr>
+                              <m:ctrlPr>
+                                <a:rPr lang="en-US" sz="2400" b="0" i="1" smtClean="0">
+                                  <a:latin typeface="Cambria Math" panose="02040503050406030204" pitchFamily="18" charset="0"/>
+                                </a:rPr>
+                              </m:ctrlPr>
+                            </m:dPr>
+                            <m:e>
+                              <m:r>
+                                <a:rPr lang="en-US" sz="2400" b="1" i="0" smtClean="0">
+                                  <a:latin typeface="Cambria Math" panose="02040503050406030204" pitchFamily="18" charset="0"/>
+                                </a:rPr>
+                                <m:t>𝐊</m:t>
+                              </m:r>
+                              <m:r>
+                                <a:rPr lang="en-US" sz="2400" b="0" i="1" smtClean="0">
+                                  <a:latin typeface="Cambria Math" panose="02040503050406030204" pitchFamily="18" charset="0"/>
+                                </a:rPr>
+                                <m:t>+</m:t>
+                              </m:r>
+                              <m:r>
+                                <a:rPr lang="en-US" sz="2400" b="0" i="1" smtClean="0">
+                                  <a:latin typeface="Cambria Math" panose="02040503050406030204" pitchFamily="18" charset="0"/>
+                                </a:rPr>
+                                <m:t>𝜆</m:t>
+                              </m:r>
+                              <m:r>
+                                <a:rPr lang="en-US" sz="2400" b="1" i="0" smtClean="0">
+                                  <a:latin typeface="Cambria Math" panose="02040503050406030204" pitchFamily="18" charset="0"/>
+                                </a:rPr>
+                                <m:t>𝐈</m:t>
+                              </m:r>
+                            </m:e>
+                          </m:d>
+                        </m:e>
+                        <m:sup>
+                          <m:r>
+                            <a:rPr lang="en-US" sz="2400" b="0" i="1" smtClean="0">
+                              <a:latin typeface="Cambria Math" panose="02040503050406030204" pitchFamily="18" charset="0"/>
+                            </a:rPr>
+                            <m:t>−1</m:t>
+                          </m:r>
+                        </m:sup>
+                      </m:sSup>
+                      <m:d>
+                        <m:dPr>
+                          <m:ctrlPr>
+                            <a:rPr lang="en-US" sz="2400" b="0" i="1" smtClean="0">
+                              <a:latin typeface="Cambria Math" panose="02040503050406030204" pitchFamily="18" charset="0"/>
+                            </a:rPr>
+                          </m:ctrlPr>
+                        </m:dPr>
+                        <m:e>
+                          <m:m>
+                            <m:mPr>
+                              <m:mcs>
+                                <m:mc>
+                                  <m:mcPr>
+                                    <m:count m:val="1"/>
+                                    <m:mcJc m:val="center"/>
+                                  </m:mcPr>
+                                </m:mc>
+                              </m:mcs>
+                              <m:ctrlPr>
+                                <a:rPr lang="en-US" sz="2400" i="1">
+                                  <a:latin typeface="Cambria Math" panose="02040503050406030204" pitchFamily="18" charset="0"/>
+                                </a:rPr>
+                              </m:ctrlPr>
+                            </m:mPr>
+                            <m:mr>
+                              <m:e>
+                                <m:sSub>
+                                  <m:sSubPr>
+                                    <m:ctrlPr>
+                                      <a:rPr lang="en-US" sz="2400" b="0" i="1" smtClean="0">
+                                        <a:latin typeface="Cambria Math" panose="02040503050406030204" pitchFamily="18" charset="0"/>
+                                      </a:rPr>
+                                    </m:ctrlPr>
+                                  </m:sSubPr>
+                                  <m:e>
+                                    <m:r>
+                                      <m:rPr>
+                                        <m:brk m:alnAt="7"/>
+                                      </m:rPr>
+                                      <a:rPr lang="en-US" sz="2400" b="0" i="1" smtClean="0">
+                                        <a:latin typeface="Cambria Math" panose="02040503050406030204" pitchFamily="18" charset="0"/>
+                                      </a:rPr>
+                                      <m:t>𝐸</m:t>
+                                    </m:r>
+                                  </m:e>
+                                  <m:sub>
+                                    <m:r>
+                                      <m:rPr>
+                                        <m:brk m:alnAt="7"/>
+                                      </m:rPr>
+                                      <a:rPr lang="en-US" sz="2400" b="0" i="1" smtClean="0">
+                                        <a:latin typeface="Cambria Math" panose="02040503050406030204" pitchFamily="18" charset="0"/>
+                                      </a:rPr>
+                                      <m:t>1</m:t>
+                                    </m:r>
+                                  </m:sub>
+                                </m:sSub>
+                              </m:e>
+                            </m:mr>
+                            <m:mr>
+                              <m:e>
+                                <m:r>
+                                  <a:rPr lang="en-US" sz="2400" i="1" smtClean="0">
+                                    <a:latin typeface="Cambria Math" panose="02040503050406030204" pitchFamily="18" charset="0"/>
+                                  </a:rPr>
+                                  <m:t>⋮</m:t>
+                                </m:r>
+                              </m:e>
+                            </m:mr>
+                            <m:mr>
+                              <m:e>
+                                <m:sSub>
+                                  <m:sSubPr>
+                                    <m:ctrlPr>
+                                      <a:rPr lang="en-US" sz="2400" b="0" i="1" smtClean="0">
+                                        <a:latin typeface="Cambria Math" panose="02040503050406030204" pitchFamily="18" charset="0"/>
+                                      </a:rPr>
+                                    </m:ctrlPr>
+                                  </m:sSubPr>
+                                  <m:e>
+                                    <m:r>
+                                      <a:rPr lang="en-US" sz="2400" b="0" i="1" smtClean="0">
+                                        <a:latin typeface="Cambria Math" panose="02040503050406030204" pitchFamily="18" charset="0"/>
+                                      </a:rPr>
+                                      <m:t>𝐸</m:t>
+                                    </m:r>
+                                  </m:e>
+                                  <m:sub>
+                                    <m:r>
+                                      <a:rPr lang="en-US" sz="2400" b="0" i="1" smtClean="0">
+                                        <a:latin typeface="Cambria Math" panose="02040503050406030204" pitchFamily="18" charset="0"/>
+                                      </a:rPr>
+                                      <m:t>𝑁</m:t>
+                                    </m:r>
+                                  </m:sub>
+                                </m:sSub>
+                              </m:e>
+                            </m:mr>
+                          </m:m>
+                        </m:e>
+                      </m:d>
+                    </m:oMath>
+                  </m:oMathPara>
+                </a14:m>
+                <a:endParaRPr lang="en-US" sz="2400" dirty="0"/>
+              </a:p>
+            </p:txBody>
+          </p:sp>
+        </mc:Choice>
+        <mc:Fallback xmlns="">
+          <p:sp>
+            <p:nvSpPr>
+              <p:cNvPr id="9" name="TextBox 8">
+                <a:extLst>
+                  <a:ext uri="{FF2B5EF4-FFF2-40B4-BE49-F238E27FC236}">
+                    <a16:creationId xmlns:a16="http://schemas.microsoft.com/office/drawing/2014/main" id="{F3A575DB-1649-C547-9BCE-503D6BD6423A}"/>
+                  </a:ext>
+                </a:extLst>
+              </p:cNvPr>
+              <p:cNvSpPr txBox="1">
+                <a:spLocks noRot="1" noChangeAspect="1" noMove="1" noResize="1" noEditPoints="1" noAdjustHandles="1" noChangeArrowheads="1" noChangeShapeType="1" noTextEdit="1"/>
+              </p:cNvSpPr>
+              <p:nvPr/>
+            </p:nvSpPr>
+            <p:spPr>
+              <a:xfrm>
+                <a:off x="838200" y="2183131"/>
+                <a:ext cx="3604641" cy="1126975"/>
+              </a:xfrm>
+              <a:prstGeom prst="rect">
+                <a:avLst/>
+              </a:prstGeom>
+              <a:blipFill>
+                <a:blip r:embed="rId5"/>
+                <a:stretch>
+                  <a:fillRect b="-1111"/>
+                </a:stretch>
+              </a:blipFill>
+            </p:spPr>
+            <p:txBody>
+              <a:bodyPr/>
+              <a:lstStyle/>
+              <a:p>
+                <a:r>
+                  <a:rPr lang="da-DK">
+                    <a:noFill/>
+                  </a:rPr>
+                  <a:t> </a:t>
+                </a:r>
+              </a:p>
+            </p:txBody>
+          </p:sp>
+        </mc:Fallback>
+      </mc:AlternateContent>
+      <p:sp>
+        <p:nvSpPr>
+          <p:cNvPr id="4" name="TextBox 3">
+            <a:extLst>
+              <a:ext uri="{FF2B5EF4-FFF2-40B4-BE49-F238E27FC236}">
+                <a16:creationId xmlns:a16="http://schemas.microsoft.com/office/drawing/2014/main" id="{418E9695-FFEC-9740-A3A8-69ED16AB64CF}"/>
+              </a:ext>
+            </a:extLst>
+          </p:cNvPr>
+          <p:cNvSpPr txBox="1"/>
+          <p:nvPr/>
+        </p:nvSpPr>
+        <p:spPr>
+          <a:xfrm>
+            <a:off x="838200" y="3454902"/>
+            <a:ext cx="1541576" cy="461665"/>
+          </a:xfrm>
+          <a:prstGeom prst="rect">
+            <a:avLst/>
+          </a:prstGeom>
+          <a:noFill/>
+        </p:spPr>
+        <p:txBody>
+          <a:bodyPr wrap="none" rtlCol="0">
+            <a:spAutoFit/>
+          </a:bodyPr>
+          <a:lstStyle/>
+          <a:p>
+            <a:r>
+              <a:rPr lang="da-DK" sz="2400" u="sng" dirty="0" err="1"/>
+              <a:t>Prediction</a:t>
+            </a:r>
+            <a:r>
+              <a:rPr lang="da-DK" sz="2400" u="sng" dirty="0"/>
+              <a:t>:</a:t>
+            </a:r>
+          </a:p>
+        </p:txBody>
+      </p:sp>
+      <p:sp>
+        <p:nvSpPr>
+          <p:cNvPr id="11" name="TextBox 10">
+            <a:extLst>
+              <a:ext uri="{FF2B5EF4-FFF2-40B4-BE49-F238E27FC236}">
+                <a16:creationId xmlns:a16="http://schemas.microsoft.com/office/drawing/2014/main" id="{48B9982E-2EAD-4D48-B195-35C6B9D88A1B}"/>
+              </a:ext>
+            </a:extLst>
+          </p:cNvPr>
+          <p:cNvSpPr txBox="1"/>
+          <p:nvPr/>
+        </p:nvSpPr>
+        <p:spPr>
+          <a:xfrm>
+            <a:off x="838200" y="5184123"/>
+            <a:ext cx="977319" cy="461665"/>
+          </a:xfrm>
+          <a:prstGeom prst="rect">
+            <a:avLst/>
+          </a:prstGeom>
+          <a:noFill/>
+        </p:spPr>
+        <p:txBody>
+          <a:bodyPr wrap="none" rtlCol="0">
+            <a:spAutoFit/>
+          </a:bodyPr>
+          <a:lstStyle/>
+          <a:p>
+            <a:r>
+              <a:rPr lang="da-DK" sz="2400" dirty="0" err="1"/>
+              <a:t>where</a:t>
+            </a:r>
+            <a:endParaRPr lang="da-DK" sz="2400" dirty="0"/>
+          </a:p>
+        </p:txBody>
+      </p:sp>
+      <mc:AlternateContent xmlns:mc="http://schemas.openxmlformats.org/markup-compatibility/2006">
+        <mc:Choice xmlns:a14="http://schemas.microsoft.com/office/drawing/2010/main" Requires="a14">
+          <p:sp>
+            <p:nvSpPr>
+              <p:cNvPr id="12" name="Rectangle 11">
+                <a:extLst>
+                  <a:ext uri="{FF2B5EF4-FFF2-40B4-BE49-F238E27FC236}">
+                    <a16:creationId xmlns:a16="http://schemas.microsoft.com/office/drawing/2014/main" id="{06025BE2-4565-C142-B590-3B9BA62978DA}"/>
+                  </a:ext>
+                </a:extLst>
+              </p:cNvPr>
+              <p:cNvSpPr/>
+              <p:nvPr/>
+            </p:nvSpPr>
+            <p:spPr>
+              <a:xfrm>
+                <a:off x="838200" y="5509783"/>
+                <a:ext cx="5091266" cy="936025"/>
+              </a:xfrm>
+              <a:prstGeom prst="rect">
+                <a:avLst/>
+              </a:prstGeom>
+            </p:spPr>
+            <p:txBody>
+              <a:bodyPr wrap="none">
+                <a:spAutoFit/>
+              </a:bodyPr>
+              <a:lstStyle/>
+              <a:p>
+                <a14:m>
+                  <m:oMathPara xmlns:m="http://schemas.openxmlformats.org/officeDocument/2006/math">
+                    <m:oMathParaPr>
+                      <m:jc m:val="centerGroup"/>
+                    </m:oMathParaPr>
+                    <m:oMath xmlns:m="http://schemas.openxmlformats.org/officeDocument/2006/math">
+                      <m:sSub>
+                        <m:sSubPr>
+                          <m:ctrlPr>
+                            <a:rPr lang="en-US" sz="2400" i="1">
+                              <a:latin typeface="Cambria Math" panose="02040503050406030204" pitchFamily="18" charset="0"/>
+                            </a:rPr>
+                          </m:ctrlPr>
+                        </m:sSubPr>
+                        <m:e>
+                          <m:r>
+                            <a:rPr lang="en-US" sz="2400" i="1">
+                              <a:latin typeface="Cambria Math" panose="02040503050406030204" pitchFamily="18" charset="0"/>
+                            </a:rPr>
+                            <m:t>𝐾</m:t>
+                          </m:r>
+                        </m:e>
+                        <m:sub>
+                          <m:r>
+                            <a:rPr lang="en-US" sz="2400" i="1">
+                              <a:latin typeface="Cambria Math" panose="02040503050406030204" pitchFamily="18" charset="0"/>
+                            </a:rPr>
+                            <m:t>𝑖𝑗</m:t>
+                          </m:r>
+                        </m:sub>
+                      </m:sSub>
+                      <m:r>
+                        <a:rPr lang="en-US" sz="2400" i="1">
+                          <a:latin typeface="Cambria Math" panose="02040503050406030204" pitchFamily="18" charset="0"/>
+                        </a:rPr>
+                        <m:t>=</m:t>
+                      </m:r>
+                      <m:r>
+                        <a:rPr lang="en-US" sz="2400" i="1">
+                          <a:latin typeface="Cambria Math" panose="02040503050406030204" pitchFamily="18" charset="0"/>
+                        </a:rPr>
+                        <m:t>𝑘</m:t>
+                      </m:r>
+                      <m:r>
+                        <a:rPr lang="en-US" sz="2400" i="1">
+                          <a:latin typeface="Cambria Math" panose="02040503050406030204" pitchFamily="18" charset="0"/>
+                        </a:rPr>
+                        <m:t>(</m:t>
+                      </m:r>
+                      <m:sSub>
+                        <m:sSubPr>
+                          <m:ctrlPr>
+                            <a:rPr lang="en-US" sz="2400" i="1">
+                              <a:latin typeface="Cambria Math" panose="02040503050406030204" pitchFamily="18" charset="0"/>
+                            </a:rPr>
+                          </m:ctrlPr>
+                        </m:sSubPr>
+                        <m:e>
+                          <m:r>
+                            <a:rPr lang="en-US" sz="2400" b="1" i="1">
+                              <a:latin typeface="Cambria Math" panose="02040503050406030204" pitchFamily="18" charset="0"/>
+                            </a:rPr>
+                            <m:t>𝒙</m:t>
+                          </m:r>
+                        </m:e>
+                        <m:sub>
+                          <m:r>
+                            <a:rPr lang="en-US" sz="2400" i="1">
+                              <a:latin typeface="Cambria Math" panose="02040503050406030204" pitchFamily="18" charset="0"/>
+                            </a:rPr>
+                            <m:t>𝑖</m:t>
+                          </m:r>
+                        </m:sub>
+                      </m:sSub>
+                      <m:r>
+                        <a:rPr lang="en-US" sz="2400" i="1">
+                          <a:latin typeface="Cambria Math" panose="02040503050406030204" pitchFamily="18" charset="0"/>
+                        </a:rPr>
+                        <m:t>,</m:t>
+                      </m:r>
+                      <m:sSub>
+                        <m:sSubPr>
+                          <m:ctrlPr>
+                            <a:rPr lang="en-US" sz="2400" i="1">
+                              <a:latin typeface="Cambria Math" panose="02040503050406030204" pitchFamily="18" charset="0"/>
+                            </a:rPr>
+                          </m:ctrlPr>
+                        </m:sSubPr>
+                        <m:e>
+                          <m:r>
+                            <a:rPr lang="en-US" sz="2400" b="1" i="1">
+                              <a:latin typeface="Cambria Math" panose="02040503050406030204" pitchFamily="18" charset="0"/>
+                            </a:rPr>
+                            <m:t>𝒙</m:t>
+                          </m:r>
+                        </m:e>
+                        <m:sub>
+                          <m:r>
+                            <a:rPr lang="en-US" sz="2400" i="1">
+                              <a:latin typeface="Cambria Math" panose="02040503050406030204" pitchFamily="18" charset="0"/>
+                            </a:rPr>
+                            <m:t>𝑗</m:t>
+                          </m:r>
+                        </m:sub>
+                      </m:sSub>
+                      <m:r>
+                        <a:rPr lang="en-US" sz="2400" i="1">
+                          <a:latin typeface="Cambria Math" panose="02040503050406030204" pitchFamily="18" charset="0"/>
+                        </a:rPr>
+                        <m:t>)</m:t>
+                      </m:r>
+                      <m:r>
+                        <a:rPr lang="en-US" sz="2400" i="1">
+                          <a:latin typeface="Cambria Math" charset="0"/>
+                        </a:rPr>
+                        <m:t>=</m:t>
+                      </m:r>
+                      <m:func>
+                        <m:funcPr>
+                          <m:ctrlPr>
+                            <a:rPr lang="en-US" sz="2400" i="1">
+                              <a:latin typeface="Cambria Math" panose="02040503050406030204" pitchFamily="18" charset="0"/>
+                            </a:rPr>
+                          </m:ctrlPr>
+                        </m:funcPr>
+                        <m:fName>
+                          <m:r>
+                            <m:rPr>
+                              <m:sty m:val="p"/>
+                            </m:rPr>
+                            <a:rPr lang="en-US" sz="2400">
+                              <a:latin typeface="Cambria Math" panose="02040503050406030204" pitchFamily="18" charset="0"/>
+                            </a:rPr>
+                            <m:t>exp</m:t>
+                          </m:r>
+                        </m:fName>
+                        <m:e>
+                          <m:d>
+                            <m:dPr>
+                              <m:ctrlPr>
+                                <a:rPr lang="en-US" sz="2400" i="1">
+                                  <a:latin typeface="Cambria Math" panose="02040503050406030204" pitchFamily="18" charset="0"/>
+                                </a:rPr>
+                              </m:ctrlPr>
+                            </m:dPr>
+                            <m:e>
+                              <m:r>
+                                <a:rPr lang="en-US" sz="2400" i="1">
+                                  <a:latin typeface="Cambria Math" charset="0"/>
+                                </a:rPr>
+                                <m:t>−</m:t>
+                              </m:r>
+                              <m:f>
+                                <m:fPr>
+                                  <m:ctrlPr>
+                                    <a:rPr lang="en-US" sz="2400" i="1">
+                                      <a:latin typeface="Cambria Math" panose="02040503050406030204" pitchFamily="18" charset="0"/>
+                                    </a:rPr>
+                                  </m:ctrlPr>
+                                </m:fPr>
+                                <m:num>
+                                  <m:sSup>
+                                    <m:sSupPr>
+                                      <m:ctrlPr>
+                                        <a:rPr lang="en-US" sz="2400" i="1">
+                                          <a:latin typeface="Cambria Math" panose="02040503050406030204" pitchFamily="18" charset="0"/>
+                                        </a:rPr>
+                                      </m:ctrlPr>
+                                    </m:sSupPr>
+                                    <m:e>
+                                      <m:d>
+                                        <m:dPr>
+                                          <m:begChr m:val="‖"/>
+                                          <m:endChr m:val="‖"/>
+                                          <m:ctrlPr>
+                                            <a:rPr lang="en-US" sz="2400" i="1">
+                                              <a:latin typeface="Cambria Math" panose="02040503050406030204" pitchFamily="18" charset="0"/>
+                                            </a:rPr>
+                                          </m:ctrlPr>
+                                        </m:dPr>
+                                        <m:e>
+                                          <m:sSub>
+                                            <m:sSubPr>
+                                              <m:ctrlPr>
+                                                <a:rPr lang="en-US" sz="2400" i="1">
+                                                  <a:latin typeface="Cambria Math" panose="02040503050406030204" pitchFamily="18" charset="0"/>
+                                                </a:rPr>
+                                              </m:ctrlPr>
+                                            </m:sSubPr>
+                                            <m:e>
+                                              <m:r>
+                                                <a:rPr lang="en-US" sz="2400" b="1" i="1">
+                                                  <a:latin typeface="Cambria Math" charset="0"/>
+                                                </a:rPr>
+                                                <m:t>𝒙</m:t>
+                                              </m:r>
+                                            </m:e>
+                                            <m:sub>
+                                              <m:r>
+                                                <a:rPr lang="en-US" sz="2400" i="1">
+                                                  <a:latin typeface="Cambria Math" panose="02040503050406030204" pitchFamily="18" charset="0"/>
+                                                </a:rPr>
+                                                <m:t>𝑖</m:t>
+                                              </m:r>
+                                            </m:sub>
+                                          </m:sSub>
+                                          <m:r>
+                                            <a:rPr lang="en-US" sz="2400" i="1">
+                                              <a:latin typeface="Cambria Math" charset="0"/>
+                                            </a:rPr>
+                                            <m:t>−</m:t>
+                                          </m:r>
+                                          <m:sSub>
+                                            <m:sSubPr>
+                                              <m:ctrlPr>
+                                                <a:rPr lang="en-US" sz="2400" i="1">
+                                                  <a:latin typeface="Cambria Math" panose="02040503050406030204" pitchFamily="18" charset="0"/>
+                                                </a:rPr>
+                                              </m:ctrlPr>
+                                            </m:sSubPr>
+                                            <m:e>
+                                              <m:r>
+                                                <a:rPr lang="en-US" sz="2400" b="1" i="1">
+                                                  <a:latin typeface="Cambria Math" charset="0"/>
+                                                </a:rPr>
+                                                <m:t>𝒙</m:t>
+                                              </m:r>
+                                            </m:e>
+                                            <m:sub>
+                                              <m:r>
+                                                <a:rPr lang="en-US" sz="2400" i="1">
+                                                  <a:latin typeface="Cambria Math" panose="02040503050406030204" pitchFamily="18" charset="0"/>
+                                                </a:rPr>
+                                                <m:t>𝑗</m:t>
+                                              </m:r>
+                                            </m:sub>
+                                          </m:sSub>
+                                        </m:e>
+                                      </m:d>
+                                    </m:e>
+                                    <m:sup>
+                                      <m:r>
+                                        <a:rPr lang="en-US" sz="2400" i="1">
+                                          <a:latin typeface="Cambria Math" charset="0"/>
+                                        </a:rPr>
+                                        <m:t>2</m:t>
+                                      </m:r>
+                                    </m:sup>
+                                  </m:sSup>
+                                </m:num>
+                                <m:den>
+                                  <m:r>
+                                    <a:rPr lang="en-US" sz="2400" i="1">
+                                      <a:latin typeface="Cambria Math" charset="0"/>
+                                    </a:rPr>
+                                    <m:t>2</m:t>
+                                  </m:r>
+                                  <m:sSup>
+                                    <m:sSupPr>
+                                      <m:ctrlPr>
+                                        <a:rPr lang="en-US" sz="2400" i="1">
+                                          <a:latin typeface="Cambria Math" panose="02040503050406030204" pitchFamily="18" charset="0"/>
+                                        </a:rPr>
+                                      </m:ctrlPr>
+                                    </m:sSupPr>
+                                    <m:e>
+                                      <m:r>
+                                        <a:rPr lang="en-US" sz="2400" i="1">
+                                          <a:latin typeface="Cambria Math" charset="0"/>
+                                        </a:rPr>
+                                        <m:t>𝜎</m:t>
+                                      </m:r>
+                                    </m:e>
+                                    <m:sup>
+                                      <m:r>
+                                        <a:rPr lang="en-US" sz="2400" i="1">
+                                          <a:latin typeface="Cambria Math" charset="0"/>
+                                        </a:rPr>
+                                        <m:t>2</m:t>
+                                      </m:r>
+                                    </m:sup>
+                                  </m:sSup>
+                                </m:den>
+                              </m:f>
+                            </m:e>
+                          </m:d>
+                        </m:e>
+                      </m:func>
+                    </m:oMath>
+                  </m:oMathPara>
+                </a14:m>
+                <a:endParaRPr lang="da-DK" sz="2400" dirty="0"/>
+              </a:p>
+            </p:txBody>
+          </p:sp>
+        </mc:Choice>
+        <mc:Fallback>
+          <p:sp>
+            <p:nvSpPr>
+              <p:cNvPr id="12" name="Rectangle 11">
+                <a:extLst>
+                  <a:ext uri="{FF2B5EF4-FFF2-40B4-BE49-F238E27FC236}">
+                    <a16:creationId xmlns:a16="http://schemas.microsoft.com/office/drawing/2014/main" id="{06025BE2-4565-C142-B590-3B9BA62978DA}"/>
+                  </a:ext>
+                </a:extLst>
+              </p:cNvPr>
+              <p:cNvSpPr>
+                <a:spLocks noRot="1" noChangeAspect="1" noMove="1" noResize="1" noEditPoints="1" noAdjustHandles="1" noChangeArrowheads="1" noChangeShapeType="1" noTextEdit="1"/>
+              </p:cNvSpPr>
+              <p:nvPr/>
+            </p:nvSpPr>
+            <p:spPr>
+              <a:xfrm>
+                <a:off x="838200" y="5509783"/>
+                <a:ext cx="5091266" cy="936025"/>
+              </a:xfrm>
+              <a:prstGeom prst="rect">
+                <a:avLst/>
+              </a:prstGeom>
+              <a:blipFill>
+                <a:blip r:embed="rId7"/>
+                <a:stretch>
+                  <a:fillRect b="-4000"/>
+                </a:stretch>
+              </a:blipFill>
+            </p:spPr>
+            <p:txBody>
+              <a:bodyPr/>
+              <a:lstStyle/>
+              <a:p>
+                <a:r>
+                  <a:rPr lang="da-DK">
+                    <a:noFill/>
+                  </a:rPr>
+                  <a:t> </a:t>
+                </a:r>
+              </a:p>
+            </p:txBody>
+          </p:sp>
+        </mc:Fallback>
+      </mc:AlternateContent>
+    </p:spTree>
+    <p:extLst>
+      <p:ext uri="{BB962C8B-B14F-4D97-AF65-F5344CB8AC3E}">
+        <p14:creationId xmlns:p14="http://schemas.microsoft.com/office/powerpoint/2010/main" val="2278698202"/>
       </p:ext>
     </p:extLst>
   </p:cSld>

--- a/Presentations/2018-06-01-copenhagen.pptx
+++ b/Presentations/2018-06-01-copenhagen.pptx
@@ -19,15 +19,26 @@
     <p:sldId id="280" r:id="rId13"/>
     <p:sldId id="281" r:id="rId14"/>
     <p:sldId id="286" r:id="rId15"/>
-    <p:sldId id="259" r:id="rId16"/>
-    <p:sldId id="271" r:id="rId17"/>
-    <p:sldId id="260" r:id="rId18"/>
-    <p:sldId id="261" r:id="rId19"/>
-    <p:sldId id="262" r:id="rId20"/>
-    <p:sldId id="268" r:id="rId21"/>
-    <p:sldId id="266" r:id="rId22"/>
-    <p:sldId id="269" r:id="rId23"/>
-    <p:sldId id="270" r:id="rId24"/>
+    <p:sldId id="291" r:id="rId16"/>
+    <p:sldId id="290" r:id="rId17"/>
+    <p:sldId id="289" r:id="rId18"/>
+    <p:sldId id="287" r:id="rId19"/>
+    <p:sldId id="288" r:id="rId20"/>
+    <p:sldId id="259" r:id="rId21"/>
+    <p:sldId id="271" r:id="rId22"/>
+    <p:sldId id="260" r:id="rId23"/>
+    <p:sldId id="261" r:id="rId24"/>
+    <p:sldId id="262" r:id="rId25"/>
+    <p:sldId id="268" r:id="rId26"/>
+    <p:sldId id="266" r:id="rId27"/>
+    <p:sldId id="269" r:id="rId28"/>
+    <p:sldId id="270" r:id="rId29"/>
+    <p:sldId id="299" r:id="rId30"/>
+    <p:sldId id="298" r:id="rId31"/>
+    <p:sldId id="294" r:id="rId32"/>
+    <p:sldId id="297" r:id="rId33"/>
+    <p:sldId id="296" r:id="rId34"/>
+    <p:sldId id="295" r:id="rId35"/>
   </p:sldIdLst>
   <p:sldSz cx="12192000" cy="6858000"/>
   <p:notesSz cx="6858000" cy="9144000"/>
@@ -2975,7 +2986,7 @@
           <p:cNvPr id="2" name="Title 1">
             <a:extLst>
               <a:ext uri="{FF2B5EF4-FFF2-40B4-BE49-F238E27FC236}">
-                <a16:creationId xmlns:a16="http://schemas.microsoft.com/office/drawing/2014/main" xmlns="" id="{D5E189EA-57A0-3E40-B200-AA930432CB90}"/>
+                <a16:creationId xmlns:a16="http://schemas.microsoft.com/office/drawing/2014/main" id="{D5E189EA-57A0-3E40-B200-AA930432CB90}"/>
               </a:ext>
             </a:extLst>
           </p:cNvPr>
@@ -3000,7 +3011,7 @@
           <p:cNvPr id="3" name="Subtitle 2">
             <a:extLst>
               <a:ext uri="{FF2B5EF4-FFF2-40B4-BE49-F238E27FC236}">
-                <a16:creationId xmlns:a16="http://schemas.microsoft.com/office/drawing/2014/main" xmlns="" id="{9F5D1B12-4203-D549-9060-C0F65B4F2184}"/>
+                <a16:creationId xmlns:a16="http://schemas.microsoft.com/office/drawing/2014/main" id="{9F5D1B12-4203-D549-9060-C0F65B4F2184}"/>
               </a:ext>
             </a:extLst>
           </p:cNvPr>
@@ -3066,10 +3077,9 @@
           <a:lstStyle/>
           <a:p>
             <a:r>
-              <a:rPr lang="en-US" dirty="0" smtClean="0"/>
+              <a:rPr lang="en-US" dirty="0"/>
               <a:t>Features</a:t>
             </a:r>
-            <a:endParaRPr lang="en-US" dirty="0"/>
           </a:p>
         </p:txBody>
       </p:sp>
@@ -3096,15 +3106,14 @@
           <a:lstStyle/>
           <a:p>
             <a:r>
-              <a:rPr lang="en-US" sz="2400" dirty="0" smtClean="0"/>
+              <a:rPr lang="en-US" sz="2400" dirty="0"/>
               <a:t>= Invariant descriptions</a:t>
             </a:r>
-            <a:endParaRPr lang="en-US" sz="2400" dirty="0"/>
           </a:p>
         </p:txBody>
       </p:sp>
-      <mc:AlternateContent xmlns:mc="http://schemas.openxmlformats.org/markup-compatibility/2006">
-        <mc:Choice xmlns:a14="http://schemas.microsoft.com/office/drawing/2010/main" Requires="a14">
+      <mc:AlternateContent xmlns:mc="http://schemas.openxmlformats.org/markup-compatibility/2006" xmlns:a14="http://schemas.microsoft.com/office/drawing/2010/main">
+        <mc:Choice Requires="a14">
           <p:sp>
             <p:nvSpPr>
               <p:cNvPr id="8" name="TextBox 7"/>
@@ -3127,6 +3136,7 @@
               </a:bodyPr>
               <a:lstStyle/>
               <a:p>
+                <a:pPr/>
                 <a14:m>
                   <m:oMathPara xmlns:m="http://schemas.openxmlformats.org/officeDocument/2006/math">
                     <m:oMathParaPr>
@@ -3143,7 +3153,7 @@
                         <m:sSubPr>
                           <m:ctrlPr>
                             <a:rPr lang="en-US" sz="2400" b="0" i="1" smtClean="0">
-                              <a:latin typeface="Cambria Math" charset="0"/>
+                              <a:latin typeface="Cambria Math" panose="02040503050406030204" pitchFamily="18" charset="0"/>
                             </a:rPr>
                           </m:ctrlPr>
                         </m:sSubPr>
@@ -3174,7 +3184,7 @@
                         <m:sSubPr>
                           <m:ctrlPr>
                             <a:rPr lang="en-US" sz="2400" b="0" i="1" smtClean="0">
-                              <a:latin typeface="Cambria Math" charset="0"/>
+                              <a:latin typeface="Cambria Math" panose="02040503050406030204" pitchFamily="18" charset="0"/>
                             </a:rPr>
                           </m:ctrlPr>
                         </m:sSubPr>
@@ -3205,7 +3215,7 @@
                         <m:sSubPr>
                           <m:ctrlPr>
                             <a:rPr lang="en-US" sz="2400" b="0" i="1" smtClean="0">
-                              <a:latin typeface="Cambria Math" charset="0"/>
+                              <a:latin typeface="Cambria Math" panose="02040503050406030204" pitchFamily="18" charset="0"/>
                             </a:rPr>
                           </m:ctrlPr>
                         </m:sSubPr>
@@ -3236,7 +3246,7 @@
                         <m:sSubPr>
                           <m:ctrlPr>
                             <a:rPr lang="en-US" sz="2400" b="0" i="1" smtClean="0">
-                              <a:latin typeface="Cambria Math" charset="0"/>
+                              <a:latin typeface="Cambria Math" panose="02040503050406030204" pitchFamily="18" charset="0"/>
                             </a:rPr>
                           </m:ctrlPr>
                         </m:sSubPr>
@@ -3267,7 +3277,7 @@
                         <m:sSubPr>
                           <m:ctrlPr>
                             <a:rPr lang="en-US" sz="2400" b="0" i="1" smtClean="0">
-                              <a:latin typeface="Cambria Math" charset="0"/>
+                              <a:latin typeface="Cambria Math" panose="02040503050406030204" pitchFamily="18" charset="0"/>
                             </a:rPr>
                           </m:ctrlPr>
                         </m:sSubPr>
@@ -3298,7 +3308,7 @@
                         <m:sSubPr>
                           <m:ctrlPr>
                             <a:rPr lang="en-US" sz="2400" b="0" i="1" smtClean="0">
-                              <a:latin typeface="Cambria Math" charset="0"/>
+                              <a:latin typeface="Cambria Math" panose="02040503050406030204" pitchFamily="18" charset="0"/>
                             </a:rPr>
                           </m:ctrlPr>
                         </m:sSubPr>
@@ -3333,7 +3343,7 @@
             </p:txBody>
           </p:sp>
         </mc:Choice>
-        <mc:Fallback>
+        <mc:Fallback xmlns="">
           <p:sp>
             <p:nvSpPr>
               <p:cNvPr id="8" name="TextBox 7"/>
@@ -3372,8 +3382,8 @@
           </p:sp>
         </mc:Fallback>
       </mc:AlternateContent>
-      <mc:AlternateContent xmlns:mc="http://schemas.openxmlformats.org/markup-compatibility/2006">
-        <mc:Choice xmlns:a14="http://schemas.microsoft.com/office/drawing/2010/main" Requires="a14">
+      <mc:AlternateContent xmlns:mc="http://schemas.openxmlformats.org/markup-compatibility/2006" xmlns:a14="http://schemas.microsoft.com/office/drawing/2010/main">
+        <mc:Choice Requires="a14">
           <p:sp>
             <p:nvSpPr>
               <p:cNvPr id="9" name="TextBox 8"/>
@@ -3396,6 +3406,7 @@
               </a:bodyPr>
               <a:lstStyle/>
               <a:p>
+                <a:pPr/>
                 <a14:m>
                   <m:oMathPara xmlns:m="http://schemas.openxmlformats.org/officeDocument/2006/math">
                     <m:oMathParaPr>
@@ -3412,7 +3423,7 @@
                         <m:sSubPr>
                           <m:ctrlPr>
                             <a:rPr lang="en-US" sz="2400" b="0" i="1" smtClean="0">
-                              <a:latin typeface="Cambria Math" charset="0"/>
+                              <a:latin typeface="Cambria Math" panose="02040503050406030204" pitchFamily="18" charset="0"/>
                             </a:rPr>
                           </m:ctrlPr>
                         </m:sSubPr>
@@ -3443,7 +3454,7 @@
                         <m:sSubPr>
                           <m:ctrlPr>
                             <a:rPr lang="en-US" sz="2400" b="0" i="1" smtClean="0">
-                              <a:latin typeface="Cambria Math" charset="0"/>
+                              <a:latin typeface="Cambria Math" panose="02040503050406030204" pitchFamily="18" charset="0"/>
                             </a:rPr>
                           </m:ctrlPr>
                         </m:sSubPr>
@@ -3474,7 +3485,7 @@
                         <m:sSubPr>
                           <m:ctrlPr>
                             <a:rPr lang="en-US" sz="2400" b="0" i="1" smtClean="0">
-                              <a:latin typeface="Cambria Math" charset="0"/>
+                              <a:latin typeface="Cambria Math" panose="02040503050406030204" pitchFamily="18" charset="0"/>
                             </a:rPr>
                           </m:ctrlPr>
                         </m:sSubPr>
@@ -3509,7 +3520,7 @@
             </p:txBody>
           </p:sp>
         </mc:Choice>
-        <mc:Fallback>
+        <mc:Fallback xmlns="">
           <p:sp>
             <p:nvSpPr>
               <p:cNvPr id="9" name="TextBox 8"/>
@@ -3611,11 +3622,11 @@
           <a:lstStyle/>
           <a:p>
             <a:r>
-              <a:rPr lang="en-US" sz="2400" b="1" dirty="0" smtClean="0"/>
+              <a:rPr lang="en-US" sz="2400" b="1" dirty="0"/>
               <a:t>Simple solution:  </a:t>
             </a:r>
             <a:r>
-              <a:rPr lang="en-US" sz="2400" dirty="0" smtClean="0"/>
+              <a:rPr lang="en-US" sz="2400" dirty="0"/>
               <a:t>use interatomic distances</a:t>
             </a:r>
             <a:endParaRPr lang="en-US" sz="2400" b="1" dirty="0"/>
@@ -3745,22 +3756,21 @@
           <a:lstStyle/>
           <a:p>
             <a:r>
-              <a:rPr lang="en-US" dirty="0" smtClean="0"/>
+              <a:rPr lang="en-US" dirty="0"/>
               <a:t>Translation</a:t>
             </a:r>
           </a:p>
           <a:p>
             <a:r>
-              <a:rPr lang="en-US" dirty="0" smtClean="0"/>
+              <a:rPr lang="en-US" dirty="0"/>
               <a:t>Rotation</a:t>
             </a:r>
           </a:p>
           <a:p>
             <a:r>
-              <a:rPr lang="en-US" dirty="0" smtClean="0"/>
+              <a:rPr lang="en-US" dirty="0"/>
               <a:t>Reflection</a:t>
             </a:r>
-            <a:endParaRPr lang="en-US" dirty="0"/>
           </a:p>
         </p:txBody>
       </p:sp>
@@ -3840,10 +3850,9 @@
           <a:lstStyle/>
           <a:p>
             <a:r>
-              <a:rPr lang="en-US" dirty="0" smtClean="0"/>
+              <a:rPr lang="en-US" dirty="0"/>
               <a:t>Features</a:t>
             </a:r>
-            <a:endParaRPr lang="en-US" dirty="0"/>
           </a:p>
         </p:txBody>
       </p:sp>
@@ -3870,10 +3879,9 @@
           <a:lstStyle/>
           <a:p>
             <a:r>
-              <a:rPr lang="en-US" sz="2400" dirty="0" smtClean="0"/>
+              <a:rPr lang="en-US" sz="2400" dirty="0"/>
               <a:t>= Invariant descriptions</a:t>
             </a:r>
-            <a:endParaRPr lang="en-US" sz="2400" dirty="0"/>
           </a:p>
         </p:txBody>
       </p:sp>
@@ -3907,8 +3915,8 @@
           </a:prstGeom>
         </p:spPr>
       </p:pic>
-      <mc:AlternateContent xmlns:mc="http://schemas.openxmlformats.org/markup-compatibility/2006">
-        <mc:Choice xmlns:a14="http://schemas.microsoft.com/office/drawing/2010/main" Requires="a14">
+      <mc:AlternateContent xmlns:mc="http://schemas.openxmlformats.org/markup-compatibility/2006" xmlns:a14="http://schemas.microsoft.com/office/drawing/2010/main">
+        <mc:Choice Requires="a14">
           <p:sp>
             <p:nvSpPr>
               <p:cNvPr id="8" name="TextBox 7"/>
@@ -3931,6 +3939,7 @@
               </a:bodyPr>
               <a:lstStyle/>
               <a:p>
+                <a:pPr/>
                 <a14:m>
                   <m:oMathPara xmlns:m="http://schemas.openxmlformats.org/officeDocument/2006/math">
                     <m:oMathParaPr>
@@ -3947,7 +3956,7 @@
                         <m:sSubPr>
                           <m:ctrlPr>
                             <a:rPr lang="en-US" sz="2400" b="0" i="1" smtClean="0">
-                              <a:latin typeface="Cambria Math" charset="0"/>
+                              <a:latin typeface="Cambria Math" panose="02040503050406030204" pitchFamily="18" charset="0"/>
                             </a:rPr>
                           </m:ctrlPr>
                         </m:sSubPr>
@@ -3978,7 +3987,7 @@
                         <m:sSubPr>
                           <m:ctrlPr>
                             <a:rPr lang="en-US" sz="2400" b="0" i="1" smtClean="0">
-                              <a:latin typeface="Cambria Math" charset="0"/>
+                              <a:latin typeface="Cambria Math" panose="02040503050406030204" pitchFamily="18" charset="0"/>
                             </a:rPr>
                           </m:ctrlPr>
                         </m:sSubPr>
@@ -4009,7 +4018,7 @@
                         <m:sSubPr>
                           <m:ctrlPr>
                             <a:rPr lang="en-US" sz="2400" b="0" i="1" smtClean="0">
-                              <a:latin typeface="Cambria Math" charset="0"/>
+                              <a:latin typeface="Cambria Math" panose="02040503050406030204" pitchFamily="18" charset="0"/>
                             </a:rPr>
                           </m:ctrlPr>
                         </m:sSubPr>
@@ -4040,7 +4049,7 @@
                         <m:sSubPr>
                           <m:ctrlPr>
                             <a:rPr lang="en-US" sz="2400" b="0" i="1" smtClean="0">
-                              <a:latin typeface="Cambria Math" charset="0"/>
+                              <a:latin typeface="Cambria Math" panose="02040503050406030204" pitchFamily="18" charset="0"/>
                             </a:rPr>
                           </m:ctrlPr>
                         </m:sSubPr>
@@ -4071,7 +4080,7 @@
                         <m:sSubPr>
                           <m:ctrlPr>
                             <a:rPr lang="en-US" sz="2400" b="0" i="1" smtClean="0">
-                              <a:latin typeface="Cambria Math" charset="0"/>
+                              <a:latin typeface="Cambria Math" panose="02040503050406030204" pitchFamily="18" charset="0"/>
                             </a:rPr>
                           </m:ctrlPr>
                         </m:sSubPr>
@@ -4102,7 +4111,7 @@
                         <m:sSubPr>
                           <m:ctrlPr>
                             <a:rPr lang="en-US" sz="2400" b="0" i="1" smtClean="0">
-                              <a:latin typeface="Cambria Math" charset="0"/>
+                              <a:latin typeface="Cambria Math" panose="02040503050406030204" pitchFamily="18" charset="0"/>
                             </a:rPr>
                           </m:ctrlPr>
                         </m:sSubPr>
@@ -4137,7 +4146,7 @@
             </p:txBody>
           </p:sp>
         </mc:Choice>
-        <mc:Fallback>
+        <mc:Fallback xmlns="">
           <p:sp>
             <p:nvSpPr>
               <p:cNvPr id="8" name="TextBox 7"/>
@@ -4176,8 +4185,8 @@
           </p:sp>
         </mc:Fallback>
       </mc:AlternateContent>
-      <mc:AlternateContent xmlns:mc="http://schemas.openxmlformats.org/markup-compatibility/2006">
-        <mc:Choice xmlns:a14="http://schemas.microsoft.com/office/drawing/2010/main" Requires="a14">
+      <mc:AlternateContent xmlns:mc="http://schemas.openxmlformats.org/markup-compatibility/2006" xmlns:a14="http://schemas.microsoft.com/office/drawing/2010/main">
+        <mc:Choice Requires="a14">
           <p:sp>
             <p:nvSpPr>
               <p:cNvPr id="9" name="TextBox 8"/>
@@ -4200,6 +4209,7 @@
               </a:bodyPr>
               <a:lstStyle/>
               <a:p>
+                <a:pPr/>
                 <a14:m>
                   <m:oMathPara xmlns:m="http://schemas.openxmlformats.org/officeDocument/2006/math">
                     <m:oMathParaPr>
@@ -4216,7 +4226,7 @@
                         <m:sSubPr>
                           <m:ctrlPr>
                             <a:rPr lang="en-US" sz="2400" b="0" i="1" smtClean="0">
-                              <a:latin typeface="Cambria Math" charset="0"/>
+                              <a:latin typeface="Cambria Math" panose="02040503050406030204" pitchFamily="18" charset="0"/>
                             </a:rPr>
                           </m:ctrlPr>
                         </m:sSubPr>
@@ -4247,7 +4257,7 @@
                         <m:sSubPr>
                           <m:ctrlPr>
                             <a:rPr lang="en-US" sz="2400" b="0" i="1" smtClean="0">
-                              <a:latin typeface="Cambria Math" charset="0"/>
+                              <a:latin typeface="Cambria Math" panose="02040503050406030204" pitchFamily="18" charset="0"/>
                             </a:rPr>
                           </m:ctrlPr>
                         </m:sSubPr>
@@ -4278,7 +4288,7 @@
                         <m:sSubPr>
                           <m:ctrlPr>
                             <a:rPr lang="en-US" sz="2400" b="0" i="1" smtClean="0">
-                              <a:latin typeface="Cambria Math" charset="0"/>
+                              <a:latin typeface="Cambria Math" panose="02040503050406030204" pitchFamily="18" charset="0"/>
                             </a:rPr>
                           </m:ctrlPr>
                         </m:sSubPr>
@@ -4313,7 +4323,7 @@
             </p:txBody>
           </p:sp>
         </mc:Choice>
-        <mc:Fallback>
+        <mc:Fallback xmlns="">
           <p:sp>
             <p:nvSpPr>
               <p:cNvPr id="9" name="TextBox 8"/>
@@ -4415,22 +4425,21 @@
           <a:lstStyle/>
           <a:p>
             <a:r>
-              <a:rPr lang="en-US" dirty="0" smtClean="0"/>
+              <a:rPr lang="en-US" dirty="0"/>
               <a:t>Translation</a:t>
             </a:r>
           </a:p>
           <a:p>
             <a:r>
-              <a:rPr lang="en-US" dirty="0" smtClean="0"/>
+              <a:rPr lang="en-US" dirty="0"/>
               <a:t>Rotation</a:t>
             </a:r>
           </a:p>
           <a:p>
             <a:r>
-              <a:rPr lang="en-US" dirty="0" smtClean="0"/>
+              <a:rPr lang="en-US" dirty="0"/>
               <a:t>Reflection</a:t>
             </a:r>
-            <a:endParaRPr lang="en-US" dirty="0"/>
           </a:p>
         </p:txBody>
       </p:sp>
@@ -4457,11 +4466,11 @@
           <a:lstStyle/>
           <a:p>
             <a:r>
-              <a:rPr lang="en-US" sz="2400" b="1" dirty="0" smtClean="0"/>
+              <a:rPr lang="en-US" sz="2400" b="1" dirty="0"/>
               <a:t>Simple solution:  </a:t>
             </a:r>
             <a:r>
-              <a:rPr lang="en-US" sz="2400" dirty="0" smtClean="0"/>
+              <a:rPr lang="en-US" sz="2400" dirty="0"/>
               <a:t>use interatomic distances</a:t>
             </a:r>
             <a:endParaRPr lang="en-US" sz="2400" b="1" dirty="0"/>
@@ -4491,19 +4500,19 @@
           <a:lstStyle/>
           <a:p>
             <a:r>
-              <a:rPr lang="en-US" sz="2400" dirty="0" smtClean="0"/>
+              <a:rPr lang="en-US" sz="2400" dirty="0"/>
               <a:t>Example 1 </a:t>
             </a:r>
             <a:r>
-              <a:rPr lang="mr-IN" sz="2400" dirty="0" smtClean="0"/>
+              <a:rPr lang="mr-IN" sz="2400" dirty="0"/>
               <a:t>–</a:t>
             </a:r>
             <a:r>
-              <a:rPr lang="en-US" sz="2400" dirty="0" smtClean="0"/>
+              <a:rPr lang="en-US" sz="2400" dirty="0"/>
               <a:t> </a:t>
             </a:r>
             <a:r>
-              <a:rPr lang="en-US" sz="2400" b="1" i="1" dirty="0" smtClean="0"/>
+              <a:rPr lang="en-US" sz="2400" b="1" i="1" dirty="0"/>
               <a:t>Bag of bonds</a:t>
             </a:r>
             <a:endParaRPr lang="en-US" sz="2400" dirty="0"/>
@@ -4550,8 +4559,8 @@
           </a:p>
         </p:txBody>
       </p:sp>
-      <mc:AlternateContent xmlns:mc="http://schemas.openxmlformats.org/markup-compatibility/2006">
-        <mc:Choice xmlns:a14="http://schemas.microsoft.com/office/drawing/2010/main" Requires="a14">
+      <mc:AlternateContent xmlns:mc="http://schemas.openxmlformats.org/markup-compatibility/2006" xmlns:a14="http://schemas.microsoft.com/office/drawing/2010/main">
+        <mc:Choice Requires="a14">
           <p:sp>
             <p:nvSpPr>
               <p:cNvPr id="19" name="TextBox 18"/>
@@ -4574,6 +4583,7 @@
               </a:bodyPr>
               <a:lstStyle/>
               <a:p>
+                <a:pPr/>
                 <a14:m>
                   <m:oMathPara xmlns:m="http://schemas.openxmlformats.org/officeDocument/2006/math">
                     <m:oMathParaPr>
@@ -4584,7 +4594,7 @@
                         <m:dPr>
                           <m:ctrlPr>
                             <a:rPr lang="mr-IN" sz="2400" i="1" smtClean="0">
-                              <a:latin typeface="Cambria Math" charset="0"/>
+                              <a:latin typeface="Cambria Math" panose="02040503050406030204" pitchFamily="18" charset="0"/>
                             </a:rPr>
                           </m:ctrlPr>
                         </m:dPr>
@@ -4601,7 +4611,7 @@
                               </m:mcs>
                               <m:ctrlPr>
                                 <a:rPr lang="mr-IN" sz="2400" i="1" smtClean="0">
-                                  <a:latin typeface="Cambria Math" charset="0"/>
+                                  <a:latin typeface="Cambria Math" panose="02040503050406030204" pitchFamily="18" charset="0"/>
                                 </a:rPr>
                               </m:ctrlPr>
                             </m:mPr>
@@ -4617,7 +4627,7 @@
                                   <m:sSubPr>
                                     <m:ctrlPr>
                                       <a:rPr lang="en-US" sz="2400" b="0" i="1" smtClean="0">
-                                        <a:latin typeface="Cambria Math" charset="0"/>
+                                        <a:latin typeface="Cambria Math" panose="02040503050406030204" pitchFamily="18" charset="0"/>
                                       </a:rPr>
                                     </m:ctrlPr>
                                   </m:sSubPr>
@@ -4652,7 +4662,7 @@
                                   <m:sSubPr>
                                     <m:ctrlPr>
                                       <a:rPr lang="en-US" sz="2400" b="0" i="1" smtClean="0">
-                                        <a:latin typeface="Cambria Math" charset="0"/>
+                                        <a:latin typeface="Cambria Math" panose="02040503050406030204" pitchFamily="18" charset="0"/>
                                       </a:rPr>
                                     </m:ctrlPr>
                                   </m:sSubPr>
@@ -4687,7 +4697,7 @@
                                   <m:sSubPr>
                                     <m:ctrlPr>
                                       <a:rPr lang="en-US" sz="2400" b="0" i="1" smtClean="0">
-                                        <a:latin typeface="Cambria Math" charset="0"/>
+                                        <a:latin typeface="Cambria Math" panose="02040503050406030204" pitchFamily="18" charset="0"/>
                                       </a:rPr>
                                     </m:ctrlPr>
                                   </m:sSubPr>
@@ -4721,7 +4731,7 @@
             </p:txBody>
           </p:sp>
         </mc:Choice>
-        <mc:Fallback>
+        <mc:Fallback xmlns="">
           <p:sp>
             <p:nvSpPr>
               <p:cNvPr id="19" name="TextBox 18"/>
@@ -4813,10 +4823,9 @@
           <a:lstStyle/>
           <a:p>
             <a:r>
-              <a:rPr lang="en-US" sz="2400" b="1" dirty="0" smtClean="0"/>
+              <a:rPr lang="en-US" sz="2400" b="1" dirty="0"/>
               <a:t>List</a:t>
             </a:r>
-            <a:endParaRPr lang="en-US" sz="2400" b="1" dirty="0"/>
           </a:p>
         </p:txBody>
       </p:sp>
@@ -4866,10 +4875,9 @@
           <a:lstStyle/>
           <a:p>
             <a:r>
-              <a:rPr lang="en-US" dirty="0" smtClean="0"/>
+              <a:rPr lang="en-US" dirty="0"/>
               <a:t>Features</a:t>
             </a:r>
-            <a:endParaRPr lang="en-US" dirty="0"/>
           </a:p>
         </p:txBody>
       </p:sp>
@@ -4896,10 +4904,9 @@
           <a:lstStyle/>
           <a:p>
             <a:r>
-              <a:rPr lang="en-US" sz="2400" dirty="0" smtClean="0"/>
+              <a:rPr lang="en-US" sz="2400" dirty="0"/>
               <a:t>= Invariant descriptions</a:t>
             </a:r>
-            <a:endParaRPr lang="en-US" sz="2400" dirty="0"/>
           </a:p>
         </p:txBody>
       </p:sp>
@@ -4933,8 +4940,8 @@
           </a:prstGeom>
         </p:spPr>
       </p:pic>
-      <mc:AlternateContent xmlns:mc="http://schemas.openxmlformats.org/markup-compatibility/2006">
-        <mc:Choice xmlns:a14="http://schemas.microsoft.com/office/drawing/2010/main" Requires="a14">
+      <mc:AlternateContent xmlns:mc="http://schemas.openxmlformats.org/markup-compatibility/2006" xmlns:a14="http://schemas.microsoft.com/office/drawing/2010/main">
+        <mc:Choice Requires="a14">
           <p:sp>
             <p:nvSpPr>
               <p:cNvPr id="8" name="TextBox 7"/>
@@ -4957,6 +4964,7 @@
               </a:bodyPr>
               <a:lstStyle/>
               <a:p>
+                <a:pPr/>
                 <a14:m>
                   <m:oMathPara xmlns:m="http://schemas.openxmlformats.org/officeDocument/2006/math">
                     <m:oMathParaPr>
@@ -4973,7 +4981,7 @@
                         <m:sSubPr>
                           <m:ctrlPr>
                             <a:rPr lang="en-US" sz="2400" b="0" i="1" smtClean="0">
-                              <a:latin typeface="Cambria Math" charset="0"/>
+                              <a:latin typeface="Cambria Math" panose="02040503050406030204" pitchFamily="18" charset="0"/>
                             </a:rPr>
                           </m:ctrlPr>
                         </m:sSubPr>
@@ -5004,7 +5012,7 @@
                         <m:sSubPr>
                           <m:ctrlPr>
                             <a:rPr lang="en-US" sz="2400" b="0" i="1" smtClean="0">
-                              <a:latin typeface="Cambria Math" charset="0"/>
+                              <a:latin typeface="Cambria Math" panose="02040503050406030204" pitchFamily="18" charset="0"/>
                             </a:rPr>
                           </m:ctrlPr>
                         </m:sSubPr>
@@ -5035,7 +5043,7 @@
                         <m:sSubPr>
                           <m:ctrlPr>
                             <a:rPr lang="en-US" sz="2400" b="0" i="1" smtClean="0">
-                              <a:latin typeface="Cambria Math" charset="0"/>
+                              <a:latin typeface="Cambria Math" panose="02040503050406030204" pitchFamily="18" charset="0"/>
                             </a:rPr>
                           </m:ctrlPr>
                         </m:sSubPr>
@@ -5066,7 +5074,7 @@
                         <m:sSubPr>
                           <m:ctrlPr>
                             <a:rPr lang="en-US" sz="2400" b="0" i="1" smtClean="0">
-                              <a:latin typeface="Cambria Math" charset="0"/>
+                              <a:latin typeface="Cambria Math" panose="02040503050406030204" pitchFamily="18" charset="0"/>
                             </a:rPr>
                           </m:ctrlPr>
                         </m:sSubPr>
@@ -5097,7 +5105,7 @@
                         <m:sSubPr>
                           <m:ctrlPr>
                             <a:rPr lang="en-US" sz="2400" b="0" i="1" smtClean="0">
-                              <a:latin typeface="Cambria Math" charset="0"/>
+                              <a:latin typeface="Cambria Math" panose="02040503050406030204" pitchFamily="18" charset="0"/>
                             </a:rPr>
                           </m:ctrlPr>
                         </m:sSubPr>
@@ -5128,7 +5136,7 @@
                         <m:sSubPr>
                           <m:ctrlPr>
                             <a:rPr lang="en-US" sz="2400" b="0" i="1" smtClean="0">
-                              <a:latin typeface="Cambria Math" charset="0"/>
+                              <a:latin typeface="Cambria Math" panose="02040503050406030204" pitchFamily="18" charset="0"/>
                             </a:rPr>
                           </m:ctrlPr>
                         </m:sSubPr>
@@ -5163,7 +5171,7 @@
             </p:txBody>
           </p:sp>
         </mc:Choice>
-        <mc:Fallback>
+        <mc:Fallback xmlns="">
           <p:sp>
             <p:nvSpPr>
               <p:cNvPr id="8" name="TextBox 7"/>
@@ -5202,8 +5210,8 @@
           </p:sp>
         </mc:Fallback>
       </mc:AlternateContent>
-      <mc:AlternateContent xmlns:mc="http://schemas.openxmlformats.org/markup-compatibility/2006">
-        <mc:Choice xmlns:a14="http://schemas.microsoft.com/office/drawing/2010/main" Requires="a14">
+      <mc:AlternateContent xmlns:mc="http://schemas.openxmlformats.org/markup-compatibility/2006" xmlns:a14="http://schemas.microsoft.com/office/drawing/2010/main">
+        <mc:Choice Requires="a14">
           <p:sp>
             <p:nvSpPr>
               <p:cNvPr id="9" name="TextBox 8"/>
@@ -5226,6 +5234,7 @@
               </a:bodyPr>
               <a:lstStyle/>
               <a:p>
+                <a:pPr/>
                 <a14:m>
                   <m:oMathPara xmlns:m="http://schemas.openxmlformats.org/officeDocument/2006/math">
                     <m:oMathParaPr>
@@ -5242,7 +5251,7 @@
                         <m:sSubPr>
                           <m:ctrlPr>
                             <a:rPr lang="en-US" sz="2400" b="0" i="1" smtClean="0">
-                              <a:latin typeface="Cambria Math" charset="0"/>
+                              <a:latin typeface="Cambria Math" panose="02040503050406030204" pitchFamily="18" charset="0"/>
                             </a:rPr>
                           </m:ctrlPr>
                         </m:sSubPr>
@@ -5273,7 +5282,7 @@
                         <m:sSubPr>
                           <m:ctrlPr>
                             <a:rPr lang="en-US" sz="2400" b="0" i="1" smtClean="0">
-                              <a:latin typeface="Cambria Math" charset="0"/>
+                              <a:latin typeface="Cambria Math" panose="02040503050406030204" pitchFamily="18" charset="0"/>
                             </a:rPr>
                           </m:ctrlPr>
                         </m:sSubPr>
@@ -5304,7 +5313,7 @@
                         <m:sSubPr>
                           <m:ctrlPr>
                             <a:rPr lang="en-US" sz="2400" b="0" i="1" smtClean="0">
-                              <a:latin typeface="Cambria Math" charset="0"/>
+                              <a:latin typeface="Cambria Math" panose="02040503050406030204" pitchFamily="18" charset="0"/>
                             </a:rPr>
                           </m:ctrlPr>
                         </m:sSubPr>
@@ -5339,7 +5348,7 @@
             </p:txBody>
           </p:sp>
         </mc:Choice>
-        <mc:Fallback>
+        <mc:Fallback xmlns="">
           <p:sp>
             <p:nvSpPr>
               <p:cNvPr id="9" name="TextBox 8"/>
@@ -5441,22 +5450,21 @@
           <a:lstStyle/>
           <a:p>
             <a:r>
-              <a:rPr lang="en-US" dirty="0" smtClean="0"/>
+              <a:rPr lang="en-US" dirty="0"/>
               <a:t>Translation</a:t>
             </a:r>
           </a:p>
           <a:p>
             <a:r>
-              <a:rPr lang="en-US" dirty="0" smtClean="0"/>
+              <a:rPr lang="en-US" dirty="0"/>
               <a:t>Rotation</a:t>
             </a:r>
           </a:p>
           <a:p>
             <a:r>
-              <a:rPr lang="en-US" dirty="0" smtClean="0"/>
+              <a:rPr lang="en-US" dirty="0"/>
               <a:t>Reflection</a:t>
             </a:r>
-            <a:endParaRPr lang="en-US" dirty="0"/>
           </a:p>
         </p:txBody>
       </p:sp>
@@ -5483,11 +5491,11 @@
           <a:lstStyle/>
           <a:p>
             <a:r>
-              <a:rPr lang="en-US" sz="2400" b="1" dirty="0" smtClean="0"/>
+              <a:rPr lang="en-US" sz="2400" b="1" dirty="0"/>
               <a:t>Simple solution:  </a:t>
             </a:r>
             <a:r>
-              <a:rPr lang="en-US" sz="2400" dirty="0" smtClean="0"/>
+              <a:rPr lang="en-US" sz="2400" dirty="0"/>
               <a:t>use interatomic distances</a:t>
             </a:r>
             <a:endParaRPr lang="en-US" sz="2400" b="1" dirty="0"/>
@@ -5517,19 +5525,19 @@
           <a:lstStyle/>
           <a:p>
             <a:r>
-              <a:rPr lang="en-US" sz="2400" dirty="0" smtClean="0"/>
+              <a:rPr lang="en-US" sz="2400" dirty="0"/>
               <a:t>Example 1 </a:t>
             </a:r>
             <a:r>
-              <a:rPr lang="mr-IN" sz="2400" dirty="0" smtClean="0"/>
+              <a:rPr lang="mr-IN" sz="2400" dirty="0"/>
               <a:t>–</a:t>
             </a:r>
             <a:r>
-              <a:rPr lang="en-US" sz="2400" dirty="0" smtClean="0"/>
+              <a:rPr lang="en-US" sz="2400" dirty="0"/>
               <a:t> </a:t>
             </a:r>
             <a:r>
-              <a:rPr lang="en-US" sz="2400" b="1" i="1" dirty="0" smtClean="0"/>
+              <a:rPr lang="en-US" sz="2400" b="1" i="1" dirty="0"/>
               <a:t>Bag of bonds</a:t>
             </a:r>
             <a:endParaRPr lang="en-US" sz="2400" dirty="0"/>
@@ -5576,8 +5584,8 @@
           </a:p>
         </p:txBody>
       </p:sp>
-      <mc:AlternateContent xmlns:mc="http://schemas.openxmlformats.org/markup-compatibility/2006">
-        <mc:Choice xmlns:a14="http://schemas.microsoft.com/office/drawing/2010/main" Requires="a14">
+      <mc:AlternateContent xmlns:mc="http://schemas.openxmlformats.org/markup-compatibility/2006" xmlns:a14="http://schemas.microsoft.com/office/drawing/2010/main">
+        <mc:Choice Requires="a14">
           <p:sp>
             <p:nvSpPr>
               <p:cNvPr id="19" name="TextBox 18"/>
@@ -5600,6 +5608,7 @@
               </a:bodyPr>
               <a:lstStyle/>
               <a:p>
+                <a:pPr/>
                 <a14:m>
                   <m:oMathPara xmlns:m="http://schemas.openxmlformats.org/officeDocument/2006/math">
                     <m:oMathParaPr>
@@ -5610,7 +5619,7 @@
                         <m:dPr>
                           <m:ctrlPr>
                             <a:rPr lang="mr-IN" sz="2400" i="1" smtClean="0">
-                              <a:latin typeface="Cambria Math" charset="0"/>
+                              <a:latin typeface="Cambria Math" panose="02040503050406030204" pitchFamily="18" charset="0"/>
                             </a:rPr>
                           </m:ctrlPr>
                         </m:dPr>
@@ -5627,7 +5636,7 @@
                               </m:mcs>
                               <m:ctrlPr>
                                 <a:rPr lang="mr-IN" sz="2400" i="1" smtClean="0">
-                                  <a:latin typeface="Cambria Math" charset="0"/>
+                                  <a:latin typeface="Cambria Math" panose="02040503050406030204" pitchFamily="18" charset="0"/>
                                 </a:rPr>
                               </m:ctrlPr>
                             </m:mPr>
@@ -5643,7 +5652,7 @@
                                   <m:sSubPr>
                                     <m:ctrlPr>
                                       <a:rPr lang="en-US" sz="2400" b="0" i="1" smtClean="0">
-                                        <a:latin typeface="Cambria Math" charset="0"/>
+                                        <a:latin typeface="Cambria Math" panose="02040503050406030204" pitchFamily="18" charset="0"/>
                                       </a:rPr>
                                     </m:ctrlPr>
                                   </m:sSubPr>
@@ -5678,7 +5687,7 @@
                                   <m:sSubPr>
                                     <m:ctrlPr>
                                       <a:rPr lang="en-US" sz="2400" b="0" i="1" smtClean="0">
-                                        <a:latin typeface="Cambria Math" charset="0"/>
+                                        <a:latin typeface="Cambria Math" panose="02040503050406030204" pitchFamily="18" charset="0"/>
                                       </a:rPr>
                                     </m:ctrlPr>
                                   </m:sSubPr>
@@ -5713,7 +5722,7 @@
                                   <m:sSubPr>
                                     <m:ctrlPr>
                                       <a:rPr lang="en-US" sz="2400" b="0" i="1" smtClean="0">
-                                        <a:latin typeface="Cambria Math" charset="0"/>
+                                        <a:latin typeface="Cambria Math" panose="02040503050406030204" pitchFamily="18" charset="0"/>
                                       </a:rPr>
                                     </m:ctrlPr>
                                   </m:sSubPr>
@@ -5747,7 +5756,7 @@
             </p:txBody>
           </p:sp>
         </mc:Choice>
-        <mc:Fallback>
+        <mc:Fallback xmlns="">
           <p:sp>
             <p:nvSpPr>
               <p:cNvPr id="19" name="TextBox 18"/>
@@ -5849,14 +5858,14 @@
           <a:lstStyle/>
           <a:p>
             <a:r>
-              <a:rPr lang="en-US" sz="2400" b="1" dirty="0" smtClean="0"/>
+              <a:rPr lang="en-US" sz="2400" b="1" dirty="0"/>
               <a:t>Sort</a:t>
             </a:r>
           </a:p>
         </p:txBody>
       </p:sp>
-      <mc:AlternateContent xmlns:mc="http://schemas.openxmlformats.org/markup-compatibility/2006">
-        <mc:Choice xmlns:a14="http://schemas.microsoft.com/office/drawing/2010/main" Requires="a14">
+      <mc:AlternateContent xmlns:mc="http://schemas.openxmlformats.org/markup-compatibility/2006" xmlns:a14="http://schemas.microsoft.com/office/drawing/2010/main">
+        <mc:Choice Requires="a14">
           <p:sp>
             <p:nvSpPr>
               <p:cNvPr id="22" name="Rectangle 21"/>
@@ -5878,6 +5887,7 @@
               </a:bodyPr>
               <a:lstStyle/>
               <a:p>
+                <a:pPr/>
                 <a14:m>
                   <m:oMathPara xmlns:m="http://schemas.openxmlformats.org/officeDocument/2006/math">
                     <m:oMathParaPr>
@@ -5888,7 +5898,7 @@
                         <m:dPr>
                           <m:ctrlPr>
                             <a:rPr lang="mr-IN" sz="2400" i="1" smtClean="0">
-                              <a:latin typeface="Cambria Math" charset="0"/>
+                              <a:latin typeface="Cambria Math" panose="02040503050406030204" pitchFamily="18" charset="0"/>
                             </a:rPr>
                           </m:ctrlPr>
                         </m:dPr>
@@ -5905,7 +5915,7 @@
                               </m:mcs>
                               <m:ctrlPr>
                                 <a:rPr lang="mr-IN" sz="2400" i="1">
-                                  <a:latin typeface="Cambria Math" charset="0"/>
+                                  <a:latin typeface="Cambria Math" panose="02040503050406030204" pitchFamily="18" charset="0"/>
                                 </a:rPr>
                               </m:ctrlPr>
                             </m:mPr>
@@ -5921,7 +5931,7 @@
                                   <m:sSubPr>
                                     <m:ctrlPr>
                                       <a:rPr lang="en-US" sz="2400" i="1">
-                                        <a:latin typeface="Cambria Math" charset="0"/>
+                                        <a:latin typeface="Cambria Math" panose="02040503050406030204" pitchFamily="18" charset="0"/>
                                       </a:rPr>
                                     </m:ctrlPr>
                                   </m:sSubPr>
@@ -5962,7 +5972,7 @@
                                   <m:sSubPr>
                                     <m:ctrlPr>
                                       <a:rPr lang="en-US" sz="2400" i="1">
-                                        <a:latin typeface="Cambria Math" charset="0"/>
+                                        <a:latin typeface="Cambria Math" panose="02040503050406030204" pitchFamily="18" charset="0"/>
                                       </a:rPr>
                                     </m:ctrlPr>
                                   </m:sSubPr>
@@ -6003,7 +6013,7 @@
                                   <m:sSubPr>
                                     <m:ctrlPr>
                                       <a:rPr lang="en-US" sz="2400" i="1">
-                                        <a:latin typeface="Cambria Math" charset="0"/>
+                                        <a:latin typeface="Cambria Math" panose="02040503050406030204" pitchFamily="18" charset="0"/>
                                       </a:rPr>
                                     </m:ctrlPr>
                                   </m:sSubPr>
@@ -6037,7 +6047,7 @@
             </p:txBody>
           </p:sp>
         </mc:Choice>
-        <mc:Fallback>
+        <mc:Fallback xmlns="">
           <p:sp>
             <p:nvSpPr>
               <p:cNvPr id="22" name="Rectangle 21"/>
@@ -6163,10 +6173,9 @@
           <a:lstStyle/>
           <a:p>
             <a:r>
-              <a:rPr lang="en-US" sz="2400" b="1" dirty="0" smtClean="0"/>
+              <a:rPr lang="en-US" sz="2400" b="1" dirty="0"/>
               <a:t>List</a:t>
             </a:r>
-            <a:endParaRPr lang="en-US" sz="2400" b="1" dirty="0"/>
           </a:p>
         </p:txBody>
       </p:sp>
@@ -6216,10 +6225,9 @@
           <a:lstStyle/>
           <a:p>
             <a:r>
-              <a:rPr lang="en-US" dirty="0" smtClean="0"/>
+              <a:rPr lang="en-US" dirty="0"/>
               <a:t>Features</a:t>
             </a:r>
-            <a:endParaRPr lang="en-US" dirty="0"/>
           </a:p>
         </p:txBody>
       </p:sp>
@@ -6246,10 +6254,9 @@
           <a:lstStyle/>
           <a:p>
             <a:r>
-              <a:rPr lang="en-US" sz="2400" dirty="0" smtClean="0"/>
+              <a:rPr lang="en-US" sz="2400" dirty="0"/>
               <a:t>= Invariant descriptions</a:t>
             </a:r>
-            <a:endParaRPr lang="en-US" sz="2400" dirty="0"/>
           </a:p>
         </p:txBody>
       </p:sp>
@@ -6283,8 +6290,8 @@
           </a:prstGeom>
         </p:spPr>
       </p:pic>
-      <mc:AlternateContent xmlns:mc="http://schemas.openxmlformats.org/markup-compatibility/2006">
-        <mc:Choice xmlns:a14="http://schemas.microsoft.com/office/drawing/2010/main" Requires="a14">
+      <mc:AlternateContent xmlns:mc="http://schemas.openxmlformats.org/markup-compatibility/2006" xmlns:a14="http://schemas.microsoft.com/office/drawing/2010/main">
+        <mc:Choice Requires="a14">
           <p:sp>
             <p:nvSpPr>
               <p:cNvPr id="8" name="TextBox 7"/>
@@ -6307,6 +6314,7 @@
               </a:bodyPr>
               <a:lstStyle/>
               <a:p>
+                <a:pPr/>
                 <a14:m>
                   <m:oMathPara xmlns:m="http://schemas.openxmlformats.org/officeDocument/2006/math">
                     <m:oMathParaPr>
@@ -6323,7 +6331,7 @@
                         <m:sSubPr>
                           <m:ctrlPr>
                             <a:rPr lang="en-US" sz="2400" b="0" i="1" smtClean="0">
-                              <a:latin typeface="Cambria Math" charset="0"/>
+                              <a:latin typeface="Cambria Math" panose="02040503050406030204" pitchFamily="18" charset="0"/>
                             </a:rPr>
                           </m:ctrlPr>
                         </m:sSubPr>
@@ -6354,7 +6362,7 @@
                         <m:sSubPr>
                           <m:ctrlPr>
                             <a:rPr lang="en-US" sz="2400" b="0" i="1" smtClean="0">
-                              <a:latin typeface="Cambria Math" charset="0"/>
+                              <a:latin typeface="Cambria Math" panose="02040503050406030204" pitchFamily="18" charset="0"/>
                             </a:rPr>
                           </m:ctrlPr>
                         </m:sSubPr>
@@ -6385,7 +6393,7 @@
                         <m:sSubPr>
                           <m:ctrlPr>
                             <a:rPr lang="en-US" sz="2400" b="0" i="1" smtClean="0">
-                              <a:latin typeface="Cambria Math" charset="0"/>
+                              <a:latin typeface="Cambria Math" panose="02040503050406030204" pitchFamily="18" charset="0"/>
                             </a:rPr>
                           </m:ctrlPr>
                         </m:sSubPr>
@@ -6416,7 +6424,7 @@
                         <m:sSubPr>
                           <m:ctrlPr>
                             <a:rPr lang="en-US" sz="2400" b="0" i="1" smtClean="0">
-                              <a:latin typeface="Cambria Math" charset="0"/>
+                              <a:latin typeface="Cambria Math" panose="02040503050406030204" pitchFamily="18" charset="0"/>
                             </a:rPr>
                           </m:ctrlPr>
                         </m:sSubPr>
@@ -6447,7 +6455,7 @@
                         <m:sSubPr>
                           <m:ctrlPr>
                             <a:rPr lang="en-US" sz="2400" b="0" i="1" smtClean="0">
-                              <a:latin typeface="Cambria Math" charset="0"/>
+                              <a:latin typeface="Cambria Math" panose="02040503050406030204" pitchFamily="18" charset="0"/>
                             </a:rPr>
                           </m:ctrlPr>
                         </m:sSubPr>
@@ -6478,7 +6486,7 @@
                         <m:sSubPr>
                           <m:ctrlPr>
                             <a:rPr lang="en-US" sz="2400" b="0" i="1" smtClean="0">
-                              <a:latin typeface="Cambria Math" charset="0"/>
+                              <a:latin typeface="Cambria Math" panose="02040503050406030204" pitchFamily="18" charset="0"/>
                             </a:rPr>
                           </m:ctrlPr>
                         </m:sSubPr>
@@ -6513,7 +6521,7 @@
             </p:txBody>
           </p:sp>
         </mc:Choice>
-        <mc:Fallback>
+        <mc:Fallback xmlns="">
           <p:sp>
             <p:nvSpPr>
               <p:cNvPr id="8" name="TextBox 7"/>
@@ -6552,8 +6560,8 @@
           </p:sp>
         </mc:Fallback>
       </mc:AlternateContent>
-      <mc:AlternateContent xmlns:mc="http://schemas.openxmlformats.org/markup-compatibility/2006">
-        <mc:Choice xmlns:a14="http://schemas.microsoft.com/office/drawing/2010/main" Requires="a14">
+      <mc:AlternateContent xmlns:mc="http://schemas.openxmlformats.org/markup-compatibility/2006" xmlns:a14="http://schemas.microsoft.com/office/drawing/2010/main">
+        <mc:Choice Requires="a14">
           <p:sp>
             <p:nvSpPr>
               <p:cNvPr id="9" name="TextBox 8"/>
@@ -6576,6 +6584,7 @@
               </a:bodyPr>
               <a:lstStyle/>
               <a:p>
+                <a:pPr/>
                 <a14:m>
                   <m:oMathPara xmlns:m="http://schemas.openxmlformats.org/officeDocument/2006/math">
                     <m:oMathParaPr>
@@ -6592,7 +6601,7 @@
                         <m:sSubPr>
                           <m:ctrlPr>
                             <a:rPr lang="en-US" sz="2400" b="0" i="1" smtClean="0">
-                              <a:latin typeface="Cambria Math" charset="0"/>
+                              <a:latin typeface="Cambria Math" panose="02040503050406030204" pitchFamily="18" charset="0"/>
                             </a:rPr>
                           </m:ctrlPr>
                         </m:sSubPr>
@@ -6623,7 +6632,7 @@
                         <m:sSubPr>
                           <m:ctrlPr>
                             <a:rPr lang="en-US" sz="2400" b="0" i="1" smtClean="0">
-                              <a:latin typeface="Cambria Math" charset="0"/>
+                              <a:latin typeface="Cambria Math" panose="02040503050406030204" pitchFamily="18" charset="0"/>
                             </a:rPr>
                           </m:ctrlPr>
                         </m:sSubPr>
@@ -6654,7 +6663,7 @@
                         <m:sSubPr>
                           <m:ctrlPr>
                             <a:rPr lang="en-US" sz="2400" b="0" i="1" smtClean="0">
-                              <a:latin typeface="Cambria Math" charset="0"/>
+                              <a:latin typeface="Cambria Math" panose="02040503050406030204" pitchFamily="18" charset="0"/>
                             </a:rPr>
                           </m:ctrlPr>
                         </m:sSubPr>
@@ -6689,7 +6698,7 @@
             </p:txBody>
           </p:sp>
         </mc:Choice>
-        <mc:Fallback>
+        <mc:Fallback xmlns="">
           <p:sp>
             <p:nvSpPr>
               <p:cNvPr id="9" name="TextBox 8"/>
@@ -6791,22 +6800,21 @@
           <a:lstStyle/>
           <a:p>
             <a:r>
-              <a:rPr lang="en-US" dirty="0" smtClean="0"/>
+              <a:rPr lang="en-US" dirty="0"/>
               <a:t>Translation</a:t>
             </a:r>
           </a:p>
           <a:p>
             <a:r>
-              <a:rPr lang="en-US" dirty="0" smtClean="0"/>
+              <a:rPr lang="en-US" dirty="0"/>
               <a:t>Rotation</a:t>
             </a:r>
           </a:p>
           <a:p>
             <a:r>
-              <a:rPr lang="en-US" dirty="0" smtClean="0"/>
+              <a:rPr lang="en-US" dirty="0"/>
               <a:t>Reflection</a:t>
             </a:r>
-            <a:endParaRPr lang="en-US" dirty="0"/>
           </a:p>
         </p:txBody>
       </p:sp>
@@ -6833,11 +6841,11 @@
           <a:lstStyle/>
           <a:p>
             <a:r>
-              <a:rPr lang="en-US" sz="2400" b="1" dirty="0" smtClean="0"/>
+              <a:rPr lang="en-US" sz="2400" b="1" dirty="0"/>
               <a:t>Simple solution:  </a:t>
             </a:r>
             <a:r>
-              <a:rPr lang="en-US" sz="2400" dirty="0" smtClean="0"/>
+              <a:rPr lang="en-US" sz="2400" dirty="0"/>
               <a:t>use interatomic distances</a:t>
             </a:r>
             <a:endParaRPr lang="en-US" sz="2400" b="1" dirty="0"/>
@@ -6867,19 +6875,19 @@
           <a:lstStyle/>
           <a:p>
             <a:r>
-              <a:rPr lang="en-US" sz="2400" dirty="0" smtClean="0"/>
+              <a:rPr lang="en-US" sz="2400" dirty="0"/>
               <a:t>Example 1 </a:t>
             </a:r>
             <a:r>
-              <a:rPr lang="mr-IN" sz="2400" dirty="0" smtClean="0"/>
+              <a:rPr lang="mr-IN" sz="2400" dirty="0"/>
               <a:t>–</a:t>
             </a:r>
             <a:r>
-              <a:rPr lang="en-US" sz="2400" dirty="0" smtClean="0"/>
+              <a:rPr lang="en-US" sz="2400" dirty="0"/>
               <a:t> </a:t>
             </a:r>
             <a:r>
-              <a:rPr lang="en-US" sz="2400" b="1" i="1" dirty="0" smtClean="0"/>
+              <a:rPr lang="en-US" sz="2400" b="1" i="1" dirty="0"/>
               <a:t>Bag of bonds</a:t>
             </a:r>
             <a:endParaRPr lang="en-US" sz="2400" dirty="0"/>
@@ -6926,8 +6934,8 @@
           </a:p>
         </p:txBody>
       </p:sp>
-      <mc:AlternateContent xmlns:mc="http://schemas.openxmlformats.org/markup-compatibility/2006">
-        <mc:Choice xmlns:a14="http://schemas.microsoft.com/office/drawing/2010/main" Requires="a14">
+      <mc:AlternateContent xmlns:mc="http://schemas.openxmlformats.org/markup-compatibility/2006" xmlns:a14="http://schemas.microsoft.com/office/drawing/2010/main">
+        <mc:Choice Requires="a14">
           <p:sp>
             <p:nvSpPr>
               <p:cNvPr id="19" name="TextBox 18"/>
@@ -6950,6 +6958,7 @@
               </a:bodyPr>
               <a:lstStyle/>
               <a:p>
+                <a:pPr/>
                 <a14:m>
                   <m:oMathPara xmlns:m="http://schemas.openxmlformats.org/officeDocument/2006/math">
                     <m:oMathParaPr>
@@ -6960,7 +6969,7 @@
                         <m:dPr>
                           <m:ctrlPr>
                             <a:rPr lang="mr-IN" sz="2400" i="1" smtClean="0">
-                              <a:latin typeface="Cambria Math" charset="0"/>
+                              <a:latin typeface="Cambria Math" panose="02040503050406030204" pitchFamily="18" charset="0"/>
                             </a:rPr>
                           </m:ctrlPr>
                         </m:dPr>
@@ -6977,7 +6986,7 @@
                               </m:mcs>
                               <m:ctrlPr>
                                 <a:rPr lang="mr-IN" sz="2400" i="1" smtClean="0">
-                                  <a:latin typeface="Cambria Math" charset="0"/>
+                                  <a:latin typeface="Cambria Math" panose="02040503050406030204" pitchFamily="18" charset="0"/>
                                 </a:rPr>
                               </m:ctrlPr>
                             </m:mPr>
@@ -6993,7 +7002,7 @@
                                   <m:sSubPr>
                                     <m:ctrlPr>
                                       <a:rPr lang="en-US" sz="2400" b="0" i="1" smtClean="0">
-                                        <a:latin typeface="Cambria Math" charset="0"/>
+                                        <a:latin typeface="Cambria Math" panose="02040503050406030204" pitchFamily="18" charset="0"/>
                                       </a:rPr>
                                     </m:ctrlPr>
                                   </m:sSubPr>
@@ -7028,7 +7037,7 @@
                                   <m:sSubPr>
                                     <m:ctrlPr>
                                       <a:rPr lang="en-US" sz="2400" b="0" i="1" smtClean="0">
-                                        <a:latin typeface="Cambria Math" charset="0"/>
+                                        <a:latin typeface="Cambria Math" panose="02040503050406030204" pitchFamily="18" charset="0"/>
                                       </a:rPr>
                                     </m:ctrlPr>
                                   </m:sSubPr>
@@ -7063,7 +7072,7 @@
                                   <m:sSubPr>
                                     <m:ctrlPr>
                                       <a:rPr lang="en-US" sz="2400" b="0" i="1" smtClean="0">
-                                        <a:latin typeface="Cambria Math" charset="0"/>
+                                        <a:latin typeface="Cambria Math" panose="02040503050406030204" pitchFamily="18" charset="0"/>
                                       </a:rPr>
                                     </m:ctrlPr>
                                   </m:sSubPr>
@@ -7097,7 +7106,7 @@
             </p:txBody>
           </p:sp>
         </mc:Choice>
-        <mc:Fallback>
+        <mc:Fallback xmlns="">
           <p:sp>
             <p:nvSpPr>
               <p:cNvPr id="19" name="TextBox 18"/>
@@ -7199,14 +7208,14 @@
           <a:lstStyle/>
           <a:p>
             <a:r>
-              <a:rPr lang="en-US" sz="2400" b="1" dirty="0" smtClean="0"/>
+              <a:rPr lang="en-US" sz="2400" b="1" dirty="0"/>
               <a:t>Sort</a:t>
             </a:r>
           </a:p>
         </p:txBody>
       </p:sp>
-      <mc:AlternateContent xmlns:mc="http://schemas.openxmlformats.org/markup-compatibility/2006">
-        <mc:Choice xmlns:a14="http://schemas.microsoft.com/office/drawing/2010/main" Requires="a14">
+      <mc:AlternateContent xmlns:mc="http://schemas.openxmlformats.org/markup-compatibility/2006" xmlns:a14="http://schemas.microsoft.com/office/drawing/2010/main">
+        <mc:Choice Requires="a14">
           <p:sp>
             <p:nvSpPr>
               <p:cNvPr id="22" name="Rectangle 21"/>
@@ -7228,6 +7237,7 @@
               </a:bodyPr>
               <a:lstStyle/>
               <a:p>
+                <a:pPr/>
                 <a14:m>
                   <m:oMathPara xmlns:m="http://schemas.openxmlformats.org/officeDocument/2006/math">
                     <m:oMathParaPr>
@@ -7238,7 +7248,7 @@
                         <m:dPr>
                           <m:ctrlPr>
                             <a:rPr lang="mr-IN" sz="2400" i="1" smtClean="0">
-                              <a:latin typeface="Cambria Math" charset="0"/>
+                              <a:latin typeface="Cambria Math" panose="02040503050406030204" pitchFamily="18" charset="0"/>
                             </a:rPr>
                           </m:ctrlPr>
                         </m:dPr>
@@ -7255,7 +7265,7 @@
                               </m:mcs>
                               <m:ctrlPr>
                                 <a:rPr lang="mr-IN" sz="2400" i="1">
-                                  <a:latin typeface="Cambria Math" charset="0"/>
+                                  <a:latin typeface="Cambria Math" panose="02040503050406030204" pitchFamily="18" charset="0"/>
                                 </a:rPr>
                               </m:ctrlPr>
                             </m:mPr>
@@ -7271,7 +7281,7 @@
                                   <m:sSubPr>
                                     <m:ctrlPr>
                                       <a:rPr lang="en-US" sz="2400" i="1">
-                                        <a:latin typeface="Cambria Math" charset="0"/>
+                                        <a:latin typeface="Cambria Math" panose="02040503050406030204" pitchFamily="18" charset="0"/>
                                       </a:rPr>
                                     </m:ctrlPr>
                                   </m:sSubPr>
@@ -7312,7 +7322,7 @@
                                   <m:sSubPr>
                                     <m:ctrlPr>
                                       <a:rPr lang="en-US" sz="2400" i="1">
-                                        <a:latin typeface="Cambria Math" charset="0"/>
+                                        <a:latin typeface="Cambria Math" panose="02040503050406030204" pitchFamily="18" charset="0"/>
                                       </a:rPr>
                                     </m:ctrlPr>
                                   </m:sSubPr>
@@ -7353,7 +7363,7 @@
                                   <m:sSubPr>
                                     <m:ctrlPr>
                                       <a:rPr lang="en-US" sz="2400" i="1">
-                                        <a:latin typeface="Cambria Math" charset="0"/>
+                                        <a:latin typeface="Cambria Math" panose="02040503050406030204" pitchFamily="18" charset="0"/>
                                       </a:rPr>
                                     </m:ctrlPr>
                                   </m:sSubPr>
@@ -7387,7 +7397,7 @@
             </p:txBody>
           </p:sp>
         </mc:Choice>
-        <mc:Fallback>
+        <mc:Fallback xmlns="">
           <p:sp>
             <p:nvSpPr>
               <p:cNvPr id="22" name="Rectangle 21"/>
@@ -7513,10 +7523,9 @@
           <a:lstStyle/>
           <a:p>
             <a:r>
-              <a:rPr lang="en-US" smtClean="0"/>
+              <a:rPr lang="en-US"/>
               <a:t>Permutation</a:t>
             </a:r>
-            <a:endParaRPr lang="en-US"/>
           </a:p>
         </p:txBody>
       </p:sp>
@@ -7573,10 +7582,9 @@
           <a:lstStyle/>
           <a:p>
             <a:r>
-              <a:rPr lang="en-US" sz="2400" b="1" dirty="0" smtClean="0"/>
+              <a:rPr lang="en-US" sz="2400" b="1" dirty="0"/>
               <a:t>List</a:t>
             </a:r>
-            <a:endParaRPr lang="en-US" sz="2400" b="1" dirty="0"/>
           </a:p>
         </p:txBody>
       </p:sp>
@@ -7626,13 +7634,496 @@
           <a:lstStyle/>
           <a:p>
             <a:r>
-              <a:rPr lang="en-US" dirty="0" smtClean="0"/>
+              <a:rPr lang="en-US" dirty="0"/>
               <a:t>Features</a:t>
             </a:r>
-            <a:endParaRPr lang="en-US" dirty="0"/>
           </a:p>
         </p:txBody>
       </p:sp>
+      <p:sp>
+        <p:nvSpPr>
+          <p:cNvPr id="7" name="Rectangle 6">
+            <a:extLst>
+              <a:ext uri="{FF2B5EF4-FFF2-40B4-BE49-F238E27FC236}">
+                <a16:creationId xmlns:a16="http://schemas.microsoft.com/office/drawing/2014/main" id="{934568A6-9E16-1747-BBDA-DDABE1317ABF}"/>
+              </a:ext>
+            </a:extLst>
+          </p:cNvPr>
+          <p:cNvSpPr/>
+          <p:nvPr/>
+        </p:nvSpPr>
+        <p:spPr>
+          <a:xfrm>
+            <a:off x="838200" y="1690688"/>
+            <a:ext cx="4186724" cy="461665"/>
+          </a:xfrm>
+          <a:prstGeom prst="rect">
+            <a:avLst/>
+          </a:prstGeom>
+        </p:spPr>
+        <p:txBody>
+          <a:bodyPr wrap="none">
+            <a:spAutoFit/>
+          </a:bodyPr>
+          <a:lstStyle/>
+          <a:p>
+            <a:r>
+              <a:rPr lang="en-US" sz="2400" dirty="0"/>
+              <a:t>Example 1 </a:t>
+            </a:r>
+            <a:r>
+              <a:rPr lang="mr-IN" sz="2400" dirty="0"/>
+              <a:t>–</a:t>
+            </a:r>
+            <a:r>
+              <a:rPr lang="en-US" sz="2400" dirty="0"/>
+              <a:t> </a:t>
+            </a:r>
+            <a:r>
+              <a:rPr lang="en-US" sz="2400" b="1" i="1" dirty="0" err="1"/>
+              <a:t>Organov</a:t>
+            </a:r>
+            <a:r>
+              <a:rPr lang="en-US" sz="2400" b="1" i="1" dirty="0"/>
+              <a:t> and Valle</a:t>
+            </a:r>
+            <a:endParaRPr lang="en-US" sz="2400" dirty="0"/>
+          </a:p>
+        </p:txBody>
+      </p:sp>
+      <mc:AlternateContent xmlns:mc="http://schemas.openxmlformats.org/markup-compatibility/2006">
+        <mc:Choice xmlns:a14="http://schemas.microsoft.com/office/drawing/2010/main" Requires="a14">
+          <p:sp>
+            <p:nvSpPr>
+              <p:cNvPr id="8" name="Rectangle 7">
+                <a:extLst>
+                  <a:ext uri="{FF2B5EF4-FFF2-40B4-BE49-F238E27FC236}">
+                    <a16:creationId xmlns:a16="http://schemas.microsoft.com/office/drawing/2014/main" id="{414104F3-916E-8442-8B11-CE399A765C44}"/>
+                  </a:ext>
+                </a:extLst>
+              </p:cNvPr>
+              <p:cNvSpPr/>
+              <p:nvPr/>
+            </p:nvSpPr>
+            <p:spPr>
+              <a:xfrm>
+                <a:off x="838200" y="2265532"/>
+                <a:ext cx="4769062" cy="1501437"/>
+              </a:xfrm>
+              <a:prstGeom prst="rect">
+                <a:avLst/>
+              </a:prstGeom>
+            </p:spPr>
+            <p:txBody>
+              <a:bodyPr wrap="none">
+                <a:spAutoFit/>
+              </a:bodyPr>
+              <a:lstStyle/>
+              <a:p>
+                <a14:m>
+                  <m:oMathPara xmlns:m="http://schemas.openxmlformats.org/officeDocument/2006/math">
+                    <m:oMathParaPr>
+                      <m:jc m:val="centerGroup"/>
+                    </m:oMathParaPr>
+                    <m:oMath xmlns:m="http://schemas.openxmlformats.org/officeDocument/2006/math">
+                      <m:sSub>
+                        <m:sSubPr>
+                          <m:ctrlPr>
+                            <a:rPr lang="en-US" sz="2400" i="1" smtClean="0">
+                              <a:latin typeface="Cambria Math" panose="02040503050406030204" pitchFamily="18" charset="0"/>
+                            </a:rPr>
+                          </m:ctrlPr>
+                        </m:sSubPr>
+                        <m:e>
+                          <m:r>
+                            <a:rPr lang="en-US" sz="2400" i="1">
+                              <a:latin typeface="Cambria Math" charset="0"/>
+                            </a:rPr>
+                            <m:t>𝐹</m:t>
+                          </m:r>
+                        </m:e>
+                        <m:sub>
+                          <m:r>
+                            <a:rPr lang="en-US" sz="2400" i="1">
+                              <a:latin typeface="Cambria Math" charset="0"/>
+                            </a:rPr>
+                            <m:t>𝐴</m:t>
+                          </m:r>
+                          <m:r>
+                            <a:rPr lang="en-US" sz="2400" i="1">
+                              <a:latin typeface="Cambria Math" charset="0"/>
+                            </a:rPr>
+                            <m:t>,</m:t>
+                          </m:r>
+                          <m:r>
+                            <a:rPr lang="en-US" sz="2400" i="1">
+                              <a:latin typeface="Cambria Math" charset="0"/>
+                            </a:rPr>
+                            <m:t>𝐵</m:t>
+                          </m:r>
+                        </m:sub>
+                      </m:sSub>
+                      <m:d>
+                        <m:dPr>
+                          <m:ctrlPr>
+                            <a:rPr lang="en-US" sz="2400" i="1">
+                              <a:latin typeface="Cambria Math" panose="02040503050406030204" pitchFamily="18" charset="0"/>
+                            </a:rPr>
+                          </m:ctrlPr>
+                        </m:dPr>
+                        <m:e>
+                          <m:r>
+                            <a:rPr lang="en-US" sz="2400" b="0" i="1" smtClean="0">
+                              <a:latin typeface="Cambria Math" panose="02040503050406030204" pitchFamily="18" charset="0"/>
+                            </a:rPr>
+                            <m:t>𝑟</m:t>
+                          </m:r>
+                        </m:e>
+                      </m:d>
+                      <m:r>
+                        <a:rPr lang="en-US" sz="2400" i="1">
+                          <a:latin typeface="Cambria Math" panose="02040503050406030204" pitchFamily="18" charset="0"/>
+                        </a:rPr>
+                        <m:t>  ∝ </m:t>
+                      </m:r>
+                      <m:nary>
+                        <m:naryPr>
+                          <m:chr m:val="∑"/>
+                          <m:supHide m:val="on"/>
+                          <m:ctrlPr>
+                            <a:rPr lang="en-US" sz="2400" i="1">
+                              <a:latin typeface="Cambria Math" panose="02040503050406030204" pitchFamily="18" charset="0"/>
+                            </a:rPr>
+                          </m:ctrlPr>
+                        </m:naryPr>
+                        <m:sub>
+                          <m:sSub>
+                            <m:sSubPr>
+                              <m:ctrlPr>
+                                <a:rPr lang="en-US" sz="2400" i="1">
+                                  <a:latin typeface="Cambria Math" panose="02040503050406030204" pitchFamily="18" charset="0"/>
+                                </a:rPr>
+                              </m:ctrlPr>
+                            </m:sSubPr>
+                            <m:e>
+                              <m:r>
+                                <m:rPr>
+                                  <m:brk m:alnAt="7"/>
+                                </m:rPr>
+                                <a:rPr lang="en-US" sz="2400" i="1">
+                                  <a:latin typeface="Cambria Math" charset="0"/>
+                                </a:rPr>
+                                <m:t>𝐴</m:t>
+                              </m:r>
+                            </m:e>
+                            <m:sub>
+                              <m:r>
+                                <m:rPr>
+                                  <m:brk m:alnAt="7"/>
+                                </m:rPr>
+                                <a:rPr lang="en-US" sz="2400" i="1">
+                                  <a:latin typeface="Cambria Math" charset="0"/>
+                                </a:rPr>
+                                <m:t>𝑖</m:t>
+                              </m:r>
+                            </m:sub>
+                          </m:sSub>
+                          <m:r>
+                            <m:rPr>
+                              <m:brk m:alnAt="7"/>
+                            </m:rPr>
+                            <a:rPr lang="en-US" sz="2400" i="1">
+                              <a:latin typeface="Cambria Math" charset="0"/>
+                            </a:rPr>
+                            <m:t>,</m:t>
+                          </m:r>
+                          <m:sSub>
+                            <m:sSubPr>
+                              <m:ctrlPr>
+                                <a:rPr lang="en-US" sz="2400" i="1">
+                                  <a:latin typeface="Cambria Math" panose="02040503050406030204" pitchFamily="18" charset="0"/>
+                                </a:rPr>
+                              </m:ctrlPr>
+                            </m:sSubPr>
+                            <m:e>
+                              <m:r>
+                                <m:rPr>
+                                  <m:brk m:alnAt="7"/>
+                                </m:rPr>
+                                <a:rPr lang="en-US" sz="2400" i="1">
+                                  <a:latin typeface="Cambria Math" charset="0"/>
+                                </a:rPr>
+                                <m:t>𝐵</m:t>
+                              </m:r>
+                            </m:e>
+                            <m:sub>
+                              <m:r>
+                                <m:rPr>
+                                  <m:brk m:alnAt="7"/>
+                                </m:rPr>
+                                <a:rPr lang="en-US" sz="2400" i="1">
+                                  <a:latin typeface="Cambria Math" charset="0"/>
+                                </a:rPr>
+                                <m:t>𝑖</m:t>
+                              </m:r>
+                            </m:sub>
+                          </m:sSub>
+                        </m:sub>
+                        <m:sup/>
+                        <m:e>
+                          <m:f>
+                            <m:fPr>
+                              <m:ctrlPr>
+                                <a:rPr lang="mr-IN" sz="2400" i="1">
+                                  <a:latin typeface="Cambria Math" panose="02040503050406030204" pitchFamily="18" charset="0"/>
+                                </a:rPr>
+                              </m:ctrlPr>
+                            </m:fPr>
+                            <m:num>
+                              <m:func>
+                                <m:funcPr>
+                                  <m:ctrlPr>
+                                    <a:rPr lang="en-US" sz="2400" i="1">
+                                      <a:latin typeface="Cambria Math" panose="02040503050406030204" pitchFamily="18" charset="0"/>
+                                    </a:rPr>
+                                  </m:ctrlPr>
+                                </m:funcPr>
+                                <m:fName>
+                                  <m:r>
+                                    <m:rPr>
+                                      <m:sty m:val="p"/>
+                                    </m:rPr>
+                                    <a:rPr lang="en-US" sz="2400">
+                                      <a:latin typeface="Cambria Math" panose="02040503050406030204" pitchFamily="18" charset="0"/>
+                                    </a:rPr>
+                                    <m:t>exp</m:t>
+                                  </m:r>
+                                </m:fName>
+                                <m:e>
+                                  <m:d>
+                                    <m:dPr>
+                                      <m:ctrlPr>
+                                        <a:rPr lang="mr-IN" sz="2400" i="1">
+                                          <a:latin typeface="Cambria Math" panose="02040503050406030204" pitchFamily="18" charset="0"/>
+                                        </a:rPr>
+                                      </m:ctrlPr>
+                                    </m:dPr>
+                                    <m:e>
+                                      <m:r>
+                                        <a:rPr lang="en-US" sz="2400" i="1">
+                                          <a:latin typeface="Cambria Math" panose="02040503050406030204" pitchFamily="18" charset="0"/>
+                                        </a:rPr>
+                                        <m:t>−</m:t>
+                                      </m:r>
+                                      <m:f>
+                                        <m:fPr>
+                                          <m:ctrlPr>
+                                            <a:rPr lang="en-US" sz="2400" i="1" smtClean="0">
+                                              <a:latin typeface="Cambria Math" panose="02040503050406030204" pitchFamily="18" charset="0"/>
+                                            </a:rPr>
+                                          </m:ctrlPr>
+                                        </m:fPr>
+                                        <m:num>
+                                          <m:sSup>
+                                            <m:sSupPr>
+                                              <m:ctrlPr>
+                                                <a:rPr lang="en-US" sz="2400" i="1">
+                                                  <a:latin typeface="Cambria Math" panose="02040503050406030204" pitchFamily="18" charset="0"/>
+                                                </a:rPr>
+                                              </m:ctrlPr>
+                                            </m:sSupPr>
+                                            <m:e>
+                                              <m:d>
+                                                <m:dPr>
+                                                  <m:begChr m:val="‖"/>
+                                                  <m:endChr m:val="‖"/>
+                                                  <m:ctrlPr>
+                                                    <a:rPr lang="mr-IN" sz="2400" i="1">
+                                                      <a:latin typeface="Cambria Math" panose="02040503050406030204" pitchFamily="18" charset="0"/>
+                                                    </a:rPr>
+                                                  </m:ctrlPr>
+                                                </m:dPr>
+                                                <m:e>
+                                                  <m:r>
+                                                    <a:rPr lang="en-US" sz="2400" i="1">
+                                                      <a:latin typeface="Cambria Math" panose="02040503050406030204" pitchFamily="18" charset="0"/>
+                                                    </a:rPr>
+                                                    <m:t>𝑟</m:t>
+                                                  </m:r>
+                                                  <m:r>
+                                                    <a:rPr lang="en-US" sz="2400" i="1">
+                                                      <a:latin typeface="Cambria Math" charset="0"/>
+                                                    </a:rPr>
+                                                    <m:t>−</m:t>
+                                                  </m:r>
+                                                  <m:sSub>
+                                                    <m:sSubPr>
+                                                      <m:ctrlPr>
+                                                        <a:rPr lang="en-US" sz="2400" i="1">
+                                                          <a:latin typeface="Cambria Math" panose="02040503050406030204" pitchFamily="18" charset="0"/>
+                                                        </a:rPr>
+                                                      </m:ctrlPr>
+                                                    </m:sSubPr>
+                                                    <m:e>
+                                                      <m:r>
+                                                        <a:rPr lang="en-US" sz="2400" i="1">
+                                                          <a:latin typeface="Cambria Math" panose="02040503050406030204" pitchFamily="18" charset="0"/>
+                                                        </a:rPr>
+                                                        <m:t>𝑟</m:t>
+                                                      </m:r>
+                                                    </m:e>
+                                                    <m:sub>
+                                                      <m:r>
+                                                        <a:rPr lang="en-US" sz="2400" i="1">
+                                                          <a:latin typeface="Cambria Math" charset="0"/>
+                                                        </a:rPr>
+                                                        <m:t>𝑖𝑗</m:t>
+                                                      </m:r>
+                                                    </m:sub>
+                                                  </m:sSub>
+                                                </m:e>
+                                              </m:d>
+                                            </m:e>
+                                            <m:sup>
+                                              <m:r>
+                                                <a:rPr lang="en-US" sz="2400" i="1">
+                                                  <a:latin typeface="Cambria Math" panose="02040503050406030204" pitchFamily="18" charset="0"/>
+                                                </a:rPr>
+                                                <m:t>2</m:t>
+                                              </m:r>
+                                            </m:sup>
+                                          </m:sSup>
+                                        </m:num>
+                                        <m:den>
+                                          <m:r>
+                                            <a:rPr lang="en-US" sz="2400" i="1">
+                                              <a:latin typeface="Cambria Math" panose="02040503050406030204" pitchFamily="18" charset="0"/>
+                                            </a:rPr>
+                                            <m:t>2</m:t>
+                                          </m:r>
+                                          <m:sSup>
+                                            <m:sSupPr>
+                                              <m:ctrlPr>
+                                                <a:rPr lang="en-US" sz="2400" i="1">
+                                                  <a:latin typeface="Cambria Math" panose="02040503050406030204" pitchFamily="18" charset="0"/>
+                                                </a:rPr>
+                                              </m:ctrlPr>
+                                            </m:sSupPr>
+                                            <m:e>
+                                              <m:r>
+                                                <a:rPr lang="en-US" sz="2400" i="1">
+                                                  <a:latin typeface="Cambria Math" panose="02040503050406030204" pitchFamily="18" charset="0"/>
+                                                </a:rPr>
+                                                <m:t>𝑙</m:t>
+                                              </m:r>
+                                            </m:e>
+                                            <m:sup>
+                                              <m:r>
+                                                <a:rPr lang="en-US" sz="2400" i="1">
+                                                  <a:latin typeface="Cambria Math" panose="02040503050406030204" pitchFamily="18" charset="0"/>
+                                                </a:rPr>
+                                                <m:t>2</m:t>
+                                              </m:r>
+                                            </m:sup>
+                                          </m:sSup>
+                                        </m:den>
+                                      </m:f>
+                                    </m:e>
+                                  </m:d>
+                                </m:e>
+                              </m:func>
+                            </m:num>
+                            <m:den>
+                              <m:sSubSup>
+                                <m:sSubSupPr>
+                                  <m:ctrlPr>
+                                    <a:rPr lang="en-US" sz="2400" i="1">
+                                      <a:latin typeface="Cambria Math" panose="02040503050406030204" pitchFamily="18" charset="0"/>
+                                    </a:rPr>
+                                  </m:ctrlPr>
+                                </m:sSubSupPr>
+                                <m:e>
+                                  <m:r>
+                                    <a:rPr lang="en-US" sz="2400" b="0" i="1" smtClean="0">
+                                      <a:latin typeface="Cambria Math" panose="02040503050406030204" pitchFamily="18" charset="0"/>
+                                    </a:rPr>
+                                    <m:t>𝑟</m:t>
+                                  </m:r>
+                                </m:e>
+                                <m:sub>
+                                  <m:r>
+                                    <a:rPr lang="en-US" sz="2400" i="1">
+                                      <a:latin typeface="Cambria Math" charset="0"/>
+                                    </a:rPr>
+                                    <m:t>𝑖𝑗</m:t>
+                                  </m:r>
+                                </m:sub>
+                                <m:sup>
+                                  <m:r>
+                                    <a:rPr lang="en-US" sz="2400" i="1">
+                                      <a:latin typeface="Cambria Math" charset="0"/>
+                                    </a:rPr>
+                                    <m:t>2</m:t>
+                                  </m:r>
+                                </m:sup>
+                              </m:sSubSup>
+                            </m:den>
+                          </m:f>
+                        </m:e>
+                      </m:nary>
+                    </m:oMath>
+                  </m:oMathPara>
+                </a14:m>
+                <a:endParaRPr lang="da-DK" sz="2400" dirty="0"/>
+              </a:p>
+            </p:txBody>
+          </p:sp>
+        </mc:Choice>
+        <mc:Fallback>
+          <p:sp>
+            <p:nvSpPr>
+              <p:cNvPr id="8" name="Rectangle 7">
+                <a:extLst>
+                  <a:ext uri="{FF2B5EF4-FFF2-40B4-BE49-F238E27FC236}">
+                    <a16:creationId xmlns:a16="http://schemas.microsoft.com/office/drawing/2014/main" id="{414104F3-916E-8442-8B11-CE399A765C44}"/>
+                  </a:ext>
+                </a:extLst>
+              </p:cNvPr>
+              <p:cNvSpPr>
+                <a:spLocks noRot="1" noChangeAspect="1" noMove="1" noResize="1" noEditPoints="1" noAdjustHandles="1" noChangeArrowheads="1" noChangeShapeType="1" noTextEdit="1"/>
+              </p:cNvSpPr>
+              <p:nvPr/>
+            </p:nvSpPr>
+            <p:spPr>
+              <a:xfrm>
+                <a:off x="838200" y="2265532"/>
+                <a:ext cx="4769062" cy="1501437"/>
+              </a:xfrm>
+              <a:prstGeom prst="rect">
+                <a:avLst/>
+              </a:prstGeom>
+              <a:blipFill>
+                <a:blip r:embed="rId2"/>
+                <a:stretch>
+                  <a:fillRect t="-55000" b="-114167"/>
+                </a:stretch>
+              </a:blipFill>
+            </p:spPr>
+            <p:txBody>
+              <a:bodyPr/>
+              <a:lstStyle/>
+              <a:p>
+                <a:r>
+                  <a:rPr lang="da-DK">
+                    <a:noFill/>
+                  </a:rPr>
+                  <a:t> </a:t>
+                </a:r>
+              </a:p>
+            </p:txBody>
+          </p:sp>
+        </mc:Fallback>
+      </mc:AlternateContent>
     </p:spTree>
     <p:extLst>
       <p:ext uri="{BB962C8B-B14F-4D97-AF65-F5344CB8AC3E}">
@@ -7665,10 +8156,4320 @@
       </p:grpSpPr>
       <p:sp>
         <p:nvSpPr>
+          <p:cNvPr id="2" name="Title 1"/>
+          <p:cNvSpPr>
+            <a:spLocks noGrp="1"/>
+          </p:cNvSpPr>
+          <p:nvPr>
+            <p:ph type="title"/>
+          </p:nvPr>
+        </p:nvSpPr>
+        <p:spPr/>
+        <p:txBody>
+          <a:bodyPr/>
+          <a:lstStyle/>
+          <a:p>
+            <a:r>
+              <a:rPr lang="en-US" dirty="0"/>
+              <a:t>Features</a:t>
+            </a:r>
+          </a:p>
+        </p:txBody>
+      </p:sp>
+      <p:sp>
+        <p:nvSpPr>
+          <p:cNvPr id="7" name="Rectangle 6">
+            <a:extLst>
+              <a:ext uri="{FF2B5EF4-FFF2-40B4-BE49-F238E27FC236}">
+                <a16:creationId xmlns:a16="http://schemas.microsoft.com/office/drawing/2014/main" id="{934568A6-9E16-1747-BBDA-DDABE1317ABF}"/>
+              </a:ext>
+            </a:extLst>
+          </p:cNvPr>
+          <p:cNvSpPr/>
+          <p:nvPr/>
+        </p:nvSpPr>
+        <p:spPr>
+          <a:xfrm>
+            <a:off x="838200" y="1690688"/>
+            <a:ext cx="4186724" cy="461665"/>
+          </a:xfrm>
+          <a:prstGeom prst="rect">
+            <a:avLst/>
+          </a:prstGeom>
+        </p:spPr>
+        <p:txBody>
+          <a:bodyPr wrap="none">
+            <a:spAutoFit/>
+          </a:bodyPr>
+          <a:lstStyle/>
+          <a:p>
+            <a:r>
+              <a:rPr lang="en-US" sz="2400" dirty="0"/>
+              <a:t>Example 1 </a:t>
+            </a:r>
+            <a:r>
+              <a:rPr lang="mr-IN" sz="2400" dirty="0"/>
+              <a:t>–</a:t>
+            </a:r>
+            <a:r>
+              <a:rPr lang="en-US" sz="2400" dirty="0"/>
+              <a:t> </a:t>
+            </a:r>
+            <a:r>
+              <a:rPr lang="en-US" sz="2400" b="1" i="1" dirty="0" err="1"/>
+              <a:t>Organov</a:t>
+            </a:r>
+            <a:r>
+              <a:rPr lang="en-US" sz="2400" b="1" i="1" dirty="0"/>
+              <a:t> and Valle</a:t>
+            </a:r>
+            <a:endParaRPr lang="en-US" sz="2400" dirty="0"/>
+          </a:p>
+        </p:txBody>
+      </p:sp>
+      <mc:AlternateContent xmlns:mc="http://schemas.openxmlformats.org/markup-compatibility/2006">
+        <mc:Choice xmlns:a14="http://schemas.microsoft.com/office/drawing/2010/main" Requires="a14">
+          <p:sp>
+            <p:nvSpPr>
+              <p:cNvPr id="8" name="Rectangle 7">
+                <a:extLst>
+                  <a:ext uri="{FF2B5EF4-FFF2-40B4-BE49-F238E27FC236}">
+                    <a16:creationId xmlns:a16="http://schemas.microsoft.com/office/drawing/2014/main" id="{414104F3-916E-8442-8B11-CE399A765C44}"/>
+                  </a:ext>
+                </a:extLst>
+              </p:cNvPr>
+              <p:cNvSpPr/>
+              <p:nvPr/>
+            </p:nvSpPr>
+            <p:spPr>
+              <a:xfrm>
+                <a:off x="838200" y="2265532"/>
+                <a:ext cx="4769062" cy="1501437"/>
+              </a:xfrm>
+              <a:prstGeom prst="rect">
+                <a:avLst/>
+              </a:prstGeom>
+            </p:spPr>
+            <p:txBody>
+              <a:bodyPr wrap="none">
+                <a:spAutoFit/>
+              </a:bodyPr>
+              <a:lstStyle/>
+              <a:p>
+                <a14:m>
+                  <m:oMathPara xmlns:m="http://schemas.openxmlformats.org/officeDocument/2006/math">
+                    <m:oMathParaPr>
+                      <m:jc m:val="centerGroup"/>
+                    </m:oMathParaPr>
+                    <m:oMath xmlns:m="http://schemas.openxmlformats.org/officeDocument/2006/math">
+                      <m:sSub>
+                        <m:sSubPr>
+                          <m:ctrlPr>
+                            <a:rPr lang="en-US" sz="2400" i="1" smtClean="0">
+                              <a:latin typeface="Cambria Math" panose="02040503050406030204" pitchFamily="18" charset="0"/>
+                            </a:rPr>
+                          </m:ctrlPr>
+                        </m:sSubPr>
+                        <m:e>
+                          <m:r>
+                            <a:rPr lang="en-US" sz="2400" i="1">
+                              <a:latin typeface="Cambria Math" charset="0"/>
+                            </a:rPr>
+                            <m:t>𝐹</m:t>
+                          </m:r>
+                        </m:e>
+                        <m:sub>
+                          <m:r>
+                            <a:rPr lang="en-US" sz="2400" i="1">
+                              <a:latin typeface="Cambria Math" charset="0"/>
+                            </a:rPr>
+                            <m:t>𝐴</m:t>
+                          </m:r>
+                          <m:r>
+                            <a:rPr lang="en-US" sz="2400" i="1">
+                              <a:latin typeface="Cambria Math" charset="0"/>
+                            </a:rPr>
+                            <m:t>,</m:t>
+                          </m:r>
+                          <m:r>
+                            <a:rPr lang="en-US" sz="2400" i="1">
+                              <a:latin typeface="Cambria Math" charset="0"/>
+                            </a:rPr>
+                            <m:t>𝐵</m:t>
+                          </m:r>
+                        </m:sub>
+                      </m:sSub>
+                      <m:d>
+                        <m:dPr>
+                          <m:ctrlPr>
+                            <a:rPr lang="en-US" sz="2400" i="1">
+                              <a:latin typeface="Cambria Math" panose="02040503050406030204" pitchFamily="18" charset="0"/>
+                            </a:rPr>
+                          </m:ctrlPr>
+                        </m:dPr>
+                        <m:e>
+                          <m:r>
+                            <a:rPr lang="en-US" sz="2400" b="0" i="1" smtClean="0">
+                              <a:latin typeface="Cambria Math" panose="02040503050406030204" pitchFamily="18" charset="0"/>
+                            </a:rPr>
+                            <m:t>𝑟</m:t>
+                          </m:r>
+                        </m:e>
+                      </m:d>
+                      <m:r>
+                        <a:rPr lang="en-US" sz="2400" i="1">
+                          <a:latin typeface="Cambria Math" panose="02040503050406030204" pitchFamily="18" charset="0"/>
+                        </a:rPr>
+                        <m:t>  ∝ </m:t>
+                      </m:r>
+                      <m:nary>
+                        <m:naryPr>
+                          <m:chr m:val="∑"/>
+                          <m:supHide m:val="on"/>
+                          <m:ctrlPr>
+                            <a:rPr lang="en-US" sz="2400" i="1">
+                              <a:latin typeface="Cambria Math" panose="02040503050406030204" pitchFamily="18" charset="0"/>
+                            </a:rPr>
+                          </m:ctrlPr>
+                        </m:naryPr>
+                        <m:sub>
+                          <m:sSub>
+                            <m:sSubPr>
+                              <m:ctrlPr>
+                                <a:rPr lang="en-US" sz="2400" i="1">
+                                  <a:latin typeface="Cambria Math" panose="02040503050406030204" pitchFamily="18" charset="0"/>
+                                </a:rPr>
+                              </m:ctrlPr>
+                            </m:sSubPr>
+                            <m:e>
+                              <m:r>
+                                <m:rPr>
+                                  <m:brk m:alnAt="7"/>
+                                </m:rPr>
+                                <a:rPr lang="en-US" sz="2400" i="1">
+                                  <a:latin typeface="Cambria Math" charset="0"/>
+                                </a:rPr>
+                                <m:t>𝐴</m:t>
+                              </m:r>
+                            </m:e>
+                            <m:sub>
+                              <m:r>
+                                <m:rPr>
+                                  <m:brk m:alnAt="7"/>
+                                </m:rPr>
+                                <a:rPr lang="en-US" sz="2400" i="1">
+                                  <a:latin typeface="Cambria Math" charset="0"/>
+                                </a:rPr>
+                                <m:t>𝑖</m:t>
+                              </m:r>
+                            </m:sub>
+                          </m:sSub>
+                          <m:r>
+                            <m:rPr>
+                              <m:brk m:alnAt="7"/>
+                            </m:rPr>
+                            <a:rPr lang="en-US" sz="2400" i="1">
+                              <a:latin typeface="Cambria Math" charset="0"/>
+                            </a:rPr>
+                            <m:t>,</m:t>
+                          </m:r>
+                          <m:sSub>
+                            <m:sSubPr>
+                              <m:ctrlPr>
+                                <a:rPr lang="en-US" sz="2400" i="1">
+                                  <a:latin typeface="Cambria Math" panose="02040503050406030204" pitchFamily="18" charset="0"/>
+                                </a:rPr>
+                              </m:ctrlPr>
+                            </m:sSubPr>
+                            <m:e>
+                              <m:r>
+                                <m:rPr>
+                                  <m:brk m:alnAt="7"/>
+                                </m:rPr>
+                                <a:rPr lang="en-US" sz="2400" i="1">
+                                  <a:latin typeface="Cambria Math" charset="0"/>
+                                </a:rPr>
+                                <m:t>𝐵</m:t>
+                              </m:r>
+                            </m:e>
+                            <m:sub>
+                              <m:r>
+                                <m:rPr>
+                                  <m:brk m:alnAt="7"/>
+                                </m:rPr>
+                                <a:rPr lang="en-US" sz="2400" i="1">
+                                  <a:latin typeface="Cambria Math" charset="0"/>
+                                </a:rPr>
+                                <m:t>𝑖</m:t>
+                              </m:r>
+                            </m:sub>
+                          </m:sSub>
+                        </m:sub>
+                        <m:sup/>
+                        <m:e>
+                          <m:f>
+                            <m:fPr>
+                              <m:ctrlPr>
+                                <a:rPr lang="mr-IN" sz="2400" i="1">
+                                  <a:latin typeface="Cambria Math" panose="02040503050406030204" pitchFamily="18" charset="0"/>
+                                </a:rPr>
+                              </m:ctrlPr>
+                            </m:fPr>
+                            <m:num>
+                              <m:func>
+                                <m:funcPr>
+                                  <m:ctrlPr>
+                                    <a:rPr lang="en-US" sz="2400" i="1">
+                                      <a:latin typeface="Cambria Math" panose="02040503050406030204" pitchFamily="18" charset="0"/>
+                                    </a:rPr>
+                                  </m:ctrlPr>
+                                </m:funcPr>
+                                <m:fName>
+                                  <m:r>
+                                    <m:rPr>
+                                      <m:sty m:val="p"/>
+                                    </m:rPr>
+                                    <a:rPr lang="en-US" sz="2400">
+                                      <a:latin typeface="Cambria Math" panose="02040503050406030204" pitchFamily="18" charset="0"/>
+                                    </a:rPr>
+                                    <m:t>exp</m:t>
+                                  </m:r>
+                                </m:fName>
+                                <m:e>
+                                  <m:d>
+                                    <m:dPr>
+                                      <m:ctrlPr>
+                                        <a:rPr lang="mr-IN" sz="2400" i="1">
+                                          <a:latin typeface="Cambria Math" panose="02040503050406030204" pitchFamily="18" charset="0"/>
+                                        </a:rPr>
+                                      </m:ctrlPr>
+                                    </m:dPr>
+                                    <m:e>
+                                      <m:r>
+                                        <a:rPr lang="en-US" sz="2400" i="1">
+                                          <a:latin typeface="Cambria Math" panose="02040503050406030204" pitchFamily="18" charset="0"/>
+                                        </a:rPr>
+                                        <m:t>−</m:t>
+                                      </m:r>
+                                      <m:f>
+                                        <m:fPr>
+                                          <m:ctrlPr>
+                                            <a:rPr lang="en-US" sz="2400" i="1" smtClean="0">
+                                              <a:latin typeface="Cambria Math" panose="02040503050406030204" pitchFamily="18" charset="0"/>
+                                            </a:rPr>
+                                          </m:ctrlPr>
+                                        </m:fPr>
+                                        <m:num>
+                                          <m:sSup>
+                                            <m:sSupPr>
+                                              <m:ctrlPr>
+                                                <a:rPr lang="en-US" sz="2400" i="1">
+                                                  <a:latin typeface="Cambria Math" panose="02040503050406030204" pitchFamily="18" charset="0"/>
+                                                </a:rPr>
+                                              </m:ctrlPr>
+                                            </m:sSupPr>
+                                            <m:e>
+                                              <m:d>
+                                                <m:dPr>
+                                                  <m:begChr m:val="‖"/>
+                                                  <m:endChr m:val="‖"/>
+                                                  <m:ctrlPr>
+                                                    <a:rPr lang="mr-IN" sz="2400" i="1">
+                                                      <a:latin typeface="Cambria Math" panose="02040503050406030204" pitchFamily="18" charset="0"/>
+                                                    </a:rPr>
+                                                  </m:ctrlPr>
+                                                </m:dPr>
+                                                <m:e>
+                                                  <m:r>
+                                                    <a:rPr lang="en-US" sz="2400" i="1">
+                                                      <a:latin typeface="Cambria Math" panose="02040503050406030204" pitchFamily="18" charset="0"/>
+                                                    </a:rPr>
+                                                    <m:t>𝑟</m:t>
+                                                  </m:r>
+                                                  <m:r>
+                                                    <a:rPr lang="en-US" sz="2400" i="1">
+                                                      <a:latin typeface="Cambria Math" charset="0"/>
+                                                    </a:rPr>
+                                                    <m:t>−</m:t>
+                                                  </m:r>
+                                                  <m:sSub>
+                                                    <m:sSubPr>
+                                                      <m:ctrlPr>
+                                                        <a:rPr lang="en-US" sz="2400" i="1">
+                                                          <a:latin typeface="Cambria Math" panose="02040503050406030204" pitchFamily="18" charset="0"/>
+                                                        </a:rPr>
+                                                      </m:ctrlPr>
+                                                    </m:sSubPr>
+                                                    <m:e>
+                                                      <m:r>
+                                                        <a:rPr lang="en-US" sz="2400" i="1">
+                                                          <a:latin typeface="Cambria Math" panose="02040503050406030204" pitchFamily="18" charset="0"/>
+                                                        </a:rPr>
+                                                        <m:t>𝑟</m:t>
+                                                      </m:r>
+                                                    </m:e>
+                                                    <m:sub>
+                                                      <m:r>
+                                                        <a:rPr lang="en-US" sz="2400" i="1">
+                                                          <a:latin typeface="Cambria Math" charset="0"/>
+                                                        </a:rPr>
+                                                        <m:t>𝑖𝑗</m:t>
+                                                      </m:r>
+                                                    </m:sub>
+                                                  </m:sSub>
+                                                </m:e>
+                                              </m:d>
+                                            </m:e>
+                                            <m:sup>
+                                              <m:r>
+                                                <a:rPr lang="en-US" sz="2400" i="1">
+                                                  <a:latin typeface="Cambria Math" panose="02040503050406030204" pitchFamily="18" charset="0"/>
+                                                </a:rPr>
+                                                <m:t>2</m:t>
+                                              </m:r>
+                                            </m:sup>
+                                          </m:sSup>
+                                        </m:num>
+                                        <m:den>
+                                          <m:r>
+                                            <a:rPr lang="en-US" sz="2400" i="1">
+                                              <a:latin typeface="Cambria Math" panose="02040503050406030204" pitchFamily="18" charset="0"/>
+                                            </a:rPr>
+                                            <m:t>2</m:t>
+                                          </m:r>
+                                          <m:sSup>
+                                            <m:sSupPr>
+                                              <m:ctrlPr>
+                                                <a:rPr lang="en-US" sz="2400" i="1">
+                                                  <a:latin typeface="Cambria Math" panose="02040503050406030204" pitchFamily="18" charset="0"/>
+                                                </a:rPr>
+                                              </m:ctrlPr>
+                                            </m:sSupPr>
+                                            <m:e>
+                                              <m:r>
+                                                <a:rPr lang="en-US" sz="2400" i="1">
+                                                  <a:latin typeface="Cambria Math" panose="02040503050406030204" pitchFamily="18" charset="0"/>
+                                                </a:rPr>
+                                                <m:t>𝑙</m:t>
+                                              </m:r>
+                                            </m:e>
+                                            <m:sup>
+                                              <m:r>
+                                                <a:rPr lang="en-US" sz="2400" i="1">
+                                                  <a:latin typeface="Cambria Math" panose="02040503050406030204" pitchFamily="18" charset="0"/>
+                                                </a:rPr>
+                                                <m:t>2</m:t>
+                                              </m:r>
+                                            </m:sup>
+                                          </m:sSup>
+                                        </m:den>
+                                      </m:f>
+                                    </m:e>
+                                  </m:d>
+                                </m:e>
+                              </m:func>
+                            </m:num>
+                            <m:den>
+                              <m:sSubSup>
+                                <m:sSubSupPr>
+                                  <m:ctrlPr>
+                                    <a:rPr lang="en-US" sz="2400" i="1">
+                                      <a:latin typeface="Cambria Math" panose="02040503050406030204" pitchFamily="18" charset="0"/>
+                                    </a:rPr>
+                                  </m:ctrlPr>
+                                </m:sSubSupPr>
+                                <m:e>
+                                  <m:r>
+                                    <a:rPr lang="en-US" sz="2400" b="0" i="1" smtClean="0">
+                                      <a:latin typeface="Cambria Math" panose="02040503050406030204" pitchFamily="18" charset="0"/>
+                                    </a:rPr>
+                                    <m:t>𝑟</m:t>
+                                  </m:r>
+                                </m:e>
+                                <m:sub>
+                                  <m:r>
+                                    <a:rPr lang="en-US" sz="2400" i="1">
+                                      <a:latin typeface="Cambria Math" charset="0"/>
+                                    </a:rPr>
+                                    <m:t>𝑖𝑗</m:t>
+                                  </m:r>
+                                </m:sub>
+                                <m:sup>
+                                  <m:r>
+                                    <a:rPr lang="en-US" sz="2400" i="1">
+                                      <a:latin typeface="Cambria Math" charset="0"/>
+                                    </a:rPr>
+                                    <m:t>2</m:t>
+                                  </m:r>
+                                </m:sup>
+                              </m:sSubSup>
+                            </m:den>
+                          </m:f>
+                        </m:e>
+                      </m:nary>
+                    </m:oMath>
+                  </m:oMathPara>
+                </a14:m>
+                <a:endParaRPr lang="da-DK" sz="2400" dirty="0"/>
+              </a:p>
+            </p:txBody>
+          </p:sp>
+        </mc:Choice>
+        <mc:Fallback>
+          <p:sp>
+            <p:nvSpPr>
+              <p:cNvPr id="8" name="Rectangle 7">
+                <a:extLst>
+                  <a:ext uri="{FF2B5EF4-FFF2-40B4-BE49-F238E27FC236}">
+                    <a16:creationId xmlns:a16="http://schemas.microsoft.com/office/drawing/2014/main" id="{414104F3-916E-8442-8B11-CE399A765C44}"/>
+                  </a:ext>
+                </a:extLst>
+              </p:cNvPr>
+              <p:cNvSpPr>
+                <a:spLocks noRot="1" noChangeAspect="1" noMove="1" noResize="1" noEditPoints="1" noAdjustHandles="1" noChangeArrowheads="1" noChangeShapeType="1" noTextEdit="1"/>
+              </p:cNvSpPr>
+              <p:nvPr/>
+            </p:nvSpPr>
+            <p:spPr>
+              <a:xfrm>
+                <a:off x="838200" y="2265532"/>
+                <a:ext cx="4769062" cy="1501437"/>
+              </a:xfrm>
+              <a:prstGeom prst="rect">
+                <a:avLst/>
+              </a:prstGeom>
+              <a:blipFill>
+                <a:blip r:embed="rId2"/>
+                <a:stretch>
+                  <a:fillRect t="-55000" b="-114167"/>
+                </a:stretch>
+              </a:blipFill>
+            </p:spPr>
+            <p:txBody>
+              <a:bodyPr/>
+              <a:lstStyle/>
+              <a:p>
+                <a:r>
+                  <a:rPr lang="da-DK">
+                    <a:noFill/>
+                  </a:rPr>
+                  <a:t> </a:t>
+                </a:r>
+              </a:p>
+            </p:txBody>
+          </p:sp>
+        </mc:Fallback>
+      </mc:AlternateContent>
+      <p:pic>
+        <p:nvPicPr>
+          <p:cNvPr id="9" name="Picture 8">
+            <a:extLst>
+              <a:ext uri="{FF2B5EF4-FFF2-40B4-BE49-F238E27FC236}">
+                <a16:creationId xmlns:a16="http://schemas.microsoft.com/office/drawing/2014/main" id="{BF15BAE1-504B-B046-921C-435331A07A32}"/>
+              </a:ext>
+            </a:extLst>
+          </p:cNvPr>
+          <p:cNvPicPr>
+            <a:picLocks noChangeAspect="1"/>
+          </p:cNvPicPr>
+          <p:nvPr/>
+        </p:nvPicPr>
+        <p:blipFill>
+          <a:blip r:embed="rId3">
+            <a:extLst>
+              <a:ext uri="{28A0092B-C50C-407E-A947-70E740481C1C}">
+                <a14:useLocalDpi xmlns:a14="http://schemas.microsoft.com/office/drawing/2010/main" val="0"/>
+              </a:ext>
+            </a:extLst>
+          </a:blip>
+          <a:stretch>
+            <a:fillRect/>
+          </a:stretch>
+        </p:blipFill>
+        <p:spPr>
+          <a:xfrm>
+            <a:off x="2017162" y="4341813"/>
+            <a:ext cx="1828800" cy="1828800"/>
+          </a:xfrm>
+          <a:prstGeom prst="rect">
+            <a:avLst/>
+          </a:prstGeom>
+        </p:spPr>
+      </p:pic>
+      <p:sp>
+        <p:nvSpPr>
+          <p:cNvPr id="10" name="Right Arrow 9">
+            <a:extLst>
+              <a:ext uri="{FF2B5EF4-FFF2-40B4-BE49-F238E27FC236}">
+                <a16:creationId xmlns:a16="http://schemas.microsoft.com/office/drawing/2014/main" id="{94C9DDF9-4503-204A-9DCF-BF98426053C9}"/>
+              </a:ext>
+            </a:extLst>
+          </p:cNvPr>
+          <p:cNvSpPr/>
+          <p:nvPr/>
+        </p:nvSpPr>
+        <p:spPr>
+          <a:xfrm>
+            <a:off x="4439609" y="4794548"/>
+            <a:ext cx="1933482" cy="461665"/>
+          </a:xfrm>
+          <a:prstGeom prst="rightArrow">
+            <a:avLst/>
+          </a:prstGeom>
+        </p:spPr>
+        <p:style>
+          <a:lnRef idx="2">
+            <a:schemeClr val="accent1">
+              <a:shade val="50000"/>
+            </a:schemeClr>
+          </a:lnRef>
+          <a:fillRef idx="1">
+            <a:schemeClr val="accent1"/>
+          </a:fillRef>
+          <a:effectRef idx="0">
+            <a:schemeClr val="accent1"/>
+          </a:effectRef>
+          <a:fontRef idx="minor">
+            <a:schemeClr val="lt1"/>
+          </a:fontRef>
+        </p:style>
+        <p:txBody>
+          <a:bodyPr rtlCol="0" anchor="ctr"/>
+          <a:lstStyle/>
+          <a:p>
+            <a:pPr algn="ctr"/>
+            <a:endParaRPr lang="en-US"/>
+          </a:p>
+        </p:txBody>
+      </p:sp>
+      <p:pic>
+        <p:nvPicPr>
+          <p:cNvPr id="17" name="Picture 16">
+            <a:extLst>
+              <a:ext uri="{FF2B5EF4-FFF2-40B4-BE49-F238E27FC236}">
+                <a16:creationId xmlns:a16="http://schemas.microsoft.com/office/drawing/2014/main" id="{8E28E06C-9213-0149-B35F-F9E2CDA8F14E}"/>
+              </a:ext>
+            </a:extLst>
+          </p:cNvPr>
+          <p:cNvPicPr>
+            <a:picLocks noChangeAspect="1"/>
+          </p:cNvPicPr>
+          <p:nvPr/>
+        </p:nvPicPr>
+        <p:blipFill>
+          <a:blip r:embed="rId4"/>
+          <a:stretch>
+            <a:fillRect/>
+          </a:stretch>
+        </p:blipFill>
+        <p:spPr>
+          <a:xfrm>
+            <a:off x="6966738" y="3564974"/>
+            <a:ext cx="4227735" cy="3173093"/>
+          </a:xfrm>
+          <a:prstGeom prst="rect">
+            <a:avLst/>
+          </a:prstGeom>
+        </p:spPr>
+      </p:pic>
+      <mc:AlternateContent xmlns:mc="http://schemas.openxmlformats.org/markup-compatibility/2006">
+        <mc:Choice xmlns:a14="http://schemas.microsoft.com/office/drawing/2010/main" Requires="a14">
+          <p:sp>
+            <p:nvSpPr>
+              <p:cNvPr id="18" name="TextBox 17">
+                <a:extLst>
+                  <a:ext uri="{FF2B5EF4-FFF2-40B4-BE49-F238E27FC236}">
+                    <a16:creationId xmlns:a16="http://schemas.microsoft.com/office/drawing/2014/main" id="{117860C4-3676-DC44-A99C-860D7396926F}"/>
+                  </a:ext>
+                </a:extLst>
+              </p:cNvPr>
+              <p:cNvSpPr txBox="1"/>
+              <p:nvPr/>
+            </p:nvSpPr>
+            <p:spPr>
+              <a:xfrm>
+                <a:off x="8936180" y="5444836"/>
+                <a:ext cx="631007" cy="461665"/>
+              </a:xfrm>
+              <a:prstGeom prst="rect">
+                <a:avLst/>
+              </a:prstGeom>
+              <a:noFill/>
+            </p:spPr>
+            <p:txBody>
+              <a:bodyPr wrap="none" rtlCol="0">
+                <a:spAutoFit/>
+              </a:bodyPr>
+              <a:lstStyle/>
+              <a:p>
+                <a14:m>
+                  <m:oMathPara xmlns:m="http://schemas.openxmlformats.org/officeDocument/2006/math">
+                    <m:oMathParaPr>
+                      <m:jc m:val="centerGroup"/>
+                    </m:oMathParaPr>
+                    <m:oMath xmlns:m="http://schemas.openxmlformats.org/officeDocument/2006/math">
+                      <m:sSub>
+                        <m:sSubPr>
+                          <m:ctrlPr>
+                            <a:rPr lang="en-US" sz="2400" b="0" i="1" smtClean="0">
+                              <a:latin typeface="Cambria Math" panose="02040503050406030204" pitchFamily="18" charset="0"/>
+                            </a:rPr>
+                          </m:ctrlPr>
+                        </m:sSubPr>
+                        <m:e>
+                          <m:r>
+                            <a:rPr lang="en-US" sz="2400" b="0" i="1" smtClean="0">
+                              <a:latin typeface="Cambria Math" panose="02040503050406030204" pitchFamily="18" charset="0"/>
+                            </a:rPr>
+                            <m:t>𝑟</m:t>
+                          </m:r>
+                        </m:e>
+                        <m:sub>
+                          <m:r>
+                            <a:rPr lang="en-US" sz="2400" b="0" i="1" smtClean="0">
+                              <a:latin typeface="Cambria Math" panose="02040503050406030204" pitchFamily="18" charset="0"/>
+                            </a:rPr>
+                            <m:t>12</m:t>
+                          </m:r>
+                        </m:sub>
+                      </m:sSub>
+                    </m:oMath>
+                  </m:oMathPara>
+                </a14:m>
+                <a:endParaRPr lang="da-DK" sz="2400" dirty="0"/>
+              </a:p>
+            </p:txBody>
+          </p:sp>
+        </mc:Choice>
+        <mc:Fallback>
+          <p:sp>
+            <p:nvSpPr>
+              <p:cNvPr id="18" name="TextBox 17">
+                <a:extLst>
+                  <a:ext uri="{FF2B5EF4-FFF2-40B4-BE49-F238E27FC236}">
+                    <a16:creationId xmlns:a16="http://schemas.microsoft.com/office/drawing/2014/main" id="{117860C4-3676-DC44-A99C-860D7396926F}"/>
+                  </a:ext>
+                </a:extLst>
+              </p:cNvPr>
+              <p:cNvSpPr txBox="1">
+                <a:spLocks noRot="1" noChangeAspect="1" noMove="1" noResize="1" noEditPoints="1" noAdjustHandles="1" noChangeArrowheads="1" noChangeShapeType="1" noTextEdit="1"/>
+              </p:cNvSpPr>
+              <p:nvPr/>
+            </p:nvSpPr>
+            <p:spPr>
+              <a:xfrm>
+                <a:off x="8936180" y="5444836"/>
+                <a:ext cx="631007" cy="461665"/>
+              </a:xfrm>
+              <a:prstGeom prst="rect">
+                <a:avLst/>
+              </a:prstGeom>
+              <a:blipFill>
+                <a:blip r:embed="rId5"/>
+                <a:stretch>
+                  <a:fillRect b="-2703"/>
+                </a:stretch>
+              </a:blipFill>
+            </p:spPr>
+            <p:txBody>
+              <a:bodyPr/>
+              <a:lstStyle/>
+              <a:p>
+                <a:r>
+                  <a:rPr lang="da-DK">
+                    <a:noFill/>
+                  </a:rPr>
+                  <a:t> </a:t>
+                </a:r>
+              </a:p>
+            </p:txBody>
+          </p:sp>
+        </mc:Fallback>
+      </mc:AlternateContent>
+      <p:sp>
+        <p:nvSpPr>
+          <p:cNvPr id="19" name="TextBox 18">
+            <a:extLst>
+              <a:ext uri="{FF2B5EF4-FFF2-40B4-BE49-F238E27FC236}">
+                <a16:creationId xmlns:a16="http://schemas.microsoft.com/office/drawing/2014/main" id="{514039CA-F3C8-4341-A3F5-EF57A95433DF}"/>
+              </a:ext>
+            </a:extLst>
+          </p:cNvPr>
+          <p:cNvSpPr txBox="1"/>
+          <p:nvPr/>
+        </p:nvSpPr>
+        <p:spPr>
+          <a:xfrm>
+            <a:off x="4429226" y="4282805"/>
+            <a:ext cx="1990353" cy="461665"/>
+          </a:xfrm>
+          <a:prstGeom prst="rect">
+            <a:avLst/>
+          </a:prstGeom>
+          <a:noFill/>
+        </p:spPr>
+        <p:txBody>
+          <a:bodyPr wrap="none" rtlCol="0">
+            <a:spAutoFit/>
+          </a:bodyPr>
+          <a:lstStyle/>
+          <a:p>
+            <a:r>
+              <a:rPr lang="da-DK" sz="2400" dirty="0"/>
+              <a:t>Sum </a:t>
+            </a:r>
+            <a:r>
+              <a:rPr lang="da-DK" sz="2400" dirty="0" err="1"/>
+              <a:t>gaussians</a:t>
+            </a:r>
+            <a:endParaRPr lang="da-DK" sz="2400" dirty="0"/>
+          </a:p>
+        </p:txBody>
+      </p:sp>
+    </p:spTree>
+    <p:extLst>
+      <p:ext uri="{BB962C8B-B14F-4D97-AF65-F5344CB8AC3E}">
+        <p14:creationId xmlns:p14="http://schemas.microsoft.com/office/powerpoint/2010/main" val="2322534680"/>
+      </p:ext>
+    </p:extLst>
+  </p:cSld>
+  <p:clrMapOvr>
+    <a:masterClrMapping/>
+  </p:clrMapOvr>
+</p:sld>
+</file>
+
+<file path=ppt/slides/slide16.xml><?xml version="1.0" encoding="utf-8"?>
+<p:sld xmlns:a="http://schemas.openxmlformats.org/drawingml/2006/main" xmlns:r="http://schemas.openxmlformats.org/officeDocument/2006/relationships" xmlns:p="http://schemas.openxmlformats.org/presentationml/2006/main">
+  <p:cSld>
+    <p:spTree>
+      <p:nvGrpSpPr>
+        <p:cNvPr id="1" name=""/>
+        <p:cNvGrpSpPr/>
+        <p:nvPr/>
+      </p:nvGrpSpPr>
+      <p:grpSpPr>
+        <a:xfrm>
+          <a:off x="0" y="0"/>
+          <a:ext cx="0" cy="0"/>
+          <a:chOff x="0" y="0"/>
+          <a:chExt cx="0" cy="0"/>
+        </a:xfrm>
+      </p:grpSpPr>
+      <p:sp>
+        <p:nvSpPr>
+          <p:cNvPr id="2" name="Title 1"/>
+          <p:cNvSpPr>
+            <a:spLocks noGrp="1"/>
+          </p:cNvSpPr>
+          <p:nvPr>
+            <p:ph type="title"/>
+          </p:nvPr>
+        </p:nvSpPr>
+        <p:spPr/>
+        <p:txBody>
+          <a:bodyPr/>
+          <a:lstStyle/>
+          <a:p>
+            <a:r>
+              <a:rPr lang="en-US" dirty="0"/>
+              <a:t>Features</a:t>
+            </a:r>
+          </a:p>
+        </p:txBody>
+      </p:sp>
+      <p:sp>
+        <p:nvSpPr>
+          <p:cNvPr id="7" name="Rectangle 6">
+            <a:extLst>
+              <a:ext uri="{FF2B5EF4-FFF2-40B4-BE49-F238E27FC236}">
+                <a16:creationId xmlns:a16="http://schemas.microsoft.com/office/drawing/2014/main" id="{934568A6-9E16-1747-BBDA-DDABE1317ABF}"/>
+              </a:ext>
+            </a:extLst>
+          </p:cNvPr>
+          <p:cNvSpPr/>
+          <p:nvPr/>
+        </p:nvSpPr>
+        <p:spPr>
+          <a:xfrm>
+            <a:off x="838200" y="1690688"/>
+            <a:ext cx="4186724" cy="461665"/>
+          </a:xfrm>
+          <a:prstGeom prst="rect">
+            <a:avLst/>
+          </a:prstGeom>
+        </p:spPr>
+        <p:txBody>
+          <a:bodyPr wrap="none">
+            <a:spAutoFit/>
+          </a:bodyPr>
+          <a:lstStyle/>
+          <a:p>
+            <a:r>
+              <a:rPr lang="en-US" sz="2400" dirty="0"/>
+              <a:t>Example 1 </a:t>
+            </a:r>
+            <a:r>
+              <a:rPr lang="mr-IN" sz="2400" dirty="0"/>
+              <a:t>–</a:t>
+            </a:r>
+            <a:r>
+              <a:rPr lang="en-US" sz="2400" dirty="0"/>
+              <a:t> </a:t>
+            </a:r>
+            <a:r>
+              <a:rPr lang="en-US" sz="2400" b="1" i="1" dirty="0" err="1"/>
+              <a:t>Organov</a:t>
+            </a:r>
+            <a:r>
+              <a:rPr lang="en-US" sz="2400" b="1" i="1" dirty="0"/>
+              <a:t> and Valle</a:t>
+            </a:r>
+            <a:endParaRPr lang="en-US" sz="2400" dirty="0"/>
+          </a:p>
+        </p:txBody>
+      </p:sp>
+      <mc:AlternateContent xmlns:mc="http://schemas.openxmlformats.org/markup-compatibility/2006">
+        <mc:Choice xmlns:a14="http://schemas.microsoft.com/office/drawing/2010/main" Requires="a14">
+          <p:sp>
+            <p:nvSpPr>
+              <p:cNvPr id="8" name="Rectangle 7">
+                <a:extLst>
+                  <a:ext uri="{FF2B5EF4-FFF2-40B4-BE49-F238E27FC236}">
+                    <a16:creationId xmlns:a16="http://schemas.microsoft.com/office/drawing/2014/main" id="{414104F3-916E-8442-8B11-CE399A765C44}"/>
+                  </a:ext>
+                </a:extLst>
+              </p:cNvPr>
+              <p:cNvSpPr/>
+              <p:nvPr/>
+            </p:nvSpPr>
+            <p:spPr>
+              <a:xfrm>
+                <a:off x="838200" y="2265532"/>
+                <a:ext cx="4769062" cy="1501437"/>
+              </a:xfrm>
+              <a:prstGeom prst="rect">
+                <a:avLst/>
+              </a:prstGeom>
+            </p:spPr>
+            <p:txBody>
+              <a:bodyPr wrap="none">
+                <a:spAutoFit/>
+              </a:bodyPr>
+              <a:lstStyle/>
+              <a:p>
+                <a14:m>
+                  <m:oMathPara xmlns:m="http://schemas.openxmlformats.org/officeDocument/2006/math">
+                    <m:oMathParaPr>
+                      <m:jc m:val="centerGroup"/>
+                    </m:oMathParaPr>
+                    <m:oMath xmlns:m="http://schemas.openxmlformats.org/officeDocument/2006/math">
+                      <m:sSub>
+                        <m:sSubPr>
+                          <m:ctrlPr>
+                            <a:rPr lang="en-US" sz="2400" i="1" smtClean="0">
+                              <a:latin typeface="Cambria Math" panose="02040503050406030204" pitchFamily="18" charset="0"/>
+                            </a:rPr>
+                          </m:ctrlPr>
+                        </m:sSubPr>
+                        <m:e>
+                          <m:r>
+                            <a:rPr lang="en-US" sz="2400" i="1">
+                              <a:latin typeface="Cambria Math" charset="0"/>
+                            </a:rPr>
+                            <m:t>𝐹</m:t>
+                          </m:r>
+                        </m:e>
+                        <m:sub>
+                          <m:r>
+                            <a:rPr lang="en-US" sz="2400" i="1">
+                              <a:latin typeface="Cambria Math" charset="0"/>
+                            </a:rPr>
+                            <m:t>𝐴</m:t>
+                          </m:r>
+                          <m:r>
+                            <a:rPr lang="en-US" sz="2400" i="1">
+                              <a:latin typeface="Cambria Math" charset="0"/>
+                            </a:rPr>
+                            <m:t>,</m:t>
+                          </m:r>
+                          <m:r>
+                            <a:rPr lang="en-US" sz="2400" i="1">
+                              <a:latin typeface="Cambria Math" charset="0"/>
+                            </a:rPr>
+                            <m:t>𝐵</m:t>
+                          </m:r>
+                        </m:sub>
+                      </m:sSub>
+                      <m:d>
+                        <m:dPr>
+                          <m:ctrlPr>
+                            <a:rPr lang="en-US" sz="2400" i="1">
+                              <a:latin typeface="Cambria Math" panose="02040503050406030204" pitchFamily="18" charset="0"/>
+                            </a:rPr>
+                          </m:ctrlPr>
+                        </m:dPr>
+                        <m:e>
+                          <m:r>
+                            <a:rPr lang="en-US" sz="2400" b="0" i="1" smtClean="0">
+                              <a:latin typeface="Cambria Math" panose="02040503050406030204" pitchFamily="18" charset="0"/>
+                            </a:rPr>
+                            <m:t>𝑟</m:t>
+                          </m:r>
+                        </m:e>
+                      </m:d>
+                      <m:r>
+                        <a:rPr lang="en-US" sz="2400" i="1">
+                          <a:latin typeface="Cambria Math" panose="02040503050406030204" pitchFamily="18" charset="0"/>
+                        </a:rPr>
+                        <m:t>  ∝ </m:t>
+                      </m:r>
+                      <m:nary>
+                        <m:naryPr>
+                          <m:chr m:val="∑"/>
+                          <m:supHide m:val="on"/>
+                          <m:ctrlPr>
+                            <a:rPr lang="en-US" sz="2400" i="1">
+                              <a:latin typeface="Cambria Math" panose="02040503050406030204" pitchFamily="18" charset="0"/>
+                            </a:rPr>
+                          </m:ctrlPr>
+                        </m:naryPr>
+                        <m:sub>
+                          <m:sSub>
+                            <m:sSubPr>
+                              <m:ctrlPr>
+                                <a:rPr lang="en-US" sz="2400" i="1">
+                                  <a:latin typeface="Cambria Math" panose="02040503050406030204" pitchFamily="18" charset="0"/>
+                                </a:rPr>
+                              </m:ctrlPr>
+                            </m:sSubPr>
+                            <m:e>
+                              <m:r>
+                                <m:rPr>
+                                  <m:brk m:alnAt="7"/>
+                                </m:rPr>
+                                <a:rPr lang="en-US" sz="2400" i="1">
+                                  <a:latin typeface="Cambria Math" charset="0"/>
+                                </a:rPr>
+                                <m:t>𝐴</m:t>
+                              </m:r>
+                            </m:e>
+                            <m:sub>
+                              <m:r>
+                                <m:rPr>
+                                  <m:brk m:alnAt="7"/>
+                                </m:rPr>
+                                <a:rPr lang="en-US" sz="2400" i="1">
+                                  <a:latin typeface="Cambria Math" charset="0"/>
+                                </a:rPr>
+                                <m:t>𝑖</m:t>
+                              </m:r>
+                            </m:sub>
+                          </m:sSub>
+                          <m:r>
+                            <m:rPr>
+                              <m:brk m:alnAt="7"/>
+                            </m:rPr>
+                            <a:rPr lang="en-US" sz="2400" i="1">
+                              <a:latin typeface="Cambria Math" charset="0"/>
+                            </a:rPr>
+                            <m:t>,</m:t>
+                          </m:r>
+                          <m:sSub>
+                            <m:sSubPr>
+                              <m:ctrlPr>
+                                <a:rPr lang="en-US" sz="2400" i="1">
+                                  <a:latin typeface="Cambria Math" panose="02040503050406030204" pitchFamily="18" charset="0"/>
+                                </a:rPr>
+                              </m:ctrlPr>
+                            </m:sSubPr>
+                            <m:e>
+                              <m:r>
+                                <m:rPr>
+                                  <m:brk m:alnAt="7"/>
+                                </m:rPr>
+                                <a:rPr lang="en-US" sz="2400" i="1">
+                                  <a:latin typeface="Cambria Math" charset="0"/>
+                                </a:rPr>
+                                <m:t>𝐵</m:t>
+                              </m:r>
+                            </m:e>
+                            <m:sub>
+                              <m:r>
+                                <m:rPr>
+                                  <m:brk m:alnAt="7"/>
+                                </m:rPr>
+                                <a:rPr lang="en-US" sz="2400" i="1">
+                                  <a:latin typeface="Cambria Math" charset="0"/>
+                                </a:rPr>
+                                <m:t>𝑖</m:t>
+                              </m:r>
+                            </m:sub>
+                          </m:sSub>
+                        </m:sub>
+                        <m:sup/>
+                        <m:e>
+                          <m:f>
+                            <m:fPr>
+                              <m:ctrlPr>
+                                <a:rPr lang="mr-IN" sz="2400" i="1">
+                                  <a:latin typeface="Cambria Math" panose="02040503050406030204" pitchFamily="18" charset="0"/>
+                                </a:rPr>
+                              </m:ctrlPr>
+                            </m:fPr>
+                            <m:num>
+                              <m:func>
+                                <m:funcPr>
+                                  <m:ctrlPr>
+                                    <a:rPr lang="en-US" sz="2400" i="1">
+                                      <a:latin typeface="Cambria Math" panose="02040503050406030204" pitchFamily="18" charset="0"/>
+                                    </a:rPr>
+                                  </m:ctrlPr>
+                                </m:funcPr>
+                                <m:fName>
+                                  <m:r>
+                                    <m:rPr>
+                                      <m:sty m:val="p"/>
+                                    </m:rPr>
+                                    <a:rPr lang="en-US" sz="2400">
+                                      <a:latin typeface="Cambria Math" panose="02040503050406030204" pitchFamily="18" charset="0"/>
+                                    </a:rPr>
+                                    <m:t>exp</m:t>
+                                  </m:r>
+                                </m:fName>
+                                <m:e>
+                                  <m:d>
+                                    <m:dPr>
+                                      <m:ctrlPr>
+                                        <a:rPr lang="mr-IN" sz="2400" i="1">
+                                          <a:latin typeface="Cambria Math" panose="02040503050406030204" pitchFamily="18" charset="0"/>
+                                        </a:rPr>
+                                      </m:ctrlPr>
+                                    </m:dPr>
+                                    <m:e>
+                                      <m:r>
+                                        <a:rPr lang="en-US" sz="2400" i="1">
+                                          <a:latin typeface="Cambria Math" panose="02040503050406030204" pitchFamily="18" charset="0"/>
+                                        </a:rPr>
+                                        <m:t>−</m:t>
+                                      </m:r>
+                                      <m:f>
+                                        <m:fPr>
+                                          <m:ctrlPr>
+                                            <a:rPr lang="en-US" sz="2400" i="1" smtClean="0">
+                                              <a:latin typeface="Cambria Math" panose="02040503050406030204" pitchFamily="18" charset="0"/>
+                                            </a:rPr>
+                                          </m:ctrlPr>
+                                        </m:fPr>
+                                        <m:num>
+                                          <m:sSup>
+                                            <m:sSupPr>
+                                              <m:ctrlPr>
+                                                <a:rPr lang="en-US" sz="2400" i="1">
+                                                  <a:latin typeface="Cambria Math" panose="02040503050406030204" pitchFamily="18" charset="0"/>
+                                                </a:rPr>
+                                              </m:ctrlPr>
+                                            </m:sSupPr>
+                                            <m:e>
+                                              <m:d>
+                                                <m:dPr>
+                                                  <m:begChr m:val="‖"/>
+                                                  <m:endChr m:val="‖"/>
+                                                  <m:ctrlPr>
+                                                    <a:rPr lang="mr-IN" sz="2400" i="1">
+                                                      <a:latin typeface="Cambria Math" panose="02040503050406030204" pitchFamily="18" charset="0"/>
+                                                    </a:rPr>
+                                                  </m:ctrlPr>
+                                                </m:dPr>
+                                                <m:e>
+                                                  <m:r>
+                                                    <a:rPr lang="en-US" sz="2400" i="1">
+                                                      <a:latin typeface="Cambria Math" panose="02040503050406030204" pitchFamily="18" charset="0"/>
+                                                    </a:rPr>
+                                                    <m:t>𝑟</m:t>
+                                                  </m:r>
+                                                  <m:r>
+                                                    <a:rPr lang="en-US" sz="2400" i="1">
+                                                      <a:latin typeface="Cambria Math" charset="0"/>
+                                                    </a:rPr>
+                                                    <m:t>−</m:t>
+                                                  </m:r>
+                                                  <m:sSub>
+                                                    <m:sSubPr>
+                                                      <m:ctrlPr>
+                                                        <a:rPr lang="en-US" sz="2400" i="1">
+                                                          <a:latin typeface="Cambria Math" panose="02040503050406030204" pitchFamily="18" charset="0"/>
+                                                        </a:rPr>
+                                                      </m:ctrlPr>
+                                                    </m:sSubPr>
+                                                    <m:e>
+                                                      <m:r>
+                                                        <a:rPr lang="en-US" sz="2400" i="1">
+                                                          <a:latin typeface="Cambria Math" panose="02040503050406030204" pitchFamily="18" charset="0"/>
+                                                        </a:rPr>
+                                                        <m:t>𝑟</m:t>
+                                                      </m:r>
+                                                    </m:e>
+                                                    <m:sub>
+                                                      <m:r>
+                                                        <a:rPr lang="en-US" sz="2400" i="1">
+                                                          <a:latin typeface="Cambria Math" charset="0"/>
+                                                        </a:rPr>
+                                                        <m:t>𝑖𝑗</m:t>
+                                                      </m:r>
+                                                    </m:sub>
+                                                  </m:sSub>
+                                                </m:e>
+                                              </m:d>
+                                            </m:e>
+                                            <m:sup>
+                                              <m:r>
+                                                <a:rPr lang="en-US" sz="2400" i="1">
+                                                  <a:latin typeface="Cambria Math" panose="02040503050406030204" pitchFamily="18" charset="0"/>
+                                                </a:rPr>
+                                                <m:t>2</m:t>
+                                              </m:r>
+                                            </m:sup>
+                                          </m:sSup>
+                                        </m:num>
+                                        <m:den>
+                                          <m:r>
+                                            <a:rPr lang="en-US" sz="2400" i="1">
+                                              <a:latin typeface="Cambria Math" panose="02040503050406030204" pitchFamily="18" charset="0"/>
+                                            </a:rPr>
+                                            <m:t>2</m:t>
+                                          </m:r>
+                                          <m:sSup>
+                                            <m:sSupPr>
+                                              <m:ctrlPr>
+                                                <a:rPr lang="en-US" sz="2400" i="1">
+                                                  <a:latin typeface="Cambria Math" panose="02040503050406030204" pitchFamily="18" charset="0"/>
+                                                </a:rPr>
+                                              </m:ctrlPr>
+                                            </m:sSupPr>
+                                            <m:e>
+                                              <m:r>
+                                                <a:rPr lang="en-US" sz="2400" i="1">
+                                                  <a:latin typeface="Cambria Math" panose="02040503050406030204" pitchFamily="18" charset="0"/>
+                                                </a:rPr>
+                                                <m:t>𝑙</m:t>
+                                              </m:r>
+                                            </m:e>
+                                            <m:sup>
+                                              <m:r>
+                                                <a:rPr lang="en-US" sz="2400" i="1">
+                                                  <a:latin typeface="Cambria Math" panose="02040503050406030204" pitchFamily="18" charset="0"/>
+                                                </a:rPr>
+                                                <m:t>2</m:t>
+                                              </m:r>
+                                            </m:sup>
+                                          </m:sSup>
+                                        </m:den>
+                                      </m:f>
+                                    </m:e>
+                                  </m:d>
+                                </m:e>
+                              </m:func>
+                            </m:num>
+                            <m:den>
+                              <m:sSubSup>
+                                <m:sSubSupPr>
+                                  <m:ctrlPr>
+                                    <a:rPr lang="en-US" sz="2400" i="1">
+                                      <a:latin typeface="Cambria Math" panose="02040503050406030204" pitchFamily="18" charset="0"/>
+                                    </a:rPr>
+                                  </m:ctrlPr>
+                                </m:sSubSupPr>
+                                <m:e>
+                                  <m:r>
+                                    <a:rPr lang="en-US" sz="2400" b="0" i="1" smtClean="0">
+                                      <a:latin typeface="Cambria Math" panose="02040503050406030204" pitchFamily="18" charset="0"/>
+                                    </a:rPr>
+                                    <m:t>𝑟</m:t>
+                                  </m:r>
+                                </m:e>
+                                <m:sub>
+                                  <m:r>
+                                    <a:rPr lang="en-US" sz="2400" i="1">
+                                      <a:latin typeface="Cambria Math" charset="0"/>
+                                    </a:rPr>
+                                    <m:t>𝑖𝑗</m:t>
+                                  </m:r>
+                                </m:sub>
+                                <m:sup>
+                                  <m:r>
+                                    <a:rPr lang="en-US" sz="2400" i="1">
+                                      <a:latin typeface="Cambria Math" charset="0"/>
+                                    </a:rPr>
+                                    <m:t>2</m:t>
+                                  </m:r>
+                                </m:sup>
+                              </m:sSubSup>
+                            </m:den>
+                          </m:f>
+                        </m:e>
+                      </m:nary>
+                    </m:oMath>
+                  </m:oMathPara>
+                </a14:m>
+                <a:endParaRPr lang="da-DK" sz="2400" dirty="0"/>
+              </a:p>
+            </p:txBody>
+          </p:sp>
+        </mc:Choice>
+        <mc:Fallback>
+          <p:sp>
+            <p:nvSpPr>
+              <p:cNvPr id="8" name="Rectangle 7">
+                <a:extLst>
+                  <a:ext uri="{FF2B5EF4-FFF2-40B4-BE49-F238E27FC236}">
+                    <a16:creationId xmlns:a16="http://schemas.microsoft.com/office/drawing/2014/main" id="{414104F3-916E-8442-8B11-CE399A765C44}"/>
+                  </a:ext>
+                </a:extLst>
+              </p:cNvPr>
+              <p:cNvSpPr>
+                <a:spLocks noRot="1" noChangeAspect="1" noMove="1" noResize="1" noEditPoints="1" noAdjustHandles="1" noChangeArrowheads="1" noChangeShapeType="1" noTextEdit="1"/>
+              </p:cNvSpPr>
+              <p:nvPr/>
+            </p:nvSpPr>
+            <p:spPr>
+              <a:xfrm>
+                <a:off x="838200" y="2265532"/>
+                <a:ext cx="4769062" cy="1501437"/>
+              </a:xfrm>
+              <a:prstGeom prst="rect">
+                <a:avLst/>
+              </a:prstGeom>
+              <a:blipFill>
+                <a:blip r:embed="rId2"/>
+                <a:stretch>
+                  <a:fillRect t="-55000" b="-114167"/>
+                </a:stretch>
+              </a:blipFill>
+            </p:spPr>
+            <p:txBody>
+              <a:bodyPr/>
+              <a:lstStyle/>
+              <a:p>
+                <a:r>
+                  <a:rPr lang="da-DK">
+                    <a:noFill/>
+                  </a:rPr>
+                  <a:t> </a:t>
+                </a:r>
+              </a:p>
+            </p:txBody>
+          </p:sp>
+        </mc:Fallback>
+      </mc:AlternateContent>
+      <p:pic>
+        <p:nvPicPr>
+          <p:cNvPr id="9" name="Picture 8">
+            <a:extLst>
+              <a:ext uri="{FF2B5EF4-FFF2-40B4-BE49-F238E27FC236}">
+                <a16:creationId xmlns:a16="http://schemas.microsoft.com/office/drawing/2014/main" id="{BF15BAE1-504B-B046-921C-435331A07A32}"/>
+              </a:ext>
+            </a:extLst>
+          </p:cNvPr>
+          <p:cNvPicPr>
+            <a:picLocks noChangeAspect="1"/>
+          </p:cNvPicPr>
+          <p:nvPr/>
+        </p:nvPicPr>
+        <p:blipFill>
+          <a:blip r:embed="rId3">
+            <a:extLst>
+              <a:ext uri="{28A0092B-C50C-407E-A947-70E740481C1C}">
+                <a14:useLocalDpi xmlns:a14="http://schemas.microsoft.com/office/drawing/2010/main" val="0"/>
+              </a:ext>
+            </a:extLst>
+          </a:blip>
+          <a:stretch>
+            <a:fillRect/>
+          </a:stretch>
+        </p:blipFill>
+        <p:spPr>
+          <a:xfrm>
+            <a:off x="2017162" y="4341813"/>
+            <a:ext cx="1828800" cy="1828800"/>
+          </a:xfrm>
+          <a:prstGeom prst="rect">
+            <a:avLst/>
+          </a:prstGeom>
+        </p:spPr>
+      </p:pic>
+      <p:sp>
+        <p:nvSpPr>
+          <p:cNvPr id="10" name="Right Arrow 9">
+            <a:extLst>
+              <a:ext uri="{FF2B5EF4-FFF2-40B4-BE49-F238E27FC236}">
+                <a16:creationId xmlns:a16="http://schemas.microsoft.com/office/drawing/2014/main" id="{94C9DDF9-4503-204A-9DCF-BF98426053C9}"/>
+              </a:ext>
+            </a:extLst>
+          </p:cNvPr>
+          <p:cNvSpPr/>
+          <p:nvPr/>
+        </p:nvSpPr>
+        <p:spPr>
+          <a:xfrm>
+            <a:off x="4439609" y="4794548"/>
+            <a:ext cx="1933482" cy="461665"/>
+          </a:xfrm>
+          <a:prstGeom prst="rightArrow">
+            <a:avLst/>
+          </a:prstGeom>
+        </p:spPr>
+        <p:style>
+          <a:lnRef idx="2">
+            <a:schemeClr val="accent1">
+              <a:shade val="50000"/>
+            </a:schemeClr>
+          </a:lnRef>
+          <a:fillRef idx="1">
+            <a:schemeClr val="accent1"/>
+          </a:fillRef>
+          <a:effectRef idx="0">
+            <a:schemeClr val="accent1"/>
+          </a:effectRef>
+          <a:fontRef idx="minor">
+            <a:schemeClr val="lt1"/>
+          </a:fontRef>
+        </p:style>
+        <p:txBody>
+          <a:bodyPr rtlCol="0" anchor="ctr"/>
+          <a:lstStyle/>
+          <a:p>
+            <a:pPr algn="ctr"/>
+            <a:endParaRPr lang="en-US"/>
+          </a:p>
+        </p:txBody>
+      </p:sp>
+      <p:pic>
+        <p:nvPicPr>
+          <p:cNvPr id="17" name="Picture 16">
+            <a:extLst>
+              <a:ext uri="{FF2B5EF4-FFF2-40B4-BE49-F238E27FC236}">
+                <a16:creationId xmlns:a16="http://schemas.microsoft.com/office/drawing/2014/main" id="{8E28E06C-9213-0149-B35F-F9E2CDA8F14E}"/>
+              </a:ext>
+            </a:extLst>
+          </p:cNvPr>
+          <p:cNvPicPr>
+            <a:picLocks noChangeAspect="1"/>
+          </p:cNvPicPr>
+          <p:nvPr/>
+        </p:nvPicPr>
+        <p:blipFill>
+          <a:blip r:embed="rId4"/>
+          <a:stretch>
+            <a:fillRect/>
+          </a:stretch>
+        </p:blipFill>
+        <p:spPr>
+          <a:xfrm>
+            <a:off x="6966738" y="3564974"/>
+            <a:ext cx="4227735" cy="3173093"/>
+          </a:xfrm>
+          <a:prstGeom prst="rect">
+            <a:avLst/>
+          </a:prstGeom>
+        </p:spPr>
+      </p:pic>
+      <mc:AlternateContent xmlns:mc="http://schemas.openxmlformats.org/markup-compatibility/2006">
+        <mc:Choice xmlns:a14="http://schemas.microsoft.com/office/drawing/2010/main" Requires="a14">
+          <p:sp>
+            <p:nvSpPr>
+              <p:cNvPr id="11" name="TextBox 10">
+                <a:extLst>
+                  <a:ext uri="{FF2B5EF4-FFF2-40B4-BE49-F238E27FC236}">
+                    <a16:creationId xmlns:a16="http://schemas.microsoft.com/office/drawing/2014/main" id="{37041112-33DD-6945-BBDF-ACF3D7A9F7B7}"/>
+                  </a:ext>
+                </a:extLst>
+              </p:cNvPr>
+              <p:cNvSpPr txBox="1"/>
+              <p:nvPr/>
+            </p:nvSpPr>
+            <p:spPr>
+              <a:xfrm>
+                <a:off x="8936180" y="5444836"/>
+                <a:ext cx="631007" cy="461665"/>
+              </a:xfrm>
+              <a:prstGeom prst="rect">
+                <a:avLst/>
+              </a:prstGeom>
+              <a:noFill/>
+            </p:spPr>
+            <p:txBody>
+              <a:bodyPr wrap="none" rtlCol="0">
+                <a:spAutoFit/>
+              </a:bodyPr>
+              <a:lstStyle/>
+              <a:p>
+                <a14:m>
+                  <m:oMathPara xmlns:m="http://schemas.openxmlformats.org/officeDocument/2006/math">
+                    <m:oMathParaPr>
+                      <m:jc m:val="centerGroup"/>
+                    </m:oMathParaPr>
+                    <m:oMath xmlns:m="http://schemas.openxmlformats.org/officeDocument/2006/math">
+                      <m:sSub>
+                        <m:sSubPr>
+                          <m:ctrlPr>
+                            <a:rPr lang="en-US" sz="2400" b="0" i="1" smtClean="0">
+                              <a:latin typeface="Cambria Math" panose="02040503050406030204" pitchFamily="18" charset="0"/>
+                            </a:rPr>
+                          </m:ctrlPr>
+                        </m:sSubPr>
+                        <m:e>
+                          <m:r>
+                            <a:rPr lang="en-US" sz="2400" b="0" i="1" smtClean="0">
+                              <a:latin typeface="Cambria Math" panose="02040503050406030204" pitchFamily="18" charset="0"/>
+                            </a:rPr>
+                            <m:t>𝑟</m:t>
+                          </m:r>
+                        </m:e>
+                        <m:sub>
+                          <m:r>
+                            <a:rPr lang="en-US" sz="2400" b="0" i="1" smtClean="0">
+                              <a:latin typeface="Cambria Math" panose="02040503050406030204" pitchFamily="18" charset="0"/>
+                            </a:rPr>
+                            <m:t>12</m:t>
+                          </m:r>
+                        </m:sub>
+                      </m:sSub>
+                    </m:oMath>
+                  </m:oMathPara>
+                </a14:m>
+                <a:endParaRPr lang="da-DK" sz="2400" dirty="0"/>
+              </a:p>
+            </p:txBody>
+          </p:sp>
+        </mc:Choice>
+        <mc:Fallback>
+          <p:sp>
+            <p:nvSpPr>
+              <p:cNvPr id="11" name="TextBox 10">
+                <a:extLst>
+                  <a:ext uri="{FF2B5EF4-FFF2-40B4-BE49-F238E27FC236}">
+                    <a16:creationId xmlns:a16="http://schemas.microsoft.com/office/drawing/2014/main" id="{37041112-33DD-6945-BBDF-ACF3D7A9F7B7}"/>
+                  </a:ext>
+                </a:extLst>
+              </p:cNvPr>
+              <p:cNvSpPr txBox="1">
+                <a:spLocks noRot="1" noChangeAspect="1" noMove="1" noResize="1" noEditPoints="1" noAdjustHandles="1" noChangeArrowheads="1" noChangeShapeType="1" noTextEdit="1"/>
+              </p:cNvSpPr>
+              <p:nvPr/>
+            </p:nvSpPr>
+            <p:spPr>
+              <a:xfrm>
+                <a:off x="8936180" y="5444836"/>
+                <a:ext cx="631007" cy="461665"/>
+              </a:xfrm>
+              <a:prstGeom prst="rect">
+                <a:avLst/>
+              </a:prstGeom>
+              <a:blipFill>
+                <a:blip r:embed="rId5"/>
+                <a:stretch>
+                  <a:fillRect b="-2703"/>
+                </a:stretch>
+              </a:blipFill>
+            </p:spPr>
+            <p:txBody>
+              <a:bodyPr/>
+              <a:lstStyle/>
+              <a:p>
+                <a:r>
+                  <a:rPr lang="da-DK">
+                    <a:noFill/>
+                  </a:rPr>
+                  <a:t> </a:t>
+                </a:r>
+              </a:p>
+            </p:txBody>
+          </p:sp>
+        </mc:Fallback>
+      </mc:AlternateContent>
+      <mc:AlternateContent xmlns:mc="http://schemas.openxmlformats.org/markup-compatibility/2006">
+        <mc:Choice xmlns:a14="http://schemas.microsoft.com/office/drawing/2010/main" Requires="a14">
+          <p:sp>
+            <p:nvSpPr>
+              <p:cNvPr id="12" name="TextBox 11">
+                <a:extLst>
+                  <a:ext uri="{FF2B5EF4-FFF2-40B4-BE49-F238E27FC236}">
+                    <a16:creationId xmlns:a16="http://schemas.microsoft.com/office/drawing/2014/main" id="{9EE32115-1C86-9C42-AF18-F0CEE0C377A1}"/>
+                  </a:ext>
+                </a:extLst>
+              </p:cNvPr>
+              <p:cNvSpPr txBox="1"/>
+              <p:nvPr/>
+            </p:nvSpPr>
+            <p:spPr>
+              <a:xfrm>
+                <a:off x="8277463" y="5444835"/>
+                <a:ext cx="631007" cy="461665"/>
+              </a:xfrm>
+              <a:prstGeom prst="rect">
+                <a:avLst/>
+              </a:prstGeom>
+              <a:noFill/>
+            </p:spPr>
+            <p:txBody>
+              <a:bodyPr wrap="none" rtlCol="0">
+                <a:spAutoFit/>
+              </a:bodyPr>
+              <a:lstStyle/>
+              <a:p>
+                <a14:m>
+                  <m:oMathPara xmlns:m="http://schemas.openxmlformats.org/officeDocument/2006/math">
+                    <m:oMathParaPr>
+                      <m:jc m:val="centerGroup"/>
+                    </m:oMathParaPr>
+                    <m:oMath xmlns:m="http://schemas.openxmlformats.org/officeDocument/2006/math">
+                      <m:sSub>
+                        <m:sSubPr>
+                          <m:ctrlPr>
+                            <a:rPr lang="en-US" sz="2400" b="0" i="1" smtClean="0">
+                              <a:latin typeface="Cambria Math" panose="02040503050406030204" pitchFamily="18" charset="0"/>
+                            </a:rPr>
+                          </m:ctrlPr>
+                        </m:sSubPr>
+                        <m:e>
+                          <m:r>
+                            <a:rPr lang="en-US" sz="2400" b="0" i="1" smtClean="0">
+                              <a:latin typeface="Cambria Math" panose="02040503050406030204" pitchFamily="18" charset="0"/>
+                            </a:rPr>
+                            <m:t>𝑟</m:t>
+                          </m:r>
+                        </m:e>
+                        <m:sub>
+                          <m:r>
+                            <a:rPr lang="en-US" sz="2400" b="0" i="1" smtClean="0">
+                              <a:latin typeface="Cambria Math" panose="02040503050406030204" pitchFamily="18" charset="0"/>
+                            </a:rPr>
+                            <m:t>13</m:t>
+                          </m:r>
+                        </m:sub>
+                      </m:sSub>
+                    </m:oMath>
+                  </m:oMathPara>
+                </a14:m>
+                <a:endParaRPr lang="da-DK" sz="2400" dirty="0"/>
+              </a:p>
+            </p:txBody>
+          </p:sp>
+        </mc:Choice>
+        <mc:Fallback>
+          <p:sp>
+            <p:nvSpPr>
+              <p:cNvPr id="12" name="TextBox 11">
+                <a:extLst>
+                  <a:ext uri="{FF2B5EF4-FFF2-40B4-BE49-F238E27FC236}">
+                    <a16:creationId xmlns:a16="http://schemas.microsoft.com/office/drawing/2014/main" id="{9EE32115-1C86-9C42-AF18-F0CEE0C377A1}"/>
+                  </a:ext>
+                </a:extLst>
+              </p:cNvPr>
+              <p:cNvSpPr txBox="1">
+                <a:spLocks noRot="1" noChangeAspect="1" noMove="1" noResize="1" noEditPoints="1" noAdjustHandles="1" noChangeArrowheads="1" noChangeShapeType="1" noTextEdit="1"/>
+              </p:cNvSpPr>
+              <p:nvPr/>
+            </p:nvSpPr>
+            <p:spPr>
+              <a:xfrm>
+                <a:off x="8277463" y="5444835"/>
+                <a:ext cx="631007" cy="461665"/>
+              </a:xfrm>
+              <a:prstGeom prst="rect">
+                <a:avLst/>
+              </a:prstGeom>
+              <a:blipFill>
+                <a:blip r:embed="rId6"/>
+                <a:stretch>
+                  <a:fillRect b="-2703"/>
+                </a:stretch>
+              </a:blipFill>
+            </p:spPr>
+            <p:txBody>
+              <a:bodyPr/>
+              <a:lstStyle/>
+              <a:p>
+                <a:r>
+                  <a:rPr lang="da-DK">
+                    <a:noFill/>
+                  </a:rPr>
+                  <a:t> </a:t>
+                </a:r>
+              </a:p>
+            </p:txBody>
+          </p:sp>
+        </mc:Fallback>
+      </mc:AlternateContent>
+      <p:sp>
+        <p:nvSpPr>
+          <p:cNvPr id="13" name="TextBox 12">
+            <a:extLst>
+              <a:ext uri="{FF2B5EF4-FFF2-40B4-BE49-F238E27FC236}">
+                <a16:creationId xmlns:a16="http://schemas.microsoft.com/office/drawing/2014/main" id="{537E09A8-BC00-224A-BC56-D6A84F5016EA}"/>
+              </a:ext>
+            </a:extLst>
+          </p:cNvPr>
+          <p:cNvSpPr txBox="1"/>
+          <p:nvPr/>
+        </p:nvSpPr>
+        <p:spPr>
+          <a:xfrm>
+            <a:off x="4429226" y="4282805"/>
+            <a:ext cx="1990353" cy="461665"/>
+          </a:xfrm>
+          <a:prstGeom prst="rect">
+            <a:avLst/>
+          </a:prstGeom>
+          <a:noFill/>
+        </p:spPr>
+        <p:txBody>
+          <a:bodyPr wrap="none" rtlCol="0">
+            <a:spAutoFit/>
+          </a:bodyPr>
+          <a:lstStyle/>
+          <a:p>
+            <a:r>
+              <a:rPr lang="da-DK" sz="2400" dirty="0"/>
+              <a:t>Sum </a:t>
+            </a:r>
+            <a:r>
+              <a:rPr lang="da-DK" sz="2400" dirty="0" err="1"/>
+              <a:t>gaussians</a:t>
+            </a:r>
+            <a:endParaRPr lang="da-DK" sz="2400" dirty="0"/>
+          </a:p>
+        </p:txBody>
+      </p:sp>
+    </p:spTree>
+    <p:extLst>
+      <p:ext uri="{BB962C8B-B14F-4D97-AF65-F5344CB8AC3E}">
+        <p14:creationId xmlns:p14="http://schemas.microsoft.com/office/powerpoint/2010/main" val="3008256367"/>
+      </p:ext>
+    </p:extLst>
+  </p:cSld>
+  <p:clrMapOvr>
+    <a:masterClrMapping/>
+  </p:clrMapOvr>
+</p:sld>
+</file>
+
+<file path=ppt/slides/slide17.xml><?xml version="1.0" encoding="utf-8"?>
+<p:sld xmlns:a="http://schemas.openxmlformats.org/drawingml/2006/main" xmlns:r="http://schemas.openxmlformats.org/officeDocument/2006/relationships" xmlns:p="http://schemas.openxmlformats.org/presentationml/2006/main">
+  <p:cSld>
+    <p:spTree>
+      <p:nvGrpSpPr>
+        <p:cNvPr id="1" name=""/>
+        <p:cNvGrpSpPr/>
+        <p:nvPr/>
+      </p:nvGrpSpPr>
+      <p:grpSpPr>
+        <a:xfrm>
+          <a:off x="0" y="0"/>
+          <a:ext cx="0" cy="0"/>
+          <a:chOff x="0" y="0"/>
+          <a:chExt cx="0" cy="0"/>
+        </a:xfrm>
+      </p:grpSpPr>
+      <p:sp>
+        <p:nvSpPr>
+          <p:cNvPr id="2" name="Title 1"/>
+          <p:cNvSpPr>
+            <a:spLocks noGrp="1"/>
+          </p:cNvSpPr>
+          <p:nvPr>
+            <p:ph type="title"/>
+          </p:nvPr>
+        </p:nvSpPr>
+        <p:spPr/>
+        <p:txBody>
+          <a:bodyPr/>
+          <a:lstStyle/>
+          <a:p>
+            <a:r>
+              <a:rPr lang="en-US" dirty="0"/>
+              <a:t>Features</a:t>
+            </a:r>
+          </a:p>
+        </p:txBody>
+      </p:sp>
+      <p:sp>
+        <p:nvSpPr>
+          <p:cNvPr id="7" name="Rectangle 6">
+            <a:extLst>
+              <a:ext uri="{FF2B5EF4-FFF2-40B4-BE49-F238E27FC236}">
+                <a16:creationId xmlns:a16="http://schemas.microsoft.com/office/drawing/2014/main" id="{934568A6-9E16-1747-BBDA-DDABE1317ABF}"/>
+              </a:ext>
+            </a:extLst>
+          </p:cNvPr>
+          <p:cNvSpPr/>
+          <p:nvPr/>
+        </p:nvSpPr>
+        <p:spPr>
+          <a:xfrm>
+            <a:off x="838200" y="1690688"/>
+            <a:ext cx="4186724" cy="461665"/>
+          </a:xfrm>
+          <a:prstGeom prst="rect">
+            <a:avLst/>
+          </a:prstGeom>
+        </p:spPr>
+        <p:txBody>
+          <a:bodyPr wrap="none">
+            <a:spAutoFit/>
+          </a:bodyPr>
+          <a:lstStyle/>
+          <a:p>
+            <a:r>
+              <a:rPr lang="en-US" sz="2400" dirty="0"/>
+              <a:t>Example 1 </a:t>
+            </a:r>
+            <a:r>
+              <a:rPr lang="mr-IN" sz="2400" dirty="0"/>
+              <a:t>–</a:t>
+            </a:r>
+            <a:r>
+              <a:rPr lang="en-US" sz="2400" dirty="0"/>
+              <a:t> </a:t>
+            </a:r>
+            <a:r>
+              <a:rPr lang="en-US" sz="2400" b="1" i="1" dirty="0" err="1"/>
+              <a:t>Organov</a:t>
+            </a:r>
+            <a:r>
+              <a:rPr lang="en-US" sz="2400" b="1" i="1" dirty="0"/>
+              <a:t> and Valle</a:t>
+            </a:r>
+            <a:endParaRPr lang="en-US" sz="2400" dirty="0"/>
+          </a:p>
+        </p:txBody>
+      </p:sp>
+      <mc:AlternateContent xmlns:mc="http://schemas.openxmlformats.org/markup-compatibility/2006">
+        <mc:Choice xmlns:a14="http://schemas.microsoft.com/office/drawing/2010/main" Requires="a14">
+          <p:sp>
+            <p:nvSpPr>
+              <p:cNvPr id="8" name="Rectangle 7">
+                <a:extLst>
+                  <a:ext uri="{FF2B5EF4-FFF2-40B4-BE49-F238E27FC236}">
+                    <a16:creationId xmlns:a16="http://schemas.microsoft.com/office/drawing/2014/main" id="{414104F3-916E-8442-8B11-CE399A765C44}"/>
+                  </a:ext>
+                </a:extLst>
+              </p:cNvPr>
+              <p:cNvSpPr/>
+              <p:nvPr/>
+            </p:nvSpPr>
+            <p:spPr>
+              <a:xfrm>
+                <a:off x="838200" y="2265532"/>
+                <a:ext cx="4769062" cy="1501437"/>
+              </a:xfrm>
+              <a:prstGeom prst="rect">
+                <a:avLst/>
+              </a:prstGeom>
+            </p:spPr>
+            <p:txBody>
+              <a:bodyPr wrap="none">
+                <a:spAutoFit/>
+              </a:bodyPr>
+              <a:lstStyle/>
+              <a:p>
+                <a14:m>
+                  <m:oMathPara xmlns:m="http://schemas.openxmlformats.org/officeDocument/2006/math">
+                    <m:oMathParaPr>
+                      <m:jc m:val="centerGroup"/>
+                    </m:oMathParaPr>
+                    <m:oMath xmlns:m="http://schemas.openxmlformats.org/officeDocument/2006/math">
+                      <m:sSub>
+                        <m:sSubPr>
+                          <m:ctrlPr>
+                            <a:rPr lang="en-US" sz="2400" i="1" smtClean="0">
+                              <a:latin typeface="Cambria Math" panose="02040503050406030204" pitchFamily="18" charset="0"/>
+                            </a:rPr>
+                          </m:ctrlPr>
+                        </m:sSubPr>
+                        <m:e>
+                          <m:r>
+                            <a:rPr lang="en-US" sz="2400" i="1">
+                              <a:latin typeface="Cambria Math" charset="0"/>
+                            </a:rPr>
+                            <m:t>𝐹</m:t>
+                          </m:r>
+                        </m:e>
+                        <m:sub>
+                          <m:r>
+                            <a:rPr lang="en-US" sz="2400" i="1">
+                              <a:latin typeface="Cambria Math" charset="0"/>
+                            </a:rPr>
+                            <m:t>𝐴</m:t>
+                          </m:r>
+                          <m:r>
+                            <a:rPr lang="en-US" sz="2400" i="1">
+                              <a:latin typeface="Cambria Math" charset="0"/>
+                            </a:rPr>
+                            <m:t>,</m:t>
+                          </m:r>
+                          <m:r>
+                            <a:rPr lang="en-US" sz="2400" i="1">
+                              <a:latin typeface="Cambria Math" charset="0"/>
+                            </a:rPr>
+                            <m:t>𝐵</m:t>
+                          </m:r>
+                        </m:sub>
+                      </m:sSub>
+                      <m:d>
+                        <m:dPr>
+                          <m:ctrlPr>
+                            <a:rPr lang="en-US" sz="2400" i="1">
+                              <a:latin typeface="Cambria Math" panose="02040503050406030204" pitchFamily="18" charset="0"/>
+                            </a:rPr>
+                          </m:ctrlPr>
+                        </m:dPr>
+                        <m:e>
+                          <m:r>
+                            <a:rPr lang="en-US" sz="2400" b="0" i="1" smtClean="0">
+                              <a:latin typeface="Cambria Math" panose="02040503050406030204" pitchFamily="18" charset="0"/>
+                            </a:rPr>
+                            <m:t>𝑟</m:t>
+                          </m:r>
+                        </m:e>
+                      </m:d>
+                      <m:r>
+                        <a:rPr lang="en-US" sz="2400" i="1">
+                          <a:latin typeface="Cambria Math" panose="02040503050406030204" pitchFamily="18" charset="0"/>
+                        </a:rPr>
+                        <m:t>  ∝ </m:t>
+                      </m:r>
+                      <m:nary>
+                        <m:naryPr>
+                          <m:chr m:val="∑"/>
+                          <m:supHide m:val="on"/>
+                          <m:ctrlPr>
+                            <a:rPr lang="en-US" sz="2400" i="1">
+                              <a:latin typeface="Cambria Math" panose="02040503050406030204" pitchFamily="18" charset="0"/>
+                            </a:rPr>
+                          </m:ctrlPr>
+                        </m:naryPr>
+                        <m:sub>
+                          <m:sSub>
+                            <m:sSubPr>
+                              <m:ctrlPr>
+                                <a:rPr lang="en-US" sz="2400" i="1">
+                                  <a:latin typeface="Cambria Math" panose="02040503050406030204" pitchFamily="18" charset="0"/>
+                                </a:rPr>
+                              </m:ctrlPr>
+                            </m:sSubPr>
+                            <m:e>
+                              <m:r>
+                                <m:rPr>
+                                  <m:brk m:alnAt="7"/>
+                                </m:rPr>
+                                <a:rPr lang="en-US" sz="2400" i="1">
+                                  <a:latin typeface="Cambria Math" charset="0"/>
+                                </a:rPr>
+                                <m:t>𝐴</m:t>
+                              </m:r>
+                            </m:e>
+                            <m:sub>
+                              <m:r>
+                                <m:rPr>
+                                  <m:brk m:alnAt="7"/>
+                                </m:rPr>
+                                <a:rPr lang="en-US" sz="2400" i="1">
+                                  <a:latin typeface="Cambria Math" charset="0"/>
+                                </a:rPr>
+                                <m:t>𝑖</m:t>
+                              </m:r>
+                            </m:sub>
+                          </m:sSub>
+                          <m:r>
+                            <m:rPr>
+                              <m:brk m:alnAt="7"/>
+                            </m:rPr>
+                            <a:rPr lang="en-US" sz="2400" i="1">
+                              <a:latin typeface="Cambria Math" charset="0"/>
+                            </a:rPr>
+                            <m:t>,</m:t>
+                          </m:r>
+                          <m:sSub>
+                            <m:sSubPr>
+                              <m:ctrlPr>
+                                <a:rPr lang="en-US" sz="2400" i="1">
+                                  <a:latin typeface="Cambria Math" panose="02040503050406030204" pitchFamily="18" charset="0"/>
+                                </a:rPr>
+                              </m:ctrlPr>
+                            </m:sSubPr>
+                            <m:e>
+                              <m:r>
+                                <m:rPr>
+                                  <m:brk m:alnAt="7"/>
+                                </m:rPr>
+                                <a:rPr lang="en-US" sz="2400" i="1">
+                                  <a:latin typeface="Cambria Math" charset="0"/>
+                                </a:rPr>
+                                <m:t>𝐵</m:t>
+                              </m:r>
+                            </m:e>
+                            <m:sub>
+                              <m:r>
+                                <m:rPr>
+                                  <m:brk m:alnAt="7"/>
+                                </m:rPr>
+                                <a:rPr lang="en-US" sz="2400" i="1">
+                                  <a:latin typeface="Cambria Math" charset="0"/>
+                                </a:rPr>
+                                <m:t>𝑖</m:t>
+                              </m:r>
+                            </m:sub>
+                          </m:sSub>
+                        </m:sub>
+                        <m:sup/>
+                        <m:e>
+                          <m:f>
+                            <m:fPr>
+                              <m:ctrlPr>
+                                <a:rPr lang="mr-IN" sz="2400" i="1">
+                                  <a:latin typeface="Cambria Math" panose="02040503050406030204" pitchFamily="18" charset="0"/>
+                                </a:rPr>
+                              </m:ctrlPr>
+                            </m:fPr>
+                            <m:num>
+                              <m:func>
+                                <m:funcPr>
+                                  <m:ctrlPr>
+                                    <a:rPr lang="en-US" sz="2400" i="1">
+                                      <a:latin typeface="Cambria Math" panose="02040503050406030204" pitchFamily="18" charset="0"/>
+                                    </a:rPr>
+                                  </m:ctrlPr>
+                                </m:funcPr>
+                                <m:fName>
+                                  <m:r>
+                                    <m:rPr>
+                                      <m:sty m:val="p"/>
+                                    </m:rPr>
+                                    <a:rPr lang="en-US" sz="2400">
+                                      <a:latin typeface="Cambria Math" panose="02040503050406030204" pitchFamily="18" charset="0"/>
+                                    </a:rPr>
+                                    <m:t>exp</m:t>
+                                  </m:r>
+                                </m:fName>
+                                <m:e>
+                                  <m:d>
+                                    <m:dPr>
+                                      <m:ctrlPr>
+                                        <a:rPr lang="mr-IN" sz="2400" i="1">
+                                          <a:latin typeface="Cambria Math" panose="02040503050406030204" pitchFamily="18" charset="0"/>
+                                        </a:rPr>
+                                      </m:ctrlPr>
+                                    </m:dPr>
+                                    <m:e>
+                                      <m:r>
+                                        <a:rPr lang="en-US" sz="2400" i="1">
+                                          <a:latin typeface="Cambria Math" panose="02040503050406030204" pitchFamily="18" charset="0"/>
+                                        </a:rPr>
+                                        <m:t>−</m:t>
+                                      </m:r>
+                                      <m:f>
+                                        <m:fPr>
+                                          <m:ctrlPr>
+                                            <a:rPr lang="en-US" sz="2400" i="1" smtClean="0">
+                                              <a:latin typeface="Cambria Math" panose="02040503050406030204" pitchFamily="18" charset="0"/>
+                                            </a:rPr>
+                                          </m:ctrlPr>
+                                        </m:fPr>
+                                        <m:num>
+                                          <m:sSup>
+                                            <m:sSupPr>
+                                              <m:ctrlPr>
+                                                <a:rPr lang="en-US" sz="2400" i="1">
+                                                  <a:latin typeface="Cambria Math" panose="02040503050406030204" pitchFamily="18" charset="0"/>
+                                                </a:rPr>
+                                              </m:ctrlPr>
+                                            </m:sSupPr>
+                                            <m:e>
+                                              <m:d>
+                                                <m:dPr>
+                                                  <m:begChr m:val="‖"/>
+                                                  <m:endChr m:val="‖"/>
+                                                  <m:ctrlPr>
+                                                    <a:rPr lang="mr-IN" sz="2400" i="1">
+                                                      <a:latin typeface="Cambria Math" panose="02040503050406030204" pitchFamily="18" charset="0"/>
+                                                    </a:rPr>
+                                                  </m:ctrlPr>
+                                                </m:dPr>
+                                                <m:e>
+                                                  <m:r>
+                                                    <a:rPr lang="en-US" sz="2400" i="1">
+                                                      <a:latin typeface="Cambria Math" panose="02040503050406030204" pitchFamily="18" charset="0"/>
+                                                    </a:rPr>
+                                                    <m:t>𝑟</m:t>
+                                                  </m:r>
+                                                  <m:r>
+                                                    <a:rPr lang="en-US" sz="2400" i="1">
+                                                      <a:latin typeface="Cambria Math" charset="0"/>
+                                                    </a:rPr>
+                                                    <m:t>−</m:t>
+                                                  </m:r>
+                                                  <m:sSub>
+                                                    <m:sSubPr>
+                                                      <m:ctrlPr>
+                                                        <a:rPr lang="en-US" sz="2400" i="1">
+                                                          <a:latin typeface="Cambria Math" panose="02040503050406030204" pitchFamily="18" charset="0"/>
+                                                        </a:rPr>
+                                                      </m:ctrlPr>
+                                                    </m:sSubPr>
+                                                    <m:e>
+                                                      <m:r>
+                                                        <a:rPr lang="en-US" sz="2400" i="1">
+                                                          <a:latin typeface="Cambria Math" panose="02040503050406030204" pitchFamily="18" charset="0"/>
+                                                        </a:rPr>
+                                                        <m:t>𝑟</m:t>
+                                                      </m:r>
+                                                    </m:e>
+                                                    <m:sub>
+                                                      <m:r>
+                                                        <a:rPr lang="en-US" sz="2400" i="1">
+                                                          <a:latin typeface="Cambria Math" charset="0"/>
+                                                        </a:rPr>
+                                                        <m:t>𝑖𝑗</m:t>
+                                                      </m:r>
+                                                    </m:sub>
+                                                  </m:sSub>
+                                                </m:e>
+                                              </m:d>
+                                            </m:e>
+                                            <m:sup>
+                                              <m:r>
+                                                <a:rPr lang="en-US" sz="2400" i="1">
+                                                  <a:latin typeface="Cambria Math" panose="02040503050406030204" pitchFamily="18" charset="0"/>
+                                                </a:rPr>
+                                                <m:t>2</m:t>
+                                              </m:r>
+                                            </m:sup>
+                                          </m:sSup>
+                                        </m:num>
+                                        <m:den>
+                                          <m:r>
+                                            <a:rPr lang="en-US" sz="2400" i="1">
+                                              <a:latin typeface="Cambria Math" panose="02040503050406030204" pitchFamily="18" charset="0"/>
+                                            </a:rPr>
+                                            <m:t>2</m:t>
+                                          </m:r>
+                                          <m:sSup>
+                                            <m:sSupPr>
+                                              <m:ctrlPr>
+                                                <a:rPr lang="en-US" sz="2400" i="1">
+                                                  <a:latin typeface="Cambria Math" panose="02040503050406030204" pitchFamily="18" charset="0"/>
+                                                </a:rPr>
+                                              </m:ctrlPr>
+                                            </m:sSupPr>
+                                            <m:e>
+                                              <m:r>
+                                                <a:rPr lang="en-US" sz="2400" i="1">
+                                                  <a:latin typeface="Cambria Math" panose="02040503050406030204" pitchFamily="18" charset="0"/>
+                                                </a:rPr>
+                                                <m:t>𝑙</m:t>
+                                              </m:r>
+                                            </m:e>
+                                            <m:sup>
+                                              <m:r>
+                                                <a:rPr lang="en-US" sz="2400" i="1">
+                                                  <a:latin typeface="Cambria Math" panose="02040503050406030204" pitchFamily="18" charset="0"/>
+                                                </a:rPr>
+                                                <m:t>2</m:t>
+                                              </m:r>
+                                            </m:sup>
+                                          </m:sSup>
+                                        </m:den>
+                                      </m:f>
+                                    </m:e>
+                                  </m:d>
+                                </m:e>
+                              </m:func>
+                            </m:num>
+                            <m:den>
+                              <m:sSubSup>
+                                <m:sSubSupPr>
+                                  <m:ctrlPr>
+                                    <a:rPr lang="en-US" sz="2400" i="1">
+                                      <a:latin typeface="Cambria Math" panose="02040503050406030204" pitchFamily="18" charset="0"/>
+                                    </a:rPr>
+                                  </m:ctrlPr>
+                                </m:sSubSupPr>
+                                <m:e>
+                                  <m:r>
+                                    <a:rPr lang="en-US" sz="2400" b="0" i="1" smtClean="0">
+                                      <a:latin typeface="Cambria Math" panose="02040503050406030204" pitchFamily="18" charset="0"/>
+                                    </a:rPr>
+                                    <m:t>𝑟</m:t>
+                                  </m:r>
+                                </m:e>
+                                <m:sub>
+                                  <m:r>
+                                    <a:rPr lang="en-US" sz="2400" i="1">
+                                      <a:latin typeface="Cambria Math" charset="0"/>
+                                    </a:rPr>
+                                    <m:t>𝑖𝑗</m:t>
+                                  </m:r>
+                                </m:sub>
+                                <m:sup>
+                                  <m:r>
+                                    <a:rPr lang="en-US" sz="2400" i="1">
+                                      <a:latin typeface="Cambria Math" charset="0"/>
+                                    </a:rPr>
+                                    <m:t>2</m:t>
+                                  </m:r>
+                                </m:sup>
+                              </m:sSubSup>
+                            </m:den>
+                          </m:f>
+                        </m:e>
+                      </m:nary>
+                    </m:oMath>
+                  </m:oMathPara>
+                </a14:m>
+                <a:endParaRPr lang="da-DK" sz="2400" dirty="0"/>
+              </a:p>
+            </p:txBody>
+          </p:sp>
+        </mc:Choice>
+        <mc:Fallback>
+          <p:sp>
+            <p:nvSpPr>
+              <p:cNvPr id="8" name="Rectangle 7">
+                <a:extLst>
+                  <a:ext uri="{FF2B5EF4-FFF2-40B4-BE49-F238E27FC236}">
+                    <a16:creationId xmlns:a16="http://schemas.microsoft.com/office/drawing/2014/main" id="{414104F3-916E-8442-8B11-CE399A765C44}"/>
+                  </a:ext>
+                </a:extLst>
+              </p:cNvPr>
+              <p:cNvSpPr>
+                <a:spLocks noRot="1" noChangeAspect="1" noMove="1" noResize="1" noEditPoints="1" noAdjustHandles="1" noChangeArrowheads="1" noChangeShapeType="1" noTextEdit="1"/>
+              </p:cNvSpPr>
+              <p:nvPr/>
+            </p:nvSpPr>
+            <p:spPr>
+              <a:xfrm>
+                <a:off x="838200" y="2265532"/>
+                <a:ext cx="4769062" cy="1501437"/>
+              </a:xfrm>
+              <a:prstGeom prst="rect">
+                <a:avLst/>
+              </a:prstGeom>
+              <a:blipFill>
+                <a:blip r:embed="rId2"/>
+                <a:stretch>
+                  <a:fillRect t="-55000" b="-114167"/>
+                </a:stretch>
+              </a:blipFill>
+            </p:spPr>
+            <p:txBody>
+              <a:bodyPr/>
+              <a:lstStyle/>
+              <a:p>
+                <a:r>
+                  <a:rPr lang="da-DK">
+                    <a:noFill/>
+                  </a:rPr>
+                  <a:t> </a:t>
+                </a:r>
+              </a:p>
+            </p:txBody>
+          </p:sp>
+        </mc:Fallback>
+      </mc:AlternateContent>
+      <p:pic>
+        <p:nvPicPr>
+          <p:cNvPr id="9" name="Picture 8">
+            <a:extLst>
+              <a:ext uri="{FF2B5EF4-FFF2-40B4-BE49-F238E27FC236}">
+                <a16:creationId xmlns:a16="http://schemas.microsoft.com/office/drawing/2014/main" id="{BF15BAE1-504B-B046-921C-435331A07A32}"/>
+              </a:ext>
+            </a:extLst>
+          </p:cNvPr>
+          <p:cNvPicPr>
+            <a:picLocks noChangeAspect="1"/>
+          </p:cNvPicPr>
+          <p:nvPr/>
+        </p:nvPicPr>
+        <p:blipFill>
+          <a:blip r:embed="rId3">
+            <a:extLst>
+              <a:ext uri="{28A0092B-C50C-407E-A947-70E740481C1C}">
+                <a14:useLocalDpi xmlns:a14="http://schemas.microsoft.com/office/drawing/2010/main" val="0"/>
+              </a:ext>
+            </a:extLst>
+          </a:blip>
+          <a:stretch>
+            <a:fillRect/>
+          </a:stretch>
+        </p:blipFill>
+        <p:spPr>
+          <a:xfrm>
+            <a:off x="2017162" y="4341813"/>
+            <a:ext cx="1828800" cy="1828800"/>
+          </a:xfrm>
+          <a:prstGeom prst="rect">
+            <a:avLst/>
+          </a:prstGeom>
+        </p:spPr>
+      </p:pic>
+      <p:sp>
+        <p:nvSpPr>
+          <p:cNvPr id="10" name="Right Arrow 9">
+            <a:extLst>
+              <a:ext uri="{FF2B5EF4-FFF2-40B4-BE49-F238E27FC236}">
+                <a16:creationId xmlns:a16="http://schemas.microsoft.com/office/drawing/2014/main" id="{94C9DDF9-4503-204A-9DCF-BF98426053C9}"/>
+              </a:ext>
+            </a:extLst>
+          </p:cNvPr>
+          <p:cNvSpPr/>
+          <p:nvPr/>
+        </p:nvSpPr>
+        <p:spPr>
+          <a:xfrm>
+            <a:off x="4439609" y="4794548"/>
+            <a:ext cx="1933482" cy="461665"/>
+          </a:xfrm>
+          <a:prstGeom prst="rightArrow">
+            <a:avLst/>
+          </a:prstGeom>
+        </p:spPr>
+        <p:style>
+          <a:lnRef idx="2">
+            <a:schemeClr val="accent1">
+              <a:shade val="50000"/>
+            </a:schemeClr>
+          </a:lnRef>
+          <a:fillRef idx="1">
+            <a:schemeClr val="accent1"/>
+          </a:fillRef>
+          <a:effectRef idx="0">
+            <a:schemeClr val="accent1"/>
+          </a:effectRef>
+          <a:fontRef idx="minor">
+            <a:schemeClr val="lt1"/>
+          </a:fontRef>
+        </p:style>
+        <p:txBody>
+          <a:bodyPr rtlCol="0" anchor="ctr"/>
+          <a:lstStyle/>
+          <a:p>
+            <a:pPr algn="ctr"/>
+            <a:endParaRPr lang="en-US"/>
+          </a:p>
+        </p:txBody>
+      </p:sp>
+      <p:pic>
+        <p:nvPicPr>
+          <p:cNvPr id="17" name="Picture 16">
+            <a:extLst>
+              <a:ext uri="{FF2B5EF4-FFF2-40B4-BE49-F238E27FC236}">
+                <a16:creationId xmlns:a16="http://schemas.microsoft.com/office/drawing/2014/main" id="{8E28E06C-9213-0149-B35F-F9E2CDA8F14E}"/>
+              </a:ext>
+            </a:extLst>
+          </p:cNvPr>
+          <p:cNvPicPr>
+            <a:picLocks noChangeAspect="1"/>
+          </p:cNvPicPr>
+          <p:nvPr/>
+        </p:nvPicPr>
+        <p:blipFill>
+          <a:blip r:embed="rId4"/>
+          <a:stretch>
+            <a:fillRect/>
+          </a:stretch>
+        </p:blipFill>
+        <p:spPr>
+          <a:xfrm>
+            <a:off x="6966738" y="3564974"/>
+            <a:ext cx="4227735" cy="3173093"/>
+          </a:xfrm>
+          <a:prstGeom prst="rect">
+            <a:avLst/>
+          </a:prstGeom>
+        </p:spPr>
+      </p:pic>
+      <mc:AlternateContent xmlns:mc="http://schemas.openxmlformats.org/markup-compatibility/2006">
+        <mc:Choice xmlns:a14="http://schemas.microsoft.com/office/drawing/2010/main" Requires="a14">
+          <p:sp>
+            <p:nvSpPr>
+              <p:cNvPr id="11" name="TextBox 10">
+                <a:extLst>
+                  <a:ext uri="{FF2B5EF4-FFF2-40B4-BE49-F238E27FC236}">
+                    <a16:creationId xmlns:a16="http://schemas.microsoft.com/office/drawing/2014/main" id="{F0021FB3-A36F-0E4D-9779-0FB3FFC9D816}"/>
+                  </a:ext>
+                </a:extLst>
+              </p:cNvPr>
+              <p:cNvSpPr txBox="1"/>
+              <p:nvPr/>
+            </p:nvSpPr>
+            <p:spPr>
+              <a:xfrm>
+                <a:off x="8936180" y="5444836"/>
+                <a:ext cx="631007" cy="461665"/>
+              </a:xfrm>
+              <a:prstGeom prst="rect">
+                <a:avLst/>
+              </a:prstGeom>
+              <a:noFill/>
+            </p:spPr>
+            <p:txBody>
+              <a:bodyPr wrap="none" rtlCol="0">
+                <a:spAutoFit/>
+              </a:bodyPr>
+              <a:lstStyle/>
+              <a:p>
+                <a14:m>
+                  <m:oMathPara xmlns:m="http://schemas.openxmlformats.org/officeDocument/2006/math">
+                    <m:oMathParaPr>
+                      <m:jc m:val="centerGroup"/>
+                    </m:oMathParaPr>
+                    <m:oMath xmlns:m="http://schemas.openxmlformats.org/officeDocument/2006/math">
+                      <m:sSub>
+                        <m:sSubPr>
+                          <m:ctrlPr>
+                            <a:rPr lang="en-US" sz="2400" b="0" i="1" smtClean="0">
+                              <a:latin typeface="Cambria Math" panose="02040503050406030204" pitchFamily="18" charset="0"/>
+                            </a:rPr>
+                          </m:ctrlPr>
+                        </m:sSubPr>
+                        <m:e>
+                          <m:r>
+                            <a:rPr lang="en-US" sz="2400" b="0" i="1" smtClean="0">
+                              <a:latin typeface="Cambria Math" panose="02040503050406030204" pitchFamily="18" charset="0"/>
+                            </a:rPr>
+                            <m:t>𝑟</m:t>
+                          </m:r>
+                        </m:e>
+                        <m:sub>
+                          <m:r>
+                            <a:rPr lang="en-US" sz="2400" b="0" i="1" smtClean="0">
+                              <a:latin typeface="Cambria Math" panose="02040503050406030204" pitchFamily="18" charset="0"/>
+                            </a:rPr>
+                            <m:t>12</m:t>
+                          </m:r>
+                        </m:sub>
+                      </m:sSub>
+                    </m:oMath>
+                  </m:oMathPara>
+                </a14:m>
+                <a:endParaRPr lang="da-DK" sz="2400" dirty="0"/>
+              </a:p>
+            </p:txBody>
+          </p:sp>
+        </mc:Choice>
+        <mc:Fallback>
+          <p:sp>
+            <p:nvSpPr>
+              <p:cNvPr id="11" name="TextBox 10">
+                <a:extLst>
+                  <a:ext uri="{FF2B5EF4-FFF2-40B4-BE49-F238E27FC236}">
+                    <a16:creationId xmlns:a16="http://schemas.microsoft.com/office/drawing/2014/main" id="{F0021FB3-A36F-0E4D-9779-0FB3FFC9D816}"/>
+                  </a:ext>
+                </a:extLst>
+              </p:cNvPr>
+              <p:cNvSpPr txBox="1">
+                <a:spLocks noRot="1" noChangeAspect="1" noMove="1" noResize="1" noEditPoints="1" noAdjustHandles="1" noChangeArrowheads="1" noChangeShapeType="1" noTextEdit="1"/>
+              </p:cNvSpPr>
+              <p:nvPr/>
+            </p:nvSpPr>
+            <p:spPr>
+              <a:xfrm>
+                <a:off x="8936180" y="5444836"/>
+                <a:ext cx="631007" cy="461665"/>
+              </a:xfrm>
+              <a:prstGeom prst="rect">
+                <a:avLst/>
+              </a:prstGeom>
+              <a:blipFill>
+                <a:blip r:embed="rId5"/>
+                <a:stretch>
+                  <a:fillRect b="-2703"/>
+                </a:stretch>
+              </a:blipFill>
+            </p:spPr>
+            <p:txBody>
+              <a:bodyPr/>
+              <a:lstStyle/>
+              <a:p>
+                <a:r>
+                  <a:rPr lang="da-DK">
+                    <a:noFill/>
+                  </a:rPr>
+                  <a:t> </a:t>
+                </a:r>
+              </a:p>
+            </p:txBody>
+          </p:sp>
+        </mc:Fallback>
+      </mc:AlternateContent>
+      <mc:AlternateContent xmlns:mc="http://schemas.openxmlformats.org/markup-compatibility/2006">
+        <mc:Choice xmlns:a14="http://schemas.microsoft.com/office/drawing/2010/main" Requires="a14">
+          <p:sp>
+            <p:nvSpPr>
+              <p:cNvPr id="12" name="TextBox 11">
+                <a:extLst>
+                  <a:ext uri="{FF2B5EF4-FFF2-40B4-BE49-F238E27FC236}">
+                    <a16:creationId xmlns:a16="http://schemas.microsoft.com/office/drawing/2014/main" id="{7CBFFABE-606D-6647-9C96-05940C597CB5}"/>
+                  </a:ext>
+                </a:extLst>
+              </p:cNvPr>
+              <p:cNvSpPr txBox="1"/>
+              <p:nvPr/>
+            </p:nvSpPr>
+            <p:spPr>
+              <a:xfrm>
+                <a:off x="8277463" y="5444835"/>
+                <a:ext cx="631007" cy="461665"/>
+              </a:xfrm>
+              <a:prstGeom prst="rect">
+                <a:avLst/>
+              </a:prstGeom>
+              <a:noFill/>
+            </p:spPr>
+            <p:txBody>
+              <a:bodyPr wrap="none" rtlCol="0">
+                <a:spAutoFit/>
+              </a:bodyPr>
+              <a:lstStyle/>
+              <a:p>
+                <a14:m>
+                  <m:oMathPara xmlns:m="http://schemas.openxmlformats.org/officeDocument/2006/math">
+                    <m:oMathParaPr>
+                      <m:jc m:val="centerGroup"/>
+                    </m:oMathParaPr>
+                    <m:oMath xmlns:m="http://schemas.openxmlformats.org/officeDocument/2006/math">
+                      <m:sSub>
+                        <m:sSubPr>
+                          <m:ctrlPr>
+                            <a:rPr lang="en-US" sz="2400" b="0" i="1" smtClean="0">
+                              <a:latin typeface="Cambria Math" panose="02040503050406030204" pitchFamily="18" charset="0"/>
+                            </a:rPr>
+                          </m:ctrlPr>
+                        </m:sSubPr>
+                        <m:e>
+                          <m:r>
+                            <a:rPr lang="en-US" sz="2400" b="0" i="1" smtClean="0">
+                              <a:latin typeface="Cambria Math" panose="02040503050406030204" pitchFamily="18" charset="0"/>
+                            </a:rPr>
+                            <m:t>𝑟</m:t>
+                          </m:r>
+                        </m:e>
+                        <m:sub>
+                          <m:r>
+                            <a:rPr lang="en-US" sz="2400" b="0" i="1" smtClean="0">
+                              <a:latin typeface="Cambria Math" panose="02040503050406030204" pitchFamily="18" charset="0"/>
+                            </a:rPr>
+                            <m:t>13</m:t>
+                          </m:r>
+                        </m:sub>
+                      </m:sSub>
+                    </m:oMath>
+                  </m:oMathPara>
+                </a14:m>
+                <a:endParaRPr lang="da-DK" sz="2400" dirty="0"/>
+              </a:p>
+            </p:txBody>
+          </p:sp>
+        </mc:Choice>
+        <mc:Fallback>
+          <p:sp>
+            <p:nvSpPr>
+              <p:cNvPr id="12" name="TextBox 11">
+                <a:extLst>
+                  <a:ext uri="{FF2B5EF4-FFF2-40B4-BE49-F238E27FC236}">
+                    <a16:creationId xmlns:a16="http://schemas.microsoft.com/office/drawing/2014/main" id="{7CBFFABE-606D-6647-9C96-05940C597CB5}"/>
+                  </a:ext>
+                </a:extLst>
+              </p:cNvPr>
+              <p:cNvSpPr txBox="1">
+                <a:spLocks noRot="1" noChangeAspect="1" noMove="1" noResize="1" noEditPoints="1" noAdjustHandles="1" noChangeArrowheads="1" noChangeShapeType="1" noTextEdit="1"/>
+              </p:cNvSpPr>
+              <p:nvPr/>
+            </p:nvSpPr>
+            <p:spPr>
+              <a:xfrm>
+                <a:off x="8277463" y="5444835"/>
+                <a:ext cx="631007" cy="461665"/>
+              </a:xfrm>
+              <a:prstGeom prst="rect">
+                <a:avLst/>
+              </a:prstGeom>
+              <a:blipFill>
+                <a:blip r:embed="rId6"/>
+                <a:stretch>
+                  <a:fillRect b="-2703"/>
+                </a:stretch>
+              </a:blipFill>
+            </p:spPr>
+            <p:txBody>
+              <a:bodyPr/>
+              <a:lstStyle/>
+              <a:p>
+                <a:r>
+                  <a:rPr lang="da-DK">
+                    <a:noFill/>
+                  </a:rPr>
+                  <a:t> </a:t>
+                </a:r>
+              </a:p>
+            </p:txBody>
+          </p:sp>
+        </mc:Fallback>
+      </mc:AlternateContent>
+      <mc:AlternateContent xmlns:mc="http://schemas.openxmlformats.org/markup-compatibility/2006">
+        <mc:Choice xmlns:a14="http://schemas.microsoft.com/office/drawing/2010/main" Requires="a14">
+          <p:sp>
+            <p:nvSpPr>
+              <p:cNvPr id="13" name="TextBox 12">
+                <a:extLst>
+                  <a:ext uri="{FF2B5EF4-FFF2-40B4-BE49-F238E27FC236}">
+                    <a16:creationId xmlns:a16="http://schemas.microsoft.com/office/drawing/2014/main" id="{BBF75692-95E3-524A-A032-D39A6C8B4A8D}"/>
+                  </a:ext>
+                </a:extLst>
+              </p:cNvPr>
+              <p:cNvSpPr txBox="1"/>
+              <p:nvPr/>
+            </p:nvSpPr>
+            <p:spPr>
+              <a:xfrm>
+                <a:off x="9571392" y="5444835"/>
+                <a:ext cx="638123" cy="461665"/>
+              </a:xfrm>
+              <a:prstGeom prst="rect">
+                <a:avLst/>
+              </a:prstGeom>
+              <a:noFill/>
+            </p:spPr>
+            <p:txBody>
+              <a:bodyPr wrap="none" rtlCol="0">
+                <a:spAutoFit/>
+              </a:bodyPr>
+              <a:lstStyle/>
+              <a:p>
+                <a14:m>
+                  <m:oMathPara xmlns:m="http://schemas.openxmlformats.org/officeDocument/2006/math">
+                    <m:oMathParaPr>
+                      <m:jc m:val="centerGroup"/>
+                    </m:oMathParaPr>
+                    <m:oMath xmlns:m="http://schemas.openxmlformats.org/officeDocument/2006/math">
+                      <m:sSub>
+                        <m:sSubPr>
+                          <m:ctrlPr>
+                            <a:rPr lang="en-US" sz="2400" b="0" i="1" smtClean="0">
+                              <a:latin typeface="Cambria Math" panose="02040503050406030204" pitchFamily="18" charset="0"/>
+                            </a:rPr>
+                          </m:ctrlPr>
+                        </m:sSubPr>
+                        <m:e>
+                          <m:r>
+                            <a:rPr lang="en-US" sz="2400" b="0" i="1" smtClean="0">
+                              <a:latin typeface="Cambria Math" panose="02040503050406030204" pitchFamily="18" charset="0"/>
+                            </a:rPr>
+                            <m:t>𝑟</m:t>
+                          </m:r>
+                        </m:e>
+                        <m:sub>
+                          <m:r>
+                            <a:rPr lang="en-US" sz="2400" b="0" i="1" smtClean="0">
+                              <a:latin typeface="Cambria Math" panose="02040503050406030204" pitchFamily="18" charset="0"/>
+                            </a:rPr>
+                            <m:t>23</m:t>
+                          </m:r>
+                        </m:sub>
+                      </m:sSub>
+                    </m:oMath>
+                  </m:oMathPara>
+                </a14:m>
+                <a:endParaRPr lang="da-DK" sz="2400" dirty="0"/>
+              </a:p>
+            </p:txBody>
+          </p:sp>
+        </mc:Choice>
+        <mc:Fallback>
+          <p:sp>
+            <p:nvSpPr>
+              <p:cNvPr id="13" name="TextBox 12">
+                <a:extLst>
+                  <a:ext uri="{FF2B5EF4-FFF2-40B4-BE49-F238E27FC236}">
+                    <a16:creationId xmlns:a16="http://schemas.microsoft.com/office/drawing/2014/main" id="{BBF75692-95E3-524A-A032-D39A6C8B4A8D}"/>
+                  </a:ext>
+                </a:extLst>
+              </p:cNvPr>
+              <p:cNvSpPr txBox="1">
+                <a:spLocks noRot="1" noChangeAspect="1" noMove="1" noResize="1" noEditPoints="1" noAdjustHandles="1" noChangeArrowheads="1" noChangeShapeType="1" noTextEdit="1"/>
+              </p:cNvSpPr>
+              <p:nvPr/>
+            </p:nvSpPr>
+            <p:spPr>
+              <a:xfrm>
+                <a:off x="9571392" y="5444835"/>
+                <a:ext cx="638123" cy="461665"/>
+              </a:xfrm>
+              <a:prstGeom prst="rect">
+                <a:avLst/>
+              </a:prstGeom>
+              <a:blipFill>
+                <a:blip r:embed="rId7"/>
+                <a:stretch>
+                  <a:fillRect b="-2703"/>
+                </a:stretch>
+              </a:blipFill>
+            </p:spPr>
+            <p:txBody>
+              <a:bodyPr/>
+              <a:lstStyle/>
+              <a:p>
+                <a:r>
+                  <a:rPr lang="da-DK">
+                    <a:noFill/>
+                  </a:rPr>
+                  <a:t> </a:t>
+                </a:r>
+              </a:p>
+            </p:txBody>
+          </p:sp>
+        </mc:Fallback>
+      </mc:AlternateContent>
+      <p:sp>
+        <p:nvSpPr>
+          <p:cNvPr id="14" name="TextBox 13">
+            <a:extLst>
+              <a:ext uri="{FF2B5EF4-FFF2-40B4-BE49-F238E27FC236}">
+                <a16:creationId xmlns:a16="http://schemas.microsoft.com/office/drawing/2014/main" id="{954AC17A-CB84-C848-B0EF-06DF4CB9B8B3}"/>
+              </a:ext>
+            </a:extLst>
+          </p:cNvPr>
+          <p:cNvSpPr txBox="1"/>
+          <p:nvPr/>
+        </p:nvSpPr>
+        <p:spPr>
+          <a:xfrm>
+            <a:off x="4429226" y="4282805"/>
+            <a:ext cx="1990353" cy="461665"/>
+          </a:xfrm>
+          <a:prstGeom prst="rect">
+            <a:avLst/>
+          </a:prstGeom>
+          <a:noFill/>
+        </p:spPr>
+        <p:txBody>
+          <a:bodyPr wrap="none" rtlCol="0">
+            <a:spAutoFit/>
+          </a:bodyPr>
+          <a:lstStyle/>
+          <a:p>
+            <a:r>
+              <a:rPr lang="da-DK" sz="2400" dirty="0"/>
+              <a:t>Sum </a:t>
+            </a:r>
+            <a:r>
+              <a:rPr lang="da-DK" sz="2400" dirty="0" err="1"/>
+              <a:t>gaussians</a:t>
+            </a:r>
+            <a:endParaRPr lang="da-DK" sz="2400" dirty="0"/>
+          </a:p>
+        </p:txBody>
+      </p:sp>
+    </p:spTree>
+    <p:extLst>
+      <p:ext uri="{BB962C8B-B14F-4D97-AF65-F5344CB8AC3E}">
+        <p14:creationId xmlns:p14="http://schemas.microsoft.com/office/powerpoint/2010/main" val="2304922724"/>
+      </p:ext>
+    </p:extLst>
+  </p:cSld>
+  <p:clrMapOvr>
+    <a:masterClrMapping/>
+  </p:clrMapOvr>
+</p:sld>
+</file>
+
+<file path=ppt/slides/slide18.xml><?xml version="1.0" encoding="utf-8"?>
+<p:sld xmlns:a="http://schemas.openxmlformats.org/drawingml/2006/main" xmlns:r="http://schemas.openxmlformats.org/officeDocument/2006/relationships" xmlns:p="http://schemas.openxmlformats.org/presentationml/2006/main">
+  <p:cSld>
+    <p:spTree>
+      <p:nvGrpSpPr>
+        <p:cNvPr id="1" name=""/>
+        <p:cNvGrpSpPr/>
+        <p:nvPr/>
+      </p:nvGrpSpPr>
+      <p:grpSpPr>
+        <a:xfrm>
+          <a:off x="0" y="0"/>
+          <a:ext cx="0" cy="0"/>
+          <a:chOff x="0" y="0"/>
+          <a:chExt cx="0" cy="0"/>
+        </a:xfrm>
+      </p:grpSpPr>
+      <p:sp>
+        <p:nvSpPr>
+          <p:cNvPr id="2" name="Title 1"/>
+          <p:cNvSpPr>
+            <a:spLocks noGrp="1"/>
+          </p:cNvSpPr>
+          <p:nvPr>
+            <p:ph type="title"/>
+          </p:nvPr>
+        </p:nvSpPr>
+        <p:spPr/>
+        <p:txBody>
+          <a:bodyPr/>
+          <a:lstStyle/>
+          <a:p>
+            <a:r>
+              <a:rPr lang="en-US" dirty="0"/>
+              <a:t>Features</a:t>
+            </a:r>
+          </a:p>
+        </p:txBody>
+      </p:sp>
+      <p:sp>
+        <p:nvSpPr>
+          <p:cNvPr id="7" name="Rectangle 6">
+            <a:extLst>
+              <a:ext uri="{FF2B5EF4-FFF2-40B4-BE49-F238E27FC236}">
+                <a16:creationId xmlns:a16="http://schemas.microsoft.com/office/drawing/2014/main" id="{934568A6-9E16-1747-BBDA-DDABE1317ABF}"/>
+              </a:ext>
+            </a:extLst>
+          </p:cNvPr>
+          <p:cNvSpPr/>
+          <p:nvPr/>
+        </p:nvSpPr>
+        <p:spPr>
+          <a:xfrm>
+            <a:off x="838200" y="1690688"/>
+            <a:ext cx="4186724" cy="461665"/>
+          </a:xfrm>
+          <a:prstGeom prst="rect">
+            <a:avLst/>
+          </a:prstGeom>
+        </p:spPr>
+        <p:txBody>
+          <a:bodyPr wrap="none">
+            <a:spAutoFit/>
+          </a:bodyPr>
+          <a:lstStyle/>
+          <a:p>
+            <a:r>
+              <a:rPr lang="en-US" sz="2400" dirty="0"/>
+              <a:t>Example 1 </a:t>
+            </a:r>
+            <a:r>
+              <a:rPr lang="mr-IN" sz="2400" dirty="0"/>
+              <a:t>–</a:t>
+            </a:r>
+            <a:r>
+              <a:rPr lang="en-US" sz="2400" dirty="0"/>
+              <a:t> </a:t>
+            </a:r>
+            <a:r>
+              <a:rPr lang="en-US" sz="2400" b="1" i="1" dirty="0" err="1"/>
+              <a:t>Organov</a:t>
+            </a:r>
+            <a:r>
+              <a:rPr lang="en-US" sz="2400" b="1" i="1" dirty="0"/>
+              <a:t> and Valle</a:t>
+            </a:r>
+            <a:endParaRPr lang="en-US" sz="2400" dirty="0"/>
+          </a:p>
+        </p:txBody>
+      </p:sp>
+      <mc:AlternateContent xmlns:mc="http://schemas.openxmlformats.org/markup-compatibility/2006">
+        <mc:Choice xmlns:a14="http://schemas.microsoft.com/office/drawing/2010/main" Requires="a14">
+          <p:sp>
+            <p:nvSpPr>
+              <p:cNvPr id="8" name="Rectangle 7">
+                <a:extLst>
+                  <a:ext uri="{FF2B5EF4-FFF2-40B4-BE49-F238E27FC236}">
+                    <a16:creationId xmlns:a16="http://schemas.microsoft.com/office/drawing/2014/main" id="{414104F3-916E-8442-8B11-CE399A765C44}"/>
+                  </a:ext>
+                </a:extLst>
+              </p:cNvPr>
+              <p:cNvSpPr/>
+              <p:nvPr/>
+            </p:nvSpPr>
+            <p:spPr>
+              <a:xfrm>
+                <a:off x="838200" y="2265532"/>
+                <a:ext cx="4769062" cy="1501437"/>
+              </a:xfrm>
+              <a:prstGeom prst="rect">
+                <a:avLst/>
+              </a:prstGeom>
+            </p:spPr>
+            <p:txBody>
+              <a:bodyPr wrap="none">
+                <a:spAutoFit/>
+              </a:bodyPr>
+              <a:lstStyle/>
+              <a:p>
+                <a14:m>
+                  <m:oMathPara xmlns:m="http://schemas.openxmlformats.org/officeDocument/2006/math">
+                    <m:oMathParaPr>
+                      <m:jc m:val="centerGroup"/>
+                    </m:oMathParaPr>
+                    <m:oMath xmlns:m="http://schemas.openxmlformats.org/officeDocument/2006/math">
+                      <m:sSub>
+                        <m:sSubPr>
+                          <m:ctrlPr>
+                            <a:rPr lang="en-US" sz="2400" i="1" smtClean="0">
+                              <a:latin typeface="Cambria Math" panose="02040503050406030204" pitchFamily="18" charset="0"/>
+                            </a:rPr>
+                          </m:ctrlPr>
+                        </m:sSubPr>
+                        <m:e>
+                          <m:r>
+                            <a:rPr lang="en-US" sz="2400" i="1">
+                              <a:latin typeface="Cambria Math" charset="0"/>
+                            </a:rPr>
+                            <m:t>𝐹</m:t>
+                          </m:r>
+                        </m:e>
+                        <m:sub>
+                          <m:r>
+                            <a:rPr lang="en-US" sz="2400" i="1">
+                              <a:latin typeface="Cambria Math" charset="0"/>
+                            </a:rPr>
+                            <m:t>𝐴</m:t>
+                          </m:r>
+                          <m:r>
+                            <a:rPr lang="en-US" sz="2400" i="1">
+                              <a:latin typeface="Cambria Math" charset="0"/>
+                            </a:rPr>
+                            <m:t>,</m:t>
+                          </m:r>
+                          <m:r>
+                            <a:rPr lang="en-US" sz="2400" i="1">
+                              <a:latin typeface="Cambria Math" charset="0"/>
+                            </a:rPr>
+                            <m:t>𝐵</m:t>
+                          </m:r>
+                        </m:sub>
+                      </m:sSub>
+                      <m:d>
+                        <m:dPr>
+                          <m:ctrlPr>
+                            <a:rPr lang="en-US" sz="2400" i="1">
+                              <a:latin typeface="Cambria Math" panose="02040503050406030204" pitchFamily="18" charset="0"/>
+                            </a:rPr>
+                          </m:ctrlPr>
+                        </m:dPr>
+                        <m:e>
+                          <m:r>
+                            <a:rPr lang="en-US" sz="2400" b="0" i="1" smtClean="0">
+                              <a:latin typeface="Cambria Math" panose="02040503050406030204" pitchFamily="18" charset="0"/>
+                            </a:rPr>
+                            <m:t>𝑟</m:t>
+                          </m:r>
+                        </m:e>
+                      </m:d>
+                      <m:r>
+                        <a:rPr lang="en-US" sz="2400" i="1">
+                          <a:latin typeface="Cambria Math" panose="02040503050406030204" pitchFamily="18" charset="0"/>
+                        </a:rPr>
+                        <m:t>  ∝ </m:t>
+                      </m:r>
+                      <m:nary>
+                        <m:naryPr>
+                          <m:chr m:val="∑"/>
+                          <m:supHide m:val="on"/>
+                          <m:ctrlPr>
+                            <a:rPr lang="en-US" sz="2400" i="1">
+                              <a:latin typeface="Cambria Math" panose="02040503050406030204" pitchFamily="18" charset="0"/>
+                            </a:rPr>
+                          </m:ctrlPr>
+                        </m:naryPr>
+                        <m:sub>
+                          <m:sSub>
+                            <m:sSubPr>
+                              <m:ctrlPr>
+                                <a:rPr lang="en-US" sz="2400" i="1">
+                                  <a:latin typeface="Cambria Math" panose="02040503050406030204" pitchFamily="18" charset="0"/>
+                                </a:rPr>
+                              </m:ctrlPr>
+                            </m:sSubPr>
+                            <m:e>
+                              <m:r>
+                                <m:rPr>
+                                  <m:brk m:alnAt="7"/>
+                                </m:rPr>
+                                <a:rPr lang="en-US" sz="2400" i="1">
+                                  <a:latin typeface="Cambria Math" charset="0"/>
+                                </a:rPr>
+                                <m:t>𝐴</m:t>
+                              </m:r>
+                            </m:e>
+                            <m:sub>
+                              <m:r>
+                                <m:rPr>
+                                  <m:brk m:alnAt="7"/>
+                                </m:rPr>
+                                <a:rPr lang="en-US" sz="2400" i="1">
+                                  <a:latin typeface="Cambria Math" charset="0"/>
+                                </a:rPr>
+                                <m:t>𝑖</m:t>
+                              </m:r>
+                            </m:sub>
+                          </m:sSub>
+                          <m:r>
+                            <m:rPr>
+                              <m:brk m:alnAt="7"/>
+                            </m:rPr>
+                            <a:rPr lang="en-US" sz="2400" i="1">
+                              <a:latin typeface="Cambria Math" charset="0"/>
+                            </a:rPr>
+                            <m:t>,</m:t>
+                          </m:r>
+                          <m:sSub>
+                            <m:sSubPr>
+                              <m:ctrlPr>
+                                <a:rPr lang="en-US" sz="2400" i="1">
+                                  <a:latin typeface="Cambria Math" panose="02040503050406030204" pitchFamily="18" charset="0"/>
+                                </a:rPr>
+                              </m:ctrlPr>
+                            </m:sSubPr>
+                            <m:e>
+                              <m:r>
+                                <m:rPr>
+                                  <m:brk m:alnAt="7"/>
+                                </m:rPr>
+                                <a:rPr lang="en-US" sz="2400" i="1">
+                                  <a:latin typeface="Cambria Math" charset="0"/>
+                                </a:rPr>
+                                <m:t>𝐵</m:t>
+                              </m:r>
+                            </m:e>
+                            <m:sub>
+                              <m:r>
+                                <m:rPr>
+                                  <m:brk m:alnAt="7"/>
+                                </m:rPr>
+                                <a:rPr lang="en-US" sz="2400" i="1">
+                                  <a:latin typeface="Cambria Math" charset="0"/>
+                                </a:rPr>
+                                <m:t>𝑖</m:t>
+                              </m:r>
+                            </m:sub>
+                          </m:sSub>
+                        </m:sub>
+                        <m:sup/>
+                        <m:e>
+                          <m:f>
+                            <m:fPr>
+                              <m:ctrlPr>
+                                <a:rPr lang="mr-IN" sz="2400" i="1">
+                                  <a:latin typeface="Cambria Math" panose="02040503050406030204" pitchFamily="18" charset="0"/>
+                                </a:rPr>
+                              </m:ctrlPr>
+                            </m:fPr>
+                            <m:num>
+                              <m:func>
+                                <m:funcPr>
+                                  <m:ctrlPr>
+                                    <a:rPr lang="en-US" sz="2400" i="1">
+                                      <a:latin typeface="Cambria Math" panose="02040503050406030204" pitchFamily="18" charset="0"/>
+                                    </a:rPr>
+                                  </m:ctrlPr>
+                                </m:funcPr>
+                                <m:fName>
+                                  <m:r>
+                                    <m:rPr>
+                                      <m:sty m:val="p"/>
+                                    </m:rPr>
+                                    <a:rPr lang="en-US" sz="2400">
+                                      <a:latin typeface="Cambria Math" panose="02040503050406030204" pitchFamily="18" charset="0"/>
+                                    </a:rPr>
+                                    <m:t>exp</m:t>
+                                  </m:r>
+                                </m:fName>
+                                <m:e>
+                                  <m:d>
+                                    <m:dPr>
+                                      <m:ctrlPr>
+                                        <a:rPr lang="mr-IN" sz="2400" i="1">
+                                          <a:latin typeface="Cambria Math" panose="02040503050406030204" pitchFamily="18" charset="0"/>
+                                        </a:rPr>
+                                      </m:ctrlPr>
+                                    </m:dPr>
+                                    <m:e>
+                                      <m:r>
+                                        <a:rPr lang="en-US" sz="2400" i="1">
+                                          <a:latin typeface="Cambria Math" panose="02040503050406030204" pitchFamily="18" charset="0"/>
+                                        </a:rPr>
+                                        <m:t>−</m:t>
+                                      </m:r>
+                                      <m:f>
+                                        <m:fPr>
+                                          <m:ctrlPr>
+                                            <a:rPr lang="en-US" sz="2400" i="1" smtClean="0">
+                                              <a:latin typeface="Cambria Math" panose="02040503050406030204" pitchFamily="18" charset="0"/>
+                                            </a:rPr>
+                                          </m:ctrlPr>
+                                        </m:fPr>
+                                        <m:num>
+                                          <m:sSup>
+                                            <m:sSupPr>
+                                              <m:ctrlPr>
+                                                <a:rPr lang="en-US" sz="2400" i="1">
+                                                  <a:latin typeface="Cambria Math" panose="02040503050406030204" pitchFamily="18" charset="0"/>
+                                                </a:rPr>
+                                              </m:ctrlPr>
+                                            </m:sSupPr>
+                                            <m:e>
+                                              <m:d>
+                                                <m:dPr>
+                                                  <m:begChr m:val="‖"/>
+                                                  <m:endChr m:val="‖"/>
+                                                  <m:ctrlPr>
+                                                    <a:rPr lang="mr-IN" sz="2400" i="1">
+                                                      <a:latin typeface="Cambria Math" panose="02040503050406030204" pitchFamily="18" charset="0"/>
+                                                    </a:rPr>
+                                                  </m:ctrlPr>
+                                                </m:dPr>
+                                                <m:e>
+                                                  <m:r>
+                                                    <a:rPr lang="en-US" sz="2400" i="1">
+                                                      <a:latin typeface="Cambria Math" panose="02040503050406030204" pitchFamily="18" charset="0"/>
+                                                    </a:rPr>
+                                                    <m:t>𝑟</m:t>
+                                                  </m:r>
+                                                  <m:r>
+                                                    <a:rPr lang="en-US" sz="2400" i="1">
+                                                      <a:latin typeface="Cambria Math" charset="0"/>
+                                                    </a:rPr>
+                                                    <m:t>−</m:t>
+                                                  </m:r>
+                                                  <m:sSub>
+                                                    <m:sSubPr>
+                                                      <m:ctrlPr>
+                                                        <a:rPr lang="en-US" sz="2400" i="1">
+                                                          <a:latin typeface="Cambria Math" panose="02040503050406030204" pitchFamily="18" charset="0"/>
+                                                        </a:rPr>
+                                                      </m:ctrlPr>
+                                                    </m:sSubPr>
+                                                    <m:e>
+                                                      <m:r>
+                                                        <a:rPr lang="en-US" sz="2400" i="1">
+                                                          <a:latin typeface="Cambria Math" panose="02040503050406030204" pitchFamily="18" charset="0"/>
+                                                        </a:rPr>
+                                                        <m:t>𝑟</m:t>
+                                                      </m:r>
+                                                    </m:e>
+                                                    <m:sub>
+                                                      <m:r>
+                                                        <a:rPr lang="en-US" sz="2400" i="1">
+                                                          <a:latin typeface="Cambria Math" charset="0"/>
+                                                        </a:rPr>
+                                                        <m:t>𝑖𝑗</m:t>
+                                                      </m:r>
+                                                    </m:sub>
+                                                  </m:sSub>
+                                                </m:e>
+                                              </m:d>
+                                            </m:e>
+                                            <m:sup>
+                                              <m:r>
+                                                <a:rPr lang="en-US" sz="2400" i="1">
+                                                  <a:latin typeface="Cambria Math" panose="02040503050406030204" pitchFamily="18" charset="0"/>
+                                                </a:rPr>
+                                                <m:t>2</m:t>
+                                              </m:r>
+                                            </m:sup>
+                                          </m:sSup>
+                                        </m:num>
+                                        <m:den>
+                                          <m:r>
+                                            <a:rPr lang="en-US" sz="2400" i="1">
+                                              <a:latin typeface="Cambria Math" panose="02040503050406030204" pitchFamily="18" charset="0"/>
+                                            </a:rPr>
+                                            <m:t>2</m:t>
+                                          </m:r>
+                                          <m:sSup>
+                                            <m:sSupPr>
+                                              <m:ctrlPr>
+                                                <a:rPr lang="en-US" sz="2400" i="1">
+                                                  <a:latin typeface="Cambria Math" panose="02040503050406030204" pitchFamily="18" charset="0"/>
+                                                </a:rPr>
+                                              </m:ctrlPr>
+                                            </m:sSupPr>
+                                            <m:e>
+                                              <m:r>
+                                                <a:rPr lang="en-US" sz="2400" i="1">
+                                                  <a:latin typeface="Cambria Math" panose="02040503050406030204" pitchFamily="18" charset="0"/>
+                                                </a:rPr>
+                                                <m:t>𝑙</m:t>
+                                              </m:r>
+                                            </m:e>
+                                            <m:sup>
+                                              <m:r>
+                                                <a:rPr lang="en-US" sz="2400" i="1">
+                                                  <a:latin typeface="Cambria Math" panose="02040503050406030204" pitchFamily="18" charset="0"/>
+                                                </a:rPr>
+                                                <m:t>2</m:t>
+                                              </m:r>
+                                            </m:sup>
+                                          </m:sSup>
+                                        </m:den>
+                                      </m:f>
+                                    </m:e>
+                                  </m:d>
+                                </m:e>
+                              </m:func>
+                            </m:num>
+                            <m:den>
+                              <m:sSubSup>
+                                <m:sSubSupPr>
+                                  <m:ctrlPr>
+                                    <a:rPr lang="en-US" sz="2400" i="1">
+                                      <a:latin typeface="Cambria Math" panose="02040503050406030204" pitchFamily="18" charset="0"/>
+                                    </a:rPr>
+                                  </m:ctrlPr>
+                                </m:sSubSupPr>
+                                <m:e>
+                                  <m:r>
+                                    <a:rPr lang="en-US" sz="2400" b="0" i="1" smtClean="0">
+                                      <a:latin typeface="Cambria Math" panose="02040503050406030204" pitchFamily="18" charset="0"/>
+                                    </a:rPr>
+                                    <m:t>𝑟</m:t>
+                                  </m:r>
+                                </m:e>
+                                <m:sub>
+                                  <m:r>
+                                    <a:rPr lang="en-US" sz="2400" i="1">
+                                      <a:latin typeface="Cambria Math" charset="0"/>
+                                    </a:rPr>
+                                    <m:t>𝑖𝑗</m:t>
+                                  </m:r>
+                                </m:sub>
+                                <m:sup>
+                                  <m:r>
+                                    <a:rPr lang="en-US" sz="2400" i="1">
+                                      <a:latin typeface="Cambria Math" charset="0"/>
+                                    </a:rPr>
+                                    <m:t>2</m:t>
+                                  </m:r>
+                                </m:sup>
+                              </m:sSubSup>
+                            </m:den>
+                          </m:f>
+                        </m:e>
+                      </m:nary>
+                    </m:oMath>
+                  </m:oMathPara>
+                </a14:m>
+                <a:endParaRPr lang="da-DK" sz="2400" dirty="0"/>
+              </a:p>
+            </p:txBody>
+          </p:sp>
+        </mc:Choice>
+        <mc:Fallback>
+          <p:sp>
+            <p:nvSpPr>
+              <p:cNvPr id="8" name="Rectangle 7">
+                <a:extLst>
+                  <a:ext uri="{FF2B5EF4-FFF2-40B4-BE49-F238E27FC236}">
+                    <a16:creationId xmlns:a16="http://schemas.microsoft.com/office/drawing/2014/main" id="{414104F3-916E-8442-8B11-CE399A765C44}"/>
+                  </a:ext>
+                </a:extLst>
+              </p:cNvPr>
+              <p:cNvSpPr>
+                <a:spLocks noRot="1" noChangeAspect="1" noMove="1" noResize="1" noEditPoints="1" noAdjustHandles="1" noChangeArrowheads="1" noChangeShapeType="1" noTextEdit="1"/>
+              </p:cNvSpPr>
+              <p:nvPr/>
+            </p:nvSpPr>
+            <p:spPr>
+              <a:xfrm>
+                <a:off x="838200" y="2265532"/>
+                <a:ext cx="4769062" cy="1501437"/>
+              </a:xfrm>
+              <a:prstGeom prst="rect">
+                <a:avLst/>
+              </a:prstGeom>
+              <a:blipFill>
+                <a:blip r:embed="rId2"/>
+                <a:stretch>
+                  <a:fillRect t="-55000" b="-114167"/>
+                </a:stretch>
+              </a:blipFill>
+            </p:spPr>
+            <p:txBody>
+              <a:bodyPr/>
+              <a:lstStyle/>
+              <a:p>
+                <a:r>
+                  <a:rPr lang="da-DK">
+                    <a:noFill/>
+                  </a:rPr>
+                  <a:t> </a:t>
+                </a:r>
+              </a:p>
+            </p:txBody>
+          </p:sp>
+        </mc:Fallback>
+      </mc:AlternateContent>
+      <p:pic>
+        <p:nvPicPr>
+          <p:cNvPr id="9" name="Picture 8">
+            <a:extLst>
+              <a:ext uri="{FF2B5EF4-FFF2-40B4-BE49-F238E27FC236}">
+                <a16:creationId xmlns:a16="http://schemas.microsoft.com/office/drawing/2014/main" id="{BF15BAE1-504B-B046-921C-435331A07A32}"/>
+              </a:ext>
+            </a:extLst>
+          </p:cNvPr>
+          <p:cNvPicPr>
+            <a:picLocks noChangeAspect="1"/>
+          </p:cNvPicPr>
+          <p:nvPr/>
+        </p:nvPicPr>
+        <p:blipFill>
+          <a:blip r:embed="rId3">
+            <a:extLst>
+              <a:ext uri="{28A0092B-C50C-407E-A947-70E740481C1C}">
+                <a14:useLocalDpi xmlns:a14="http://schemas.microsoft.com/office/drawing/2010/main" val="0"/>
+              </a:ext>
+            </a:extLst>
+          </a:blip>
+          <a:stretch>
+            <a:fillRect/>
+          </a:stretch>
+        </p:blipFill>
+        <p:spPr>
+          <a:xfrm>
+            <a:off x="2017162" y="4341813"/>
+            <a:ext cx="1828800" cy="1828800"/>
+          </a:xfrm>
+          <a:prstGeom prst="rect">
+            <a:avLst/>
+          </a:prstGeom>
+        </p:spPr>
+      </p:pic>
+      <p:sp>
+        <p:nvSpPr>
+          <p:cNvPr id="10" name="Right Arrow 9">
+            <a:extLst>
+              <a:ext uri="{FF2B5EF4-FFF2-40B4-BE49-F238E27FC236}">
+                <a16:creationId xmlns:a16="http://schemas.microsoft.com/office/drawing/2014/main" id="{94C9DDF9-4503-204A-9DCF-BF98426053C9}"/>
+              </a:ext>
+            </a:extLst>
+          </p:cNvPr>
+          <p:cNvSpPr/>
+          <p:nvPr/>
+        </p:nvSpPr>
+        <p:spPr>
+          <a:xfrm>
+            <a:off x="4439609" y="4794548"/>
+            <a:ext cx="1933482" cy="461665"/>
+          </a:xfrm>
+          <a:prstGeom prst="rightArrow">
+            <a:avLst/>
+          </a:prstGeom>
+        </p:spPr>
+        <p:style>
+          <a:lnRef idx="2">
+            <a:schemeClr val="accent1">
+              <a:shade val="50000"/>
+            </a:schemeClr>
+          </a:lnRef>
+          <a:fillRef idx="1">
+            <a:schemeClr val="accent1"/>
+          </a:fillRef>
+          <a:effectRef idx="0">
+            <a:schemeClr val="accent1"/>
+          </a:effectRef>
+          <a:fontRef idx="minor">
+            <a:schemeClr val="lt1"/>
+          </a:fontRef>
+        </p:style>
+        <p:txBody>
+          <a:bodyPr rtlCol="0" anchor="ctr"/>
+          <a:lstStyle/>
+          <a:p>
+            <a:pPr algn="ctr"/>
+            <a:endParaRPr lang="en-US"/>
+          </a:p>
+        </p:txBody>
+      </p:sp>
+      <p:pic>
+        <p:nvPicPr>
+          <p:cNvPr id="17" name="Picture 16">
+            <a:extLst>
+              <a:ext uri="{FF2B5EF4-FFF2-40B4-BE49-F238E27FC236}">
+                <a16:creationId xmlns:a16="http://schemas.microsoft.com/office/drawing/2014/main" id="{8E28E06C-9213-0149-B35F-F9E2CDA8F14E}"/>
+              </a:ext>
+            </a:extLst>
+          </p:cNvPr>
+          <p:cNvPicPr>
+            <a:picLocks noChangeAspect="1"/>
+          </p:cNvPicPr>
+          <p:nvPr/>
+        </p:nvPicPr>
+        <p:blipFill>
+          <a:blip r:embed="rId4"/>
+          <a:stretch>
+            <a:fillRect/>
+          </a:stretch>
+        </p:blipFill>
+        <p:spPr>
+          <a:xfrm>
+            <a:off x="6966738" y="3564974"/>
+            <a:ext cx="4227735" cy="3173093"/>
+          </a:xfrm>
+          <a:prstGeom prst="rect">
+            <a:avLst/>
+          </a:prstGeom>
+        </p:spPr>
+      </p:pic>
+      <p:sp>
+        <p:nvSpPr>
+          <p:cNvPr id="11" name="TextBox 10">
+            <a:extLst>
+              <a:ext uri="{FF2B5EF4-FFF2-40B4-BE49-F238E27FC236}">
+                <a16:creationId xmlns:a16="http://schemas.microsoft.com/office/drawing/2014/main" id="{CD90184F-5D4E-EA4F-84BF-EE0615F396C2}"/>
+              </a:ext>
+            </a:extLst>
+          </p:cNvPr>
+          <p:cNvSpPr txBox="1"/>
+          <p:nvPr/>
+        </p:nvSpPr>
+        <p:spPr>
+          <a:xfrm>
+            <a:off x="4429226" y="4282805"/>
+            <a:ext cx="1990353" cy="461665"/>
+          </a:xfrm>
+          <a:prstGeom prst="rect">
+            <a:avLst/>
+          </a:prstGeom>
+          <a:noFill/>
+        </p:spPr>
+        <p:txBody>
+          <a:bodyPr wrap="none" rtlCol="0">
+            <a:spAutoFit/>
+          </a:bodyPr>
+          <a:lstStyle/>
+          <a:p>
+            <a:r>
+              <a:rPr lang="da-DK" sz="2400" dirty="0"/>
+              <a:t>Sum </a:t>
+            </a:r>
+            <a:r>
+              <a:rPr lang="da-DK" sz="2400" dirty="0" err="1"/>
+              <a:t>gaussians</a:t>
+            </a:r>
+            <a:endParaRPr lang="da-DK" sz="2400" dirty="0"/>
+          </a:p>
+        </p:txBody>
+      </p:sp>
+    </p:spTree>
+    <p:extLst>
+      <p:ext uri="{BB962C8B-B14F-4D97-AF65-F5344CB8AC3E}">
+        <p14:creationId xmlns:p14="http://schemas.microsoft.com/office/powerpoint/2010/main" val="4156963899"/>
+      </p:ext>
+    </p:extLst>
+  </p:cSld>
+  <p:clrMapOvr>
+    <a:masterClrMapping/>
+  </p:clrMapOvr>
+</p:sld>
+</file>
+
+<file path=ppt/slides/slide19.xml><?xml version="1.0" encoding="utf-8"?>
+<p:sld xmlns:a="http://schemas.openxmlformats.org/drawingml/2006/main" xmlns:r="http://schemas.openxmlformats.org/officeDocument/2006/relationships" xmlns:p="http://schemas.openxmlformats.org/presentationml/2006/main">
+  <p:cSld>
+    <p:spTree>
+      <p:nvGrpSpPr>
+        <p:cNvPr id="1" name=""/>
+        <p:cNvGrpSpPr/>
+        <p:nvPr/>
+      </p:nvGrpSpPr>
+      <p:grpSpPr>
+        <a:xfrm>
+          <a:off x="0" y="0"/>
+          <a:ext cx="0" cy="0"/>
+          <a:chOff x="0" y="0"/>
+          <a:chExt cx="0" cy="0"/>
+        </a:xfrm>
+      </p:grpSpPr>
+      <p:sp>
+        <p:nvSpPr>
+          <p:cNvPr id="2" name="Title 1"/>
+          <p:cNvSpPr>
+            <a:spLocks noGrp="1"/>
+          </p:cNvSpPr>
+          <p:nvPr>
+            <p:ph type="title"/>
+          </p:nvPr>
+        </p:nvSpPr>
+        <p:spPr/>
+        <p:txBody>
+          <a:bodyPr/>
+          <a:lstStyle/>
+          <a:p>
+            <a:r>
+              <a:rPr lang="en-US" dirty="0"/>
+              <a:t>Features</a:t>
+            </a:r>
+          </a:p>
+        </p:txBody>
+      </p:sp>
+      <p:sp>
+        <p:nvSpPr>
+          <p:cNvPr id="7" name="Rectangle 6">
+            <a:extLst>
+              <a:ext uri="{FF2B5EF4-FFF2-40B4-BE49-F238E27FC236}">
+                <a16:creationId xmlns:a16="http://schemas.microsoft.com/office/drawing/2014/main" id="{934568A6-9E16-1747-BBDA-DDABE1317ABF}"/>
+              </a:ext>
+            </a:extLst>
+          </p:cNvPr>
+          <p:cNvSpPr/>
+          <p:nvPr/>
+        </p:nvSpPr>
+        <p:spPr>
+          <a:xfrm>
+            <a:off x="838200" y="1690688"/>
+            <a:ext cx="4186724" cy="461665"/>
+          </a:xfrm>
+          <a:prstGeom prst="rect">
+            <a:avLst/>
+          </a:prstGeom>
+        </p:spPr>
+        <p:txBody>
+          <a:bodyPr wrap="none">
+            <a:spAutoFit/>
+          </a:bodyPr>
+          <a:lstStyle/>
+          <a:p>
+            <a:r>
+              <a:rPr lang="en-US" sz="2400" dirty="0"/>
+              <a:t>Example 1 </a:t>
+            </a:r>
+            <a:r>
+              <a:rPr lang="mr-IN" sz="2400" dirty="0"/>
+              <a:t>–</a:t>
+            </a:r>
+            <a:r>
+              <a:rPr lang="en-US" sz="2400" dirty="0"/>
+              <a:t> </a:t>
+            </a:r>
+            <a:r>
+              <a:rPr lang="en-US" sz="2400" b="1" i="1" dirty="0" err="1"/>
+              <a:t>Organov</a:t>
+            </a:r>
+            <a:r>
+              <a:rPr lang="en-US" sz="2400" b="1" i="1" dirty="0"/>
+              <a:t> and Valle</a:t>
+            </a:r>
+            <a:endParaRPr lang="en-US" sz="2400" dirty="0"/>
+          </a:p>
+        </p:txBody>
+      </p:sp>
+      <mc:AlternateContent xmlns:mc="http://schemas.openxmlformats.org/markup-compatibility/2006">
+        <mc:Choice xmlns:a14="http://schemas.microsoft.com/office/drawing/2010/main" Requires="a14">
+          <p:sp>
+            <p:nvSpPr>
+              <p:cNvPr id="8" name="Rectangle 7">
+                <a:extLst>
+                  <a:ext uri="{FF2B5EF4-FFF2-40B4-BE49-F238E27FC236}">
+                    <a16:creationId xmlns:a16="http://schemas.microsoft.com/office/drawing/2014/main" id="{414104F3-916E-8442-8B11-CE399A765C44}"/>
+                  </a:ext>
+                </a:extLst>
+              </p:cNvPr>
+              <p:cNvSpPr/>
+              <p:nvPr/>
+            </p:nvSpPr>
+            <p:spPr>
+              <a:xfrm>
+                <a:off x="838200" y="2265532"/>
+                <a:ext cx="4769062" cy="1501437"/>
+              </a:xfrm>
+              <a:prstGeom prst="rect">
+                <a:avLst/>
+              </a:prstGeom>
+            </p:spPr>
+            <p:txBody>
+              <a:bodyPr wrap="none">
+                <a:spAutoFit/>
+              </a:bodyPr>
+              <a:lstStyle/>
+              <a:p>
+                <a14:m>
+                  <m:oMathPara xmlns:m="http://schemas.openxmlformats.org/officeDocument/2006/math">
+                    <m:oMathParaPr>
+                      <m:jc m:val="centerGroup"/>
+                    </m:oMathParaPr>
+                    <m:oMath xmlns:m="http://schemas.openxmlformats.org/officeDocument/2006/math">
+                      <m:sSub>
+                        <m:sSubPr>
+                          <m:ctrlPr>
+                            <a:rPr lang="en-US" sz="2400" i="1" smtClean="0">
+                              <a:latin typeface="Cambria Math" panose="02040503050406030204" pitchFamily="18" charset="0"/>
+                            </a:rPr>
+                          </m:ctrlPr>
+                        </m:sSubPr>
+                        <m:e>
+                          <m:r>
+                            <a:rPr lang="en-US" sz="2400" i="1">
+                              <a:latin typeface="Cambria Math" charset="0"/>
+                            </a:rPr>
+                            <m:t>𝐹</m:t>
+                          </m:r>
+                        </m:e>
+                        <m:sub>
+                          <m:r>
+                            <a:rPr lang="en-US" sz="2400" i="1">
+                              <a:latin typeface="Cambria Math" charset="0"/>
+                            </a:rPr>
+                            <m:t>𝐴</m:t>
+                          </m:r>
+                          <m:r>
+                            <a:rPr lang="en-US" sz="2400" i="1">
+                              <a:latin typeface="Cambria Math" charset="0"/>
+                            </a:rPr>
+                            <m:t>,</m:t>
+                          </m:r>
+                          <m:r>
+                            <a:rPr lang="en-US" sz="2400" i="1">
+                              <a:latin typeface="Cambria Math" charset="0"/>
+                            </a:rPr>
+                            <m:t>𝐵</m:t>
+                          </m:r>
+                        </m:sub>
+                      </m:sSub>
+                      <m:d>
+                        <m:dPr>
+                          <m:ctrlPr>
+                            <a:rPr lang="en-US" sz="2400" i="1">
+                              <a:latin typeface="Cambria Math" panose="02040503050406030204" pitchFamily="18" charset="0"/>
+                            </a:rPr>
+                          </m:ctrlPr>
+                        </m:dPr>
+                        <m:e>
+                          <m:r>
+                            <a:rPr lang="en-US" sz="2400" b="0" i="1" smtClean="0">
+                              <a:latin typeface="Cambria Math" panose="02040503050406030204" pitchFamily="18" charset="0"/>
+                            </a:rPr>
+                            <m:t>𝑟</m:t>
+                          </m:r>
+                        </m:e>
+                      </m:d>
+                      <m:r>
+                        <a:rPr lang="en-US" sz="2400" i="1">
+                          <a:latin typeface="Cambria Math" panose="02040503050406030204" pitchFamily="18" charset="0"/>
+                        </a:rPr>
+                        <m:t>  ∝ </m:t>
+                      </m:r>
+                      <m:nary>
+                        <m:naryPr>
+                          <m:chr m:val="∑"/>
+                          <m:supHide m:val="on"/>
+                          <m:ctrlPr>
+                            <a:rPr lang="en-US" sz="2400" i="1">
+                              <a:latin typeface="Cambria Math" panose="02040503050406030204" pitchFamily="18" charset="0"/>
+                            </a:rPr>
+                          </m:ctrlPr>
+                        </m:naryPr>
+                        <m:sub>
+                          <m:sSub>
+                            <m:sSubPr>
+                              <m:ctrlPr>
+                                <a:rPr lang="en-US" sz="2400" i="1">
+                                  <a:latin typeface="Cambria Math" panose="02040503050406030204" pitchFamily="18" charset="0"/>
+                                </a:rPr>
+                              </m:ctrlPr>
+                            </m:sSubPr>
+                            <m:e>
+                              <m:r>
+                                <m:rPr>
+                                  <m:brk m:alnAt="7"/>
+                                </m:rPr>
+                                <a:rPr lang="en-US" sz="2400" i="1">
+                                  <a:latin typeface="Cambria Math" charset="0"/>
+                                </a:rPr>
+                                <m:t>𝐴</m:t>
+                              </m:r>
+                            </m:e>
+                            <m:sub>
+                              <m:r>
+                                <m:rPr>
+                                  <m:brk m:alnAt="7"/>
+                                </m:rPr>
+                                <a:rPr lang="en-US" sz="2400" i="1">
+                                  <a:latin typeface="Cambria Math" charset="0"/>
+                                </a:rPr>
+                                <m:t>𝑖</m:t>
+                              </m:r>
+                            </m:sub>
+                          </m:sSub>
+                          <m:r>
+                            <m:rPr>
+                              <m:brk m:alnAt="7"/>
+                            </m:rPr>
+                            <a:rPr lang="en-US" sz="2400" i="1">
+                              <a:latin typeface="Cambria Math" charset="0"/>
+                            </a:rPr>
+                            <m:t>,</m:t>
+                          </m:r>
+                          <m:sSub>
+                            <m:sSubPr>
+                              <m:ctrlPr>
+                                <a:rPr lang="en-US" sz="2400" i="1">
+                                  <a:latin typeface="Cambria Math" panose="02040503050406030204" pitchFamily="18" charset="0"/>
+                                </a:rPr>
+                              </m:ctrlPr>
+                            </m:sSubPr>
+                            <m:e>
+                              <m:r>
+                                <m:rPr>
+                                  <m:brk m:alnAt="7"/>
+                                </m:rPr>
+                                <a:rPr lang="en-US" sz="2400" i="1">
+                                  <a:latin typeface="Cambria Math" charset="0"/>
+                                </a:rPr>
+                                <m:t>𝐵</m:t>
+                              </m:r>
+                            </m:e>
+                            <m:sub>
+                              <m:r>
+                                <m:rPr>
+                                  <m:brk m:alnAt="7"/>
+                                </m:rPr>
+                                <a:rPr lang="en-US" sz="2400" i="1">
+                                  <a:latin typeface="Cambria Math" charset="0"/>
+                                </a:rPr>
+                                <m:t>𝑖</m:t>
+                              </m:r>
+                            </m:sub>
+                          </m:sSub>
+                        </m:sub>
+                        <m:sup/>
+                        <m:e>
+                          <m:f>
+                            <m:fPr>
+                              <m:ctrlPr>
+                                <a:rPr lang="mr-IN" sz="2400" i="1">
+                                  <a:latin typeface="Cambria Math" panose="02040503050406030204" pitchFamily="18" charset="0"/>
+                                </a:rPr>
+                              </m:ctrlPr>
+                            </m:fPr>
+                            <m:num>
+                              <m:func>
+                                <m:funcPr>
+                                  <m:ctrlPr>
+                                    <a:rPr lang="en-US" sz="2400" i="1">
+                                      <a:latin typeface="Cambria Math" panose="02040503050406030204" pitchFamily="18" charset="0"/>
+                                    </a:rPr>
+                                  </m:ctrlPr>
+                                </m:funcPr>
+                                <m:fName>
+                                  <m:r>
+                                    <m:rPr>
+                                      <m:sty m:val="p"/>
+                                    </m:rPr>
+                                    <a:rPr lang="en-US" sz="2400">
+                                      <a:latin typeface="Cambria Math" panose="02040503050406030204" pitchFamily="18" charset="0"/>
+                                    </a:rPr>
+                                    <m:t>exp</m:t>
+                                  </m:r>
+                                </m:fName>
+                                <m:e>
+                                  <m:d>
+                                    <m:dPr>
+                                      <m:ctrlPr>
+                                        <a:rPr lang="mr-IN" sz="2400" i="1">
+                                          <a:latin typeface="Cambria Math" panose="02040503050406030204" pitchFamily="18" charset="0"/>
+                                        </a:rPr>
+                                      </m:ctrlPr>
+                                    </m:dPr>
+                                    <m:e>
+                                      <m:r>
+                                        <a:rPr lang="en-US" sz="2400" i="1">
+                                          <a:latin typeface="Cambria Math" panose="02040503050406030204" pitchFamily="18" charset="0"/>
+                                        </a:rPr>
+                                        <m:t>−</m:t>
+                                      </m:r>
+                                      <m:f>
+                                        <m:fPr>
+                                          <m:ctrlPr>
+                                            <a:rPr lang="en-US" sz="2400" i="1" smtClean="0">
+                                              <a:latin typeface="Cambria Math" panose="02040503050406030204" pitchFamily="18" charset="0"/>
+                                            </a:rPr>
+                                          </m:ctrlPr>
+                                        </m:fPr>
+                                        <m:num>
+                                          <m:sSup>
+                                            <m:sSupPr>
+                                              <m:ctrlPr>
+                                                <a:rPr lang="en-US" sz="2400" i="1">
+                                                  <a:latin typeface="Cambria Math" panose="02040503050406030204" pitchFamily="18" charset="0"/>
+                                                </a:rPr>
+                                              </m:ctrlPr>
+                                            </m:sSupPr>
+                                            <m:e>
+                                              <m:d>
+                                                <m:dPr>
+                                                  <m:begChr m:val="‖"/>
+                                                  <m:endChr m:val="‖"/>
+                                                  <m:ctrlPr>
+                                                    <a:rPr lang="mr-IN" sz="2400" i="1">
+                                                      <a:latin typeface="Cambria Math" panose="02040503050406030204" pitchFamily="18" charset="0"/>
+                                                    </a:rPr>
+                                                  </m:ctrlPr>
+                                                </m:dPr>
+                                                <m:e>
+                                                  <m:r>
+                                                    <a:rPr lang="en-US" sz="2400" i="1">
+                                                      <a:latin typeface="Cambria Math" panose="02040503050406030204" pitchFamily="18" charset="0"/>
+                                                    </a:rPr>
+                                                    <m:t>𝑟</m:t>
+                                                  </m:r>
+                                                  <m:r>
+                                                    <a:rPr lang="en-US" sz="2400" i="1">
+                                                      <a:latin typeface="Cambria Math" charset="0"/>
+                                                    </a:rPr>
+                                                    <m:t>−</m:t>
+                                                  </m:r>
+                                                  <m:sSub>
+                                                    <m:sSubPr>
+                                                      <m:ctrlPr>
+                                                        <a:rPr lang="en-US" sz="2400" i="1">
+                                                          <a:latin typeface="Cambria Math" panose="02040503050406030204" pitchFamily="18" charset="0"/>
+                                                        </a:rPr>
+                                                      </m:ctrlPr>
+                                                    </m:sSubPr>
+                                                    <m:e>
+                                                      <m:r>
+                                                        <a:rPr lang="en-US" sz="2400" i="1">
+                                                          <a:latin typeface="Cambria Math" panose="02040503050406030204" pitchFamily="18" charset="0"/>
+                                                        </a:rPr>
+                                                        <m:t>𝑟</m:t>
+                                                      </m:r>
+                                                    </m:e>
+                                                    <m:sub>
+                                                      <m:r>
+                                                        <a:rPr lang="en-US" sz="2400" i="1">
+                                                          <a:latin typeface="Cambria Math" charset="0"/>
+                                                        </a:rPr>
+                                                        <m:t>𝑖𝑗</m:t>
+                                                      </m:r>
+                                                    </m:sub>
+                                                  </m:sSub>
+                                                </m:e>
+                                              </m:d>
+                                            </m:e>
+                                            <m:sup>
+                                              <m:r>
+                                                <a:rPr lang="en-US" sz="2400" i="1">
+                                                  <a:latin typeface="Cambria Math" panose="02040503050406030204" pitchFamily="18" charset="0"/>
+                                                </a:rPr>
+                                                <m:t>2</m:t>
+                                              </m:r>
+                                            </m:sup>
+                                          </m:sSup>
+                                        </m:num>
+                                        <m:den>
+                                          <m:r>
+                                            <a:rPr lang="en-US" sz="2400" i="1">
+                                              <a:latin typeface="Cambria Math" panose="02040503050406030204" pitchFamily="18" charset="0"/>
+                                            </a:rPr>
+                                            <m:t>2</m:t>
+                                          </m:r>
+                                          <m:sSup>
+                                            <m:sSupPr>
+                                              <m:ctrlPr>
+                                                <a:rPr lang="en-US" sz="2400" i="1">
+                                                  <a:latin typeface="Cambria Math" panose="02040503050406030204" pitchFamily="18" charset="0"/>
+                                                </a:rPr>
+                                              </m:ctrlPr>
+                                            </m:sSupPr>
+                                            <m:e>
+                                              <m:r>
+                                                <a:rPr lang="en-US" sz="2400" i="1">
+                                                  <a:latin typeface="Cambria Math" panose="02040503050406030204" pitchFamily="18" charset="0"/>
+                                                </a:rPr>
+                                                <m:t>𝑙</m:t>
+                                              </m:r>
+                                            </m:e>
+                                            <m:sup>
+                                              <m:r>
+                                                <a:rPr lang="en-US" sz="2400" i="1">
+                                                  <a:latin typeface="Cambria Math" panose="02040503050406030204" pitchFamily="18" charset="0"/>
+                                                </a:rPr>
+                                                <m:t>2</m:t>
+                                              </m:r>
+                                            </m:sup>
+                                          </m:sSup>
+                                        </m:den>
+                                      </m:f>
+                                    </m:e>
+                                  </m:d>
+                                </m:e>
+                              </m:func>
+                            </m:num>
+                            <m:den>
+                              <m:sSubSup>
+                                <m:sSubSupPr>
+                                  <m:ctrlPr>
+                                    <a:rPr lang="en-US" sz="2400" i="1">
+                                      <a:latin typeface="Cambria Math" panose="02040503050406030204" pitchFamily="18" charset="0"/>
+                                    </a:rPr>
+                                  </m:ctrlPr>
+                                </m:sSubSupPr>
+                                <m:e>
+                                  <m:r>
+                                    <a:rPr lang="en-US" sz="2400" b="0" i="1" smtClean="0">
+                                      <a:latin typeface="Cambria Math" panose="02040503050406030204" pitchFamily="18" charset="0"/>
+                                    </a:rPr>
+                                    <m:t>𝑟</m:t>
+                                  </m:r>
+                                </m:e>
+                                <m:sub>
+                                  <m:r>
+                                    <a:rPr lang="en-US" sz="2400" i="1">
+                                      <a:latin typeface="Cambria Math" charset="0"/>
+                                    </a:rPr>
+                                    <m:t>𝑖𝑗</m:t>
+                                  </m:r>
+                                </m:sub>
+                                <m:sup>
+                                  <m:r>
+                                    <a:rPr lang="en-US" sz="2400" i="1">
+                                      <a:latin typeface="Cambria Math" charset="0"/>
+                                    </a:rPr>
+                                    <m:t>2</m:t>
+                                  </m:r>
+                                </m:sup>
+                              </m:sSubSup>
+                            </m:den>
+                          </m:f>
+                        </m:e>
+                      </m:nary>
+                    </m:oMath>
+                  </m:oMathPara>
+                </a14:m>
+                <a:endParaRPr lang="da-DK" sz="2400" dirty="0"/>
+              </a:p>
+            </p:txBody>
+          </p:sp>
+        </mc:Choice>
+        <mc:Fallback>
+          <p:sp>
+            <p:nvSpPr>
+              <p:cNvPr id="8" name="Rectangle 7">
+                <a:extLst>
+                  <a:ext uri="{FF2B5EF4-FFF2-40B4-BE49-F238E27FC236}">
+                    <a16:creationId xmlns:a16="http://schemas.microsoft.com/office/drawing/2014/main" id="{414104F3-916E-8442-8B11-CE399A765C44}"/>
+                  </a:ext>
+                </a:extLst>
+              </p:cNvPr>
+              <p:cNvSpPr>
+                <a:spLocks noRot="1" noChangeAspect="1" noMove="1" noResize="1" noEditPoints="1" noAdjustHandles="1" noChangeArrowheads="1" noChangeShapeType="1" noTextEdit="1"/>
+              </p:cNvSpPr>
+              <p:nvPr/>
+            </p:nvSpPr>
+            <p:spPr>
+              <a:xfrm>
+                <a:off x="838200" y="2265532"/>
+                <a:ext cx="4769062" cy="1501437"/>
+              </a:xfrm>
+              <a:prstGeom prst="rect">
+                <a:avLst/>
+              </a:prstGeom>
+              <a:blipFill>
+                <a:blip r:embed="rId2"/>
+                <a:stretch>
+                  <a:fillRect t="-55000" b="-114167"/>
+                </a:stretch>
+              </a:blipFill>
+            </p:spPr>
+            <p:txBody>
+              <a:bodyPr/>
+              <a:lstStyle/>
+              <a:p>
+                <a:r>
+                  <a:rPr lang="da-DK">
+                    <a:noFill/>
+                  </a:rPr>
+                  <a:t> </a:t>
+                </a:r>
+              </a:p>
+            </p:txBody>
+          </p:sp>
+        </mc:Fallback>
+      </mc:AlternateContent>
+      <p:pic>
+        <p:nvPicPr>
+          <p:cNvPr id="9" name="Picture 8">
+            <a:extLst>
+              <a:ext uri="{FF2B5EF4-FFF2-40B4-BE49-F238E27FC236}">
+                <a16:creationId xmlns:a16="http://schemas.microsoft.com/office/drawing/2014/main" id="{BF15BAE1-504B-B046-921C-435331A07A32}"/>
+              </a:ext>
+            </a:extLst>
+          </p:cNvPr>
+          <p:cNvPicPr>
+            <a:picLocks noChangeAspect="1"/>
+          </p:cNvPicPr>
+          <p:nvPr/>
+        </p:nvPicPr>
+        <p:blipFill>
+          <a:blip r:embed="rId3">
+            <a:extLst>
+              <a:ext uri="{28A0092B-C50C-407E-A947-70E740481C1C}">
+                <a14:useLocalDpi xmlns:a14="http://schemas.microsoft.com/office/drawing/2010/main" val="0"/>
+              </a:ext>
+            </a:extLst>
+          </a:blip>
+          <a:stretch>
+            <a:fillRect/>
+          </a:stretch>
+        </p:blipFill>
+        <p:spPr>
+          <a:xfrm>
+            <a:off x="2017162" y="4341813"/>
+            <a:ext cx="1828800" cy="1828800"/>
+          </a:xfrm>
+          <a:prstGeom prst="rect">
+            <a:avLst/>
+          </a:prstGeom>
+        </p:spPr>
+      </p:pic>
+      <p:sp>
+        <p:nvSpPr>
+          <p:cNvPr id="10" name="Right Arrow 9">
+            <a:extLst>
+              <a:ext uri="{FF2B5EF4-FFF2-40B4-BE49-F238E27FC236}">
+                <a16:creationId xmlns:a16="http://schemas.microsoft.com/office/drawing/2014/main" id="{94C9DDF9-4503-204A-9DCF-BF98426053C9}"/>
+              </a:ext>
+            </a:extLst>
+          </p:cNvPr>
+          <p:cNvSpPr/>
+          <p:nvPr/>
+        </p:nvSpPr>
+        <p:spPr>
+          <a:xfrm>
+            <a:off x="4439609" y="4794548"/>
+            <a:ext cx="1933482" cy="461665"/>
+          </a:xfrm>
+          <a:prstGeom prst="rightArrow">
+            <a:avLst/>
+          </a:prstGeom>
+        </p:spPr>
+        <p:style>
+          <a:lnRef idx="2">
+            <a:schemeClr val="accent1">
+              <a:shade val="50000"/>
+            </a:schemeClr>
+          </a:lnRef>
+          <a:fillRef idx="1">
+            <a:schemeClr val="accent1"/>
+          </a:fillRef>
+          <a:effectRef idx="0">
+            <a:schemeClr val="accent1"/>
+          </a:effectRef>
+          <a:fontRef idx="minor">
+            <a:schemeClr val="lt1"/>
+          </a:fontRef>
+        </p:style>
+        <p:txBody>
+          <a:bodyPr rtlCol="0" anchor="ctr"/>
+          <a:lstStyle/>
+          <a:p>
+            <a:pPr algn="ctr"/>
+            <a:endParaRPr lang="en-US"/>
+          </a:p>
+        </p:txBody>
+      </p:sp>
+      <p:pic>
+        <p:nvPicPr>
+          <p:cNvPr id="17" name="Picture 16">
+            <a:extLst>
+              <a:ext uri="{FF2B5EF4-FFF2-40B4-BE49-F238E27FC236}">
+                <a16:creationId xmlns:a16="http://schemas.microsoft.com/office/drawing/2014/main" id="{8E28E06C-9213-0149-B35F-F9E2CDA8F14E}"/>
+              </a:ext>
+            </a:extLst>
+          </p:cNvPr>
+          <p:cNvPicPr>
+            <a:picLocks noChangeAspect="1"/>
+          </p:cNvPicPr>
+          <p:nvPr/>
+        </p:nvPicPr>
+        <p:blipFill>
+          <a:blip r:embed="rId4"/>
+          <a:stretch>
+            <a:fillRect/>
+          </a:stretch>
+        </p:blipFill>
+        <p:spPr>
+          <a:xfrm>
+            <a:off x="6966738" y="3564974"/>
+            <a:ext cx="4227735" cy="3173093"/>
+          </a:xfrm>
+          <a:prstGeom prst="rect">
+            <a:avLst/>
+          </a:prstGeom>
+        </p:spPr>
+      </p:pic>
+      <p:sp>
+        <p:nvSpPr>
+          <p:cNvPr id="3" name="TextBox 2">
+            <a:extLst>
+              <a:ext uri="{FF2B5EF4-FFF2-40B4-BE49-F238E27FC236}">
+                <a16:creationId xmlns:a16="http://schemas.microsoft.com/office/drawing/2014/main" id="{83D6B78B-2F24-B44E-90E2-B6325D7C5DDC}"/>
+              </a:ext>
+            </a:extLst>
+          </p:cNvPr>
+          <p:cNvSpPr txBox="1"/>
+          <p:nvPr/>
+        </p:nvSpPr>
+        <p:spPr>
+          <a:xfrm>
+            <a:off x="8465127" y="3103309"/>
+            <a:ext cx="1752211" cy="461665"/>
+          </a:xfrm>
+          <a:prstGeom prst="rect">
+            <a:avLst/>
+          </a:prstGeom>
+          <a:noFill/>
+        </p:spPr>
+        <p:txBody>
+          <a:bodyPr wrap="none" rtlCol="0">
+            <a:spAutoFit/>
+          </a:bodyPr>
+          <a:lstStyle/>
+          <a:p>
+            <a:r>
+              <a:rPr lang="da-DK" sz="2400" dirty="0"/>
+              <a:t>Final feature</a:t>
+            </a:r>
+          </a:p>
+        </p:txBody>
+      </p:sp>
+      <p:sp>
+        <p:nvSpPr>
+          <p:cNvPr id="11" name="TextBox 10">
+            <a:extLst>
+              <a:ext uri="{FF2B5EF4-FFF2-40B4-BE49-F238E27FC236}">
+                <a16:creationId xmlns:a16="http://schemas.microsoft.com/office/drawing/2014/main" id="{6CB1F0AA-2860-4A45-9C7A-8C220DE88C4C}"/>
+              </a:ext>
+            </a:extLst>
+          </p:cNvPr>
+          <p:cNvSpPr txBox="1"/>
+          <p:nvPr/>
+        </p:nvSpPr>
+        <p:spPr>
+          <a:xfrm>
+            <a:off x="4429226" y="4282805"/>
+            <a:ext cx="1990353" cy="461665"/>
+          </a:xfrm>
+          <a:prstGeom prst="rect">
+            <a:avLst/>
+          </a:prstGeom>
+          <a:noFill/>
+        </p:spPr>
+        <p:txBody>
+          <a:bodyPr wrap="none" rtlCol="0">
+            <a:spAutoFit/>
+          </a:bodyPr>
+          <a:lstStyle/>
+          <a:p>
+            <a:r>
+              <a:rPr lang="da-DK" sz="2400" dirty="0"/>
+              <a:t>Sum </a:t>
+            </a:r>
+            <a:r>
+              <a:rPr lang="da-DK" sz="2400" dirty="0" err="1"/>
+              <a:t>gaussians</a:t>
+            </a:r>
+            <a:endParaRPr lang="da-DK" sz="2400" dirty="0"/>
+          </a:p>
+        </p:txBody>
+      </p:sp>
+      <p:sp>
+        <p:nvSpPr>
+          <p:cNvPr id="4" name="TextBox 3">
+            <a:extLst>
+              <a:ext uri="{FF2B5EF4-FFF2-40B4-BE49-F238E27FC236}">
+                <a16:creationId xmlns:a16="http://schemas.microsoft.com/office/drawing/2014/main" id="{C822D018-C3B5-3741-9DD7-81726C4FEE4A}"/>
+              </a:ext>
+            </a:extLst>
+          </p:cNvPr>
+          <p:cNvSpPr txBox="1"/>
+          <p:nvPr/>
+        </p:nvSpPr>
+        <p:spPr>
+          <a:xfrm>
+            <a:off x="4746674" y="5306291"/>
+            <a:ext cx="1026884" cy="461665"/>
+          </a:xfrm>
+          <a:prstGeom prst="rect">
+            <a:avLst/>
+          </a:prstGeom>
+          <a:noFill/>
+        </p:spPr>
+        <p:txBody>
+          <a:bodyPr wrap="none" rtlCol="0">
+            <a:spAutoFit/>
+          </a:bodyPr>
+          <a:lstStyle/>
+          <a:p>
+            <a:r>
+              <a:rPr lang="da-DK" sz="2400" dirty="0"/>
+              <a:t>+ </a:t>
+            </a:r>
+            <a:r>
+              <a:rPr lang="da-DK" sz="2400" dirty="0" err="1"/>
+              <a:t>scale</a:t>
+            </a:r>
+            <a:endParaRPr lang="da-DK" sz="2400" dirty="0"/>
+          </a:p>
+        </p:txBody>
+      </p:sp>
+    </p:spTree>
+    <p:extLst>
+      <p:ext uri="{BB962C8B-B14F-4D97-AF65-F5344CB8AC3E}">
+        <p14:creationId xmlns:p14="http://schemas.microsoft.com/office/powerpoint/2010/main" val="944763863"/>
+      </p:ext>
+    </p:extLst>
+  </p:cSld>
+  <p:clrMapOvr>
+    <a:masterClrMapping/>
+  </p:clrMapOvr>
+</p:sld>
+</file>
+
+<file path=ppt/slides/slide2.xml><?xml version="1.0" encoding="utf-8"?>
+<p:sld xmlns:a="http://schemas.openxmlformats.org/drawingml/2006/main" xmlns:r="http://schemas.openxmlformats.org/officeDocument/2006/relationships" xmlns:p="http://schemas.openxmlformats.org/presentationml/2006/main">
+  <p:cSld>
+    <p:spTree>
+      <p:nvGrpSpPr>
+        <p:cNvPr id="1" name=""/>
+        <p:cNvGrpSpPr/>
+        <p:nvPr/>
+      </p:nvGrpSpPr>
+      <p:grpSpPr>
+        <a:xfrm>
+          <a:off x="0" y="0"/>
+          <a:ext cx="0" cy="0"/>
+          <a:chOff x="0" y="0"/>
+          <a:chExt cx="0" cy="0"/>
+        </a:xfrm>
+      </p:grpSpPr>
+      <p:sp>
+        <p:nvSpPr>
+          <p:cNvPr id="2" name="Title 1"/>
+          <p:cNvSpPr>
+            <a:spLocks noGrp="1"/>
+          </p:cNvSpPr>
+          <p:nvPr>
+            <p:ph type="title"/>
+          </p:nvPr>
+        </p:nvSpPr>
+        <p:spPr/>
+        <p:txBody>
+          <a:bodyPr/>
+          <a:lstStyle/>
+          <a:p>
+            <a:r>
+              <a:rPr lang="en-US" dirty="0"/>
+              <a:t>Describing atomic structures</a:t>
+            </a:r>
+          </a:p>
+        </p:txBody>
+      </p:sp>
+      <p:sp>
+        <p:nvSpPr>
+          <p:cNvPr id="5" name="TextBox 4"/>
+          <p:cNvSpPr txBox="1"/>
+          <p:nvPr/>
+        </p:nvSpPr>
+        <p:spPr>
+          <a:xfrm>
+            <a:off x="838200" y="1690688"/>
+            <a:ext cx="3994427" cy="461665"/>
+          </a:xfrm>
+          <a:prstGeom prst="rect">
+            <a:avLst/>
+          </a:prstGeom>
+          <a:noFill/>
+        </p:spPr>
+        <p:txBody>
+          <a:bodyPr wrap="none" rtlCol="0">
+            <a:spAutoFit/>
+          </a:bodyPr>
+          <a:lstStyle/>
+          <a:p>
+            <a:r>
+              <a:rPr lang="en-US" sz="2400" dirty="0"/>
+              <a:t>Defined by atomic coordinates</a:t>
+            </a:r>
+          </a:p>
+        </p:txBody>
+      </p:sp>
+      <p:pic>
+        <p:nvPicPr>
+          <p:cNvPr id="21" name="Picture 20"/>
+          <p:cNvPicPr>
+            <a:picLocks noChangeAspect="1"/>
+          </p:cNvPicPr>
+          <p:nvPr/>
+        </p:nvPicPr>
+        <p:blipFill>
+          <a:blip r:embed="rId2">
+            <a:extLst>
+              <a:ext uri="{28A0092B-C50C-407E-A947-70E740481C1C}">
+                <a14:useLocalDpi xmlns:a14="http://schemas.microsoft.com/office/drawing/2010/main" val="0"/>
+              </a:ext>
+            </a:extLst>
+          </a:blip>
+          <a:stretch>
+            <a:fillRect/>
+          </a:stretch>
+        </p:blipFill>
+        <p:spPr>
+          <a:xfrm>
+            <a:off x="6264413" y="1690688"/>
+            <a:ext cx="1828800" cy="1828800"/>
+          </a:xfrm>
+          <a:prstGeom prst="rect">
+            <a:avLst/>
+          </a:prstGeom>
+        </p:spPr>
+      </p:pic>
+    </p:spTree>
+    <p:extLst>
+      <p:ext uri="{BB962C8B-B14F-4D97-AF65-F5344CB8AC3E}">
+        <p14:creationId xmlns:p14="http://schemas.microsoft.com/office/powerpoint/2010/main" val="2143773189"/>
+      </p:ext>
+    </p:extLst>
+  </p:cSld>
+  <p:clrMapOvr>
+    <a:masterClrMapping/>
+  </p:clrMapOvr>
+</p:sld>
+</file>
+
+<file path=ppt/slides/slide20.xml><?xml version="1.0" encoding="utf-8"?>
+<p:sld xmlns:a="http://schemas.openxmlformats.org/drawingml/2006/main" xmlns:r="http://schemas.openxmlformats.org/officeDocument/2006/relationships" xmlns:p="http://schemas.openxmlformats.org/presentationml/2006/main">
+  <p:cSld>
+    <p:spTree>
+      <p:nvGrpSpPr>
+        <p:cNvPr id="1" name=""/>
+        <p:cNvGrpSpPr/>
+        <p:nvPr/>
+      </p:nvGrpSpPr>
+      <p:grpSpPr>
+        <a:xfrm>
+          <a:off x="0" y="0"/>
+          <a:ext cx="0" cy="0"/>
+          <a:chOff x="0" y="0"/>
+          <a:chExt cx="0" cy="0"/>
+        </a:xfrm>
+      </p:grpSpPr>
+      <p:sp>
+        <p:nvSpPr>
           <p:cNvPr id="2" name="Title 1">
             <a:extLst>
               <a:ext uri="{FF2B5EF4-FFF2-40B4-BE49-F238E27FC236}">
-                <a16:creationId xmlns:a16="http://schemas.microsoft.com/office/drawing/2014/main" xmlns="" id="{90371848-C3C2-2946-8721-32944148379F}"/>
+                <a16:creationId xmlns:a16="http://schemas.microsoft.com/office/drawing/2014/main" id="{90371848-C3C2-2946-8721-32944148379F}"/>
               </a:ext>
             </a:extLst>
           </p:cNvPr>
@@ -7700,7 +12501,7 @@
           <p:cNvPr id="5" name="Picture 4">
             <a:extLst>
               <a:ext uri="{FF2B5EF4-FFF2-40B4-BE49-F238E27FC236}">
-                <a16:creationId xmlns:a16="http://schemas.microsoft.com/office/drawing/2014/main" xmlns="" id="{96C8DA8D-9BEF-744E-AFF8-50655E69712A}"/>
+                <a16:creationId xmlns:a16="http://schemas.microsoft.com/office/drawing/2014/main" id="{96C8DA8D-9BEF-744E-AFF8-50655E69712A}"/>
               </a:ext>
             </a:extLst>
           </p:cNvPr>
@@ -7732,7 +12533,7 @@
               <p:cNvPr id="6" name="TextBox 5">
                 <a:extLst>
                   <a:ext uri="{FF2B5EF4-FFF2-40B4-BE49-F238E27FC236}">
-                    <a16:creationId xmlns:a16="http://schemas.microsoft.com/office/drawing/2014/main" xmlns="" id="{B64305C1-D8DA-9449-80AD-775E6D513BE6}"/>
+                    <a16:creationId xmlns:a16="http://schemas.microsoft.com/office/drawing/2014/main" id="{B64305C1-D8DA-9449-80AD-775E6D513BE6}"/>
                   </a:ext>
                 </a:extLst>
               </p:cNvPr>
@@ -7771,7 +12572,7 @@
                         <m:endChr m:val="}"/>
                         <m:ctrlPr>
                           <a:rPr lang="en-US" sz="2400" b="0" i="1" smtClean="0">
-                            <a:latin typeface="Cambria Math" charset="0"/>
+                            <a:latin typeface="Cambria Math" panose="02040503050406030204" pitchFamily="18" charset="0"/>
                           </a:rPr>
                         </m:ctrlPr>
                       </m:dPr>
@@ -7780,7 +12581,7 @@
                           <m:sSubPr>
                             <m:ctrlPr>
                               <a:rPr lang="en-US" sz="2400" b="0" i="1" smtClean="0">
-                                <a:latin typeface="Cambria Math" charset="0"/>
+                                <a:latin typeface="Cambria Math" panose="02040503050406030204" pitchFamily="18" charset="0"/>
                               </a:rPr>
                             </m:ctrlPr>
                           </m:sSubPr>
@@ -7811,7 +12612,7 @@
                           <m:sSubPr>
                             <m:ctrlPr>
                               <a:rPr lang="en-US" sz="2400" b="0" i="1" smtClean="0">
-                                <a:latin typeface="Cambria Math" charset="0"/>
+                                <a:latin typeface="Cambria Math" panose="02040503050406030204" pitchFamily="18" charset="0"/>
                               </a:rPr>
                             </m:ctrlPr>
                           </m:sSubPr>
@@ -7935,7 +12736,7 @@
 </p:sld>
 </file>
 
-<file path=ppt/slides/slide16.xml><?xml version="1.0" encoding="utf-8"?>
+<file path=ppt/slides/slide21.xml><?xml version="1.0" encoding="utf-8"?>
 <p:sld xmlns:a="http://schemas.openxmlformats.org/drawingml/2006/main" xmlns:r="http://schemas.openxmlformats.org/officeDocument/2006/relationships" xmlns:p="http://schemas.openxmlformats.org/presentationml/2006/main">
   <p:cSld>
     <p:spTree>
@@ -7957,7 +12758,7 @@
           <p:cNvPr id="2" name="Title 1">
             <a:extLst>
               <a:ext uri="{FF2B5EF4-FFF2-40B4-BE49-F238E27FC236}">
-                <a16:creationId xmlns:a16="http://schemas.microsoft.com/office/drawing/2014/main" xmlns="" id="{90371848-C3C2-2946-8721-32944148379F}"/>
+                <a16:creationId xmlns:a16="http://schemas.microsoft.com/office/drawing/2014/main" id="{90371848-C3C2-2946-8721-32944148379F}"/>
               </a:ext>
             </a:extLst>
           </p:cNvPr>
@@ -7989,7 +12790,7 @@
           <p:cNvPr id="5" name="Picture 4">
             <a:extLst>
               <a:ext uri="{FF2B5EF4-FFF2-40B4-BE49-F238E27FC236}">
-                <a16:creationId xmlns:a16="http://schemas.microsoft.com/office/drawing/2014/main" xmlns="" id="{96C8DA8D-9BEF-744E-AFF8-50655E69712A}"/>
+                <a16:creationId xmlns:a16="http://schemas.microsoft.com/office/drawing/2014/main" id="{96C8DA8D-9BEF-744E-AFF8-50655E69712A}"/>
               </a:ext>
             </a:extLst>
           </p:cNvPr>
@@ -8021,7 +12822,7 @@
               <p:cNvPr id="6" name="TextBox 5">
                 <a:extLst>
                   <a:ext uri="{FF2B5EF4-FFF2-40B4-BE49-F238E27FC236}">
-                    <a16:creationId xmlns:a16="http://schemas.microsoft.com/office/drawing/2014/main" xmlns="" id="{B64305C1-D8DA-9449-80AD-775E6D513BE6}"/>
+                    <a16:creationId xmlns:a16="http://schemas.microsoft.com/office/drawing/2014/main" id="{B64305C1-D8DA-9449-80AD-775E6D513BE6}"/>
                   </a:ext>
                 </a:extLst>
               </p:cNvPr>
@@ -8060,7 +12861,7 @@
                         <m:endChr m:val="}"/>
                         <m:ctrlPr>
                           <a:rPr lang="en-US" sz="2400" b="0" i="1" smtClean="0">
-                            <a:latin typeface="Cambria Math" charset="0"/>
+                            <a:latin typeface="Cambria Math" panose="02040503050406030204" pitchFamily="18" charset="0"/>
                           </a:rPr>
                         </m:ctrlPr>
                       </m:dPr>
@@ -8069,7 +12870,7 @@
                           <m:sSubPr>
                             <m:ctrlPr>
                               <a:rPr lang="en-US" sz="2400" b="0" i="1" smtClean="0">
-                                <a:latin typeface="Cambria Math" charset="0"/>
+                                <a:latin typeface="Cambria Math" panose="02040503050406030204" pitchFamily="18" charset="0"/>
                               </a:rPr>
                             </m:ctrlPr>
                           </m:sSubPr>
@@ -8100,7 +12901,7 @@
                           <m:sSubPr>
                             <m:ctrlPr>
                               <a:rPr lang="en-US" sz="2400" b="0" i="1" smtClean="0">
-                                <a:latin typeface="Cambria Math" charset="0"/>
+                                <a:latin typeface="Cambria Math" panose="02040503050406030204" pitchFamily="18" charset="0"/>
                               </a:rPr>
                             </m:ctrlPr>
                           </m:sSubPr>
@@ -8224,7 +13025,7 @@
 </p:sld>
 </file>
 
-<file path=ppt/slides/slide17.xml><?xml version="1.0" encoding="utf-8"?>
+<file path=ppt/slides/slide22.xml><?xml version="1.0" encoding="utf-8"?>
 <p:sld xmlns:a="http://schemas.openxmlformats.org/drawingml/2006/main" xmlns:r="http://schemas.openxmlformats.org/officeDocument/2006/relationships" xmlns:p="http://schemas.openxmlformats.org/presentationml/2006/main">
   <p:cSld>
     <p:spTree>
@@ -8246,7 +13047,7 @@
           <p:cNvPr id="2" name="Title 1">
             <a:extLst>
               <a:ext uri="{FF2B5EF4-FFF2-40B4-BE49-F238E27FC236}">
-                <a16:creationId xmlns:a16="http://schemas.microsoft.com/office/drawing/2014/main" xmlns="" id="{90371848-C3C2-2946-8721-32944148379F}"/>
+                <a16:creationId xmlns:a16="http://schemas.microsoft.com/office/drawing/2014/main" id="{90371848-C3C2-2946-8721-32944148379F}"/>
               </a:ext>
             </a:extLst>
           </p:cNvPr>
@@ -8278,7 +13079,7 @@
           <p:cNvPr id="5" name="Picture 4">
             <a:extLst>
               <a:ext uri="{FF2B5EF4-FFF2-40B4-BE49-F238E27FC236}">
-                <a16:creationId xmlns:a16="http://schemas.microsoft.com/office/drawing/2014/main" xmlns="" id="{96C8DA8D-9BEF-744E-AFF8-50655E69712A}"/>
+                <a16:creationId xmlns:a16="http://schemas.microsoft.com/office/drawing/2014/main" id="{96C8DA8D-9BEF-744E-AFF8-50655E69712A}"/>
               </a:ext>
             </a:extLst>
           </p:cNvPr>
@@ -8310,7 +13111,7 @@
               <p:cNvPr id="6" name="TextBox 5">
                 <a:extLst>
                   <a:ext uri="{FF2B5EF4-FFF2-40B4-BE49-F238E27FC236}">
-                    <a16:creationId xmlns:a16="http://schemas.microsoft.com/office/drawing/2014/main" xmlns="" id="{B64305C1-D8DA-9449-80AD-775E6D513BE6}"/>
+                    <a16:creationId xmlns:a16="http://schemas.microsoft.com/office/drawing/2014/main" id="{B64305C1-D8DA-9449-80AD-775E6D513BE6}"/>
                   </a:ext>
                 </a:extLst>
               </p:cNvPr>
@@ -8349,7 +13150,7 @@
                         <m:endChr m:val="}"/>
                         <m:ctrlPr>
                           <a:rPr lang="en-US" sz="2400" b="0" i="1" smtClean="0">
-                            <a:latin typeface="Cambria Math" charset="0"/>
+                            <a:latin typeface="Cambria Math" panose="02040503050406030204" pitchFamily="18" charset="0"/>
                           </a:rPr>
                         </m:ctrlPr>
                       </m:dPr>
@@ -8358,7 +13159,7 @@
                           <m:sSubPr>
                             <m:ctrlPr>
                               <a:rPr lang="en-US" sz="2400" b="0" i="1" smtClean="0">
-                                <a:latin typeface="Cambria Math" charset="0"/>
+                                <a:latin typeface="Cambria Math" panose="02040503050406030204" pitchFamily="18" charset="0"/>
                               </a:rPr>
                             </m:ctrlPr>
                           </m:sSubPr>
@@ -8389,7 +13190,7 @@
                           <m:sSubPr>
                             <m:ctrlPr>
                               <a:rPr lang="en-US" sz="2400" b="0" i="1" smtClean="0">
-                                <a:latin typeface="Cambria Math" charset="0"/>
+                                <a:latin typeface="Cambria Math" panose="02040503050406030204" pitchFamily="18" charset="0"/>
                               </a:rPr>
                             </m:ctrlPr>
                           </m:sSubPr>
@@ -8507,7 +13308,7 @@
               <p:cNvPr id="7" name="TextBox 6">
                 <a:extLst>
                   <a:ext uri="{FF2B5EF4-FFF2-40B4-BE49-F238E27FC236}">
-                    <a16:creationId xmlns:a16="http://schemas.microsoft.com/office/drawing/2014/main" xmlns="" id="{2E27A3FC-BD37-3248-B5F7-F703EA8946A7}"/>
+                    <a16:creationId xmlns:a16="http://schemas.microsoft.com/office/drawing/2014/main" id="{2E27A3FC-BD37-3248-B5F7-F703EA8946A7}"/>
                   </a:ext>
                 </a:extLst>
               </p:cNvPr>
@@ -8541,7 +13342,7 @@
                         <m:funcPr>
                           <m:ctrlPr>
                             <a:rPr lang="en-US" sz="2400" i="1" smtClean="0">
-                              <a:latin typeface="Cambria Math" charset="0"/>
+                              <a:latin typeface="Cambria Math" panose="02040503050406030204" pitchFamily="18" charset="0"/>
                             </a:rPr>
                           </m:ctrlPr>
                         </m:funcPr>
@@ -8550,7 +13351,7 @@
                             <m:limLowPr>
                               <m:ctrlPr>
                                 <a:rPr lang="en-US" sz="2400" i="1" smtClean="0">
-                                  <a:latin typeface="Cambria Math" charset="0"/>
+                                  <a:latin typeface="Cambria Math" panose="02040503050406030204" pitchFamily="18" charset="0"/>
                                 </a:rPr>
                               </m:ctrlPr>
                             </m:limLowPr>
@@ -8581,7 +13382,7 @@
                               <m:chr m:val="∑"/>
                               <m:ctrlPr>
                                 <a:rPr lang="en-US" sz="2400" i="1" smtClean="0">
-                                  <a:latin typeface="Cambria Math" charset="0"/>
+                                  <a:latin typeface="Cambria Math" panose="02040503050406030204" pitchFamily="18" charset="0"/>
                                 </a:rPr>
                               </m:ctrlPr>
                             </m:naryPr>
@@ -8606,7 +13407,7 @@
                                 <m:sSupPr>
                                   <m:ctrlPr>
                                     <a:rPr lang="en-US" sz="2400" i="1">
-                                      <a:latin typeface="Cambria Math" charset="0"/>
+                                      <a:latin typeface="Cambria Math" panose="02040503050406030204" pitchFamily="18" charset="0"/>
                                     </a:rPr>
                                   </m:ctrlPr>
                                 </m:sSupPr>
@@ -8615,7 +13416,7 @@
                                     <m:dPr>
                                       <m:ctrlPr>
                                         <a:rPr lang="en-US" sz="2400" i="1">
-                                          <a:latin typeface="Cambria Math" charset="0"/>
+                                          <a:latin typeface="Cambria Math" panose="02040503050406030204" pitchFamily="18" charset="0"/>
                                         </a:rPr>
                                       </m:ctrlPr>
                                     </m:dPr>
@@ -8624,7 +13425,7 @@
                                         <m:sSupPr>
                                           <m:ctrlPr>
                                             <a:rPr lang="en-US" sz="2400" i="1">
-                                              <a:latin typeface="Cambria Math" charset="0"/>
+                                              <a:latin typeface="Cambria Math" panose="02040503050406030204" pitchFamily="18" charset="0"/>
                                             </a:rPr>
                                           </m:ctrlPr>
                                         </m:sSupPr>
@@ -8649,7 +13450,7 @@
                                         <m:dPr>
                                           <m:ctrlPr>
                                             <a:rPr lang="en-US" sz="2400" i="1">
-                                              <a:latin typeface="Cambria Math" charset="0"/>
+                                              <a:latin typeface="Cambria Math" panose="02040503050406030204" pitchFamily="18" charset="0"/>
                                             </a:rPr>
                                           </m:ctrlPr>
                                         </m:dPr>
@@ -8658,7 +13459,7 @@
                                             <m:sSubPr>
                                               <m:ctrlPr>
                                                 <a:rPr lang="en-US" sz="2400" b="1" i="1">
-                                                  <a:latin typeface="Cambria Math" charset="0"/>
+                                                  <a:latin typeface="Cambria Math" panose="02040503050406030204" pitchFamily="18" charset="0"/>
                                                 </a:rPr>
                                               </m:ctrlPr>
                                             </m:sSubPr>
@@ -8691,7 +13492,7 @@
                                         <m:sSubPr>
                                           <m:ctrlPr>
                                             <a:rPr lang="en-US" sz="2400" i="1">
-                                              <a:latin typeface="Cambria Math" charset="0"/>
+                                              <a:latin typeface="Cambria Math" panose="02040503050406030204" pitchFamily="18" charset="0"/>
                                             </a:rPr>
                                           </m:ctrlPr>
                                         </m:sSubPr>
@@ -8794,7 +13595,7 @@
 </p:sld>
 </file>
 
-<file path=ppt/slides/slide18.xml><?xml version="1.0" encoding="utf-8"?>
+<file path=ppt/slides/slide23.xml><?xml version="1.0" encoding="utf-8"?>
 <p:sld xmlns:a="http://schemas.openxmlformats.org/drawingml/2006/main" xmlns:r="http://schemas.openxmlformats.org/officeDocument/2006/relationships" xmlns:p="http://schemas.openxmlformats.org/presentationml/2006/main">
   <p:cSld>
     <p:spTree>
@@ -8816,7 +13617,7 @@
           <p:cNvPr id="2" name="Title 1">
             <a:extLst>
               <a:ext uri="{FF2B5EF4-FFF2-40B4-BE49-F238E27FC236}">
-                <a16:creationId xmlns:a16="http://schemas.microsoft.com/office/drawing/2014/main" xmlns="" id="{90371848-C3C2-2946-8721-32944148379F}"/>
+                <a16:creationId xmlns:a16="http://schemas.microsoft.com/office/drawing/2014/main" id="{90371848-C3C2-2946-8721-32944148379F}"/>
               </a:ext>
             </a:extLst>
           </p:cNvPr>
@@ -8848,7 +13649,7 @@
           <p:cNvPr id="5" name="Picture 4">
             <a:extLst>
               <a:ext uri="{FF2B5EF4-FFF2-40B4-BE49-F238E27FC236}">
-                <a16:creationId xmlns:a16="http://schemas.microsoft.com/office/drawing/2014/main" xmlns="" id="{96C8DA8D-9BEF-744E-AFF8-50655E69712A}"/>
+                <a16:creationId xmlns:a16="http://schemas.microsoft.com/office/drawing/2014/main" id="{96C8DA8D-9BEF-744E-AFF8-50655E69712A}"/>
               </a:ext>
             </a:extLst>
           </p:cNvPr>
@@ -8880,7 +13681,7 @@
               <p:cNvPr id="6" name="TextBox 5">
                 <a:extLst>
                   <a:ext uri="{FF2B5EF4-FFF2-40B4-BE49-F238E27FC236}">
-                    <a16:creationId xmlns:a16="http://schemas.microsoft.com/office/drawing/2014/main" xmlns="" id="{B64305C1-D8DA-9449-80AD-775E6D513BE6}"/>
+                    <a16:creationId xmlns:a16="http://schemas.microsoft.com/office/drawing/2014/main" id="{B64305C1-D8DA-9449-80AD-775E6D513BE6}"/>
                   </a:ext>
                 </a:extLst>
               </p:cNvPr>
@@ -8919,7 +13720,7 @@
                         <m:endChr m:val="}"/>
                         <m:ctrlPr>
                           <a:rPr lang="en-US" sz="2400" b="0" i="1" smtClean="0">
-                            <a:latin typeface="Cambria Math" charset="0"/>
+                            <a:latin typeface="Cambria Math" panose="02040503050406030204" pitchFamily="18" charset="0"/>
                           </a:rPr>
                         </m:ctrlPr>
                       </m:dPr>
@@ -8928,7 +13729,7 @@
                           <m:sSubPr>
                             <m:ctrlPr>
                               <a:rPr lang="en-US" sz="2400" b="0" i="1" smtClean="0">
-                                <a:latin typeface="Cambria Math" charset="0"/>
+                                <a:latin typeface="Cambria Math" panose="02040503050406030204" pitchFamily="18" charset="0"/>
                               </a:rPr>
                             </m:ctrlPr>
                           </m:sSubPr>
@@ -8959,7 +13760,7 @@
                           <m:sSubPr>
                             <m:ctrlPr>
                               <a:rPr lang="en-US" sz="2400" b="0" i="1" smtClean="0">
-                                <a:latin typeface="Cambria Math" charset="0"/>
+                                <a:latin typeface="Cambria Math" panose="02040503050406030204" pitchFamily="18" charset="0"/>
                               </a:rPr>
                             </m:ctrlPr>
                           </m:sSubPr>
@@ -9077,7 +13878,7 @@
               <p:cNvPr id="10" name="TextBox 9">
                 <a:extLst>
                   <a:ext uri="{FF2B5EF4-FFF2-40B4-BE49-F238E27FC236}">
-                    <a16:creationId xmlns:a16="http://schemas.microsoft.com/office/drawing/2014/main" xmlns="" id="{1F23FA21-7447-684E-82A3-7876D03ED643}"/>
+                    <a16:creationId xmlns:a16="http://schemas.microsoft.com/office/drawing/2014/main" id="{1F23FA21-7447-684E-82A3-7876D03ED643}"/>
                   </a:ext>
                 </a:extLst>
               </p:cNvPr>
@@ -9111,7 +13912,7 @@
                         <m:sSubPr>
                           <m:ctrlPr>
                             <a:rPr lang="en-US" sz="2400" b="0" i="1" smtClean="0">
-                              <a:latin typeface="Cambria Math" charset="0"/>
+                              <a:latin typeface="Cambria Math" panose="02040503050406030204" pitchFamily="18" charset="0"/>
                             </a:rPr>
                           </m:ctrlPr>
                         </m:sSubPr>
@@ -9154,7 +13955,7 @@
                         <m:sSubPr>
                           <m:ctrlPr>
                             <a:rPr lang="en-US" sz="2400" b="0" i="1" smtClean="0">
-                              <a:latin typeface="Cambria Math" charset="0"/>
+                              <a:latin typeface="Cambria Math" panose="02040503050406030204" pitchFamily="18" charset="0"/>
                             </a:rPr>
                           </m:ctrlPr>
                         </m:sSubPr>
@@ -9185,7 +13986,7 @@
                         <m:sSubPr>
                           <m:ctrlPr>
                             <a:rPr lang="en-US" sz="2400" b="0" i="1" smtClean="0">
-                              <a:latin typeface="Cambria Math" charset="0"/>
+                              <a:latin typeface="Cambria Math" panose="02040503050406030204" pitchFamily="18" charset="0"/>
                             </a:rPr>
                           </m:ctrlPr>
                         </m:sSubPr>
@@ -9222,7 +14023,7 @@
                         <m:funcPr>
                           <m:ctrlPr>
                             <a:rPr lang="en-US" sz="2400" b="0" i="1" smtClean="0">
-                              <a:latin typeface="Cambria Math" charset="0"/>
+                              <a:latin typeface="Cambria Math" panose="02040503050406030204" pitchFamily="18" charset="0"/>
                             </a:rPr>
                           </m:ctrlPr>
                         </m:funcPr>
@@ -9242,7 +14043,7 @@
                             <m:dPr>
                               <m:ctrlPr>
                                 <a:rPr lang="en-US" sz="2400" i="1">
-                                  <a:latin typeface="Cambria Math" charset="0"/>
+                                  <a:latin typeface="Cambria Math" panose="02040503050406030204" pitchFamily="18" charset="0"/>
                                 </a:rPr>
                               </m:ctrlPr>
                             </m:dPr>
@@ -9257,7 +14058,7 @@
                                 <m:fPr>
                                   <m:ctrlPr>
                                     <a:rPr lang="en-US" sz="2400" i="1">
-                                      <a:latin typeface="Cambria Math" charset="0"/>
+                                      <a:latin typeface="Cambria Math" panose="02040503050406030204" pitchFamily="18" charset="0"/>
                                     </a:rPr>
                                   </m:ctrlPr>
                                 </m:fPr>
@@ -9266,7 +14067,7 @@
                                     <m:sSupPr>
                                       <m:ctrlPr>
                                         <a:rPr lang="en-US" sz="2400" i="1">
-                                          <a:latin typeface="Cambria Math" charset="0"/>
+                                          <a:latin typeface="Cambria Math" panose="02040503050406030204" pitchFamily="18" charset="0"/>
                                         </a:rPr>
                                       </m:ctrlPr>
                                     </m:sSupPr>
@@ -9277,7 +14078,7 @@
                                           <m:endChr m:val="‖"/>
                                           <m:ctrlPr>
                                             <a:rPr lang="en-US" sz="2400" i="1">
-                                              <a:latin typeface="Cambria Math" charset="0"/>
+                                              <a:latin typeface="Cambria Math" panose="02040503050406030204" pitchFamily="18" charset="0"/>
                                             </a:rPr>
                                           </m:ctrlPr>
                                         </m:dPr>
@@ -9286,7 +14087,7 @@
                                             <m:sSubPr>
                                               <m:ctrlPr>
                                                 <a:rPr lang="en-US" sz="2400" b="0" i="1" smtClean="0">
-                                                  <a:latin typeface="Cambria Math" charset="0"/>
+                                                  <a:latin typeface="Cambria Math" panose="02040503050406030204" pitchFamily="18" charset="0"/>
                                                 </a:rPr>
                                               </m:ctrlPr>
                                             </m:sSubPr>
@@ -9317,7 +14118,7 @@
                                             <m:sSubPr>
                                               <m:ctrlPr>
                                                 <a:rPr lang="en-US" sz="2400" i="1">
-                                                  <a:latin typeface="Cambria Math" charset="0"/>
+                                                  <a:latin typeface="Cambria Math" panose="02040503050406030204" pitchFamily="18" charset="0"/>
                                                 </a:rPr>
                                               </m:ctrlPr>
                                             </m:sSubPr>
@@ -9362,7 +14163,7 @@
                                     <m:sSupPr>
                                       <m:ctrlPr>
                                         <a:rPr lang="en-US" sz="2400" i="1">
-                                          <a:latin typeface="Cambria Math" charset="0"/>
+                                          <a:latin typeface="Cambria Math" panose="02040503050406030204" pitchFamily="18" charset="0"/>
                                         </a:rPr>
                                       </m:ctrlPr>
                                     </m:sSupPr>
@@ -9449,7 +14250,7 @@
               <p:cNvPr id="11" name="TextBox 10">
                 <a:extLst>
                   <a:ext uri="{FF2B5EF4-FFF2-40B4-BE49-F238E27FC236}">
-                    <a16:creationId xmlns:a16="http://schemas.microsoft.com/office/drawing/2014/main" xmlns="" id="{562228B6-98A4-0A4A-8CF0-FBD357ADB06A}"/>
+                    <a16:creationId xmlns:a16="http://schemas.microsoft.com/office/drawing/2014/main" id="{562228B6-98A4-0A4A-8CF0-FBD357ADB06A}"/>
                   </a:ext>
                 </a:extLst>
               </p:cNvPr>
@@ -9483,7 +14284,7 @@
                         <m:sSupPr>
                           <m:ctrlPr>
                             <a:rPr lang="en-US" sz="2400" i="1" smtClean="0">
-                              <a:latin typeface="Cambria Math" charset="0"/>
+                              <a:latin typeface="Cambria Math" panose="02040503050406030204" pitchFamily="18" charset="0"/>
                             </a:rPr>
                           </m:ctrlPr>
                         </m:sSupPr>
@@ -9508,7 +14309,7 @@
                         <m:dPr>
                           <m:ctrlPr>
                             <a:rPr lang="en-US" sz="2400" i="1" smtClean="0">
-                              <a:latin typeface="Cambria Math" charset="0"/>
+                              <a:latin typeface="Cambria Math" panose="02040503050406030204" pitchFamily="18" charset="0"/>
                             </a:rPr>
                           </m:ctrlPr>
                         </m:dPr>
@@ -9517,7 +14318,7 @@
                             <m:sSubPr>
                               <m:ctrlPr>
                                 <a:rPr lang="en-US" sz="2400" b="1" i="1" smtClean="0">
-                                  <a:latin typeface="Cambria Math" charset="0"/>
+                                  <a:latin typeface="Cambria Math" panose="02040503050406030204" pitchFamily="18" charset="0"/>
                                 </a:rPr>
                               </m:ctrlPr>
                             </m:sSubPr>
@@ -9551,7 +14352,7 @@
                           <m:chr m:val="∑"/>
                           <m:ctrlPr>
                             <a:rPr lang="en-US" sz="2400" i="1" smtClean="0">
-                              <a:latin typeface="Cambria Math" charset="0"/>
+                              <a:latin typeface="Cambria Math" panose="02040503050406030204" pitchFamily="18" charset="0"/>
                             </a:rPr>
                           </m:ctrlPr>
                         </m:naryPr>
@@ -9576,7 +14377,7 @@
                             <m:sSubPr>
                               <m:ctrlPr>
                                 <a:rPr lang="en-US" sz="2400" i="1" smtClean="0">
-                                  <a:latin typeface="Cambria Math" charset="0"/>
+                                  <a:latin typeface="Cambria Math" panose="02040503050406030204" pitchFamily="18" charset="0"/>
                                 </a:rPr>
                               </m:ctrlPr>
                             </m:sSubPr>
@@ -9601,7 +14402,7 @@
                             <m:sSubPr>
                               <m:ctrlPr>
                                 <a:rPr lang="en-US" sz="2400" b="0" i="1" smtClean="0">
-                                  <a:latin typeface="Cambria Math" charset="0"/>
+                                  <a:latin typeface="Cambria Math" panose="02040503050406030204" pitchFamily="18" charset="0"/>
                                 </a:rPr>
                               </m:ctrlPr>
                             </m:sSubPr>
@@ -9696,7 +14497,7 @@
               <p:cNvPr id="12" name="TextBox 11">
                 <a:extLst>
                   <a:ext uri="{FF2B5EF4-FFF2-40B4-BE49-F238E27FC236}">
-                    <a16:creationId xmlns:a16="http://schemas.microsoft.com/office/drawing/2014/main" xmlns="" id="{A54B9D57-2391-3E48-AB78-34250B63E794}"/>
+                    <a16:creationId xmlns:a16="http://schemas.microsoft.com/office/drawing/2014/main" id="{A54B9D57-2391-3E48-AB78-34250B63E794}"/>
                   </a:ext>
                 </a:extLst>
               </p:cNvPr>
@@ -9730,7 +14531,7 @@
                         <m:funcPr>
                           <m:ctrlPr>
                             <a:rPr lang="en-US" sz="2400" i="1" smtClean="0">
-                              <a:latin typeface="Cambria Math" charset="0"/>
+                              <a:latin typeface="Cambria Math" panose="02040503050406030204" pitchFamily="18" charset="0"/>
                             </a:rPr>
                           </m:ctrlPr>
                         </m:funcPr>
@@ -9739,7 +14540,7 @@
                             <m:limLowPr>
                               <m:ctrlPr>
                                 <a:rPr lang="en-US" sz="2400" i="1" smtClean="0">
-                                  <a:latin typeface="Cambria Math" charset="0"/>
+                                  <a:latin typeface="Cambria Math" panose="02040503050406030204" pitchFamily="18" charset="0"/>
                                 </a:rPr>
                               </m:ctrlPr>
                             </m:limLowPr>
@@ -9770,7 +14571,7 @@
                               <m:chr m:val="∑"/>
                               <m:ctrlPr>
                                 <a:rPr lang="en-US" sz="2400" i="1" smtClean="0">
-                                  <a:latin typeface="Cambria Math" charset="0"/>
+                                  <a:latin typeface="Cambria Math" panose="02040503050406030204" pitchFamily="18" charset="0"/>
                                 </a:rPr>
                               </m:ctrlPr>
                             </m:naryPr>
@@ -9795,7 +14596,7 @@
                                 <m:sSupPr>
                                   <m:ctrlPr>
                                     <a:rPr lang="en-US" sz="2400" i="1">
-                                      <a:latin typeface="Cambria Math" charset="0"/>
+                                      <a:latin typeface="Cambria Math" panose="02040503050406030204" pitchFamily="18" charset="0"/>
                                     </a:rPr>
                                   </m:ctrlPr>
                                 </m:sSupPr>
@@ -9804,7 +14605,7 @@
                                     <m:dPr>
                                       <m:ctrlPr>
                                         <a:rPr lang="en-US" sz="2400" i="1">
-                                          <a:latin typeface="Cambria Math" charset="0"/>
+                                          <a:latin typeface="Cambria Math" panose="02040503050406030204" pitchFamily="18" charset="0"/>
                                         </a:rPr>
                                       </m:ctrlPr>
                                     </m:dPr>
@@ -9813,7 +14614,7 @@
                                         <m:sSupPr>
                                           <m:ctrlPr>
                                             <a:rPr lang="en-US" sz="2400" i="1">
-                                              <a:latin typeface="Cambria Math" charset="0"/>
+                                              <a:latin typeface="Cambria Math" panose="02040503050406030204" pitchFamily="18" charset="0"/>
                                             </a:rPr>
                                           </m:ctrlPr>
                                         </m:sSupPr>
@@ -9838,7 +14639,7 @@
                                         <m:dPr>
                                           <m:ctrlPr>
                                             <a:rPr lang="en-US" sz="2400" i="1">
-                                              <a:latin typeface="Cambria Math" charset="0"/>
+                                              <a:latin typeface="Cambria Math" panose="02040503050406030204" pitchFamily="18" charset="0"/>
                                             </a:rPr>
                                           </m:ctrlPr>
                                         </m:dPr>
@@ -9847,7 +14648,7 @@
                                             <m:sSubPr>
                                               <m:ctrlPr>
                                                 <a:rPr lang="en-US" sz="2400" b="1" i="1">
-                                                  <a:latin typeface="Cambria Math" charset="0"/>
+                                                  <a:latin typeface="Cambria Math" panose="02040503050406030204" pitchFamily="18" charset="0"/>
                                                 </a:rPr>
                                               </m:ctrlPr>
                                             </m:sSubPr>
@@ -9880,7 +14681,7 @@
                                         <m:sSubPr>
                                           <m:ctrlPr>
                                             <a:rPr lang="en-US" sz="2400" i="1">
-                                              <a:latin typeface="Cambria Math" charset="0"/>
+                                              <a:latin typeface="Cambria Math" panose="02040503050406030204" pitchFamily="18" charset="0"/>
                                             </a:rPr>
                                           </m:ctrlPr>
                                         </m:sSubPr>
@@ -9983,7 +14784,7 @@
 </p:sld>
 </file>
 
-<file path=ppt/slides/slide19.xml><?xml version="1.0" encoding="utf-8"?>
+<file path=ppt/slides/slide24.xml><?xml version="1.0" encoding="utf-8"?>
 <p:sld xmlns:a="http://schemas.openxmlformats.org/drawingml/2006/main" xmlns:r="http://schemas.openxmlformats.org/officeDocument/2006/relationships" xmlns:p="http://schemas.openxmlformats.org/presentationml/2006/main">
   <p:cSld>
     <p:spTree>
@@ -10005,7 +14806,7 @@
           <p:cNvPr id="2" name="Title 1">
             <a:extLst>
               <a:ext uri="{FF2B5EF4-FFF2-40B4-BE49-F238E27FC236}">
-                <a16:creationId xmlns:a16="http://schemas.microsoft.com/office/drawing/2014/main" xmlns="" id="{90371848-C3C2-2946-8721-32944148379F}"/>
+                <a16:creationId xmlns:a16="http://schemas.microsoft.com/office/drawing/2014/main" id="{90371848-C3C2-2946-8721-32944148379F}"/>
               </a:ext>
             </a:extLst>
           </p:cNvPr>
@@ -10037,7 +14838,7 @@
           <p:cNvPr id="5" name="Picture 4">
             <a:extLst>
               <a:ext uri="{FF2B5EF4-FFF2-40B4-BE49-F238E27FC236}">
-                <a16:creationId xmlns:a16="http://schemas.microsoft.com/office/drawing/2014/main" xmlns="" id="{96C8DA8D-9BEF-744E-AFF8-50655E69712A}"/>
+                <a16:creationId xmlns:a16="http://schemas.microsoft.com/office/drawing/2014/main" id="{96C8DA8D-9BEF-744E-AFF8-50655E69712A}"/>
               </a:ext>
             </a:extLst>
           </p:cNvPr>
@@ -10069,7 +14870,7 @@
               <p:cNvPr id="6" name="TextBox 5">
                 <a:extLst>
                   <a:ext uri="{FF2B5EF4-FFF2-40B4-BE49-F238E27FC236}">
-                    <a16:creationId xmlns:a16="http://schemas.microsoft.com/office/drawing/2014/main" xmlns="" id="{B64305C1-D8DA-9449-80AD-775E6D513BE6}"/>
+                    <a16:creationId xmlns:a16="http://schemas.microsoft.com/office/drawing/2014/main" id="{B64305C1-D8DA-9449-80AD-775E6D513BE6}"/>
                   </a:ext>
                 </a:extLst>
               </p:cNvPr>
@@ -10108,7 +14909,7 @@
                         <m:endChr m:val="}"/>
                         <m:ctrlPr>
                           <a:rPr lang="en-US" sz="2400" b="0" i="1" smtClean="0">
-                            <a:latin typeface="Cambria Math" charset="0"/>
+                            <a:latin typeface="Cambria Math" panose="02040503050406030204" pitchFamily="18" charset="0"/>
                           </a:rPr>
                         </m:ctrlPr>
                       </m:dPr>
@@ -10117,7 +14918,7 @@
                           <m:sSubPr>
                             <m:ctrlPr>
                               <a:rPr lang="en-US" sz="2400" b="0" i="1" smtClean="0">
-                                <a:latin typeface="Cambria Math" charset="0"/>
+                                <a:latin typeface="Cambria Math" panose="02040503050406030204" pitchFamily="18" charset="0"/>
                               </a:rPr>
                             </m:ctrlPr>
                           </m:sSubPr>
@@ -10148,7 +14949,7 @@
                           <m:sSubPr>
                             <m:ctrlPr>
                               <a:rPr lang="en-US" sz="2400" b="0" i="1" smtClean="0">
-                                <a:latin typeface="Cambria Math" charset="0"/>
+                                <a:latin typeface="Cambria Math" panose="02040503050406030204" pitchFamily="18" charset="0"/>
                               </a:rPr>
                             </m:ctrlPr>
                           </m:sSubPr>
@@ -10266,7 +15067,7 @@
               <p:cNvPr id="10" name="TextBox 9">
                 <a:extLst>
                   <a:ext uri="{FF2B5EF4-FFF2-40B4-BE49-F238E27FC236}">
-                    <a16:creationId xmlns:a16="http://schemas.microsoft.com/office/drawing/2014/main" xmlns="" id="{7D5A9CE5-A77C-4946-B639-CBEAA30C1E22}"/>
+                    <a16:creationId xmlns:a16="http://schemas.microsoft.com/office/drawing/2014/main" id="{7D5A9CE5-A77C-4946-B639-CBEAA30C1E22}"/>
                   </a:ext>
                 </a:extLst>
               </p:cNvPr>
@@ -10300,7 +15101,7 @@
                         <m:sSubPr>
                           <m:ctrlPr>
                             <a:rPr lang="en-US" sz="2400" b="0" i="1" smtClean="0">
-                              <a:latin typeface="Cambria Math" charset="0"/>
+                              <a:latin typeface="Cambria Math" panose="02040503050406030204" pitchFamily="18" charset="0"/>
                             </a:rPr>
                           </m:ctrlPr>
                         </m:sSubPr>
@@ -10343,7 +15144,7 @@
                         <m:sSubPr>
                           <m:ctrlPr>
                             <a:rPr lang="en-US" sz="2400" b="0" i="1" smtClean="0">
-                              <a:latin typeface="Cambria Math" charset="0"/>
+                              <a:latin typeface="Cambria Math" panose="02040503050406030204" pitchFamily="18" charset="0"/>
                             </a:rPr>
                           </m:ctrlPr>
                         </m:sSubPr>
@@ -10374,7 +15175,7 @@
                         <m:sSubPr>
                           <m:ctrlPr>
                             <a:rPr lang="en-US" sz="2400" b="0" i="1" smtClean="0">
-                              <a:latin typeface="Cambria Math" charset="0"/>
+                              <a:latin typeface="Cambria Math" panose="02040503050406030204" pitchFamily="18" charset="0"/>
                             </a:rPr>
                           </m:ctrlPr>
                         </m:sSubPr>
@@ -10411,7 +15212,7 @@
                         <m:funcPr>
                           <m:ctrlPr>
                             <a:rPr lang="en-US" sz="2400" b="0" i="1" smtClean="0">
-                              <a:latin typeface="Cambria Math" charset="0"/>
+                              <a:latin typeface="Cambria Math" panose="02040503050406030204" pitchFamily="18" charset="0"/>
                             </a:rPr>
                           </m:ctrlPr>
                         </m:funcPr>
@@ -10431,7 +15232,7 @@
                             <m:dPr>
                               <m:ctrlPr>
                                 <a:rPr lang="en-US" sz="2400" i="1">
-                                  <a:latin typeface="Cambria Math" charset="0"/>
+                                  <a:latin typeface="Cambria Math" panose="02040503050406030204" pitchFamily="18" charset="0"/>
                                 </a:rPr>
                               </m:ctrlPr>
                             </m:dPr>
@@ -10446,7 +15247,7 @@
                                 <m:fPr>
                                   <m:ctrlPr>
                                     <a:rPr lang="en-US" sz="2400" i="1">
-                                      <a:latin typeface="Cambria Math" charset="0"/>
+                                      <a:latin typeface="Cambria Math" panose="02040503050406030204" pitchFamily="18" charset="0"/>
                                     </a:rPr>
                                   </m:ctrlPr>
                                 </m:fPr>
@@ -10455,7 +15256,7 @@
                                     <m:sSupPr>
                                       <m:ctrlPr>
                                         <a:rPr lang="en-US" sz="2400" i="1">
-                                          <a:latin typeface="Cambria Math" charset="0"/>
+                                          <a:latin typeface="Cambria Math" panose="02040503050406030204" pitchFamily="18" charset="0"/>
                                         </a:rPr>
                                       </m:ctrlPr>
                                     </m:sSupPr>
@@ -10466,7 +15267,7 @@
                                           <m:endChr m:val="‖"/>
                                           <m:ctrlPr>
                                             <a:rPr lang="en-US" sz="2400" i="1">
-                                              <a:latin typeface="Cambria Math" charset="0"/>
+                                              <a:latin typeface="Cambria Math" panose="02040503050406030204" pitchFamily="18" charset="0"/>
                                             </a:rPr>
                                           </m:ctrlPr>
                                         </m:dPr>
@@ -10475,7 +15276,7 @@
                                             <m:sSubPr>
                                               <m:ctrlPr>
                                                 <a:rPr lang="en-US" sz="2400" b="0" i="1" smtClean="0">
-                                                  <a:latin typeface="Cambria Math" charset="0"/>
+                                                  <a:latin typeface="Cambria Math" panose="02040503050406030204" pitchFamily="18" charset="0"/>
                                                 </a:rPr>
                                               </m:ctrlPr>
                                             </m:sSubPr>
@@ -10506,7 +15307,7 @@
                                             <m:sSubPr>
                                               <m:ctrlPr>
                                                 <a:rPr lang="en-US" sz="2400" i="1">
-                                                  <a:latin typeface="Cambria Math" charset="0"/>
+                                                  <a:latin typeface="Cambria Math" panose="02040503050406030204" pitchFamily="18" charset="0"/>
                                                 </a:rPr>
                                               </m:ctrlPr>
                                             </m:sSubPr>
@@ -10551,7 +15352,7 @@
                                     <m:sSupPr>
                                       <m:ctrlPr>
                                         <a:rPr lang="en-US" sz="2400" i="1">
-                                          <a:latin typeface="Cambria Math" charset="0"/>
+                                          <a:latin typeface="Cambria Math" panose="02040503050406030204" pitchFamily="18" charset="0"/>
                                         </a:rPr>
                                       </m:ctrlPr>
                                     </m:sSupPr>
@@ -10638,7 +15439,7 @@
               <p:cNvPr id="11" name="TextBox 10">
                 <a:extLst>
                   <a:ext uri="{FF2B5EF4-FFF2-40B4-BE49-F238E27FC236}">
-                    <a16:creationId xmlns:a16="http://schemas.microsoft.com/office/drawing/2014/main" xmlns="" id="{2BCFFAF7-053D-EC4C-B2C4-7D00740F1FEF}"/>
+                    <a16:creationId xmlns:a16="http://schemas.microsoft.com/office/drawing/2014/main" id="{2BCFFAF7-053D-EC4C-B2C4-7D00740F1FEF}"/>
                   </a:ext>
                 </a:extLst>
               </p:cNvPr>
@@ -10672,7 +15473,7 @@
                         <m:sSupPr>
                           <m:ctrlPr>
                             <a:rPr lang="en-US" sz="2400" i="1" smtClean="0">
-                              <a:latin typeface="Cambria Math" charset="0"/>
+                              <a:latin typeface="Cambria Math" panose="02040503050406030204" pitchFamily="18" charset="0"/>
                             </a:rPr>
                           </m:ctrlPr>
                         </m:sSupPr>
@@ -10697,7 +15498,7 @@
                         <m:dPr>
                           <m:ctrlPr>
                             <a:rPr lang="en-US" sz="2400" i="1" smtClean="0">
-                              <a:latin typeface="Cambria Math" charset="0"/>
+                              <a:latin typeface="Cambria Math" panose="02040503050406030204" pitchFamily="18" charset="0"/>
                             </a:rPr>
                           </m:ctrlPr>
                         </m:dPr>
@@ -10706,7 +15507,7 @@
                             <m:sSubPr>
                               <m:ctrlPr>
                                 <a:rPr lang="en-US" sz="2400" b="1" i="1" smtClean="0">
-                                  <a:latin typeface="Cambria Math" charset="0"/>
+                                  <a:latin typeface="Cambria Math" panose="02040503050406030204" pitchFamily="18" charset="0"/>
                                 </a:rPr>
                               </m:ctrlPr>
                             </m:sSubPr>
@@ -10740,7 +15541,7 @@
                           <m:chr m:val="∑"/>
                           <m:ctrlPr>
                             <a:rPr lang="en-US" sz="2400" i="1" smtClean="0">
-                              <a:latin typeface="Cambria Math" charset="0"/>
+                              <a:latin typeface="Cambria Math" panose="02040503050406030204" pitchFamily="18" charset="0"/>
                             </a:rPr>
                           </m:ctrlPr>
                         </m:naryPr>
@@ -10765,7 +15566,7 @@
                             <m:sSubPr>
                               <m:ctrlPr>
                                 <a:rPr lang="en-US" sz="2400" i="1" smtClean="0">
-                                  <a:latin typeface="Cambria Math" charset="0"/>
+                                  <a:latin typeface="Cambria Math" panose="02040503050406030204" pitchFamily="18" charset="0"/>
                                 </a:rPr>
                               </m:ctrlPr>
                             </m:sSubPr>
@@ -10790,7 +15591,7 @@
                             <m:sSubPr>
                               <m:ctrlPr>
                                 <a:rPr lang="en-US" sz="2400" b="0" i="1" smtClean="0">
-                                  <a:latin typeface="Cambria Math" charset="0"/>
+                                  <a:latin typeface="Cambria Math" panose="02040503050406030204" pitchFamily="18" charset="0"/>
                                 </a:rPr>
                               </m:ctrlPr>
                             </m:sSubPr>
@@ -10885,7 +15686,7 @@
               <p:cNvPr id="12" name="TextBox 11">
                 <a:extLst>
                   <a:ext uri="{FF2B5EF4-FFF2-40B4-BE49-F238E27FC236}">
-                    <a16:creationId xmlns:a16="http://schemas.microsoft.com/office/drawing/2014/main" xmlns="" id="{E42519B7-76F1-154B-B8F2-6D963495238A}"/>
+                    <a16:creationId xmlns:a16="http://schemas.microsoft.com/office/drawing/2014/main" id="{E42519B7-76F1-154B-B8F2-6D963495238A}"/>
                   </a:ext>
                 </a:extLst>
               </p:cNvPr>
@@ -10919,7 +15720,7 @@
                         <m:funcPr>
                           <m:ctrlPr>
                             <a:rPr lang="en-US" sz="2400" i="1" smtClean="0">
-                              <a:latin typeface="Cambria Math" charset="0"/>
+                              <a:latin typeface="Cambria Math" panose="02040503050406030204" pitchFamily="18" charset="0"/>
                             </a:rPr>
                           </m:ctrlPr>
                         </m:funcPr>
@@ -10928,7 +15729,7 @@
                             <m:limLowPr>
                               <m:ctrlPr>
                                 <a:rPr lang="en-US" sz="2400" i="1" smtClean="0">
-                                  <a:latin typeface="Cambria Math" charset="0"/>
+                                  <a:latin typeface="Cambria Math" panose="02040503050406030204" pitchFamily="18" charset="0"/>
                                 </a:rPr>
                               </m:ctrlPr>
                             </m:limLowPr>
@@ -10959,7 +15760,7 @@
                               <m:chr m:val="∑"/>
                               <m:ctrlPr>
                                 <a:rPr lang="en-US" sz="2400" i="1" smtClean="0">
-                                  <a:latin typeface="Cambria Math" charset="0"/>
+                                  <a:latin typeface="Cambria Math" panose="02040503050406030204" pitchFamily="18" charset="0"/>
                                 </a:rPr>
                               </m:ctrlPr>
                             </m:naryPr>
@@ -10984,7 +15785,7 @@
                                 <m:sSupPr>
                                   <m:ctrlPr>
                                     <a:rPr lang="en-US" sz="2400" i="1">
-                                      <a:latin typeface="Cambria Math" charset="0"/>
+                                      <a:latin typeface="Cambria Math" panose="02040503050406030204" pitchFamily="18" charset="0"/>
                                     </a:rPr>
                                   </m:ctrlPr>
                                 </m:sSupPr>
@@ -10993,7 +15794,7 @@
                                     <m:dPr>
                                       <m:ctrlPr>
                                         <a:rPr lang="en-US" sz="2400" i="1">
-                                          <a:latin typeface="Cambria Math" charset="0"/>
+                                          <a:latin typeface="Cambria Math" panose="02040503050406030204" pitchFamily="18" charset="0"/>
                                         </a:rPr>
                                       </m:ctrlPr>
                                     </m:dPr>
@@ -11002,7 +15803,7 @@
                                         <m:sSupPr>
                                           <m:ctrlPr>
                                             <a:rPr lang="en-US" sz="2400" i="1">
-                                              <a:latin typeface="Cambria Math" charset="0"/>
+                                              <a:latin typeface="Cambria Math" panose="02040503050406030204" pitchFamily="18" charset="0"/>
                                             </a:rPr>
                                           </m:ctrlPr>
                                         </m:sSupPr>
@@ -11027,7 +15828,7 @@
                                         <m:dPr>
                                           <m:ctrlPr>
                                             <a:rPr lang="en-US" sz="2400" i="1">
-                                              <a:latin typeface="Cambria Math" charset="0"/>
+                                              <a:latin typeface="Cambria Math" panose="02040503050406030204" pitchFamily="18" charset="0"/>
                                             </a:rPr>
                                           </m:ctrlPr>
                                         </m:dPr>
@@ -11036,7 +15837,7 @@
                                             <m:sSubPr>
                                               <m:ctrlPr>
                                                 <a:rPr lang="en-US" sz="2400" b="1" i="1">
-                                                  <a:latin typeface="Cambria Math" charset="0"/>
+                                                  <a:latin typeface="Cambria Math" panose="02040503050406030204" pitchFamily="18" charset="0"/>
                                                 </a:rPr>
                                               </m:ctrlPr>
                                             </m:sSubPr>
@@ -11069,7 +15870,7 @@
                                         <m:sSubPr>
                                           <m:ctrlPr>
                                             <a:rPr lang="en-US" sz="2400" i="1">
-                                              <a:latin typeface="Cambria Math" charset="0"/>
+                                              <a:latin typeface="Cambria Math" panose="02040503050406030204" pitchFamily="18" charset="0"/>
                                             </a:rPr>
                                           </m:ctrlPr>
                                         </m:sSubPr>
@@ -11172,120 +15973,7 @@
 </p:sld>
 </file>
 
-<file path=ppt/slides/slide2.xml><?xml version="1.0" encoding="utf-8"?>
-<p:sld xmlns:a="http://schemas.openxmlformats.org/drawingml/2006/main" xmlns:r="http://schemas.openxmlformats.org/officeDocument/2006/relationships" xmlns:p="http://schemas.openxmlformats.org/presentationml/2006/main">
-  <p:cSld>
-    <p:spTree>
-      <p:nvGrpSpPr>
-        <p:cNvPr id="1" name=""/>
-        <p:cNvGrpSpPr/>
-        <p:nvPr/>
-      </p:nvGrpSpPr>
-      <p:grpSpPr>
-        <a:xfrm>
-          <a:off x="0" y="0"/>
-          <a:ext cx="0" cy="0"/>
-          <a:chOff x="0" y="0"/>
-          <a:chExt cx="0" cy="0"/>
-        </a:xfrm>
-      </p:grpSpPr>
-      <p:sp>
-        <p:nvSpPr>
-          <p:cNvPr id="2" name="Title 1"/>
-          <p:cNvSpPr>
-            <a:spLocks noGrp="1"/>
-          </p:cNvSpPr>
-          <p:nvPr>
-            <p:ph type="title"/>
-          </p:nvPr>
-        </p:nvSpPr>
-        <p:spPr/>
-        <p:txBody>
-          <a:bodyPr/>
-          <a:lstStyle/>
-          <a:p>
-            <a:r>
-              <a:rPr lang="en-US" dirty="0" smtClean="0"/>
-              <a:t>Describing atomic structures</a:t>
-            </a:r>
-            <a:endParaRPr lang="en-US" dirty="0"/>
-          </a:p>
-        </p:txBody>
-      </p:sp>
-      <p:sp>
-        <p:nvSpPr>
-          <p:cNvPr id="5" name="TextBox 4"/>
-          <p:cNvSpPr txBox="1"/>
-          <p:nvPr/>
-        </p:nvSpPr>
-        <p:spPr>
-          <a:xfrm>
-            <a:off x="838200" y="1690688"/>
-            <a:ext cx="3994427" cy="461665"/>
-          </a:xfrm>
-          <a:prstGeom prst="rect">
-            <a:avLst/>
-          </a:prstGeom>
-          <a:noFill/>
-        </p:spPr>
-        <p:txBody>
-          <a:bodyPr wrap="none" rtlCol="0">
-            <a:spAutoFit/>
-          </a:bodyPr>
-          <a:lstStyle/>
-          <a:p>
-            <a:r>
-              <a:rPr lang="en-US" sz="2400" dirty="0" smtClean="0"/>
-              <a:t>Defined by atomic coordinates</a:t>
-            </a:r>
-            <a:endParaRPr lang="en-US" sz="2400" dirty="0"/>
-          </a:p>
-        </p:txBody>
-      </p:sp>
-      <p:pic>
-        <p:nvPicPr>
-          <p:cNvPr id="21" name="Picture 20"/>
-          <p:cNvPicPr>
-            <a:picLocks noChangeAspect="1"/>
-          </p:cNvPicPr>
-          <p:nvPr/>
-        </p:nvPicPr>
-        <p:blipFill>
-          <a:blip r:embed="rId2">
-            <a:extLst>
-              <a:ext uri="{28A0092B-C50C-407E-A947-70E740481C1C}">
-                <a14:useLocalDpi xmlns:a14="http://schemas.microsoft.com/office/drawing/2010/main" val="0"/>
-              </a:ext>
-            </a:extLst>
-          </a:blip>
-          <a:stretch>
-            <a:fillRect/>
-          </a:stretch>
-        </p:blipFill>
-        <p:spPr>
-          <a:xfrm>
-            <a:off x="6264413" y="1690688"/>
-            <a:ext cx="1828800" cy="1828800"/>
-          </a:xfrm>
-          <a:prstGeom prst="rect">
-            <a:avLst/>
-          </a:prstGeom>
-        </p:spPr>
-      </p:pic>
-    </p:spTree>
-    <p:extLst>
-      <p:ext uri="{BB962C8B-B14F-4D97-AF65-F5344CB8AC3E}">
-        <p14:creationId xmlns:p14="http://schemas.microsoft.com/office/powerpoint/2010/main" val="2143773189"/>
-      </p:ext>
-    </p:extLst>
-  </p:cSld>
-  <p:clrMapOvr>
-    <a:masterClrMapping/>
-  </p:clrMapOvr>
-</p:sld>
-</file>
-
-<file path=ppt/slides/slide20.xml><?xml version="1.0" encoding="utf-8"?>
+<file path=ppt/slides/slide25.xml><?xml version="1.0" encoding="utf-8"?>
 <p:sld xmlns:a="http://schemas.openxmlformats.org/drawingml/2006/main" xmlns:r="http://schemas.openxmlformats.org/officeDocument/2006/relationships" xmlns:p="http://schemas.openxmlformats.org/presentationml/2006/main">
   <p:cSld>
     <p:spTree>
@@ -11307,7 +15995,7 @@
           <p:cNvPr id="2" name="Title 1">
             <a:extLst>
               <a:ext uri="{FF2B5EF4-FFF2-40B4-BE49-F238E27FC236}">
-                <a16:creationId xmlns:a16="http://schemas.microsoft.com/office/drawing/2014/main" xmlns="" id="{90371848-C3C2-2946-8721-32944148379F}"/>
+                <a16:creationId xmlns:a16="http://schemas.microsoft.com/office/drawing/2014/main" id="{90371848-C3C2-2946-8721-32944148379F}"/>
               </a:ext>
             </a:extLst>
           </p:cNvPr>
@@ -11347,7 +16035,7 @@
           <p:cNvPr id="5" name="Picture 4">
             <a:extLst>
               <a:ext uri="{FF2B5EF4-FFF2-40B4-BE49-F238E27FC236}">
-                <a16:creationId xmlns:a16="http://schemas.microsoft.com/office/drawing/2014/main" xmlns="" id="{96C8DA8D-9BEF-744E-AFF8-50655E69712A}"/>
+                <a16:creationId xmlns:a16="http://schemas.microsoft.com/office/drawing/2014/main" id="{96C8DA8D-9BEF-744E-AFF8-50655E69712A}"/>
               </a:ext>
             </a:extLst>
           </p:cNvPr>
@@ -11379,7 +16067,7 @@
               <p:cNvPr id="6" name="TextBox 5">
                 <a:extLst>
                   <a:ext uri="{FF2B5EF4-FFF2-40B4-BE49-F238E27FC236}">
-                    <a16:creationId xmlns:a16="http://schemas.microsoft.com/office/drawing/2014/main" xmlns="" id="{B64305C1-D8DA-9449-80AD-775E6D513BE6}"/>
+                    <a16:creationId xmlns:a16="http://schemas.microsoft.com/office/drawing/2014/main" id="{B64305C1-D8DA-9449-80AD-775E6D513BE6}"/>
                   </a:ext>
                 </a:extLst>
               </p:cNvPr>
@@ -11418,7 +16106,7 @@
                         <m:endChr m:val="}"/>
                         <m:ctrlPr>
                           <a:rPr lang="en-US" sz="2400" b="0" i="1" smtClean="0">
-                            <a:latin typeface="Cambria Math" charset="0"/>
+                            <a:latin typeface="Cambria Math" panose="02040503050406030204" pitchFamily="18" charset="0"/>
                           </a:rPr>
                         </m:ctrlPr>
                       </m:dPr>
@@ -11427,7 +16115,7 @@
                           <m:sSubPr>
                             <m:ctrlPr>
                               <a:rPr lang="en-US" sz="2400" b="0" i="1" smtClean="0">
-                                <a:latin typeface="Cambria Math" charset="0"/>
+                                <a:latin typeface="Cambria Math" panose="02040503050406030204" pitchFamily="18" charset="0"/>
                               </a:rPr>
                             </m:ctrlPr>
                           </m:sSubPr>
@@ -11458,7 +16146,7 @@
                           <m:sSubPr>
                             <m:ctrlPr>
                               <a:rPr lang="en-US" sz="2400" b="0" i="1" smtClean="0">
-                                <a:latin typeface="Cambria Math" charset="0"/>
+                                <a:latin typeface="Cambria Math" panose="02040503050406030204" pitchFamily="18" charset="0"/>
                               </a:rPr>
                             </m:ctrlPr>
                           </m:sSubPr>
@@ -11576,7 +16264,7 @@
               <p:cNvPr id="7" name="TextBox 6">
                 <a:extLst>
                   <a:ext uri="{FF2B5EF4-FFF2-40B4-BE49-F238E27FC236}">
-                    <a16:creationId xmlns:a16="http://schemas.microsoft.com/office/drawing/2014/main" xmlns="" id="{B326EACE-184C-7541-863E-4FC005F8970C}"/>
+                    <a16:creationId xmlns:a16="http://schemas.microsoft.com/office/drawing/2014/main" id="{B326EACE-184C-7541-863E-4FC005F8970C}"/>
                   </a:ext>
                 </a:extLst>
               </p:cNvPr>
@@ -11610,7 +16298,7 @@
                         <m:sSubPr>
                           <m:ctrlPr>
                             <a:rPr lang="en-US" sz="2400" b="0" i="1" smtClean="0">
-                              <a:latin typeface="Cambria Math" charset="0"/>
+                              <a:latin typeface="Cambria Math" panose="02040503050406030204" pitchFamily="18" charset="0"/>
                             </a:rPr>
                           </m:ctrlPr>
                         </m:sSubPr>
@@ -11653,7 +16341,7 @@
                         <m:sSubPr>
                           <m:ctrlPr>
                             <a:rPr lang="en-US" sz="2400" b="0" i="1" smtClean="0">
-                              <a:latin typeface="Cambria Math" charset="0"/>
+                              <a:latin typeface="Cambria Math" panose="02040503050406030204" pitchFamily="18" charset="0"/>
                             </a:rPr>
                           </m:ctrlPr>
                         </m:sSubPr>
@@ -11684,7 +16372,7 @@
                         <m:sSubPr>
                           <m:ctrlPr>
                             <a:rPr lang="en-US" sz="2400" b="0" i="1" smtClean="0">
-                              <a:latin typeface="Cambria Math" charset="0"/>
+                              <a:latin typeface="Cambria Math" panose="02040503050406030204" pitchFamily="18" charset="0"/>
                             </a:rPr>
                           </m:ctrlPr>
                         </m:sSubPr>
@@ -11721,7 +16409,7 @@
                         <m:funcPr>
                           <m:ctrlPr>
                             <a:rPr lang="en-US" sz="2400" b="0" i="1" smtClean="0">
-                              <a:latin typeface="Cambria Math" charset="0"/>
+                              <a:latin typeface="Cambria Math" panose="02040503050406030204" pitchFamily="18" charset="0"/>
                             </a:rPr>
                           </m:ctrlPr>
                         </m:funcPr>
@@ -11741,7 +16429,7 @@
                             <m:dPr>
                               <m:ctrlPr>
                                 <a:rPr lang="en-US" sz="2400" i="1">
-                                  <a:latin typeface="Cambria Math" charset="0"/>
+                                  <a:latin typeface="Cambria Math" panose="02040503050406030204" pitchFamily="18" charset="0"/>
                                 </a:rPr>
                               </m:ctrlPr>
                             </m:dPr>
@@ -11756,7 +16444,7 @@
                                 <m:fPr>
                                   <m:ctrlPr>
                                     <a:rPr lang="en-US" sz="2400" i="1">
-                                      <a:latin typeface="Cambria Math" charset="0"/>
+                                      <a:latin typeface="Cambria Math" panose="02040503050406030204" pitchFamily="18" charset="0"/>
                                     </a:rPr>
                                   </m:ctrlPr>
                                 </m:fPr>
@@ -11765,7 +16453,7 @@
                                     <m:sSupPr>
                                       <m:ctrlPr>
                                         <a:rPr lang="en-US" sz="2400" i="1">
-                                          <a:latin typeface="Cambria Math" charset="0"/>
+                                          <a:latin typeface="Cambria Math" panose="02040503050406030204" pitchFamily="18" charset="0"/>
                                         </a:rPr>
                                       </m:ctrlPr>
                                     </m:sSupPr>
@@ -11776,7 +16464,7 @@
                                           <m:endChr m:val="‖"/>
                                           <m:ctrlPr>
                                             <a:rPr lang="en-US" sz="2400" i="1">
-                                              <a:latin typeface="Cambria Math" charset="0"/>
+                                              <a:latin typeface="Cambria Math" panose="02040503050406030204" pitchFamily="18" charset="0"/>
                                             </a:rPr>
                                           </m:ctrlPr>
                                         </m:dPr>
@@ -11785,7 +16473,7 @@
                                             <m:sSubPr>
                                               <m:ctrlPr>
                                                 <a:rPr lang="en-US" sz="2400" b="0" i="1" smtClean="0">
-                                                  <a:latin typeface="Cambria Math" charset="0"/>
+                                                  <a:latin typeface="Cambria Math" panose="02040503050406030204" pitchFamily="18" charset="0"/>
                                                 </a:rPr>
                                               </m:ctrlPr>
                                             </m:sSubPr>
@@ -11816,7 +16504,7 @@
                                             <m:sSubPr>
                                               <m:ctrlPr>
                                                 <a:rPr lang="en-US" sz="2400" i="1">
-                                                  <a:latin typeface="Cambria Math" charset="0"/>
+                                                  <a:latin typeface="Cambria Math" panose="02040503050406030204" pitchFamily="18" charset="0"/>
                                                 </a:rPr>
                                               </m:ctrlPr>
                                             </m:sSubPr>
@@ -11861,7 +16549,7 @@
                                     <m:sSupPr>
                                       <m:ctrlPr>
                                         <a:rPr lang="en-US" sz="2400" i="1">
-                                          <a:latin typeface="Cambria Math" charset="0"/>
+                                          <a:latin typeface="Cambria Math" panose="02040503050406030204" pitchFamily="18" charset="0"/>
                                         </a:rPr>
                                       </m:ctrlPr>
                                     </m:sSupPr>
@@ -11948,7 +16636,7 @@
               <p:cNvPr id="8" name="TextBox 7">
                 <a:extLst>
                   <a:ext uri="{FF2B5EF4-FFF2-40B4-BE49-F238E27FC236}">
-                    <a16:creationId xmlns:a16="http://schemas.microsoft.com/office/drawing/2014/main" xmlns="" id="{4565886E-73A9-DD4D-90C2-BD9C2AFADF7F}"/>
+                    <a16:creationId xmlns:a16="http://schemas.microsoft.com/office/drawing/2014/main" id="{4565886E-73A9-DD4D-90C2-BD9C2AFADF7F}"/>
                   </a:ext>
                 </a:extLst>
               </p:cNvPr>
@@ -11982,7 +16670,7 @@
                         <m:sSupPr>
                           <m:ctrlPr>
                             <a:rPr lang="en-US" sz="2400" i="1" smtClean="0">
-                              <a:latin typeface="Cambria Math" charset="0"/>
+                              <a:latin typeface="Cambria Math" panose="02040503050406030204" pitchFamily="18" charset="0"/>
                             </a:rPr>
                           </m:ctrlPr>
                         </m:sSupPr>
@@ -12007,7 +16695,7 @@
                         <m:dPr>
                           <m:ctrlPr>
                             <a:rPr lang="en-US" sz="2400" i="1" smtClean="0">
-                              <a:latin typeface="Cambria Math" charset="0"/>
+                              <a:latin typeface="Cambria Math" panose="02040503050406030204" pitchFamily="18" charset="0"/>
                             </a:rPr>
                           </m:ctrlPr>
                         </m:dPr>
@@ -12016,7 +16704,7 @@
                             <m:sSubPr>
                               <m:ctrlPr>
                                 <a:rPr lang="en-US" sz="2400" b="1" i="1" smtClean="0">
-                                  <a:latin typeface="Cambria Math" charset="0"/>
+                                  <a:latin typeface="Cambria Math" panose="02040503050406030204" pitchFamily="18" charset="0"/>
                                 </a:rPr>
                               </m:ctrlPr>
                             </m:sSubPr>
@@ -12050,7 +16738,7 @@
                           <m:chr m:val="∑"/>
                           <m:ctrlPr>
                             <a:rPr lang="en-US" sz="2400" i="1" smtClean="0">
-                              <a:latin typeface="Cambria Math" charset="0"/>
+                              <a:latin typeface="Cambria Math" panose="02040503050406030204" pitchFamily="18" charset="0"/>
                             </a:rPr>
                           </m:ctrlPr>
                         </m:naryPr>
@@ -12075,7 +16763,7 @@
                             <m:sSubPr>
                               <m:ctrlPr>
                                 <a:rPr lang="en-US" sz="2400" i="1" smtClean="0">
-                                  <a:latin typeface="Cambria Math" charset="0"/>
+                                  <a:latin typeface="Cambria Math" panose="02040503050406030204" pitchFamily="18" charset="0"/>
                                 </a:rPr>
                               </m:ctrlPr>
                             </m:sSubPr>
@@ -12100,7 +16788,7 @@
                             <m:sSubPr>
                               <m:ctrlPr>
                                 <a:rPr lang="en-US" sz="2400" b="0" i="1" smtClean="0">
-                                  <a:latin typeface="Cambria Math" charset="0"/>
+                                  <a:latin typeface="Cambria Math" panose="02040503050406030204" pitchFamily="18" charset="0"/>
                                 </a:rPr>
                               </m:ctrlPr>
                             </m:sSubPr>
@@ -12195,7 +16883,7 @@
               <p:cNvPr id="9" name="TextBox 8">
                 <a:extLst>
                   <a:ext uri="{FF2B5EF4-FFF2-40B4-BE49-F238E27FC236}">
-                    <a16:creationId xmlns:a16="http://schemas.microsoft.com/office/drawing/2014/main" xmlns="" id="{F3A575DB-1649-C547-9BCE-503D6BD6423A}"/>
+                    <a16:creationId xmlns:a16="http://schemas.microsoft.com/office/drawing/2014/main" id="{F3A575DB-1649-C547-9BCE-503D6BD6423A}"/>
                   </a:ext>
                 </a:extLst>
               </p:cNvPr>
@@ -12229,7 +16917,7 @@
                         <m:funcPr>
                           <m:ctrlPr>
                             <a:rPr lang="en-US" sz="2400" i="1" smtClean="0">
-                              <a:latin typeface="Cambria Math" charset="0"/>
+                              <a:latin typeface="Cambria Math" panose="02040503050406030204" pitchFamily="18" charset="0"/>
                             </a:rPr>
                           </m:ctrlPr>
                         </m:funcPr>
@@ -12238,7 +16926,7 @@
                             <m:limLowPr>
                               <m:ctrlPr>
                                 <a:rPr lang="en-US" sz="2400" i="1" smtClean="0">
-                                  <a:latin typeface="Cambria Math" charset="0"/>
+                                  <a:latin typeface="Cambria Math" panose="02040503050406030204" pitchFamily="18" charset="0"/>
                                 </a:rPr>
                               </m:ctrlPr>
                             </m:limLowPr>
@@ -12269,7 +16957,7 @@
                               <m:chr m:val="∑"/>
                               <m:ctrlPr>
                                 <a:rPr lang="en-US" sz="2400" i="1" smtClean="0">
-                                  <a:latin typeface="Cambria Math" charset="0"/>
+                                  <a:latin typeface="Cambria Math" panose="02040503050406030204" pitchFamily="18" charset="0"/>
                                 </a:rPr>
                               </m:ctrlPr>
                             </m:naryPr>
@@ -12294,7 +16982,7 @@
                                 <m:sSupPr>
                                   <m:ctrlPr>
                                     <a:rPr lang="en-US" sz="2400" i="1">
-                                      <a:latin typeface="Cambria Math" charset="0"/>
+                                      <a:latin typeface="Cambria Math" panose="02040503050406030204" pitchFamily="18" charset="0"/>
                                     </a:rPr>
                                   </m:ctrlPr>
                                 </m:sSupPr>
@@ -12303,7 +16991,7 @@
                                     <m:dPr>
                                       <m:ctrlPr>
                                         <a:rPr lang="en-US" sz="2400" i="1">
-                                          <a:latin typeface="Cambria Math" charset="0"/>
+                                          <a:latin typeface="Cambria Math" panose="02040503050406030204" pitchFamily="18" charset="0"/>
                                         </a:rPr>
                                       </m:ctrlPr>
                                     </m:dPr>
@@ -12312,7 +17000,7 @@
                                         <m:sSupPr>
                                           <m:ctrlPr>
                                             <a:rPr lang="en-US" sz="2400" i="1">
-                                              <a:latin typeface="Cambria Math" charset="0"/>
+                                              <a:latin typeface="Cambria Math" panose="02040503050406030204" pitchFamily="18" charset="0"/>
                                             </a:rPr>
                                           </m:ctrlPr>
                                         </m:sSupPr>
@@ -12337,7 +17025,7 @@
                                         <m:dPr>
                                           <m:ctrlPr>
                                             <a:rPr lang="en-US" sz="2400" i="1">
-                                              <a:latin typeface="Cambria Math" charset="0"/>
+                                              <a:latin typeface="Cambria Math" panose="02040503050406030204" pitchFamily="18" charset="0"/>
                                             </a:rPr>
                                           </m:ctrlPr>
                                         </m:dPr>
@@ -12346,7 +17034,7 @@
                                             <m:sSubPr>
                                               <m:ctrlPr>
                                                 <a:rPr lang="en-US" sz="2400" b="1" i="1">
-                                                  <a:latin typeface="Cambria Math" charset="0"/>
+                                                  <a:latin typeface="Cambria Math" panose="02040503050406030204" pitchFamily="18" charset="0"/>
                                                 </a:rPr>
                                               </m:ctrlPr>
                                             </m:sSubPr>
@@ -12379,7 +17067,7 @@
                                         <m:sSubPr>
                                           <m:ctrlPr>
                                             <a:rPr lang="en-US" sz="2400" i="1">
-                                              <a:latin typeface="Cambria Math" charset="0"/>
+                                              <a:latin typeface="Cambria Math" panose="02040503050406030204" pitchFamily="18" charset="0"/>
                                             </a:rPr>
                                           </m:ctrlPr>
                                         </m:sSubPr>
@@ -12431,7 +17119,7 @@
                               <m:chr m:val="∑"/>
                               <m:ctrlPr>
                                 <a:rPr lang="en-US" sz="2400" i="1" smtClean="0">
-                                  <a:latin typeface="Cambria Math" charset="0"/>
+                                  <a:latin typeface="Cambria Math" panose="02040503050406030204" pitchFamily="18" charset="0"/>
                                 </a:rPr>
                               </m:ctrlPr>
                             </m:naryPr>
@@ -12471,7 +17159,7 @@
                                 <m:sSubSupPr>
                                   <m:ctrlPr>
                                     <a:rPr lang="en-US" sz="2400" b="0" i="1" smtClean="0">
-                                      <a:latin typeface="Cambria Math" charset="0"/>
+                                      <a:latin typeface="Cambria Math" panose="02040503050406030204" pitchFamily="18" charset="0"/>
                                     </a:rPr>
                                   </m:ctrlPr>
                                 </m:sSubSupPr>
@@ -12504,7 +17192,7 @@
                                 <m:sSubPr>
                                   <m:ctrlPr>
                                     <a:rPr lang="en-US" sz="2400" b="0" i="1" smtClean="0">
-                                      <a:latin typeface="Cambria Math" charset="0"/>
+                                      <a:latin typeface="Cambria Math" panose="02040503050406030204" pitchFamily="18" charset="0"/>
                                     </a:rPr>
                                   </m:ctrlPr>
                                 </m:sSubPr>
@@ -12529,7 +17217,7 @@
                                 <m:sSubPr>
                                   <m:ctrlPr>
                                     <a:rPr lang="en-US" sz="2400" b="0" i="1" smtClean="0">
-                                      <a:latin typeface="Cambria Math" charset="0"/>
+                                      <a:latin typeface="Cambria Math" panose="02040503050406030204" pitchFamily="18" charset="0"/>
                                     </a:rPr>
                                   </m:ctrlPr>
                                 </m:sSubPr>
@@ -12620,7 +17308,7 @@
 </p:sld>
 </file>
 
-<file path=ppt/slides/slide21.xml><?xml version="1.0" encoding="utf-8"?>
+<file path=ppt/slides/slide26.xml><?xml version="1.0" encoding="utf-8"?>
 <p:sld xmlns:a="http://schemas.openxmlformats.org/drawingml/2006/main" xmlns:r="http://schemas.openxmlformats.org/officeDocument/2006/relationships" xmlns:p="http://schemas.openxmlformats.org/presentationml/2006/main">
   <p:cSld>
     <p:spTree>
@@ -12642,7 +17330,7 @@
           <p:cNvPr id="2" name="Title 1">
             <a:extLst>
               <a:ext uri="{FF2B5EF4-FFF2-40B4-BE49-F238E27FC236}">
-                <a16:creationId xmlns:a16="http://schemas.microsoft.com/office/drawing/2014/main" xmlns="" id="{90371848-C3C2-2946-8721-32944148379F}"/>
+                <a16:creationId xmlns:a16="http://schemas.microsoft.com/office/drawing/2014/main" id="{90371848-C3C2-2946-8721-32944148379F}"/>
               </a:ext>
             </a:extLst>
           </p:cNvPr>
@@ -12682,7 +17370,7 @@
           <p:cNvPr id="5" name="Picture 4">
             <a:extLst>
               <a:ext uri="{FF2B5EF4-FFF2-40B4-BE49-F238E27FC236}">
-                <a16:creationId xmlns:a16="http://schemas.microsoft.com/office/drawing/2014/main" xmlns="" id="{96C8DA8D-9BEF-744E-AFF8-50655E69712A}"/>
+                <a16:creationId xmlns:a16="http://schemas.microsoft.com/office/drawing/2014/main" id="{96C8DA8D-9BEF-744E-AFF8-50655E69712A}"/>
               </a:ext>
             </a:extLst>
           </p:cNvPr>
@@ -12712,7 +17400,7 @@
           <p:cNvPr id="6" name="TextBox 5">
             <a:extLst>
               <a:ext uri="{FF2B5EF4-FFF2-40B4-BE49-F238E27FC236}">
-                <a16:creationId xmlns:a16="http://schemas.microsoft.com/office/drawing/2014/main" xmlns="" id="{B64305C1-D8DA-9449-80AD-775E6D513BE6}"/>
+                <a16:creationId xmlns:a16="http://schemas.microsoft.com/office/drawing/2014/main" id="{B64305C1-D8DA-9449-80AD-775E6D513BE6}"/>
               </a:ext>
             </a:extLst>
           </p:cNvPr>
@@ -12749,7 +17437,7 @@
               <p:cNvPr id="8" name="TextBox 7">
                 <a:extLst>
                   <a:ext uri="{FF2B5EF4-FFF2-40B4-BE49-F238E27FC236}">
-                    <a16:creationId xmlns:a16="http://schemas.microsoft.com/office/drawing/2014/main" xmlns="" id="{4565886E-73A9-DD4D-90C2-BD9C2AFADF7F}"/>
+                    <a16:creationId xmlns:a16="http://schemas.microsoft.com/office/drawing/2014/main" id="{4565886E-73A9-DD4D-90C2-BD9C2AFADF7F}"/>
                   </a:ext>
                 </a:extLst>
               </p:cNvPr>
@@ -12783,7 +17471,7 @@
                         <m:sSupPr>
                           <m:ctrlPr>
                             <a:rPr lang="en-US" sz="2400" i="1" smtClean="0">
-                              <a:latin typeface="Cambria Math" charset="0"/>
+                              <a:latin typeface="Cambria Math" panose="02040503050406030204" pitchFamily="18" charset="0"/>
                             </a:rPr>
                           </m:ctrlPr>
                         </m:sSupPr>
@@ -12808,7 +17496,7 @@
                         <m:dPr>
                           <m:ctrlPr>
                             <a:rPr lang="en-US" sz="2400" i="1" smtClean="0">
-                              <a:latin typeface="Cambria Math" charset="0"/>
+                              <a:latin typeface="Cambria Math" panose="02040503050406030204" pitchFamily="18" charset="0"/>
                             </a:rPr>
                           </m:ctrlPr>
                         </m:dPr>
@@ -12817,7 +17505,7 @@
                             <m:sSupPr>
                               <m:ctrlPr>
                                 <a:rPr lang="en-US" sz="2400" b="1" i="1" smtClean="0">
-                                  <a:latin typeface="Cambria Math" charset="0"/>
+                                  <a:latin typeface="Cambria Math" panose="02040503050406030204" pitchFamily="18" charset="0"/>
                                 </a:rPr>
                               </m:ctrlPr>
                             </m:sSupPr>
@@ -12851,7 +17539,7 @@
                           <m:chr m:val="∑"/>
                           <m:ctrlPr>
                             <a:rPr lang="en-US" sz="2400" i="1" smtClean="0">
-                              <a:latin typeface="Cambria Math" charset="0"/>
+                              <a:latin typeface="Cambria Math" panose="02040503050406030204" pitchFamily="18" charset="0"/>
                             </a:rPr>
                           </m:ctrlPr>
                         </m:naryPr>
@@ -12876,7 +17564,7 @@
                             <m:sSubPr>
                               <m:ctrlPr>
                                 <a:rPr lang="en-US" sz="2400" i="1" smtClean="0">
-                                  <a:latin typeface="Cambria Math" charset="0"/>
+                                  <a:latin typeface="Cambria Math" panose="02040503050406030204" pitchFamily="18" charset="0"/>
                                 </a:rPr>
                               </m:ctrlPr>
                             </m:sSubPr>
@@ -12913,7 +17601,7 @@
                             <m:sSupPr>
                               <m:ctrlPr>
                                 <a:rPr lang="en-US" sz="2400" b="0" i="1" smtClean="0">
-                                  <a:latin typeface="Cambria Math" charset="0"/>
+                                  <a:latin typeface="Cambria Math" panose="02040503050406030204" pitchFamily="18" charset="0"/>
                                 </a:rPr>
                               </m:ctrlPr>
                             </m:sSupPr>
@@ -12944,7 +17632,7 @@
                             <m:sSubPr>
                               <m:ctrlPr>
                                 <a:rPr lang="en-US" sz="2400" i="1">
-                                  <a:latin typeface="Cambria Math" charset="0"/>
+                                  <a:latin typeface="Cambria Math" panose="02040503050406030204" pitchFamily="18" charset="0"/>
                                 </a:rPr>
                               </m:ctrlPr>
                             </m:sSubPr>
@@ -13045,7 +17733,7 @@
               <p:cNvPr id="9" name="TextBox 8">
                 <a:extLst>
                   <a:ext uri="{FF2B5EF4-FFF2-40B4-BE49-F238E27FC236}">
-                    <a16:creationId xmlns:a16="http://schemas.microsoft.com/office/drawing/2014/main" xmlns="" id="{F3A575DB-1649-C547-9BCE-503D6BD6423A}"/>
+                    <a16:creationId xmlns:a16="http://schemas.microsoft.com/office/drawing/2014/main" id="{F3A575DB-1649-C547-9BCE-503D6BD6423A}"/>
                   </a:ext>
                 </a:extLst>
               </p:cNvPr>
@@ -13079,7 +17767,7 @@
                         <m:dPr>
                           <m:ctrlPr>
                             <a:rPr lang="en-US" sz="2400" i="1" smtClean="0">
-                              <a:latin typeface="Cambria Math" charset="0"/>
+                              <a:latin typeface="Cambria Math" panose="02040503050406030204" pitchFamily="18" charset="0"/>
                             </a:rPr>
                           </m:ctrlPr>
                         </m:dPr>
@@ -13096,7 +17784,7 @@
                               </m:mcs>
                               <m:ctrlPr>
                                 <a:rPr lang="en-US" sz="2400" i="1">
-                                  <a:latin typeface="Cambria Math" charset="0"/>
+                                  <a:latin typeface="Cambria Math" panose="02040503050406030204" pitchFamily="18" charset="0"/>
                                 </a:rPr>
                               </m:ctrlPr>
                             </m:mPr>
@@ -13106,7 +17794,7 @@
                                   <m:sSubPr>
                                     <m:ctrlPr>
                                       <a:rPr lang="en-US" sz="2400" i="1">
-                                        <a:latin typeface="Cambria Math" charset="0"/>
+                                        <a:latin typeface="Cambria Math" panose="02040503050406030204" pitchFamily="18" charset="0"/>
                                       </a:rPr>
                                     </m:ctrlPr>
                                   </m:sSubPr>
@@ -13148,7 +17836,7 @@
                                   <m:sSubPr>
                                     <m:ctrlPr>
                                       <a:rPr lang="en-US" sz="2400" i="1">
-                                        <a:latin typeface="Cambria Math" charset="0"/>
+                                        <a:latin typeface="Cambria Math" panose="02040503050406030204" pitchFamily="18" charset="0"/>
                                       </a:rPr>
                                     </m:ctrlPr>
                                   </m:sSubPr>
@@ -13184,7 +17872,7 @@
                         <m:sSupPr>
                           <m:ctrlPr>
                             <a:rPr lang="en-US" sz="2400" b="0" i="1" smtClean="0">
-                              <a:latin typeface="Cambria Math" charset="0"/>
+                              <a:latin typeface="Cambria Math" panose="02040503050406030204" pitchFamily="18" charset="0"/>
                             </a:rPr>
                           </m:ctrlPr>
                         </m:sSupPr>
@@ -13193,7 +17881,7 @@
                             <m:dPr>
                               <m:ctrlPr>
                                 <a:rPr lang="en-US" sz="2400" b="0" i="1" smtClean="0">
-                                  <a:latin typeface="Cambria Math" charset="0"/>
+                                  <a:latin typeface="Cambria Math" panose="02040503050406030204" pitchFamily="18" charset="0"/>
                                 </a:rPr>
                               </m:ctrlPr>
                             </m:dPr>
@@ -13238,7 +17926,7 @@
                         <m:dPr>
                           <m:ctrlPr>
                             <a:rPr lang="en-US" sz="2400" b="0" i="1" smtClean="0">
-                              <a:latin typeface="Cambria Math" charset="0"/>
+                              <a:latin typeface="Cambria Math" panose="02040503050406030204" pitchFamily="18" charset="0"/>
                             </a:rPr>
                           </m:ctrlPr>
                         </m:dPr>
@@ -13255,7 +17943,7 @@
                               </m:mcs>
                               <m:ctrlPr>
                                 <a:rPr lang="en-US" sz="2400" i="1">
-                                  <a:latin typeface="Cambria Math" charset="0"/>
+                                  <a:latin typeface="Cambria Math" panose="02040503050406030204" pitchFamily="18" charset="0"/>
                                 </a:rPr>
                               </m:ctrlPr>
                             </m:mPr>
@@ -13265,7 +17953,7 @@
                                   <m:sSubPr>
                                     <m:ctrlPr>
                                       <a:rPr lang="en-US" sz="2400" b="0" i="1" smtClean="0">
-                                        <a:latin typeface="Cambria Math" charset="0"/>
+                                        <a:latin typeface="Cambria Math" panose="02040503050406030204" pitchFamily="18" charset="0"/>
                                       </a:rPr>
                                     </m:ctrlPr>
                                   </m:sSubPr>
@@ -13310,7 +17998,7 @@
                                   <m:sSubPr>
                                     <m:ctrlPr>
                                       <a:rPr lang="en-US" sz="2400" b="0" i="1" smtClean="0">
-                                        <a:latin typeface="Cambria Math" charset="0"/>
+                                        <a:latin typeface="Cambria Math" panose="02040503050406030204" pitchFamily="18" charset="0"/>
                                       </a:rPr>
                                     </m:ctrlPr>
                                   </m:sSubPr>
@@ -13394,7 +18082,7 @@
           <p:cNvPr id="4" name="TextBox 3">
             <a:extLst>
               <a:ext uri="{FF2B5EF4-FFF2-40B4-BE49-F238E27FC236}">
-                <a16:creationId xmlns:a16="http://schemas.microsoft.com/office/drawing/2014/main" xmlns="" id="{418E9695-FFEC-9740-A3A8-69ED16AB64CF}"/>
+                <a16:creationId xmlns:a16="http://schemas.microsoft.com/office/drawing/2014/main" id="{418E9695-FFEC-9740-A3A8-69ED16AB64CF}"/>
               </a:ext>
             </a:extLst>
           </p:cNvPr>
@@ -13433,7 +18121,7 @@
           <p:cNvPr id="10" name="TextBox 9">
             <a:extLst>
               <a:ext uri="{FF2B5EF4-FFF2-40B4-BE49-F238E27FC236}">
-                <a16:creationId xmlns:a16="http://schemas.microsoft.com/office/drawing/2014/main" xmlns="" id="{945ACA75-0E48-FF40-A53C-87B487D242ED}"/>
+                <a16:creationId xmlns:a16="http://schemas.microsoft.com/office/drawing/2014/main" id="{945ACA75-0E48-FF40-A53C-87B487D242ED}"/>
               </a:ext>
             </a:extLst>
           </p:cNvPr>
@@ -13471,7 +18159,7 @@
               <p:cNvPr id="7" name="Rectangle 6">
                 <a:extLst>
                   <a:ext uri="{FF2B5EF4-FFF2-40B4-BE49-F238E27FC236}">
-                    <a16:creationId xmlns:a16="http://schemas.microsoft.com/office/drawing/2014/main" xmlns="" id="{4BF5CFFC-8B74-194D-B6CA-9B4FAFDE734F}"/>
+                    <a16:creationId xmlns:a16="http://schemas.microsoft.com/office/drawing/2014/main" id="{4BF5CFFC-8B74-194D-B6CA-9B4FAFDE734F}"/>
                   </a:ext>
                 </a:extLst>
               </p:cNvPr>
@@ -13504,7 +18192,7 @@
                         <m:sSubPr>
                           <m:ctrlPr>
                             <a:rPr lang="en-US" sz="2400" i="1">
-                              <a:latin typeface="Cambria Math" charset="0"/>
+                              <a:latin typeface="Cambria Math" panose="02040503050406030204" pitchFamily="18" charset="0"/>
                             </a:rPr>
                           </m:ctrlPr>
                         </m:sSubPr>
@@ -13547,7 +18235,7 @@
                         <m:sSubPr>
                           <m:ctrlPr>
                             <a:rPr lang="en-US" sz="2400" i="1">
-                              <a:latin typeface="Cambria Math" charset="0"/>
+                              <a:latin typeface="Cambria Math" panose="02040503050406030204" pitchFamily="18" charset="0"/>
                             </a:rPr>
                           </m:ctrlPr>
                         </m:sSubPr>
@@ -13578,7 +18266,7 @@
                         <m:sSubPr>
                           <m:ctrlPr>
                             <a:rPr lang="en-US" sz="2400" i="1">
-                              <a:latin typeface="Cambria Math" charset="0"/>
+                              <a:latin typeface="Cambria Math" panose="02040503050406030204" pitchFamily="18" charset="0"/>
                             </a:rPr>
                           </m:ctrlPr>
                         </m:sSubPr>
@@ -13615,7 +18303,7 @@
                         <m:funcPr>
                           <m:ctrlPr>
                             <a:rPr lang="en-US" sz="2400" i="1">
-                              <a:latin typeface="Cambria Math" charset="0"/>
+                              <a:latin typeface="Cambria Math" panose="02040503050406030204" pitchFamily="18" charset="0"/>
                             </a:rPr>
                           </m:ctrlPr>
                         </m:funcPr>
@@ -13635,7 +18323,7 @@
                             <m:dPr>
                               <m:ctrlPr>
                                 <a:rPr lang="en-US" sz="2400" i="1">
-                                  <a:latin typeface="Cambria Math" charset="0"/>
+                                  <a:latin typeface="Cambria Math" panose="02040503050406030204" pitchFamily="18" charset="0"/>
                                 </a:rPr>
                               </m:ctrlPr>
                             </m:dPr>
@@ -13650,7 +18338,7 @@
                                 <m:fPr>
                                   <m:ctrlPr>
                                     <a:rPr lang="en-US" sz="2400" i="1">
-                                      <a:latin typeface="Cambria Math" charset="0"/>
+                                      <a:latin typeface="Cambria Math" panose="02040503050406030204" pitchFamily="18" charset="0"/>
                                     </a:rPr>
                                   </m:ctrlPr>
                                 </m:fPr>
@@ -13659,7 +18347,7 @@
                                     <m:sSupPr>
                                       <m:ctrlPr>
                                         <a:rPr lang="en-US" sz="2400" i="1">
-                                          <a:latin typeface="Cambria Math" charset="0"/>
+                                          <a:latin typeface="Cambria Math" panose="02040503050406030204" pitchFamily="18" charset="0"/>
                                         </a:rPr>
                                       </m:ctrlPr>
                                     </m:sSupPr>
@@ -13670,7 +18358,7 @@
                                           <m:endChr m:val="‖"/>
                                           <m:ctrlPr>
                                             <a:rPr lang="en-US" sz="2400" i="1">
-                                              <a:latin typeface="Cambria Math" charset="0"/>
+                                              <a:latin typeface="Cambria Math" panose="02040503050406030204" pitchFamily="18" charset="0"/>
                                             </a:rPr>
                                           </m:ctrlPr>
                                         </m:dPr>
@@ -13679,7 +18367,7 @@
                                             <m:sSubPr>
                                               <m:ctrlPr>
                                                 <a:rPr lang="en-US" sz="2400" i="1">
-                                                  <a:latin typeface="Cambria Math" charset="0"/>
+                                                  <a:latin typeface="Cambria Math" panose="02040503050406030204" pitchFamily="18" charset="0"/>
                                                 </a:rPr>
                                               </m:ctrlPr>
                                             </m:sSubPr>
@@ -13710,7 +18398,7 @@
                                             <m:sSubPr>
                                               <m:ctrlPr>
                                                 <a:rPr lang="en-US" sz="2400" i="1">
-                                                  <a:latin typeface="Cambria Math" charset="0"/>
+                                                  <a:latin typeface="Cambria Math" panose="02040503050406030204" pitchFamily="18" charset="0"/>
                                                 </a:rPr>
                                               </m:ctrlPr>
                                             </m:sSubPr>
@@ -13755,7 +18443,7 @@
                                     <m:sSupPr>
                                       <m:ctrlPr>
                                         <a:rPr lang="en-US" sz="2400" i="1">
-                                          <a:latin typeface="Cambria Math" charset="0"/>
+                                          <a:latin typeface="Cambria Math" panose="02040503050406030204" pitchFamily="18" charset="0"/>
                                         </a:rPr>
                                       </m:ctrlPr>
                                     </m:sSupPr>
@@ -13848,7 +18536,7 @@
 </p:sld>
 </file>
 
-<file path=ppt/slides/slide22.xml><?xml version="1.0" encoding="utf-8"?>
+<file path=ppt/slides/slide27.xml><?xml version="1.0" encoding="utf-8"?>
 <p:sld xmlns:a="http://schemas.openxmlformats.org/drawingml/2006/main" xmlns:r="http://schemas.openxmlformats.org/officeDocument/2006/relationships" xmlns:p="http://schemas.openxmlformats.org/presentationml/2006/main">
   <p:cSld>
     <p:spTree>
@@ -13870,7 +18558,7 @@
           <p:cNvPr id="2" name="Title 1">
             <a:extLst>
               <a:ext uri="{FF2B5EF4-FFF2-40B4-BE49-F238E27FC236}">
-                <a16:creationId xmlns:a16="http://schemas.microsoft.com/office/drawing/2014/main" xmlns="" id="{90371848-C3C2-2946-8721-32944148379F}"/>
+                <a16:creationId xmlns:a16="http://schemas.microsoft.com/office/drawing/2014/main" id="{90371848-C3C2-2946-8721-32944148379F}"/>
               </a:ext>
             </a:extLst>
           </p:cNvPr>
@@ -13910,7 +18598,7 @@
           <p:cNvPr id="5" name="Picture 4">
             <a:extLst>
               <a:ext uri="{FF2B5EF4-FFF2-40B4-BE49-F238E27FC236}">
-                <a16:creationId xmlns:a16="http://schemas.microsoft.com/office/drawing/2014/main" xmlns="" id="{96C8DA8D-9BEF-744E-AFF8-50655E69712A}"/>
+                <a16:creationId xmlns:a16="http://schemas.microsoft.com/office/drawing/2014/main" id="{96C8DA8D-9BEF-744E-AFF8-50655E69712A}"/>
               </a:ext>
             </a:extLst>
           </p:cNvPr>
@@ -13940,7 +18628,7 @@
           <p:cNvPr id="6" name="TextBox 5">
             <a:extLst>
               <a:ext uri="{FF2B5EF4-FFF2-40B4-BE49-F238E27FC236}">
-                <a16:creationId xmlns:a16="http://schemas.microsoft.com/office/drawing/2014/main" xmlns="" id="{B64305C1-D8DA-9449-80AD-775E6D513BE6}"/>
+                <a16:creationId xmlns:a16="http://schemas.microsoft.com/office/drawing/2014/main" id="{B64305C1-D8DA-9449-80AD-775E6D513BE6}"/>
               </a:ext>
             </a:extLst>
           </p:cNvPr>
@@ -13977,7 +18665,7 @@
               <p:cNvPr id="8" name="TextBox 7">
                 <a:extLst>
                   <a:ext uri="{FF2B5EF4-FFF2-40B4-BE49-F238E27FC236}">
-                    <a16:creationId xmlns:a16="http://schemas.microsoft.com/office/drawing/2014/main" xmlns="" id="{4565886E-73A9-DD4D-90C2-BD9C2AFADF7F}"/>
+                    <a16:creationId xmlns:a16="http://schemas.microsoft.com/office/drawing/2014/main" id="{4565886E-73A9-DD4D-90C2-BD9C2AFADF7F}"/>
                   </a:ext>
                 </a:extLst>
               </p:cNvPr>
@@ -14011,7 +18699,7 @@
                         <m:sSupPr>
                           <m:ctrlPr>
                             <a:rPr lang="en-US" sz="2400" i="1" smtClean="0">
-                              <a:latin typeface="Cambria Math" charset="0"/>
+                              <a:latin typeface="Cambria Math" panose="02040503050406030204" pitchFamily="18" charset="0"/>
                             </a:rPr>
                           </m:ctrlPr>
                         </m:sSupPr>
@@ -14036,7 +18724,7 @@
                         <m:dPr>
                           <m:ctrlPr>
                             <a:rPr lang="en-US" sz="2400" i="1" smtClean="0">
-                              <a:latin typeface="Cambria Math" charset="0"/>
+                              <a:latin typeface="Cambria Math" panose="02040503050406030204" pitchFamily="18" charset="0"/>
                             </a:rPr>
                           </m:ctrlPr>
                         </m:dPr>
@@ -14045,7 +18733,7 @@
                             <m:sSupPr>
                               <m:ctrlPr>
                                 <a:rPr lang="en-US" sz="2400" b="1" i="1" smtClean="0">
-                                  <a:latin typeface="Cambria Math" charset="0"/>
+                                  <a:latin typeface="Cambria Math" panose="02040503050406030204" pitchFamily="18" charset="0"/>
                                 </a:rPr>
                               </m:ctrlPr>
                             </m:sSupPr>
@@ -14079,7 +18767,7 @@
                           <m:chr m:val="∑"/>
                           <m:ctrlPr>
                             <a:rPr lang="en-US" sz="2400" i="1" smtClean="0">
-                              <a:latin typeface="Cambria Math" charset="0"/>
+                              <a:latin typeface="Cambria Math" panose="02040503050406030204" pitchFamily="18" charset="0"/>
                             </a:rPr>
                           </m:ctrlPr>
                         </m:naryPr>
@@ -14104,7 +18792,7 @@
                             <m:sSubPr>
                               <m:ctrlPr>
                                 <a:rPr lang="en-US" sz="2400" i="1" smtClean="0">
-                                  <a:latin typeface="Cambria Math" charset="0"/>
+                                  <a:latin typeface="Cambria Math" panose="02040503050406030204" pitchFamily="18" charset="0"/>
                                 </a:rPr>
                               </m:ctrlPr>
                             </m:sSubPr>
@@ -14141,7 +18829,7 @@
                             <m:sSupPr>
                               <m:ctrlPr>
                                 <a:rPr lang="en-US" sz="2400" b="0" i="1" smtClean="0">
-                                  <a:latin typeface="Cambria Math" charset="0"/>
+                                  <a:latin typeface="Cambria Math" panose="02040503050406030204" pitchFamily="18" charset="0"/>
                                 </a:rPr>
                               </m:ctrlPr>
                             </m:sSupPr>
@@ -14172,7 +18860,7 @@
                             <m:sSubPr>
                               <m:ctrlPr>
                                 <a:rPr lang="en-US" sz="2400" i="1">
-                                  <a:latin typeface="Cambria Math" charset="0"/>
+                                  <a:latin typeface="Cambria Math" panose="02040503050406030204" pitchFamily="18" charset="0"/>
                                 </a:rPr>
                               </m:ctrlPr>
                             </m:sSubPr>
@@ -14273,7 +18961,7 @@
               <p:cNvPr id="9" name="TextBox 8">
                 <a:extLst>
                   <a:ext uri="{FF2B5EF4-FFF2-40B4-BE49-F238E27FC236}">
-                    <a16:creationId xmlns:a16="http://schemas.microsoft.com/office/drawing/2014/main" xmlns="" id="{F3A575DB-1649-C547-9BCE-503D6BD6423A}"/>
+                    <a16:creationId xmlns:a16="http://schemas.microsoft.com/office/drawing/2014/main" id="{F3A575DB-1649-C547-9BCE-503D6BD6423A}"/>
                   </a:ext>
                 </a:extLst>
               </p:cNvPr>
@@ -14307,7 +18995,7 @@
                         <m:dPr>
                           <m:ctrlPr>
                             <a:rPr lang="en-US" sz="2400" i="1" smtClean="0">
-                              <a:latin typeface="Cambria Math" charset="0"/>
+                              <a:latin typeface="Cambria Math" panose="02040503050406030204" pitchFamily="18" charset="0"/>
                             </a:rPr>
                           </m:ctrlPr>
                         </m:dPr>
@@ -14324,7 +19012,7 @@
                               </m:mcs>
                               <m:ctrlPr>
                                 <a:rPr lang="en-US" sz="2400" i="1">
-                                  <a:latin typeface="Cambria Math" charset="0"/>
+                                  <a:latin typeface="Cambria Math" panose="02040503050406030204" pitchFamily="18" charset="0"/>
                                 </a:rPr>
                               </m:ctrlPr>
                             </m:mPr>
@@ -14334,7 +19022,7 @@
                                   <m:sSubPr>
                                     <m:ctrlPr>
                                       <a:rPr lang="en-US" sz="2400" i="1">
-                                        <a:latin typeface="Cambria Math" charset="0"/>
+                                        <a:latin typeface="Cambria Math" panose="02040503050406030204" pitchFamily="18" charset="0"/>
                                       </a:rPr>
                                     </m:ctrlPr>
                                   </m:sSubPr>
@@ -14376,7 +19064,7 @@
                                   <m:sSubPr>
                                     <m:ctrlPr>
                                       <a:rPr lang="en-US" sz="2400" i="1">
-                                        <a:latin typeface="Cambria Math" charset="0"/>
+                                        <a:latin typeface="Cambria Math" panose="02040503050406030204" pitchFamily="18" charset="0"/>
                                       </a:rPr>
                                     </m:ctrlPr>
                                   </m:sSubPr>
@@ -14412,7 +19100,7 @@
                         <m:sSupPr>
                           <m:ctrlPr>
                             <a:rPr lang="en-US" sz="2400" b="0" i="1" smtClean="0">
-                              <a:latin typeface="Cambria Math" charset="0"/>
+                              <a:latin typeface="Cambria Math" panose="02040503050406030204" pitchFamily="18" charset="0"/>
                             </a:rPr>
                           </m:ctrlPr>
                         </m:sSupPr>
@@ -14421,7 +19109,7 @@
                             <m:dPr>
                               <m:ctrlPr>
                                 <a:rPr lang="en-US" sz="2400" b="0" i="1" smtClean="0">
-                                  <a:latin typeface="Cambria Math" charset="0"/>
+                                  <a:latin typeface="Cambria Math" panose="02040503050406030204" pitchFamily="18" charset="0"/>
                                 </a:rPr>
                               </m:ctrlPr>
                             </m:dPr>
@@ -14466,7 +19154,7 @@
                         <m:dPr>
                           <m:ctrlPr>
                             <a:rPr lang="en-US" sz="2400" b="0" i="1" smtClean="0">
-                              <a:latin typeface="Cambria Math" charset="0"/>
+                              <a:latin typeface="Cambria Math" panose="02040503050406030204" pitchFamily="18" charset="0"/>
                             </a:rPr>
                           </m:ctrlPr>
                         </m:dPr>
@@ -14483,7 +19171,7 @@
                               </m:mcs>
                               <m:ctrlPr>
                                 <a:rPr lang="en-US" sz="2400" i="1">
-                                  <a:latin typeface="Cambria Math" charset="0"/>
+                                  <a:latin typeface="Cambria Math" panose="02040503050406030204" pitchFamily="18" charset="0"/>
                                 </a:rPr>
                               </m:ctrlPr>
                             </m:mPr>
@@ -14493,7 +19181,7 @@
                                   <m:sSubPr>
                                     <m:ctrlPr>
                                       <a:rPr lang="en-US" sz="2400" b="0" i="1" smtClean="0">
-                                        <a:latin typeface="Cambria Math" charset="0"/>
+                                        <a:latin typeface="Cambria Math" panose="02040503050406030204" pitchFamily="18" charset="0"/>
                                       </a:rPr>
                                     </m:ctrlPr>
                                   </m:sSubPr>
@@ -14538,7 +19226,7 @@
                                   <m:sSubPr>
                                     <m:ctrlPr>
                                       <a:rPr lang="en-US" sz="2400" b="0" i="1" smtClean="0">
-                                        <a:latin typeface="Cambria Math" charset="0"/>
+                                        <a:latin typeface="Cambria Math" panose="02040503050406030204" pitchFamily="18" charset="0"/>
                                       </a:rPr>
                                     </m:ctrlPr>
                                   </m:sSubPr>
@@ -14622,7 +19310,7 @@
           <p:cNvPr id="4" name="TextBox 3">
             <a:extLst>
               <a:ext uri="{FF2B5EF4-FFF2-40B4-BE49-F238E27FC236}">
-                <a16:creationId xmlns:a16="http://schemas.microsoft.com/office/drawing/2014/main" xmlns="" id="{418E9695-FFEC-9740-A3A8-69ED16AB64CF}"/>
+                <a16:creationId xmlns:a16="http://schemas.microsoft.com/office/drawing/2014/main" id="{418E9695-FFEC-9740-A3A8-69ED16AB64CF}"/>
               </a:ext>
             </a:extLst>
           </p:cNvPr>
@@ -14661,7 +19349,7 @@
           <p:cNvPr id="11" name="TextBox 10">
             <a:extLst>
               <a:ext uri="{FF2B5EF4-FFF2-40B4-BE49-F238E27FC236}">
-                <a16:creationId xmlns:a16="http://schemas.microsoft.com/office/drawing/2014/main" xmlns="" id="{48B9982E-2EAD-4D48-B195-35C6B9D88A1B}"/>
+                <a16:creationId xmlns:a16="http://schemas.microsoft.com/office/drawing/2014/main" id="{48B9982E-2EAD-4D48-B195-35C6B9D88A1B}"/>
               </a:ext>
             </a:extLst>
           </p:cNvPr>
@@ -14699,7 +19387,7 @@
               <p:cNvPr id="12" name="Rectangle 11">
                 <a:extLst>
                   <a:ext uri="{FF2B5EF4-FFF2-40B4-BE49-F238E27FC236}">
-                    <a16:creationId xmlns:a16="http://schemas.microsoft.com/office/drawing/2014/main" xmlns="" id="{06025BE2-4565-C142-B590-3B9BA62978DA}"/>
+                    <a16:creationId xmlns:a16="http://schemas.microsoft.com/office/drawing/2014/main" id="{06025BE2-4565-C142-B590-3B9BA62978DA}"/>
                   </a:ext>
                 </a:extLst>
               </p:cNvPr>
@@ -14732,7 +19420,7 @@
                         <m:sSubPr>
                           <m:ctrlPr>
                             <a:rPr lang="en-US" sz="2400" i="1">
-                              <a:latin typeface="Cambria Math" charset="0"/>
+                              <a:latin typeface="Cambria Math" panose="02040503050406030204" pitchFamily="18" charset="0"/>
                             </a:rPr>
                           </m:ctrlPr>
                         </m:sSubPr>
@@ -14775,7 +19463,7 @@
                         <m:sSubPr>
                           <m:ctrlPr>
                             <a:rPr lang="en-US" sz="2400" i="1">
-                              <a:latin typeface="Cambria Math" charset="0"/>
+                              <a:latin typeface="Cambria Math" panose="02040503050406030204" pitchFamily="18" charset="0"/>
                             </a:rPr>
                           </m:ctrlPr>
                         </m:sSubPr>
@@ -14806,7 +19494,7 @@
                         <m:sSubPr>
                           <m:ctrlPr>
                             <a:rPr lang="en-US" sz="2400" i="1">
-                              <a:latin typeface="Cambria Math" charset="0"/>
+                              <a:latin typeface="Cambria Math" panose="02040503050406030204" pitchFamily="18" charset="0"/>
                             </a:rPr>
                           </m:ctrlPr>
                         </m:sSubPr>
@@ -14843,7 +19531,7 @@
                         <m:funcPr>
                           <m:ctrlPr>
                             <a:rPr lang="en-US" sz="2400" i="1">
-                              <a:latin typeface="Cambria Math" charset="0"/>
+                              <a:latin typeface="Cambria Math" panose="02040503050406030204" pitchFamily="18" charset="0"/>
                             </a:rPr>
                           </m:ctrlPr>
                         </m:funcPr>
@@ -14863,7 +19551,7 @@
                             <m:dPr>
                               <m:ctrlPr>
                                 <a:rPr lang="en-US" sz="2400" i="1">
-                                  <a:latin typeface="Cambria Math" charset="0"/>
+                                  <a:latin typeface="Cambria Math" panose="02040503050406030204" pitchFamily="18" charset="0"/>
                                 </a:rPr>
                               </m:ctrlPr>
                             </m:dPr>
@@ -14878,7 +19566,7 @@
                                 <m:fPr>
                                   <m:ctrlPr>
                                     <a:rPr lang="en-US" sz="2400" i="1">
-                                      <a:latin typeface="Cambria Math" charset="0"/>
+                                      <a:latin typeface="Cambria Math" panose="02040503050406030204" pitchFamily="18" charset="0"/>
                                     </a:rPr>
                                   </m:ctrlPr>
                                 </m:fPr>
@@ -14887,7 +19575,7 @@
                                     <m:sSupPr>
                                       <m:ctrlPr>
                                         <a:rPr lang="en-US" sz="2400" i="1">
-                                          <a:latin typeface="Cambria Math" charset="0"/>
+                                          <a:latin typeface="Cambria Math" panose="02040503050406030204" pitchFamily="18" charset="0"/>
                                         </a:rPr>
                                       </m:ctrlPr>
                                     </m:sSupPr>
@@ -14898,7 +19586,7 @@
                                           <m:endChr m:val="‖"/>
                                           <m:ctrlPr>
                                             <a:rPr lang="en-US" sz="2400" i="1">
-                                              <a:latin typeface="Cambria Math" charset="0"/>
+                                              <a:latin typeface="Cambria Math" panose="02040503050406030204" pitchFamily="18" charset="0"/>
                                             </a:rPr>
                                           </m:ctrlPr>
                                         </m:dPr>
@@ -14907,7 +19595,7 @@
                                             <m:sSubPr>
                                               <m:ctrlPr>
                                                 <a:rPr lang="en-US" sz="2400" i="1">
-                                                  <a:latin typeface="Cambria Math" charset="0"/>
+                                                  <a:latin typeface="Cambria Math" panose="02040503050406030204" pitchFamily="18" charset="0"/>
                                                 </a:rPr>
                                               </m:ctrlPr>
                                             </m:sSubPr>
@@ -14938,7 +19626,7 @@
                                             <m:sSubPr>
                                               <m:ctrlPr>
                                                 <a:rPr lang="en-US" sz="2400" i="1">
-                                                  <a:latin typeface="Cambria Math" charset="0"/>
+                                                  <a:latin typeface="Cambria Math" panose="02040503050406030204" pitchFamily="18" charset="0"/>
                                                 </a:rPr>
                                               </m:ctrlPr>
                                             </m:sSubPr>
@@ -14983,7 +19671,7 @@
                                     <m:sSupPr>
                                       <m:ctrlPr>
                                         <a:rPr lang="en-US" sz="2400" i="1">
-                                          <a:latin typeface="Cambria Math" charset="0"/>
+                                          <a:latin typeface="Cambria Math" panose="02040503050406030204" pitchFamily="18" charset="0"/>
                                         </a:rPr>
                                       </m:ctrlPr>
                                     </m:sSupPr>
@@ -15076,7 +19764,7 @@
 </p:sld>
 </file>
 
-<file path=ppt/slides/slide23.xml><?xml version="1.0" encoding="utf-8"?>
+<file path=ppt/slides/slide28.xml><?xml version="1.0" encoding="utf-8"?>
 <p:sld xmlns:a="http://schemas.openxmlformats.org/drawingml/2006/main" xmlns:r="http://schemas.openxmlformats.org/officeDocument/2006/relationships" xmlns:p="http://schemas.openxmlformats.org/presentationml/2006/main">
   <p:cSld>
     <p:spTree>
@@ -15098,7 +19786,7 @@
           <p:cNvPr id="2" name="Title 1">
             <a:extLst>
               <a:ext uri="{FF2B5EF4-FFF2-40B4-BE49-F238E27FC236}">
-                <a16:creationId xmlns:a16="http://schemas.microsoft.com/office/drawing/2014/main" xmlns="" id="{90371848-C3C2-2946-8721-32944148379F}"/>
+                <a16:creationId xmlns:a16="http://schemas.microsoft.com/office/drawing/2014/main" id="{90371848-C3C2-2946-8721-32944148379F}"/>
               </a:ext>
             </a:extLst>
           </p:cNvPr>
@@ -15138,7 +19826,7 @@
           <p:cNvPr id="5" name="Picture 4">
             <a:extLst>
               <a:ext uri="{FF2B5EF4-FFF2-40B4-BE49-F238E27FC236}">
-                <a16:creationId xmlns:a16="http://schemas.microsoft.com/office/drawing/2014/main" xmlns="" id="{96C8DA8D-9BEF-744E-AFF8-50655E69712A}"/>
+                <a16:creationId xmlns:a16="http://schemas.microsoft.com/office/drawing/2014/main" id="{96C8DA8D-9BEF-744E-AFF8-50655E69712A}"/>
               </a:ext>
             </a:extLst>
           </p:cNvPr>
@@ -15168,7 +19856,7 @@
           <p:cNvPr id="6" name="TextBox 5">
             <a:extLst>
               <a:ext uri="{FF2B5EF4-FFF2-40B4-BE49-F238E27FC236}">
-                <a16:creationId xmlns:a16="http://schemas.microsoft.com/office/drawing/2014/main" xmlns="" id="{B64305C1-D8DA-9449-80AD-775E6D513BE6}"/>
+                <a16:creationId xmlns:a16="http://schemas.microsoft.com/office/drawing/2014/main" id="{B64305C1-D8DA-9449-80AD-775E6D513BE6}"/>
               </a:ext>
             </a:extLst>
           </p:cNvPr>
@@ -15205,7 +19893,7 @@
               <p:cNvPr id="8" name="TextBox 7">
                 <a:extLst>
                   <a:ext uri="{FF2B5EF4-FFF2-40B4-BE49-F238E27FC236}">
-                    <a16:creationId xmlns:a16="http://schemas.microsoft.com/office/drawing/2014/main" xmlns="" id="{4565886E-73A9-DD4D-90C2-BD9C2AFADF7F}"/>
+                    <a16:creationId xmlns:a16="http://schemas.microsoft.com/office/drawing/2014/main" id="{4565886E-73A9-DD4D-90C2-BD9C2AFADF7F}"/>
                   </a:ext>
                 </a:extLst>
               </p:cNvPr>
@@ -15239,7 +19927,7 @@
                         <m:sSupPr>
                           <m:ctrlPr>
                             <a:rPr lang="en-US" sz="2400" i="1" smtClean="0">
-                              <a:latin typeface="Cambria Math" charset="0"/>
+                              <a:latin typeface="Cambria Math" panose="02040503050406030204" pitchFamily="18" charset="0"/>
                             </a:rPr>
                           </m:ctrlPr>
                         </m:sSupPr>
@@ -15264,7 +19952,7 @@
                         <m:dPr>
                           <m:ctrlPr>
                             <a:rPr lang="en-US" sz="2400" i="1" smtClean="0">
-                              <a:latin typeface="Cambria Math" charset="0"/>
+                              <a:latin typeface="Cambria Math" panose="02040503050406030204" pitchFamily="18" charset="0"/>
                             </a:rPr>
                           </m:ctrlPr>
                         </m:dPr>
@@ -15273,7 +19961,7 @@
                             <m:sSupPr>
                               <m:ctrlPr>
                                 <a:rPr lang="en-US" sz="2400" b="1" i="1" smtClean="0">
-                                  <a:latin typeface="Cambria Math" charset="0"/>
+                                  <a:latin typeface="Cambria Math" panose="02040503050406030204" pitchFamily="18" charset="0"/>
                                 </a:rPr>
                               </m:ctrlPr>
                             </m:sSupPr>
@@ -15307,7 +19995,7 @@
                           <m:chr m:val="∑"/>
                           <m:ctrlPr>
                             <a:rPr lang="en-US" sz="2400" i="1" smtClean="0">
-                              <a:latin typeface="Cambria Math" charset="0"/>
+                              <a:latin typeface="Cambria Math" panose="02040503050406030204" pitchFamily="18" charset="0"/>
                             </a:rPr>
                           </m:ctrlPr>
                         </m:naryPr>
@@ -15332,7 +20020,7 @@
                             <m:sSubPr>
                               <m:ctrlPr>
                                 <a:rPr lang="en-US" sz="2400" i="1" smtClean="0">
-                                  <a:latin typeface="Cambria Math" charset="0"/>
+                                  <a:latin typeface="Cambria Math" panose="02040503050406030204" pitchFamily="18" charset="0"/>
                                 </a:rPr>
                               </m:ctrlPr>
                             </m:sSubPr>
@@ -15369,7 +20057,7 @@
                             <m:sSupPr>
                               <m:ctrlPr>
                                 <a:rPr lang="en-US" sz="2400" b="0" i="1" smtClean="0">
-                                  <a:latin typeface="Cambria Math" charset="0"/>
+                                  <a:latin typeface="Cambria Math" panose="02040503050406030204" pitchFamily="18" charset="0"/>
                                 </a:rPr>
                               </m:ctrlPr>
                             </m:sSupPr>
@@ -15400,7 +20088,7 @@
                             <m:sSubPr>
                               <m:ctrlPr>
                                 <a:rPr lang="en-US" sz="2400" i="1">
-                                  <a:latin typeface="Cambria Math" charset="0"/>
+                                  <a:latin typeface="Cambria Math" panose="02040503050406030204" pitchFamily="18" charset="0"/>
                                 </a:rPr>
                               </m:ctrlPr>
                             </m:sSubPr>
@@ -15501,7 +20189,7 @@
               <p:cNvPr id="9" name="TextBox 8">
                 <a:extLst>
                   <a:ext uri="{FF2B5EF4-FFF2-40B4-BE49-F238E27FC236}">
-                    <a16:creationId xmlns:a16="http://schemas.microsoft.com/office/drawing/2014/main" xmlns="" id="{F3A575DB-1649-C547-9BCE-503D6BD6423A}"/>
+                    <a16:creationId xmlns:a16="http://schemas.microsoft.com/office/drawing/2014/main" id="{F3A575DB-1649-C547-9BCE-503D6BD6423A}"/>
                   </a:ext>
                 </a:extLst>
               </p:cNvPr>
@@ -15535,7 +20223,7 @@
                         <m:dPr>
                           <m:ctrlPr>
                             <a:rPr lang="en-US" sz="2400" i="1" smtClean="0">
-                              <a:latin typeface="Cambria Math" charset="0"/>
+                              <a:latin typeface="Cambria Math" panose="02040503050406030204" pitchFamily="18" charset="0"/>
                             </a:rPr>
                           </m:ctrlPr>
                         </m:dPr>
@@ -15552,7 +20240,7 @@
                               </m:mcs>
                               <m:ctrlPr>
                                 <a:rPr lang="en-US" sz="2400" i="1">
-                                  <a:latin typeface="Cambria Math" charset="0"/>
+                                  <a:latin typeface="Cambria Math" panose="02040503050406030204" pitchFamily="18" charset="0"/>
                                 </a:rPr>
                               </m:ctrlPr>
                             </m:mPr>
@@ -15562,7 +20250,7 @@
                                   <m:sSubPr>
                                     <m:ctrlPr>
                                       <a:rPr lang="en-US" sz="2400" i="1">
-                                        <a:latin typeface="Cambria Math" charset="0"/>
+                                        <a:latin typeface="Cambria Math" panose="02040503050406030204" pitchFamily="18" charset="0"/>
                                       </a:rPr>
                                     </m:ctrlPr>
                                   </m:sSubPr>
@@ -15604,7 +20292,7 @@
                                   <m:sSubPr>
                                     <m:ctrlPr>
                                       <a:rPr lang="en-US" sz="2400" i="1">
-                                        <a:latin typeface="Cambria Math" charset="0"/>
+                                        <a:latin typeface="Cambria Math" panose="02040503050406030204" pitchFamily="18" charset="0"/>
                                       </a:rPr>
                                     </m:ctrlPr>
                                   </m:sSubPr>
@@ -15640,7 +20328,7 @@
                         <m:sSupPr>
                           <m:ctrlPr>
                             <a:rPr lang="en-US" sz="2400" b="0" i="1" smtClean="0">
-                              <a:latin typeface="Cambria Math" charset="0"/>
+                              <a:latin typeface="Cambria Math" panose="02040503050406030204" pitchFamily="18" charset="0"/>
                             </a:rPr>
                           </m:ctrlPr>
                         </m:sSupPr>
@@ -15649,7 +20337,7 @@
                             <m:dPr>
                               <m:ctrlPr>
                                 <a:rPr lang="en-US" sz="2400" b="0" i="1" smtClean="0">
-                                  <a:latin typeface="Cambria Math" charset="0"/>
+                                  <a:latin typeface="Cambria Math" panose="02040503050406030204" pitchFamily="18" charset="0"/>
                                 </a:rPr>
                               </m:ctrlPr>
                             </m:dPr>
@@ -15694,7 +20382,7 @@
                         <m:dPr>
                           <m:ctrlPr>
                             <a:rPr lang="en-US" sz="2400" b="0" i="1" smtClean="0">
-                              <a:latin typeface="Cambria Math" charset="0"/>
+                              <a:latin typeface="Cambria Math" panose="02040503050406030204" pitchFamily="18" charset="0"/>
                             </a:rPr>
                           </m:ctrlPr>
                         </m:dPr>
@@ -15711,7 +20399,7 @@
                               </m:mcs>
                               <m:ctrlPr>
                                 <a:rPr lang="en-US" sz="2400" i="1">
-                                  <a:latin typeface="Cambria Math" charset="0"/>
+                                  <a:latin typeface="Cambria Math" panose="02040503050406030204" pitchFamily="18" charset="0"/>
                                 </a:rPr>
                               </m:ctrlPr>
                             </m:mPr>
@@ -15721,7 +20409,7 @@
                                   <m:sSubPr>
                                     <m:ctrlPr>
                                       <a:rPr lang="en-US" sz="2400" b="0" i="1" smtClean="0">
-                                        <a:latin typeface="Cambria Math" charset="0"/>
+                                        <a:latin typeface="Cambria Math" panose="02040503050406030204" pitchFamily="18" charset="0"/>
                                       </a:rPr>
                                     </m:ctrlPr>
                                   </m:sSubPr>
@@ -15766,7 +20454,7 @@
                                   <m:sSubPr>
                                     <m:ctrlPr>
                                       <a:rPr lang="en-US" sz="2400" b="0" i="1" smtClean="0">
-                                        <a:latin typeface="Cambria Math" charset="0"/>
+                                        <a:latin typeface="Cambria Math" panose="02040503050406030204" pitchFamily="18" charset="0"/>
                                       </a:rPr>
                                     </m:ctrlPr>
                                   </m:sSubPr>
@@ -15850,7 +20538,7 @@
           <p:cNvPr id="4" name="TextBox 3">
             <a:extLst>
               <a:ext uri="{FF2B5EF4-FFF2-40B4-BE49-F238E27FC236}">
-                <a16:creationId xmlns:a16="http://schemas.microsoft.com/office/drawing/2014/main" xmlns="" id="{418E9695-FFEC-9740-A3A8-69ED16AB64CF}"/>
+                <a16:creationId xmlns:a16="http://schemas.microsoft.com/office/drawing/2014/main" id="{418E9695-FFEC-9740-A3A8-69ED16AB64CF}"/>
               </a:ext>
             </a:extLst>
           </p:cNvPr>
@@ -15889,7 +20577,7 @@
           <p:cNvPr id="11" name="TextBox 10">
             <a:extLst>
               <a:ext uri="{FF2B5EF4-FFF2-40B4-BE49-F238E27FC236}">
-                <a16:creationId xmlns:a16="http://schemas.microsoft.com/office/drawing/2014/main" xmlns="" id="{48B9982E-2EAD-4D48-B195-35C6B9D88A1B}"/>
+                <a16:creationId xmlns:a16="http://schemas.microsoft.com/office/drawing/2014/main" id="{48B9982E-2EAD-4D48-B195-35C6B9D88A1B}"/>
               </a:ext>
             </a:extLst>
           </p:cNvPr>
@@ -15936,7 +20624,7 @@
           <p:cNvPr id="3" name="TextBox 2">
             <a:extLst>
               <a:ext uri="{FF2B5EF4-FFF2-40B4-BE49-F238E27FC236}">
-                <a16:creationId xmlns:a16="http://schemas.microsoft.com/office/drawing/2014/main" xmlns="" id="{11136707-7EEC-3249-B706-C64078848168}"/>
+                <a16:creationId xmlns:a16="http://schemas.microsoft.com/office/drawing/2014/main" id="{11136707-7EEC-3249-B706-C64078848168}"/>
               </a:ext>
             </a:extLst>
           </p:cNvPr>
@@ -15987,6 +20675,129 @@
     <p:extLst>
       <p:ext uri="{BB962C8B-B14F-4D97-AF65-F5344CB8AC3E}">
         <p14:creationId xmlns:p14="http://schemas.microsoft.com/office/powerpoint/2010/main" val="782458205"/>
+      </p:ext>
+    </p:extLst>
+  </p:cSld>
+  <p:clrMapOvr>
+    <a:masterClrMapping/>
+  </p:clrMapOvr>
+</p:sld>
+</file>
+
+<file path=ppt/slides/slide29.xml><?xml version="1.0" encoding="utf-8"?>
+<p:sld xmlns:a="http://schemas.openxmlformats.org/drawingml/2006/main" xmlns:r="http://schemas.openxmlformats.org/officeDocument/2006/relationships" xmlns:p="http://schemas.openxmlformats.org/presentationml/2006/main">
+  <p:cSld>
+    <p:spTree>
+      <p:nvGrpSpPr>
+        <p:cNvPr id="1" name=""/>
+        <p:cNvGrpSpPr/>
+        <p:nvPr/>
+      </p:nvGrpSpPr>
+      <p:grpSpPr>
+        <a:xfrm>
+          <a:off x="0" y="0"/>
+          <a:ext cx="0" cy="0"/>
+          <a:chOff x="0" y="0"/>
+          <a:chExt cx="0" cy="0"/>
+        </a:xfrm>
+      </p:grpSpPr>
+      <p:sp>
+        <p:nvSpPr>
+          <p:cNvPr id="2" name="Title 1">
+            <a:extLst>
+              <a:ext uri="{FF2B5EF4-FFF2-40B4-BE49-F238E27FC236}">
+                <a16:creationId xmlns:a16="http://schemas.microsoft.com/office/drawing/2014/main" id="{E7E92F54-75A2-0B47-A89F-C0D4BBBA4652}"/>
+              </a:ext>
+            </a:extLst>
+          </p:cNvPr>
+          <p:cNvSpPr>
+            <a:spLocks noGrp="1"/>
+          </p:cNvSpPr>
+          <p:nvPr>
+            <p:ph type="title"/>
+          </p:nvPr>
+        </p:nvSpPr>
+        <p:spPr/>
+        <p:txBody>
+          <a:bodyPr/>
+          <a:lstStyle/>
+          <a:p>
+            <a:r>
+              <a:rPr lang="da-DK" dirty="0"/>
+              <a:t>Simple </a:t>
+            </a:r>
+            <a:r>
+              <a:rPr lang="da-DK" dirty="0" err="1"/>
+              <a:t>example</a:t>
+            </a:r>
+            <a:endParaRPr lang="da-DK" dirty="0"/>
+          </a:p>
+        </p:txBody>
+      </p:sp>
+      <p:pic>
+        <p:nvPicPr>
+          <p:cNvPr id="4" name="Picture 3">
+            <a:extLst>
+              <a:ext uri="{FF2B5EF4-FFF2-40B4-BE49-F238E27FC236}">
+                <a16:creationId xmlns:a16="http://schemas.microsoft.com/office/drawing/2014/main" id="{300DEC84-1303-1441-9F1C-1E73E331D3EC}"/>
+              </a:ext>
+            </a:extLst>
+          </p:cNvPr>
+          <p:cNvPicPr>
+            <a:picLocks noChangeAspect="1"/>
+          </p:cNvPicPr>
+          <p:nvPr/>
+        </p:nvPicPr>
+        <p:blipFill>
+          <a:blip r:embed="rId2"/>
+          <a:stretch>
+            <a:fillRect/>
+          </a:stretch>
+        </p:blipFill>
+        <p:spPr>
+          <a:xfrm>
+            <a:off x="838200" y="1440873"/>
+            <a:ext cx="5909592" cy="5417126"/>
+          </a:xfrm>
+          <a:prstGeom prst="rect">
+            <a:avLst/>
+          </a:prstGeom>
+        </p:spPr>
+      </p:pic>
+      <p:pic>
+        <p:nvPicPr>
+          <p:cNvPr id="6" name="Picture 5">
+            <a:extLst>
+              <a:ext uri="{FF2B5EF4-FFF2-40B4-BE49-F238E27FC236}">
+                <a16:creationId xmlns:a16="http://schemas.microsoft.com/office/drawing/2014/main" id="{14A519BC-BA96-0A46-B90C-C120F8D5EA2D}"/>
+              </a:ext>
+            </a:extLst>
+          </p:cNvPr>
+          <p:cNvPicPr>
+            <a:picLocks noChangeAspect="1"/>
+          </p:cNvPicPr>
+          <p:nvPr/>
+        </p:nvPicPr>
+        <p:blipFill>
+          <a:blip r:embed="rId3"/>
+          <a:stretch>
+            <a:fillRect/>
+          </a:stretch>
+        </p:blipFill>
+        <p:spPr>
+          <a:xfrm>
+            <a:off x="7291584" y="1486766"/>
+            <a:ext cx="3906352" cy="5371234"/>
+          </a:xfrm>
+          <a:prstGeom prst="rect">
+            <a:avLst/>
+          </a:prstGeom>
+        </p:spPr>
+      </p:pic>
+    </p:spTree>
+    <p:extLst>
+      <p:ext uri="{BB962C8B-B14F-4D97-AF65-F5344CB8AC3E}">
+        <p14:creationId xmlns:p14="http://schemas.microsoft.com/office/powerpoint/2010/main" val="2422085812"/>
       </p:ext>
     </p:extLst>
   </p:cSld>
@@ -16029,10 +20840,9 @@
           <a:lstStyle/>
           <a:p>
             <a:r>
-              <a:rPr lang="en-US" dirty="0" smtClean="0"/>
+              <a:rPr lang="en-US" dirty="0"/>
               <a:t>Describing atomic structures</a:t>
             </a:r>
-            <a:endParaRPr lang="en-US" dirty="0"/>
           </a:p>
         </p:txBody>
       </p:sp>
@@ -16059,10 +20869,9 @@
           <a:lstStyle/>
           <a:p>
             <a:r>
-              <a:rPr lang="en-US" sz="2400" dirty="0" smtClean="0"/>
+              <a:rPr lang="en-US" sz="2400" dirty="0"/>
               <a:t>Defined by atomic coordinates</a:t>
             </a:r>
-            <a:endParaRPr lang="en-US" sz="2400" dirty="0"/>
           </a:p>
         </p:txBody>
       </p:sp>
@@ -16089,7 +20898,7 @@
           <a:lstStyle/>
           <a:p>
             <a:r>
-              <a:rPr lang="en-US" sz="2400" b="1" dirty="0" smtClean="0"/>
+              <a:rPr lang="en-US" sz="2400" b="1" dirty="0"/>
               <a:t>Problem!</a:t>
             </a:r>
           </a:p>
@@ -16118,14 +20927,13 @@
           <a:lstStyle/>
           <a:p>
             <a:r>
-              <a:rPr lang="en-US" sz="2400" dirty="0" smtClean="0"/>
+              <a:rPr lang="en-US" sz="2400" dirty="0"/>
               <a:t>This description is </a:t>
             </a:r>
             <a:r>
-              <a:rPr lang="en-US" sz="2400" b="1" dirty="0" smtClean="0"/>
+              <a:rPr lang="en-US" sz="2400" b="1" dirty="0"/>
               <a:t>not invariant</a:t>
             </a:r>
-            <a:endParaRPr lang="en-US" sz="2400" b="1" dirty="0"/>
           </a:p>
         </p:txBody>
       </p:sp>
@@ -16172,6 +20980,621 @@
 </p:sld>
 </file>
 
+<file path=ppt/slides/slide30.xml><?xml version="1.0" encoding="utf-8"?>
+<p:sld xmlns:a="http://schemas.openxmlformats.org/drawingml/2006/main" xmlns:r="http://schemas.openxmlformats.org/officeDocument/2006/relationships" xmlns:p="http://schemas.openxmlformats.org/presentationml/2006/main">
+  <p:cSld>
+    <p:spTree>
+      <p:nvGrpSpPr>
+        <p:cNvPr id="1" name=""/>
+        <p:cNvGrpSpPr/>
+        <p:nvPr/>
+      </p:nvGrpSpPr>
+      <p:grpSpPr>
+        <a:xfrm>
+          <a:off x="0" y="0"/>
+          <a:ext cx="0" cy="0"/>
+          <a:chOff x="0" y="0"/>
+          <a:chExt cx="0" cy="0"/>
+        </a:xfrm>
+      </p:grpSpPr>
+      <p:sp>
+        <p:nvSpPr>
+          <p:cNvPr id="2" name="Title 1">
+            <a:extLst>
+              <a:ext uri="{FF2B5EF4-FFF2-40B4-BE49-F238E27FC236}">
+                <a16:creationId xmlns:a16="http://schemas.microsoft.com/office/drawing/2014/main" id="{E7E92F54-75A2-0B47-A89F-C0D4BBBA4652}"/>
+              </a:ext>
+            </a:extLst>
+          </p:cNvPr>
+          <p:cNvSpPr>
+            <a:spLocks noGrp="1"/>
+          </p:cNvSpPr>
+          <p:nvPr>
+            <p:ph type="title"/>
+          </p:nvPr>
+        </p:nvSpPr>
+        <p:spPr/>
+        <p:txBody>
+          <a:bodyPr/>
+          <a:lstStyle/>
+          <a:p>
+            <a:r>
+              <a:rPr lang="da-DK" dirty="0"/>
+              <a:t>Simple </a:t>
+            </a:r>
+            <a:r>
+              <a:rPr lang="da-DK" dirty="0" err="1"/>
+              <a:t>example</a:t>
+            </a:r>
+            <a:endParaRPr lang="da-DK" dirty="0"/>
+          </a:p>
+        </p:txBody>
+      </p:sp>
+      <p:pic>
+        <p:nvPicPr>
+          <p:cNvPr id="4" name="Picture 3">
+            <a:extLst>
+              <a:ext uri="{FF2B5EF4-FFF2-40B4-BE49-F238E27FC236}">
+                <a16:creationId xmlns:a16="http://schemas.microsoft.com/office/drawing/2014/main" id="{300DEC84-1303-1441-9F1C-1E73E331D3EC}"/>
+              </a:ext>
+            </a:extLst>
+          </p:cNvPr>
+          <p:cNvPicPr>
+            <a:picLocks noChangeAspect="1"/>
+          </p:cNvPicPr>
+          <p:nvPr/>
+        </p:nvPicPr>
+        <p:blipFill>
+          <a:blip r:embed="rId2"/>
+          <a:stretch>
+            <a:fillRect/>
+          </a:stretch>
+        </p:blipFill>
+        <p:spPr>
+          <a:xfrm>
+            <a:off x="838200" y="1440873"/>
+            <a:ext cx="5909592" cy="5417126"/>
+          </a:xfrm>
+          <a:prstGeom prst="rect">
+            <a:avLst/>
+          </a:prstGeom>
+        </p:spPr>
+      </p:pic>
+      <p:pic>
+        <p:nvPicPr>
+          <p:cNvPr id="6" name="Picture 5">
+            <a:extLst>
+              <a:ext uri="{FF2B5EF4-FFF2-40B4-BE49-F238E27FC236}">
+                <a16:creationId xmlns:a16="http://schemas.microsoft.com/office/drawing/2014/main" id="{14A519BC-BA96-0A46-B90C-C120F8D5EA2D}"/>
+              </a:ext>
+            </a:extLst>
+          </p:cNvPr>
+          <p:cNvPicPr>
+            <a:picLocks noChangeAspect="1"/>
+          </p:cNvPicPr>
+          <p:nvPr/>
+        </p:nvPicPr>
+        <p:blipFill>
+          <a:blip r:embed="rId3"/>
+          <a:stretch>
+            <a:fillRect/>
+          </a:stretch>
+        </p:blipFill>
+        <p:spPr>
+          <a:xfrm>
+            <a:off x="7291584" y="1486766"/>
+            <a:ext cx="3906352" cy="5371234"/>
+          </a:xfrm>
+          <a:prstGeom prst="rect">
+            <a:avLst/>
+          </a:prstGeom>
+        </p:spPr>
+      </p:pic>
+    </p:spTree>
+    <p:extLst>
+      <p:ext uri="{BB962C8B-B14F-4D97-AF65-F5344CB8AC3E}">
+        <p14:creationId xmlns:p14="http://schemas.microsoft.com/office/powerpoint/2010/main" val="1537149396"/>
+      </p:ext>
+    </p:extLst>
+  </p:cSld>
+  <p:clrMapOvr>
+    <a:masterClrMapping/>
+  </p:clrMapOvr>
+</p:sld>
+</file>
+
+<file path=ppt/slides/slide31.xml><?xml version="1.0" encoding="utf-8"?>
+<p:sld xmlns:a="http://schemas.openxmlformats.org/drawingml/2006/main" xmlns:r="http://schemas.openxmlformats.org/officeDocument/2006/relationships" xmlns:p="http://schemas.openxmlformats.org/presentationml/2006/main">
+  <p:cSld>
+    <p:spTree>
+      <p:nvGrpSpPr>
+        <p:cNvPr id="1" name=""/>
+        <p:cNvGrpSpPr/>
+        <p:nvPr/>
+      </p:nvGrpSpPr>
+      <p:grpSpPr>
+        <a:xfrm>
+          <a:off x="0" y="0"/>
+          <a:ext cx="0" cy="0"/>
+          <a:chOff x="0" y="0"/>
+          <a:chExt cx="0" cy="0"/>
+        </a:xfrm>
+      </p:grpSpPr>
+      <p:sp>
+        <p:nvSpPr>
+          <p:cNvPr id="2" name="Title 1">
+            <a:extLst>
+              <a:ext uri="{FF2B5EF4-FFF2-40B4-BE49-F238E27FC236}">
+                <a16:creationId xmlns:a16="http://schemas.microsoft.com/office/drawing/2014/main" id="{E7E92F54-75A2-0B47-A89F-C0D4BBBA4652}"/>
+              </a:ext>
+            </a:extLst>
+          </p:cNvPr>
+          <p:cNvSpPr>
+            <a:spLocks noGrp="1"/>
+          </p:cNvSpPr>
+          <p:nvPr>
+            <p:ph type="title"/>
+          </p:nvPr>
+        </p:nvSpPr>
+        <p:spPr/>
+        <p:txBody>
+          <a:bodyPr/>
+          <a:lstStyle/>
+          <a:p>
+            <a:r>
+              <a:rPr lang="da-DK" dirty="0"/>
+              <a:t>Simple </a:t>
+            </a:r>
+            <a:r>
+              <a:rPr lang="da-DK" dirty="0" err="1"/>
+              <a:t>example</a:t>
+            </a:r>
+            <a:endParaRPr lang="da-DK" dirty="0"/>
+          </a:p>
+        </p:txBody>
+      </p:sp>
+      <p:pic>
+        <p:nvPicPr>
+          <p:cNvPr id="4" name="Picture 3">
+            <a:extLst>
+              <a:ext uri="{FF2B5EF4-FFF2-40B4-BE49-F238E27FC236}">
+                <a16:creationId xmlns:a16="http://schemas.microsoft.com/office/drawing/2014/main" id="{300DEC84-1303-1441-9F1C-1E73E331D3EC}"/>
+              </a:ext>
+            </a:extLst>
+          </p:cNvPr>
+          <p:cNvPicPr>
+            <a:picLocks noChangeAspect="1"/>
+          </p:cNvPicPr>
+          <p:nvPr/>
+        </p:nvPicPr>
+        <p:blipFill>
+          <a:blip r:embed="rId2"/>
+          <a:stretch>
+            <a:fillRect/>
+          </a:stretch>
+        </p:blipFill>
+        <p:spPr>
+          <a:xfrm>
+            <a:off x="838200" y="1440873"/>
+            <a:ext cx="5909593" cy="5417126"/>
+          </a:xfrm>
+          <a:prstGeom prst="rect">
+            <a:avLst/>
+          </a:prstGeom>
+        </p:spPr>
+      </p:pic>
+      <p:pic>
+        <p:nvPicPr>
+          <p:cNvPr id="6" name="Picture 5">
+            <a:extLst>
+              <a:ext uri="{FF2B5EF4-FFF2-40B4-BE49-F238E27FC236}">
+                <a16:creationId xmlns:a16="http://schemas.microsoft.com/office/drawing/2014/main" id="{14A519BC-BA96-0A46-B90C-C120F8D5EA2D}"/>
+              </a:ext>
+            </a:extLst>
+          </p:cNvPr>
+          <p:cNvPicPr>
+            <a:picLocks noChangeAspect="1"/>
+          </p:cNvPicPr>
+          <p:nvPr/>
+        </p:nvPicPr>
+        <p:blipFill>
+          <a:blip r:embed="rId3"/>
+          <a:stretch>
+            <a:fillRect/>
+          </a:stretch>
+        </p:blipFill>
+        <p:spPr>
+          <a:xfrm>
+            <a:off x="7291584" y="1486766"/>
+            <a:ext cx="3906352" cy="5371234"/>
+          </a:xfrm>
+          <a:prstGeom prst="rect">
+            <a:avLst/>
+          </a:prstGeom>
+        </p:spPr>
+      </p:pic>
+    </p:spTree>
+    <p:extLst>
+      <p:ext uri="{BB962C8B-B14F-4D97-AF65-F5344CB8AC3E}">
+        <p14:creationId xmlns:p14="http://schemas.microsoft.com/office/powerpoint/2010/main" val="1499782368"/>
+      </p:ext>
+    </p:extLst>
+  </p:cSld>
+  <p:clrMapOvr>
+    <a:masterClrMapping/>
+  </p:clrMapOvr>
+</p:sld>
+</file>
+
+<file path=ppt/slides/slide32.xml><?xml version="1.0" encoding="utf-8"?>
+<p:sld xmlns:a="http://schemas.openxmlformats.org/drawingml/2006/main" xmlns:r="http://schemas.openxmlformats.org/officeDocument/2006/relationships" xmlns:p="http://schemas.openxmlformats.org/presentationml/2006/main">
+  <p:cSld>
+    <p:spTree>
+      <p:nvGrpSpPr>
+        <p:cNvPr id="1" name=""/>
+        <p:cNvGrpSpPr/>
+        <p:nvPr/>
+      </p:nvGrpSpPr>
+      <p:grpSpPr>
+        <a:xfrm>
+          <a:off x="0" y="0"/>
+          <a:ext cx="0" cy="0"/>
+          <a:chOff x="0" y="0"/>
+          <a:chExt cx="0" cy="0"/>
+        </a:xfrm>
+      </p:grpSpPr>
+      <p:sp>
+        <p:nvSpPr>
+          <p:cNvPr id="2" name="Title 1">
+            <a:extLst>
+              <a:ext uri="{FF2B5EF4-FFF2-40B4-BE49-F238E27FC236}">
+                <a16:creationId xmlns:a16="http://schemas.microsoft.com/office/drawing/2014/main" id="{E7E92F54-75A2-0B47-A89F-C0D4BBBA4652}"/>
+              </a:ext>
+            </a:extLst>
+          </p:cNvPr>
+          <p:cNvSpPr>
+            <a:spLocks noGrp="1"/>
+          </p:cNvSpPr>
+          <p:nvPr>
+            <p:ph type="title"/>
+          </p:nvPr>
+        </p:nvSpPr>
+        <p:spPr/>
+        <p:txBody>
+          <a:bodyPr/>
+          <a:lstStyle/>
+          <a:p>
+            <a:r>
+              <a:rPr lang="da-DK" dirty="0"/>
+              <a:t>Simple </a:t>
+            </a:r>
+            <a:r>
+              <a:rPr lang="da-DK" dirty="0" err="1"/>
+              <a:t>example</a:t>
+            </a:r>
+            <a:endParaRPr lang="da-DK" dirty="0"/>
+          </a:p>
+        </p:txBody>
+      </p:sp>
+      <p:pic>
+        <p:nvPicPr>
+          <p:cNvPr id="4" name="Picture 3">
+            <a:extLst>
+              <a:ext uri="{FF2B5EF4-FFF2-40B4-BE49-F238E27FC236}">
+                <a16:creationId xmlns:a16="http://schemas.microsoft.com/office/drawing/2014/main" id="{300DEC84-1303-1441-9F1C-1E73E331D3EC}"/>
+              </a:ext>
+            </a:extLst>
+          </p:cNvPr>
+          <p:cNvPicPr>
+            <a:picLocks noChangeAspect="1"/>
+          </p:cNvPicPr>
+          <p:nvPr/>
+        </p:nvPicPr>
+        <p:blipFill>
+          <a:blip r:embed="rId2"/>
+          <a:stretch>
+            <a:fillRect/>
+          </a:stretch>
+        </p:blipFill>
+        <p:spPr>
+          <a:xfrm>
+            <a:off x="838200" y="1440873"/>
+            <a:ext cx="5909592" cy="5417126"/>
+          </a:xfrm>
+          <a:prstGeom prst="rect">
+            <a:avLst/>
+          </a:prstGeom>
+        </p:spPr>
+      </p:pic>
+      <p:pic>
+        <p:nvPicPr>
+          <p:cNvPr id="6" name="Picture 5">
+            <a:extLst>
+              <a:ext uri="{FF2B5EF4-FFF2-40B4-BE49-F238E27FC236}">
+                <a16:creationId xmlns:a16="http://schemas.microsoft.com/office/drawing/2014/main" id="{14A519BC-BA96-0A46-B90C-C120F8D5EA2D}"/>
+              </a:ext>
+            </a:extLst>
+          </p:cNvPr>
+          <p:cNvPicPr>
+            <a:picLocks noChangeAspect="1"/>
+          </p:cNvPicPr>
+          <p:nvPr/>
+        </p:nvPicPr>
+        <p:blipFill>
+          <a:blip r:embed="rId3"/>
+          <a:stretch>
+            <a:fillRect/>
+          </a:stretch>
+        </p:blipFill>
+        <p:spPr>
+          <a:xfrm>
+            <a:off x="7291584" y="1486766"/>
+            <a:ext cx="3906352" cy="5371234"/>
+          </a:xfrm>
+          <a:prstGeom prst="rect">
+            <a:avLst/>
+          </a:prstGeom>
+        </p:spPr>
+      </p:pic>
+    </p:spTree>
+    <p:extLst>
+      <p:ext uri="{BB962C8B-B14F-4D97-AF65-F5344CB8AC3E}">
+        <p14:creationId xmlns:p14="http://schemas.microsoft.com/office/powerpoint/2010/main" val="3579950771"/>
+      </p:ext>
+    </p:extLst>
+  </p:cSld>
+  <p:clrMapOvr>
+    <a:masterClrMapping/>
+  </p:clrMapOvr>
+</p:sld>
+</file>
+
+<file path=ppt/slides/slide33.xml><?xml version="1.0" encoding="utf-8"?>
+<p:sld xmlns:a="http://schemas.openxmlformats.org/drawingml/2006/main" xmlns:r="http://schemas.openxmlformats.org/officeDocument/2006/relationships" xmlns:p="http://schemas.openxmlformats.org/presentationml/2006/main">
+  <p:cSld>
+    <p:spTree>
+      <p:nvGrpSpPr>
+        <p:cNvPr id="1" name=""/>
+        <p:cNvGrpSpPr/>
+        <p:nvPr/>
+      </p:nvGrpSpPr>
+      <p:grpSpPr>
+        <a:xfrm>
+          <a:off x="0" y="0"/>
+          <a:ext cx="0" cy="0"/>
+          <a:chOff x="0" y="0"/>
+          <a:chExt cx="0" cy="0"/>
+        </a:xfrm>
+      </p:grpSpPr>
+      <p:sp>
+        <p:nvSpPr>
+          <p:cNvPr id="2" name="Title 1">
+            <a:extLst>
+              <a:ext uri="{FF2B5EF4-FFF2-40B4-BE49-F238E27FC236}">
+                <a16:creationId xmlns:a16="http://schemas.microsoft.com/office/drawing/2014/main" id="{E7E92F54-75A2-0B47-A89F-C0D4BBBA4652}"/>
+              </a:ext>
+            </a:extLst>
+          </p:cNvPr>
+          <p:cNvSpPr>
+            <a:spLocks noGrp="1"/>
+          </p:cNvSpPr>
+          <p:nvPr>
+            <p:ph type="title"/>
+          </p:nvPr>
+        </p:nvSpPr>
+        <p:spPr/>
+        <p:txBody>
+          <a:bodyPr/>
+          <a:lstStyle/>
+          <a:p>
+            <a:r>
+              <a:rPr lang="da-DK" dirty="0"/>
+              <a:t>Simple </a:t>
+            </a:r>
+            <a:r>
+              <a:rPr lang="da-DK" dirty="0" err="1"/>
+              <a:t>example</a:t>
+            </a:r>
+            <a:endParaRPr lang="da-DK" dirty="0"/>
+          </a:p>
+        </p:txBody>
+      </p:sp>
+      <p:pic>
+        <p:nvPicPr>
+          <p:cNvPr id="4" name="Picture 3">
+            <a:extLst>
+              <a:ext uri="{FF2B5EF4-FFF2-40B4-BE49-F238E27FC236}">
+                <a16:creationId xmlns:a16="http://schemas.microsoft.com/office/drawing/2014/main" id="{300DEC84-1303-1441-9F1C-1E73E331D3EC}"/>
+              </a:ext>
+            </a:extLst>
+          </p:cNvPr>
+          <p:cNvPicPr>
+            <a:picLocks noChangeAspect="1"/>
+          </p:cNvPicPr>
+          <p:nvPr/>
+        </p:nvPicPr>
+        <p:blipFill>
+          <a:blip r:embed="rId2"/>
+          <a:stretch>
+            <a:fillRect/>
+          </a:stretch>
+        </p:blipFill>
+        <p:spPr>
+          <a:xfrm>
+            <a:off x="838200" y="1440873"/>
+            <a:ext cx="5909592" cy="5417126"/>
+          </a:xfrm>
+          <a:prstGeom prst="rect">
+            <a:avLst/>
+          </a:prstGeom>
+        </p:spPr>
+      </p:pic>
+      <p:pic>
+        <p:nvPicPr>
+          <p:cNvPr id="6" name="Picture 5">
+            <a:extLst>
+              <a:ext uri="{FF2B5EF4-FFF2-40B4-BE49-F238E27FC236}">
+                <a16:creationId xmlns:a16="http://schemas.microsoft.com/office/drawing/2014/main" id="{14A519BC-BA96-0A46-B90C-C120F8D5EA2D}"/>
+              </a:ext>
+            </a:extLst>
+          </p:cNvPr>
+          <p:cNvPicPr>
+            <a:picLocks noChangeAspect="1"/>
+          </p:cNvPicPr>
+          <p:nvPr/>
+        </p:nvPicPr>
+        <p:blipFill>
+          <a:blip r:embed="rId3"/>
+          <a:stretch>
+            <a:fillRect/>
+          </a:stretch>
+        </p:blipFill>
+        <p:spPr>
+          <a:xfrm>
+            <a:off x="7291584" y="1486766"/>
+            <a:ext cx="3906352" cy="5371234"/>
+          </a:xfrm>
+          <a:prstGeom prst="rect">
+            <a:avLst/>
+          </a:prstGeom>
+        </p:spPr>
+      </p:pic>
+    </p:spTree>
+    <p:extLst>
+      <p:ext uri="{BB962C8B-B14F-4D97-AF65-F5344CB8AC3E}">
+        <p14:creationId xmlns:p14="http://schemas.microsoft.com/office/powerpoint/2010/main" val="573391556"/>
+      </p:ext>
+    </p:extLst>
+  </p:cSld>
+  <p:clrMapOvr>
+    <a:masterClrMapping/>
+  </p:clrMapOvr>
+</p:sld>
+</file>
+
+<file path=ppt/slides/slide34.xml><?xml version="1.0" encoding="utf-8"?>
+<p:sld xmlns:a="http://schemas.openxmlformats.org/drawingml/2006/main" xmlns:r="http://schemas.openxmlformats.org/officeDocument/2006/relationships" xmlns:p="http://schemas.openxmlformats.org/presentationml/2006/main">
+  <p:cSld>
+    <p:spTree>
+      <p:nvGrpSpPr>
+        <p:cNvPr id="1" name=""/>
+        <p:cNvGrpSpPr/>
+        <p:nvPr/>
+      </p:nvGrpSpPr>
+      <p:grpSpPr>
+        <a:xfrm>
+          <a:off x="0" y="0"/>
+          <a:ext cx="0" cy="0"/>
+          <a:chOff x="0" y="0"/>
+          <a:chExt cx="0" cy="0"/>
+        </a:xfrm>
+      </p:grpSpPr>
+      <p:sp>
+        <p:nvSpPr>
+          <p:cNvPr id="2" name="Title 1">
+            <a:extLst>
+              <a:ext uri="{FF2B5EF4-FFF2-40B4-BE49-F238E27FC236}">
+                <a16:creationId xmlns:a16="http://schemas.microsoft.com/office/drawing/2014/main" id="{E7E92F54-75A2-0B47-A89F-C0D4BBBA4652}"/>
+              </a:ext>
+            </a:extLst>
+          </p:cNvPr>
+          <p:cNvSpPr>
+            <a:spLocks noGrp="1"/>
+          </p:cNvSpPr>
+          <p:nvPr>
+            <p:ph type="title"/>
+          </p:nvPr>
+        </p:nvSpPr>
+        <p:spPr/>
+        <p:txBody>
+          <a:bodyPr/>
+          <a:lstStyle/>
+          <a:p>
+            <a:r>
+              <a:rPr lang="da-DK" dirty="0"/>
+              <a:t>Simple </a:t>
+            </a:r>
+            <a:r>
+              <a:rPr lang="da-DK" dirty="0" err="1"/>
+              <a:t>example</a:t>
+            </a:r>
+            <a:endParaRPr lang="da-DK" dirty="0"/>
+          </a:p>
+        </p:txBody>
+      </p:sp>
+      <p:pic>
+        <p:nvPicPr>
+          <p:cNvPr id="4" name="Picture 3">
+            <a:extLst>
+              <a:ext uri="{FF2B5EF4-FFF2-40B4-BE49-F238E27FC236}">
+                <a16:creationId xmlns:a16="http://schemas.microsoft.com/office/drawing/2014/main" id="{300DEC84-1303-1441-9F1C-1E73E331D3EC}"/>
+              </a:ext>
+            </a:extLst>
+          </p:cNvPr>
+          <p:cNvPicPr>
+            <a:picLocks noChangeAspect="1"/>
+          </p:cNvPicPr>
+          <p:nvPr/>
+        </p:nvPicPr>
+        <p:blipFill>
+          <a:blip r:embed="rId2"/>
+          <a:stretch>
+            <a:fillRect/>
+          </a:stretch>
+        </p:blipFill>
+        <p:spPr>
+          <a:xfrm>
+            <a:off x="838200" y="1440873"/>
+            <a:ext cx="5909593" cy="5417126"/>
+          </a:xfrm>
+          <a:prstGeom prst="rect">
+            <a:avLst/>
+          </a:prstGeom>
+        </p:spPr>
+      </p:pic>
+      <p:pic>
+        <p:nvPicPr>
+          <p:cNvPr id="6" name="Picture 5">
+            <a:extLst>
+              <a:ext uri="{FF2B5EF4-FFF2-40B4-BE49-F238E27FC236}">
+                <a16:creationId xmlns:a16="http://schemas.microsoft.com/office/drawing/2014/main" id="{14A519BC-BA96-0A46-B90C-C120F8D5EA2D}"/>
+              </a:ext>
+            </a:extLst>
+          </p:cNvPr>
+          <p:cNvPicPr>
+            <a:picLocks noChangeAspect="1"/>
+          </p:cNvPicPr>
+          <p:nvPr/>
+        </p:nvPicPr>
+        <p:blipFill>
+          <a:blip r:embed="rId3"/>
+          <a:stretch>
+            <a:fillRect/>
+          </a:stretch>
+        </p:blipFill>
+        <p:spPr>
+          <a:xfrm>
+            <a:off x="7291584" y="1486766"/>
+            <a:ext cx="3906352" cy="5371234"/>
+          </a:xfrm>
+          <a:prstGeom prst="rect">
+            <a:avLst/>
+          </a:prstGeom>
+        </p:spPr>
+      </p:pic>
+    </p:spTree>
+    <p:extLst>
+      <p:ext uri="{BB962C8B-B14F-4D97-AF65-F5344CB8AC3E}">
+        <p14:creationId xmlns:p14="http://schemas.microsoft.com/office/powerpoint/2010/main" val="1265314995"/>
+      </p:ext>
+    </p:extLst>
+  </p:cSld>
+  <p:clrMapOvr>
+    <a:masterClrMapping/>
+  </p:clrMapOvr>
+</p:sld>
+</file>
+
 <file path=ppt/slides/slide4.xml><?xml version="1.0" encoding="utf-8"?>
 <p:sld xmlns:a="http://schemas.openxmlformats.org/drawingml/2006/main" xmlns:r="http://schemas.openxmlformats.org/officeDocument/2006/relationships" xmlns:p="http://schemas.openxmlformats.org/presentationml/2006/main">
   <p:cSld>
@@ -16205,10 +21628,9 @@
           <a:lstStyle/>
           <a:p>
             <a:r>
-              <a:rPr lang="en-US" dirty="0" smtClean="0"/>
+              <a:rPr lang="en-US" dirty="0"/>
               <a:t>Describing atomic structures</a:t>
             </a:r>
-            <a:endParaRPr lang="en-US" dirty="0"/>
           </a:p>
         </p:txBody>
       </p:sp>
@@ -16235,10 +21657,9 @@
           <a:lstStyle/>
           <a:p>
             <a:r>
-              <a:rPr lang="en-US" sz="2400" dirty="0" smtClean="0"/>
+              <a:rPr lang="en-US" sz="2400" dirty="0"/>
               <a:t>Defined by atomic coordinates</a:t>
             </a:r>
-            <a:endParaRPr lang="en-US" sz="2400" dirty="0"/>
           </a:p>
         </p:txBody>
       </p:sp>
@@ -16265,7 +21686,7 @@
           <a:lstStyle/>
           <a:p>
             <a:r>
-              <a:rPr lang="en-US" sz="2400" b="1" dirty="0" smtClean="0"/>
+              <a:rPr lang="en-US" sz="2400" b="1" dirty="0"/>
               <a:t>Problem!</a:t>
             </a:r>
           </a:p>
@@ -16294,14 +21715,13 @@
           <a:lstStyle/>
           <a:p>
             <a:r>
-              <a:rPr lang="en-US" sz="2400" dirty="0" smtClean="0"/>
+              <a:rPr lang="en-US" sz="2400" dirty="0"/>
               <a:t>This description is </a:t>
             </a:r>
             <a:r>
-              <a:rPr lang="en-US" sz="2400" b="1" dirty="0" smtClean="0"/>
+              <a:rPr lang="en-US" sz="2400" b="1" dirty="0"/>
               <a:t>not invariant</a:t>
             </a:r>
-            <a:endParaRPr lang="en-US" sz="2400" b="1" dirty="0"/>
           </a:p>
         </p:txBody>
       </p:sp>
@@ -16332,7 +21752,7 @@
               <a:buAutoNum type="arabicPeriod"/>
             </a:pPr>
             <a:r>
-              <a:rPr lang="en-US" sz="2400" dirty="0" smtClean="0"/>
+              <a:rPr lang="en-US" sz="2400" dirty="0"/>
               <a:t>Translation</a:t>
             </a:r>
           </a:p>
@@ -16477,10 +21897,9 @@
           <a:lstStyle/>
           <a:p>
             <a:r>
-              <a:rPr lang="en-US" dirty="0" smtClean="0"/>
+              <a:rPr lang="en-US" dirty="0"/>
               <a:t>Describing atomic structures</a:t>
             </a:r>
-            <a:endParaRPr lang="en-US" dirty="0"/>
           </a:p>
         </p:txBody>
       </p:sp>
@@ -16507,10 +21926,9 @@
           <a:lstStyle/>
           <a:p>
             <a:r>
-              <a:rPr lang="en-US" sz="2400" dirty="0" smtClean="0"/>
+              <a:rPr lang="en-US" sz="2400" dirty="0"/>
               <a:t>Defined by atomic coordinates</a:t>
             </a:r>
-            <a:endParaRPr lang="en-US" sz="2400" dirty="0"/>
           </a:p>
         </p:txBody>
       </p:sp>
@@ -16537,7 +21955,7 @@
           <a:lstStyle/>
           <a:p>
             <a:r>
-              <a:rPr lang="en-US" sz="2400" b="1" dirty="0" smtClean="0"/>
+              <a:rPr lang="en-US" sz="2400" b="1" dirty="0"/>
               <a:t>Problem!</a:t>
             </a:r>
           </a:p>
@@ -16566,14 +21984,13 @@
           <a:lstStyle/>
           <a:p>
             <a:r>
-              <a:rPr lang="en-US" sz="2400" dirty="0" smtClean="0"/>
+              <a:rPr lang="en-US" sz="2400" dirty="0"/>
               <a:t>This description is </a:t>
             </a:r>
             <a:r>
-              <a:rPr lang="en-US" sz="2400" b="1" dirty="0" smtClean="0"/>
+              <a:rPr lang="en-US" sz="2400" b="1" dirty="0"/>
               <a:t>not invariant</a:t>
             </a:r>
-            <a:endParaRPr lang="en-US" sz="2400" b="1" dirty="0"/>
           </a:p>
         </p:txBody>
       </p:sp>
@@ -16604,7 +22021,7 @@
               <a:buAutoNum type="arabicPeriod"/>
             </a:pPr>
             <a:r>
-              <a:rPr lang="en-US" sz="2400" dirty="0" smtClean="0"/>
+              <a:rPr lang="en-US" sz="2400" dirty="0"/>
               <a:t>Translation</a:t>
             </a:r>
           </a:p>
@@ -16613,7 +22030,7 @@
               <a:buFont typeface="+mj-lt"/>
               <a:buAutoNum type="arabicPeriod"/>
             </a:pPr>
-            <a:endParaRPr lang="en-US" sz="2400" dirty="0" smtClean="0"/>
+            <a:endParaRPr lang="en-US" sz="2400" dirty="0"/>
           </a:p>
           <a:p>
             <a:pPr marL="342900" indent="-342900">
@@ -16621,7 +22038,7 @@
               <a:buAutoNum type="arabicPeriod"/>
             </a:pPr>
             <a:r>
-              <a:rPr lang="en-US" sz="2400" dirty="0" smtClean="0"/>
+              <a:rPr lang="en-US" sz="2400" dirty="0"/>
               <a:t>Rotation</a:t>
             </a:r>
           </a:p>
@@ -16927,10 +22344,9 @@
           <a:lstStyle/>
           <a:p>
             <a:r>
-              <a:rPr lang="en-US" dirty="0" smtClean="0"/>
+              <a:rPr lang="en-US" dirty="0"/>
               <a:t>Describing atomic structures</a:t>
             </a:r>
-            <a:endParaRPr lang="en-US" dirty="0"/>
           </a:p>
         </p:txBody>
       </p:sp>
@@ -16957,10 +22373,9 @@
           <a:lstStyle/>
           <a:p>
             <a:r>
-              <a:rPr lang="en-US" sz="2400" dirty="0" smtClean="0"/>
+              <a:rPr lang="en-US" sz="2400" dirty="0"/>
               <a:t>Defined by atomic coordinates</a:t>
             </a:r>
-            <a:endParaRPr lang="en-US" sz="2400" dirty="0"/>
           </a:p>
         </p:txBody>
       </p:sp>
@@ -16987,7 +22402,7 @@
           <a:lstStyle/>
           <a:p>
             <a:r>
-              <a:rPr lang="en-US" sz="2400" b="1" dirty="0" smtClean="0"/>
+              <a:rPr lang="en-US" sz="2400" b="1" dirty="0"/>
               <a:t>Problem!</a:t>
             </a:r>
           </a:p>
@@ -17016,14 +22431,13 @@
           <a:lstStyle/>
           <a:p>
             <a:r>
-              <a:rPr lang="en-US" sz="2400" dirty="0" smtClean="0"/>
+              <a:rPr lang="en-US" sz="2400" dirty="0"/>
               <a:t>This description is </a:t>
             </a:r>
             <a:r>
-              <a:rPr lang="en-US" sz="2400" b="1" dirty="0" smtClean="0"/>
+              <a:rPr lang="en-US" sz="2400" b="1" dirty="0"/>
               <a:t>not invariant</a:t>
             </a:r>
-            <a:endParaRPr lang="en-US" sz="2400" b="1" dirty="0"/>
           </a:p>
         </p:txBody>
       </p:sp>
@@ -17054,7 +22468,7 @@
               <a:buAutoNum type="arabicPeriod"/>
             </a:pPr>
             <a:r>
-              <a:rPr lang="en-US" sz="2400" dirty="0" smtClean="0"/>
+              <a:rPr lang="en-US" sz="2400" dirty="0"/>
               <a:t>Translation</a:t>
             </a:r>
           </a:p>
@@ -17063,7 +22477,7 @@
               <a:buFont typeface="+mj-lt"/>
               <a:buAutoNum type="arabicPeriod"/>
             </a:pPr>
-            <a:endParaRPr lang="en-US" sz="2400" dirty="0" smtClean="0"/>
+            <a:endParaRPr lang="en-US" sz="2400" dirty="0"/>
           </a:p>
           <a:p>
             <a:pPr marL="342900" indent="-342900">
@@ -17071,7 +22485,7 @@
               <a:buAutoNum type="arabicPeriod"/>
             </a:pPr>
             <a:r>
-              <a:rPr lang="en-US" sz="2400" dirty="0" smtClean="0"/>
+              <a:rPr lang="en-US" sz="2400" dirty="0"/>
               <a:t>Rotation</a:t>
             </a:r>
           </a:p>
@@ -17080,7 +22494,7 @@
               <a:buFont typeface="+mj-lt"/>
               <a:buAutoNum type="arabicPeriod"/>
             </a:pPr>
-            <a:endParaRPr lang="en-US" sz="2400" dirty="0" smtClean="0"/>
+            <a:endParaRPr lang="en-US" sz="2400" dirty="0"/>
           </a:p>
           <a:p>
             <a:pPr marL="342900" indent="-342900">
@@ -17088,7 +22502,7 @@
               <a:buAutoNum type="arabicPeriod"/>
             </a:pPr>
             <a:r>
-              <a:rPr lang="en-US" sz="2400" dirty="0" smtClean="0"/>
+              <a:rPr lang="en-US" sz="2400" dirty="0"/>
               <a:t>Reflection</a:t>
             </a:r>
           </a:p>
@@ -17424,10 +22838,9 @@
           <a:lstStyle/>
           <a:p>
             <a:r>
-              <a:rPr lang="en-US" dirty="0" smtClean="0"/>
+              <a:rPr lang="en-US" dirty="0"/>
               <a:t>Describing atomic structures</a:t>
             </a:r>
-            <a:endParaRPr lang="en-US" dirty="0"/>
           </a:p>
         </p:txBody>
       </p:sp>
@@ -17454,10 +22867,9 @@
           <a:lstStyle/>
           <a:p>
             <a:r>
-              <a:rPr lang="en-US" sz="2400" dirty="0" smtClean="0"/>
+              <a:rPr lang="en-US" sz="2400" dirty="0"/>
               <a:t>Defined by atomic coordinates</a:t>
             </a:r>
-            <a:endParaRPr lang="en-US" sz="2400" dirty="0"/>
           </a:p>
         </p:txBody>
       </p:sp>
@@ -17484,7 +22896,7 @@
           <a:lstStyle/>
           <a:p>
             <a:r>
-              <a:rPr lang="en-US" sz="2400" b="1" dirty="0" smtClean="0"/>
+              <a:rPr lang="en-US" sz="2400" b="1" dirty="0"/>
               <a:t>Problem!</a:t>
             </a:r>
           </a:p>
@@ -17513,14 +22925,13 @@
           <a:lstStyle/>
           <a:p>
             <a:r>
-              <a:rPr lang="en-US" sz="2400" dirty="0" smtClean="0"/>
+              <a:rPr lang="en-US" sz="2400" dirty="0"/>
               <a:t>This description is </a:t>
             </a:r>
             <a:r>
-              <a:rPr lang="en-US" sz="2400" b="1" dirty="0" smtClean="0"/>
+              <a:rPr lang="en-US" sz="2400" b="1" dirty="0"/>
               <a:t>not invariant</a:t>
             </a:r>
-            <a:endParaRPr lang="en-US" sz="2400" b="1" dirty="0"/>
           </a:p>
         </p:txBody>
       </p:sp>
@@ -17551,7 +22962,7 @@
               <a:buAutoNum type="arabicPeriod"/>
             </a:pPr>
             <a:r>
-              <a:rPr lang="en-US" sz="2400" dirty="0" smtClean="0"/>
+              <a:rPr lang="en-US" sz="2400" dirty="0"/>
               <a:t>Translation</a:t>
             </a:r>
           </a:p>
@@ -17560,7 +22971,7 @@
               <a:buFont typeface="+mj-lt"/>
               <a:buAutoNum type="arabicPeriod"/>
             </a:pPr>
-            <a:endParaRPr lang="en-US" sz="2400" dirty="0" smtClean="0"/>
+            <a:endParaRPr lang="en-US" sz="2400" dirty="0"/>
           </a:p>
           <a:p>
             <a:pPr marL="342900" indent="-342900">
@@ -17568,7 +22979,7 @@
               <a:buAutoNum type="arabicPeriod"/>
             </a:pPr>
             <a:r>
-              <a:rPr lang="en-US" sz="2400" dirty="0" smtClean="0"/>
+              <a:rPr lang="en-US" sz="2400" dirty="0"/>
               <a:t>Rotation</a:t>
             </a:r>
           </a:p>
@@ -17577,7 +22988,7 @@
               <a:buFont typeface="+mj-lt"/>
               <a:buAutoNum type="arabicPeriod"/>
             </a:pPr>
-            <a:endParaRPr lang="en-US" sz="2400" dirty="0" smtClean="0"/>
+            <a:endParaRPr lang="en-US" sz="2400" dirty="0"/>
           </a:p>
           <a:p>
             <a:pPr marL="342900" indent="-342900">
@@ -17585,7 +22996,7 @@
               <a:buAutoNum type="arabicPeriod"/>
             </a:pPr>
             <a:r>
-              <a:rPr lang="en-US" sz="2400" dirty="0" smtClean="0"/>
+              <a:rPr lang="en-US" sz="2400" dirty="0"/>
               <a:t>Reflection</a:t>
             </a:r>
           </a:p>
@@ -17594,7 +23005,7 @@
               <a:buFont typeface="+mj-lt"/>
               <a:buAutoNum type="arabicPeriod"/>
             </a:pPr>
-            <a:endParaRPr lang="en-US" sz="2400" dirty="0" smtClean="0"/>
+            <a:endParaRPr lang="en-US" sz="2400" dirty="0"/>
           </a:p>
           <a:p>
             <a:pPr marL="342900" indent="-342900">
@@ -17602,10 +23013,9 @@
               <a:buAutoNum type="arabicPeriod"/>
             </a:pPr>
             <a:r>
-              <a:rPr lang="en-US" sz="2400" dirty="0" smtClean="0"/>
+              <a:rPr lang="en-US" sz="2400" dirty="0"/>
               <a:t>permutation</a:t>
             </a:r>
-            <a:endParaRPr lang="en-US" sz="2400" dirty="0"/>
           </a:p>
         </p:txBody>
       </p:sp>
@@ -18003,10 +23413,9 @@
           <a:lstStyle/>
           <a:p>
             <a:r>
-              <a:rPr lang="en-US" dirty="0" smtClean="0"/>
+              <a:rPr lang="en-US" dirty="0"/>
               <a:t>Features</a:t>
             </a:r>
-            <a:endParaRPr lang="en-US" dirty="0"/>
           </a:p>
         </p:txBody>
       </p:sp>
@@ -18033,10 +23442,9 @@
           <a:lstStyle/>
           <a:p>
             <a:r>
-              <a:rPr lang="en-US" sz="2400" dirty="0" smtClean="0"/>
+              <a:rPr lang="en-US" sz="2400" dirty="0"/>
               <a:t>= Invariant descriptions</a:t>
             </a:r>
-            <a:endParaRPr lang="en-US" sz="2400" dirty="0"/>
           </a:p>
         </p:txBody>
       </p:sp>
@@ -18186,10 +23594,9 @@
           <a:lstStyle/>
           <a:p>
             <a:r>
-              <a:rPr lang="en-US" dirty="0" smtClean="0"/>
+              <a:rPr lang="en-US" dirty="0"/>
               <a:t>Features</a:t>
             </a:r>
-            <a:endParaRPr lang="en-US" dirty="0"/>
           </a:p>
         </p:txBody>
       </p:sp>
@@ -18216,15 +23623,14 @@
           <a:lstStyle/>
           <a:p>
             <a:r>
-              <a:rPr lang="en-US" sz="2400" dirty="0" smtClean="0"/>
+              <a:rPr lang="en-US" sz="2400" dirty="0"/>
               <a:t>= Invariant descriptions</a:t>
             </a:r>
-            <a:endParaRPr lang="en-US" sz="2400" dirty="0"/>
           </a:p>
         </p:txBody>
       </p:sp>
-      <mc:AlternateContent xmlns:mc="http://schemas.openxmlformats.org/markup-compatibility/2006">
-        <mc:Choice xmlns:a14="http://schemas.microsoft.com/office/drawing/2010/main" Requires="a14">
+      <mc:AlternateContent xmlns:mc="http://schemas.openxmlformats.org/markup-compatibility/2006" xmlns:a14="http://schemas.microsoft.com/office/drawing/2010/main">
+        <mc:Choice Requires="a14">
           <p:sp>
             <p:nvSpPr>
               <p:cNvPr id="8" name="TextBox 7"/>
@@ -18247,6 +23653,7 @@
               </a:bodyPr>
               <a:lstStyle/>
               <a:p>
+                <a:pPr/>
                 <a14:m>
                   <m:oMathPara xmlns:m="http://schemas.openxmlformats.org/officeDocument/2006/math">
                     <m:oMathParaPr>
@@ -18263,7 +23670,7 @@
                         <m:sSubPr>
                           <m:ctrlPr>
                             <a:rPr lang="en-US" sz="2400" b="0" i="1" smtClean="0">
-                              <a:latin typeface="Cambria Math" charset="0"/>
+                              <a:latin typeface="Cambria Math" panose="02040503050406030204" pitchFamily="18" charset="0"/>
                             </a:rPr>
                           </m:ctrlPr>
                         </m:sSubPr>
@@ -18294,7 +23701,7 @@
                         <m:sSubPr>
                           <m:ctrlPr>
                             <a:rPr lang="en-US" sz="2400" b="0" i="1" smtClean="0">
-                              <a:latin typeface="Cambria Math" charset="0"/>
+                              <a:latin typeface="Cambria Math" panose="02040503050406030204" pitchFamily="18" charset="0"/>
                             </a:rPr>
                           </m:ctrlPr>
                         </m:sSubPr>
@@ -18325,7 +23732,7 @@
                         <m:sSubPr>
                           <m:ctrlPr>
                             <a:rPr lang="en-US" sz="2400" b="0" i="1" smtClean="0">
-                              <a:latin typeface="Cambria Math" charset="0"/>
+                              <a:latin typeface="Cambria Math" panose="02040503050406030204" pitchFamily="18" charset="0"/>
                             </a:rPr>
                           </m:ctrlPr>
                         </m:sSubPr>
@@ -18356,7 +23763,7 @@
                         <m:sSubPr>
                           <m:ctrlPr>
                             <a:rPr lang="en-US" sz="2400" b="0" i="1" smtClean="0">
-                              <a:latin typeface="Cambria Math" charset="0"/>
+                              <a:latin typeface="Cambria Math" panose="02040503050406030204" pitchFamily="18" charset="0"/>
                             </a:rPr>
                           </m:ctrlPr>
                         </m:sSubPr>
@@ -18387,7 +23794,7 @@
                         <m:sSubPr>
                           <m:ctrlPr>
                             <a:rPr lang="en-US" sz="2400" b="0" i="1" smtClean="0">
-                              <a:latin typeface="Cambria Math" charset="0"/>
+                              <a:latin typeface="Cambria Math" panose="02040503050406030204" pitchFamily="18" charset="0"/>
                             </a:rPr>
                           </m:ctrlPr>
                         </m:sSubPr>
@@ -18418,7 +23825,7 @@
                         <m:sSubPr>
                           <m:ctrlPr>
                             <a:rPr lang="en-US" sz="2400" b="0" i="1" smtClean="0">
-                              <a:latin typeface="Cambria Math" charset="0"/>
+                              <a:latin typeface="Cambria Math" panose="02040503050406030204" pitchFamily="18" charset="0"/>
                             </a:rPr>
                           </m:ctrlPr>
                         </m:sSubPr>
@@ -18453,7 +23860,7 @@
             </p:txBody>
           </p:sp>
         </mc:Choice>
-        <mc:Fallback>
+        <mc:Fallback xmlns="">
           <p:sp>
             <p:nvSpPr>
               <p:cNvPr id="8" name="TextBox 7"/>
@@ -18492,8 +23899,8 @@
           </p:sp>
         </mc:Fallback>
       </mc:AlternateContent>
-      <mc:AlternateContent xmlns:mc="http://schemas.openxmlformats.org/markup-compatibility/2006">
-        <mc:Choice xmlns:a14="http://schemas.microsoft.com/office/drawing/2010/main" Requires="a14">
+      <mc:AlternateContent xmlns:mc="http://schemas.openxmlformats.org/markup-compatibility/2006" xmlns:a14="http://schemas.microsoft.com/office/drawing/2010/main">
+        <mc:Choice Requires="a14">
           <p:sp>
             <p:nvSpPr>
               <p:cNvPr id="9" name="TextBox 8"/>
@@ -18516,6 +23923,7 @@
               </a:bodyPr>
               <a:lstStyle/>
               <a:p>
+                <a:pPr/>
                 <a14:m>
                   <m:oMathPara xmlns:m="http://schemas.openxmlformats.org/officeDocument/2006/math">
                     <m:oMathParaPr>
@@ -18532,7 +23940,7 @@
                         <m:sSubPr>
                           <m:ctrlPr>
                             <a:rPr lang="en-US" sz="2400" b="0" i="1" smtClean="0">
-                              <a:latin typeface="Cambria Math" charset="0"/>
+                              <a:latin typeface="Cambria Math" panose="02040503050406030204" pitchFamily="18" charset="0"/>
                             </a:rPr>
                           </m:ctrlPr>
                         </m:sSubPr>
@@ -18563,7 +23971,7 @@
                         <m:sSubPr>
                           <m:ctrlPr>
                             <a:rPr lang="en-US" sz="2400" b="0" i="1" smtClean="0">
-                              <a:latin typeface="Cambria Math" charset="0"/>
+                              <a:latin typeface="Cambria Math" panose="02040503050406030204" pitchFamily="18" charset="0"/>
                             </a:rPr>
                           </m:ctrlPr>
                         </m:sSubPr>
@@ -18594,7 +24002,7 @@
                         <m:sSubPr>
                           <m:ctrlPr>
                             <a:rPr lang="en-US" sz="2400" b="0" i="1" smtClean="0">
-                              <a:latin typeface="Cambria Math" charset="0"/>
+                              <a:latin typeface="Cambria Math" panose="02040503050406030204" pitchFamily="18" charset="0"/>
                             </a:rPr>
                           </m:ctrlPr>
                         </m:sSubPr>
@@ -18629,7 +24037,7 @@
             </p:txBody>
           </p:sp>
         </mc:Choice>
-        <mc:Fallback>
+        <mc:Fallback xmlns="">
           <p:sp>
             <p:nvSpPr>
               <p:cNvPr id="9" name="TextBox 8"/>
@@ -18731,11 +24139,11 @@
           <a:lstStyle/>
           <a:p>
             <a:r>
-              <a:rPr lang="en-US" sz="2400" b="1" dirty="0" smtClean="0"/>
+              <a:rPr lang="en-US" sz="2400" b="1" dirty="0"/>
               <a:t>Simple solution:  </a:t>
             </a:r>
             <a:r>
-              <a:rPr lang="en-US" sz="2400" dirty="0" smtClean="0"/>
+              <a:rPr lang="en-US" sz="2400" dirty="0"/>
               <a:t>use interatomic distances</a:t>
             </a:r>
             <a:endParaRPr lang="en-US" sz="2400" b="1" dirty="0"/>

--- a/Presentations/2018-06-01-copenhagen.pptx
+++ b/Presentations/2018-06-01-copenhagen.pptx
@@ -5,7 +5,7 @@
     <p:sldMasterId id="2147483648" r:id="rId1"/>
   </p:sldMasterIdLst>
   <p:notesMasterIdLst>
-    <p:notesMasterId r:id="rId47"/>
+    <p:notesMasterId r:id="rId45"/>
   </p:notesMasterIdLst>
   <p:sldIdLst>
     <p:sldId id="272" r:id="rId2"/>
@@ -35,24 +35,22 @@
     <p:sldId id="261" r:id="rId26"/>
     <p:sldId id="262" r:id="rId27"/>
     <p:sldId id="268" r:id="rId28"/>
-    <p:sldId id="308" r:id="rId29"/>
+    <p:sldId id="313" r:id="rId29"/>
     <p:sldId id="266" r:id="rId30"/>
     <p:sldId id="269" r:id="rId31"/>
     <p:sldId id="270" r:id="rId32"/>
     <p:sldId id="299" r:id="rId33"/>
-    <p:sldId id="305" r:id="rId34"/>
-    <p:sldId id="304" r:id="rId35"/>
-    <p:sldId id="298" r:id="rId36"/>
-    <p:sldId id="294" r:id="rId37"/>
-    <p:sldId id="307" r:id="rId38"/>
-    <p:sldId id="306" r:id="rId39"/>
-    <p:sldId id="297" r:id="rId40"/>
-    <p:sldId id="296" r:id="rId41"/>
-    <p:sldId id="295" r:id="rId42"/>
-    <p:sldId id="300" r:id="rId43"/>
-    <p:sldId id="303" r:id="rId44"/>
-    <p:sldId id="301" r:id="rId45"/>
-    <p:sldId id="309" r:id="rId46"/>
+    <p:sldId id="298" r:id="rId34"/>
+    <p:sldId id="294" r:id="rId35"/>
+    <p:sldId id="307" r:id="rId36"/>
+    <p:sldId id="306" r:id="rId37"/>
+    <p:sldId id="297" r:id="rId38"/>
+    <p:sldId id="296" r:id="rId39"/>
+    <p:sldId id="295" r:id="rId40"/>
+    <p:sldId id="300" r:id="rId41"/>
+    <p:sldId id="303" r:id="rId42"/>
+    <p:sldId id="301" r:id="rId43"/>
+    <p:sldId id="309" r:id="rId44"/>
   </p:sldIdLst>
   <p:sldSz cx="12192000" cy="6858000"/>
   <p:notesSz cx="6858000" cy="9144000"/>
@@ -241,7 +239,7 @@
           <a:p>
             <a:fld id="{02BEE1C2-E7BD-934A-8D18-E6008A0DDB51}" type="datetimeFigureOut">
               <a:rPr lang="en-US" smtClean="0"/>
-              <a:t>5/30/18</a:t>
+              <a:t>5/31/18</a:t>
             </a:fld>
             <a:endParaRPr lang="en-US"/>
           </a:p>
@@ -721,7 +719,7 @@
           <a:p>
             <a:fld id="{BC484ED6-F6A3-B346-BA5F-A54F99F35589}" type="datetime1">
               <a:rPr lang="da-DK" smtClean="0"/>
-              <a:t>30/05/2018</a:t>
+              <a:t>31/05/2018</a:t>
             </a:fld>
             <a:endParaRPr lang="en-US"/>
           </a:p>
@@ -889,7 +887,7 @@
           <a:p>
             <a:fld id="{0E8EAB46-9F19-B044-891C-83F217110939}" type="datetime1">
               <a:rPr lang="da-DK" smtClean="0"/>
-              <a:t>30/05/2018</a:t>
+              <a:t>31/05/2018</a:t>
             </a:fld>
             <a:endParaRPr lang="en-US"/>
           </a:p>
@@ -1067,7 +1065,7 @@
           <a:p>
             <a:fld id="{66C9981C-5FDC-7747-851E-A144F6D80B19}" type="datetime1">
               <a:rPr lang="da-DK" smtClean="0"/>
-              <a:t>30/05/2018</a:t>
+              <a:t>31/05/2018</a:t>
             </a:fld>
             <a:endParaRPr lang="en-US"/>
           </a:p>
@@ -1235,7 +1233,7 @@
           <a:p>
             <a:fld id="{7F0BDC2F-A316-9944-A01C-39985CB204A1}" type="datetime1">
               <a:rPr lang="da-DK" smtClean="0"/>
-              <a:t>30/05/2018</a:t>
+              <a:t>31/05/2018</a:t>
             </a:fld>
             <a:endParaRPr lang="en-US"/>
           </a:p>
@@ -1480,7 +1478,7 @@
           <a:p>
             <a:fld id="{D60BC340-CE39-1D40-80B7-92578B6F6FD9}" type="datetime1">
               <a:rPr lang="da-DK" smtClean="0"/>
-              <a:t>30/05/2018</a:t>
+              <a:t>31/05/2018</a:t>
             </a:fld>
             <a:endParaRPr lang="en-US"/>
           </a:p>
@@ -1709,7 +1707,7 @@
           <a:p>
             <a:fld id="{D0FA34BA-FA53-5F49-A1FC-604EEFEC20E3}" type="datetime1">
               <a:rPr lang="da-DK" smtClean="0"/>
-              <a:t>30/05/2018</a:t>
+              <a:t>31/05/2018</a:t>
             </a:fld>
             <a:endParaRPr lang="en-US"/>
           </a:p>
@@ -2073,7 +2071,7 @@
           <a:p>
             <a:fld id="{8E8F4B82-B0E7-0D47-B4F8-2D60FC9C5CAB}" type="datetime1">
               <a:rPr lang="da-DK" smtClean="0"/>
-              <a:t>30/05/2018</a:t>
+              <a:t>31/05/2018</a:t>
             </a:fld>
             <a:endParaRPr lang="en-US"/>
           </a:p>
@@ -2190,7 +2188,7 @@
           <a:p>
             <a:fld id="{C3BF52D3-05DA-574B-A512-4486EC32FC2E}" type="datetime1">
               <a:rPr lang="da-DK" smtClean="0"/>
-              <a:t>30/05/2018</a:t>
+              <a:t>31/05/2018</a:t>
             </a:fld>
             <a:endParaRPr lang="en-US"/>
           </a:p>
@@ -2285,7 +2283,7 @@
           <a:p>
             <a:fld id="{BE3BEB1F-C126-494B-AA93-8F7174D58246}" type="datetime1">
               <a:rPr lang="da-DK" smtClean="0"/>
-              <a:t>30/05/2018</a:t>
+              <a:t>31/05/2018</a:t>
             </a:fld>
             <a:endParaRPr lang="en-US"/>
           </a:p>
@@ -2560,7 +2558,7 @@
           <a:p>
             <a:fld id="{B2A63A00-6F63-2346-8263-304751AD47AA}" type="datetime1">
               <a:rPr lang="da-DK" smtClean="0"/>
-              <a:t>30/05/2018</a:t>
+              <a:t>31/05/2018</a:t>
             </a:fld>
             <a:endParaRPr lang="en-US"/>
           </a:p>
@@ -2812,7 +2810,7 @@
           <a:p>
             <a:fld id="{A49E3D73-B337-ED4D-9DAD-017AFB833F51}" type="datetime1">
               <a:rPr lang="da-DK" smtClean="0"/>
-              <a:t>30/05/2018</a:t>
+              <a:t>31/05/2018</a:t>
             </a:fld>
             <a:endParaRPr lang="en-US"/>
           </a:p>
@@ -3023,7 +3021,7 @@
           <a:p>
             <a:fld id="{529B2978-7EB9-2A4B-98D1-B0C0C918B4CC}" type="datetime1">
               <a:rPr lang="da-DK" smtClean="0"/>
-              <a:t>30/05/2018</a:t>
+              <a:t>31/05/2018</a:t>
             </a:fld>
             <a:endParaRPr lang="en-US"/>
           </a:p>
@@ -3434,7 +3432,7 @@
           <p:cNvPr id="2" name="Title 1">
             <a:extLst>
               <a:ext uri="{FF2B5EF4-FFF2-40B4-BE49-F238E27FC236}">
-                <a16:creationId xmlns:a16="http://schemas.microsoft.com/office/drawing/2014/main" id="{D5E189EA-57A0-3E40-B200-AA930432CB90}"/>
+                <a16:creationId xmlns:a16="http://schemas.microsoft.com/office/drawing/2014/main" xmlns="" id="{D5E189EA-57A0-3E40-B200-AA930432CB90}"/>
               </a:ext>
             </a:extLst>
           </p:cNvPr>
@@ -3910,7 +3908,7 @@
                         <m:sSubPr>
                           <m:ctrlPr>
                             <a:rPr lang="en-US" sz="2400" b="0" i="1" smtClean="0">
-                              <a:latin typeface="Cambria Math" panose="02040503050406030204" pitchFamily="18" charset="0"/>
+                              <a:latin typeface="Cambria Math" charset="0"/>
                             </a:rPr>
                           </m:ctrlPr>
                         </m:sSubPr>
@@ -3941,7 +3939,7 @@
                         <m:sSubPr>
                           <m:ctrlPr>
                             <a:rPr lang="en-US" sz="2400" b="0" i="1" smtClean="0">
-                              <a:latin typeface="Cambria Math" panose="02040503050406030204" pitchFamily="18" charset="0"/>
+                              <a:latin typeface="Cambria Math" charset="0"/>
                             </a:rPr>
                           </m:ctrlPr>
                         </m:sSubPr>
@@ -3972,7 +3970,7 @@
                         <m:sSubPr>
                           <m:ctrlPr>
                             <a:rPr lang="en-US" sz="2400" b="0" i="1" smtClean="0">
-                              <a:latin typeface="Cambria Math" panose="02040503050406030204" pitchFamily="18" charset="0"/>
+                              <a:latin typeface="Cambria Math" charset="0"/>
                             </a:rPr>
                           </m:ctrlPr>
                         </m:sSubPr>
@@ -4003,7 +4001,7 @@
                         <m:sSubPr>
                           <m:ctrlPr>
                             <a:rPr lang="en-US" sz="2400" b="0" i="1" smtClean="0">
-                              <a:latin typeface="Cambria Math" panose="02040503050406030204" pitchFamily="18" charset="0"/>
+                              <a:latin typeface="Cambria Math" charset="0"/>
                             </a:rPr>
                           </m:ctrlPr>
                         </m:sSubPr>
@@ -4034,7 +4032,7 @@
                         <m:sSubPr>
                           <m:ctrlPr>
                             <a:rPr lang="en-US" sz="2400" b="0" i="1" smtClean="0">
-                              <a:latin typeface="Cambria Math" panose="02040503050406030204" pitchFamily="18" charset="0"/>
+                              <a:latin typeface="Cambria Math" charset="0"/>
                             </a:rPr>
                           </m:ctrlPr>
                         </m:sSubPr>
@@ -4065,7 +4063,7 @@
                         <m:sSubPr>
                           <m:ctrlPr>
                             <a:rPr lang="en-US" sz="2400" b="0" i="1" smtClean="0">
-                              <a:latin typeface="Cambria Math" panose="02040503050406030204" pitchFamily="18" charset="0"/>
+                              <a:latin typeface="Cambria Math" charset="0"/>
                             </a:rPr>
                           </m:ctrlPr>
                         </m:sSubPr>
@@ -4180,7 +4178,7 @@
                         <m:sSubPr>
                           <m:ctrlPr>
                             <a:rPr lang="en-US" sz="2400" b="0" i="1" smtClean="0">
-                              <a:latin typeface="Cambria Math" panose="02040503050406030204" pitchFamily="18" charset="0"/>
+                              <a:latin typeface="Cambria Math" charset="0"/>
                             </a:rPr>
                           </m:ctrlPr>
                         </m:sSubPr>
@@ -4211,7 +4209,7 @@
                         <m:sSubPr>
                           <m:ctrlPr>
                             <a:rPr lang="en-US" sz="2400" b="0" i="1" smtClean="0">
-                              <a:latin typeface="Cambria Math" panose="02040503050406030204" pitchFamily="18" charset="0"/>
+                              <a:latin typeface="Cambria Math" charset="0"/>
                             </a:rPr>
                           </m:ctrlPr>
                         </m:sSubPr>
@@ -4242,7 +4240,7 @@
                         <m:sSubPr>
                           <m:ctrlPr>
                             <a:rPr lang="en-US" sz="2400" b="0" i="1" smtClean="0">
-                              <a:latin typeface="Cambria Math" panose="02040503050406030204" pitchFamily="18" charset="0"/>
+                              <a:latin typeface="Cambria Math" charset="0"/>
                             </a:rPr>
                           </m:ctrlPr>
                         </m:sSubPr>
@@ -4495,7 +4493,7 @@
           <p:cNvPr id="14" name="Picture 13">
             <a:extLst>
               <a:ext uri="{FF2B5EF4-FFF2-40B4-BE49-F238E27FC236}">
-                <a16:creationId xmlns:a16="http://schemas.microsoft.com/office/drawing/2014/main" id="{A78FC2C9-571A-DE4C-9120-104AD62F0351}"/>
+                <a16:creationId xmlns:a16="http://schemas.microsoft.com/office/drawing/2014/main" xmlns="" id="{A78FC2C9-571A-DE4C-9120-104AD62F0351}"/>
               </a:ext>
             </a:extLst>
           </p:cNvPr>
@@ -4648,7 +4646,7 @@
                         <m:sSubPr>
                           <m:ctrlPr>
                             <a:rPr lang="en-US" sz="2400" b="0" i="1" smtClean="0">
-                              <a:latin typeface="Cambria Math" panose="02040503050406030204" pitchFamily="18" charset="0"/>
+                              <a:latin typeface="Cambria Math" charset="0"/>
                             </a:rPr>
                           </m:ctrlPr>
                         </m:sSubPr>
@@ -4679,7 +4677,7 @@
                         <m:sSubPr>
                           <m:ctrlPr>
                             <a:rPr lang="en-US" sz="2400" b="0" i="1" smtClean="0">
-                              <a:latin typeface="Cambria Math" panose="02040503050406030204" pitchFamily="18" charset="0"/>
+                              <a:latin typeface="Cambria Math" charset="0"/>
                             </a:rPr>
                           </m:ctrlPr>
                         </m:sSubPr>
@@ -4710,7 +4708,7 @@
                         <m:sSubPr>
                           <m:ctrlPr>
                             <a:rPr lang="en-US" sz="2400" b="0" i="1" smtClean="0">
-                              <a:latin typeface="Cambria Math" panose="02040503050406030204" pitchFamily="18" charset="0"/>
+                              <a:latin typeface="Cambria Math" charset="0"/>
                             </a:rPr>
                           </m:ctrlPr>
                         </m:sSubPr>
@@ -4741,7 +4739,7 @@
                         <m:sSubPr>
                           <m:ctrlPr>
                             <a:rPr lang="en-US" sz="2400" b="0" i="1" smtClean="0">
-                              <a:latin typeface="Cambria Math" panose="02040503050406030204" pitchFamily="18" charset="0"/>
+                              <a:latin typeface="Cambria Math" charset="0"/>
                             </a:rPr>
                           </m:ctrlPr>
                         </m:sSubPr>
@@ -4772,7 +4770,7 @@
                         <m:sSubPr>
                           <m:ctrlPr>
                             <a:rPr lang="en-US" sz="2400" b="0" i="1" smtClean="0">
-                              <a:latin typeface="Cambria Math" panose="02040503050406030204" pitchFamily="18" charset="0"/>
+                              <a:latin typeface="Cambria Math" charset="0"/>
                             </a:rPr>
                           </m:ctrlPr>
                         </m:sSubPr>
@@ -4803,7 +4801,7 @@
                         <m:sSubPr>
                           <m:ctrlPr>
                             <a:rPr lang="en-US" sz="2400" b="0" i="1" smtClean="0">
-                              <a:latin typeface="Cambria Math" panose="02040503050406030204" pitchFamily="18" charset="0"/>
+                              <a:latin typeface="Cambria Math" charset="0"/>
                             </a:rPr>
                           </m:ctrlPr>
                         </m:sSubPr>
@@ -4918,7 +4916,7 @@
                         <m:sSubPr>
                           <m:ctrlPr>
                             <a:rPr lang="en-US" sz="2400" b="0" i="1" smtClean="0">
-                              <a:latin typeface="Cambria Math" panose="02040503050406030204" pitchFamily="18" charset="0"/>
+                              <a:latin typeface="Cambria Math" charset="0"/>
                             </a:rPr>
                           </m:ctrlPr>
                         </m:sSubPr>
@@ -4949,7 +4947,7 @@
                         <m:sSubPr>
                           <m:ctrlPr>
                             <a:rPr lang="en-US" sz="2400" b="0" i="1" smtClean="0">
-                              <a:latin typeface="Cambria Math" panose="02040503050406030204" pitchFamily="18" charset="0"/>
+                              <a:latin typeface="Cambria Math" charset="0"/>
                             </a:rPr>
                           </m:ctrlPr>
                         </m:sSubPr>
@@ -4980,7 +4978,7 @@
                         <m:sSubPr>
                           <m:ctrlPr>
                             <a:rPr lang="en-US" sz="2400" b="0" i="1" smtClean="0">
-                              <a:latin typeface="Cambria Math" panose="02040503050406030204" pitchFamily="18" charset="0"/>
+                              <a:latin typeface="Cambria Math" charset="0"/>
                             </a:rPr>
                           </m:ctrlPr>
                         </m:sSubPr>
@@ -5304,7 +5302,7 @@
           <p:cNvPr id="16" name="Picture 15">
             <a:extLst>
               <a:ext uri="{FF2B5EF4-FFF2-40B4-BE49-F238E27FC236}">
-                <a16:creationId xmlns:a16="http://schemas.microsoft.com/office/drawing/2014/main" id="{72E918DC-25CC-1B44-9E0F-9B1EBC3ACA04}"/>
+                <a16:creationId xmlns:a16="http://schemas.microsoft.com/office/drawing/2014/main" xmlns="" id="{72E918DC-25CC-1B44-9E0F-9B1EBC3ACA04}"/>
               </a:ext>
             </a:extLst>
           </p:cNvPr>
@@ -5487,7 +5485,7 @@
                         <m:sSubPr>
                           <m:ctrlPr>
                             <a:rPr lang="en-US" sz="2400" b="0" i="1" smtClean="0">
-                              <a:latin typeface="Cambria Math" panose="02040503050406030204" pitchFamily="18" charset="0"/>
+                              <a:latin typeface="Cambria Math" charset="0"/>
                             </a:rPr>
                           </m:ctrlPr>
                         </m:sSubPr>
@@ -5518,7 +5516,7 @@
                         <m:sSubPr>
                           <m:ctrlPr>
                             <a:rPr lang="en-US" sz="2400" b="0" i="1" smtClean="0">
-                              <a:latin typeface="Cambria Math" panose="02040503050406030204" pitchFamily="18" charset="0"/>
+                              <a:latin typeface="Cambria Math" charset="0"/>
                             </a:rPr>
                           </m:ctrlPr>
                         </m:sSubPr>
@@ -5549,7 +5547,7 @@
                         <m:sSubPr>
                           <m:ctrlPr>
                             <a:rPr lang="en-US" sz="2400" b="0" i="1" smtClean="0">
-                              <a:latin typeface="Cambria Math" panose="02040503050406030204" pitchFamily="18" charset="0"/>
+                              <a:latin typeface="Cambria Math" charset="0"/>
                             </a:rPr>
                           </m:ctrlPr>
                         </m:sSubPr>
@@ -5580,7 +5578,7 @@
                         <m:sSubPr>
                           <m:ctrlPr>
                             <a:rPr lang="en-US" sz="2400" b="0" i="1" smtClean="0">
-                              <a:latin typeface="Cambria Math" panose="02040503050406030204" pitchFamily="18" charset="0"/>
+                              <a:latin typeface="Cambria Math" charset="0"/>
                             </a:rPr>
                           </m:ctrlPr>
                         </m:sSubPr>
@@ -5611,7 +5609,7 @@
                         <m:sSubPr>
                           <m:ctrlPr>
                             <a:rPr lang="en-US" sz="2400" b="0" i="1" smtClean="0">
-                              <a:latin typeface="Cambria Math" panose="02040503050406030204" pitchFamily="18" charset="0"/>
+                              <a:latin typeface="Cambria Math" charset="0"/>
                             </a:rPr>
                           </m:ctrlPr>
                         </m:sSubPr>
@@ -5642,7 +5640,7 @@
                         <m:sSubPr>
                           <m:ctrlPr>
                             <a:rPr lang="en-US" sz="2400" b="0" i="1" smtClean="0">
-                              <a:latin typeface="Cambria Math" panose="02040503050406030204" pitchFamily="18" charset="0"/>
+                              <a:latin typeface="Cambria Math" charset="0"/>
                             </a:rPr>
                           </m:ctrlPr>
                         </m:sSubPr>
@@ -5757,7 +5755,7 @@
                         <m:sSubPr>
                           <m:ctrlPr>
                             <a:rPr lang="en-US" sz="2400" b="0" i="1" smtClean="0">
-                              <a:latin typeface="Cambria Math" panose="02040503050406030204" pitchFamily="18" charset="0"/>
+                              <a:latin typeface="Cambria Math" charset="0"/>
                             </a:rPr>
                           </m:ctrlPr>
                         </m:sSubPr>
@@ -5788,7 +5786,7 @@
                         <m:sSubPr>
                           <m:ctrlPr>
                             <a:rPr lang="en-US" sz="2400" b="0" i="1" smtClean="0">
-                              <a:latin typeface="Cambria Math" panose="02040503050406030204" pitchFamily="18" charset="0"/>
+                              <a:latin typeface="Cambria Math" charset="0"/>
                             </a:rPr>
                           </m:ctrlPr>
                         </m:sSubPr>
@@ -5819,7 +5817,7 @@
                         <m:sSubPr>
                           <m:ctrlPr>
                             <a:rPr lang="en-US" sz="2400" b="0" i="1" smtClean="0">
-                              <a:latin typeface="Cambria Math" panose="02040503050406030204" pitchFamily="18" charset="0"/>
+                              <a:latin typeface="Cambria Math" charset="0"/>
                             </a:rPr>
                           </m:ctrlPr>
                         </m:sSubPr>
@@ -6125,7 +6123,7 @@
                         <m:dPr>
                           <m:ctrlPr>
                             <a:rPr lang="mr-IN" sz="2400" i="1" smtClean="0">
-                              <a:latin typeface="Cambria Math" panose="02040503050406030204" pitchFamily="18" charset="0"/>
+                              <a:latin typeface="Cambria Math" charset="0"/>
                             </a:rPr>
                           </m:ctrlPr>
                         </m:dPr>
@@ -6142,7 +6140,7 @@
                               </m:mcs>
                               <m:ctrlPr>
                                 <a:rPr lang="mr-IN" sz="2400" i="1" smtClean="0">
-                                  <a:latin typeface="Cambria Math" panose="02040503050406030204" pitchFamily="18" charset="0"/>
+                                  <a:latin typeface="Cambria Math" charset="0"/>
                                 </a:rPr>
                               </m:ctrlPr>
                             </m:mPr>
@@ -6158,7 +6156,7 @@
                                   <m:sSubPr>
                                     <m:ctrlPr>
                                       <a:rPr lang="en-US" sz="2400" b="0" i="1" smtClean="0">
-                                        <a:latin typeface="Cambria Math" panose="02040503050406030204" pitchFamily="18" charset="0"/>
+                                        <a:latin typeface="Cambria Math" charset="0"/>
                                       </a:rPr>
                                     </m:ctrlPr>
                                   </m:sSubPr>
@@ -6193,7 +6191,7 @@
                                   <m:sSubPr>
                                     <m:ctrlPr>
                                       <a:rPr lang="en-US" sz="2400" b="0" i="1" smtClean="0">
-                                        <a:latin typeface="Cambria Math" panose="02040503050406030204" pitchFamily="18" charset="0"/>
+                                        <a:latin typeface="Cambria Math" charset="0"/>
                                       </a:rPr>
                                     </m:ctrlPr>
                                   </m:sSubPr>
@@ -6228,7 +6226,7 @@
                                   <m:sSubPr>
                                     <m:ctrlPr>
                                       <a:rPr lang="en-US" sz="2400" b="0" i="1" smtClean="0">
-                                        <a:latin typeface="Cambria Math" panose="02040503050406030204" pitchFamily="18" charset="0"/>
+                                        <a:latin typeface="Cambria Math" charset="0"/>
                                       </a:rPr>
                                     </m:ctrlPr>
                                   </m:sSubPr>
@@ -6542,7 +6540,7 @@
                         <m:sSubPr>
                           <m:ctrlPr>
                             <a:rPr lang="en-US" sz="2400" b="0" i="1" smtClean="0">
-                              <a:latin typeface="Cambria Math" panose="02040503050406030204" pitchFamily="18" charset="0"/>
+                              <a:latin typeface="Cambria Math" charset="0"/>
                             </a:rPr>
                           </m:ctrlPr>
                         </m:sSubPr>
@@ -6573,7 +6571,7 @@
                         <m:sSubPr>
                           <m:ctrlPr>
                             <a:rPr lang="en-US" sz="2400" b="0" i="1" smtClean="0">
-                              <a:latin typeface="Cambria Math" panose="02040503050406030204" pitchFamily="18" charset="0"/>
+                              <a:latin typeface="Cambria Math" charset="0"/>
                             </a:rPr>
                           </m:ctrlPr>
                         </m:sSubPr>
@@ -6604,7 +6602,7 @@
                         <m:sSubPr>
                           <m:ctrlPr>
                             <a:rPr lang="en-US" sz="2400" b="0" i="1" smtClean="0">
-                              <a:latin typeface="Cambria Math" panose="02040503050406030204" pitchFamily="18" charset="0"/>
+                              <a:latin typeface="Cambria Math" charset="0"/>
                             </a:rPr>
                           </m:ctrlPr>
                         </m:sSubPr>
@@ -6635,7 +6633,7 @@
                         <m:sSubPr>
                           <m:ctrlPr>
                             <a:rPr lang="en-US" sz="2400" b="0" i="1" smtClean="0">
-                              <a:latin typeface="Cambria Math" panose="02040503050406030204" pitchFamily="18" charset="0"/>
+                              <a:latin typeface="Cambria Math" charset="0"/>
                             </a:rPr>
                           </m:ctrlPr>
                         </m:sSubPr>
@@ -6666,7 +6664,7 @@
                         <m:sSubPr>
                           <m:ctrlPr>
                             <a:rPr lang="en-US" sz="2400" b="0" i="1" smtClean="0">
-                              <a:latin typeface="Cambria Math" panose="02040503050406030204" pitchFamily="18" charset="0"/>
+                              <a:latin typeface="Cambria Math" charset="0"/>
                             </a:rPr>
                           </m:ctrlPr>
                         </m:sSubPr>
@@ -6697,7 +6695,7 @@
                         <m:sSubPr>
                           <m:ctrlPr>
                             <a:rPr lang="en-US" sz="2400" b="0" i="1" smtClean="0">
-                              <a:latin typeface="Cambria Math" panose="02040503050406030204" pitchFamily="18" charset="0"/>
+                              <a:latin typeface="Cambria Math" charset="0"/>
                             </a:rPr>
                           </m:ctrlPr>
                         </m:sSubPr>
@@ -6812,7 +6810,7 @@
                         <m:sSubPr>
                           <m:ctrlPr>
                             <a:rPr lang="en-US" sz="2400" b="0" i="1" smtClean="0">
-                              <a:latin typeface="Cambria Math" panose="02040503050406030204" pitchFamily="18" charset="0"/>
+                              <a:latin typeface="Cambria Math" charset="0"/>
                             </a:rPr>
                           </m:ctrlPr>
                         </m:sSubPr>
@@ -6843,7 +6841,7 @@
                         <m:sSubPr>
                           <m:ctrlPr>
                             <a:rPr lang="en-US" sz="2400" b="0" i="1" smtClean="0">
-                              <a:latin typeface="Cambria Math" panose="02040503050406030204" pitchFamily="18" charset="0"/>
+                              <a:latin typeface="Cambria Math" charset="0"/>
                             </a:rPr>
                           </m:ctrlPr>
                         </m:sSubPr>
@@ -6874,7 +6872,7 @@
                         <m:sSubPr>
                           <m:ctrlPr>
                             <a:rPr lang="en-US" sz="2400" b="0" i="1" smtClean="0">
-                              <a:latin typeface="Cambria Math" panose="02040503050406030204" pitchFamily="18" charset="0"/>
+                              <a:latin typeface="Cambria Math" charset="0"/>
                             </a:rPr>
                           </m:ctrlPr>
                         </m:sSubPr>
@@ -7180,7 +7178,7 @@
                         <m:dPr>
                           <m:ctrlPr>
                             <a:rPr lang="mr-IN" sz="2400" i="1" smtClean="0">
-                              <a:latin typeface="Cambria Math" panose="02040503050406030204" pitchFamily="18" charset="0"/>
+                              <a:latin typeface="Cambria Math" charset="0"/>
                             </a:rPr>
                           </m:ctrlPr>
                         </m:dPr>
@@ -7197,7 +7195,7 @@
                               </m:mcs>
                               <m:ctrlPr>
                                 <a:rPr lang="mr-IN" sz="2400" i="1" smtClean="0">
-                                  <a:latin typeface="Cambria Math" panose="02040503050406030204" pitchFamily="18" charset="0"/>
+                                  <a:latin typeface="Cambria Math" charset="0"/>
                                 </a:rPr>
                               </m:ctrlPr>
                             </m:mPr>
@@ -7213,7 +7211,7 @@
                                   <m:sSubPr>
                                     <m:ctrlPr>
                                       <a:rPr lang="en-US" sz="2400" b="0" i="1" smtClean="0">
-                                        <a:latin typeface="Cambria Math" panose="02040503050406030204" pitchFamily="18" charset="0"/>
+                                        <a:latin typeface="Cambria Math" charset="0"/>
                                       </a:rPr>
                                     </m:ctrlPr>
                                   </m:sSubPr>
@@ -7248,7 +7246,7 @@
                                   <m:sSubPr>
                                     <m:ctrlPr>
                                       <a:rPr lang="en-US" sz="2400" b="0" i="1" smtClean="0">
-                                        <a:latin typeface="Cambria Math" panose="02040503050406030204" pitchFamily="18" charset="0"/>
+                                        <a:latin typeface="Cambria Math" charset="0"/>
                                       </a:rPr>
                                     </m:ctrlPr>
                                   </m:sSubPr>
@@ -7283,7 +7281,7 @@
                                   <m:sSubPr>
                                     <m:ctrlPr>
                                       <a:rPr lang="en-US" sz="2400" b="0" i="1" smtClean="0">
-                                        <a:latin typeface="Cambria Math" panose="02040503050406030204" pitchFamily="18" charset="0"/>
+                                        <a:latin typeface="Cambria Math" charset="0"/>
                                       </a:rPr>
                                     </m:ctrlPr>
                                   </m:sSubPr>
@@ -7459,7 +7457,7 @@
                         <m:dPr>
                           <m:ctrlPr>
                             <a:rPr lang="mr-IN" sz="2400" i="1" smtClean="0">
-                              <a:latin typeface="Cambria Math" panose="02040503050406030204" pitchFamily="18" charset="0"/>
+                              <a:latin typeface="Cambria Math" charset="0"/>
                             </a:rPr>
                           </m:ctrlPr>
                         </m:dPr>
@@ -7476,7 +7474,7 @@
                               </m:mcs>
                               <m:ctrlPr>
                                 <a:rPr lang="mr-IN" sz="2400" i="1">
-                                  <a:latin typeface="Cambria Math" panose="02040503050406030204" pitchFamily="18" charset="0"/>
+                                  <a:latin typeface="Cambria Math" charset="0"/>
                                 </a:rPr>
                               </m:ctrlPr>
                             </m:mPr>
@@ -7492,7 +7490,7 @@
                                   <m:sSubPr>
                                     <m:ctrlPr>
                                       <a:rPr lang="en-US" sz="2400" i="1">
-                                        <a:latin typeface="Cambria Math" panose="02040503050406030204" pitchFamily="18" charset="0"/>
+                                        <a:latin typeface="Cambria Math" charset="0"/>
                                       </a:rPr>
                                     </m:ctrlPr>
                                   </m:sSubPr>
@@ -7533,7 +7531,7 @@
                                   <m:sSubPr>
                                     <m:ctrlPr>
                                       <a:rPr lang="en-US" sz="2400" i="1">
-                                        <a:latin typeface="Cambria Math" panose="02040503050406030204" pitchFamily="18" charset="0"/>
+                                        <a:latin typeface="Cambria Math" charset="0"/>
                                       </a:rPr>
                                     </m:ctrlPr>
                                   </m:sSubPr>
@@ -7574,7 +7572,7 @@
                                   <m:sSubPr>
                                     <m:ctrlPr>
                                       <a:rPr lang="en-US" sz="2400" i="1">
-                                        <a:latin typeface="Cambria Math" panose="02040503050406030204" pitchFamily="18" charset="0"/>
+                                        <a:latin typeface="Cambria Math" charset="0"/>
                                       </a:rPr>
                                     </m:ctrlPr>
                                   </m:sSubPr>
@@ -7981,7 +7979,7 @@
                         <m:sSubPr>
                           <m:ctrlPr>
                             <a:rPr lang="en-US" sz="2400" b="0" i="1" smtClean="0">
-                              <a:latin typeface="Cambria Math" panose="02040503050406030204" pitchFamily="18" charset="0"/>
+                              <a:latin typeface="Cambria Math" charset="0"/>
                             </a:rPr>
                           </m:ctrlPr>
                         </m:sSubPr>
@@ -8012,7 +8010,7 @@
                         <m:sSubPr>
                           <m:ctrlPr>
                             <a:rPr lang="en-US" sz="2400" b="0" i="1" smtClean="0">
-                              <a:latin typeface="Cambria Math" panose="02040503050406030204" pitchFamily="18" charset="0"/>
+                              <a:latin typeface="Cambria Math" charset="0"/>
                             </a:rPr>
                           </m:ctrlPr>
                         </m:sSubPr>
@@ -8043,7 +8041,7 @@
                         <m:sSubPr>
                           <m:ctrlPr>
                             <a:rPr lang="en-US" sz="2400" b="0" i="1" smtClean="0">
-                              <a:latin typeface="Cambria Math" panose="02040503050406030204" pitchFamily="18" charset="0"/>
+                              <a:latin typeface="Cambria Math" charset="0"/>
                             </a:rPr>
                           </m:ctrlPr>
                         </m:sSubPr>
@@ -8074,7 +8072,7 @@
                         <m:sSubPr>
                           <m:ctrlPr>
                             <a:rPr lang="en-US" sz="2400" b="0" i="1" smtClean="0">
-                              <a:latin typeface="Cambria Math" panose="02040503050406030204" pitchFamily="18" charset="0"/>
+                              <a:latin typeface="Cambria Math" charset="0"/>
                             </a:rPr>
                           </m:ctrlPr>
                         </m:sSubPr>
@@ -8105,7 +8103,7 @@
                         <m:sSubPr>
                           <m:ctrlPr>
                             <a:rPr lang="en-US" sz="2400" b="0" i="1" smtClean="0">
-                              <a:latin typeface="Cambria Math" panose="02040503050406030204" pitchFamily="18" charset="0"/>
+                              <a:latin typeface="Cambria Math" charset="0"/>
                             </a:rPr>
                           </m:ctrlPr>
                         </m:sSubPr>
@@ -8136,7 +8134,7 @@
                         <m:sSubPr>
                           <m:ctrlPr>
                             <a:rPr lang="en-US" sz="2400" b="0" i="1" smtClean="0">
-                              <a:latin typeface="Cambria Math" panose="02040503050406030204" pitchFamily="18" charset="0"/>
+                              <a:latin typeface="Cambria Math" charset="0"/>
                             </a:rPr>
                           </m:ctrlPr>
                         </m:sSubPr>
@@ -8251,7 +8249,7 @@
                         <m:sSubPr>
                           <m:ctrlPr>
                             <a:rPr lang="en-US" sz="2400" b="0" i="1" smtClean="0">
-                              <a:latin typeface="Cambria Math" panose="02040503050406030204" pitchFamily="18" charset="0"/>
+                              <a:latin typeface="Cambria Math" charset="0"/>
                             </a:rPr>
                           </m:ctrlPr>
                         </m:sSubPr>
@@ -8282,7 +8280,7 @@
                         <m:sSubPr>
                           <m:ctrlPr>
                             <a:rPr lang="en-US" sz="2400" b="0" i="1" smtClean="0">
-                              <a:latin typeface="Cambria Math" panose="02040503050406030204" pitchFamily="18" charset="0"/>
+                              <a:latin typeface="Cambria Math" charset="0"/>
                             </a:rPr>
                           </m:ctrlPr>
                         </m:sSubPr>
@@ -8313,7 +8311,7 @@
                         <m:sSubPr>
                           <m:ctrlPr>
                             <a:rPr lang="en-US" sz="2400" b="0" i="1" smtClean="0">
-                              <a:latin typeface="Cambria Math" panose="02040503050406030204" pitchFamily="18" charset="0"/>
+                              <a:latin typeface="Cambria Math" charset="0"/>
                             </a:rPr>
                           </m:ctrlPr>
                         </m:sSubPr>
@@ -8619,7 +8617,7 @@
                         <m:dPr>
                           <m:ctrlPr>
                             <a:rPr lang="mr-IN" sz="2400" i="1" smtClean="0">
-                              <a:latin typeface="Cambria Math" panose="02040503050406030204" pitchFamily="18" charset="0"/>
+                              <a:latin typeface="Cambria Math" charset="0"/>
                             </a:rPr>
                           </m:ctrlPr>
                         </m:dPr>
@@ -8636,7 +8634,7 @@
                               </m:mcs>
                               <m:ctrlPr>
                                 <a:rPr lang="mr-IN" sz="2400" i="1" smtClean="0">
-                                  <a:latin typeface="Cambria Math" panose="02040503050406030204" pitchFamily="18" charset="0"/>
+                                  <a:latin typeface="Cambria Math" charset="0"/>
                                 </a:rPr>
                               </m:ctrlPr>
                             </m:mPr>
@@ -8652,7 +8650,7 @@
                                   <m:sSubPr>
                                     <m:ctrlPr>
                                       <a:rPr lang="en-US" sz="2400" b="0" i="1" smtClean="0">
-                                        <a:latin typeface="Cambria Math" panose="02040503050406030204" pitchFamily="18" charset="0"/>
+                                        <a:latin typeface="Cambria Math" charset="0"/>
                                       </a:rPr>
                                     </m:ctrlPr>
                                   </m:sSubPr>
@@ -8687,7 +8685,7 @@
                                   <m:sSubPr>
                                     <m:ctrlPr>
                                       <a:rPr lang="en-US" sz="2400" b="0" i="1" smtClean="0">
-                                        <a:latin typeface="Cambria Math" panose="02040503050406030204" pitchFamily="18" charset="0"/>
+                                        <a:latin typeface="Cambria Math" charset="0"/>
                                       </a:rPr>
                                     </m:ctrlPr>
                                   </m:sSubPr>
@@ -8722,7 +8720,7 @@
                                   <m:sSubPr>
                                     <m:ctrlPr>
                                       <a:rPr lang="en-US" sz="2400" b="0" i="1" smtClean="0">
-                                        <a:latin typeface="Cambria Math" panose="02040503050406030204" pitchFamily="18" charset="0"/>
+                                        <a:latin typeface="Cambria Math" charset="0"/>
                                       </a:rPr>
                                     </m:ctrlPr>
                                   </m:sSubPr>
@@ -8898,7 +8896,7 @@
                         <m:dPr>
                           <m:ctrlPr>
                             <a:rPr lang="mr-IN" sz="2400" i="1" smtClean="0">
-                              <a:latin typeface="Cambria Math" panose="02040503050406030204" pitchFamily="18" charset="0"/>
+                              <a:latin typeface="Cambria Math" charset="0"/>
                             </a:rPr>
                           </m:ctrlPr>
                         </m:dPr>
@@ -8915,7 +8913,7 @@
                               </m:mcs>
                               <m:ctrlPr>
                                 <a:rPr lang="mr-IN" sz="2400" i="1">
-                                  <a:latin typeface="Cambria Math" panose="02040503050406030204" pitchFamily="18" charset="0"/>
+                                  <a:latin typeface="Cambria Math" charset="0"/>
                                 </a:rPr>
                               </m:ctrlPr>
                             </m:mPr>
@@ -8931,7 +8929,7 @@
                                   <m:sSubPr>
                                     <m:ctrlPr>
                                       <a:rPr lang="en-US" sz="2400" i="1">
-                                        <a:latin typeface="Cambria Math" panose="02040503050406030204" pitchFamily="18" charset="0"/>
+                                        <a:latin typeface="Cambria Math" charset="0"/>
                                       </a:rPr>
                                     </m:ctrlPr>
                                   </m:sSubPr>
@@ -8972,7 +8970,7 @@
                                   <m:sSubPr>
                                     <m:ctrlPr>
                                       <a:rPr lang="en-US" sz="2400" i="1">
-                                        <a:latin typeface="Cambria Math" panose="02040503050406030204" pitchFamily="18" charset="0"/>
+                                        <a:latin typeface="Cambria Math" charset="0"/>
                                       </a:rPr>
                                     </m:ctrlPr>
                                   </m:sSubPr>
@@ -9013,7 +9011,7 @@
                                   <m:sSubPr>
                                     <m:ctrlPr>
                                       <a:rPr lang="en-US" sz="2400" i="1">
-                                        <a:latin typeface="Cambria Math" panose="02040503050406030204" pitchFamily="18" charset="0"/>
+                                        <a:latin typeface="Cambria Math" charset="0"/>
                                       </a:rPr>
                                     </m:ctrlPr>
                                   </m:sSubPr>
@@ -9273,7 +9271,7 @@
           <p:cNvPr id="6" name="Rectangle 5">
             <a:extLst>
               <a:ext uri="{FF2B5EF4-FFF2-40B4-BE49-F238E27FC236}">
-                <a16:creationId xmlns:a16="http://schemas.microsoft.com/office/drawing/2014/main" id="{3911C110-2840-B24F-B4A1-4A5127F64B9E}"/>
+                <a16:creationId xmlns:a16="http://schemas.microsoft.com/office/drawing/2014/main" xmlns="" id="{3911C110-2840-B24F-B4A1-4A5127F64B9E}"/>
               </a:ext>
             </a:extLst>
           </p:cNvPr>
@@ -9320,7 +9318,7 @@
           <p:cNvPr id="26" name="Rectangle 25">
             <a:extLst>
               <a:ext uri="{FF2B5EF4-FFF2-40B4-BE49-F238E27FC236}">
-                <a16:creationId xmlns:a16="http://schemas.microsoft.com/office/drawing/2014/main" id="{F4D63200-3C3B-8E4D-A192-82BE15AD2F33}"/>
+                <a16:creationId xmlns:a16="http://schemas.microsoft.com/office/drawing/2014/main" xmlns="" id="{F4D63200-3C3B-8E4D-A192-82BE15AD2F33}"/>
               </a:ext>
             </a:extLst>
           </p:cNvPr>
@@ -9367,7 +9365,7 @@
           <p:cNvPr id="32" name="Rectangle 31">
             <a:extLst>
               <a:ext uri="{FF2B5EF4-FFF2-40B4-BE49-F238E27FC236}">
-                <a16:creationId xmlns:a16="http://schemas.microsoft.com/office/drawing/2014/main" id="{B1DA25C3-EC2A-9046-9E66-3B831A7FD207}"/>
+                <a16:creationId xmlns:a16="http://schemas.microsoft.com/office/drawing/2014/main" xmlns="" id="{B1DA25C3-EC2A-9046-9E66-3B831A7FD207}"/>
               </a:ext>
             </a:extLst>
           </p:cNvPr>
@@ -9414,7 +9412,7 @@
           <p:cNvPr id="11" name="Straight Arrow Connector 10">
             <a:extLst>
               <a:ext uri="{FF2B5EF4-FFF2-40B4-BE49-F238E27FC236}">
-                <a16:creationId xmlns:a16="http://schemas.microsoft.com/office/drawing/2014/main" id="{C8E3F40C-BA70-FC4D-BCD1-BDCC43FB85F5}"/>
+                <a16:creationId xmlns:a16="http://schemas.microsoft.com/office/drawing/2014/main" xmlns="" id="{C8E3F40C-BA70-FC4D-BCD1-BDCC43FB85F5}"/>
               </a:ext>
             </a:extLst>
           </p:cNvPr>
@@ -9455,7 +9453,7 @@
           <p:cNvPr id="18" name="TextBox 17">
             <a:extLst>
               <a:ext uri="{FF2B5EF4-FFF2-40B4-BE49-F238E27FC236}">
-                <a16:creationId xmlns:a16="http://schemas.microsoft.com/office/drawing/2014/main" id="{7203E304-94C8-6349-B897-2DB4197A7EC7}"/>
+                <a16:creationId xmlns:a16="http://schemas.microsoft.com/office/drawing/2014/main" xmlns="" id="{7203E304-94C8-6349-B897-2DB4197A7EC7}"/>
               </a:ext>
             </a:extLst>
           </p:cNvPr>
@@ -9537,9 +9535,10 @@
           <a:lstStyle/>
           <a:p>
             <a:r>
-              <a:rPr lang="en-US" dirty="0"/>
-              <a:t>Features</a:t>
+              <a:rPr lang="en-US" dirty="0" smtClean="0"/>
+              <a:t>Descriptors</a:t>
             </a:r>
+            <a:endParaRPr lang="en-US" dirty="0"/>
           </a:p>
         </p:txBody>
       </p:sp>
@@ -9548,7 +9547,7 @@
           <p:cNvPr id="7" name="Rectangle 6">
             <a:extLst>
               <a:ext uri="{FF2B5EF4-FFF2-40B4-BE49-F238E27FC236}">
-                <a16:creationId xmlns:a16="http://schemas.microsoft.com/office/drawing/2014/main" id="{934568A6-9E16-1747-BBDA-DDABE1317ABF}"/>
+                <a16:creationId xmlns:a16="http://schemas.microsoft.com/office/drawing/2014/main" xmlns="" id="{934568A6-9E16-1747-BBDA-DDABE1317ABF}"/>
               </a:ext>
             </a:extLst>
           </p:cNvPr>
@@ -9594,14 +9593,14 @@
           </a:p>
         </p:txBody>
       </p:sp>
-      <mc:AlternateContent xmlns:mc="http://schemas.openxmlformats.org/markup-compatibility/2006">
-        <mc:Choice xmlns:a14="http://schemas.microsoft.com/office/drawing/2010/main" Requires="a14">
+      <mc:AlternateContent xmlns:mc="http://schemas.openxmlformats.org/markup-compatibility/2006" xmlns:a14="http://schemas.microsoft.com/office/drawing/2010/main">
+        <mc:Choice Requires="a14">
           <p:sp>
             <p:nvSpPr>
               <p:cNvPr id="8" name="Rectangle 7">
                 <a:extLst>
                   <a:ext uri="{FF2B5EF4-FFF2-40B4-BE49-F238E27FC236}">
-                    <a16:creationId xmlns:a16="http://schemas.microsoft.com/office/drawing/2014/main" id="{414104F3-916E-8442-8B11-CE399A765C44}"/>
+                    <a16:creationId xmlns:a16="http://schemas.microsoft.com/office/drawing/2014/main" xmlns="" id="{414104F3-916E-8442-8B11-CE399A765C44}"/>
                   </a:ext>
                 </a:extLst>
               </p:cNvPr>
@@ -9634,7 +9633,7 @@
                         <m:sSubPr>
                           <m:ctrlPr>
                             <a:rPr lang="en-US" sz="2400" i="1" smtClean="0">
-                              <a:latin typeface="Cambria Math" panose="02040503050406030204" pitchFamily="18" charset="0"/>
+                              <a:latin typeface="Cambria Math" charset="0"/>
                             </a:rPr>
                           </m:ctrlPr>
                         </m:sSubPr>
@@ -9671,7 +9670,7 @@
                         <m:dPr>
                           <m:ctrlPr>
                             <a:rPr lang="en-US" sz="2400" i="1">
-                              <a:latin typeface="Cambria Math" panose="02040503050406030204" pitchFamily="18" charset="0"/>
+                              <a:latin typeface="Cambria Math" charset="0"/>
                             </a:rPr>
                           </m:ctrlPr>
                         </m:dPr>
@@ -9696,7 +9695,7 @@
                           <m:supHide m:val="on"/>
                           <m:ctrlPr>
                             <a:rPr lang="en-US" sz="2400" i="1">
-                              <a:latin typeface="Cambria Math" panose="02040503050406030204" pitchFamily="18" charset="0"/>
+                              <a:latin typeface="Cambria Math" charset="0"/>
                             </a:rPr>
                           </m:ctrlPr>
                         </m:naryPr>
@@ -9705,7 +9704,7 @@
                             <m:sSubPr>
                               <m:ctrlPr>
                                 <a:rPr lang="en-US" sz="2400" i="1">
-                                  <a:latin typeface="Cambria Math" panose="02040503050406030204" pitchFamily="18" charset="0"/>
+                                  <a:latin typeface="Cambria Math" charset="0"/>
                                 </a:rPr>
                               </m:ctrlPr>
                             </m:sSubPr>
@@ -9745,7 +9744,7 @@
                             <m:sSubPr>
                               <m:ctrlPr>
                                 <a:rPr lang="en-US" sz="2400" i="1">
-                                  <a:latin typeface="Cambria Math" panose="02040503050406030204" pitchFamily="18" charset="0"/>
+                                  <a:latin typeface="Cambria Math" charset="0"/>
                                 </a:rPr>
                               </m:ctrlPr>
                             </m:sSubPr>
@@ -9776,7 +9775,7 @@
                             <m:fPr>
                               <m:ctrlPr>
                                 <a:rPr lang="mr-IN" sz="2400" i="1">
-                                  <a:latin typeface="Cambria Math" panose="02040503050406030204" pitchFamily="18" charset="0"/>
+                                  <a:latin typeface="Cambria Math" charset="0"/>
                                 </a:rPr>
                               </m:ctrlPr>
                             </m:fPr>
@@ -9785,7 +9784,7 @@
                                 <m:funcPr>
                                   <m:ctrlPr>
                                     <a:rPr lang="en-US" sz="2400" i="1">
-                                      <a:latin typeface="Cambria Math" panose="02040503050406030204" pitchFamily="18" charset="0"/>
+                                      <a:latin typeface="Cambria Math" charset="0"/>
                                     </a:rPr>
                                   </m:ctrlPr>
                                 </m:funcPr>
@@ -9805,7 +9804,7 @@
                                     <m:dPr>
                                       <m:ctrlPr>
                                         <a:rPr lang="mr-IN" sz="2400" i="1">
-                                          <a:latin typeface="Cambria Math" panose="02040503050406030204" pitchFamily="18" charset="0"/>
+                                          <a:latin typeface="Cambria Math" charset="0"/>
                                         </a:rPr>
                                       </m:ctrlPr>
                                     </m:dPr>
@@ -9820,7 +9819,7 @@
                                         <m:fPr>
                                           <m:ctrlPr>
                                             <a:rPr lang="en-US" sz="2400" i="1" smtClean="0">
-                                              <a:latin typeface="Cambria Math" panose="02040503050406030204" pitchFamily="18" charset="0"/>
+                                              <a:latin typeface="Cambria Math" charset="0"/>
                                             </a:rPr>
                                           </m:ctrlPr>
                                         </m:fPr>
@@ -9829,7 +9828,7 @@
                                             <m:sSupPr>
                                               <m:ctrlPr>
                                                 <a:rPr lang="en-US" sz="2400" i="1">
-                                                  <a:latin typeface="Cambria Math" panose="02040503050406030204" pitchFamily="18" charset="0"/>
+                                                  <a:latin typeface="Cambria Math" charset="0"/>
                                                 </a:rPr>
                                               </m:ctrlPr>
                                             </m:sSupPr>
@@ -9840,7 +9839,7 @@
                                                   <m:endChr m:val="‖"/>
                                                   <m:ctrlPr>
                                                     <a:rPr lang="mr-IN" sz="2400" i="1">
-                                                      <a:latin typeface="Cambria Math" panose="02040503050406030204" pitchFamily="18" charset="0"/>
+                                                      <a:latin typeface="Cambria Math" charset="0"/>
                                                     </a:rPr>
                                                   </m:ctrlPr>
                                                 </m:dPr>
@@ -9861,7 +9860,7 @@
                                                     <m:sSubPr>
                                                       <m:ctrlPr>
                                                         <a:rPr lang="en-US" sz="2400" i="1">
-                                                          <a:latin typeface="Cambria Math" panose="02040503050406030204" pitchFamily="18" charset="0"/>
+                                                          <a:latin typeface="Cambria Math" charset="0"/>
                                                         </a:rPr>
                                                       </m:ctrlPr>
                                                     </m:sSubPr>
@@ -9906,7 +9905,7 @@
                                             <m:sSupPr>
                                               <m:ctrlPr>
                                                 <a:rPr lang="en-US" sz="2400" i="1">
-                                                  <a:latin typeface="Cambria Math" panose="02040503050406030204" pitchFamily="18" charset="0"/>
+                                                  <a:latin typeface="Cambria Math" charset="0"/>
                                                 </a:rPr>
                                               </m:ctrlPr>
                                             </m:sSupPr>
@@ -9939,574 +9938,7 @@
                                 <m:sSubSupPr>
                                   <m:ctrlPr>
                                     <a:rPr lang="en-US" sz="2400" i="1">
-                                      <a:latin typeface="Cambria Math" panose="02040503050406030204" pitchFamily="18" charset="0"/>
-                                    </a:rPr>
-                                  </m:ctrlPr>
-                                </m:sSubSupPr>
-                                <m:e>
-                                  <m:r>
-                                    <a:rPr lang="en-US" sz="2400" b="0" i="1" smtClean="0">
-                                      <a:latin typeface="Cambria Math" panose="02040503050406030204" pitchFamily="18" charset="0"/>
-                                    </a:rPr>
-                                    <m:t>𝑟</m:t>
-                                  </m:r>
-                                </m:e>
-                                <m:sub>
-                                  <m:r>
-                                    <a:rPr lang="en-US" sz="2400" i="1">
                                       <a:latin typeface="Cambria Math" charset="0"/>
-                                    </a:rPr>
-                                    <m:t>𝑖𝑗</m:t>
-                                  </m:r>
-                                </m:sub>
-                                <m:sup>
-                                  <m:r>
-                                    <a:rPr lang="en-US" sz="2400" i="1">
-                                      <a:latin typeface="Cambria Math" charset="0"/>
-                                    </a:rPr>
-                                    <m:t>2</m:t>
-                                  </m:r>
-                                </m:sup>
-                              </m:sSubSup>
-                            </m:den>
-                          </m:f>
-                        </m:e>
-                      </m:nary>
-                    </m:oMath>
-                  </m:oMathPara>
-                </a14:m>
-                <a:endParaRPr lang="da-DK" sz="2400" dirty="0"/>
-              </a:p>
-            </p:txBody>
-          </p:sp>
-        </mc:Choice>
-        <mc:Fallback>
-          <p:sp>
-            <p:nvSpPr>
-              <p:cNvPr id="8" name="Rectangle 7">
-                <a:extLst>
-                  <a:ext uri="{FF2B5EF4-FFF2-40B4-BE49-F238E27FC236}">
-                    <a16:creationId xmlns:a16="http://schemas.microsoft.com/office/drawing/2014/main" id="{414104F3-916E-8442-8B11-CE399A765C44}"/>
-                  </a:ext>
-                </a:extLst>
-              </p:cNvPr>
-              <p:cNvSpPr>
-                <a:spLocks noRot="1" noChangeAspect="1" noMove="1" noResize="1" noEditPoints="1" noAdjustHandles="1" noChangeArrowheads="1" noChangeShapeType="1" noTextEdit="1"/>
-              </p:cNvSpPr>
-              <p:nvPr/>
-            </p:nvSpPr>
-            <p:spPr>
-              <a:xfrm>
-                <a:off x="838200" y="2265532"/>
-                <a:ext cx="4789901" cy="1538563"/>
-              </a:xfrm>
-              <a:prstGeom prst="rect">
-                <a:avLst/>
-              </a:prstGeom>
-              <a:blipFill>
-                <a:blip r:embed="rId2"/>
-                <a:stretch>
-                  <a:fillRect t="-53659" b="-108943"/>
-                </a:stretch>
-              </a:blipFill>
-            </p:spPr>
-            <p:txBody>
-              <a:bodyPr/>
-              <a:lstStyle/>
-              <a:p>
-                <a:r>
-                  <a:rPr lang="da-DK">
-                    <a:noFill/>
-                  </a:rPr>
-                  <a:t> </a:t>
-                </a:r>
-              </a:p>
-            </p:txBody>
-          </p:sp>
-        </mc:Fallback>
-      </mc:AlternateContent>
-      <p:pic>
-        <p:nvPicPr>
-          <p:cNvPr id="5" name="Picture 4"/>
-          <p:cNvPicPr>
-            <a:picLocks noChangeAspect="1"/>
-          </p:cNvPicPr>
-          <p:nvPr/>
-        </p:nvPicPr>
-        <p:blipFill>
-          <a:blip r:embed="rId3">
-            <a:extLst>
-              <a:ext uri="{28A0092B-C50C-407E-A947-70E740481C1C}">
-                <a14:useLocalDpi xmlns:a14="http://schemas.microsoft.com/office/drawing/2010/main" val="0"/>
-              </a:ext>
-            </a:extLst>
-          </a:blip>
-          <a:stretch>
-            <a:fillRect/>
-          </a:stretch>
-        </p:blipFill>
-        <p:spPr>
-          <a:xfrm>
-            <a:off x="197853" y="138764"/>
-            <a:ext cx="1236312" cy="259626"/>
-          </a:xfrm>
-          <a:prstGeom prst="rect">
-            <a:avLst/>
-          </a:prstGeom>
-        </p:spPr>
-      </p:pic>
-    </p:spTree>
-    <p:extLst>
-      <p:ext uri="{BB962C8B-B14F-4D97-AF65-F5344CB8AC3E}">
-        <p14:creationId xmlns:p14="http://schemas.microsoft.com/office/powerpoint/2010/main" val="1435765690"/>
-      </p:ext>
-    </p:extLst>
-  </p:cSld>
-  <p:clrMapOvr>
-    <a:masterClrMapping/>
-  </p:clrMapOvr>
-</p:sld>
-</file>
-
-<file path=ppt/slides/slide17.xml><?xml version="1.0" encoding="utf-8"?>
-<p:sld xmlns:a="http://schemas.openxmlformats.org/drawingml/2006/main" xmlns:r="http://schemas.openxmlformats.org/officeDocument/2006/relationships" xmlns:p="http://schemas.openxmlformats.org/presentationml/2006/main">
-  <p:cSld>
-    <p:spTree>
-      <p:nvGrpSpPr>
-        <p:cNvPr id="1" name=""/>
-        <p:cNvGrpSpPr/>
-        <p:nvPr/>
-      </p:nvGrpSpPr>
-      <p:grpSpPr>
-        <a:xfrm>
-          <a:off x="0" y="0"/>
-          <a:ext cx="0" cy="0"/>
-          <a:chOff x="0" y="0"/>
-          <a:chExt cx="0" cy="0"/>
-        </a:xfrm>
-      </p:grpSpPr>
-      <p:sp>
-        <p:nvSpPr>
-          <p:cNvPr id="2" name="Title 1"/>
-          <p:cNvSpPr>
-            <a:spLocks noGrp="1"/>
-          </p:cNvSpPr>
-          <p:nvPr>
-            <p:ph type="title"/>
-          </p:nvPr>
-        </p:nvSpPr>
-        <p:spPr/>
-        <p:txBody>
-          <a:bodyPr/>
-          <a:lstStyle/>
-          <a:p>
-            <a:r>
-              <a:rPr lang="en-US" dirty="0"/>
-              <a:t>Features</a:t>
-            </a:r>
-          </a:p>
-        </p:txBody>
-      </p:sp>
-      <p:sp>
-        <p:nvSpPr>
-          <p:cNvPr id="7" name="Rectangle 6">
-            <a:extLst>
-              <a:ext uri="{FF2B5EF4-FFF2-40B4-BE49-F238E27FC236}">
-                <a16:creationId xmlns:a16="http://schemas.microsoft.com/office/drawing/2014/main" id="{934568A6-9E16-1747-BBDA-DDABE1317ABF}"/>
-              </a:ext>
-            </a:extLst>
-          </p:cNvPr>
-          <p:cNvSpPr/>
-          <p:nvPr/>
-        </p:nvSpPr>
-        <p:spPr>
-          <a:xfrm>
-            <a:off x="838200" y="1690688"/>
-            <a:ext cx="4008790" cy="461665"/>
-          </a:xfrm>
-          <a:prstGeom prst="rect">
-            <a:avLst/>
-          </a:prstGeom>
-        </p:spPr>
-        <p:txBody>
-          <a:bodyPr wrap="none">
-            <a:spAutoFit/>
-          </a:bodyPr>
-          <a:lstStyle/>
-          <a:p>
-            <a:r>
-              <a:rPr lang="en-US" sz="2400" dirty="0"/>
-              <a:t>Example 2 </a:t>
-            </a:r>
-            <a:r>
-              <a:rPr lang="mr-IN" sz="2400" dirty="0"/>
-              <a:t>–</a:t>
-            </a:r>
-            <a:r>
-              <a:rPr lang="en-US" sz="2400" dirty="0"/>
-              <a:t> </a:t>
-            </a:r>
-            <a:r>
-              <a:rPr lang="en-US" sz="2400" b="1" i="1" dirty="0" err="1"/>
-              <a:t>Oganov</a:t>
-            </a:r>
-            <a:r>
-              <a:rPr lang="en-US" sz="2400" b="1" i="1" dirty="0"/>
-              <a:t> and Valle</a:t>
-            </a:r>
-            <a:endParaRPr lang="en-US" sz="2400" dirty="0"/>
-          </a:p>
-        </p:txBody>
-      </p:sp>
-      <mc:AlternateContent xmlns:mc="http://schemas.openxmlformats.org/markup-compatibility/2006" xmlns:a14="http://schemas.microsoft.com/office/drawing/2010/main">
-        <mc:Choice Requires="a14">
-          <p:sp>
-            <p:nvSpPr>
-              <p:cNvPr id="8" name="Rectangle 7">
-                <a:extLst>
-                  <a:ext uri="{FF2B5EF4-FFF2-40B4-BE49-F238E27FC236}">
-                    <a16:creationId xmlns:a16="http://schemas.microsoft.com/office/drawing/2014/main" id="{414104F3-916E-8442-8B11-CE399A765C44}"/>
-                  </a:ext>
-                </a:extLst>
-              </p:cNvPr>
-              <p:cNvSpPr/>
-              <p:nvPr/>
-            </p:nvSpPr>
-            <p:spPr>
-              <a:xfrm>
-                <a:off x="838200" y="2265532"/>
-                <a:ext cx="4769062" cy="1501437"/>
-              </a:xfrm>
-              <a:prstGeom prst="rect">
-                <a:avLst/>
-              </a:prstGeom>
-            </p:spPr>
-            <p:txBody>
-              <a:bodyPr wrap="none">
-                <a:spAutoFit/>
-              </a:bodyPr>
-              <a:lstStyle/>
-              <a:p>
-                <a:pPr/>
-                <a14:m>
-                  <m:oMathPara xmlns:m="http://schemas.openxmlformats.org/officeDocument/2006/math">
-                    <m:oMathParaPr>
-                      <m:jc m:val="centerGroup"/>
-                    </m:oMathParaPr>
-                    <m:oMath xmlns:m="http://schemas.openxmlformats.org/officeDocument/2006/math">
-                      <m:sSub>
-                        <m:sSubPr>
-                          <m:ctrlPr>
-                            <a:rPr lang="en-US" sz="2400" i="1" smtClean="0">
-                              <a:latin typeface="Cambria Math" panose="02040503050406030204" pitchFamily="18" charset="0"/>
-                            </a:rPr>
-                          </m:ctrlPr>
-                        </m:sSubPr>
-                        <m:e>
-                          <m:r>
-                            <a:rPr lang="en-US" sz="2400" i="1">
-                              <a:latin typeface="Cambria Math" charset="0"/>
-                            </a:rPr>
-                            <m:t>𝐹</m:t>
-                          </m:r>
-                        </m:e>
-                        <m:sub>
-                          <m:r>
-                            <a:rPr lang="en-US" sz="2400" i="1">
-                              <a:latin typeface="Cambria Math" charset="0"/>
-                            </a:rPr>
-                            <m:t>𝐴</m:t>
-                          </m:r>
-                          <m:r>
-                            <a:rPr lang="en-US" sz="2400" i="1">
-                              <a:latin typeface="Cambria Math" charset="0"/>
-                            </a:rPr>
-                            <m:t>,</m:t>
-                          </m:r>
-                          <m:r>
-                            <a:rPr lang="en-US" sz="2400" i="1">
-                              <a:latin typeface="Cambria Math" charset="0"/>
-                            </a:rPr>
-                            <m:t>𝐵</m:t>
-                          </m:r>
-                        </m:sub>
-                      </m:sSub>
-                      <m:d>
-                        <m:dPr>
-                          <m:ctrlPr>
-                            <a:rPr lang="en-US" sz="2400" i="1">
-                              <a:latin typeface="Cambria Math" panose="02040503050406030204" pitchFamily="18" charset="0"/>
-                            </a:rPr>
-                          </m:ctrlPr>
-                        </m:dPr>
-                        <m:e>
-                          <m:r>
-                            <a:rPr lang="en-US" sz="2400" b="0" i="1" smtClean="0">
-                              <a:latin typeface="Cambria Math" panose="02040503050406030204" pitchFamily="18" charset="0"/>
-                            </a:rPr>
-                            <m:t>𝑟</m:t>
-                          </m:r>
-                        </m:e>
-                      </m:d>
-                      <m:r>
-                        <a:rPr lang="en-US" sz="2400" i="1">
-                          <a:latin typeface="Cambria Math" panose="02040503050406030204" pitchFamily="18" charset="0"/>
-                        </a:rPr>
-                        <m:t>  ∝ </m:t>
-                      </m:r>
-                      <m:nary>
-                        <m:naryPr>
-                          <m:chr m:val="∑"/>
-                          <m:supHide m:val="on"/>
-                          <m:ctrlPr>
-                            <a:rPr lang="en-US" sz="2400" i="1">
-                              <a:latin typeface="Cambria Math" panose="02040503050406030204" pitchFamily="18" charset="0"/>
-                            </a:rPr>
-                          </m:ctrlPr>
-                        </m:naryPr>
-                        <m:sub>
-                          <m:sSub>
-                            <m:sSubPr>
-                              <m:ctrlPr>
-                                <a:rPr lang="en-US" sz="2400" i="1">
-                                  <a:latin typeface="Cambria Math" panose="02040503050406030204" pitchFamily="18" charset="0"/>
-                                </a:rPr>
-                              </m:ctrlPr>
-                            </m:sSubPr>
-                            <m:e>
-                              <m:r>
-                                <m:rPr>
-                                  <m:brk m:alnAt="7"/>
-                                </m:rPr>
-                                <a:rPr lang="en-US" sz="2400" i="1">
-                                  <a:latin typeface="Cambria Math" charset="0"/>
-                                </a:rPr>
-                                <m:t>𝐴</m:t>
-                              </m:r>
-                            </m:e>
-                            <m:sub>
-                              <m:r>
-                                <m:rPr>
-                                  <m:brk m:alnAt="7"/>
-                                </m:rPr>
-                                <a:rPr lang="en-US" sz="2400" i="1">
-                                  <a:latin typeface="Cambria Math" charset="0"/>
-                                </a:rPr>
-                                <m:t>𝑖</m:t>
-                              </m:r>
-                            </m:sub>
-                          </m:sSub>
-                          <m:r>
-                            <m:rPr>
-                              <m:brk m:alnAt="7"/>
-                            </m:rPr>
-                            <a:rPr lang="en-US" sz="2400" i="1">
-                              <a:latin typeface="Cambria Math" charset="0"/>
-                            </a:rPr>
-                            <m:t>,</m:t>
-                          </m:r>
-                          <m:sSub>
-                            <m:sSubPr>
-                              <m:ctrlPr>
-                                <a:rPr lang="en-US" sz="2400" i="1">
-                                  <a:latin typeface="Cambria Math" panose="02040503050406030204" pitchFamily="18" charset="0"/>
-                                </a:rPr>
-                              </m:ctrlPr>
-                            </m:sSubPr>
-                            <m:e>
-                              <m:r>
-                                <m:rPr>
-                                  <m:brk m:alnAt="7"/>
-                                </m:rPr>
-                                <a:rPr lang="en-US" sz="2400" i="1">
-                                  <a:latin typeface="Cambria Math" charset="0"/>
-                                </a:rPr>
-                                <m:t>𝐵</m:t>
-                              </m:r>
-                            </m:e>
-                            <m:sub>
-                              <m:r>
-                                <m:rPr>
-                                  <m:brk m:alnAt="7"/>
-                                </m:rPr>
-                                <a:rPr lang="en-US" sz="2400" i="1">
-                                  <a:latin typeface="Cambria Math" charset="0"/>
-                                </a:rPr>
-                                <m:t>𝑖</m:t>
-                              </m:r>
-                            </m:sub>
-                          </m:sSub>
-                        </m:sub>
-                        <m:sup/>
-                        <m:e>
-                          <m:f>
-                            <m:fPr>
-                              <m:ctrlPr>
-                                <a:rPr lang="mr-IN" sz="2400" i="1">
-                                  <a:latin typeface="Cambria Math" panose="02040503050406030204" pitchFamily="18" charset="0"/>
-                                </a:rPr>
-                              </m:ctrlPr>
-                            </m:fPr>
-                            <m:num>
-                              <m:func>
-                                <m:funcPr>
-                                  <m:ctrlPr>
-                                    <a:rPr lang="en-US" sz="2400" i="1">
-                                      <a:latin typeface="Cambria Math" panose="02040503050406030204" pitchFamily="18" charset="0"/>
-                                    </a:rPr>
-                                  </m:ctrlPr>
-                                </m:funcPr>
-                                <m:fName>
-                                  <m:r>
-                                    <m:rPr>
-                                      <m:sty m:val="p"/>
-                                    </m:rPr>
-                                    <a:rPr lang="en-US" sz="2400">
-                                      <a:latin typeface="Cambria Math" panose="02040503050406030204" pitchFamily="18" charset="0"/>
-                                    </a:rPr>
-                                    <m:t>exp</m:t>
-                                  </m:r>
-                                </m:fName>
-                                <m:e>
-                                  <m:d>
-                                    <m:dPr>
-                                      <m:ctrlPr>
-                                        <a:rPr lang="mr-IN" sz="2400" i="1">
-                                          <a:latin typeface="Cambria Math" panose="02040503050406030204" pitchFamily="18" charset="0"/>
-                                        </a:rPr>
-                                      </m:ctrlPr>
-                                    </m:dPr>
-                                    <m:e>
-                                      <m:r>
-                                        <a:rPr lang="en-US" sz="2400" i="1">
-                                          <a:latin typeface="Cambria Math" panose="02040503050406030204" pitchFamily="18" charset="0"/>
-                                        </a:rPr>
-                                        <m:t>−</m:t>
-                                      </m:r>
-                                      <m:f>
-                                        <m:fPr>
-                                          <m:ctrlPr>
-                                            <a:rPr lang="en-US" sz="2400" i="1" smtClean="0">
-                                              <a:latin typeface="Cambria Math" panose="02040503050406030204" pitchFamily="18" charset="0"/>
-                                            </a:rPr>
-                                          </m:ctrlPr>
-                                        </m:fPr>
-                                        <m:num>
-                                          <m:sSup>
-                                            <m:sSupPr>
-                                              <m:ctrlPr>
-                                                <a:rPr lang="en-US" sz="2400" i="1">
-                                                  <a:latin typeface="Cambria Math" panose="02040503050406030204" pitchFamily="18" charset="0"/>
-                                                </a:rPr>
-                                              </m:ctrlPr>
-                                            </m:sSupPr>
-                                            <m:e>
-                                              <m:d>
-                                                <m:dPr>
-                                                  <m:begChr m:val="‖"/>
-                                                  <m:endChr m:val="‖"/>
-                                                  <m:ctrlPr>
-                                                    <a:rPr lang="mr-IN" sz="2400" i="1">
-                                                      <a:latin typeface="Cambria Math" panose="02040503050406030204" pitchFamily="18" charset="0"/>
-                                                    </a:rPr>
-                                                  </m:ctrlPr>
-                                                </m:dPr>
-                                                <m:e>
-                                                  <m:r>
-                                                    <a:rPr lang="en-US" sz="2400" i="1">
-                                                      <a:latin typeface="Cambria Math" panose="02040503050406030204" pitchFamily="18" charset="0"/>
-                                                    </a:rPr>
-                                                    <m:t>𝑟</m:t>
-                                                  </m:r>
-                                                  <m:r>
-                                                    <a:rPr lang="en-US" sz="2400" i="1">
-                                                      <a:latin typeface="Cambria Math" charset="0"/>
-                                                    </a:rPr>
-                                                    <m:t>−</m:t>
-                                                  </m:r>
-                                                  <m:sSub>
-                                                    <m:sSubPr>
-                                                      <m:ctrlPr>
-                                                        <a:rPr lang="en-US" sz="2400" i="1">
-                                                          <a:latin typeface="Cambria Math" panose="02040503050406030204" pitchFamily="18" charset="0"/>
-                                                        </a:rPr>
-                                                      </m:ctrlPr>
-                                                    </m:sSubPr>
-                                                    <m:e>
-                                                      <m:r>
-                                                        <a:rPr lang="en-US" sz="2400" i="1">
-                                                          <a:latin typeface="Cambria Math" panose="02040503050406030204" pitchFamily="18" charset="0"/>
-                                                        </a:rPr>
-                                                        <m:t>𝑟</m:t>
-                                                      </m:r>
-                                                    </m:e>
-                                                    <m:sub>
-                                                      <m:r>
-                                                        <a:rPr lang="en-US" sz="2400" i="1">
-                                                          <a:latin typeface="Cambria Math" charset="0"/>
-                                                        </a:rPr>
-                                                        <m:t>𝑖𝑗</m:t>
-                                                      </m:r>
-                                                    </m:sub>
-                                                  </m:sSub>
-                                                </m:e>
-                                              </m:d>
-                                            </m:e>
-                                            <m:sup>
-                                              <m:r>
-                                                <a:rPr lang="en-US" sz="2400" i="1">
-                                                  <a:latin typeface="Cambria Math" panose="02040503050406030204" pitchFamily="18" charset="0"/>
-                                                </a:rPr>
-                                                <m:t>2</m:t>
-                                              </m:r>
-                                            </m:sup>
-                                          </m:sSup>
-                                        </m:num>
-                                        <m:den>
-                                          <m:r>
-                                            <a:rPr lang="en-US" sz="2400" i="1">
-                                              <a:latin typeface="Cambria Math" panose="02040503050406030204" pitchFamily="18" charset="0"/>
-                                            </a:rPr>
-                                            <m:t>2</m:t>
-                                          </m:r>
-                                          <m:sSup>
-                                            <m:sSupPr>
-                                              <m:ctrlPr>
-                                                <a:rPr lang="en-US" sz="2400" i="1">
-                                                  <a:latin typeface="Cambria Math" panose="02040503050406030204" pitchFamily="18" charset="0"/>
-                                                </a:rPr>
-                                              </m:ctrlPr>
-                                            </m:sSupPr>
-                                            <m:e>
-                                              <m:r>
-                                                <a:rPr lang="en-US" sz="2400" i="1">
-                                                  <a:latin typeface="Cambria Math" panose="02040503050406030204" pitchFamily="18" charset="0"/>
-                                                </a:rPr>
-                                                <m:t>𝑙</m:t>
-                                              </m:r>
-                                            </m:e>
-                                            <m:sup>
-                                              <m:r>
-                                                <a:rPr lang="en-US" sz="2400" i="1">
-                                                  <a:latin typeface="Cambria Math" panose="02040503050406030204" pitchFamily="18" charset="0"/>
-                                                </a:rPr>
-                                                <m:t>2</m:t>
-                                              </m:r>
-                                            </m:sup>
-                                          </m:sSup>
-                                        </m:den>
-                                      </m:f>
-                                    </m:e>
-                                  </m:d>
-                                </m:e>
-                              </m:func>
-                            </m:num>
-                            <m:den>
-                              <m:sSubSup>
-                                <m:sSubSupPr>
-                                  <m:ctrlPr>
-                                    <a:rPr lang="en-US" sz="2400" i="1">
-                                      <a:latin typeface="Cambria Math" panose="02040503050406030204" pitchFamily="18" charset="0"/>
                                     </a:rPr>
                                   </m:ctrlPr>
                                 </m:sSubSupPr>
@@ -10565,7 +9997,7 @@
             <p:spPr>
               <a:xfrm>
                 <a:off x="838200" y="2265532"/>
-                <a:ext cx="4769062" cy="1501437"/>
+                <a:ext cx="4789901" cy="1538563"/>
               </a:xfrm>
               <a:prstGeom prst="rect">
                 <a:avLst/>
@@ -10573,7 +10005,7 @@
               <a:blipFill>
                 <a:blip r:embed="rId2"/>
                 <a:stretch>
-                  <a:fillRect t="-55000" b="-114167"/>
+                  <a:fillRect t="-53659" b="-108943"/>
                 </a:stretch>
               </a:blipFill>
             </p:spPr>
@@ -10594,13 +10026,7 @@
       </mc:AlternateContent>
       <p:pic>
         <p:nvPicPr>
-          <p:cNvPr id="9" name="Picture 8">
-            <a:extLst>
-              <a:ext uri="{FF2B5EF4-FFF2-40B4-BE49-F238E27FC236}">
-                <a16:creationId xmlns:a16="http://schemas.microsoft.com/office/drawing/2014/main" id="{BF15BAE1-504B-B046-921C-435331A07A32}"/>
-              </a:ext>
-            </a:extLst>
-          </p:cNvPr>
+          <p:cNvPr id="5" name="Picture 4"/>
           <p:cNvPicPr>
             <a:picLocks noChangeAspect="1"/>
           </p:cNvPicPr>
@@ -10620,6 +10046,577 @@
         </p:blipFill>
         <p:spPr>
           <a:xfrm>
+            <a:off x="197853" y="138764"/>
+            <a:ext cx="1236312" cy="259626"/>
+          </a:xfrm>
+          <a:prstGeom prst="rect">
+            <a:avLst/>
+          </a:prstGeom>
+        </p:spPr>
+      </p:pic>
+    </p:spTree>
+    <p:extLst>
+      <p:ext uri="{BB962C8B-B14F-4D97-AF65-F5344CB8AC3E}">
+        <p14:creationId xmlns:p14="http://schemas.microsoft.com/office/powerpoint/2010/main" val="1435765690"/>
+      </p:ext>
+    </p:extLst>
+  </p:cSld>
+  <p:clrMapOvr>
+    <a:masterClrMapping/>
+  </p:clrMapOvr>
+</p:sld>
+</file>
+
+<file path=ppt/slides/slide17.xml><?xml version="1.0" encoding="utf-8"?>
+<p:sld xmlns:a="http://schemas.openxmlformats.org/drawingml/2006/main" xmlns:r="http://schemas.openxmlformats.org/officeDocument/2006/relationships" xmlns:p="http://schemas.openxmlformats.org/presentationml/2006/main">
+  <p:cSld>
+    <p:spTree>
+      <p:nvGrpSpPr>
+        <p:cNvPr id="1" name=""/>
+        <p:cNvGrpSpPr/>
+        <p:nvPr/>
+      </p:nvGrpSpPr>
+      <p:grpSpPr>
+        <a:xfrm>
+          <a:off x="0" y="0"/>
+          <a:ext cx="0" cy="0"/>
+          <a:chOff x="0" y="0"/>
+          <a:chExt cx="0" cy="0"/>
+        </a:xfrm>
+      </p:grpSpPr>
+      <p:sp>
+        <p:nvSpPr>
+          <p:cNvPr id="2" name="Title 1"/>
+          <p:cNvSpPr>
+            <a:spLocks noGrp="1"/>
+          </p:cNvSpPr>
+          <p:nvPr>
+            <p:ph type="title"/>
+          </p:nvPr>
+        </p:nvSpPr>
+        <p:spPr/>
+        <p:txBody>
+          <a:bodyPr/>
+          <a:lstStyle/>
+          <a:p>
+            <a:r>
+              <a:rPr lang="en-US" dirty="0"/>
+              <a:t>Descriptors</a:t>
+            </a:r>
+            <a:endParaRPr lang="en-US" dirty="0"/>
+          </a:p>
+        </p:txBody>
+      </p:sp>
+      <p:sp>
+        <p:nvSpPr>
+          <p:cNvPr id="7" name="Rectangle 6">
+            <a:extLst>
+              <a:ext uri="{FF2B5EF4-FFF2-40B4-BE49-F238E27FC236}">
+                <a16:creationId xmlns:a16="http://schemas.microsoft.com/office/drawing/2014/main" xmlns="" id="{934568A6-9E16-1747-BBDA-DDABE1317ABF}"/>
+              </a:ext>
+            </a:extLst>
+          </p:cNvPr>
+          <p:cNvSpPr/>
+          <p:nvPr/>
+        </p:nvSpPr>
+        <p:spPr>
+          <a:xfrm>
+            <a:off x="838200" y="1690688"/>
+            <a:ext cx="4008790" cy="461665"/>
+          </a:xfrm>
+          <a:prstGeom prst="rect">
+            <a:avLst/>
+          </a:prstGeom>
+        </p:spPr>
+        <p:txBody>
+          <a:bodyPr wrap="none">
+            <a:spAutoFit/>
+          </a:bodyPr>
+          <a:lstStyle/>
+          <a:p>
+            <a:r>
+              <a:rPr lang="en-US" sz="2400" dirty="0"/>
+              <a:t>Example 2 </a:t>
+            </a:r>
+            <a:r>
+              <a:rPr lang="mr-IN" sz="2400" dirty="0"/>
+              <a:t>–</a:t>
+            </a:r>
+            <a:r>
+              <a:rPr lang="en-US" sz="2400" dirty="0"/>
+              <a:t> </a:t>
+            </a:r>
+            <a:r>
+              <a:rPr lang="en-US" sz="2400" b="1" i="1" dirty="0" err="1"/>
+              <a:t>Oganov</a:t>
+            </a:r>
+            <a:r>
+              <a:rPr lang="en-US" sz="2400" b="1" i="1" dirty="0"/>
+              <a:t> and Valle</a:t>
+            </a:r>
+            <a:endParaRPr lang="en-US" sz="2400" dirty="0"/>
+          </a:p>
+        </p:txBody>
+      </p:sp>
+      <mc:AlternateContent xmlns:mc="http://schemas.openxmlformats.org/markup-compatibility/2006">
+        <mc:Choice xmlns:a14="http://schemas.microsoft.com/office/drawing/2010/main" Requires="a14">
+          <p:sp>
+            <p:nvSpPr>
+              <p:cNvPr id="8" name="Rectangle 7">
+                <a:extLst>
+                  <a:ext uri="{FF2B5EF4-FFF2-40B4-BE49-F238E27FC236}">
+                    <a16:creationId xmlns:a16="http://schemas.microsoft.com/office/drawing/2014/main" xmlns="" id="{414104F3-916E-8442-8B11-CE399A765C44}"/>
+                  </a:ext>
+                </a:extLst>
+              </p:cNvPr>
+              <p:cNvSpPr/>
+              <p:nvPr/>
+            </p:nvSpPr>
+            <p:spPr>
+              <a:xfrm>
+                <a:off x="838200" y="2265532"/>
+                <a:ext cx="4794711" cy="1538563"/>
+              </a:xfrm>
+              <a:prstGeom prst="rect">
+                <a:avLst/>
+              </a:prstGeom>
+            </p:spPr>
+            <p:txBody>
+              <a:bodyPr wrap="none">
+                <a:spAutoFit/>
+              </a:bodyPr>
+              <a:lstStyle/>
+              <a:p>
+                <a:pPr/>
+                <a14:m>
+                  <m:oMathPara xmlns:m="http://schemas.openxmlformats.org/officeDocument/2006/math">
+                    <m:oMathParaPr>
+                      <m:jc m:val="centerGroup"/>
+                    </m:oMathParaPr>
+                    <m:oMath xmlns:m="http://schemas.openxmlformats.org/officeDocument/2006/math">
+                      <m:sSub>
+                        <m:sSubPr>
+                          <m:ctrlPr>
+                            <a:rPr lang="en-US" sz="2400" i="1" smtClean="0">
+                              <a:latin typeface="Cambria Math" charset="0"/>
+                            </a:rPr>
+                          </m:ctrlPr>
+                        </m:sSubPr>
+                        <m:e>
+                          <m:r>
+                            <a:rPr lang="en-US" sz="2400" i="1">
+                              <a:latin typeface="Cambria Math" charset="0"/>
+                            </a:rPr>
+                            <m:t>𝐹</m:t>
+                          </m:r>
+                        </m:e>
+                        <m:sub>
+                          <m:r>
+                            <a:rPr lang="en-US" sz="2400" i="1">
+                              <a:latin typeface="Cambria Math" charset="0"/>
+                            </a:rPr>
+                            <m:t>𝐴</m:t>
+                          </m:r>
+                          <m:r>
+                            <a:rPr lang="en-US" sz="2400" i="1">
+                              <a:latin typeface="Cambria Math" charset="0"/>
+                            </a:rPr>
+                            <m:t>,</m:t>
+                          </m:r>
+                          <m:r>
+                            <a:rPr lang="en-US" sz="2400" i="1">
+                              <a:latin typeface="Cambria Math" charset="0"/>
+                            </a:rPr>
+                            <m:t>𝐵</m:t>
+                          </m:r>
+                        </m:sub>
+                      </m:sSub>
+                      <m:d>
+                        <m:dPr>
+                          <m:ctrlPr>
+                            <a:rPr lang="en-US" sz="2400" i="1">
+                              <a:latin typeface="Cambria Math" charset="0"/>
+                            </a:rPr>
+                          </m:ctrlPr>
+                        </m:dPr>
+                        <m:e>
+                          <m:r>
+                            <a:rPr lang="en-US" sz="2400" b="0" i="1" smtClean="0">
+                              <a:latin typeface="Cambria Math" panose="02040503050406030204" pitchFamily="18" charset="0"/>
+                            </a:rPr>
+                            <m:t>𝑟</m:t>
+                          </m:r>
+                        </m:e>
+                      </m:d>
+                      <m:r>
+                        <a:rPr lang="en-US" sz="2400" i="1">
+                          <a:latin typeface="Cambria Math" panose="02040503050406030204" pitchFamily="18" charset="0"/>
+                        </a:rPr>
+                        <m:t>  ∝ </m:t>
+                      </m:r>
+                      <m:nary>
+                        <m:naryPr>
+                          <m:chr m:val="∑"/>
+                          <m:supHide m:val="on"/>
+                          <m:ctrlPr>
+                            <a:rPr lang="en-US" sz="2400" i="1">
+                              <a:latin typeface="Cambria Math" charset="0"/>
+                            </a:rPr>
+                          </m:ctrlPr>
+                        </m:naryPr>
+                        <m:sub>
+                          <m:sSub>
+                            <m:sSubPr>
+                              <m:ctrlPr>
+                                <a:rPr lang="en-US" sz="2400" i="1">
+                                  <a:latin typeface="Cambria Math" charset="0"/>
+                                </a:rPr>
+                              </m:ctrlPr>
+                            </m:sSubPr>
+                            <m:e>
+                              <m:r>
+                                <m:rPr>
+                                  <m:brk m:alnAt="7"/>
+                                </m:rPr>
+                                <a:rPr lang="en-US" sz="2400" i="1">
+                                  <a:latin typeface="Cambria Math" charset="0"/>
+                                </a:rPr>
+                                <m:t>𝐴</m:t>
+                              </m:r>
+                            </m:e>
+                            <m:sub>
+                              <m:r>
+                                <m:rPr>
+                                  <m:brk m:alnAt="7"/>
+                                </m:rPr>
+                                <a:rPr lang="en-US" sz="2400" i="1">
+                                  <a:latin typeface="Cambria Math" charset="0"/>
+                                </a:rPr>
+                                <m:t>𝑖</m:t>
+                              </m:r>
+                            </m:sub>
+                          </m:sSub>
+                          <m:r>
+                            <m:rPr>
+                              <m:brk m:alnAt="7"/>
+                            </m:rPr>
+                            <a:rPr lang="en-US" sz="2400" i="1">
+                              <a:latin typeface="Cambria Math" charset="0"/>
+                            </a:rPr>
+                            <m:t>,</m:t>
+                          </m:r>
+                          <m:sSub>
+                            <m:sSubPr>
+                              <m:ctrlPr>
+                                <a:rPr lang="en-US" sz="2400" i="1">
+                                  <a:latin typeface="Cambria Math" charset="0"/>
+                                </a:rPr>
+                              </m:ctrlPr>
+                            </m:sSubPr>
+                            <m:e>
+                              <m:r>
+                                <m:rPr>
+                                  <m:brk m:alnAt="7"/>
+                                </m:rPr>
+                                <a:rPr lang="en-US" sz="2400" i="1">
+                                  <a:latin typeface="Cambria Math" charset="0"/>
+                                </a:rPr>
+                                <m:t>𝐵</m:t>
+                              </m:r>
+                            </m:e>
+                            <m:sub>
+                              <m:r>
+                                <a:rPr lang="en-US" sz="2400" b="0" i="1" smtClean="0">
+                                  <a:latin typeface="Cambria Math" charset="0"/>
+                                </a:rPr>
+                                <m:t>𝑗</m:t>
+                              </m:r>
+                            </m:sub>
+                          </m:sSub>
+                        </m:sub>
+                        <m:sup/>
+                        <m:e>
+                          <m:f>
+                            <m:fPr>
+                              <m:ctrlPr>
+                                <a:rPr lang="mr-IN" sz="2400" i="1">
+                                  <a:latin typeface="Cambria Math" charset="0"/>
+                                </a:rPr>
+                              </m:ctrlPr>
+                            </m:fPr>
+                            <m:num>
+                              <m:func>
+                                <m:funcPr>
+                                  <m:ctrlPr>
+                                    <a:rPr lang="en-US" sz="2400" i="1">
+                                      <a:latin typeface="Cambria Math" charset="0"/>
+                                    </a:rPr>
+                                  </m:ctrlPr>
+                                </m:funcPr>
+                                <m:fName>
+                                  <m:r>
+                                    <m:rPr>
+                                      <m:sty m:val="p"/>
+                                    </m:rPr>
+                                    <a:rPr lang="en-US" sz="2400">
+                                      <a:latin typeface="Cambria Math" panose="02040503050406030204" pitchFamily="18" charset="0"/>
+                                    </a:rPr>
+                                    <m:t>exp</m:t>
+                                  </m:r>
+                                </m:fName>
+                                <m:e>
+                                  <m:d>
+                                    <m:dPr>
+                                      <m:ctrlPr>
+                                        <a:rPr lang="mr-IN" sz="2400" i="1">
+                                          <a:latin typeface="Cambria Math" charset="0"/>
+                                        </a:rPr>
+                                      </m:ctrlPr>
+                                    </m:dPr>
+                                    <m:e>
+                                      <m:r>
+                                        <a:rPr lang="en-US" sz="2400" i="1">
+                                          <a:latin typeface="Cambria Math" panose="02040503050406030204" pitchFamily="18" charset="0"/>
+                                        </a:rPr>
+                                        <m:t>−</m:t>
+                                      </m:r>
+                                      <m:f>
+                                        <m:fPr>
+                                          <m:ctrlPr>
+                                            <a:rPr lang="en-US" sz="2400" i="1" smtClean="0">
+                                              <a:latin typeface="Cambria Math" charset="0"/>
+                                            </a:rPr>
+                                          </m:ctrlPr>
+                                        </m:fPr>
+                                        <m:num>
+                                          <m:sSup>
+                                            <m:sSupPr>
+                                              <m:ctrlPr>
+                                                <a:rPr lang="en-US" sz="2400" i="1">
+                                                  <a:latin typeface="Cambria Math" charset="0"/>
+                                                </a:rPr>
+                                              </m:ctrlPr>
+                                            </m:sSupPr>
+                                            <m:e>
+                                              <m:d>
+                                                <m:dPr>
+                                                  <m:begChr m:val="‖"/>
+                                                  <m:endChr m:val="‖"/>
+                                                  <m:ctrlPr>
+                                                    <a:rPr lang="mr-IN" sz="2400" i="1">
+                                                      <a:latin typeface="Cambria Math" charset="0"/>
+                                                    </a:rPr>
+                                                  </m:ctrlPr>
+                                                </m:dPr>
+                                                <m:e>
+                                                  <m:r>
+                                                    <a:rPr lang="en-US" sz="2400" i="1">
+                                                      <a:latin typeface="Cambria Math" panose="02040503050406030204" pitchFamily="18" charset="0"/>
+                                                    </a:rPr>
+                                                    <m:t>𝑟</m:t>
+                                                  </m:r>
+                                                  <m:r>
+                                                    <a:rPr lang="en-US" sz="2400" i="1">
+                                                      <a:latin typeface="Cambria Math" charset="0"/>
+                                                    </a:rPr>
+                                                    <m:t>−</m:t>
+                                                  </m:r>
+                                                  <m:sSub>
+                                                    <m:sSubPr>
+                                                      <m:ctrlPr>
+                                                        <a:rPr lang="en-US" sz="2400" i="1">
+                                                          <a:latin typeface="Cambria Math" charset="0"/>
+                                                        </a:rPr>
+                                                      </m:ctrlPr>
+                                                    </m:sSubPr>
+                                                    <m:e>
+                                                      <m:r>
+                                                        <a:rPr lang="en-US" sz="2400" i="1">
+                                                          <a:latin typeface="Cambria Math" panose="02040503050406030204" pitchFamily="18" charset="0"/>
+                                                        </a:rPr>
+                                                        <m:t>𝑟</m:t>
+                                                      </m:r>
+                                                    </m:e>
+                                                    <m:sub>
+                                                      <m:r>
+                                                        <a:rPr lang="en-US" sz="2400" i="1">
+                                                          <a:latin typeface="Cambria Math" charset="0"/>
+                                                        </a:rPr>
+                                                        <m:t>𝑖𝑗</m:t>
+                                                      </m:r>
+                                                    </m:sub>
+                                                  </m:sSub>
+                                                </m:e>
+                                              </m:d>
+                                            </m:e>
+                                            <m:sup>
+                                              <m:r>
+                                                <a:rPr lang="en-US" sz="2400" i="1">
+                                                  <a:latin typeface="Cambria Math" panose="02040503050406030204" pitchFamily="18" charset="0"/>
+                                                </a:rPr>
+                                                <m:t>2</m:t>
+                                              </m:r>
+                                            </m:sup>
+                                          </m:sSup>
+                                        </m:num>
+                                        <m:den>
+                                          <m:r>
+                                            <a:rPr lang="en-US" sz="2400" i="1">
+                                              <a:latin typeface="Cambria Math" panose="02040503050406030204" pitchFamily="18" charset="0"/>
+                                            </a:rPr>
+                                            <m:t>2</m:t>
+                                          </m:r>
+                                          <m:sSup>
+                                            <m:sSupPr>
+                                              <m:ctrlPr>
+                                                <a:rPr lang="en-US" sz="2400" i="1">
+                                                  <a:latin typeface="Cambria Math" charset="0"/>
+                                                </a:rPr>
+                                              </m:ctrlPr>
+                                            </m:sSupPr>
+                                            <m:e>
+                                              <m:r>
+                                                <a:rPr lang="en-US" sz="2400" i="1">
+                                                  <a:latin typeface="Cambria Math" panose="02040503050406030204" pitchFamily="18" charset="0"/>
+                                                </a:rPr>
+                                                <m:t>𝑙</m:t>
+                                              </m:r>
+                                            </m:e>
+                                            <m:sup>
+                                              <m:r>
+                                                <a:rPr lang="en-US" sz="2400" i="1">
+                                                  <a:latin typeface="Cambria Math" panose="02040503050406030204" pitchFamily="18" charset="0"/>
+                                                </a:rPr>
+                                                <m:t>2</m:t>
+                                              </m:r>
+                                            </m:sup>
+                                          </m:sSup>
+                                        </m:den>
+                                      </m:f>
+                                    </m:e>
+                                  </m:d>
+                                </m:e>
+                              </m:func>
+                            </m:num>
+                            <m:den>
+                              <m:sSubSup>
+                                <m:sSubSupPr>
+                                  <m:ctrlPr>
+                                    <a:rPr lang="en-US" sz="2400" i="1">
+                                      <a:latin typeface="Cambria Math" charset="0"/>
+                                    </a:rPr>
+                                  </m:ctrlPr>
+                                </m:sSubSupPr>
+                                <m:e>
+                                  <m:r>
+                                    <a:rPr lang="en-US" sz="2400" b="0" i="1" smtClean="0">
+                                      <a:latin typeface="Cambria Math" panose="02040503050406030204" pitchFamily="18" charset="0"/>
+                                    </a:rPr>
+                                    <m:t>𝑟</m:t>
+                                  </m:r>
+                                </m:e>
+                                <m:sub>
+                                  <m:r>
+                                    <a:rPr lang="en-US" sz="2400" i="1">
+                                      <a:latin typeface="Cambria Math" charset="0"/>
+                                    </a:rPr>
+                                    <m:t>𝑖𝑗</m:t>
+                                  </m:r>
+                                </m:sub>
+                                <m:sup>
+                                  <m:r>
+                                    <a:rPr lang="en-US" sz="2400" i="1">
+                                      <a:latin typeface="Cambria Math" charset="0"/>
+                                    </a:rPr>
+                                    <m:t>2</m:t>
+                                  </m:r>
+                                </m:sup>
+                              </m:sSubSup>
+                            </m:den>
+                          </m:f>
+                        </m:e>
+                      </m:nary>
+                    </m:oMath>
+                  </m:oMathPara>
+                </a14:m>
+                <a:endParaRPr lang="da-DK" sz="2400" dirty="0"/>
+              </a:p>
+            </p:txBody>
+          </p:sp>
+        </mc:Choice>
+        <mc:Fallback>
+          <p:sp>
+            <p:nvSpPr>
+              <p:cNvPr id="8" name="Rectangle 7">
+                <a:extLst>
+                  <a:ext uri="{FF2B5EF4-FFF2-40B4-BE49-F238E27FC236}">
+                    <a16:creationId xmlns:a16="http://schemas.microsoft.com/office/drawing/2014/main" xmlns:a14="http://schemas.microsoft.com/office/drawing/2010/main" xmlns="" id="{414104F3-916E-8442-8B11-CE399A765C44}"/>
+                  </a:ext>
+                </a:extLst>
+              </p:cNvPr>
+              <p:cNvSpPr>
+                <a:spLocks noRot="1" noChangeAspect="1" noMove="1" noResize="1" noEditPoints="1" noAdjustHandles="1" noChangeArrowheads="1" noChangeShapeType="1" noTextEdit="1"/>
+              </p:cNvSpPr>
+              <p:nvPr/>
+            </p:nvSpPr>
+            <p:spPr>
+              <a:xfrm>
+                <a:off x="838200" y="2265532"/>
+                <a:ext cx="4794711" cy="1538563"/>
+              </a:xfrm>
+              <a:prstGeom prst="rect">
+                <a:avLst/>
+              </a:prstGeom>
+              <a:blipFill rotWithShape="0">
+                <a:blip r:embed="rId2"/>
+                <a:stretch>
+                  <a:fillRect/>
+                </a:stretch>
+              </a:blipFill>
+            </p:spPr>
+            <p:txBody>
+              <a:bodyPr/>
+              <a:lstStyle/>
+              <a:p>
+                <a:r>
+                  <a:rPr lang="en-US">
+                    <a:noFill/>
+                  </a:rPr>
+                  <a:t> </a:t>
+                </a:r>
+              </a:p>
+            </p:txBody>
+          </p:sp>
+        </mc:Fallback>
+      </mc:AlternateContent>
+      <p:pic>
+        <p:nvPicPr>
+          <p:cNvPr id="9" name="Picture 8">
+            <a:extLst>
+              <a:ext uri="{FF2B5EF4-FFF2-40B4-BE49-F238E27FC236}">
+                <a16:creationId xmlns:a16="http://schemas.microsoft.com/office/drawing/2014/main" xmlns="" id="{BF15BAE1-504B-B046-921C-435331A07A32}"/>
+              </a:ext>
+            </a:extLst>
+          </p:cNvPr>
+          <p:cNvPicPr>
+            <a:picLocks noChangeAspect="1"/>
+          </p:cNvPicPr>
+          <p:nvPr/>
+        </p:nvPicPr>
+        <p:blipFill>
+          <a:blip r:embed="rId3">
+            <a:extLst>
+              <a:ext uri="{28A0092B-C50C-407E-A947-70E740481C1C}">
+                <a14:useLocalDpi xmlns:a14="http://schemas.microsoft.com/office/drawing/2010/main" val="0"/>
+              </a:ext>
+            </a:extLst>
+          </a:blip>
+          <a:stretch>
+            <a:fillRect/>
+          </a:stretch>
+        </p:blipFill>
+        <p:spPr>
+          <a:xfrm>
             <a:off x="2017162" y="4341813"/>
             <a:ext cx="1828800" cy="1828800"/>
           </a:xfrm>
@@ -10633,7 +10630,7 @@
           <p:cNvPr id="10" name="Right Arrow 9">
             <a:extLst>
               <a:ext uri="{FF2B5EF4-FFF2-40B4-BE49-F238E27FC236}">
-                <a16:creationId xmlns:a16="http://schemas.microsoft.com/office/drawing/2014/main" id="{94C9DDF9-4503-204A-9DCF-BF98426053C9}"/>
+                <a16:creationId xmlns:a16="http://schemas.microsoft.com/office/drawing/2014/main" xmlns="" id="{94C9DDF9-4503-204A-9DCF-BF98426053C9}"/>
               </a:ext>
             </a:extLst>
           </p:cNvPr>
@@ -10679,7 +10676,7 @@
           <p:cNvPr id="17" name="Picture 16">
             <a:extLst>
               <a:ext uri="{FF2B5EF4-FFF2-40B4-BE49-F238E27FC236}">
-                <a16:creationId xmlns:a16="http://schemas.microsoft.com/office/drawing/2014/main" id="{8E28E06C-9213-0149-B35F-F9E2CDA8F14E}"/>
+                <a16:creationId xmlns:a16="http://schemas.microsoft.com/office/drawing/2014/main" xmlns="" id="{8E28E06C-9213-0149-B35F-F9E2CDA8F14E}"/>
               </a:ext>
             </a:extLst>
           </p:cNvPr>
@@ -10711,7 +10708,7 @@
               <p:cNvPr id="18" name="TextBox 17">
                 <a:extLst>
                   <a:ext uri="{FF2B5EF4-FFF2-40B4-BE49-F238E27FC236}">
-                    <a16:creationId xmlns:a16="http://schemas.microsoft.com/office/drawing/2014/main" id="{117860C4-3676-DC44-A99C-860D7396926F}"/>
+                    <a16:creationId xmlns:a16="http://schemas.microsoft.com/office/drawing/2014/main" xmlns="" id="{117860C4-3676-DC44-A99C-860D7396926F}"/>
                   </a:ext>
                 </a:extLst>
               </p:cNvPr>
@@ -10745,7 +10742,7 @@
                         <m:sSubPr>
                           <m:ctrlPr>
                             <a:rPr lang="en-US" sz="2400" b="0" i="1" smtClean="0">
-                              <a:latin typeface="Cambria Math" panose="02040503050406030204" pitchFamily="18" charset="0"/>
+                              <a:latin typeface="Cambria Math" charset="0"/>
                             </a:rPr>
                           </m:ctrlPr>
                         </m:sSubPr>
@@ -10824,7 +10821,7 @@
           <p:cNvPr id="19" name="TextBox 18">
             <a:extLst>
               <a:ext uri="{FF2B5EF4-FFF2-40B4-BE49-F238E27FC236}">
-                <a16:creationId xmlns:a16="http://schemas.microsoft.com/office/drawing/2014/main" id="{514039CA-F3C8-4341-A3F5-EF57A95433DF}"/>
+                <a16:creationId xmlns:a16="http://schemas.microsoft.com/office/drawing/2014/main" xmlns="" id="{514039CA-F3C8-4341-A3F5-EF57A95433DF}"/>
               </a:ext>
             </a:extLst>
           </p:cNvPr>
@@ -10936,8 +10933,9 @@
           <a:p>
             <a:r>
               <a:rPr lang="en-US" dirty="0"/>
-              <a:t>Features</a:t>
+              <a:t>Descriptors</a:t>
             </a:r>
+            <a:endParaRPr lang="en-US" dirty="0"/>
           </a:p>
         </p:txBody>
       </p:sp>
@@ -10946,7 +10944,7 @@
           <p:cNvPr id="7" name="Rectangle 6">
             <a:extLst>
               <a:ext uri="{FF2B5EF4-FFF2-40B4-BE49-F238E27FC236}">
-                <a16:creationId xmlns:a16="http://schemas.microsoft.com/office/drawing/2014/main" id="{934568A6-9E16-1747-BBDA-DDABE1317ABF}"/>
+                <a16:creationId xmlns:a16="http://schemas.microsoft.com/office/drawing/2014/main" xmlns="" id="{934568A6-9E16-1747-BBDA-DDABE1317ABF}"/>
               </a:ext>
             </a:extLst>
           </p:cNvPr>
@@ -10992,14 +10990,14 @@
           </a:p>
         </p:txBody>
       </p:sp>
-      <mc:AlternateContent xmlns:mc="http://schemas.openxmlformats.org/markup-compatibility/2006" xmlns:a14="http://schemas.microsoft.com/office/drawing/2010/main">
-        <mc:Choice Requires="a14">
+      <mc:AlternateContent xmlns:mc="http://schemas.openxmlformats.org/markup-compatibility/2006">
+        <mc:Choice xmlns:a14="http://schemas.microsoft.com/office/drawing/2010/main" Requires="a14">
           <p:sp>
             <p:nvSpPr>
               <p:cNvPr id="8" name="Rectangle 7">
                 <a:extLst>
                   <a:ext uri="{FF2B5EF4-FFF2-40B4-BE49-F238E27FC236}">
-                    <a16:creationId xmlns:a16="http://schemas.microsoft.com/office/drawing/2014/main" id="{414104F3-916E-8442-8B11-CE399A765C44}"/>
+                    <a16:creationId xmlns:a16="http://schemas.microsoft.com/office/drawing/2014/main" xmlns="" id="{414104F3-916E-8442-8B11-CE399A765C44}"/>
                   </a:ext>
                 </a:extLst>
               </p:cNvPr>
@@ -11009,7 +11007,7 @@
             <p:spPr>
               <a:xfrm>
                 <a:off x="838200" y="2265532"/>
-                <a:ext cx="4769062" cy="1501437"/>
+                <a:ext cx="4794711" cy="1538563"/>
               </a:xfrm>
               <a:prstGeom prst="rect">
                 <a:avLst/>
@@ -11032,7 +11030,7 @@
                         <m:sSubPr>
                           <m:ctrlPr>
                             <a:rPr lang="en-US" sz="2400" i="1" smtClean="0">
-                              <a:latin typeface="Cambria Math" panose="02040503050406030204" pitchFamily="18" charset="0"/>
+                              <a:latin typeface="Cambria Math" charset="0"/>
                             </a:rPr>
                           </m:ctrlPr>
                         </m:sSubPr>
@@ -11069,7 +11067,7 @@
                         <m:dPr>
                           <m:ctrlPr>
                             <a:rPr lang="en-US" sz="2400" i="1">
-                              <a:latin typeface="Cambria Math" panose="02040503050406030204" pitchFamily="18" charset="0"/>
+                              <a:latin typeface="Cambria Math" charset="0"/>
                             </a:rPr>
                           </m:ctrlPr>
                         </m:dPr>
@@ -11094,7 +11092,7 @@
                           <m:supHide m:val="on"/>
                           <m:ctrlPr>
                             <a:rPr lang="en-US" sz="2400" i="1">
-                              <a:latin typeface="Cambria Math" panose="02040503050406030204" pitchFamily="18" charset="0"/>
+                              <a:latin typeface="Cambria Math" charset="0"/>
                             </a:rPr>
                           </m:ctrlPr>
                         </m:naryPr>
@@ -11103,7 +11101,7 @@
                             <m:sSubPr>
                               <m:ctrlPr>
                                 <a:rPr lang="en-US" sz="2400" i="1">
-                                  <a:latin typeface="Cambria Math" panose="02040503050406030204" pitchFamily="18" charset="0"/>
+                                  <a:latin typeface="Cambria Math" charset="0"/>
                                 </a:rPr>
                               </m:ctrlPr>
                             </m:sSubPr>
@@ -11143,7 +11141,7 @@
                             <m:sSubPr>
                               <m:ctrlPr>
                                 <a:rPr lang="en-US" sz="2400" i="1">
-                                  <a:latin typeface="Cambria Math" panose="02040503050406030204" pitchFamily="18" charset="0"/>
+                                  <a:latin typeface="Cambria Math" charset="0"/>
                                 </a:rPr>
                               </m:ctrlPr>
                             </m:sSubPr>
@@ -11160,13 +11158,10 @@
                             </m:e>
                             <m:sub>
                               <m:r>
-                                <m:rPr>
-                                  <m:brk m:alnAt="7"/>
-                                </m:rPr>
-                                <a:rPr lang="en-US" sz="2400" i="1">
+                                <a:rPr lang="en-US" sz="2400" b="0" i="1" smtClean="0">
                                   <a:latin typeface="Cambria Math" charset="0"/>
                                 </a:rPr>
-                                <m:t>𝑖</m:t>
+                                <m:t>𝑗</m:t>
                               </m:r>
                             </m:sub>
                           </m:sSub>
@@ -11177,7 +11172,7 @@
                             <m:fPr>
                               <m:ctrlPr>
                                 <a:rPr lang="mr-IN" sz="2400" i="1">
-                                  <a:latin typeface="Cambria Math" panose="02040503050406030204" pitchFamily="18" charset="0"/>
+                                  <a:latin typeface="Cambria Math" charset="0"/>
                                 </a:rPr>
                               </m:ctrlPr>
                             </m:fPr>
@@ -11186,7 +11181,7 @@
                                 <m:funcPr>
                                   <m:ctrlPr>
                                     <a:rPr lang="en-US" sz="2400" i="1">
-                                      <a:latin typeface="Cambria Math" panose="02040503050406030204" pitchFamily="18" charset="0"/>
+                                      <a:latin typeface="Cambria Math" charset="0"/>
                                     </a:rPr>
                                   </m:ctrlPr>
                                 </m:funcPr>
@@ -11206,7 +11201,7 @@
                                     <m:dPr>
                                       <m:ctrlPr>
                                         <a:rPr lang="mr-IN" sz="2400" i="1">
-                                          <a:latin typeface="Cambria Math" panose="02040503050406030204" pitchFamily="18" charset="0"/>
+                                          <a:latin typeface="Cambria Math" charset="0"/>
                                         </a:rPr>
                                       </m:ctrlPr>
                                     </m:dPr>
@@ -11221,7 +11216,7 @@
                                         <m:fPr>
                                           <m:ctrlPr>
                                             <a:rPr lang="en-US" sz="2400" i="1" smtClean="0">
-                                              <a:latin typeface="Cambria Math" panose="02040503050406030204" pitchFamily="18" charset="0"/>
+                                              <a:latin typeface="Cambria Math" charset="0"/>
                                             </a:rPr>
                                           </m:ctrlPr>
                                         </m:fPr>
@@ -11230,7 +11225,7 @@
                                             <m:sSupPr>
                                               <m:ctrlPr>
                                                 <a:rPr lang="en-US" sz="2400" i="1">
-                                                  <a:latin typeface="Cambria Math" panose="02040503050406030204" pitchFamily="18" charset="0"/>
+                                                  <a:latin typeface="Cambria Math" charset="0"/>
                                                 </a:rPr>
                                               </m:ctrlPr>
                                             </m:sSupPr>
@@ -11241,7 +11236,7 @@
                                                   <m:endChr m:val="‖"/>
                                                   <m:ctrlPr>
                                                     <a:rPr lang="mr-IN" sz="2400" i="1">
-                                                      <a:latin typeface="Cambria Math" panose="02040503050406030204" pitchFamily="18" charset="0"/>
+                                                      <a:latin typeface="Cambria Math" charset="0"/>
                                                     </a:rPr>
                                                   </m:ctrlPr>
                                                 </m:dPr>
@@ -11262,7 +11257,7 @@
                                                     <m:sSubPr>
                                                       <m:ctrlPr>
                                                         <a:rPr lang="en-US" sz="2400" i="1">
-                                                          <a:latin typeface="Cambria Math" panose="02040503050406030204" pitchFamily="18" charset="0"/>
+                                                          <a:latin typeface="Cambria Math" charset="0"/>
                                                         </a:rPr>
                                                       </m:ctrlPr>
                                                     </m:sSubPr>
@@ -11307,7 +11302,7 @@
                                             <m:sSupPr>
                                               <m:ctrlPr>
                                                 <a:rPr lang="en-US" sz="2400" i="1">
-                                                  <a:latin typeface="Cambria Math" panose="02040503050406030204" pitchFamily="18" charset="0"/>
+                                                  <a:latin typeface="Cambria Math" charset="0"/>
                                                 </a:rPr>
                                               </m:ctrlPr>
                                             </m:sSupPr>
@@ -11340,7 +11335,7 @@
                                 <m:sSubSupPr>
                                   <m:ctrlPr>
                                     <a:rPr lang="en-US" sz="2400" i="1">
-                                      <a:latin typeface="Cambria Math" panose="02040503050406030204" pitchFamily="18" charset="0"/>
+                                      <a:latin typeface="Cambria Math" charset="0"/>
                                     </a:rPr>
                                   </m:ctrlPr>
                                 </m:sSubSupPr>
@@ -11381,13 +11376,13 @@
             </p:txBody>
           </p:sp>
         </mc:Choice>
-        <mc:Fallback xmlns="">
+        <mc:Fallback>
           <p:sp>
             <p:nvSpPr>
               <p:cNvPr id="8" name="Rectangle 7">
                 <a:extLst>
                   <a:ext uri="{FF2B5EF4-FFF2-40B4-BE49-F238E27FC236}">
-                    <a16:creationId xmlns:a16="http://schemas.microsoft.com/office/drawing/2014/main" id="{414104F3-916E-8442-8B11-CE399A765C44}"/>
+                    <a16:creationId xmlns:a16="http://schemas.microsoft.com/office/drawing/2014/main" xmlns:a14="http://schemas.microsoft.com/office/drawing/2010/main" xmlns="" id="{414104F3-916E-8442-8B11-CE399A765C44}"/>
                   </a:ext>
                 </a:extLst>
               </p:cNvPr>
@@ -11399,15 +11394,15 @@
             <p:spPr>
               <a:xfrm>
                 <a:off x="838200" y="2265532"/>
-                <a:ext cx="4769062" cy="1501437"/>
+                <a:ext cx="4794711" cy="1538563"/>
               </a:xfrm>
               <a:prstGeom prst="rect">
                 <a:avLst/>
               </a:prstGeom>
-              <a:blipFill>
+              <a:blipFill rotWithShape="0">
                 <a:blip r:embed="rId2"/>
                 <a:stretch>
-                  <a:fillRect t="-55000" b="-114167"/>
+                  <a:fillRect/>
                 </a:stretch>
               </a:blipFill>
             </p:spPr>
@@ -11416,7 +11411,7 @@
               <a:lstStyle/>
               <a:p>
                 <a:r>
-                  <a:rPr lang="da-DK">
+                  <a:rPr lang="en-US">
                     <a:noFill/>
                   </a:rPr>
                   <a:t> </a:t>
@@ -11431,7 +11426,7 @@
           <p:cNvPr id="9" name="Picture 8">
             <a:extLst>
               <a:ext uri="{FF2B5EF4-FFF2-40B4-BE49-F238E27FC236}">
-                <a16:creationId xmlns:a16="http://schemas.microsoft.com/office/drawing/2014/main" id="{BF15BAE1-504B-B046-921C-435331A07A32}"/>
+                <a16:creationId xmlns:a16="http://schemas.microsoft.com/office/drawing/2014/main" xmlns="" id="{BF15BAE1-504B-B046-921C-435331A07A32}"/>
               </a:ext>
             </a:extLst>
           </p:cNvPr>
@@ -11467,7 +11462,7 @@
           <p:cNvPr id="10" name="Right Arrow 9">
             <a:extLst>
               <a:ext uri="{FF2B5EF4-FFF2-40B4-BE49-F238E27FC236}">
-                <a16:creationId xmlns:a16="http://schemas.microsoft.com/office/drawing/2014/main" id="{94C9DDF9-4503-204A-9DCF-BF98426053C9}"/>
+                <a16:creationId xmlns:a16="http://schemas.microsoft.com/office/drawing/2014/main" xmlns="" id="{94C9DDF9-4503-204A-9DCF-BF98426053C9}"/>
               </a:ext>
             </a:extLst>
           </p:cNvPr>
@@ -11513,7 +11508,7 @@
           <p:cNvPr id="17" name="Picture 16">
             <a:extLst>
               <a:ext uri="{FF2B5EF4-FFF2-40B4-BE49-F238E27FC236}">
-                <a16:creationId xmlns:a16="http://schemas.microsoft.com/office/drawing/2014/main" id="{8E28E06C-9213-0149-B35F-F9E2CDA8F14E}"/>
+                <a16:creationId xmlns:a16="http://schemas.microsoft.com/office/drawing/2014/main" xmlns="" id="{8E28E06C-9213-0149-B35F-F9E2CDA8F14E}"/>
               </a:ext>
             </a:extLst>
           </p:cNvPr>
@@ -11545,7 +11540,7 @@
               <p:cNvPr id="11" name="TextBox 10">
                 <a:extLst>
                   <a:ext uri="{FF2B5EF4-FFF2-40B4-BE49-F238E27FC236}">
-                    <a16:creationId xmlns:a16="http://schemas.microsoft.com/office/drawing/2014/main" id="{37041112-33DD-6945-BBDF-ACF3D7A9F7B7}"/>
+                    <a16:creationId xmlns:a16="http://schemas.microsoft.com/office/drawing/2014/main" xmlns="" id="{37041112-33DD-6945-BBDF-ACF3D7A9F7B7}"/>
                   </a:ext>
                 </a:extLst>
               </p:cNvPr>
@@ -11579,7 +11574,7 @@
                         <m:sSubPr>
                           <m:ctrlPr>
                             <a:rPr lang="en-US" sz="2400" b="0" i="1" smtClean="0">
-                              <a:latin typeface="Cambria Math" panose="02040503050406030204" pitchFamily="18" charset="0"/>
+                              <a:latin typeface="Cambria Math" charset="0"/>
                             </a:rPr>
                           </m:ctrlPr>
                         </m:sSubPr>
@@ -11660,7 +11655,7 @@
               <p:cNvPr id="12" name="TextBox 11">
                 <a:extLst>
                   <a:ext uri="{FF2B5EF4-FFF2-40B4-BE49-F238E27FC236}">
-                    <a16:creationId xmlns:a16="http://schemas.microsoft.com/office/drawing/2014/main" id="{9EE32115-1C86-9C42-AF18-F0CEE0C377A1}"/>
+                    <a16:creationId xmlns:a16="http://schemas.microsoft.com/office/drawing/2014/main" xmlns="" id="{9EE32115-1C86-9C42-AF18-F0CEE0C377A1}"/>
                   </a:ext>
                 </a:extLst>
               </p:cNvPr>
@@ -11694,7 +11689,7 @@
                         <m:sSubPr>
                           <m:ctrlPr>
                             <a:rPr lang="en-US" sz="2400" b="0" i="1" smtClean="0">
-                              <a:latin typeface="Cambria Math" panose="02040503050406030204" pitchFamily="18" charset="0"/>
+                              <a:latin typeface="Cambria Math" charset="0"/>
                             </a:rPr>
                           </m:ctrlPr>
                         </m:sSubPr>
@@ -11773,7 +11768,7 @@
           <p:cNvPr id="13" name="TextBox 12">
             <a:extLst>
               <a:ext uri="{FF2B5EF4-FFF2-40B4-BE49-F238E27FC236}">
-                <a16:creationId xmlns:a16="http://schemas.microsoft.com/office/drawing/2014/main" id="{537E09A8-BC00-224A-BC56-D6A84F5016EA}"/>
+                <a16:creationId xmlns:a16="http://schemas.microsoft.com/office/drawing/2014/main" xmlns="" id="{537E09A8-BC00-224A-BC56-D6A84F5016EA}"/>
               </a:ext>
             </a:extLst>
           </p:cNvPr>
@@ -11885,8 +11880,9 @@
           <a:p>
             <a:r>
               <a:rPr lang="en-US" dirty="0"/>
-              <a:t>Features</a:t>
+              <a:t>Descriptors</a:t>
             </a:r>
+            <a:endParaRPr lang="en-US" dirty="0"/>
           </a:p>
         </p:txBody>
       </p:sp>
@@ -11895,7 +11891,7 @@
           <p:cNvPr id="7" name="Rectangle 6">
             <a:extLst>
               <a:ext uri="{FF2B5EF4-FFF2-40B4-BE49-F238E27FC236}">
-                <a16:creationId xmlns:a16="http://schemas.microsoft.com/office/drawing/2014/main" id="{934568A6-9E16-1747-BBDA-DDABE1317ABF}"/>
+                <a16:creationId xmlns:a16="http://schemas.microsoft.com/office/drawing/2014/main" xmlns="" id="{934568A6-9E16-1747-BBDA-DDABE1317ABF}"/>
               </a:ext>
             </a:extLst>
           </p:cNvPr>
@@ -11941,14 +11937,14 @@
           </a:p>
         </p:txBody>
       </p:sp>
-      <mc:AlternateContent xmlns:mc="http://schemas.openxmlformats.org/markup-compatibility/2006" xmlns:a14="http://schemas.microsoft.com/office/drawing/2010/main">
-        <mc:Choice Requires="a14">
+      <mc:AlternateContent xmlns:mc="http://schemas.openxmlformats.org/markup-compatibility/2006">
+        <mc:Choice xmlns:a14="http://schemas.microsoft.com/office/drawing/2010/main" Requires="a14">
           <p:sp>
             <p:nvSpPr>
               <p:cNvPr id="8" name="Rectangle 7">
                 <a:extLst>
                   <a:ext uri="{FF2B5EF4-FFF2-40B4-BE49-F238E27FC236}">
-                    <a16:creationId xmlns:a16="http://schemas.microsoft.com/office/drawing/2014/main" id="{414104F3-916E-8442-8B11-CE399A765C44}"/>
+                    <a16:creationId xmlns:a16="http://schemas.microsoft.com/office/drawing/2014/main" xmlns="" id="{414104F3-916E-8442-8B11-CE399A765C44}"/>
                   </a:ext>
                 </a:extLst>
               </p:cNvPr>
@@ -11958,7 +11954,7 @@
             <p:spPr>
               <a:xfrm>
                 <a:off x="838200" y="2265532"/>
-                <a:ext cx="4769062" cy="1501437"/>
+                <a:ext cx="4794711" cy="1538563"/>
               </a:xfrm>
               <a:prstGeom prst="rect">
                 <a:avLst/>
@@ -11981,7 +11977,7 @@
                         <m:sSubPr>
                           <m:ctrlPr>
                             <a:rPr lang="en-US" sz="2400" i="1" smtClean="0">
-                              <a:latin typeface="Cambria Math" panose="02040503050406030204" pitchFamily="18" charset="0"/>
+                              <a:latin typeface="Cambria Math" charset="0"/>
                             </a:rPr>
                           </m:ctrlPr>
                         </m:sSubPr>
@@ -12018,7 +12014,7 @@
                         <m:dPr>
                           <m:ctrlPr>
                             <a:rPr lang="en-US" sz="2400" i="1">
-                              <a:latin typeface="Cambria Math" panose="02040503050406030204" pitchFamily="18" charset="0"/>
+                              <a:latin typeface="Cambria Math" charset="0"/>
                             </a:rPr>
                           </m:ctrlPr>
                         </m:dPr>
@@ -12043,7 +12039,7 @@
                           <m:supHide m:val="on"/>
                           <m:ctrlPr>
                             <a:rPr lang="en-US" sz="2400" i="1">
-                              <a:latin typeface="Cambria Math" panose="02040503050406030204" pitchFamily="18" charset="0"/>
+                              <a:latin typeface="Cambria Math" charset="0"/>
                             </a:rPr>
                           </m:ctrlPr>
                         </m:naryPr>
@@ -12052,7 +12048,7 @@
                             <m:sSubPr>
                               <m:ctrlPr>
                                 <a:rPr lang="en-US" sz="2400" i="1">
-                                  <a:latin typeface="Cambria Math" panose="02040503050406030204" pitchFamily="18" charset="0"/>
+                                  <a:latin typeface="Cambria Math" charset="0"/>
                                 </a:rPr>
                               </m:ctrlPr>
                             </m:sSubPr>
@@ -12092,7 +12088,7 @@
                             <m:sSubPr>
                               <m:ctrlPr>
                                 <a:rPr lang="en-US" sz="2400" i="1">
-                                  <a:latin typeface="Cambria Math" panose="02040503050406030204" pitchFamily="18" charset="0"/>
+                                  <a:latin typeface="Cambria Math" charset="0"/>
                                 </a:rPr>
                               </m:ctrlPr>
                             </m:sSubPr>
@@ -12109,13 +12105,10 @@
                             </m:e>
                             <m:sub>
                               <m:r>
-                                <m:rPr>
-                                  <m:brk m:alnAt="7"/>
-                                </m:rPr>
-                                <a:rPr lang="en-US" sz="2400" i="1">
+                                <a:rPr lang="en-US" sz="2400" b="0" i="1" smtClean="0">
                                   <a:latin typeface="Cambria Math" charset="0"/>
                                 </a:rPr>
-                                <m:t>𝑖</m:t>
+                                <m:t>𝑗</m:t>
                               </m:r>
                             </m:sub>
                           </m:sSub>
@@ -12126,7 +12119,7 @@
                             <m:fPr>
                               <m:ctrlPr>
                                 <a:rPr lang="mr-IN" sz="2400" i="1">
-                                  <a:latin typeface="Cambria Math" panose="02040503050406030204" pitchFamily="18" charset="0"/>
+                                  <a:latin typeface="Cambria Math" charset="0"/>
                                 </a:rPr>
                               </m:ctrlPr>
                             </m:fPr>
@@ -12135,7 +12128,7 @@
                                 <m:funcPr>
                                   <m:ctrlPr>
                                     <a:rPr lang="en-US" sz="2400" i="1">
-                                      <a:latin typeface="Cambria Math" panose="02040503050406030204" pitchFamily="18" charset="0"/>
+                                      <a:latin typeface="Cambria Math" charset="0"/>
                                     </a:rPr>
                                   </m:ctrlPr>
                                 </m:funcPr>
@@ -12155,7 +12148,7 @@
                                     <m:dPr>
                                       <m:ctrlPr>
                                         <a:rPr lang="mr-IN" sz="2400" i="1">
-                                          <a:latin typeface="Cambria Math" panose="02040503050406030204" pitchFamily="18" charset="0"/>
+                                          <a:latin typeface="Cambria Math" charset="0"/>
                                         </a:rPr>
                                       </m:ctrlPr>
                                     </m:dPr>
@@ -12170,7 +12163,7 @@
                                         <m:fPr>
                                           <m:ctrlPr>
                                             <a:rPr lang="en-US" sz="2400" i="1" smtClean="0">
-                                              <a:latin typeface="Cambria Math" panose="02040503050406030204" pitchFamily="18" charset="0"/>
+                                              <a:latin typeface="Cambria Math" charset="0"/>
                                             </a:rPr>
                                           </m:ctrlPr>
                                         </m:fPr>
@@ -12179,7 +12172,7 @@
                                             <m:sSupPr>
                                               <m:ctrlPr>
                                                 <a:rPr lang="en-US" sz="2400" i="1">
-                                                  <a:latin typeface="Cambria Math" panose="02040503050406030204" pitchFamily="18" charset="0"/>
+                                                  <a:latin typeface="Cambria Math" charset="0"/>
                                                 </a:rPr>
                                               </m:ctrlPr>
                                             </m:sSupPr>
@@ -12190,7 +12183,7 @@
                                                   <m:endChr m:val="‖"/>
                                                   <m:ctrlPr>
                                                     <a:rPr lang="mr-IN" sz="2400" i="1">
-                                                      <a:latin typeface="Cambria Math" panose="02040503050406030204" pitchFamily="18" charset="0"/>
+                                                      <a:latin typeface="Cambria Math" charset="0"/>
                                                     </a:rPr>
                                                   </m:ctrlPr>
                                                 </m:dPr>
@@ -12211,7 +12204,7 @@
                                                     <m:sSubPr>
                                                       <m:ctrlPr>
                                                         <a:rPr lang="en-US" sz="2400" i="1">
-                                                          <a:latin typeface="Cambria Math" panose="02040503050406030204" pitchFamily="18" charset="0"/>
+                                                          <a:latin typeface="Cambria Math" charset="0"/>
                                                         </a:rPr>
                                                       </m:ctrlPr>
                                                     </m:sSubPr>
@@ -12256,7 +12249,7 @@
                                             <m:sSupPr>
                                               <m:ctrlPr>
                                                 <a:rPr lang="en-US" sz="2400" i="1">
-                                                  <a:latin typeface="Cambria Math" panose="02040503050406030204" pitchFamily="18" charset="0"/>
+                                                  <a:latin typeface="Cambria Math" charset="0"/>
                                                 </a:rPr>
                                               </m:ctrlPr>
                                             </m:sSupPr>
@@ -12289,7 +12282,7 @@
                                 <m:sSubSupPr>
                                   <m:ctrlPr>
                                     <a:rPr lang="en-US" sz="2400" i="1">
-                                      <a:latin typeface="Cambria Math" panose="02040503050406030204" pitchFamily="18" charset="0"/>
+                                      <a:latin typeface="Cambria Math" charset="0"/>
                                     </a:rPr>
                                   </m:ctrlPr>
                                 </m:sSubSupPr>
@@ -12330,13 +12323,13 @@
             </p:txBody>
           </p:sp>
         </mc:Choice>
-        <mc:Fallback xmlns="">
+        <mc:Fallback>
           <p:sp>
             <p:nvSpPr>
               <p:cNvPr id="8" name="Rectangle 7">
                 <a:extLst>
                   <a:ext uri="{FF2B5EF4-FFF2-40B4-BE49-F238E27FC236}">
-                    <a16:creationId xmlns:a16="http://schemas.microsoft.com/office/drawing/2014/main" id="{414104F3-916E-8442-8B11-CE399A765C44}"/>
+                    <a16:creationId xmlns:a16="http://schemas.microsoft.com/office/drawing/2014/main" xmlns:a14="http://schemas.microsoft.com/office/drawing/2010/main" xmlns="" id="{414104F3-916E-8442-8B11-CE399A765C44}"/>
                   </a:ext>
                 </a:extLst>
               </p:cNvPr>
@@ -12348,15 +12341,15 @@
             <p:spPr>
               <a:xfrm>
                 <a:off x="838200" y="2265532"/>
-                <a:ext cx="4769062" cy="1501437"/>
+                <a:ext cx="4794711" cy="1538563"/>
               </a:xfrm>
               <a:prstGeom prst="rect">
                 <a:avLst/>
               </a:prstGeom>
-              <a:blipFill>
+              <a:blipFill rotWithShape="0">
                 <a:blip r:embed="rId2"/>
                 <a:stretch>
-                  <a:fillRect t="-55000" b="-114167"/>
+                  <a:fillRect/>
                 </a:stretch>
               </a:blipFill>
             </p:spPr>
@@ -12365,7 +12358,7 @@
               <a:lstStyle/>
               <a:p>
                 <a:r>
-                  <a:rPr lang="da-DK">
+                  <a:rPr lang="en-US">
                     <a:noFill/>
                   </a:rPr>
                   <a:t> </a:t>
@@ -12380,7 +12373,7 @@
           <p:cNvPr id="9" name="Picture 8">
             <a:extLst>
               <a:ext uri="{FF2B5EF4-FFF2-40B4-BE49-F238E27FC236}">
-                <a16:creationId xmlns:a16="http://schemas.microsoft.com/office/drawing/2014/main" id="{BF15BAE1-504B-B046-921C-435331A07A32}"/>
+                <a16:creationId xmlns:a16="http://schemas.microsoft.com/office/drawing/2014/main" xmlns="" id="{BF15BAE1-504B-B046-921C-435331A07A32}"/>
               </a:ext>
             </a:extLst>
           </p:cNvPr>
@@ -12416,7 +12409,7 @@
           <p:cNvPr id="10" name="Right Arrow 9">
             <a:extLst>
               <a:ext uri="{FF2B5EF4-FFF2-40B4-BE49-F238E27FC236}">
-                <a16:creationId xmlns:a16="http://schemas.microsoft.com/office/drawing/2014/main" id="{94C9DDF9-4503-204A-9DCF-BF98426053C9}"/>
+                <a16:creationId xmlns:a16="http://schemas.microsoft.com/office/drawing/2014/main" xmlns="" id="{94C9DDF9-4503-204A-9DCF-BF98426053C9}"/>
               </a:ext>
             </a:extLst>
           </p:cNvPr>
@@ -12462,7 +12455,7 @@
           <p:cNvPr id="17" name="Picture 16">
             <a:extLst>
               <a:ext uri="{FF2B5EF4-FFF2-40B4-BE49-F238E27FC236}">
-                <a16:creationId xmlns:a16="http://schemas.microsoft.com/office/drawing/2014/main" id="{8E28E06C-9213-0149-B35F-F9E2CDA8F14E}"/>
+                <a16:creationId xmlns:a16="http://schemas.microsoft.com/office/drawing/2014/main" xmlns="" id="{8E28E06C-9213-0149-B35F-F9E2CDA8F14E}"/>
               </a:ext>
             </a:extLst>
           </p:cNvPr>
@@ -12494,7 +12487,7 @@
               <p:cNvPr id="11" name="TextBox 10">
                 <a:extLst>
                   <a:ext uri="{FF2B5EF4-FFF2-40B4-BE49-F238E27FC236}">
-                    <a16:creationId xmlns:a16="http://schemas.microsoft.com/office/drawing/2014/main" id="{F0021FB3-A36F-0E4D-9779-0FB3FFC9D816}"/>
+                    <a16:creationId xmlns:a16="http://schemas.microsoft.com/office/drawing/2014/main" xmlns="" id="{F0021FB3-A36F-0E4D-9779-0FB3FFC9D816}"/>
                   </a:ext>
                 </a:extLst>
               </p:cNvPr>
@@ -12528,7 +12521,7 @@
                         <m:sSubPr>
                           <m:ctrlPr>
                             <a:rPr lang="en-US" sz="2400" b="0" i="1" smtClean="0">
-                              <a:latin typeface="Cambria Math" panose="02040503050406030204" pitchFamily="18" charset="0"/>
+                              <a:latin typeface="Cambria Math" charset="0"/>
                             </a:rPr>
                           </m:ctrlPr>
                         </m:sSubPr>
@@ -12609,7 +12602,7 @@
               <p:cNvPr id="12" name="TextBox 11">
                 <a:extLst>
                   <a:ext uri="{FF2B5EF4-FFF2-40B4-BE49-F238E27FC236}">
-                    <a16:creationId xmlns:a16="http://schemas.microsoft.com/office/drawing/2014/main" id="{7CBFFABE-606D-6647-9C96-05940C597CB5}"/>
+                    <a16:creationId xmlns:a16="http://schemas.microsoft.com/office/drawing/2014/main" xmlns="" id="{7CBFFABE-606D-6647-9C96-05940C597CB5}"/>
                   </a:ext>
                 </a:extLst>
               </p:cNvPr>
@@ -12643,7 +12636,7 @@
                         <m:sSubPr>
                           <m:ctrlPr>
                             <a:rPr lang="en-US" sz="2400" b="0" i="1" smtClean="0">
-                              <a:latin typeface="Cambria Math" panose="02040503050406030204" pitchFamily="18" charset="0"/>
+                              <a:latin typeface="Cambria Math" charset="0"/>
                             </a:rPr>
                           </m:ctrlPr>
                         </m:sSubPr>
@@ -12724,7 +12717,7 @@
               <p:cNvPr id="13" name="TextBox 12">
                 <a:extLst>
                   <a:ext uri="{FF2B5EF4-FFF2-40B4-BE49-F238E27FC236}">
-                    <a16:creationId xmlns:a16="http://schemas.microsoft.com/office/drawing/2014/main" id="{BBF75692-95E3-524A-A032-D39A6C8B4A8D}"/>
+                    <a16:creationId xmlns:a16="http://schemas.microsoft.com/office/drawing/2014/main" xmlns="" id="{BBF75692-95E3-524A-A032-D39A6C8B4A8D}"/>
                   </a:ext>
                 </a:extLst>
               </p:cNvPr>
@@ -12758,7 +12751,7 @@
                         <m:sSubPr>
                           <m:ctrlPr>
                             <a:rPr lang="en-US" sz="2400" b="0" i="1" smtClean="0">
-                              <a:latin typeface="Cambria Math" panose="02040503050406030204" pitchFamily="18" charset="0"/>
+                              <a:latin typeface="Cambria Math" charset="0"/>
                             </a:rPr>
                           </m:ctrlPr>
                         </m:sSubPr>
@@ -12837,7 +12830,7 @@
           <p:cNvPr id="14" name="TextBox 13">
             <a:extLst>
               <a:ext uri="{FF2B5EF4-FFF2-40B4-BE49-F238E27FC236}">
-                <a16:creationId xmlns:a16="http://schemas.microsoft.com/office/drawing/2014/main" id="{954AC17A-CB84-C848-B0EF-06DF4CB9B8B3}"/>
+                <a16:creationId xmlns:a16="http://schemas.microsoft.com/office/drawing/2014/main" xmlns="" id="{954AC17A-CB84-C848-B0EF-06DF4CB9B8B3}"/>
               </a:ext>
             </a:extLst>
           </p:cNvPr>
@@ -13542,7 +13535,7 @@
                         <m:sSubPr>
                           <m:ctrlPr>
                             <a:rPr lang="en-US" b="0" i="1" smtClean="0">
-                              <a:latin typeface="Cambria Math" panose="02040503050406030204" pitchFamily="18" charset="0"/>
+                              <a:latin typeface="Cambria Math" charset="0"/>
                             </a:rPr>
                           </m:ctrlPr>
                         </m:sSubPr>
@@ -13651,7 +13644,7 @@
           <p:cNvPr id="33" name="Picture 32">
             <a:extLst>
               <a:ext uri="{FF2B5EF4-FFF2-40B4-BE49-F238E27FC236}">
-                <a16:creationId xmlns:a16="http://schemas.microsoft.com/office/drawing/2014/main" id="{2F9C8BD8-FBF9-8B4D-94C9-2F3BD3AA14AF}"/>
+                <a16:creationId xmlns:a16="http://schemas.microsoft.com/office/drawing/2014/main" xmlns="" id="{2F9C8BD8-FBF9-8B4D-94C9-2F3BD3AA14AF}"/>
               </a:ext>
             </a:extLst>
           </p:cNvPr>
@@ -13729,8 +13722,9 @@
           <a:p>
             <a:r>
               <a:rPr lang="en-US" dirty="0"/>
-              <a:t>Features</a:t>
+              <a:t>Descriptors</a:t>
             </a:r>
+            <a:endParaRPr lang="en-US" dirty="0"/>
           </a:p>
         </p:txBody>
       </p:sp>
@@ -13739,7 +13733,7 @@
           <p:cNvPr id="7" name="Rectangle 6">
             <a:extLst>
               <a:ext uri="{FF2B5EF4-FFF2-40B4-BE49-F238E27FC236}">
-                <a16:creationId xmlns:a16="http://schemas.microsoft.com/office/drawing/2014/main" id="{934568A6-9E16-1747-BBDA-DDABE1317ABF}"/>
+                <a16:creationId xmlns:a16="http://schemas.microsoft.com/office/drawing/2014/main" xmlns="" id="{934568A6-9E16-1747-BBDA-DDABE1317ABF}"/>
               </a:ext>
             </a:extLst>
           </p:cNvPr>
@@ -13785,14 +13779,14 @@
           </a:p>
         </p:txBody>
       </p:sp>
-      <mc:AlternateContent xmlns:mc="http://schemas.openxmlformats.org/markup-compatibility/2006" xmlns:a14="http://schemas.microsoft.com/office/drawing/2010/main">
-        <mc:Choice Requires="a14">
+      <mc:AlternateContent xmlns:mc="http://schemas.openxmlformats.org/markup-compatibility/2006">
+        <mc:Choice xmlns:a14="http://schemas.microsoft.com/office/drawing/2010/main" Requires="a14">
           <p:sp>
             <p:nvSpPr>
               <p:cNvPr id="8" name="Rectangle 7">
                 <a:extLst>
                   <a:ext uri="{FF2B5EF4-FFF2-40B4-BE49-F238E27FC236}">
-                    <a16:creationId xmlns:a16="http://schemas.microsoft.com/office/drawing/2014/main" id="{414104F3-916E-8442-8B11-CE399A765C44}"/>
+                    <a16:creationId xmlns:a16="http://schemas.microsoft.com/office/drawing/2014/main" xmlns="" id="{414104F3-916E-8442-8B11-CE399A765C44}"/>
                   </a:ext>
                 </a:extLst>
               </p:cNvPr>
@@ -13802,7 +13796,7 @@
             <p:spPr>
               <a:xfrm>
                 <a:off x="838200" y="2265532"/>
-                <a:ext cx="4769062" cy="1501437"/>
+                <a:ext cx="4794711" cy="1538563"/>
               </a:xfrm>
               <a:prstGeom prst="rect">
                 <a:avLst/>
@@ -13825,7 +13819,7 @@
                         <m:sSubPr>
                           <m:ctrlPr>
                             <a:rPr lang="en-US" sz="2400" i="1" smtClean="0">
-                              <a:latin typeface="Cambria Math" panose="02040503050406030204" pitchFamily="18" charset="0"/>
+                              <a:latin typeface="Cambria Math" charset="0"/>
                             </a:rPr>
                           </m:ctrlPr>
                         </m:sSubPr>
@@ -13862,7 +13856,7 @@
                         <m:dPr>
                           <m:ctrlPr>
                             <a:rPr lang="en-US" sz="2400" i="1">
-                              <a:latin typeface="Cambria Math" panose="02040503050406030204" pitchFamily="18" charset="0"/>
+                              <a:latin typeface="Cambria Math" charset="0"/>
                             </a:rPr>
                           </m:ctrlPr>
                         </m:dPr>
@@ -13887,7 +13881,7 @@
                           <m:supHide m:val="on"/>
                           <m:ctrlPr>
                             <a:rPr lang="en-US" sz="2400" i="1">
-                              <a:latin typeface="Cambria Math" panose="02040503050406030204" pitchFamily="18" charset="0"/>
+                              <a:latin typeface="Cambria Math" charset="0"/>
                             </a:rPr>
                           </m:ctrlPr>
                         </m:naryPr>
@@ -13896,7 +13890,7 @@
                             <m:sSubPr>
                               <m:ctrlPr>
                                 <a:rPr lang="en-US" sz="2400" i="1">
-                                  <a:latin typeface="Cambria Math" panose="02040503050406030204" pitchFamily="18" charset="0"/>
+                                  <a:latin typeface="Cambria Math" charset="0"/>
                                 </a:rPr>
                               </m:ctrlPr>
                             </m:sSubPr>
@@ -13936,7 +13930,7 @@
                             <m:sSubPr>
                               <m:ctrlPr>
                                 <a:rPr lang="en-US" sz="2400" i="1">
-                                  <a:latin typeface="Cambria Math" panose="02040503050406030204" pitchFamily="18" charset="0"/>
+                                  <a:latin typeface="Cambria Math" charset="0"/>
                                 </a:rPr>
                               </m:ctrlPr>
                             </m:sSubPr>
@@ -13953,13 +13947,10 @@
                             </m:e>
                             <m:sub>
                               <m:r>
-                                <m:rPr>
-                                  <m:brk m:alnAt="7"/>
-                                </m:rPr>
-                                <a:rPr lang="en-US" sz="2400" i="1">
+                                <a:rPr lang="en-US" sz="2400" b="0" i="1" smtClean="0">
                                   <a:latin typeface="Cambria Math" charset="0"/>
                                 </a:rPr>
-                                <m:t>𝑖</m:t>
+                                <m:t>𝑗</m:t>
                               </m:r>
                             </m:sub>
                           </m:sSub>
@@ -13970,7 +13961,7 @@
                             <m:fPr>
                               <m:ctrlPr>
                                 <a:rPr lang="mr-IN" sz="2400" i="1">
-                                  <a:latin typeface="Cambria Math" panose="02040503050406030204" pitchFamily="18" charset="0"/>
+                                  <a:latin typeface="Cambria Math" charset="0"/>
                                 </a:rPr>
                               </m:ctrlPr>
                             </m:fPr>
@@ -13979,7 +13970,7 @@
                                 <m:funcPr>
                                   <m:ctrlPr>
                                     <a:rPr lang="en-US" sz="2400" i="1">
-                                      <a:latin typeface="Cambria Math" panose="02040503050406030204" pitchFamily="18" charset="0"/>
+                                      <a:latin typeface="Cambria Math" charset="0"/>
                                     </a:rPr>
                                   </m:ctrlPr>
                                 </m:funcPr>
@@ -13999,7 +13990,7 @@
                                     <m:dPr>
                                       <m:ctrlPr>
                                         <a:rPr lang="mr-IN" sz="2400" i="1">
-                                          <a:latin typeface="Cambria Math" panose="02040503050406030204" pitchFamily="18" charset="0"/>
+                                          <a:latin typeface="Cambria Math" charset="0"/>
                                         </a:rPr>
                                       </m:ctrlPr>
                                     </m:dPr>
@@ -14014,7 +14005,7 @@
                                         <m:fPr>
                                           <m:ctrlPr>
                                             <a:rPr lang="en-US" sz="2400" i="1" smtClean="0">
-                                              <a:latin typeface="Cambria Math" panose="02040503050406030204" pitchFamily="18" charset="0"/>
+                                              <a:latin typeface="Cambria Math" charset="0"/>
                                             </a:rPr>
                                           </m:ctrlPr>
                                         </m:fPr>
@@ -14023,7 +14014,7 @@
                                             <m:sSupPr>
                                               <m:ctrlPr>
                                                 <a:rPr lang="en-US" sz="2400" i="1">
-                                                  <a:latin typeface="Cambria Math" panose="02040503050406030204" pitchFamily="18" charset="0"/>
+                                                  <a:latin typeface="Cambria Math" charset="0"/>
                                                 </a:rPr>
                                               </m:ctrlPr>
                                             </m:sSupPr>
@@ -14034,7 +14025,7 @@
                                                   <m:endChr m:val="‖"/>
                                                   <m:ctrlPr>
                                                     <a:rPr lang="mr-IN" sz="2400" i="1">
-                                                      <a:latin typeface="Cambria Math" panose="02040503050406030204" pitchFamily="18" charset="0"/>
+                                                      <a:latin typeface="Cambria Math" charset="0"/>
                                                     </a:rPr>
                                                   </m:ctrlPr>
                                                 </m:dPr>
@@ -14055,7 +14046,7 @@
                                                     <m:sSubPr>
                                                       <m:ctrlPr>
                                                         <a:rPr lang="en-US" sz="2400" i="1">
-                                                          <a:latin typeface="Cambria Math" panose="02040503050406030204" pitchFamily="18" charset="0"/>
+                                                          <a:latin typeface="Cambria Math" charset="0"/>
                                                         </a:rPr>
                                                       </m:ctrlPr>
                                                     </m:sSubPr>
@@ -14100,7 +14091,7 @@
                                             <m:sSupPr>
                                               <m:ctrlPr>
                                                 <a:rPr lang="en-US" sz="2400" i="1">
-                                                  <a:latin typeface="Cambria Math" panose="02040503050406030204" pitchFamily="18" charset="0"/>
+                                                  <a:latin typeface="Cambria Math" charset="0"/>
                                                 </a:rPr>
                                               </m:ctrlPr>
                                             </m:sSupPr>
@@ -14133,7 +14124,7 @@
                                 <m:sSubSupPr>
                                   <m:ctrlPr>
                                     <a:rPr lang="en-US" sz="2400" i="1">
-                                      <a:latin typeface="Cambria Math" panose="02040503050406030204" pitchFamily="18" charset="0"/>
+                                      <a:latin typeface="Cambria Math" charset="0"/>
                                     </a:rPr>
                                   </m:ctrlPr>
                                 </m:sSubSupPr>
@@ -14174,13 +14165,13 @@
             </p:txBody>
           </p:sp>
         </mc:Choice>
-        <mc:Fallback xmlns="">
+        <mc:Fallback>
           <p:sp>
             <p:nvSpPr>
               <p:cNvPr id="8" name="Rectangle 7">
                 <a:extLst>
                   <a:ext uri="{FF2B5EF4-FFF2-40B4-BE49-F238E27FC236}">
-                    <a16:creationId xmlns:a16="http://schemas.microsoft.com/office/drawing/2014/main" id="{414104F3-916E-8442-8B11-CE399A765C44}"/>
+                    <a16:creationId xmlns:a16="http://schemas.microsoft.com/office/drawing/2014/main" xmlns:a14="http://schemas.microsoft.com/office/drawing/2010/main" xmlns="" id="{414104F3-916E-8442-8B11-CE399A765C44}"/>
                   </a:ext>
                 </a:extLst>
               </p:cNvPr>
@@ -14192,15 +14183,15 @@
             <p:spPr>
               <a:xfrm>
                 <a:off x="838200" y="2265532"/>
-                <a:ext cx="4769062" cy="1501437"/>
+                <a:ext cx="4794711" cy="1538563"/>
               </a:xfrm>
               <a:prstGeom prst="rect">
                 <a:avLst/>
               </a:prstGeom>
-              <a:blipFill>
+              <a:blipFill rotWithShape="0">
                 <a:blip r:embed="rId2"/>
                 <a:stretch>
-                  <a:fillRect t="-55000" b="-114167"/>
+                  <a:fillRect/>
                 </a:stretch>
               </a:blipFill>
             </p:spPr>
@@ -14209,7 +14200,7 @@
               <a:lstStyle/>
               <a:p>
                 <a:r>
-                  <a:rPr lang="da-DK">
+                  <a:rPr lang="en-US">
                     <a:noFill/>
                   </a:rPr>
                   <a:t> </a:t>
@@ -14224,7 +14215,7 @@
           <p:cNvPr id="9" name="Picture 8">
             <a:extLst>
               <a:ext uri="{FF2B5EF4-FFF2-40B4-BE49-F238E27FC236}">
-                <a16:creationId xmlns:a16="http://schemas.microsoft.com/office/drawing/2014/main" id="{BF15BAE1-504B-B046-921C-435331A07A32}"/>
+                <a16:creationId xmlns:a16="http://schemas.microsoft.com/office/drawing/2014/main" xmlns="" id="{BF15BAE1-504B-B046-921C-435331A07A32}"/>
               </a:ext>
             </a:extLst>
           </p:cNvPr>
@@ -14260,7 +14251,7 @@
           <p:cNvPr id="10" name="Right Arrow 9">
             <a:extLst>
               <a:ext uri="{FF2B5EF4-FFF2-40B4-BE49-F238E27FC236}">
-                <a16:creationId xmlns:a16="http://schemas.microsoft.com/office/drawing/2014/main" id="{94C9DDF9-4503-204A-9DCF-BF98426053C9}"/>
+                <a16:creationId xmlns:a16="http://schemas.microsoft.com/office/drawing/2014/main" xmlns="" id="{94C9DDF9-4503-204A-9DCF-BF98426053C9}"/>
               </a:ext>
             </a:extLst>
           </p:cNvPr>
@@ -14306,7 +14297,7 @@
           <p:cNvPr id="17" name="Picture 16">
             <a:extLst>
               <a:ext uri="{FF2B5EF4-FFF2-40B4-BE49-F238E27FC236}">
-                <a16:creationId xmlns:a16="http://schemas.microsoft.com/office/drawing/2014/main" id="{8E28E06C-9213-0149-B35F-F9E2CDA8F14E}"/>
+                <a16:creationId xmlns:a16="http://schemas.microsoft.com/office/drawing/2014/main" xmlns="" id="{8E28E06C-9213-0149-B35F-F9E2CDA8F14E}"/>
               </a:ext>
             </a:extLst>
           </p:cNvPr>
@@ -14336,7 +14327,7 @@
           <p:cNvPr id="11" name="TextBox 10">
             <a:extLst>
               <a:ext uri="{FF2B5EF4-FFF2-40B4-BE49-F238E27FC236}">
-                <a16:creationId xmlns:a16="http://schemas.microsoft.com/office/drawing/2014/main" id="{CD90184F-5D4E-EA4F-84BF-EE0615F396C2}"/>
+                <a16:creationId xmlns:a16="http://schemas.microsoft.com/office/drawing/2014/main" xmlns="" id="{CD90184F-5D4E-EA4F-84BF-EE0615F396C2}"/>
               </a:ext>
             </a:extLst>
           </p:cNvPr>
@@ -14448,8 +14439,9 @@
           <a:p>
             <a:r>
               <a:rPr lang="en-US" dirty="0"/>
-              <a:t>Features</a:t>
+              <a:t>Descriptors</a:t>
             </a:r>
+            <a:endParaRPr lang="en-US" dirty="0"/>
           </a:p>
         </p:txBody>
       </p:sp>
@@ -14458,7 +14450,7 @@
           <p:cNvPr id="7" name="Rectangle 6">
             <a:extLst>
               <a:ext uri="{FF2B5EF4-FFF2-40B4-BE49-F238E27FC236}">
-                <a16:creationId xmlns:a16="http://schemas.microsoft.com/office/drawing/2014/main" id="{934568A6-9E16-1747-BBDA-DDABE1317ABF}"/>
+                <a16:creationId xmlns:a16="http://schemas.microsoft.com/office/drawing/2014/main" xmlns="" id="{934568A6-9E16-1747-BBDA-DDABE1317ABF}"/>
               </a:ext>
             </a:extLst>
           </p:cNvPr>
@@ -14504,14 +14496,14 @@
           </a:p>
         </p:txBody>
       </p:sp>
-      <mc:AlternateContent xmlns:mc="http://schemas.openxmlformats.org/markup-compatibility/2006" xmlns:a14="http://schemas.microsoft.com/office/drawing/2010/main">
-        <mc:Choice Requires="a14">
+      <mc:AlternateContent xmlns:mc="http://schemas.openxmlformats.org/markup-compatibility/2006">
+        <mc:Choice xmlns:a14="http://schemas.microsoft.com/office/drawing/2010/main" Requires="a14">
           <p:sp>
             <p:nvSpPr>
               <p:cNvPr id="8" name="Rectangle 7">
                 <a:extLst>
                   <a:ext uri="{FF2B5EF4-FFF2-40B4-BE49-F238E27FC236}">
-                    <a16:creationId xmlns:a16="http://schemas.microsoft.com/office/drawing/2014/main" id="{414104F3-916E-8442-8B11-CE399A765C44}"/>
+                    <a16:creationId xmlns:a16="http://schemas.microsoft.com/office/drawing/2014/main" xmlns="" id="{414104F3-916E-8442-8B11-CE399A765C44}"/>
                   </a:ext>
                 </a:extLst>
               </p:cNvPr>
@@ -14521,7 +14513,7 @@
             <p:spPr>
               <a:xfrm>
                 <a:off x="838200" y="2265532"/>
-                <a:ext cx="4769062" cy="1501437"/>
+                <a:ext cx="4794711" cy="1538563"/>
               </a:xfrm>
               <a:prstGeom prst="rect">
                 <a:avLst/>
@@ -14544,7 +14536,7 @@
                         <m:sSubPr>
                           <m:ctrlPr>
                             <a:rPr lang="en-US" sz="2400" i="1" smtClean="0">
-                              <a:latin typeface="Cambria Math" panose="02040503050406030204" pitchFamily="18" charset="0"/>
+                              <a:latin typeface="Cambria Math" charset="0"/>
                             </a:rPr>
                           </m:ctrlPr>
                         </m:sSubPr>
@@ -14581,7 +14573,7 @@
                         <m:dPr>
                           <m:ctrlPr>
                             <a:rPr lang="en-US" sz="2400" i="1">
-                              <a:latin typeface="Cambria Math" panose="02040503050406030204" pitchFamily="18" charset="0"/>
+                              <a:latin typeface="Cambria Math" charset="0"/>
                             </a:rPr>
                           </m:ctrlPr>
                         </m:dPr>
@@ -14606,7 +14598,7 @@
                           <m:supHide m:val="on"/>
                           <m:ctrlPr>
                             <a:rPr lang="en-US" sz="2400" i="1">
-                              <a:latin typeface="Cambria Math" panose="02040503050406030204" pitchFamily="18" charset="0"/>
+                              <a:latin typeface="Cambria Math" charset="0"/>
                             </a:rPr>
                           </m:ctrlPr>
                         </m:naryPr>
@@ -14615,7 +14607,7 @@
                             <m:sSubPr>
                               <m:ctrlPr>
                                 <a:rPr lang="en-US" sz="2400" i="1">
-                                  <a:latin typeface="Cambria Math" panose="02040503050406030204" pitchFamily="18" charset="0"/>
+                                  <a:latin typeface="Cambria Math" charset="0"/>
                                 </a:rPr>
                               </m:ctrlPr>
                             </m:sSubPr>
@@ -14655,7 +14647,7 @@
                             <m:sSubPr>
                               <m:ctrlPr>
                                 <a:rPr lang="en-US" sz="2400" i="1">
-                                  <a:latin typeface="Cambria Math" panose="02040503050406030204" pitchFamily="18" charset="0"/>
+                                  <a:latin typeface="Cambria Math" charset="0"/>
                                 </a:rPr>
                               </m:ctrlPr>
                             </m:sSubPr>
@@ -14672,13 +14664,10 @@
                             </m:e>
                             <m:sub>
                               <m:r>
-                                <m:rPr>
-                                  <m:brk m:alnAt="7"/>
-                                </m:rPr>
-                                <a:rPr lang="en-US" sz="2400" i="1">
+                                <a:rPr lang="en-US" sz="2400" b="0" i="1" smtClean="0">
                                   <a:latin typeface="Cambria Math" charset="0"/>
                                 </a:rPr>
-                                <m:t>𝑖</m:t>
+                                <m:t>𝑗</m:t>
                               </m:r>
                             </m:sub>
                           </m:sSub>
@@ -14689,7 +14678,7 @@
                             <m:fPr>
                               <m:ctrlPr>
                                 <a:rPr lang="mr-IN" sz="2400" i="1">
-                                  <a:latin typeface="Cambria Math" panose="02040503050406030204" pitchFamily="18" charset="0"/>
+                                  <a:latin typeface="Cambria Math" charset="0"/>
                                 </a:rPr>
                               </m:ctrlPr>
                             </m:fPr>
@@ -14698,7 +14687,7 @@
                                 <m:funcPr>
                                   <m:ctrlPr>
                                     <a:rPr lang="en-US" sz="2400" i="1">
-                                      <a:latin typeface="Cambria Math" panose="02040503050406030204" pitchFamily="18" charset="0"/>
+                                      <a:latin typeface="Cambria Math" charset="0"/>
                                     </a:rPr>
                                   </m:ctrlPr>
                                 </m:funcPr>
@@ -14718,7 +14707,7 @@
                                     <m:dPr>
                                       <m:ctrlPr>
                                         <a:rPr lang="mr-IN" sz="2400" i="1">
-                                          <a:latin typeface="Cambria Math" panose="02040503050406030204" pitchFamily="18" charset="0"/>
+                                          <a:latin typeface="Cambria Math" charset="0"/>
                                         </a:rPr>
                                       </m:ctrlPr>
                                     </m:dPr>
@@ -14733,7 +14722,7 @@
                                         <m:fPr>
                                           <m:ctrlPr>
                                             <a:rPr lang="en-US" sz="2400" i="1" smtClean="0">
-                                              <a:latin typeface="Cambria Math" panose="02040503050406030204" pitchFamily="18" charset="0"/>
+                                              <a:latin typeface="Cambria Math" charset="0"/>
                                             </a:rPr>
                                           </m:ctrlPr>
                                         </m:fPr>
@@ -14742,7 +14731,7 @@
                                             <m:sSupPr>
                                               <m:ctrlPr>
                                                 <a:rPr lang="en-US" sz="2400" i="1">
-                                                  <a:latin typeface="Cambria Math" panose="02040503050406030204" pitchFamily="18" charset="0"/>
+                                                  <a:latin typeface="Cambria Math" charset="0"/>
                                                 </a:rPr>
                                               </m:ctrlPr>
                                             </m:sSupPr>
@@ -14753,7 +14742,7 @@
                                                   <m:endChr m:val="‖"/>
                                                   <m:ctrlPr>
                                                     <a:rPr lang="mr-IN" sz="2400" i="1">
-                                                      <a:latin typeface="Cambria Math" panose="02040503050406030204" pitchFamily="18" charset="0"/>
+                                                      <a:latin typeface="Cambria Math" charset="0"/>
                                                     </a:rPr>
                                                   </m:ctrlPr>
                                                 </m:dPr>
@@ -14774,7 +14763,7 @@
                                                     <m:sSubPr>
                                                       <m:ctrlPr>
                                                         <a:rPr lang="en-US" sz="2400" i="1">
-                                                          <a:latin typeface="Cambria Math" panose="02040503050406030204" pitchFamily="18" charset="0"/>
+                                                          <a:latin typeface="Cambria Math" charset="0"/>
                                                         </a:rPr>
                                                       </m:ctrlPr>
                                                     </m:sSubPr>
@@ -14819,7 +14808,7 @@
                                             <m:sSupPr>
                                               <m:ctrlPr>
                                                 <a:rPr lang="en-US" sz="2400" i="1">
-                                                  <a:latin typeface="Cambria Math" panose="02040503050406030204" pitchFamily="18" charset="0"/>
+                                                  <a:latin typeface="Cambria Math" charset="0"/>
                                                 </a:rPr>
                                               </m:ctrlPr>
                                             </m:sSupPr>
@@ -14852,7 +14841,7 @@
                                 <m:sSubSupPr>
                                   <m:ctrlPr>
                                     <a:rPr lang="en-US" sz="2400" i="1">
-                                      <a:latin typeface="Cambria Math" panose="02040503050406030204" pitchFamily="18" charset="0"/>
+                                      <a:latin typeface="Cambria Math" charset="0"/>
                                     </a:rPr>
                                   </m:ctrlPr>
                                 </m:sSubSupPr>
@@ -14893,13 +14882,13 @@
             </p:txBody>
           </p:sp>
         </mc:Choice>
-        <mc:Fallback xmlns="">
+        <mc:Fallback>
           <p:sp>
             <p:nvSpPr>
               <p:cNvPr id="8" name="Rectangle 7">
                 <a:extLst>
                   <a:ext uri="{FF2B5EF4-FFF2-40B4-BE49-F238E27FC236}">
-                    <a16:creationId xmlns:a16="http://schemas.microsoft.com/office/drawing/2014/main" id="{414104F3-916E-8442-8B11-CE399A765C44}"/>
+                    <a16:creationId xmlns:a16="http://schemas.microsoft.com/office/drawing/2014/main" xmlns:a14="http://schemas.microsoft.com/office/drawing/2010/main" xmlns="" id="{414104F3-916E-8442-8B11-CE399A765C44}"/>
                   </a:ext>
                 </a:extLst>
               </p:cNvPr>
@@ -14911,15 +14900,15 @@
             <p:spPr>
               <a:xfrm>
                 <a:off x="838200" y="2265532"/>
-                <a:ext cx="4769062" cy="1501437"/>
+                <a:ext cx="4794711" cy="1538563"/>
               </a:xfrm>
               <a:prstGeom prst="rect">
                 <a:avLst/>
               </a:prstGeom>
-              <a:blipFill>
+              <a:blipFill rotWithShape="0">
                 <a:blip r:embed="rId2"/>
                 <a:stretch>
-                  <a:fillRect t="-55000" b="-114167"/>
+                  <a:fillRect/>
                 </a:stretch>
               </a:blipFill>
             </p:spPr>
@@ -14928,7 +14917,7 @@
               <a:lstStyle/>
               <a:p>
                 <a:r>
-                  <a:rPr lang="da-DK">
+                  <a:rPr lang="en-US">
                     <a:noFill/>
                   </a:rPr>
                   <a:t> </a:t>
@@ -14943,7 +14932,7 @@
           <p:cNvPr id="9" name="Picture 8">
             <a:extLst>
               <a:ext uri="{FF2B5EF4-FFF2-40B4-BE49-F238E27FC236}">
-                <a16:creationId xmlns:a16="http://schemas.microsoft.com/office/drawing/2014/main" id="{BF15BAE1-504B-B046-921C-435331A07A32}"/>
+                <a16:creationId xmlns:a16="http://schemas.microsoft.com/office/drawing/2014/main" xmlns="" id="{BF15BAE1-504B-B046-921C-435331A07A32}"/>
               </a:ext>
             </a:extLst>
           </p:cNvPr>
@@ -14979,7 +14968,7 @@
           <p:cNvPr id="10" name="Right Arrow 9">
             <a:extLst>
               <a:ext uri="{FF2B5EF4-FFF2-40B4-BE49-F238E27FC236}">
-                <a16:creationId xmlns:a16="http://schemas.microsoft.com/office/drawing/2014/main" id="{94C9DDF9-4503-204A-9DCF-BF98426053C9}"/>
+                <a16:creationId xmlns:a16="http://schemas.microsoft.com/office/drawing/2014/main" xmlns="" id="{94C9DDF9-4503-204A-9DCF-BF98426053C9}"/>
               </a:ext>
             </a:extLst>
           </p:cNvPr>
@@ -15025,7 +15014,7 @@
           <p:cNvPr id="17" name="Picture 16">
             <a:extLst>
               <a:ext uri="{FF2B5EF4-FFF2-40B4-BE49-F238E27FC236}">
-                <a16:creationId xmlns:a16="http://schemas.microsoft.com/office/drawing/2014/main" id="{8E28E06C-9213-0149-B35F-F9E2CDA8F14E}"/>
+                <a16:creationId xmlns:a16="http://schemas.microsoft.com/office/drawing/2014/main" xmlns="" id="{8E28E06C-9213-0149-B35F-F9E2CDA8F14E}"/>
               </a:ext>
             </a:extLst>
           </p:cNvPr>
@@ -15055,7 +15044,7 @@
           <p:cNvPr id="3" name="TextBox 2">
             <a:extLst>
               <a:ext uri="{FF2B5EF4-FFF2-40B4-BE49-F238E27FC236}">
-                <a16:creationId xmlns:a16="http://schemas.microsoft.com/office/drawing/2014/main" id="{83D6B78B-2F24-B44E-90E2-B6325D7C5DDC}"/>
+                <a16:creationId xmlns:a16="http://schemas.microsoft.com/office/drawing/2014/main" xmlns="" id="{83D6B78B-2F24-B44E-90E2-B6325D7C5DDC}"/>
               </a:ext>
             </a:extLst>
           </p:cNvPr>
@@ -15090,7 +15079,7 @@
           <p:cNvPr id="11" name="TextBox 10">
             <a:extLst>
               <a:ext uri="{FF2B5EF4-FFF2-40B4-BE49-F238E27FC236}">
-                <a16:creationId xmlns:a16="http://schemas.microsoft.com/office/drawing/2014/main" id="{6CB1F0AA-2860-4A45-9C7A-8C220DE88C4C}"/>
+                <a16:creationId xmlns:a16="http://schemas.microsoft.com/office/drawing/2014/main" xmlns="" id="{6CB1F0AA-2860-4A45-9C7A-8C220DE88C4C}"/>
               </a:ext>
             </a:extLst>
           </p:cNvPr>
@@ -15130,7 +15119,7 @@
           <p:cNvPr id="4" name="TextBox 3">
             <a:extLst>
               <a:ext uri="{FF2B5EF4-FFF2-40B4-BE49-F238E27FC236}">
-                <a16:creationId xmlns:a16="http://schemas.microsoft.com/office/drawing/2014/main" id="{C822D018-C3B5-3741-9DD7-81726C4FEE4A}"/>
+                <a16:creationId xmlns:a16="http://schemas.microsoft.com/office/drawing/2014/main" xmlns="" id="{C822D018-C3B5-3741-9DD7-81726C4FEE4A}"/>
               </a:ext>
             </a:extLst>
           </p:cNvPr>
@@ -15289,7 +15278,7 @@
           <p:cNvPr id="2" name="Title 1">
             <a:extLst>
               <a:ext uri="{FF2B5EF4-FFF2-40B4-BE49-F238E27FC236}">
-                <a16:creationId xmlns:a16="http://schemas.microsoft.com/office/drawing/2014/main" id="{90371848-C3C2-2946-8721-32944148379F}"/>
+                <a16:creationId xmlns:a16="http://schemas.microsoft.com/office/drawing/2014/main" xmlns="" id="{90371848-C3C2-2946-8721-32944148379F}"/>
               </a:ext>
             </a:extLst>
           </p:cNvPr>
@@ -15321,7 +15310,7 @@
           <p:cNvPr id="5" name="Picture 4">
             <a:extLst>
               <a:ext uri="{FF2B5EF4-FFF2-40B4-BE49-F238E27FC236}">
-                <a16:creationId xmlns:a16="http://schemas.microsoft.com/office/drawing/2014/main" id="{96C8DA8D-9BEF-744E-AFF8-50655E69712A}"/>
+                <a16:creationId xmlns:a16="http://schemas.microsoft.com/office/drawing/2014/main" xmlns="" id="{96C8DA8D-9BEF-744E-AFF8-50655E69712A}"/>
               </a:ext>
             </a:extLst>
           </p:cNvPr>
@@ -15353,7 +15342,7 @@
               <p:cNvPr id="6" name="TextBox 5">
                 <a:extLst>
                   <a:ext uri="{FF2B5EF4-FFF2-40B4-BE49-F238E27FC236}">
-                    <a16:creationId xmlns:a16="http://schemas.microsoft.com/office/drawing/2014/main" id="{B64305C1-D8DA-9449-80AD-775E6D513BE6}"/>
+                    <a16:creationId xmlns:a16="http://schemas.microsoft.com/office/drawing/2014/main" xmlns="" id="{B64305C1-D8DA-9449-80AD-775E6D513BE6}"/>
                   </a:ext>
                 </a:extLst>
               </p:cNvPr>
@@ -15392,7 +15381,7 @@
                         <m:endChr m:val="}"/>
                         <m:ctrlPr>
                           <a:rPr lang="en-US" sz="2400" b="0" i="1" smtClean="0">
-                            <a:latin typeface="Cambria Math" panose="02040503050406030204" pitchFamily="18" charset="0"/>
+                            <a:latin typeface="Cambria Math" charset="0"/>
                           </a:rPr>
                         </m:ctrlPr>
                       </m:dPr>
@@ -15401,7 +15390,7 @@
                           <m:sSubPr>
                             <m:ctrlPr>
                               <a:rPr lang="en-US" sz="2400" b="0" i="1" smtClean="0">
-                                <a:latin typeface="Cambria Math" panose="02040503050406030204" pitchFamily="18" charset="0"/>
+                                <a:latin typeface="Cambria Math" charset="0"/>
                               </a:rPr>
                             </m:ctrlPr>
                           </m:sSubPr>
@@ -15432,7 +15421,7 @@
                           <m:sSubPr>
                             <m:ctrlPr>
                               <a:rPr lang="en-US" sz="2400" b="0" i="1" smtClean="0">
-                                <a:latin typeface="Cambria Math" panose="02040503050406030204" pitchFamily="18" charset="0"/>
+                                <a:latin typeface="Cambria Math" charset="0"/>
                               </a:rPr>
                             </m:ctrlPr>
                           </m:sSubPr>
@@ -15608,7 +15597,7 @@
           <p:cNvPr id="2" name="Title 1">
             <a:extLst>
               <a:ext uri="{FF2B5EF4-FFF2-40B4-BE49-F238E27FC236}">
-                <a16:creationId xmlns:a16="http://schemas.microsoft.com/office/drawing/2014/main" id="{90371848-C3C2-2946-8721-32944148379F}"/>
+                <a16:creationId xmlns:a16="http://schemas.microsoft.com/office/drawing/2014/main" xmlns="" id="{90371848-C3C2-2946-8721-32944148379F}"/>
               </a:ext>
             </a:extLst>
           </p:cNvPr>
@@ -15640,7 +15629,7 @@
           <p:cNvPr id="5" name="Picture 4">
             <a:extLst>
               <a:ext uri="{FF2B5EF4-FFF2-40B4-BE49-F238E27FC236}">
-                <a16:creationId xmlns:a16="http://schemas.microsoft.com/office/drawing/2014/main" id="{96C8DA8D-9BEF-744E-AFF8-50655E69712A}"/>
+                <a16:creationId xmlns:a16="http://schemas.microsoft.com/office/drawing/2014/main" xmlns="" id="{96C8DA8D-9BEF-744E-AFF8-50655E69712A}"/>
               </a:ext>
             </a:extLst>
           </p:cNvPr>
@@ -15672,7 +15661,7 @@
               <p:cNvPr id="6" name="TextBox 5">
                 <a:extLst>
                   <a:ext uri="{FF2B5EF4-FFF2-40B4-BE49-F238E27FC236}">
-                    <a16:creationId xmlns:a16="http://schemas.microsoft.com/office/drawing/2014/main" id="{B64305C1-D8DA-9449-80AD-775E6D513BE6}"/>
+                    <a16:creationId xmlns:a16="http://schemas.microsoft.com/office/drawing/2014/main" xmlns="" id="{B64305C1-D8DA-9449-80AD-775E6D513BE6}"/>
                   </a:ext>
                 </a:extLst>
               </p:cNvPr>
@@ -15711,7 +15700,7 @@
                         <m:endChr m:val="}"/>
                         <m:ctrlPr>
                           <a:rPr lang="en-US" sz="2400" b="0" i="1" smtClean="0">
-                            <a:latin typeface="Cambria Math" panose="02040503050406030204" pitchFamily="18" charset="0"/>
+                            <a:latin typeface="Cambria Math" charset="0"/>
                           </a:rPr>
                         </m:ctrlPr>
                       </m:dPr>
@@ -15720,7 +15709,7 @@
                           <m:sSubPr>
                             <m:ctrlPr>
                               <a:rPr lang="en-US" sz="2400" b="0" i="1" smtClean="0">
-                                <a:latin typeface="Cambria Math" panose="02040503050406030204" pitchFamily="18" charset="0"/>
+                                <a:latin typeface="Cambria Math" charset="0"/>
                               </a:rPr>
                             </m:ctrlPr>
                           </m:sSubPr>
@@ -15751,7 +15740,7 @@
                           <m:sSubPr>
                             <m:ctrlPr>
                               <a:rPr lang="en-US" sz="2400" b="0" i="1" smtClean="0">
-                                <a:latin typeface="Cambria Math" panose="02040503050406030204" pitchFamily="18" charset="0"/>
+                                <a:latin typeface="Cambria Math" charset="0"/>
                               </a:rPr>
                             </m:ctrlPr>
                           </m:sSubPr>
@@ -15927,7 +15916,7 @@
           <p:cNvPr id="2" name="Title 1">
             <a:extLst>
               <a:ext uri="{FF2B5EF4-FFF2-40B4-BE49-F238E27FC236}">
-                <a16:creationId xmlns:a16="http://schemas.microsoft.com/office/drawing/2014/main" id="{90371848-C3C2-2946-8721-32944148379F}"/>
+                <a16:creationId xmlns:a16="http://schemas.microsoft.com/office/drawing/2014/main" xmlns="" id="{90371848-C3C2-2946-8721-32944148379F}"/>
               </a:ext>
             </a:extLst>
           </p:cNvPr>
@@ -15959,7 +15948,7 @@
           <p:cNvPr id="5" name="Picture 4">
             <a:extLst>
               <a:ext uri="{FF2B5EF4-FFF2-40B4-BE49-F238E27FC236}">
-                <a16:creationId xmlns:a16="http://schemas.microsoft.com/office/drawing/2014/main" id="{96C8DA8D-9BEF-744E-AFF8-50655E69712A}"/>
+                <a16:creationId xmlns:a16="http://schemas.microsoft.com/office/drawing/2014/main" xmlns="" id="{96C8DA8D-9BEF-744E-AFF8-50655E69712A}"/>
               </a:ext>
             </a:extLst>
           </p:cNvPr>
@@ -15991,7 +15980,7 @@
               <p:cNvPr id="6" name="TextBox 5">
                 <a:extLst>
                   <a:ext uri="{FF2B5EF4-FFF2-40B4-BE49-F238E27FC236}">
-                    <a16:creationId xmlns:a16="http://schemas.microsoft.com/office/drawing/2014/main" id="{B64305C1-D8DA-9449-80AD-775E6D513BE6}"/>
+                    <a16:creationId xmlns:a16="http://schemas.microsoft.com/office/drawing/2014/main" xmlns="" id="{B64305C1-D8DA-9449-80AD-775E6D513BE6}"/>
                   </a:ext>
                 </a:extLst>
               </p:cNvPr>
@@ -16030,7 +16019,7 @@
                         <m:endChr m:val="}"/>
                         <m:ctrlPr>
                           <a:rPr lang="en-US" sz="2400" b="0" i="1" smtClean="0">
-                            <a:latin typeface="Cambria Math" panose="02040503050406030204" pitchFamily="18" charset="0"/>
+                            <a:latin typeface="Cambria Math" charset="0"/>
                           </a:rPr>
                         </m:ctrlPr>
                       </m:dPr>
@@ -16039,7 +16028,7 @@
                           <m:sSubPr>
                             <m:ctrlPr>
                               <a:rPr lang="en-US" sz="2400" b="0" i="1" smtClean="0">
-                                <a:latin typeface="Cambria Math" panose="02040503050406030204" pitchFamily="18" charset="0"/>
+                                <a:latin typeface="Cambria Math" charset="0"/>
                               </a:rPr>
                             </m:ctrlPr>
                           </m:sSubPr>
@@ -16070,7 +16059,7 @@
                           <m:sSubPr>
                             <m:ctrlPr>
                               <a:rPr lang="en-US" sz="2400" b="0" i="1" smtClean="0">
-                                <a:latin typeface="Cambria Math" panose="02040503050406030204" pitchFamily="18" charset="0"/>
+                                <a:latin typeface="Cambria Math" charset="0"/>
                               </a:rPr>
                             </m:ctrlPr>
                           </m:sSubPr>
@@ -16188,7 +16177,7 @@
               <p:cNvPr id="7" name="TextBox 6">
                 <a:extLst>
                   <a:ext uri="{FF2B5EF4-FFF2-40B4-BE49-F238E27FC236}">
-                    <a16:creationId xmlns:a16="http://schemas.microsoft.com/office/drawing/2014/main" id="{2E27A3FC-BD37-3248-B5F7-F703EA8946A7}"/>
+                    <a16:creationId xmlns:a16="http://schemas.microsoft.com/office/drawing/2014/main" xmlns="" id="{2E27A3FC-BD37-3248-B5F7-F703EA8946A7}"/>
                   </a:ext>
                 </a:extLst>
               </p:cNvPr>
@@ -16222,7 +16211,7 @@
                         <m:funcPr>
                           <m:ctrlPr>
                             <a:rPr lang="en-US" sz="2400" i="1" smtClean="0">
-                              <a:latin typeface="Cambria Math" panose="02040503050406030204" pitchFamily="18" charset="0"/>
+                              <a:latin typeface="Cambria Math" charset="0"/>
                             </a:rPr>
                           </m:ctrlPr>
                         </m:funcPr>
@@ -16231,7 +16220,7 @@
                             <m:limLowPr>
                               <m:ctrlPr>
                                 <a:rPr lang="en-US" sz="2400" i="1" smtClean="0">
-                                  <a:latin typeface="Cambria Math" panose="02040503050406030204" pitchFamily="18" charset="0"/>
+                                  <a:latin typeface="Cambria Math" charset="0"/>
                                 </a:rPr>
                               </m:ctrlPr>
                             </m:limLowPr>
@@ -16262,7 +16251,7 @@
                               <m:chr m:val="∑"/>
                               <m:ctrlPr>
                                 <a:rPr lang="en-US" sz="2400" i="1" smtClean="0">
-                                  <a:latin typeface="Cambria Math" panose="02040503050406030204" pitchFamily="18" charset="0"/>
+                                  <a:latin typeface="Cambria Math" charset="0"/>
                                 </a:rPr>
                               </m:ctrlPr>
                             </m:naryPr>
@@ -16287,7 +16276,7 @@
                                 <m:sSupPr>
                                   <m:ctrlPr>
                                     <a:rPr lang="en-US" sz="2400" i="1">
-                                      <a:latin typeface="Cambria Math" panose="02040503050406030204" pitchFamily="18" charset="0"/>
+                                      <a:latin typeface="Cambria Math" charset="0"/>
                                     </a:rPr>
                                   </m:ctrlPr>
                                 </m:sSupPr>
@@ -16296,7 +16285,7 @@
                                     <m:dPr>
                                       <m:ctrlPr>
                                         <a:rPr lang="en-US" sz="2400" i="1">
-                                          <a:latin typeface="Cambria Math" panose="02040503050406030204" pitchFamily="18" charset="0"/>
+                                          <a:latin typeface="Cambria Math" charset="0"/>
                                         </a:rPr>
                                       </m:ctrlPr>
                                     </m:dPr>
@@ -16305,7 +16294,7 @@
                                         <m:sSupPr>
                                           <m:ctrlPr>
                                             <a:rPr lang="en-US" sz="2400" i="1">
-                                              <a:latin typeface="Cambria Math" panose="02040503050406030204" pitchFamily="18" charset="0"/>
+                                              <a:latin typeface="Cambria Math" charset="0"/>
                                             </a:rPr>
                                           </m:ctrlPr>
                                         </m:sSupPr>
@@ -16330,7 +16319,7 @@
                                         <m:dPr>
                                           <m:ctrlPr>
                                             <a:rPr lang="en-US" sz="2400" i="1">
-                                              <a:latin typeface="Cambria Math" panose="02040503050406030204" pitchFamily="18" charset="0"/>
+                                              <a:latin typeface="Cambria Math" charset="0"/>
                                             </a:rPr>
                                           </m:ctrlPr>
                                         </m:dPr>
@@ -16339,7 +16328,7 @@
                                             <m:sSubPr>
                                               <m:ctrlPr>
                                                 <a:rPr lang="en-US" sz="2400" b="1" i="1">
-                                                  <a:latin typeface="Cambria Math" panose="02040503050406030204" pitchFamily="18" charset="0"/>
+                                                  <a:latin typeface="Cambria Math" charset="0"/>
                                                 </a:rPr>
                                               </m:ctrlPr>
                                             </m:sSubPr>
@@ -16372,7 +16361,7 @@
                                         <m:sSubPr>
                                           <m:ctrlPr>
                                             <a:rPr lang="en-US" sz="2400" i="1">
-                                              <a:latin typeface="Cambria Math" panose="02040503050406030204" pitchFamily="18" charset="0"/>
+                                              <a:latin typeface="Cambria Math" charset="0"/>
                                             </a:rPr>
                                           </m:ctrlPr>
                                         </m:sSubPr>
@@ -16527,7 +16516,7 @@
           <p:cNvPr id="2" name="Title 1">
             <a:extLst>
               <a:ext uri="{FF2B5EF4-FFF2-40B4-BE49-F238E27FC236}">
-                <a16:creationId xmlns:a16="http://schemas.microsoft.com/office/drawing/2014/main" id="{90371848-C3C2-2946-8721-32944148379F}"/>
+                <a16:creationId xmlns:a16="http://schemas.microsoft.com/office/drawing/2014/main" xmlns="" id="{90371848-C3C2-2946-8721-32944148379F}"/>
               </a:ext>
             </a:extLst>
           </p:cNvPr>
@@ -16559,7 +16548,7 @@
           <p:cNvPr id="5" name="Picture 4">
             <a:extLst>
               <a:ext uri="{FF2B5EF4-FFF2-40B4-BE49-F238E27FC236}">
-                <a16:creationId xmlns:a16="http://schemas.microsoft.com/office/drawing/2014/main" id="{96C8DA8D-9BEF-744E-AFF8-50655E69712A}"/>
+                <a16:creationId xmlns:a16="http://schemas.microsoft.com/office/drawing/2014/main" xmlns="" id="{96C8DA8D-9BEF-744E-AFF8-50655E69712A}"/>
               </a:ext>
             </a:extLst>
           </p:cNvPr>
@@ -16591,7 +16580,7 @@
               <p:cNvPr id="6" name="TextBox 5">
                 <a:extLst>
                   <a:ext uri="{FF2B5EF4-FFF2-40B4-BE49-F238E27FC236}">
-                    <a16:creationId xmlns:a16="http://schemas.microsoft.com/office/drawing/2014/main" id="{B64305C1-D8DA-9449-80AD-775E6D513BE6}"/>
+                    <a16:creationId xmlns:a16="http://schemas.microsoft.com/office/drawing/2014/main" xmlns="" id="{B64305C1-D8DA-9449-80AD-775E6D513BE6}"/>
                   </a:ext>
                 </a:extLst>
               </p:cNvPr>
@@ -16630,7 +16619,7 @@
                         <m:endChr m:val="}"/>
                         <m:ctrlPr>
                           <a:rPr lang="en-US" sz="2400" b="0" i="1" smtClean="0">
-                            <a:latin typeface="Cambria Math" panose="02040503050406030204" pitchFamily="18" charset="0"/>
+                            <a:latin typeface="Cambria Math" charset="0"/>
                           </a:rPr>
                         </m:ctrlPr>
                       </m:dPr>
@@ -16639,7 +16628,7 @@
                           <m:sSubPr>
                             <m:ctrlPr>
                               <a:rPr lang="en-US" sz="2400" b="0" i="1" smtClean="0">
-                                <a:latin typeface="Cambria Math" panose="02040503050406030204" pitchFamily="18" charset="0"/>
+                                <a:latin typeface="Cambria Math" charset="0"/>
                               </a:rPr>
                             </m:ctrlPr>
                           </m:sSubPr>
@@ -16670,7 +16659,7 @@
                           <m:sSubPr>
                             <m:ctrlPr>
                               <a:rPr lang="en-US" sz="2400" b="0" i="1" smtClean="0">
-                                <a:latin typeface="Cambria Math" panose="02040503050406030204" pitchFamily="18" charset="0"/>
+                                <a:latin typeface="Cambria Math" charset="0"/>
                               </a:rPr>
                             </m:ctrlPr>
                           </m:sSubPr>
@@ -16788,7 +16777,7 @@
               <p:cNvPr id="10" name="TextBox 9">
                 <a:extLst>
                   <a:ext uri="{FF2B5EF4-FFF2-40B4-BE49-F238E27FC236}">
-                    <a16:creationId xmlns:a16="http://schemas.microsoft.com/office/drawing/2014/main" id="{1F23FA21-7447-684E-82A3-7876D03ED643}"/>
+                    <a16:creationId xmlns:a16="http://schemas.microsoft.com/office/drawing/2014/main" xmlns="" id="{1F23FA21-7447-684E-82A3-7876D03ED643}"/>
                   </a:ext>
                 </a:extLst>
               </p:cNvPr>
@@ -16822,7 +16811,7 @@
                         <m:sSubPr>
                           <m:ctrlPr>
                             <a:rPr lang="en-US" sz="2400" b="0" i="1" smtClean="0">
-                              <a:latin typeface="Cambria Math" panose="02040503050406030204" pitchFamily="18" charset="0"/>
+                              <a:latin typeface="Cambria Math" charset="0"/>
                             </a:rPr>
                           </m:ctrlPr>
                         </m:sSubPr>
@@ -16865,7 +16854,7 @@
                         <m:sSubPr>
                           <m:ctrlPr>
                             <a:rPr lang="en-US" sz="2400" b="0" i="1" smtClean="0">
-                              <a:latin typeface="Cambria Math" panose="02040503050406030204" pitchFamily="18" charset="0"/>
+                              <a:latin typeface="Cambria Math" charset="0"/>
                             </a:rPr>
                           </m:ctrlPr>
                         </m:sSubPr>
@@ -16896,7 +16885,7 @@
                         <m:sSubPr>
                           <m:ctrlPr>
                             <a:rPr lang="en-US" sz="2400" b="0" i="1" smtClean="0">
-                              <a:latin typeface="Cambria Math" panose="02040503050406030204" pitchFamily="18" charset="0"/>
+                              <a:latin typeface="Cambria Math" charset="0"/>
                             </a:rPr>
                           </m:ctrlPr>
                         </m:sSubPr>
@@ -16933,7 +16922,7 @@
                         <m:funcPr>
                           <m:ctrlPr>
                             <a:rPr lang="en-US" sz="2400" b="0" i="1" smtClean="0">
-                              <a:latin typeface="Cambria Math" panose="02040503050406030204" pitchFamily="18" charset="0"/>
+                              <a:latin typeface="Cambria Math" charset="0"/>
                             </a:rPr>
                           </m:ctrlPr>
                         </m:funcPr>
@@ -16953,7 +16942,7 @@
                             <m:dPr>
                               <m:ctrlPr>
                                 <a:rPr lang="en-US" sz="2400" i="1">
-                                  <a:latin typeface="Cambria Math" panose="02040503050406030204" pitchFamily="18" charset="0"/>
+                                  <a:latin typeface="Cambria Math" charset="0"/>
                                 </a:rPr>
                               </m:ctrlPr>
                             </m:dPr>
@@ -16968,7 +16957,7 @@
                                 <m:fPr>
                                   <m:ctrlPr>
                                     <a:rPr lang="en-US" sz="2400" i="1">
-                                      <a:latin typeface="Cambria Math" panose="02040503050406030204" pitchFamily="18" charset="0"/>
+                                      <a:latin typeface="Cambria Math" charset="0"/>
                                     </a:rPr>
                                   </m:ctrlPr>
                                 </m:fPr>
@@ -16977,7 +16966,7 @@
                                     <m:sSupPr>
                                       <m:ctrlPr>
                                         <a:rPr lang="en-US" sz="2400" i="1">
-                                          <a:latin typeface="Cambria Math" panose="02040503050406030204" pitchFamily="18" charset="0"/>
+                                          <a:latin typeface="Cambria Math" charset="0"/>
                                         </a:rPr>
                                       </m:ctrlPr>
                                     </m:sSupPr>
@@ -16988,7 +16977,7 @@
                                           <m:endChr m:val="‖"/>
                                           <m:ctrlPr>
                                             <a:rPr lang="en-US" sz="2400" i="1">
-                                              <a:latin typeface="Cambria Math" panose="02040503050406030204" pitchFamily="18" charset="0"/>
+                                              <a:latin typeface="Cambria Math" charset="0"/>
                                             </a:rPr>
                                           </m:ctrlPr>
                                         </m:dPr>
@@ -16997,7 +16986,7 @@
                                             <m:sSubPr>
                                               <m:ctrlPr>
                                                 <a:rPr lang="en-US" sz="2400" b="0" i="1" smtClean="0">
-                                                  <a:latin typeface="Cambria Math" panose="02040503050406030204" pitchFamily="18" charset="0"/>
+                                                  <a:latin typeface="Cambria Math" charset="0"/>
                                                 </a:rPr>
                                               </m:ctrlPr>
                                             </m:sSubPr>
@@ -17028,7 +17017,7 @@
                                             <m:sSubPr>
                                               <m:ctrlPr>
                                                 <a:rPr lang="en-US" sz="2400" i="1">
-                                                  <a:latin typeface="Cambria Math" panose="02040503050406030204" pitchFamily="18" charset="0"/>
+                                                  <a:latin typeface="Cambria Math" charset="0"/>
                                                 </a:rPr>
                                               </m:ctrlPr>
                                             </m:sSubPr>
@@ -17073,7 +17062,7 @@
                                     <m:sSupPr>
                                       <m:ctrlPr>
                                         <a:rPr lang="en-US" sz="2400" i="1">
-                                          <a:latin typeface="Cambria Math" panose="02040503050406030204" pitchFamily="18" charset="0"/>
+                                          <a:latin typeface="Cambria Math" charset="0"/>
                                         </a:rPr>
                                       </m:ctrlPr>
                                     </m:sSupPr>
@@ -17160,7 +17149,7 @@
               <p:cNvPr id="11" name="TextBox 10">
                 <a:extLst>
                   <a:ext uri="{FF2B5EF4-FFF2-40B4-BE49-F238E27FC236}">
-                    <a16:creationId xmlns:a16="http://schemas.microsoft.com/office/drawing/2014/main" id="{562228B6-98A4-0A4A-8CF0-FBD357ADB06A}"/>
+                    <a16:creationId xmlns:a16="http://schemas.microsoft.com/office/drawing/2014/main" xmlns="" id="{562228B6-98A4-0A4A-8CF0-FBD357ADB06A}"/>
                   </a:ext>
                 </a:extLst>
               </p:cNvPr>
@@ -17194,7 +17183,7 @@
                         <m:sSupPr>
                           <m:ctrlPr>
                             <a:rPr lang="en-US" sz="2400" i="1" smtClean="0">
-                              <a:latin typeface="Cambria Math" panose="02040503050406030204" pitchFamily="18" charset="0"/>
+                              <a:latin typeface="Cambria Math" charset="0"/>
                             </a:rPr>
                           </m:ctrlPr>
                         </m:sSupPr>
@@ -17219,7 +17208,7 @@
                         <m:dPr>
                           <m:ctrlPr>
                             <a:rPr lang="en-US" sz="2400" i="1" smtClean="0">
-                              <a:latin typeface="Cambria Math" panose="02040503050406030204" pitchFamily="18" charset="0"/>
+                              <a:latin typeface="Cambria Math" charset="0"/>
                             </a:rPr>
                           </m:ctrlPr>
                         </m:dPr>
@@ -17228,7 +17217,7 @@
                             <m:sSubPr>
                               <m:ctrlPr>
                                 <a:rPr lang="en-US" sz="2400" b="1" i="1" smtClean="0">
-                                  <a:latin typeface="Cambria Math" panose="02040503050406030204" pitchFamily="18" charset="0"/>
+                                  <a:latin typeface="Cambria Math" charset="0"/>
                                 </a:rPr>
                               </m:ctrlPr>
                             </m:sSubPr>
@@ -17262,7 +17251,7 @@
                           <m:chr m:val="∑"/>
                           <m:ctrlPr>
                             <a:rPr lang="en-US" sz="2400" i="1" smtClean="0">
-                              <a:latin typeface="Cambria Math" panose="02040503050406030204" pitchFamily="18" charset="0"/>
+                              <a:latin typeface="Cambria Math" charset="0"/>
                             </a:rPr>
                           </m:ctrlPr>
                         </m:naryPr>
@@ -17287,7 +17276,7 @@
                             <m:sSubPr>
                               <m:ctrlPr>
                                 <a:rPr lang="en-US" sz="2400" i="1" smtClean="0">
-                                  <a:latin typeface="Cambria Math" panose="02040503050406030204" pitchFamily="18" charset="0"/>
+                                  <a:latin typeface="Cambria Math" charset="0"/>
                                 </a:rPr>
                               </m:ctrlPr>
                             </m:sSubPr>
@@ -17312,7 +17301,7 @@
                             <m:sSubPr>
                               <m:ctrlPr>
                                 <a:rPr lang="en-US" sz="2400" b="0" i="1" smtClean="0">
-                                  <a:latin typeface="Cambria Math" panose="02040503050406030204" pitchFamily="18" charset="0"/>
+                                  <a:latin typeface="Cambria Math" charset="0"/>
                                 </a:rPr>
                               </m:ctrlPr>
                             </m:sSubPr>
@@ -17407,7 +17396,7 @@
               <p:cNvPr id="12" name="TextBox 11">
                 <a:extLst>
                   <a:ext uri="{FF2B5EF4-FFF2-40B4-BE49-F238E27FC236}">
-                    <a16:creationId xmlns:a16="http://schemas.microsoft.com/office/drawing/2014/main" id="{A54B9D57-2391-3E48-AB78-34250B63E794}"/>
+                    <a16:creationId xmlns:a16="http://schemas.microsoft.com/office/drawing/2014/main" xmlns="" id="{A54B9D57-2391-3E48-AB78-34250B63E794}"/>
                   </a:ext>
                 </a:extLst>
               </p:cNvPr>
@@ -17441,7 +17430,7 @@
                         <m:funcPr>
                           <m:ctrlPr>
                             <a:rPr lang="en-US" sz="2400" i="1" smtClean="0">
-                              <a:latin typeface="Cambria Math" panose="02040503050406030204" pitchFamily="18" charset="0"/>
+                              <a:latin typeface="Cambria Math" charset="0"/>
                             </a:rPr>
                           </m:ctrlPr>
                         </m:funcPr>
@@ -17450,7 +17439,7 @@
                             <m:limLowPr>
                               <m:ctrlPr>
                                 <a:rPr lang="en-US" sz="2400" i="1" smtClean="0">
-                                  <a:latin typeface="Cambria Math" panose="02040503050406030204" pitchFamily="18" charset="0"/>
+                                  <a:latin typeface="Cambria Math" charset="0"/>
                                 </a:rPr>
                               </m:ctrlPr>
                             </m:limLowPr>
@@ -17481,7 +17470,7 @@
                               <m:chr m:val="∑"/>
                               <m:ctrlPr>
                                 <a:rPr lang="en-US" sz="2400" i="1" smtClean="0">
-                                  <a:latin typeface="Cambria Math" panose="02040503050406030204" pitchFamily="18" charset="0"/>
+                                  <a:latin typeface="Cambria Math" charset="0"/>
                                 </a:rPr>
                               </m:ctrlPr>
                             </m:naryPr>
@@ -17506,7 +17495,7 @@
                                 <m:sSupPr>
                                   <m:ctrlPr>
                                     <a:rPr lang="en-US" sz="2400" i="1">
-                                      <a:latin typeface="Cambria Math" panose="02040503050406030204" pitchFamily="18" charset="0"/>
+                                      <a:latin typeface="Cambria Math" charset="0"/>
                                     </a:rPr>
                                   </m:ctrlPr>
                                 </m:sSupPr>
@@ -17515,7 +17504,7 @@
                                     <m:dPr>
                                       <m:ctrlPr>
                                         <a:rPr lang="en-US" sz="2400" i="1">
-                                          <a:latin typeface="Cambria Math" panose="02040503050406030204" pitchFamily="18" charset="0"/>
+                                          <a:latin typeface="Cambria Math" charset="0"/>
                                         </a:rPr>
                                       </m:ctrlPr>
                                     </m:dPr>
@@ -17524,7 +17513,7 @@
                                         <m:sSupPr>
                                           <m:ctrlPr>
                                             <a:rPr lang="en-US" sz="2400" i="1">
-                                              <a:latin typeface="Cambria Math" panose="02040503050406030204" pitchFamily="18" charset="0"/>
+                                              <a:latin typeface="Cambria Math" charset="0"/>
                                             </a:rPr>
                                           </m:ctrlPr>
                                         </m:sSupPr>
@@ -17549,7 +17538,7 @@
                                         <m:dPr>
                                           <m:ctrlPr>
                                             <a:rPr lang="en-US" sz="2400" i="1">
-                                              <a:latin typeface="Cambria Math" panose="02040503050406030204" pitchFamily="18" charset="0"/>
+                                              <a:latin typeface="Cambria Math" charset="0"/>
                                             </a:rPr>
                                           </m:ctrlPr>
                                         </m:dPr>
@@ -17558,7 +17547,7 @@
                                             <m:sSubPr>
                                               <m:ctrlPr>
                                                 <a:rPr lang="en-US" sz="2400" b="1" i="1">
-                                                  <a:latin typeface="Cambria Math" panose="02040503050406030204" pitchFamily="18" charset="0"/>
+                                                  <a:latin typeface="Cambria Math" charset="0"/>
                                                 </a:rPr>
                                               </m:ctrlPr>
                                             </m:sSubPr>
@@ -17591,7 +17580,7 @@
                                         <m:sSubPr>
                                           <m:ctrlPr>
                                             <a:rPr lang="en-US" sz="2400" i="1">
-                                              <a:latin typeface="Cambria Math" panose="02040503050406030204" pitchFamily="18" charset="0"/>
+                                              <a:latin typeface="Cambria Math" charset="0"/>
                                             </a:rPr>
                                           </m:ctrlPr>
                                         </m:sSubPr>
@@ -17711,59 +17700,12 @@
           </a:prstGeom>
         </p:spPr>
       </p:pic>
-      <p:sp>
-        <p:nvSpPr>
-          <p:cNvPr id="4" name="TextBox 3">
-            <a:extLst>
-              <a:ext uri="{FF2B5EF4-FFF2-40B4-BE49-F238E27FC236}">
-                <a16:creationId xmlns:a16="http://schemas.microsoft.com/office/drawing/2014/main" id="{4C9D3EE4-123B-B34A-BE41-523399C4113E}"/>
-              </a:ext>
-            </a:extLst>
-          </p:cNvPr>
-          <p:cNvSpPr txBox="1"/>
-          <p:nvPr/>
-        </p:nvSpPr>
-        <p:spPr>
-          <a:xfrm>
-            <a:off x="1243663" y="6077247"/>
-            <a:ext cx="3578224" cy="461665"/>
-          </a:xfrm>
-          <a:prstGeom prst="rect">
-            <a:avLst/>
-          </a:prstGeom>
-          <a:noFill/>
-        </p:spPr>
-        <p:txBody>
-          <a:bodyPr wrap="none" rtlCol="0">
-            <a:spAutoFit/>
-          </a:bodyPr>
-          <a:lstStyle/>
-          <a:p>
-            <a:r>
-              <a:rPr lang="da-DK" sz="2400" dirty="0" err="1"/>
-              <a:t>Kernel</a:t>
-            </a:r>
-            <a:r>
-              <a:rPr lang="da-DK" sz="2400" dirty="0"/>
-              <a:t> = </a:t>
-            </a:r>
-            <a:r>
-              <a:rPr lang="da-DK" sz="2400" dirty="0" err="1"/>
-              <a:t>similarity</a:t>
-            </a:r>
-            <a:r>
-              <a:rPr lang="da-DK" sz="2400" dirty="0"/>
-              <a:t> measure</a:t>
-            </a:r>
-          </a:p>
-        </p:txBody>
-      </p:sp>
       <p:cxnSp>
         <p:nvCxnSpPr>
           <p:cNvPr id="9" name="Straight Arrow Connector 8">
             <a:extLst>
               <a:ext uri="{FF2B5EF4-FFF2-40B4-BE49-F238E27FC236}">
-                <a16:creationId xmlns:a16="http://schemas.microsoft.com/office/drawing/2014/main" id="{318D81B2-CEAA-0646-9CE4-5C0002EC01D2}"/>
+                <a16:creationId xmlns:a16="http://schemas.microsoft.com/office/drawing/2014/main" xmlns="" id="{318D81B2-CEAA-0646-9CE4-5C0002EC01D2}"/>
               </a:ext>
             </a:extLst>
           </p:cNvPr>
@@ -17799,6 +17741,74 @@
           </a:fontRef>
         </p:style>
       </p:cxnSp>
+      <p:sp>
+        <p:nvSpPr>
+          <p:cNvPr id="3" name="Rectangle 2"/>
+          <p:cNvSpPr/>
+          <p:nvPr/>
+        </p:nvSpPr>
+        <p:spPr>
+          <a:xfrm>
+            <a:off x="1263310" y="6077247"/>
+            <a:ext cx="3621506" cy="461665"/>
+          </a:xfrm>
+          <a:prstGeom prst="rect">
+            <a:avLst/>
+          </a:prstGeom>
+        </p:spPr>
+        <p:style>
+          <a:lnRef idx="2">
+            <a:schemeClr val="dk1"/>
+          </a:lnRef>
+          <a:fillRef idx="1">
+            <a:schemeClr val="lt1"/>
+          </a:fillRef>
+          <a:effectRef idx="0">
+            <a:schemeClr val="dk1"/>
+          </a:effectRef>
+          <a:fontRef idx="minor">
+            <a:schemeClr val="dk1"/>
+          </a:fontRef>
+        </p:style>
+        <p:txBody>
+          <a:bodyPr rtlCol="0" anchor="ctr"/>
+          <a:lstStyle/>
+          <a:p>
+            <a:pPr algn="ctr"/>
+            <a:endParaRPr lang="en-US"/>
+          </a:p>
+        </p:txBody>
+      </p:sp>
+      <p:sp>
+        <p:nvSpPr>
+          <p:cNvPr id="7" name="TextBox 6"/>
+          <p:cNvSpPr txBox="1"/>
+          <p:nvPr/>
+        </p:nvSpPr>
+        <p:spPr>
+          <a:xfrm>
+            <a:off x="1306464" y="6077247"/>
+            <a:ext cx="3424464" cy="461665"/>
+          </a:xfrm>
+          <a:prstGeom prst="rect">
+            <a:avLst/>
+          </a:prstGeom>
+          <a:noFill/>
+        </p:spPr>
+        <p:txBody>
+          <a:bodyPr wrap="none" rtlCol="0">
+            <a:spAutoFit/>
+          </a:bodyPr>
+          <a:lstStyle/>
+          <a:p>
+            <a:r>
+              <a:rPr lang="en-US" sz="2400" dirty="0" smtClean="0"/>
+              <a:t>Kernel: similarity measure</a:t>
+            </a:r>
+            <a:endParaRPr lang="en-US" sz="2400" dirty="0"/>
+          </a:p>
+        </p:txBody>
+      </p:sp>
     </p:spTree>
     <p:extLst>
       <p:ext uri="{BB962C8B-B14F-4D97-AF65-F5344CB8AC3E}">
@@ -17834,7 +17844,7 @@
           <p:cNvPr id="2" name="Title 1">
             <a:extLst>
               <a:ext uri="{FF2B5EF4-FFF2-40B4-BE49-F238E27FC236}">
-                <a16:creationId xmlns:a16="http://schemas.microsoft.com/office/drawing/2014/main" id="{90371848-C3C2-2946-8721-32944148379F}"/>
+                <a16:creationId xmlns:a16="http://schemas.microsoft.com/office/drawing/2014/main" xmlns="" id="{90371848-C3C2-2946-8721-32944148379F}"/>
               </a:ext>
             </a:extLst>
           </p:cNvPr>
@@ -17866,7 +17876,7 @@
           <p:cNvPr id="5" name="Picture 4">
             <a:extLst>
               <a:ext uri="{FF2B5EF4-FFF2-40B4-BE49-F238E27FC236}">
-                <a16:creationId xmlns:a16="http://schemas.microsoft.com/office/drawing/2014/main" id="{96C8DA8D-9BEF-744E-AFF8-50655E69712A}"/>
+                <a16:creationId xmlns:a16="http://schemas.microsoft.com/office/drawing/2014/main" xmlns="" id="{96C8DA8D-9BEF-744E-AFF8-50655E69712A}"/>
               </a:ext>
             </a:extLst>
           </p:cNvPr>
@@ -17876,7 +17886,13 @@
           <p:nvPr/>
         </p:nvPicPr>
         <p:blipFill>
-          <a:blip r:embed="rId2"/>
+          <a:blip r:embed="rId2">
+            <a:extLst>
+              <a:ext uri="{28A0092B-C50C-407E-A947-70E740481C1C}">
+                <a14:useLocalDpi xmlns:a14="http://schemas.microsoft.com/office/drawing/2010/main" val="0"/>
+              </a:ext>
+            </a:extLst>
+          </a:blip>
           <a:stretch>
             <a:fillRect/>
           </a:stretch>
@@ -17898,7 +17914,7 @@
               <p:cNvPr id="6" name="TextBox 5">
                 <a:extLst>
                   <a:ext uri="{FF2B5EF4-FFF2-40B4-BE49-F238E27FC236}">
-                    <a16:creationId xmlns:a16="http://schemas.microsoft.com/office/drawing/2014/main" id="{B64305C1-D8DA-9449-80AD-775E6D513BE6}"/>
+                    <a16:creationId xmlns:a16="http://schemas.microsoft.com/office/drawing/2014/main" xmlns="" id="{B64305C1-D8DA-9449-80AD-775E6D513BE6}"/>
                   </a:ext>
                 </a:extLst>
               </p:cNvPr>
@@ -17937,7 +17953,7 @@
                         <m:endChr m:val="}"/>
                         <m:ctrlPr>
                           <a:rPr lang="en-US" sz="2400" b="0" i="1" smtClean="0">
-                            <a:latin typeface="Cambria Math" panose="02040503050406030204" pitchFamily="18" charset="0"/>
+                            <a:latin typeface="Cambria Math" charset="0"/>
                           </a:rPr>
                         </m:ctrlPr>
                       </m:dPr>
@@ -17946,7 +17962,7 @@
                           <m:sSubPr>
                             <m:ctrlPr>
                               <a:rPr lang="en-US" sz="2400" b="0" i="1" smtClean="0">
-                                <a:latin typeface="Cambria Math" panose="02040503050406030204" pitchFamily="18" charset="0"/>
+                                <a:latin typeface="Cambria Math" charset="0"/>
                               </a:rPr>
                             </m:ctrlPr>
                           </m:sSubPr>
@@ -17977,7 +17993,7 @@
                           <m:sSubPr>
                             <m:ctrlPr>
                               <a:rPr lang="en-US" sz="2400" b="0" i="1" smtClean="0">
-                                <a:latin typeface="Cambria Math" panose="02040503050406030204" pitchFamily="18" charset="0"/>
+                                <a:latin typeface="Cambria Math" charset="0"/>
                               </a:rPr>
                             </m:ctrlPr>
                           </m:sSubPr>
@@ -18095,7 +18111,7 @@
               <p:cNvPr id="10" name="TextBox 9">
                 <a:extLst>
                   <a:ext uri="{FF2B5EF4-FFF2-40B4-BE49-F238E27FC236}">
-                    <a16:creationId xmlns:a16="http://schemas.microsoft.com/office/drawing/2014/main" id="{7D5A9CE5-A77C-4946-B639-CBEAA30C1E22}"/>
+                    <a16:creationId xmlns:a16="http://schemas.microsoft.com/office/drawing/2014/main" xmlns="" id="{7D5A9CE5-A77C-4946-B639-CBEAA30C1E22}"/>
                   </a:ext>
                 </a:extLst>
               </p:cNvPr>
@@ -18129,7 +18145,7 @@
                         <m:sSubPr>
                           <m:ctrlPr>
                             <a:rPr lang="en-US" sz="2400" b="0" i="1" smtClean="0">
-                              <a:latin typeface="Cambria Math" panose="02040503050406030204" pitchFamily="18" charset="0"/>
+                              <a:latin typeface="Cambria Math" charset="0"/>
                             </a:rPr>
                           </m:ctrlPr>
                         </m:sSubPr>
@@ -18172,7 +18188,7 @@
                         <m:sSubPr>
                           <m:ctrlPr>
                             <a:rPr lang="en-US" sz="2400" b="0" i="1" smtClean="0">
-                              <a:latin typeface="Cambria Math" panose="02040503050406030204" pitchFamily="18" charset="0"/>
+                              <a:latin typeface="Cambria Math" charset="0"/>
                             </a:rPr>
                           </m:ctrlPr>
                         </m:sSubPr>
@@ -18203,7 +18219,7 @@
                         <m:sSubPr>
                           <m:ctrlPr>
                             <a:rPr lang="en-US" sz="2400" b="0" i="1" smtClean="0">
-                              <a:latin typeface="Cambria Math" panose="02040503050406030204" pitchFamily="18" charset="0"/>
+                              <a:latin typeface="Cambria Math" charset="0"/>
                             </a:rPr>
                           </m:ctrlPr>
                         </m:sSubPr>
@@ -18240,7 +18256,7 @@
                         <m:funcPr>
                           <m:ctrlPr>
                             <a:rPr lang="en-US" sz="2400" b="0" i="1" smtClean="0">
-                              <a:latin typeface="Cambria Math" panose="02040503050406030204" pitchFamily="18" charset="0"/>
+                              <a:latin typeface="Cambria Math" charset="0"/>
                             </a:rPr>
                           </m:ctrlPr>
                         </m:funcPr>
@@ -18260,7 +18276,7 @@
                             <m:dPr>
                               <m:ctrlPr>
                                 <a:rPr lang="en-US" sz="2400" i="1">
-                                  <a:latin typeface="Cambria Math" panose="02040503050406030204" pitchFamily="18" charset="0"/>
+                                  <a:latin typeface="Cambria Math" charset="0"/>
                                 </a:rPr>
                               </m:ctrlPr>
                             </m:dPr>
@@ -18275,7 +18291,7 @@
                                 <m:fPr>
                                   <m:ctrlPr>
                                     <a:rPr lang="en-US" sz="2400" i="1">
-                                      <a:latin typeface="Cambria Math" panose="02040503050406030204" pitchFamily="18" charset="0"/>
+                                      <a:latin typeface="Cambria Math" charset="0"/>
                                     </a:rPr>
                                   </m:ctrlPr>
                                 </m:fPr>
@@ -18284,7 +18300,7 @@
                                     <m:sSupPr>
                                       <m:ctrlPr>
                                         <a:rPr lang="en-US" sz="2400" i="1">
-                                          <a:latin typeface="Cambria Math" panose="02040503050406030204" pitchFamily="18" charset="0"/>
+                                          <a:latin typeface="Cambria Math" charset="0"/>
                                         </a:rPr>
                                       </m:ctrlPr>
                                     </m:sSupPr>
@@ -18295,7 +18311,7 @@
                                           <m:endChr m:val="‖"/>
                                           <m:ctrlPr>
                                             <a:rPr lang="en-US" sz="2400" i="1">
-                                              <a:latin typeface="Cambria Math" panose="02040503050406030204" pitchFamily="18" charset="0"/>
+                                              <a:latin typeface="Cambria Math" charset="0"/>
                                             </a:rPr>
                                           </m:ctrlPr>
                                         </m:dPr>
@@ -18304,7 +18320,7 @@
                                             <m:sSubPr>
                                               <m:ctrlPr>
                                                 <a:rPr lang="en-US" sz="2400" b="0" i="1" smtClean="0">
-                                                  <a:latin typeface="Cambria Math" panose="02040503050406030204" pitchFamily="18" charset="0"/>
+                                                  <a:latin typeface="Cambria Math" charset="0"/>
                                                 </a:rPr>
                                               </m:ctrlPr>
                                             </m:sSubPr>
@@ -18335,7 +18351,7 @@
                                             <m:sSubPr>
                                               <m:ctrlPr>
                                                 <a:rPr lang="en-US" sz="2400" i="1">
-                                                  <a:latin typeface="Cambria Math" panose="02040503050406030204" pitchFamily="18" charset="0"/>
+                                                  <a:latin typeface="Cambria Math" charset="0"/>
                                                 </a:rPr>
                                               </m:ctrlPr>
                                             </m:sSubPr>
@@ -18380,7 +18396,7 @@
                                     <m:sSupPr>
                                       <m:ctrlPr>
                                         <a:rPr lang="en-US" sz="2400" i="1">
-                                          <a:latin typeface="Cambria Math" panose="02040503050406030204" pitchFamily="18" charset="0"/>
+                                          <a:latin typeface="Cambria Math" charset="0"/>
                                         </a:rPr>
                                       </m:ctrlPr>
                                     </m:sSupPr>
@@ -18467,7 +18483,7 @@
               <p:cNvPr id="11" name="TextBox 10">
                 <a:extLst>
                   <a:ext uri="{FF2B5EF4-FFF2-40B4-BE49-F238E27FC236}">
-                    <a16:creationId xmlns:a16="http://schemas.microsoft.com/office/drawing/2014/main" id="{2BCFFAF7-053D-EC4C-B2C4-7D00740F1FEF}"/>
+                    <a16:creationId xmlns:a16="http://schemas.microsoft.com/office/drawing/2014/main" xmlns="" id="{2BCFFAF7-053D-EC4C-B2C4-7D00740F1FEF}"/>
                   </a:ext>
                 </a:extLst>
               </p:cNvPr>
@@ -18501,7 +18517,7 @@
                         <m:sSupPr>
                           <m:ctrlPr>
                             <a:rPr lang="en-US" sz="2400" i="1" smtClean="0">
-                              <a:latin typeface="Cambria Math" panose="02040503050406030204" pitchFamily="18" charset="0"/>
+                              <a:latin typeface="Cambria Math" charset="0"/>
                             </a:rPr>
                           </m:ctrlPr>
                         </m:sSupPr>
@@ -18526,7 +18542,7 @@
                         <m:dPr>
                           <m:ctrlPr>
                             <a:rPr lang="en-US" sz="2400" i="1" smtClean="0">
-                              <a:latin typeface="Cambria Math" panose="02040503050406030204" pitchFamily="18" charset="0"/>
+                              <a:latin typeface="Cambria Math" charset="0"/>
                             </a:rPr>
                           </m:ctrlPr>
                         </m:dPr>
@@ -18535,7 +18551,7 @@
                             <m:sSubPr>
                               <m:ctrlPr>
                                 <a:rPr lang="en-US" sz="2400" b="1" i="1" smtClean="0">
-                                  <a:latin typeface="Cambria Math" panose="02040503050406030204" pitchFamily="18" charset="0"/>
+                                  <a:latin typeface="Cambria Math" charset="0"/>
                                 </a:rPr>
                               </m:ctrlPr>
                             </m:sSubPr>
@@ -18569,7 +18585,7 @@
                           <m:chr m:val="∑"/>
                           <m:ctrlPr>
                             <a:rPr lang="en-US" sz="2400" i="1" smtClean="0">
-                              <a:latin typeface="Cambria Math" panose="02040503050406030204" pitchFamily="18" charset="0"/>
+                              <a:latin typeface="Cambria Math" charset="0"/>
                             </a:rPr>
                           </m:ctrlPr>
                         </m:naryPr>
@@ -18594,7 +18610,7 @@
                             <m:sSubPr>
                               <m:ctrlPr>
                                 <a:rPr lang="en-US" sz="2400" i="1" smtClean="0">
-                                  <a:latin typeface="Cambria Math" panose="02040503050406030204" pitchFamily="18" charset="0"/>
+                                  <a:latin typeface="Cambria Math" charset="0"/>
                                 </a:rPr>
                               </m:ctrlPr>
                             </m:sSubPr>
@@ -18619,7 +18635,7 @@
                             <m:sSubPr>
                               <m:ctrlPr>
                                 <a:rPr lang="en-US" sz="2400" b="0" i="1" smtClean="0">
-                                  <a:latin typeface="Cambria Math" panose="02040503050406030204" pitchFamily="18" charset="0"/>
+                                  <a:latin typeface="Cambria Math" charset="0"/>
                                 </a:rPr>
                               </m:ctrlPr>
                             </m:sSubPr>
@@ -18714,7 +18730,7 @@
               <p:cNvPr id="12" name="TextBox 11">
                 <a:extLst>
                   <a:ext uri="{FF2B5EF4-FFF2-40B4-BE49-F238E27FC236}">
-                    <a16:creationId xmlns:a16="http://schemas.microsoft.com/office/drawing/2014/main" id="{E42519B7-76F1-154B-B8F2-6D963495238A}"/>
+                    <a16:creationId xmlns:a16="http://schemas.microsoft.com/office/drawing/2014/main" xmlns="" id="{E42519B7-76F1-154B-B8F2-6D963495238A}"/>
                   </a:ext>
                 </a:extLst>
               </p:cNvPr>
@@ -18748,7 +18764,7 @@
                         <m:funcPr>
                           <m:ctrlPr>
                             <a:rPr lang="en-US" sz="2400" i="1" smtClean="0">
-                              <a:latin typeface="Cambria Math" panose="02040503050406030204" pitchFamily="18" charset="0"/>
+                              <a:latin typeface="Cambria Math" charset="0"/>
                             </a:rPr>
                           </m:ctrlPr>
                         </m:funcPr>
@@ -18757,7 +18773,7 @@
                             <m:limLowPr>
                               <m:ctrlPr>
                                 <a:rPr lang="en-US" sz="2400" i="1" smtClean="0">
-                                  <a:latin typeface="Cambria Math" panose="02040503050406030204" pitchFamily="18" charset="0"/>
+                                  <a:latin typeface="Cambria Math" charset="0"/>
                                 </a:rPr>
                               </m:ctrlPr>
                             </m:limLowPr>
@@ -18788,7 +18804,7 @@
                               <m:chr m:val="∑"/>
                               <m:ctrlPr>
                                 <a:rPr lang="en-US" sz="2400" i="1" smtClean="0">
-                                  <a:latin typeface="Cambria Math" panose="02040503050406030204" pitchFamily="18" charset="0"/>
+                                  <a:latin typeface="Cambria Math" charset="0"/>
                                 </a:rPr>
                               </m:ctrlPr>
                             </m:naryPr>
@@ -18813,7 +18829,7 @@
                                 <m:sSupPr>
                                   <m:ctrlPr>
                                     <a:rPr lang="en-US" sz="2400" i="1">
-                                      <a:latin typeface="Cambria Math" panose="02040503050406030204" pitchFamily="18" charset="0"/>
+                                      <a:latin typeface="Cambria Math" charset="0"/>
                                     </a:rPr>
                                   </m:ctrlPr>
                                 </m:sSupPr>
@@ -18822,7 +18838,7 @@
                                     <m:dPr>
                                       <m:ctrlPr>
                                         <a:rPr lang="en-US" sz="2400" i="1">
-                                          <a:latin typeface="Cambria Math" panose="02040503050406030204" pitchFamily="18" charset="0"/>
+                                          <a:latin typeface="Cambria Math" charset="0"/>
                                         </a:rPr>
                                       </m:ctrlPr>
                                     </m:dPr>
@@ -18831,7 +18847,7 @@
                                         <m:sSupPr>
                                           <m:ctrlPr>
                                             <a:rPr lang="en-US" sz="2400" i="1">
-                                              <a:latin typeface="Cambria Math" panose="02040503050406030204" pitchFamily="18" charset="0"/>
+                                              <a:latin typeface="Cambria Math" charset="0"/>
                                             </a:rPr>
                                           </m:ctrlPr>
                                         </m:sSupPr>
@@ -18856,7 +18872,7 @@
                                         <m:dPr>
                                           <m:ctrlPr>
                                             <a:rPr lang="en-US" sz="2400" i="1">
-                                              <a:latin typeface="Cambria Math" panose="02040503050406030204" pitchFamily="18" charset="0"/>
+                                              <a:latin typeface="Cambria Math" charset="0"/>
                                             </a:rPr>
                                           </m:ctrlPr>
                                         </m:dPr>
@@ -18865,7 +18881,7 @@
                                             <m:sSubPr>
                                               <m:ctrlPr>
                                                 <a:rPr lang="en-US" sz="2400" b="1" i="1">
-                                                  <a:latin typeface="Cambria Math" panose="02040503050406030204" pitchFamily="18" charset="0"/>
+                                                  <a:latin typeface="Cambria Math" charset="0"/>
                                                 </a:rPr>
                                               </m:ctrlPr>
                                             </m:sSubPr>
@@ -18898,7 +18914,7 @@
                                         <m:sSubPr>
                                           <m:ctrlPr>
                                             <a:rPr lang="en-US" sz="2400" i="1">
-                                              <a:latin typeface="Cambria Math" panose="02040503050406030204" pitchFamily="18" charset="0"/>
+                                              <a:latin typeface="Cambria Math" charset="0"/>
                                             </a:rPr>
                                           </m:ctrlPr>
                                         </m:sSubPr>
@@ -19023,7 +19039,7 @@
           <p:cNvPr id="13" name="TextBox 12">
             <a:extLst>
               <a:ext uri="{FF2B5EF4-FFF2-40B4-BE49-F238E27FC236}">
-                <a16:creationId xmlns:a16="http://schemas.microsoft.com/office/drawing/2014/main" id="{C4657861-505D-E349-88F7-4E3BDFF6A993}"/>
+                <a16:creationId xmlns:a16="http://schemas.microsoft.com/office/drawing/2014/main" xmlns="" id="{C4657861-505D-E349-88F7-4E3BDFF6A993}"/>
               </a:ext>
             </a:extLst>
           </p:cNvPr>
@@ -19070,7 +19086,7 @@
           <p:cNvPr id="14" name="Straight Arrow Connector 13">
             <a:extLst>
               <a:ext uri="{FF2B5EF4-FFF2-40B4-BE49-F238E27FC236}">
-                <a16:creationId xmlns:a16="http://schemas.microsoft.com/office/drawing/2014/main" id="{0F4BC9DA-DC9F-CE4C-8E26-E9BBAD44CE37}"/>
+                <a16:creationId xmlns:a16="http://schemas.microsoft.com/office/drawing/2014/main" xmlns="" id="{0F4BC9DA-DC9F-CE4C-8E26-E9BBAD44CE37}"/>
               </a:ext>
             </a:extLst>
           </p:cNvPr>
@@ -19141,7 +19157,7 @@
           <p:cNvPr id="2" name="Title 1">
             <a:extLst>
               <a:ext uri="{FF2B5EF4-FFF2-40B4-BE49-F238E27FC236}">
-                <a16:creationId xmlns:a16="http://schemas.microsoft.com/office/drawing/2014/main" id="{90371848-C3C2-2946-8721-32944148379F}"/>
+                <a16:creationId xmlns:a16="http://schemas.microsoft.com/office/drawing/2014/main" xmlns="" id="{90371848-C3C2-2946-8721-32944148379F}"/>
               </a:ext>
             </a:extLst>
           </p:cNvPr>
@@ -19173,7 +19189,7 @@
           <p:cNvPr id="5" name="Picture 4">
             <a:extLst>
               <a:ext uri="{FF2B5EF4-FFF2-40B4-BE49-F238E27FC236}">
-                <a16:creationId xmlns:a16="http://schemas.microsoft.com/office/drawing/2014/main" id="{96C8DA8D-9BEF-744E-AFF8-50655E69712A}"/>
+                <a16:creationId xmlns:a16="http://schemas.microsoft.com/office/drawing/2014/main" xmlns="" id="{96C8DA8D-9BEF-744E-AFF8-50655E69712A}"/>
               </a:ext>
             </a:extLst>
           </p:cNvPr>
@@ -19183,7 +19199,13 @@
           <p:nvPr/>
         </p:nvPicPr>
         <p:blipFill>
-          <a:blip r:embed="rId2"/>
+          <a:blip r:embed="rId2">
+            <a:extLst>
+              <a:ext uri="{28A0092B-C50C-407E-A947-70E740481C1C}">
+                <a14:useLocalDpi xmlns:a14="http://schemas.microsoft.com/office/drawing/2010/main" val="0"/>
+              </a:ext>
+            </a:extLst>
+          </a:blip>
           <a:stretch>
             <a:fillRect/>
           </a:stretch>
@@ -19205,7 +19227,7 @@
               <p:cNvPr id="6" name="TextBox 5">
                 <a:extLst>
                   <a:ext uri="{FF2B5EF4-FFF2-40B4-BE49-F238E27FC236}">
-                    <a16:creationId xmlns:a16="http://schemas.microsoft.com/office/drawing/2014/main" id="{B64305C1-D8DA-9449-80AD-775E6D513BE6}"/>
+                    <a16:creationId xmlns:a16="http://schemas.microsoft.com/office/drawing/2014/main" xmlns="" id="{B64305C1-D8DA-9449-80AD-775E6D513BE6}"/>
                   </a:ext>
                 </a:extLst>
               </p:cNvPr>
@@ -19244,7 +19266,7 @@
                         <m:endChr m:val="}"/>
                         <m:ctrlPr>
                           <a:rPr lang="en-US" sz="2400" b="0" i="1" smtClean="0">
-                            <a:latin typeface="Cambria Math" panose="02040503050406030204" pitchFamily="18" charset="0"/>
+                            <a:latin typeface="Cambria Math" charset="0"/>
                           </a:rPr>
                         </m:ctrlPr>
                       </m:dPr>
@@ -19253,7 +19275,7 @@
                           <m:sSubPr>
                             <m:ctrlPr>
                               <a:rPr lang="en-US" sz="2400" b="0" i="1" smtClean="0">
-                                <a:latin typeface="Cambria Math" panose="02040503050406030204" pitchFamily="18" charset="0"/>
+                                <a:latin typeface="Cambria Math" charset="0"/>
                               </a:rPr>
                             </m:ctrlPr>
                           </m:sSubPr>
@@ -19284,7 +19306,7 @@
                           <m:sSubPr>
                             <m:ctrlPr>
                               <a:rPr lang="en-US" sz="2400" b="0" i="1" smtClean="0">
-                                <a:latin typeface="Cambria Math" panose="02040503050406030204" pitchFamily="18" charset="0"/>
+                                <a:latin typeface="Cambria Math" charset="0"/>
                               </a:rPr>
                             </m:ctrlPr>
                           </m:sSubPr>
@@ -19402,7 +19424,7 @@
               <p:cNvPr id="7" name="TextBox 6">
                 <a:extLst>
                   <a:ext uri="{FF2B5EF4-FFF2-40B4-BE49-F238E27FC236}">
-                    <a16:creationId xmlns:a16="http://schemas.microsoft.com/office/drawing/2014/main" id="{B326EACE-184C-7541-863E-4FC005F8970C}"/>
+                    <a16:creationId xmlns:a16="http://schemas.microsoft.com/office/drawing/2014/main" xmlns="" id="{B326EACE-184C-7541-863E-4FC005F8970C}"/>
                   </a:ext>
                 </a:extLst>
               </p:cNvPr>
@@ -19436,7 +19458,7 @@
                         <m:sSubPr>
                           <m:ctrlPr>
                             <a:rPr lang="en-US" sz="2400" b="0" i="1" smtClean="0">
-                              <a:latin typeface="Cambria Math" panose="02040503050406030204" pitchFamily="18" charset="0"/>
+                              <a:latin typeface="Cambria Math" charset="0"/>
                             </a:rPr>
                           </m:ctrlPr>
                         </m:sSubPr>
@@ -19479,7 +19501,7 @@
                         <m:sSubPr>
                           <m:ctrlPr>
                             <a:rPr lang="en-US" sz="2400" b="0" i="1" smtClean="0">
-                              <a:latin typeface="Cambria Math" panose="02040503050406030204" pitchFamily="18" charset="0"/>
+                              <a:latin typeface="Cambria Math" charset="0"/>
                             </a:rPr>
                           </m:ctrlPr>
                         </m:sSubPr>
@@ -19510,7 +19532,7 @@
                         <m:sSubPr>
                           <m:ctrlPr>
                             <a:rPr lang="en-US" sz="2400" b="0" i="1" smtClean="0">
-                              <a:latin typeface="Cambria Math" panose="02040503050406030204" pitchFamily="18" charset="0"/>
+                              <a:latin typeface="Cambria Math" charset="0"/>
                             </a:rPr>
                           </m:ctrlPr>
                         </m:sSubPr>
@@ -19547,7 +19569,7 @@
                         <m:funcPr>
                           <m:ctrlPr>
                             <a:rPr lang="en-US" sz="2400" b="0" i="1" smtClean="0">
-                              <a:latin typeface="Cambria Math" panose="02040503050406030204" pitchFamily="18" charset="0"/>
+                              <a:latin typeface="Cambria Math" charset="0"/>
                             </a:rPr>
                           </m:ctrlPr>
                         </m:funcPr>
@@ -19567,7 +19589,7 @@
                             <m:dPr>
                               <m:ctrlPr>
                                 <a:rPr lang="en-US" sz="2400" i="1">
-                                  <a:latin typeface="Cambria Math" panose="02040503050406030204" pitchFamily="18" charset="0"/>
+                                  <a:latin typeface="Cambria Math" charset="0"/>
                                 </a:rPr>
                               </m:ctrlPr>
                             </m:dPr>
@@ -19582,7 +19604,7 @@
                                 <m:fPr>
                                   <m:ctrlPr>
                                     <a:rPr lang="en-US" sz="2400" i="1">
-                                      <a:latin typeface="Cambria Math" panose="02040503050406030204" pitchFamily="18" charset="0"/>
+                                      <a:latin typeface="Cambria Math" charset="0"/>
                                     </a:rPr>
                                   </m:ctrlPr>
                                 </m:fPr>
@@ -19591,7 +19613,7 @@
                                     <m:sSupPr>
                                       <m:ctrlPr>
                                         <a:rPr lang="en-US" sz="2400" i="1">
-                                          <a:latin typeface="Cambria Math" panose="02040503050406030204" pitchFamily="18" charset="0"/>
+                                          <a:latin typeface="Cambria Math" charset="0"/>
                                         </a:rPr>
                                       </m:ctrlPr>
                                     </m:sSupPr>
@@ -19602,7 +19624,7 @@
                                           <m:endChr m:val="‖"/>
                                           <m:ctrlPr>
                                             <a:rPr lang="en-US" sz="2400" i="1">
-                                              <a:latin typeface="Cambria Math" panose="02040503050406030204" pitchFamily="18" charset="0"/>
+                                              <a:latin typeface="Cambria Math" charset="0"/>
                                             </a:rPr>
                                           </m:ctrlPr>
                                         </m:dPr>
@@ -19611,7 +19633,7 @@
                                             <m:sSubPr>
                                               <m:ctrlPr>
                                                 <a:rPr lang="en-US" sz="2400" b="0" i="1" smtClean="0">
-                                                  <a:latin typeface="Cambria Math" panose="02040503050406030204" pitchFamily="18" charset="0"/>
+                                                  <a:latin typeface="Cambria Math" charset="0"/>
                                                 </a:rPr>
                                               </m:ctrlPr>
                                             </m:sSubPr>
@@ -19642,7 +19664,7 @@
                                             <m:sSubPr>
                                               <m:ctrlPr>
                                                 <a:rPr lang="en-US" sz="2400" i="1">
-                                                  <a:latin typeface="Cambria Math" panose="02040503050406030204" pitchFamily="18" charset="0"/>
+                                                  <a:latin typeface="Cambria Math" charset="0"/>
                                                 </a:rPr>
                                               </m:ctrlPr>
                                             </m:sSubPr>
@@ -19687,7 +19709,7 @@
                                     <m:sSupPr>
                                       <m:ctrlPr>
                                         <a:rPr lang="en-US" sz="2400" i="1">
-                                          <a:latin typeface="Cambria Math" panose="02040503050406030204" pitchFamily="18" charset="0"/>
+                                          <a:latin typeface="Cambria Math" charset="0"/>
                                         </a:rPr>
                                       </m:ctrlPr>
                                     </m:sSupPr>
@@ -19774,7 +19796,7 @@
               <p:cNvPr id="8" name="TextBox 7">
                 <a:extLst>
                   <a:ext uri="{FF2B5EF4-FFF2-40B4-BE49-F238E27FC236}">
-                    <a16:creationId xmlns:a16="http://schemas.microsoft.com/office/drawing/2014/main" id="{4565886E-73A9-DD4D-90C2-BD9C2AFADF7F}"/>
+                    <a16:creationId xmlns:a16="http://schemas.microsoft.com/office/drawing/2014/main" xmlns="" id="{4565886E-73A9-DD4D-90C2-BD9C2AFADF7F}"/>
                   </a:ext>
                 </a:extLst>
               </p:cNvPr>
@@ -19808,7 +19830,7 @@
                         <m:sSupPr>
                           <m:ctrlPr>
                             <a:rPr lang="en-US" sz="2400" i="1" smtClean="0">
-                              <a:latin typeface="Cambria Math" panose="02040503050406030204" pitchFamily="18" charset="0"/>
+                              <a:latin typeface="Cambria Math" charset="0"/>
                             </a:rPr>
                           </m:ctrlPr>
                         </m:sSupPr>
@@ -19833,7 +19855,7 @@
                         <m:dPr>
                           <m:ctrlPr>
                             <a:rPr lang="en-US" sz="2400" i="1" smtClean="0">
-                              <a:latin typeface="Cambria Math" panose="02040503050406030204" pitchFamily="18" charset="0"/>
+                              <a:latin typeface="Cambria Math" charset="0"/>
                             </a:rPr>
                           </m:ctrlPr>
                         </m:dPr>
@@ -19842,7 +19864,7 @@
                             <m:sSubPr>
                               <m:ctrlPr>
                                 <a:rPr lang="en-US" sz="2400" b="1" i="1" smtClean="0">
-                                  <a:latin typeface="Cambria Math" panose="02040503050406030204" pitchFamily="18" charset="0"/>
+                                  <a:latin typeface="Cambria Math" charset="0"/>
                                 </a:rPr>
                               </m:ctrlPr>
                             </m:sSubPr>
@@ -19876,7 +19898,7 @@
                           <m:chr m:val="∑"/>
                           <m:ctrlPr>
                             <a:rPr lang="en-US" sz="2400" i="1" smtClean="0">
-                              <a:latin typeface="Cambria Math" panose="02040503050406030204" pitchFamily="18" charset="0"/>
+                              <a:latin typeface="Cambria Math" charset="0"/>
                             </a:rPr>
                           </m:ctrlPr>
                         </m:naryPr>
@@ -19901,7 +19923,7 @@
                             <m:sSubPr>
                               <m:ctrlPr>
                                 <a:rPr lang="en-US" sz="2400" i="1" smtClean="0">
-                                  <a:latin typeface="Cambria Math" panose="02040503050406030204" pitchFamily="18" charset="0"/>
+                                  <a:latin typeface="Cambria Math" charset="0"/>
                                 </a:rPr>
                               </m:ctrlPr>
                             </m:sSubPr>
@@ -19926,7 +19948,7 @@
                             <m:sSubPr>
                               <m:ctrlPr>
                                 <a:rPr lang="en-US" sz="2400" b="0" i="1" smtClean="0">
-                                  <a:latin typeface="Cambria Math" panose="02040503050406030204" pitchFamily="18" charset="0"/>
+                                  <a:latin typeface="Cambria Math" charset="0"/>
                                 </a:rPr>
                               </m:ctrlPr>
                             </m:sSubPr>
@@ -20021,7 +20043,7 @@
               <p:cNvPr id="9" name="TextBox 8">
                 <a:extLst>
                   <a:ext uri="{FF2B5EF4-FFF2-40B4-BE49-F238E27FC236}">
-                    <a16:creationId xmlns:a16="http://schemas.microsoft.com/office/drawing/2014/main" id="{F3A575DB-1649-C547-9BCE-503D6BD6423A}"/>
+                    <a16:creationId xmlns:a16="http://schemas.microsoft.com/office/drawing/2014/main" xmlns="" id="{F3A575DB-1649-C547-9BCE-503D6BD6423A}"/>
                   </a:ext>
                 </a:extLst>
               </p:cNvPr>
@@ -20055,7 +20077,7 @@
                         <m:funcPr>
                           <m:ctrlPr>
                             <a:rPr lang="en-US" sz="2400" i="1" smtClean="0">
-                              <a:latin typeface="Cambria Math" panose="02040503050406030204" pitchFamily="18" charset="0"/>
+                              <a:latin typeface="Cambria Math" charset="0"/>
                             </a:rPr>
                           </m:ctrlPr>
                         </m:funcPr>
@@ -20064,7 +20086,7 @@
                             <m:limLowPr>
                               <m:ctrlPr>
                                 <a:rPr lang="en-US" sz="2400" i="1" smtClean="0">
-                                  <a:latin typeface="Cambria Math" panose="02040503050406030204" pitchFamily="18" charset="0"/>
+                                  <a:latin typeface="Cambria Math" charset="0"/>
                                 </a:rPr>
                               </m:ctrlPr>
                             </m:limLowPr>
@@ -20095,7 +20117,7 @@
                               <m:chr m:val="∑"/>
                               <m:ctrlPr>
                                 <a:rPr lang="en-US" sz="2400" i="1" smtClean="0">
-                                  <a:latin typeface="Cambria Math" panose="02040503050406030204" pitchFamily="18" charset="0"/>
+                                  <a:latin typeface="Cambria Math" charset="0"/>
                                 </a:rPr>
                               </m:ctrlPr>
                             </m:naryPr>
@@ -20120,7 +20142,7 @@
                                 <m:sSupPr>
                                   <m:ctrlPr>
                                     <a:rPr lang="en-US" sz="2400" i="1">
-                                      <a:latin typeface="Cambria Math" panose="02040503050406030204" pitchFamily="18" charset="0"/>
+                                      <a:latin typeface="Cambria Math" charset="0"/>
                                     </a:rPr>
                                   </m:ctrlPr>
                                 </m:sSupPr>
@@ -20129,7 +20151,7 @@
                                     <m:dPr>
                                       <m:ctrlPr>
                                         <a:rPr lang="en-US" sz="2400" i="1">
-                                          <a:latin typeface="Cambria Math" panose="02040503050406030204" pitchFamily="18" charset="0"/>
+                                          <a:latin typeface="Cambria Math" charset="0"/>
                                         </a:rPr>
                                       </m:ctrlPr>
                                     </m:dPr>
@@ -20138,7 +20160,7 @@
                                         <m:sSupPr>
                                           <m:ctrlPr>
                                             <a:rPr lang="en-US" sz="2400" i="1">
-                                              <a:latin typeface="Cambria Math" panose="02040503050406030204" pitchFamily="18" charset="0"/>
+                                              <a:latin typeface="Cambria Math" charset="0"/>
                                             </a:rPr>
                                           </m:ctrlPr>
                                         </m:sSupPr>
@@ -20163,7 +20185,7 @@
                                         <m:dPr>
                                           <m:ctrlPr>
                                             <a:rPr lang="en-US" sz="2400" i="1">
-                                              <a:latin typeface="Cambria Math" panose="02040503050406030204" pitchFamily="18" charset="0"/>
+                                              <a:latin typeface="Cambria Math" charset="0"/>
                                             </a:rPr>
                                           </m:ctrlPr>
                                         </m:dPr>
@@ -20172,7 +20194,7 @@
                                             <m:sSubPr>
                                               <m:ctrlPr>
                                                 <a:rPr lang="en-US" sz="2400" b="1" i="1">
-                                                  <a:latin typeface="Cambria Math" panose="02040503050406030204" pitchFamily="18" charset="0"/>
+                                                  <a:latin typeface="Cambria Math" charset="0"/>
                                                 </a:rPr>
                                               </m:ctrlPr>
                                             </m:sSubPr>
@@ -20205,7 +20227,7 @@
                                         <m:sSubPr>
                                           <m:ctrlPr>
                                             <a:rPr lang="en-US" sz="2400" i="1">
-                                              <a:latin typeface="Cambria Math" panose="02040503050406030204" pitchFamily="18" charset="0"/>
+                                              <a:latin typeface="Cambria Math" charset="0"/>
                                             </a:rPr>
                                           </m:ctrlPr>
                                         </m:sSubPr>
@@ -20360,7 +20382,7 @@
           <p:cNvPr id="2" name="Title 1">
             <a:extLst>
               <a:ext uri="{FF2B5EF4-FFF2-40B4-BE49-F238E27FC236}">
-                <a16:creationId xmlns:a16="http://schemas.microsoft.com/office/drawing/2014/main" id="{90371848-C3C2-2946-8721-32944148379F}"/>
+                <a16:creationId xmlns:a16="http://schemas.microsoft.com/office/drawing/2014/main" xmlns="" id="{90371848-C3C2-2946-8721-32944148379F}"/>
               </a:ext>
             </a:extLst>
           </p:cNvPr>
@@ -20400,7 +20422,7 @@
           <p:cNvPr id="5" name="Picture 4">
             <a:extLst>
               <a:ext uri="{FF2B5EF4-FFF2-40B4-BE49-F238E27FC236}">
-                <a16:creationId xmlns:a16="http://schemas.microsoft.com/office/drawing/2014/main" id="{96C8DA8D-9BEF-744E-AFF8-50655E69712A}"/>
+                <a16:creationId xmlns:a16="http://schemas.microsoft.com/office/drawing/2014/main" xmlns="" id="{96C8DA8D-9BEF-744E-AFF8-50655E69712A}"/>
               </a:ext>
             </a:extLst>
           </p:cNvPr>
@@ -20410,7 +20432,13 @@
           <p:nvPr/>
         </p:nvPicPr>
         <p:blipFill>
-          <a:blip r:embed="rId2"/>
+          <a:blip r:embed="rId2">
+            <a:extLst>
+              <a:ext uri="{28A0092B-C50C-407E-A947-70E740481C1C}">
+                <a14:useLocalDpi xmlns:a14="http://schemas.microsoft.com/office/drawing/2010/main" val="0"/>
+              </a:ext>
+            </a:extLst>
+          </a:blip>
           <a:stretch>
             <a:fillRect/>
           </a:stretch>
@@ -20432,7 +20460,7 @@
               <p:cNvPr id="6" name="TextBox 5">
                 <a:extLst>
                   <a:ext uri="{FF2B5EF4-FFF2-40B4-BE49-F238E27FC236}">
-                    <a16:creationId xmlns:a16="http://schemas.microsoft.com/office/drawing/2014/main" id="{B64305C1-D8DA-9449-80AD-775E6D513BE6}"/>
+                    <a16:creationId xmlns:a16="http://schemas.microsoft.com/office/drawing/2014/main" xmlns="" id="{B64305C1-D8DA-9449-80AD-775E6D513BE6}"/>
                   </a:ext>
                 </a:extLst>
               </p:cNvPr>
@@ -20471,7 +20499,7 @@
                         <m:endChr m:val="}"/>
                         <m:ctrlPr>
                           <a:rPr lang="en-US" sz="2400" b="0" i="1" smtClean="0">
-                            <a:latin typeface="Cambria Math" panose="02040503050406030204" pitchFamily="18" charset="0"/>
+                            <a:latin typeface="Cambria Math" charset="0"/>
                           </a:rPr>
                         </m:ctrlPr>
                       </m:dPr>
@@ -20480,7 +20508,7 @@
                           <m:sSubPr>
                             <m:ctrlPr>
                               <a:rPr lang="en-US" sz="2400" b="0" i="1" smtClean="0">
-                                <a:latin typeface="Cambria Math" panose="02040503050406030204" pitchFamily="18" charset="0"/>
+                                <a:latin typeface="Cambria Math" charset="0"/>
                               </a:rPr>
                             </m:ctrlPr>
                           </m:sSubPr>
@@ -20511,7 +20539,7 @@
                           <m:sSubPr>
                             <m:ctrlPr>
                               <a:rPr lang="en-US" sz="2400" b="0" i="1" smtClean="0">
-                                <a:latin typeface="Cambria Math" panose="02040503050406030204" pitchFamily="18" charset="0"/>
+                                <a:latin typeface="Cambria Math" charset="0"/>
                               </a:rPr>
                             </m:ctrlPr>
                           </m:sSubPr>
@@ -20629,7 +20657,7 @@
               <p:cNvPr id="7" name="TextBox 6">
                 <a:extLst>
                   <a:ext uri="{FF2B5EF4-FFF2-40B4-BE49-F238E27FC236}">
-                    <a16:creationId xmlns:a16="http://schemas.microsoft.com/office/drawing/2014/main" id="{B326EACE-184C-7541-863E-4FC005F8970C}"/>
+                    <a16:creationId xmlns:a16="http://schemas.microsoft.com/office/drawing/2014/main" xmlns="" id="{B326EACE-184C-7541-863E-4FC005F8970C}"/>
                   </a:ext>
                 </a:extLst>
               </p:cNvPr>
@@ -20663,7 +20691,7 @@
                         <m:sSubPr>
                           <m:ctrlPr>
                             <a:rPr lang="en-US" sz="2400" b="0" i="1" smtClean="0">
-                              <a:latin typeface="Cambria Math" panose="02040503050406030204" pitchFamily="18" charset="0"/>
+                              <a:latin typeface="Cambria Math" charset="0"/>
                             </a:rPr>
                           </m:ctrlPr>
                         </m:sSubPr>
@@ -20706,7 +20734,7 @@
                         <m:sSubPr>
                           <m:ctrlPr>
                             <a:rPr lang="en-US" sz="2400" b="0" i="1" smtClean="0">
-                              <a:latin typeface="Cambria Math" panose="02040503050406030204" pitchFamily="18" charset="0"/>
+                              <a:latin typeface="Cambria Math" charset="0"/>
                             </a:rPr>
                           </m:ctrlPr>
                         </m:sSubPr>
@@ -20737,7 +20765,7 @@
                         <m:sSubPr>
                           <m:ctrlPr>
                             <a:rPr lang="en-US" sz="2400" b="0" i="1" smtClean="0">
-                              <a:latin typeface="Cambria Math" panose="02040503050406030204" pitchFamily="18" charset="0"/>
+                              <a:latin typeface="Cambria Math" charset="0"/>
                             </a:rPr>
                           </m:ctrlPr>
                         </m:sSubPr>
@@ -20774,7 +20802,7 @@
                         <m:funcPr>
                           <m:ctrlPr>
                             <a:rPr lang="en-US" sz="2400" b="0" i="1" smtClean="0">
-                              <a:latin typeface="Cambria Math" panose="02040503050406030204" pitchFamily="18" charset="0"/>
+                              <a:latin typeface="Cambria Math" charset="0"/>
                             </a:rPr>
                           </m:ctrlPr>
                         </m:funcPr>
@@ -20794,7 +20822,7 @@
                             <m:dPr>
                               <m:ctrlPr>
                                 <a:rPr lang="en-US" sz="2400" i="1">
-                                  <a:latin typeface="Cambria Math" panose="02040503050406030204" pitchFamily="18" charset="0"/>
+                                  <a:latin typeface="Cambria Math" charset="0"/>
                                 </a:rPr>
                               </m:ctrlPr>
                             </m:dPr>
@@ -20809,7 +20837,7 @@
                                 <m:fPr>
                                   <m:ctrlPr>
                                     <a:rPr lang="en-US" sz="2400" i="1">
-                                      <a:latin typeface="Cambria Math" panose="02040503050406030204" pitchFamily="18" charset="0"/>
+                                      <a:latin typeface="Cambria Math" charset="0"/>
                                     </a:rPr>
                                   </m:ctrlPr>
                                 </m:fPr>
@@ -20818,7 +20846,7 @@
                                     <m:sSupPr>
                                       <m:ctrlPr>
                                         <a:rPr lang="en-US" sz="2400" i="1">
-                                          <a:latin typeface="Cambria Math" panose="02040503050406030204" pitchFamily="18" charset="0"/>
+                                          <a:latin typeface="Cambria Math" charset="0"/>
                                         </a:rPr>
                                       </m:ctrlPr>
                                     </m:sSupPr>
@@ -20829,7 +20857,7 @@
                                           <m:endChr m:val="‖"/>
                                           <m:ctrlPr>
                                             <a:rPr lang="en-US" sz="2400" i="1">
-                                              <a:latin typeface="Cambria Math" panose="02040503050406030204" pitchFamily="18" charset="0"/>
+                                              <a:latin typeface="Cambria Math" charset="0"/>
                                             </a:rPr>
                                           </m:ctrlPr>
                                         </m:dPr>
@@ -20838,7 +20866,7 @@
                                             <m:sSubPr>
                                               <m:ctrlPr>
                                                 <a:rPr lang="en-US" sz="2400" b="0" i="1" smtClean="0">
-                                                  <a:latin typeface="Cambria Math" panose="02040503050406030204" pitchFamily="18" charset="0"/>
+                                                  <a:latin typeface="Cambria Math" charset="0"/>
                                                 </a:rPr>
                                               </m:ctrlPr>
                                             </m:sSubPr>
@@ -20869,7 +20897,7 @@
                                             <m:sSubPr>
                                               <m:ctrlPr>
                                                 <a:rPr lang="en-US" sz="2400" i="1">
-                                                  <a:latin typeface="Cambria Math" panose="02040503050406030204" pitchFamily="18" charset="0"/>
+                                                  <a:latin typeface="Cambria Math" charset="0"/>
                                                 </a:rPr>
                                               </m:ctrlPr>
                                             </m:sSubPr>
@@ -20914,7 +20942,7 @@
                                     <m:sSupPr>
                                       <m:ctrlPr>
                                         <a:rPr lang="en-US" sz="2400" i="1">
-                                          <a:latin typeface="Cambria Math" panose="02040503050406030204" pitchFamily="18" charset="0"/>
+                                          <a:latin typeface="Cambria Math" charset="0"/>
                                         </a:rPr>
                                       </m:ctrlPr>
                                     </m:sSupPr>
@@ -21001,7 +21029,7 @@
               <p:cNvPr id="8" name="TextBox 7">
                 <a:extLst>
                   <a:ext uri="{FF2B5EF4-FFF2-40B4-BE49-F238E27FC236}">
-                    <a16:creationId xmlns:a16="http://schemas.microsoft.com/office/drawing/2014/main" id="{4565886E-73A9-DD4D-90C2-BD9C2AFADF7F}"/>
+                    <a16:creationId xmlns:a16="http://schemas.microsoft.com/office/drawing/2014/main" xmlns="" id="{4565886E-73A9-DD4D-90C2-BD9C2AFADF7F}"/>
                   </a:ext>
                 </a:extLst>
               </p:cNvPr>
@@ -21035,7 +21063,7 @@
                         <m:sSupPr>
                           <m:ctrlPr>
                             <a:rPr lang="en-US" sz="2400" i="1" smtClean="0">
-                              <a:latin typeface="Cambria Math" panose="02040503050406030204" pitchFamily="18" charset="0"/>
+                              <a:latin typeface="Cambria Math" charset="0"/>
                             </a:rPr>
                           </m:ctrlPr>
                         </m:sSupPr>
@@ -21060,7 +21088,7 @@
                         <m:dPr>
                           <m:ctrlPr>
                             <a:rPr lang="en-US" sz="2400" i="1" smtClean="0">
-                              <a:latin typeface="Cambria Math" panose="02040503050406030204" pitchFamily="18" charset="0"/>
+                              <a:latin typeface="Cambria Math" charset="0"/>
                             </a:rPr>
                           </m:ctrlPr>
                         </m:dPr>
@@ -21069,7 +21097,7 @@
                             <m:sSubPr>
                               <m:ctrlPr>
                                 <a:rPr lang="en-US" sz="2400" b="1" i="1" smtClean="0">
-                                  <a:latin typeface="Cambria Math" panose="02040503050406030204" pitchFamily="18" charset="0"/>
+                                  <a:latin typeface="Cambria Math" charset="0"/>
                                 </a:rPr>
                               </m:ctrlPr>
                             </m:sSubPr>
@@ -21103,7 +21131,7 @@
                           <m:chr m:val="∑"/>
                           <m:ctrlPr>
                             <a:rPr lang="en-US" sz="2400" i="1" smtClean="0">
-                              <a:latin typeface="Cambria Math" panose="02040503050406030204" pitchFamily="18" charset="0"/>
+                              <a:latin typeface="Cambria Math" charset="0"/>
                             </a:rPr>
                           </m:ctrlPr>
                         </m:naryPr>
@@ -21128,7 +21156,7 @@
                             <m:sSubPr>
                               <m:ctrlPr>
                                 <a:rPr lang="en-US" sz="2400" i="1" smtClean="0">
-                                  <a:latin typeface="Cambria Math" panose="02040503050406030204" pitchFamily="18" charset="0"/>
+                                  <a:latin typeface="Cambria Math" charset="0"/>
                                 </a:rPr>
                               </m:ctrlPr>
                             </m:sSubPr>
@@ -21153,7 +21181,7 @@
                             <m:sSubPr>
                               <m:ctrlPr>
                                 <a:rPr lang="en-US" sz="2400" b="0" i="1" smtClean="0">
-                                  <a:latin typeface="Cambria Math" panose="02040503050406030204" pitchFamily="18" charset="0"/>
+                                  <a:latin typeface="Cambria Math" charset="0"/>
                                 </a:rPr>
                               </m:ctrlPr>
                             </m:sSubPr>
@@ -21248,7 +21276,7 @@
               <p:cNvPr id="9" name="TextBox 8">
                 <a:extLst>
                   <a:ext uri="{FF2B5EF4-FFF2-40B4-BE49-F238E27FC236}">
-                    <a16:creationId xmlns:a16="http://schemas.microsoft.com/office/drawing/2014/main" id="{F3A575DB-1649-C547-9BCE-503D6BD6423A}"/>
+                    <a16:creationId xmlns:a16="http://schemas.microsoft.com/office/drawing/2014/main" xmlns="" id="{F3A575DB-1649-C547-9BCE-503D6BD6423A}"/>
                   </a:ext>
                 </a:extLst>
               </p:cNvPr>
@@ -21282,7 +21310,7 @@
                         <m:funcPr>
                           <m:ctrlPr>
                             <a:rPr lang="en-US" sz="2400" i="1" smtClean="0">
-                              <a:latin typeface="Cambria Math" panose="02040503050406030204" pitchFamily="18" charset="0"/>
+                              <a:latin typeface="Cambria Math" charset="0"/>
                             </a:rPr>
                           </m:ctrlPr>
                         </m:funcPr>
@@ -21291,7 +21319,7 @@
                             <m:limLowPr>
                               <m:ctrlPr>
                                 <a:rPr lang="en-US" sz="2400" i="1" smtClean="0">
-                                  <a:latin typeface="Cambria Math" panose="02040503050406030204" pitchFamily="18" charset="0"/>
+                                  <a:latin typeface="Cambria Math" charset="0"/>
                                 </a:rPr>
                               </m:ctrlPr>
                             </m:limLowPr>
@@ -21322,7 +21350,7 @@
                               <m:chr m:val="∑"/>
                               <m:ctrlPr>
                                 <a:rPr lang="en-US" sz="2400" i="1" smtClean="0">
-                                  <a:latin typeface="Cambria Math" panose="02040503050406030204" pitchFamily="18" charset="0"/>
+                                  <a:latin typeface="Cambria Math" charset="0"/>
                                 </a:rPr>
                               </m:ctrlPr>
                             </m:naryPr>
@@ -21347,7 +21375,7 @@
                                 <m:sSupPr>
                                   <m:ctrlPr>
                                     <a:rPr lang="en-US" sz="2400" i="1">
-                                      <a:latin typeface="Cambria Math" panose="02040503050406030204" pitchFamily="18" charset="0"/>
+                                      <a:latin typeface="Cambria Math" charset="0"/>
                                     </a:rPr>
                                   </m:ctrlPr>
                                 </m:sSupPr>
@@ -21356,7 +21384,7 @@
                                     <m:dPr>
                                       <m:ctrlPr>
                                         <a:rPr lang="en-US" sz="2400" i="1">
-                                          <a:latin typeface="Cambria Math" panose="02040503050406030204" pitchFamily="18" charset="0"/>
+                                          <a:latin typeface="Cambria Math" charset="0"/>
                                         </a:rPr>
                                       </m:ctrlPr>
                                     </m:dPr>
@@ -21365,7 +21393,7 @@
                                         <m:sSupPr>
                                           <m:ctrlPr>
                                             <a:rPr lang="en-US" sz="2400" i="1">
-                                              <a:latin typeface="Cambria Math" panose="02040503050406030204" pitchFamily="18" charset="0"/>
+                                              <a:latin typeface="Cambria Math" charset="0"/>
                                             </a:rPr>
                                           </m:ctrlPr>
                                         </m:sSupPr>
@@ -21390,7 +21418,7 @@
                                         <m:dPr>
                                           <m:ctrlPr>
                                             <a:rPr lang="en-US" sz="2400" i="1">
-                                              <a:latin typeface="Cambria Math" panose="02040503050406030204" pitchFamily="18" charset="0"/>
+                                              <a:latin typeface="Cambria Math" charset="0"/>
                                             </a:rPr>
                                           </m:ctrlPr>
                                         </m:dPr>
@@ -21399,7 +21427,7 @@
                                             <m:sSubPr>
                                               <m:ctrlPr>
                                                 <a:rPr lang="en-US" sz="2400" b="1" i="1">
-                                                  <a:latin typeface="Cambria Math" panose="02040503050406030204" pitchFamily="18" charset="0"/>
+                                                  <a:latin typeface="Cambria Math" charset="0"/>
                                                 </a:rPr>
                                               </m:ctrlPr>
                                             </m:sSubPr>
@@ -21432,7 +21460,7 @@
                                         <m:sSubPr>
                                           <m:ctrlPr>
                                             <a:rPr lang="en-US" sz="2400" i="1">
-                                              <a:latin typeface="Cambria Math" panose="02040503050406030204" pitchFamily="18" charset="0"/>
+                                              <a:latin typeface="Cambria Math" charset="0"/>
                                             </a:rPr>
                                           </m:ctrlPr>
                                         </m:sSubPr>
@@ -21484,7 +21512,7 @@
                               <m:chr m:val="∑"/>
                               <m:ctrlPr>
                                 <a:rPr lang="en-US" sz="2400" i="1" smtClean="0">
-                                  <a:latin typeface="Cambria Math" panose="02040503050406030204" pitchFamily="18" charset="0"/>
+                                  <a:latin typeface="Cambria Math" charset="0"/>
                                 </a:rPr>
                               </m:ctrlPr>
                             </m:naryPr>
@@ -21524,7 +21552,7 @@
                                 <m:sSubSupPr>
                                   <m:ctrlPr>
                                     <a:rPr lang="en-US" sz="2400" b="0" i="1" smtClean="0">
-                                      <a:latin typeface="Cambria Math" panose="02040503050406030204" pitchFamily="18" charset="0"/>
+                                      <a:latin typeface="Cambria Math" charset="0"/>
                                     </a:rPr>
                                   </m:ctrlPr>
                                 </m:sSubSupPr>
@@ -21557,7 +21585,7 @@
                                 <m:sSubPr>
                                   <m:ctrlPr>
                                     <a:rPr lang="en-US" sz="2400" b="0" i="1" smtClean="0">
-                                      <a:latin typeface="Cambria Math" panose="02040503050406030204" pitchFamily="18" charset="0"/>
+                                      <a:latin typeface="Cambria Math" charset="0"/>
                                     </a:rPr>
                                   </m:ctrlPr>
                                 </m:sSubPr>
@@ -21582,7 +21610,7 @@
                                 <m:sSubPr>
                                   <m:ctrlPr>
                                     <a:rPr lang="en-US" sz="2400" b="0" i="1" smtClean="0">
-                                      <a:latin typeface="Cambria Math" panose="02040503050406030204" pitchFamily="18" charset="0"/>
+                                      <a:latin typeface="Cambria Math" charset="0"/>
                                     </a:rPr>
                                   </m:ctrlPr>
                                 </m:sSubPr>
@@ -21690,10 +21718,124 @@
           </a:prstGeom>
         </p:spPr>
       </p:pic>
+      <p:sp>
+        <p:nvSpPr>
+          <p:cNvPr id="14" name="Rectangle 13"/>
+          <p:cNvSpPr/>
+          <p:nvPr/>
+        </p:nvSpPr>
+        <p:spPr>
+          <a:xfrm>
+            <a:off x="5182015" y="1926850"/>
+            <a:ext cx="2322095" cy="478322"/>
+          </a:xfrm>
+          <a:prstGeom prst="rect">
+            <a:avLst/>
+          </a:prstGeom>
+          <a:ln w="12700">
+            <a:solidFill>
+              <a:schemeClr val="tx1"/>
+            </a:solidFill>
+          </a:ln>
+        </p:spPr>
+        <p:style>
+          <a:lnRef idx="2">
+            <a:schemeClr val="accent6"/>
+          </a:lnRef>
+          <a:fillRef idx="1">
+            <a:schemeClr val="lt1"/>
+          </a:fillRef>
+          <a:effectRef idx="0">
+            <a:schemeClr val="accent6"/>
+          </a:effectRef>
+          <a:fontRef idx="minor">
+            <a:schemeClr val="dk1"/>
+          </a:fontRef>
+        </p:style>
+        <p:txBody>
+          <a:bodyPr rtlCol="0" anchor="ctr"/>
+          <a:lstStyle/>
+          <a:p>
+            <a:pPr algn="ctr"/>
+            <a:endParaRPr lang="en-US"/>
+          </a:p>
+        </p:txBody>
+      </p:sp>
+      <p:sp>
+        <p:nvSpPr>
+          <p:cNvPr id="15" name="TextBox 14"/>
+          <p:cNvSpPr txBox="1"/>
+          <p:nvPr/>
+        </p:nvSpPr>
+        <p:spPr>
+          <a:xfrm>
+            <a:off x="5362729" y="1914818"/>
+            <a:ext cx="1960665" cy="461665"/>
+          </a:xfrm>
+          <a:prstGeom prst="rect">
+            <a:avLst/>
+          </a:prstGeom>
+          <a:noFill/>
+        </p:spPr>
+        <p:txBody>
+          <a:bodyPr wrap="none" rtlCol="0">
+            <a:spAutoFit/>
+          </a:bodyPr>
+          <a:lstStyle/>
+          <a:p>
+            <a:r>
+              <a:rPr lang="en-US" sz="2400" smtClean="0"/>
+              <a:t>Regularization</a:t>
+            </a:r>
+            <a:endParaRPr lang="en-US" sz="2400"/>
+          </a:p>
+        </p:txBody>
+      </p:sp>
+      <p:cxnSp>
+        <p:nvCxnSpPr>
+          <p:cNvPr id="13" name="Straight Arrow Connector 12">
+            <a:extLst>
+              <a:ext uri="{FF2B5EF4-FFF2-40B4-BE49-F238E27FC236}">
+                <a16:creationId xmlns:a16="http://schemas.microsoft.com/office/drawing/2014/main" xmlns="" id="{318D81B2-CEAA-0646-9CE4-5C0002EC01D2}"/>
+              </a:ext>
+            </a:extLst>
+          </p:cNvPr>
+          <p:cNvCxnSpPr>
+            <a:cxnSpLocks/>
+          </p:cNvCxnSpPr>
+          <p:nvPr/>
+        </p:nvCxnSpPr>
+        <p:spPr>
+          <a:xfrm flipH="1">
+            <a:off x="5438277" y="2405172"/>
+            <a:ext cx="477668" cy="422249"/>
+          </a:xfrm>
+          <a:prstGeom prst="straightConnector1">
+            <a:avLst/>
+          </a:prstGeom>
+          <a:ln w="25400">
+            <a:tailEnd type="triangle"/>
+          </a:ln>
+        </p:spPr>
+        <p:style>
+          <a:lnRef idx="3">
+            <a:schemeClr val="dk1"/>
+          </a:lnRef>
+          <a:fillRef idx="0">
+            <a:schemeClr val="dk1"/>
+          </a:fillRef>
+          <a:effectRef idx="2">
+            <a:schemeClr val="dk1"/>
+          </a:effectRef>
+          <a:fontRef idx="minor">
+            <a:schemeClr val="tx1"/>
+          </a:fontRef>
+        </p:style>
+      </p:cxnSp>
     </p:spTree>
     <p:extLst>
       <p:ext uri="{BB962C8B-B14F-4D97-AF65-F5344CB8AC3E}">
-        <p14:creationId xmlns:p14="http://schemas.microsoft.com/office/powerpoint/2010/main" val="157209203"/>
+        <p14:creationId xmlns:p14="http://schemas.microsoft.com/office/powerpoint/2010/main" val="427530605"/>
       </p:ext>
     </p:extLst>
   </p:cSld>
@@ -21725,7 +21867,7 @@
           <p:cNvPr id="2" name="Title 1">
             <a:extLst>
               <a:ext uri="{FF2B5EF4-FFF2-40B4-BE49-F238E27FC236}">
-                <a16:creationId xmlns:a16="http://schemas.microsoft.com/office/drawing/2014/main" id="{90371848-C3C2-2946-8721-32944148379F}"/>
+                <a16:creationId xmlns:a16="http://schemas.microsoft.com/office/drawing/2014/main" xmlns="" id="{90371848-C3C2-2946-8721-32944148379F}"/>
               </a:ext>
             </a:extLst>
           </p:cNvPr>
@@ -21765,7 +21907,7 @@
           <p:cNvPr id="5" name="Picture 4">
             <a:extLst>
               <a:ext uri="{FF2B5EF4-FFF2-40B4-BE49-F238E27FC236}">
-                <a16:creationId xmlns:a16="http://schemas.microsoft.com/office/drawing/2014/main" id="{96C8DA8D-9BEF-744E-AFF8-50655E69712A}"/>
+                <a16:creationId xmlns:a16="http://schemas.microsoft.com/office/drawing/2014/main" xmlns="" id="{96C8DA8D-9BEF-744E-AFF8-50655E69712A}"/>
               </a:ext>
             </a:extLst>
           </p:cNvPr>
@@ -21775,7 +21917,13 @@
           <p:nvPr/>
         </p:nvPicPr>
         <p:blipFill>
-          <a:blip r:embed="rId2"/>
+          <a:blip r:embed="rId2">
+            <a:extLst>
+              <a:ext uri="{28A0092B-C50C-407E-A947-70E740481C1C}">
+                <a14:useLocalDpi xmlns:a14="http://schemas.microsoft.com/office/drawing/2010/main" val="0"/>
+              </a:ext>
+            </a:extLst>
+          </a:blip>
           <a:stretch>
             <a:fillRect/>
           </a:stretch>
@@ -21795,7 +21943,7 @@
           <p:cNvPr id="6" name="TextBox 5">
             <a:extLst>
               <a:ext uri="{FF2B5EF4-FFF2-40B4-BE49-F238E27FC236}">
-                <a16:creationId xmlns:a16="http://schemas.microsoft.com/office/drawing/2014/main" id="{B64305C1-D8DA-9449-80AD-775E6D513BE6}"/>
+                <a16:creationId xmlns:a16="http://schemas.microsoft.com/office/drawing/2014/main" xmlns="" id="{B64305C1-D8DA-9449-80AD-775E6D513BE6}"/>
               </a:ext>
             </a:extLst>
           </p:cNvPr>
@@ -21832,7 +21980,7 @@
               <p:cNvPr id="8" name="TextBox 7">
                 <a:extLst>
                   <a:ext uri="{FF2B5EF4-FFF2-40B4-BE49-F238E27FC236}">
-                    <a16:creationId xmlns:a16="http://schemas.microsoft.com/office/drawing/2014/main" id="{4565886E-73A9-DD4D-90C2-BD9C2AFADF7F}"/>
+                    <a16:creationId xmlns:a16="http://schemas.microsoft.com/office/drawing/2014/main" xmlns="" id="{4565886E-73A9-DD4D-90C2-BD9C2AFADF7F}"/>
                   </a:ext>
                 </a:extLst>
               </p:cNvPr>
@@ -21866,7 +22014,7 @@
                         <m:sSupPr>
                           <m:ctrlPr>
                             <a:rPr lang="en-US" sz="2400" i="1" smtClean="0">
-                              <a:latin typeface="Cambria Math" panose="02040503050406030204" pitchFamily="18" charset="0"/>
+                              <a:latin typeface="Cambria Math" charset="0"/>
                             </a:rPr>
                           </m:ctrlPr>
                         </m:sSupPr>
@@ -21891,7 +22039,7 @@
                         <m:dPr>
                           <m:ctrlPr>
                             <a:rPr lang="en-US" sz="2400" i="1" smtClean="0">
-                              <a:latin typeface="Cambria Math" panose="02040503050406030204" pitchFamily="18" charset="0"/>
+                              <a:latin typeface="Cambria Math" charset="0"/>
                             </a:rPr>
                           </m:ctrlPr>
                         </m:dPr>
@@ -21900,7 +22048,7 @@
                             <m:sSupPr>
                               <m:ctrlPr>
                                 <a:rPr lang="en-US" sz="2400" b="1" i="1" smtClean="0">
-                                  <a:latin typeface="Cambria Math" panose="02040503050406030204" pitchFamily="18" charset="0"/>
+                                  <a:latin typeface="Cambria Math" charset="0"/>
                                 </a:rPr>
                               </m:ctrlPr>
                             </m:sSupPr>
@@ -21934,7 +22082,7 @@
                           <m:chr m:val="∑"/>
                           <m:ctrlPr>
                             <a:rPr lang="en-US" sz="2400" i="1" smtClean="0">
-                              <a:latin typeface="Cambria Math" panose="02040503050406030204" pitchFamily="18" charset="0"/>
+                              <a:latin typeface="Cambria Math" charset="0"/>
                             </a:rPr>
                           </m:ctrlPr>
                         </m:naryPr>
@@ -21959,7 +22107,7 @@
                             <m:sSubPr>
                               <m:ctrlPr>
                                 <a:rPr lang="en-US" sz="2400" i="1" smtClean="0">
-                                  <a:latin typeface="Cambria Math" panose="02040503050406030204" pitchFamily="18" charset="0"/>
+                                  <a:latin typeface="Cambria Math" charset="0"/>
                                 </a:rPr>
                               </m:ctrlPr>
                             </m:sSubPr>
@@ -21996,7 +22144,7 @@
                             <m:sSupPr>
                               <m:ctrlPr>
                                 <a:rPr lang="en-US" sz="2400" b="0" i="1" smtClean="0">
-                                  <a:latin typeface="Cambria Math" panose="02040503050406030204" pitchFamily="18" charset="0"/>
+                                  <a:latin typeface="Cambria Math" charset="0"/>
                                 </a:rPr>
                               </m:ctrlPr>
                             </m:sSupPr>
@@ -22027,7 +22175,7 @@
                             <m:sSubPr>
                               <m:ctrlPr>
                                 <a:rPr lang="en-US" sz="2400" i="1">
-                                  <a:latin typeface="Cambria Math" panose="02040503050406030204" pitchFamily="18" charset="0"/>
+                                  <a:latin typeface="Cambria Math" charset="0"/>
                                 </a:rPr>
                               </m:ctrlPr>
                             </m:sSubPr>
@@ -22128,7 +22276,7 @@
               <p:cNvPr id="9" name="TextBox 8">
                 <a:extLst>
                   <a:ext uri="{FF2B5EF4-FFF2-40B4-BE49-F238E27FC236}">
-                    <a16:creationId xmlns:a16="http://schemas.microsoft.com/office/drawing/2014/main" id="{F3A575DB-1649-C547-9BCE-503D6BD6423A}"/>
+                    <a16:creationId xmlns:a16="http://schemas.microsoft.com/office/drawing/2014/main" xmlns="" id="{F3A575DB-1649-C547-9BCE-503D6BD6423A}"/>
                   </a:ext>
                 </a:extLst>
               </p:cNvPr>
@@ -22162,7 +22310,7 @@
                         <m:dPr>
                           <m:ctrlPr>
                             <a:rPr lang="en-US" sz="2400" i="1" smtClean="0">
-                              <a:latin typeface="Cambria Math" panose="02040503050406030204" pitchFamily="18" charset="0"/>
+                              <a:latin typeface="Cambria Math" charset="0"/>
                             </a:rPr>
                           </m:ctrlPr>
                         </m:dPr>
@@ -22179,7 +22327,7 @@
                               </m:mcs>
                               <m:ctrlPr>
                                 <a:rPr lang="en-US" sz="2400" i="1">
-                                  <a:latin typeface="Cambria Math" panose="02040503050406030204" pitchFamily="18" charset="0"/>
+                                  <a:latin typeface="Cambria Math" charset="0"/>
                                 </a:rPr>
                               </m:ctrlPr>
                             </m:mPr>
@@ -22189,7 +22337,7 @@
                                   <m:sSubPr>
                                     <m:ctrlPr>
                                       <a:rPr lang="en-US" sz="2400" i="1">
-                                        <a:latin typeface="Cambria Math" panose="02040503050406030204" pitchFamily="18" charset="0"/>
+                                        <a:latin typeface="Cambria Math" charset="0"/>
                                       </a:rPr>
                                     </m:ctrlPr>
                                   </m:sSubPr>
@@ -22231,7 +22379,7 @@
                                   <m:sSubPr>
                                     <m:ctrlPr>
                                       <a:rPr lang="en-US" sz="2400" i="1">
-                                        <a:latin typeface="Cambria Math" panose="02040503050406030204" pitchFamily="18" charset="0"/>
+                                        <a:latin typeface="Cambria Math" charset="0"/>
                                       </a:rPr>
                                     </m:ctrlPr>
                                   </m:sSubPr>
@@ -22267,7 +22415,7 @@
                         <m:sSupPr>
                           <m:ctrlPr>
                             <a:rPr lang="en-US" sz="2400" b="0" i="1" smtClean="0">
-                              <a:latin typeface="Cambria Math" panose="02040503050406030204" pitchFamily="18" charset="0"/>
+                              <a:latin typeface="Cambria Math" charset="0"/>
                             </a:rPr>
                           </m:ctrlPr>
                         </m:sSupPr>
@@ -22276,7 +22424,7 @@
                             <m:dPr>
                               <m:ctrlPr>
                                 <a:rPr lang="en-US" sz="2400" b="0" i="1" smtClean="0">
-                                  <a:latin typeface="Cambria Math" panose="02040503050406030204" pitchFamily="18" charset="0"/>
+                                  <a:latin typeface="Cambria Math" charset="0"/>
                                 </a:rPr>
                               </m:ctrlPr>
                             </m:dPr>
@@ -22321,7 +22469,7 @@
                         <m:dPr>
                           <m:ctrlPr>
                             <a:rPr lang="en-US" sz="2400" b="0" i="1" smtClean="0">
-                              <a:latin typeface="Cambria Math" panose="02040503050406030204" pitchFamily="18" charset="0"/>
+                              <a:latin typeface="Cambria Math" charset="0"/>
                             </a:rPr>
                           </m:ctrlPr>
                         </m:dPr>
@@ -22338,7 +22486,7 @@
                               </m:mcs>
                               <m:ctrlPr>
                                 <a:rPr lang="en-US" sz="2400" i="1">
-                                  <a:latin typeface="Cambria Math" panose="02040503050406030204" pitchFamily="18" charset="0"/>
+                                  <a:latin typeface="Cambria Math" charset="0"/>
                                 </a:rPr>
                               </m:ctrlPr>
                             </m:mPr>
@@ -22348,7 +22496,7 @@
                                   <m:sSubPr>
                                     <m:ctrlPr>
                                       <a:rPr lang="en-US" sz="2400" b="0" i="1" smtClean="0">
-                                        <a:latin typeface="Cambria Math" panose="02040503050406030204" pitchFamily="18" charset="0"/>
+                                        <a:latin typeface="Cambria Math" charset="0"/>
                                       </a:rPr>
                                     </m:ctrlPr>
                                   </m:sSubPr>
@@ -22393,7 +22541,7 @@
                                   <m:sSubPr>
                                     <m:ctrlPr>
                                       <a:rPr lang="en-US" sz="2400" b="0" i="1" smtClean="0">
-                                        <a:latin typeface="Cambria Math" panose="02040503050406030204" pitchFamily="18" charset="0"/>
+                                        <a:latin typeface="Cambria Math" charset="0"/>
                                       </a:rPr>
                                     </m:ctrlPr>
                                   </m:sSubPr>
@@ -22477,7 +22625,7 @@
           <p:cNvPr id="4" name="TextBox 3">
             <a:extLst>
               <a:ext uri="{FF2B5EF4-FFF2-40B4-BE49-F238E27FC236}">
-                <a16:creationId xmlns:a16="http://schemas.microsoft.com/office/drawing/2014/main" id="{418E9695-FFEC-9740-A3A8-69ED16AB64CF}"/>
+                <a16:creationId xmlns:a16="http://schemas.microsoft.com/office/drawing/2014/main" xmlns="" id="{418E9695-FFEC-9740-A3A8-69ED16AB64CF}"/>
               </a:ext>
             </a:extLst>
           </p:cNvPr>
@@ -22516,7 +22664,7 @@
           <p:cNvPr id="10" name="TextBox 9">
             <a:extLst>
               <a:ext uri="{FF2B5EF4-FFF2-40B4-BE49-F238E27FC236}">
-                <a16:creationId xmlns:a16="http://schemas.microsoft.com/office/drawing/2014/main" id="{945ACA75-0E48-FF40-A53C-87B487D242ED}"/>
+                <a16:creationId xmlns:a16="http://schemas.microsoft.com/office/drawing/2014/main" xmlns="" id="{945ACA75-0E48-FF40-A53C-87B487D242ED}"/>
               </a:ext>
             </a:extLst>
           </p:cNvPr>
@@ -22554,7 +22702,7 @@
               <p:cNvPr id="7" name="Rectangle 6">
                 <a:extLst>
                   <a:ext uri="{FF2B5EF4-FFF2-40B4-BE49-F238E27FC236}">
-                    <a16:creationId xmlns:a16="http://schemas.microsoft.com/office/drawing/2014/main" id="{4BF5CFFC-8B74-194D-B6CA-9B4FAFDE734F}"/>
+                    <a16:creationId xmlns:a16="http://schemas.microsoft.com/office/drawing/2014/main" xmlns="" id="{4BF5CFFC-8B74-194D-B6CA-9B4FAFDE734F}"/>
                   </a:ext>
                 </a:extLst>
               </p:cNvPr>
@@ -22587,7 +22735,7 @@
                         <m:sSubPr>
                           <m:ctrlPr>
                             <a:rPr lang="en-US" sz="2400" i="1">
-                              <a:latin typeface="Cambria Math" panose="02040503050406030204" pitchFamily="18" charset="0"/>
+                              <a:latin typeface="Cambria Math" charset="0"/>
                             </a:rPr>
                           </m:ctrlPr>
                         </m:sSubPr>
@@ -22630,7 +22778,7 @@
                         <m:sSubPr>
                           <m:ctrlPr>
                             <a:rPr lang="en-US" sz="2400" i="1">
-                              <a:latin typeface="Cambria Math" panose="02040503050406030204" pitchFamily="18" charset="0"/>
+                              <a:latin typeface="Cambria Math" charset="0"/>
                             </a:rPr>
                           </m:ctrlPr>
                         </m:sSubPr>
@@ -22661,7 +22809,7 @@
                         <m:sSubPr>
                           <m:ctrlPr>
                             <a:rPr lang="en-US" sz="2400" i="1">
-                              <a:latin typeface="Cambria Math" panose="02040503050406030204" pitchFamily="18" charset="0"/>
+                              <a:latin typeface="Cambria Math" charset="0"/>
                             </a:rPr>
                           </m:ctrlPr>
                         </m:sSubPr>
@@ -22698,7 +22846,7 @@
                         <m:funcPr>
                           <m:ctrlPr>
                             <a:rPr lang="en-US" sz="2400" i="1">
-                              <a:latin typeface="Cambria Math" panose="02040503050406030204" pitchFamily="18" charset="0"/>
+                              <a:latin typeface="Cambria Math" charset="0"/>
                             </a:rPr>
                           </m:ctrlPr>
                         </m:funcPr>
@@ -22718,7 +22866,7 @@
                             <m:dPr>
                               <m:ctrlPr>
                                 <a:rPr lang="en-US" sz="2400" i="1">
-                                  <a:latin typeface="Cambria Math" panose="02040503050406030204" pitchFamily="18" charset="0"/>
+                                  <a:latin typeface="Cambria Math" charset="0"/>
                                 </a:rPr>
                               </m:ctrlPr>
                             </m:dPr>
@@ -22733,7 +22881,7 @@
                                 <m:fPr>
                                   <m:ctrlPr>
                                     <a:rPr lang="en-US" sz="2400" i="1">
-                                      <a:latin typeface="Cambria Math" panose="02040503050406030204" pitchFamily="18" charset="0"/>
+                                      <a:latin typeface="Cambria Math" charset="0"/>
                                     </a:rPr>
                                   </m:ctrlPr>
                                 </m:fPr>
@@ -22742,7 +22890,7 @@
                                     <m:sSupPr>
                                       <m:ctrlPr>
                                         <a:rPr lang="en-US" sz="2400" i="1">
-                                          <a:latin typeface="Cambria Math" panose="02040503050406030204" pitchFamily="18" charset="0"/>
+                                          <a:latin typeface="Cambria Math" charset="0"/>
                                         </a:rPr>
                                       </m:ctrlPr>
                                     </m:sSupPr>
@@ -22753,7 +22901,7 @@
                                           <m:endChr m:val="‖"/>
                                           <m:ctrlPr>
                                             <a:rPr lang="en-US" sz="2400" i="1">
-                                              <a:latin typeface="Cambria Math" panose="02040503050406030204" pitchFamily="18" charset="0"/>
+                                              <a:latin typeface="Cambria Math" charset="0"/>
                                             </a:rPr>
                                           </m:ctrlPr>
                                         </m:dPr>
@@ -22762,7 +22910,7 @@
                                             <m:sSubPr>
                                               <m:ctrlPr>
                                                 <a:rPr lang="en-US" sz="2400" i="1">
-                                                  <a:latin typeface="Cambria Math" panose="02040503050406030204" pitchFamily="18" charset="0"/>
+                                                  <a:latin typeface="Cambria Math" charset="0"/>
                                                 </a:rPr>
                                               </m:ctrlPr>
                                             </m:sSubPr>
@@ -22793,7 +22941,7 @@
                                             <m:sSubPr>
                                               <m:ctrlPr>
                                                 <a:rPr lang="en-US" sz="2400" i="1">
-                                                  <a:latin typeface="Cambria Math" panose="02040503050406030204" pitchFamily="18" charset="0"/>
+                                                  <a:latin typeface="Cambria Math" charset="0"/>
                                                 </a:rPr>
                                               </m:ctrlPr>
                                             </m:sSubPr>
@@ -22838,7 +22986,7 @@
                                     <m:sSupPr>
                                       <m:ctrlPr>
                                         <a:rPr lang="en-US" sz="2400" i="1">
-                                          <a:latin typeface="Cambria Math" panose="02040503050406030204" pitchFamily="18" charset="0"/>
+                                          <a:latin typeface="Cambria Math" charset="0"/>
                                         </a:rPr>
                                       </m:ctrlPr>
                                     </m:sSupPr>
@@ -22953,7 +23101,7 @@
           <p:cNvPr id="12" name="Rectangle 11">
             <a:extLst>
               <a:ext uri="{FF2B5EF4-FFF2-40B4-BE49-F238E27FC236}">
-                <a16:creationId xmlns:a16="http://schemas.microsoft.com/office/drawing/2014/main" id="{DFCB7776-3A99-654E-A7CB-893A0B26F93E}"/>
+                <a16:creationId xmlns:a16="http://schemas.microsoft.com/office/drawing/2014/main" xmlns="" id="{DFCB7776-3A99-654E-A7CB-893A0B26F93E}"/>
               </a:ext>
             </a:extLst>
           </p:cNvPr>
@@ -22962,7 +23110,7 @@
         </p:nvSpPr>
         <p:spPr>
           <a:xfrm>
-            <a:off x="6355018" y="4348220"/>
+            <a:off x="6150474" y="4348220"/>
             <a:ext cx="2703753" cy="1440873"/>
           </a:xfrm>
           <a:prstGeom prst="rect">
@@ -22999,7 +23147,7 @@
               <p:cNvPr id="13" name="TextBox 12">
                 <a:extLst>
                   <a:ext uri="{FF2B5EF4-FFF2-40B4-BE49-F238E27FC236}">
-                    <a16:creationId xmlns:a16="http://schemas.microsoft.com/office/drawing/2014/main" id="{D3BFF035-F363-0641-A3CC-D7C2EC3D858B}"/>
+                    <a16:creationId xmlns:a16="http://schemas.microsoft.com/office/drawing/2014/main" xmlns="" id="{D3BFF035-F363-0641-A3CC-D7C2EC3D858B}"/>
                   </a:ext>
                 </a:extLst>
               </p:cNvPr>
@@ -23008,7 +23156,7 @@
             </p:nvSpPr>
             <p:spPr>
               <a:xfrm>
-                <a:off x="6400776" y="4470969"/>
+                <a:off x="6196232" y="4470969"/>
                 <a:ext cx="2452403" cy="1200329"/>
               </a:xfrm>
               <a:prstGeom prst="rect">
@@ -23086,7 +23234,7 @@
               <p:cNvPr id="13" name="TextBox 12">
                 <a:extLst>
                   <a:ext uri="{FF2B5EF4-FFF2-40B4-BE49-F238E27FC236}">
-                    <a16:creationId xmlns:a16="http://schemas.microsoft.com/office/drawing/2014/main" id="{D3BFF035-F363-0641-A3CC-D7C2EC3D858B}"/>
+                    <a16:creationId xmlns:a16="http://schemas.microsoft.com/office/drawing/2014/main" xmlns:a14="http://schemas.microsoft.com/office/drawing/2010/main" xmlns="" id="{D3BFF035-F363-0641-A3CC-D7C2EC3D858B}"/>
                   </a:ext>
                 </a:extLst>
               </p:cNvPr>
@@ -23097,16 +23245,16 @@
             </p:nvSpPr>
             <p:spPr>
               <a:xfrm>
-                <a:off x="6400776" y="4470969"/>
+                <a:off x="6196232" y="4470969"/>
                 <a:ext cx="2452403" cy="1200329"/>
               </a:xfrm>
               <a:prstGeom prst="rect">
                 <a:avLst/>
               </a:prstGeom>
-              <a:blipFill>
+              <a:blipFill rotWithShape="0">
                 <a:blip r:embed="rId9"/>
                 <a:stretch>
-                  <a:fillRect l="-4145" t="-3125" r="-2591" b="-9375"/>
+                  <a:fillRect l="-3722" t="-4061" r="-2730" b="-10660"/>
                 </a:stretch>
               </a:blipFill>
             </p:spPr>
@@ -23115,7 +23263,7 @@
               <a:lstStyle/>
               <a:p>
                 <a:r>
-                  <a:rPr lang="da-DK">
+                  <a:rPr lang="en-US">
                     <a:noFill/>
                   </a:rPr>
                   <a:t> </a:t>
@@ -23765,7 +23913,7 @@
                         <m:sSubPr>
                           <m:ctrlPr>
                             <a:rPr lang="en-US" b="0" i="1" smtClean="0">
-                              <a:latin typeface="Cambria Math" panose="02040503050406030204" pitchFamily="18" charset="0"/>
+                              <a:latin typeface="Cambria Math" charset="0"/>
                             </a:rPr>
                           </m:ctrlPr>
                         </m:sSubPr>
@@ -23874,7 +24022,7 @@
           <p:cNvPr id="33" name="Picture 32">
             <a:extLst>
               <a:ext uri="{FF2B5EF4-FFF2-40B4-BE49-F238E27FC236}">
-                <a16:creationId xmlns:a16="http://schemas.microsoft.com/office/drawing/2014/main" id="{2F9C8BD8-FBF9-8B4D-94C9-2F3BD3AA14AF}"/>
+                <a16:creationId xmlns:a16="http://schemas.microsoft.com/office/drawing/2014/main" xmlns="" id="{2F9C8BD8-FBF9-8B4D-94C9-2F3BD3AA14AF}"/>
               </a:ext>
             </a:extLst>
           </p:cNvPr>
@@ -23910,7 +24058,7 @@
           <p:cNvPr id="9" name="Up Arrow 8">
             <a:extLst>
               <a:ext uri="{FF2B5EF4-FFF2-40B4-BE49-F238E27FC236}">
-                <a16:creationId xmlns:a16="http://schemas.microsoft.com/office/drawing/2014/main" id="{0700C848-A330-6F41-AF78-565CAF5DD4BE}"/>
+                <a16:creationId xmlns:a16="http://schemas.microsoft.com/office/drawing/2014/main" xmlns="" id="{0700C848-A330-6F41-AF78-565CAF5DD4BE}"/>
               </a:ext>
             </a:extLst>
           </p:cNvPr>
@@ -23956,7 +24104,7 @@
           <p:cNvPr id="10" name="TextBox 9">
             <a:extLst>
               <a:ext uri="{FF2B5EF4-FFF2-40B4-BE49-F238E27FC236}">
-                <a16:creationId xmlns:a16="http://schemas.microsoft.com/office/drawing/2014/main" id="{BC6EF6D9-2D70-1443-B980-FD5072AD6A3B}"/>
+                <a16:creationId xmlns:a16="http://schemas.microsoft.com/office/drawing/2014/main" xmlns="" id="{BC6EF6D9-2D70-1443-B980-FD5072AD6A3B}"/>
               </a:ext>
             </a:extLst>
           </p:cNvPr>
@@ -24029,7 +24177,7 @@
           <p:cNvPr id="2" name="Title 1">
             <a:extLst>
               <a:ext uri="{FF2B5EF4-FFF2-40B4-BE49-F238E27FC236}">
-                <a16:creationId xmlns:a16="http://schemas.microsoft.com/office/drawing/2014/main" id="{90371848-C3C2-2946-8721-32944148379F}"/>
+                <a16:creationId xmlns:a16="http://schemas.microsoft.com/office/drawing/2014/main" xmlns="" id="{90371848-C3C2-2946-8721-32944148379F}"/>
               </a:ext>
             </a:extLst>
           </p:cNvPr>
@@ -24069,7 +24217,7 @@
           <p:cNvPr id="5" name="Picture 4">
             <a:extLst>
               <a:ext uri="{FF2B5EF4-FFF2-40B4-BE49-F238E27FC236}">
-                <a16:creationId xmlns:a16="http://schemas.microsoft.com/office/drawing/2014/main" id="{96C8DA8D-9BEF-744E-AFF8-50655E69712A}"/>
+                <a16:creationId xmlns:a16="http://schemas.microsoft.com/office/drawing/2014/main" xmlns="" id="{96C8DA8D-9BEF-744E-AFF8-50655E69712A}"/>
               </a:ext>
             </a:extLst>
           </p:cNvPr>
@@ -24079,7 +24227,13 @@
           <p:nvPr/>
         </p:nvPicPr>
         <p:blipFill>
-          <a:blip r:embed="rId2"/>
+          <a:blip r:embed="rId2">
+            <a:extLst>
+              <a:ext uri="{28A0092B-C50C-407E-A947-70E740481C1C}">
+                <a14:useLocalDpi xmlns:a14="http://schemas.microsoft.com/office/drawing/2010/main" val="0"/>
+              </a:ext>
+            </a:extLst>
+          </a:blip>
           <a:stretch>
             <a:fillRect/>
           </a:stretch>
@@ -24099,7 +24253,7 @@
           <p:cNvPr id="6" name="TextBox 5">
             <a:extLst>
               <a:ext uri="{FF2B5EF4-FFF2-40B4-BE49-F238E27FC236}">
-                <a16:creationId xmlns:a16="http://schemas.microsoft.com/office/drawing/2014/main" id="{B64305C1-D8DA-9449-80AD-775E6D513BE6}"/>
+                <a16:creationId xmlns:a16="http://schemas.microsoft.com/office/drawing/2014/main" xmlns="" id="{B64305C1-D8DA-9449-80AD-775E6D513BE6}"/>
               </a:ext>
             </a:extLst>
           </p:cNvPr>
@@ -24136,7 +24290,7 @@
               <p:cNvPr id="8" name="TextBox 7">
                 <a:extLst>
                   <a:ext uri="{FF2B5EF4-FFF2-40B4-BE49-F238E27FC236}">
-                    <a16:creationId xmlns:a16="http://schemas.microsoft.com/office/drawing/2014/main" id="{4565886E-73A9-DD4D-90C2-BD9C2AFADF7F}"/>
+                    <a16:creationId xmlns:a16="http://schemas.microsoft.com/office/drawing/2014/main" xmlns="" id="{4565886E-73A9-DD4D-90C2-BD9C2AFADF7F}"/>
                   </a:ext>
                 </a:extLst>
               </p:cNvPr>
@@ -24170,7 +24324,7 @@
                         <m:sSupPr>
                           <m:ctrlPr>
                             <a:rPr lang="en-US" sz="2400" i="1" smtClean="0">
-                              <a:latin typeface="Cambria Math" panose="02040503050406030204" pitchFamily="18" charset="0"/>
+                              <a:latin typeface="Cambria Math" charset="0"/>
                             </a:rPr>
                           </m:ctrlPr>
                         </m:sSupPr>
@@ -24195,7 +24349,7 @@
                         <m:dPr>
                           <m:ctrlPr>
                             <a:rPr lang="en-US" sz="2400" i="1" smtClean="0">
-                              <a:latin typeface="Cambria Math" panose="02040503050406030204" pitchFamily="18" charset="0"/>
+                              <a:latin typeface="Cambria Math" charset="0"/>
                             </a:rPr>
                           </m:ctrlPr>
                         </m:dPr>
@@ -24204,7 +24358,7 @@
                             <m:sSupPr>
                               <m:ctrlPr>
                                 <a:rPr lang="en-US" sz="2400" b="1" i="1" smtClean="0">
-                                  <a:latin typeface="Cambria Math" panose="02040503050406030204" pitchFamily="18" charset="0"/>
+                                  <a:latin typeface="Cambria Math" charset="0"/>
                                 </a:rPr>
                               </m:ctrlPr>
                             </m:sSupPr>
@@ -24238,7 +24392,7 @@
                           <m:chr m:val="∑"/>
                           <m:ctrlPr>
                             <a:rPr lang="en-US" sz="2400" i="1" smtClean="0">
-                              <a:latin typeface="Cambria Math" panose="02040503050406030204" pitchFamily="18" charset="0"/>
+                              <a:latin typeface="Cambria Math" charset="0"/>
                             </a:rPr>
                           </m:ctrlPr>
                         </m:naryPr>
@@ -24263,7 +24417,7 @@
                             <m:sSubPr>
                               <m:ctrlPr>
                                 <a:rPr lang="en-US" sz="2400" i="1" smtClean="0">
-                                  <a:latin typeface="Cambria Math" panose="02040503050406030204" pitchFamily="18" charset="0"/>
+                                  <a:latin typeface="Cambria Math" charset="0"/>
                                 </a:rPr>
                               </m:ctrlPr>
                             </m:sSubPr>
@@ -24300,7 +24454,7 @@
                             <m:sSupPr>
                               <m:ctrlPr>
                                 <a:rPr lang="en-US" sz="2400" b="0" i="1" smtClean="0">
-                                  <a:latin typeface="Cambria Math" panose="02040503050406030204" pitchFamily="18" charset="0"/>
+                                  <a:latin typeface="Cambria Math" charset="0"/>
                                 </a:rPr>
                               </m:ctrlPr>
                             </m:sSupPr>
@@ -24331,7 +24485,7 @@
                             <m:sSubPr>
                               <m:ctrlPr>
                                 <a:rPr lang="en-US" sz="2400" i="1">
-                                  <a:latin typeface="Cambria Math" panose="02040503050406030204" pitchFamily="18" charset="0"/>
+                                  <a:latin typeface="Cambria Math" charset="0"/>
                                 </a:rPr>
                               </m:ctrlPr>
                             </m:sSubPr>
@@ -24432,7 +24586,7 @@
               <p:cNvPr id="9" name="TextBox 8">
                 <a:extLst>
                   <a:ext uri="{FF2B5EF4-FFF2-40B4-BE49-F238E27FC236}">
-                    <a16:creationId xmlns:a16="http://schemas.microsoft.com/office/drawing/2014/main" id="{F3A575DB-1649-C547-9BCE-503D6BD6423A}"/>
+                    <a16:creationId xmlns:a16="http://schemas.microsoft.com/office/drawing/2014/main" xmlns="" id="{F3A575DB-1649-C547-9BCE-503D6BD6423A}"/>
                   </a:ext>
                 </a:extLst>
               </p:cNvPr>
@@ -24466,7 +24620,7 @@
                         <m:dPr>
                           <m:ctrlPr>
                             <a:rPr lang="en-US" sz="2400" i="1" smtClean="0">
-                              <a:latin typeface="Cambria Math" panose="02040503050406030204" pitchFamily="18" charset="0"/>
+                              <a:latin typeface="Cambria Math" charset="0"/>
                             </a:rPr>
                           </m:ctrlPr>
                         </m:dPr>
@@ -24483,7 +24637,7 @@
                               </m:mcs>
                               <m:ctrlPr>
                                 <a:rPr lang="en-US" sz="2400" i="1">
-                                  <a:latin typeface="Cambria Math" panose="02040503050406030204" pitchFamily="18" charset="0"/>
+                                  <a:latin typeface="Cambria Math" charset="0"/>
                                 </a:rPr>
                               </m:ctrlPr>
                             </m:mPr>
@@ -24493,7 +24647,7 @@
                                   <m:sSubPr>
                                     <m:ctrlPr>
                                       <a:rPr lang="en-US" sz="2400" i="1">
-                                        <a:latin typeface="Cambria Math" panose="02040503050406030204" pitchFamily="18" charset="0"/>
+                                        <a:latin typeface="Cambria Math" charset="0"/>
                                       </a:rPr>
                                     </m:ctrlPr>
                                   </m:sSubPr>
@@ -24535,7 +24689,7 @@
                                   <m:sSubPr>
                                     <m:ctrlPr>
                                       <a:rPr lang="en-US" sz="2400" i="1">
-                                        <a:latin typeface="Cambria Math" panose="02040503050406030204" pitchFamily="18" charset="0"/>
+                                        <a:latin typeface="Cambria Math" charset="0"/>
                                       </a:rPr>
                                     </m:ctrlPr>
                                   </m:sSubPr>
@@ -24571,7 +24725,7 @@
                         <m:sSupPr>
                           <m:ctrlPr>
                             <a:rPr lang="en-US" sz="2400" b="0" i="1" smtClean="0">
-                              <a:latin typeface="Cambria Math" panose="02040503050406030204" pitchFamily="18" charset="0"/>
+                              <a:latin typeface="Cambria Math" charset="0"/>
                             </a:rPr>
                           </m:ctrlPr>
                         </m:sSupPr>
@@ -24580,7 +24734,7 @@
                             <m:dPr>
                               <m:ctrlPr>
                                 <a:rPr lang="en-US" sz="2400" b="0" i="1" smtClean="0">
-                                  <a:latin typeface="Cambria Math" panose="02040503050406030204" pitchFamily="18" charset="0"/>
+                                  <a:latin typeface="Cambria Math" charset="0"/>
                                 </a:rPr>
                               </m:ctrlPr>
                             </m:dPr>
@@ -24625,7 +24779,7 @@
                         <m:dPr>
                           <m:ctrlPr>
                             <a:rPr lang="en-US" sz="2400" b="0" i="1" smtClean="0">
-                              <a:latin typeface="Cambria Math" panose="02040503050406030204" pitchFamily="18" charset="0"/>
+                              <a:latin typeface="Cambria Math" charset="0"/>
                             </a:rPr>
                           </m:ctrlPr>
                         </m:dPr>
@@ -24642,7 +24796,7 @@
                               </m:mcs>
                               <m:ctrlPr>
                                 <a:rPr lang="en-US" sz="2400" i="1">
-                                  <a:latin typeface="Cambria Math" panose="02040503050406030204" pitchFamily="18" charset="0"/>
+                                  <a:latin typeface="Cambria Math" charset="0"/>
                                 </a:rPr>
                               </m:ctrlPr>
                             </m:mPr>
@@ -24652,7 +24806,7 @@
                                   <m:sSubPr>
                                     <m:ctrlPr>
                                       <a:rPr lang="en-US" sz="2400" b="0" i="1" smtClean="0">
-                                        <a:latin typeface="Cambria Math" panose="02040503050406030204" pitchFamily="18" charset="0"/>
+                                        <a:latin typeface="Cambria Math" charset="0"/>
                                       </a:rPr>
                                     </m:ctrlPr>
                                   </m:sSubPr>
@@ -24697,7 +24851,7 @@
                                   <m:sSubPr>
                                     <m:ctrlPr>
                                       <a:rPr lang="en-US" sz="2400" b="0" i="1" smtClean="0">
-                                        <a:latin typeface="Cambria Math" panose="02040503050406030204" pitchFamily="18" charset="0"/>
+                                        <a:latin typeface="Cambria Math" charset="0"/>
                                       </a:rPr>
                                     </m:ctrlPr>
                                   </m:sSubPr>
@@ -24781,7 +24935,7 @@
           <p:cNvPr id="4" name="TextBox 3">
             <a:extLst>
               <a:ext uri="{FF2B5EF4-FFF2-40B4-BE49-F238E27FC236}">
-                <a16:creationId xmlns:a16="http://schemas.microsoft.com/office/drawing/2014/main" id="{418E9695-FFEC-9740-A3A8-69ED16AB64CF}"/>
+                <a16:creationId xmlns:a16="http://schemas.microsoft.com/office/drawing/2014/main" xmlns="" id="{418E9695-FFEC-9740-A3A8-69ED16AB64CF}"/>
               </a:ext>
             </a:extLst>
           </p:cNvPr>
@@ -24820,7 +24974,7 @@
           <p:cNvPr id="11" name="TextBox 10">
             <a:extLst>
               <a:ext uri="{FF2B5EF4-FFF2-40B4-BE49-F238E27FC236}">
-                <a16:creationId xmlns:a16="http://schemas.microsoft.com/office/drawing/2014/main" id="{48B9982E-2EAD-4D48-B195-35C6B9D88A1B}"/>
+                <a16:creationId xmlns:a16="http://schemas.microsoft.com/office/drawing/2014/main" xmlns="" id="{48B9982E-2EAD-4D48-B195-35C6B9D88A1B}"/>
               </a:ext>
             </a:extLst>
           </p:cNvPr>
@@ -24858,7 +25012,7 @@
               <p:cNvPr id="12" name="Rectangle 11">
                 <a:extLst>
                   <a:ext uri="{FF2B5EF4-FFF2-40B4-BE49-F238E27FC236}">
-                    <a16:creationId xmlns:a16="http://schemas.microsoft.com/office/drawing/2014/main" id="{06025BE2-4565-C142-B590-3B9BA62978DA}"/>
+                    <a16:creationId xmlns:a16="http://schemas.microsoft.com/office/drawing/2014/main" xmlns="" id="{06025BE2-4565-C142-B590-3B9BA62978DA}"/>
                   </a:ext>
                 </a:extLst>
               </p:cNvPr>
@@ -24891,7 +25045,7 @@
                         <m:sSubPr>
                           <m:ctrlPr>
                             <a:rPr lang="en-US" sz="2400" i="1">
-                              <a:latin typeface="Cambria Math" panose="02040503050406030204" pitchFamily="18" charset="0"/>
+                              <a:latin typeface="Cambria Math" charset="0"/>
                             </a:rPr>
                           </m:ctrlPr>
                         </m:sSubPr>
@@ -24934,7 +25088,7 @@
                         <m:sSubPr>
                           <m:ctrlPr>
                             <a:rPr lang="en-US" sz="2400" i="1">
-                              <a:latin typeface="Cambria Math" panose="02040503050406030204" pitchFamily="18" charset="0"/>
+                              <a:latin typeface="Cambria Math" charset="0"/>
                             </a:rPr>
                           </m:ctrlPr>
                         </m:sSubPr>
@@ -24965,7 +25119,7 @@
                         <m:sSubPr>
                           <m:ctrlPr>
                             <a:rPr lang="en-US" sz="2400" i="1">
-                              <a:latin typeface="Cambria Math" panose="02040503050406030204" pitchFamily="18" charset="0"/>
+                              <a:latin typeface="Cambria Math" charset="0"/>
                             </a:rPr>
                           </m:ctrlPr>
                         </m:sSubPr>
@@ -25002,7 +25156,7 @@
                         <m:funcPr>
                           <m:ctrlPr>
                             <a:rPr lang="en-US" sz="2400" i="1">
-                              <a:latin typeface="Cambria Math" panose="02040503050406030204" pitchFamily="18" charset="0"/>
+                              <a:latin typeface="Cambria Math" charset="0"/>
                             </a:rPr>
                           </m:ctrlPr>
                         </m:funcPr>
@@ -25022,7 +25176,7 @@
                             <m:dPr>
                               <m:ctrlPr>
                                 <a:rPr lang="en-US" sz="2400" i="1">
-                                  <a:latin typeface="Cambria Math" panose="02040503050406030204" pitchFamily="18" charset="0"/>
+                                  <a:latin typeface="Cambria Math" charset="0"/>
                                 </a:rPr>
                               </m:ctrlPr>
                             </m:dPr>
@@ -25037,7 +25191,7 @@
                                 <m:fPr>
                                   <m:ctrlPr>
                                     <a:rPr lang="en-US" sz="2400" i="1">
-                                      <a:latin typeface="Cambria Math" panose="02040503050406030204" pitchFamily="18" charset="0"/>
+                                      <a:latin typeface="Cambria Math" charset="0"/>
                                     </a:rPr>
                                   </m:ctrlPr>
                                 </m:fPr>
@@ -25046,7 +25200,7 @@
                                     <m:sSupPr>
                                       <m:ctrlPr>
                                         <a:rPr lang="en-US" sz="2400" i="1">
-                                          <a:latin typeface="Cambria Math" panose="02040503050406030204" pitchFamily="18" charset="0"/>
+                                          <a:latin typeface="Cambria Math" charset="0"/>
                                         </a:rPr>
                                       </m:ctrlPr>
                                     </m:sSupPr>
@@ -25057,7 +25211,7 @@
                                           <m:endChr m:val="‖"/>
                                           <m:ctrlPr>
                                             <a:rPr lang="en-US" sz="2400" i="1">
-                                              <a:latin typeface="Cambria Math" panose="02040503050406030204" pitchFamily="18" charset="0"/>
+                                              <a:latin typeface="Cambria Math" charset="0"/>
                                             </a:rPr>
                                           </m:ctrlPr>
                                         </m:dPr>
@@ -25066,7 +25220,7 @@
                                             <m:sSubPr>
                                               <m:ctrlPr>
                                                 <a:rPr lang="en-US" sz="2400" i="1">
-                                                  <a:latin typeface="Cambria Math" panose="02040503050406030204" pitchFamily="18" charset="0"/>
+                                                  <a:latin typeface="Cambria Math" charset="0"/>
                                                 </a:rPr>
                                               </m:ctrlPr>
                                             </m:sSubPr>
@@ -25097,7 +25251,7 @@
                                             <m:sSubPr>
                                               <m:ctrlPr>
                                                 <a:rPr lang="en-US" sz="2400" i="1">
-                                                  <a:latin typeface="Cambria Math" panose="02040503050406030204" pitchFamily="18" charset="0"/>
+                                                  <a:latin typeface="Cambria Math" charset="0"/>
                                                 </a:rPr>
                                               </m:ctrlPr>
                                             </m:sSubPr>
@@ -25142,7 +25296,7 @@
                                     <m:sSupPr>
                                       <m:ctrlPr>
                                         <a:rPr lang="en-US" sz="2400" i="1">
-                                          <a:latin typeface="Cambria Math" panose="02040503050406030204" pitchFamily="18" charset="0"/>
+                                          <a:latin typeface="Cambria Math" charset="0"/>
                                         </a:rPr>
                                       </m:ctrlPr>
                                     </m:sSupPr>
@@ -25287,7 +25441,7 @@
           <p:cNvPr id="2" name="Title 1">
             <a:extLst>
               <a:ext uri="{FF2B5EF4-FFF2-40B4-BE49-F238E27FC236}">
-                <a16:creationId xmlns:a16="http://schemas.microsoft.com/office/drawing/2014/main" id="{90371848-C3C2-2946-8721-32944148379F}"/>
+                <a16:creationId xmlns:a16="http://schemas.microsoft.com/office/drawing/2014/main" xmlns="" id="{90371848-C3C2-2946-8721-32944148379F}"/>
               </a:ext>
             </a:extLst>
           </p:cNvPr>
@@ -25327,7 +25481,7 @@
           <p:cNvPr id="5" name="Picture 4">
             <a:extLst>
               <a:ext uri="{FF2B5EF4-FFF2-40B4-BE49-F238E27FC236}">
-                <a16:creationId xmlns:a16="http://schemas.microsoft.com/office/drawing/2014/main" id="{96C8DA8D-9BEF-744E-AFF8-50655E69712A}"/>
+                <a16:creationId xmlns:a16="http://schemas.microsoft.com/office/drawing/2014/main" xmlns="" id="{96C8DA8D-9BEF-744E-AFF8-50655E69712A}"/>
               </a:ext>
             </a:extLst>
           </p:cNvPr>
@@ -25357,7 +25511,7 @@
           <p:cNvPr id="6" name="TextBox 5">
             <a:extLst>
               <a:ext uri="{FF2B5EF4-FFF2-40B4-BE49-F238E27FC236}">
-                <a16:creationId xmlns:a16="http://schemas.microsoft.com/office/drawing/2014/main" id="{B64305C1-D8DA-9449-80AD-775E6D513BE6}"/>
+                <a16:creationId xmlns:a16="http://schemas.microsoft.com/office/drawing/2014/main" xmlns="" id="{B64305C1-D8DA-9449-80AD-775E6D513BE6}"/>
               </a:ext>
             </a:extLst>
           </p:cNvPr>
@@ -25394,7 +25548,7 @@
               <p:cNvPr id="8" name="TextBox 7">
                 <a:extLst>
                   <a:ext uri="{FF2B5EF4-FFF2-40B4-BE49-F238E27FC236}">
-                    <a16:creationId xmlns:a16="http://schemas.microsoft.com/office/drawing/2014/main" id="{4565886E-73A9-DD4D-90C2-BD9C2AFADF7F}"/>
+                    <a16:creationId xmlns:a16="http://schemas.microsoft.com/office/drawing/2014/main" xmlns="" id="{4565886E-73A9-DD4D-90C2-BD9C2AFADF7F}"/>
                   </a:ext>
                 </a:extLst>
               </p:cNvPr>
@@ -25428,7 +25582,7 @@
                         <m:sSupPr>
                           <m:ctrlPr>
                             <a:rPr lang="en-US" sz="2400" i="1" smtClean="0">
-                              <a:latin typeface="Cambria Math" panose="02040503050406030204" pitchFamily="18" charset="0"/>
+                              <a:latin typeface="Cambria Math" charset="0"/>
                             </a:rPr>
                           </m:ctrlPr>
                         </m:sSupPr>
@@ -25453,7 +25607,7 @@
                         <m:dPr>
                           <m:ctrlPr>
                             <a:rPr lang="en-US" sz="2400" i="1" smtClean="0">
-                              <a:latin typeface="Cambria Math" panose="02040503050406030204" pitchFamily="18" charset="0"/>
+                              <a:latin typeface="Cambria Math" charset="0"/>
                             </a:rPr>
                           </m:ctrlPr>
                         </m:dPr>
@@ -25462,7 +25616,7 @@
                             <m:sSupPr>
                               <m:ctrlPr>
                                 <a:rPr lang="en-US" sz="2400" b="1" i="1" smtClean="0">
-                                  <a:latin typeface="Cambria Math" panose="02040503050406030204" pitchFamily="18" charset="0"/>
+                                  <a:latin typeface="Cambria Math" charset="0"/>
                                 </a:rPr>
                               </m:ctrlPr>
                             </m:sSupPr>
@@ -25496,7 +25650,7 @@
                           <m:chr m:val="∑"/>
                           <m:ctrlPr>
                             <a:rPr lang="en-US" sz="2400" i="1" smtClean="0">
-                              <a:latin typeface="Cambria Math" panose="02040503050406030204" pitchFamily="18" charset="0"/>
+                              <a:latin typeface="Cambria Math" charset="0"/>
                             </a:rPr>
                           </m:ctrlPr>
                         </m:naryPr>
@@ -25521,7 +25675,7 @@
                             <m:sSubPr>
                               <m:ctrlPr>
                                 <a:rPr lang="en-US" sz="2400" i="1" smtClean="0">
-                                  <a:latin typeface="Cambria Math" panose="02040503050406030204" pitchFamily="18" charset="0"/>
+                                  <a:latin typeface="Cambria Math" charset="0"/>
                                 </a:rPr>
                               </m:ctrlPr>
                             </m:sSubPr>
@@ -25558,7 +25712,7 @@
                             <m:sSupPr>
                               <m:ctrlPr>
                                 <a:rPr lang="en-US" sz="2400" b="0" i="1" smtClean="0">
-                                  <a:latin typeface="Cambria Math" panose="02040503050406030204" pitchFamily="18" charset="0"/>
+                                  <a:latin typeface="Cambria Math" charset="0"/>
                                 </a:rPr>
                               </m:ctrlPr>
                             </m:sSupPr>
@@ -25589,7 +25743,7 @@
                             <m:sSubPr>
                               <m:ctrlPr>
                                 <a:rPr lang="en-US" sz="2400" i="1">
-                                  <a:latin typeface="Cambria Math" panose="02040503050406030204" pitchFamily="18" charset="0"/>
+                                  <a:latin typeface="Cambria Math" charset="0"/>
                                 </a:rPr>
                               </m:ctrlPr>
                             </m:sSubPr>
@@ -25690,7 +25844,7 @@
               <p:cNvPr id="9" name="TextBox 8">
                 <a:extLst>
                   <a:ext uri="{FF2B5EF4-FFF2-40B4-BE49-F238E27FC236}">
-                    <a16:creationId xmlns:a16="http://schemas.microsoft.com/office/drawing/2014/main" id="{F3A575DB-1649-C547-9BCE-503D6BD6423A}"/>
+                    <a16:creationId xmlns:a16="http://schemas.microsoft.com/office/drawing/2014/main" xmlns="" id="{F3A575DB-1649-C547-9BCE-503D6BD6423A}"/>
                   </a:ext>
                 </a:extLst>
               </p:cNvPr>
@@ -25724,7 +25878,7 @@
                         <m:dPr>
                           <m:ctrlPr>
                             <a:rPr lang="en-US" sz="2400" i="1" smtClean="0">
-                              <a:latin typeface="Cambria Math" panose="02040503050406030204" pitchFamily="18" charset="0"/>
+                              <a:latin typeface="Cambria Math" charset="0"/>
                             </a:rPr>
                           </m:ctrlPr>
                         </m:dPr>
@@ -25741,7 +25895,7 @@
                               </m:mcs>
                               <m:ctrlPr>
                                 <a:rPr lang="en-US" sz="2400" i="1">
-                                  <a:latin typeface="Cambria Math" panose="02040503050406030204" pitchFamily="18" charset="0"/>
+                                  <a:latin typeface="Cambria Math" charset="0"/>
                                 </a:rPr>
                               </m:ctrlPr>
                             </m:mPr>
@@ -25751,7 +25905,7 @@
                                   <m:sSubPr>
                                     <m:ctrlPr>
                                       <a:rPr lang="en-US" sz="2400" i="1">
-                                        <a:latin typeface="Cambria Math" panose="02040503050406030204" pitchFamily="18" charset="0"/>
+                                        <a:latin typeface="Cambria Math" charset="0"/>
                                       </a:rPr>
                                     </m:ctrlPr>
                                   </m:sSubPr>
@@ -25793,7 +25947,7 @@
                                   <m:sSubPr>
                                     <m:ctrlPr>
                                       <a:rPr lang="en-US" sz="2400" i="1">
-                                        <a:latin typeface="Cambria Math" panose="02040503050406030204" pitchFamily="18" charset="0"/>
+                                        <a:latin typeface="Cambria Math" charset="0"/>
                                       </a:rPr>
                                     </m:ctrlPr>
                                   </m:sSubPr>
@@ -25829,7 +25983,7 @@
                         <m:sSupPr>
                           <m:ctrlPr>
                             <a:rPr lang="en-US" sz="2400" b="0" i="1" smtClean="0">
-                              <a:latin typeface="Cambria Math" panose="02040503050406030204" pitchFamily="18" charset="0"/>
+                              <a:latin typeface="Cambria Math" charset="0"/>
                             </a:rPr>
                           </m:ctrlPr>
                         </m:sSupPr>
@@ -25838,7 +25992,7 @@
                             <m:dPr>
                               <m:ctrlPr>
                                 <a:rPr lang="en-US" sz="2400" b="0" i="1" smtClean="0">
-                                  <a:latin typeface="Cambria Math" panose="02040503050406030204" pitchFamily="18" charset="0"/>
+                                  <a:latin typeface="Cambria Math" charset="0"/>
                                 </a:rPr>
                               </m:ctrlPr>
                             </m:dPr>
@@ -25883,7 +26037,7 @@
                         <m:dPr>
                           <m:ctrlPr>
                             <a:rPr lang="en-US" sz="2400" b="0" i="1" smtClean="0">
-                              <a:latin typeface="Cambria Math" panose="02040503050406030204" pitchFamily="18" charset="0"/>
+                              <a:latin typeface="Cambria Math" charset="0"/>
                             </a:rPr>
                           </m:ctrlPr>
                         </m:dPr>
@@ -25900,7 +26054,7 @@
                               </m:mcs>
                               <m:ctrlPr>
                                 <a:rPr lang="en-US" sz="2400" i="1">
-                                  <a:latin typeface="Cambria Math" panose="02040503050406030204" pitchFamily="18" charset="0"/>
+                                  <a:latin typeface="Cambria Math" charset="0"/>
                                 </a:rPr>
                               </m:ctrlPr>
                             </m:mPr>
@@ -25910,7 +26064,7 @@
                                   <m:sSubPr>
                                     <m:ctrlPr>
                                       <a:rPr lang="en-US" sz="2400" b="0" i="1" smtClean="0">
-                                        <a:latin typeface="Cambria Math" panose="02040503050406030204" pitchFamily="18" charset="0"/>
+                                        <a:latin typeface="Cambria Math" charset="0"/>
                                       </a:rPr>
                                     </m:ctrlPr>
                                   </m:sSubPr>
@@ -25955,7 +26109,7 @@
                                   <m:sSubPr>
                                     <m:ctrlPr>
                                       <a:rPr lang="en-US" sz="2400" b="0" i="1" smtClean="0">
-                                        <a:latin typeface="Cambria Math" panose="02040503050406030204" pitchFamily="18" charset="0"/>
+                                        <a:latin typeface="Cambria Math" charset="0"/>
                                       </a:rPr>
                                     </m:ctrlPr>
                                   </m:sSubPr>
@@ -26039,7 +26193,7 @@
           <p:cNvPr id="4" name="TextBox 3">
             <a:extLst>
               <a:ext uri="{FF2B5EF4-FFF2-40B4-BE49-F238E27FC236}">
-                <a16:creationId xmlns:a16="http://schemas.microsoft.com/office/drawing/2014/main" id="{418E9695-FFEC-9740-A3A8-69ED16AB64CF}"/>
+                <a16:creationId xmlns:a16="http://schemas.microsoft.com/office/drawing/2014/main" xmlns="" id="{418E9695-FFEC-9740-A3A8-69ED16AB64CF}"/>
               </a:ext>
             </a:extLst>
           </p:cNvPr>
@@ -26078,7 +26232,7 @@
           <p:cNvPr id="11" name="TextBox 10">
             <a:extLst>
               <a:ext uri="{FF2B5EF4-FFF2-40B4-BE49-F238E27FC236}">
-                <a16:creationId xmlns:a16="http://schemas.microsoft.com/office/drawing/2014/main" id="{48B9982E-2EAD-4D48-B195-35C6B9D88A1B}"/>
+                <a16:creationId xmlns:a16="http://schemas.microsoft.com/office/drawing/2014/main" xmlns="" id="{48B9982E-2EAD-4D48-B195-35C6B9D88A1B}"/>
               </a:ext>
             </a:extLst>
           </p:cNvPr>
@@ -26125,7 +26279,7 @@
           <p:cNvPr id="3" name="TextBox 2">
             <a:extLst>
               <a:ext uri="{FF2B5EF4-FFF2-40B4-BE49-F238E27FC236}">
-                <a16:creationId xmlns:a16="http://schemas.microsoft.com/office/drawing/2014/main" id="{11136707-7EEC-3249-B706-C64078848168}"/>
+                <a16:creationId xmlns:a16="http://schemas.microsoft.com/office/drawing/2014/main" xmlns="" id="{11136707-7EEC-3249-B706-C64078848168}"/>
               </a:ext>
             </a:extLst>
           </p:cNvPr>
@@ -26237,7 +26391,7 @@
           <p:cNvPr id="2" name="Title 1">
             <a:extLst>
               <a:ext uri="{FF2B5EF4-FFF2-40B4-BE49-F238E27FC236}">
-                <a16:creationId xmlns:a16="http://schemas.microsoft.com/office/drawing/2014/main" id="{E7E92F54-75A2-0B47-A89F-C0D4BBBA4652}"/>
+                <a16:creationId xmlns:a16="http://schemas.microsoft.com/office/drawing/2014/main" xmlns="" id="{E7E92F54-75A2-0B47-A89F-C0D4BBBA4652}"/>
               </a:ext>
             </a:extLst>
           </p:cNvPr>
@@ -26270,7 +26424,7 @@
           <p:cNvPr id="4" name="Picture 3">
             <a:extLst>
               <a:ext uri="{FF2B5EF4-FFF2-40B4-BE49-F238E27FC236}">
-                <a16:creationId xmlns:a16="http://schemas.microsoft.com/office/drawing/2014/main" id="{300DEC84-1303-1441-9F1C-1E73E331D3EC}"/>
+                <a16:creationId xmlns:a16="http://schemas.microsoft.com/office/drawing/2014/main" xmlns="" id="{300DEC84-1303-1441-9F1C-1E73E331D3EC}"/>
               </a:ext>
             </a:extLst>
           </p:cNvPr>
@@ -26280,7 +26434,13 @@
           <p:nvPr/>
         </p:nvPicPr>
         <p:blipFill>
-          <a:blip r:embed="rId2"/>
+          <a:blip r:embed="rId2">
+            <a:extLst>
+              <a:ext uri="{28A0092B-C50C-407E-A947-70E740481C1C}">
+                <a14:useLocalDpi xmlns:a14="http://schemas.microsoft.com/office/drawing/2010/main" val="0"/>
+              </a:ext>
+            </a:extLst>
+          </a:blip>
           <a:stretch>
             <a:fillRect/>
           </a:stretch>
@@ -26300,7 +26460,7 @@
           <p:cNvPr id="6" name="Picture 5">
             <a:extLst>
               <a:ext uri="{FF2B5EF4-FFF2-40B4-BE49-F238E27FC236}">
-                <a16:creationId xmlns:a16="http://schemas.microsoft.com/office/drawing/2014/main" id="{14A519BC-BA96-0A46-B90C-C120F8D5EA2D}"/>
+                <a16:creationId xmlns:a16="http://schemas.microsoft.com/office/drawing/2014/main" xmlns="" id="{14A519BC-BA96-0A46-B90C-C120F8D5EA2D}"/>
               </a:ext>
             </a:extLst>
           </p:cNvPr>
@@ -26390,7 +26550,7 @@
           <p:cNvPr id="2" name="Title 1">
             <a:extLst>
               <a:ext uri="{FF2B5EF4-FFF2-40B4-BE49-F238E27FC236}">
-                <a16:creationId xmlns:a16="http://schemas.microsoft.com/office/drawing/2014/main" id="{E7E92F54-75A2-0B47-A89F-C0D4BBBA4652}"/>
+                <a16:creationId xmlns:a16="http://schemas.microsoft.com/office/drawing/2014/main" xmlns="" id="{E7E92F54-75A2-0B47-A89F-C0D4BBBA4652}"/>
               </a:ext>
             </a:extLst>
           </p:cNvPr>
@@ -26423,7 +26583,7 @@
           <p:cNvPr id="4" name="Picture 3">
             <a:extLst>
               <a:ext uri="{FF2B5EF4-FFF2-40B4-BE49-F238E27FC236}">
-                <a16:creationId xmlns:a16="http://schemas.microsoft.com/office/drawing/2014/main" id="{300DEC84-1303-1441-9F1C-1E73E331D3EC}"/>
+                <a16:creationId xmlns:a16="http://schemas.microsoft.com/office/drawing/2014/main" xmlns="" id="{300DEC84-1303-1441-9F1C-1E73E331D3EC}"/>
               </a:ext>
             </a:extLst>
           </p:cNvPr>
@@ -26433,7 +26593,13 @@
           <p:nvPr/>
         </p:nvPicPr>
         <p:blipFill>
-          <a:blip r:embed="rId2"/>
+          <a:blip r:embed="rId2">
+            <a:extLst>
+              <a:ext uri="{28A0092B-C50C-407E-A947-70E740481C1C}">
+                <a14:useLocalDpi xmlns:a14="http://schemas.microsoft.com/office/drawing/2010/main" val="0"/>
+              </a:ext>
+            </a:extLst>
+          </a:blip>
           <a:stretch>
             <a:fillRect/>
           </a:stretch>
@@ -26453,7 +26619,7 @@
           <p:cNvPr id="6" name="Picture 5">
             <a:extLst>
               <a:ext uri="{FF2B5EF4-FFF2-40B4-BE49-F238E27FC236}">
-                <a16:creationId xmlns:a16="http://schemas.microsoft.com/office/drawing/2014/main" id="{14A519BC-BA96-0A46-B90C-C120F8D5EA2D}"/>
+                <a16:creationId xmlns:a16="http://schemas.microsoft.com/office/drawing/2014/main" xmlns="" id="{14A519BC-BA96-0A46-B90C-C120F8D5EA2D}"/>
               </a:ext>
             </a:extLst>
           </p:cNvPr>
@@ -26480,7 +26646,7 @@
       </p:pic>
       <p:pic>
         <p:nvPicPr>
-          <p:cNvPr id="3" name="Picture 2"/>
+          <p:cNvPr id="5" name="Picture 4"/>
           <p:cNvPicPr>
             <a:picLocks noChangeAspect="1"/>
           </p:cNvPicPr>
@@ -26500,36 +26666,6 @@
         </p:blipFill>
         <p:spPr>
           <a:xfrm>
-            <a:off x="7183414" y="1486766"/>
-            <a:ext cx="4315593" cy="3239035"/>
-          </a:xfrm>
-          <a:prstGeom prst="rect">
-            <a:avLst/>
-          </a:prstGeom>
-        </p:spPr>
-      </p:pic>
-      <p:pic>
-        <p:nvPicPr>
-          <p:cNvPr id="7" name="Picture 6"/>
-          <p:cNvPicPr>
-            <a:picLocks noChangeAspect="1"/>
-          </p:cNvPicPr>
-          <p:nvPr/>
-        </p:nvPicPr>
-        <p:blipFill>
-          <a:blip r:embed="rId5">
-            <a:extLst>
-              <a:ext uri="{28A0092B-C50C-407E-A947-70E740481C1C}">
-                <a14:useLocalDpi xmlns:a14="http://schemas.microsoft.com/office/drawing/2010/main" val="0"/>
-              </a:ext>
-            </a:extLst>
-          </a:blip>
-          <a:stretch>
-            <a:fillRect/>
-          </a:stretch>
-        </p:blipFill>
-        <p:spPr>
-          <a:xfrm>
             <a:off x="197853" y="138764"/>
             <a:ext cx="1236312" cy="259626"/>
           </a:xfrm>
@@ -26541,7 +26677,7 @@
     </p:spTree>
     <p:extLst>
       <p:ext uri="{BB962C8B-B14F-4D97-AF65-F5344CB8AC3E}">
-        <p14:creationId xmlns:p14="http://schemas.microsoft.com/office/powerpoint/2010/main" val="945843950"/>
+        <p14:creationId xmlns:p14="http://schemas.microsoft.com/office/powerpoint/2010/main" val="1537149396"/>
       </p:ext>
     </p:extLst>
   </p:cSld>
@@ -26573,7 +26709,7 @@
           <p:cNvPr id="2" name="Title 1">
             <a:extLst>
               <a:ext uri="{FF2B5EF4-FFF2-40B4-BE49-F238E27FC236}">
-                <a16:creationId xmlns:a16="http://schemas.microsoft.com/office/drawing/2014/main" id="{E7E92F54-75A2-0B47-A89F-C0D4BBBA4652}"/>
+                <a16:creationId xmlns:a16="http://schemas.microsoft.com/office/drawing/2014/main" xmlns="" id="{E7E92F54-75A2-0B47-A89F-C0D4BBBA4652}"/>
               </a:ext>
             </a:extLst>
           </p:cNvPr>
@@ -26606,7 +26742,7 @@
           <p:cNvPr id="4" name="Picture 3">
             <a:extLst>
               <a:ext uri="{FF2B5EF4-FFF2-40B4-BE49-F238E27FC236}">
-                <a16:creationId xmlns:a16="http://schemas.microsoft.com/office/drawing/2014/main" id="{300DEC84-1303-1441-9F1C-1E73E331D3EC}"/>
+                <a16:creationId xmlns:a16="http://schemas.microsoft.com/office/drawing/2014/main" xmlns="" id="{300DEC84-1303-1441-9F1C-1E73E331D3EC}"/>
               </a:ext>
             </a:extLst>
           </p:cNvPr>
@@ -26616,7 +26752,13 @@
           <p:nvPr/>
         </p:nvPicPr>
         <p:blipFill>
-          <a:blip r:embed="rId2"/>
+          <a:blip r:embed="rId2">
+            <a:extLst>
+              <a:ext uri="{28A0092B-C50C-407E-A947-70E740481C1C}">
+                <a14:useLocalDpi xmlns:a14="http://schemas.microsoft.com/office/drawing/2010/main" val="0"/>
+              </a:ext>
+            </a:extLst>
+          </a:blip>
           <a:stretch>
             <a:fillRect/>
           </a:stretch>
@@ -26636,7 +26778,7 @@
           <p:cNvPr id="6" name="Picture 5">
             <a:extLst>
               <a:ext uri="{FF2B5EF4-FFF2-40B4-BE49-F238E27FC236}">
-                <a16:creationId xmlns:a16="http://schemas.microsoft.com/office/drawing/2014/main" id="{14A519BC-BA96-0A46-B90C-C120F8D5EA2D}"/>
+                <a16:creationId xmlns:a16="http://schemas.microsoft.com/office/drawing/2014/main" xmlns="" id="{14A519BC-BA96-0A46-B90C-C120F8D5EA2D}"/>
               </a:ext>
             </a:extLst>
           </p:cNvPr>
@@ -26694,7 +26836,7 @@
     </p:spTree>
     <p:extLst>
       <p:ext uri="{BB962C8B-B14F-4D97-AF65-F5344CB8AC3E}">
-        <p14:creationId xmlns:p14="http://schemas.microsoft.com/office/powerpoint/2010/main" val="1050730907"/>
+        <p14:creationId xmlns:p14="http://schemas.microsoft.com/office/powerpoint/2010/main" val="1499782368"/>
       </p:ext>
     </p:extLst>
   </p:cSld>
@@ -26726,7 +26868,7 @@
           <p:cNvPr id="2" name="Title 1">
             <a:extLst>
               <a:ext uri="{FF2B5EF4-FFF2-40B4-BE49-F238E27FC236}">
-                <a16:creationId xmlns:a16="http://schemas.microsoft.com/office/drawing/2014/main" id="{E7E92F54-75A2-0B47-A89F-C0D4BBBA4652}"/>
+                <a16:creationId xmlns:a16="http://schemas.microsoft.com/office/drawing/2014/main" xmlns="" id="{E7E92F54-75A2-0B47-A89F-C0D4BBBA4652}"/>
               </a:ext>
             </a:extLst>
           </p:cNvPr>
@@ -26759,7 +26901,7 @@
           <p:cNvPr id="4" name="Picture 3">
             <a:extLst>
               <a:ext uri="{FF2B5EF4-FFF2-40B4-BE49-F238E27FC236}">
-                <a16:creationId xmlns:a16="http://schemas.microsoft.com/office/drawing/2014/main" id="{300DEC84-1303-1441-9F1C-1E73E331D3EC}"/>
+                <a16:creationId xmlns:a16="http://schemas.microsoft.com/office/drawing/2014/main" xmlns="" id="{300DEC84-1303-1441-9F1C-1E73E331D3EC}"/>
               </a:ext>
             </a:extLst>
           </p:cNvPr>
@@ -26769,7 +26911,13 @@
           <p:nvPr/>
         </p:nvPicPr>
         <p:blipFill>
-          <a:blip r:embed="rId2"/>
+          <a:blip r:embed="rId2">
+            <a:extLst>
+              <a:ext uri="{28A0092B-C50C-407E-A947-70E740481C1C}">
+                <a14:useLocalDpi xmlns:a14="http://schemas.microsoft.com/office/drawing/2010/main" val="0"/>
+              </a:ext>
+            </a:extLst>
+          </a:blip>
           <a:stretch>
             <a:fillRect/>
           </a:stretch>
@@ -26789,7 +26937,7 @@
           <p:cNvPr id="6" name="Picture 5">
             <a:extLst>
               <a:ext uri="{FF2B5EF4-FFF2-40B4-BE49-F238E27FC236}">
-                <a16:creationId xmlns:a16="http://schemas.microsoft.com/office/drawing/2014/main" id="{14A519BC-BA96-0A46-B90C-C120F8D5EA2D}"/>
+                <a16:creationId xmlns:a16="http://schemas.microsoft.com/office/drawing/2014/main" xmlns="" id="{14A519BC-BA96-0A46-B90C-C120F8D5EA2D}"/>
               </a:ext>
             </a:extLst>
           </p:cNvPr>
@@ -26816,7 +26964,7 @@
       </p:pic>
       <p:pic>
         <p:nvPicPr>
-          <p:cNvPr id="5" name="Picture 4"/>
+          <p:cNvPr id="3" name="Picture 2"/>
           <p:cNvPicPr>
             <a:picLocks noChangeAspect="1"/>
           </p:cNvPicPr>
@@ -26836,6 +26984,36 @@
         </p:blipFill>
         <p:spPr>
           <a:xfrm>
+            <a:off x="7291584" y="1587994"/>
+            <a:ext cx="4028720" cy="4834464"/>
+          </a:xfrm>
+          <a:prstGeom prst="rect">
+            <a:avLst/>
+          </a:prstGeom>
+        </p:spPr>
+      </p:pic>
+      <p:pic>
+        <p:nvPicPr>
+          <p:cNvPr id="7" name="Picture 6"/>
+          <p:cNvPicPr>
+            <a:picLocks noChangeAspect="1"/>
+          </p:cNvPicPr>
+          <p:nvPr/>
+        </p:nvPicPr>
+        <p:blipFill>
+          <a:blip r:embed="rId5">
+            <a:extLst>
+              <a:ext uri="{28A0092B-C50C-407E-A947-70E740481C1C}">
+                <a14:useLocalDpi xmlns:a14="http://schemas.microsoft.com/office/drawing/2010/main" val="0"/>
+              </a:ext>
+            </a:extLst>
+          </a:blip>
+          <a:stretch>
+            <a:fillRect/>
+          </a:stretch>
+        </p:blipFill>
+        <p:spPr>
+          <a:xfrm>
             <a:off x="197853" y="138764"/>
             <a:ext cx="1236312" cy="259626"/>
           </a:xfrm>
@@ -26847,7 +27025,7 @@
     </p:spTree>
     <p:extLst>
       <p:ext uri="{BB962C8B-B14F-4D97-AF65-F5344CB8AC3E}">
-        <p14:creationId xmlns:p14="http://schemas.microsoft.com/office/powerpoint/2010/main" val="1537149396"/>
+        <p14:creationId xmlns:p14="http://schemas.microsoft.com/office/powerpoint/2010/main" val="2090812483"/>
       </p:ext>
     </p:extLst>
   </p:cSld>
@@ -26879,7 +27057,7 @@
           <p:cNvPr id="2" name="Title 1">
             <a:extLst>
               <a:ext uri="{FF2B5EF4-FFF2-40B4-BE49-F238E27FC236}">
-                <a16:creationId xmlns:a16="http://schemas.microsoft.com/office/drawing/2014/main" id="{E7E92F54-75A2-0B47-A89F-C0D4BBBA4652}"/>
+                <a16:creationId xmlns:a16="http://schemas.microsoft.com/office/drawing/2014/main" xmlns="" id="{E7E92F54-75A2-0B47-A89F-C0D4BBBA4652}"/>
               </a:ext>
             </a:extLst>
           </p:cNvPr>
@@ -26912,7 +27090,7 @@
           <p:cNvPr id="4" name="Picture 3">
             <a:extLst>
               <a:ext uri="{FF2B5EF4-FFF2-40B4-BE49-F238E27FC236}">
-                <a16:creationId xmlns:a16="http://schemas.microsoft.com/office/drawing/2014/main" id="{300DEC84-1303-1441-9F1C-1E73E331D3EC}"/>
+                <a16:creationId xmlns:a16="http://schemas.microsoft.com/office/drawing/2014/main" xmlns="" id="{300DEC84-1303-1441-9F1C-1E73E331D3EC}"/>
               </a:ext>
             </a:extLst>
           </p:cNvPr>
@@ -26922,7 +27100,13 @@
           <p:nvPr/>
         </p:nvPicPr>
         <p:blipFill>
-          <a:blip r:embed="rId2"/>
+          <a:blip r:embed="rId2">
+            <a:extLst>
+              <a:ext uri="{28A0092B-C50C-407E-A947-70E740481C1C}">
+                <a14:useLocalDpi xmlns:a14="http://schemas.microsoft.com/office/drawing/2010/main" val="0"/>
+              </a:ext>
+            </a:extLst>
+          </a:blip>
           <a:stretch>
             <a:fillRect/>
           </a:stretch>
@@ -26930,7 +27114,7 @@
         <p:spPr>
           <a:xfrm>
             <a:off x="838200" y="1440873"/>
-            <a:ext cx="5909593" cy="5417126"/>
+            <a:ext cx="5909592" cy="5417126"/>
           </a:xfrm>
           <a:prstGeom prst="rect">
             <a:avLst/>
@@ -26942,7 +27126,7 @@
           <p:cNvPr id="6" name="Picture 5">
             <a:extLst>
               <a:ext uri="{FF2B5EF4-FFF2-40B4-BE49-F238E27FC236}">
-                <a16:creationId xmlns:a16="http://schemas.microsoft.com/office/drawing/2014/main" id="{14A519BC-BA96-0A46-B90C-C120F8D5EA2D}"/>
+                <a16:creationId xmlns:a16="http://schemas.microsoft.com/office/drawing/2014/main" xmlns="" id="{14A519BC-BA96-0A46-B90C-C120F8D5EA2D}"/>
               </a:ext>
             </a:extLst>
           </p:cNvPr>
@@ -27000,7 +27184,7 @@
     </p:spTree>
     <p:extLst>
       <p:ext uri="{BB962C8B-B14F-4D97-AF65-F5344CB8AC3E}">
-        <p14:creationId xmlns:p14="http://schemas.microsoft.com/office/powerpoint/2010/main" val="1499782368"/>
+        <p14:creationId xmlns:p14="http://schemas.microsoft.com/office/powerpoint/2010/main" val="868374743"/>
       </p:ext>
     </p:extLst>
   </p:cSld>
@@ -27032,7 +27216,7 @@
           <p:cNvPr id="2" name="Title 1">
             <a:extLst>
               <a:ext uri="{FF2B5EF4-FFF2-40B4-BE49-F238E27FC236}">
-                <a16:creationId xmlns:a16="http://schemas.microsoft.com/office/drawing/2014/main" id="{E7E92F54-75A2-0B47-A89F-C0D4BBBA4652}"/>
+                <a16:creationId xmlns:a16="http://schemas.microsoft.com/office/drawing/2014/main" xmlns="" id="{E7E92F54-75A2-0B47-A89F-C0D4BBBA4652}"/>
               </a:ext>
             </a:extLst>
           </p:cNvPr>
@@ -27065,7 +27249,7 @@
           <p:cNvPr id="4" name="Picture 3">
             <a:extLst>
               <a:ext uri="{FF2B5EF4-FFF2-40B4-BE49-F238E27FC236}">
-                <a16:creationId xmlns:a16="http://schemas.microsoft.com/office/drawing/2014/main" id="{300DEC84-1303-1441-9F1C-1E73E331D3EC}"/>
+                <a16:creationId xmlns:a16="http://schemas.microsoft.com/office/drawing/2014/main" xmlns="" id="{300DEC84-1303-1441-9F1C-1E73E331D3EC}"/>
               </a:ext>
             </a:extLst>
           </p:cNvPr>
@@ -27075,7 +27259,13 @@
           <p:nvPr/>
         </p:nvPicPr>
         <p:blipFill>
-          <a:blip r:embed="rId2"/>
+          <a:blip r:embed="rId2">
+            <a:extLst>
+              <a:ext uri="{28A0092B-C50C-407E-A947-70E740481C1C}">
+                <a14:useLocalDpi xmlns:a14="http://schemas.microsoft.com/office/drawing/2010/main" val="0"/>
+              </a:ext>
+            </a:extLst>
+          </a:blip>
           <a:stretch>
             <a:fillRect/>
           </a:stretch>
@@ -27083,7 +27273,7 @@
         <p:spPr>
           <a:xfrm>
             <a:off x="838200" y="1440873"/>
-            <a:ext cx="5909593" cy="5417126"/>
+            <a:ext cx="5909592" cy="5417126"/>
           </a:xfrm>
           <a:prstGeom prst="rect">
             <a:avLst/>
@@ -27095,7 +27285,7 @@
           <p:cNvPr id="6" name="Picture 5">
             <a:extLst>
               <a:ext uri="{FF2B5EF4-FFF2-40B4-BE49-F238E27FC236}">
-                <a16:creationId xmlns:a16="http://schemas.microsoft.com/office/drawing/2014/main" id="{14A519BC-BA96-0A46-B90C-C120F8D5EA2D}"/>
+                <a16:creationId xmlns:a16="http://schemas.microsoft.com/office/drawing/2014/main" xmlns="" id="{14A519BC-BA96-0A46-B90C-C120F8D5EA2D}"/>
               </a:ext>
             </a:extLst>
           </p:cNvPr>
@@ -27122,7 +27312,7 @@
       </p:pic>
       <p:pic>
         <p:nvPicPr>
-          <p:cNvPr id="3" name="Picture 2"/>
+          <p:cNvPr id="5" name="Picture 4"/>
           <p:cNvPicPr>
             <a:picLocks noChangeAspect="1"/>
           </p:cNvPicPr>
@@ -27142,36 +27332,6 @@
         </p:blipFill>
         <p:spPr>
           <a:xfrm>
-            <a:off x="7291584" y="1587994"/>
-            <a:ext cx="4028720" cy="4834464"/>
-          </a:xfrm>
-          <a:prstGeom prst="rect">
-            <a:avLst/>
-          </a:prstGeom>
-        </p:spPr>
-      </p:pic>
-      <p:pic>
-        <p:nvPicPr>
-          <p:cNvPr id="7" name="Picture 6"/>
-          <p:cNvPicPr>
-            <a:picLocks noChangeAspect="1"/>
-          </p:cNvPicPr>
-          <p:nvPr/>
-        </p:nvPicPr>
-        <p:blipFill>
-          <a:blip r:embed="rId5">
-            <a:extLst>
-              <a:ext uri="{28A0092B-C50C-407E-A947-70E740481C1C}">
-                <a14:useLocalDpi xmlns:a14="http://schemas.microsoft.com/office/drawing/2010/main" val="0"/>
-              </a:ext>
-            </a:extLst>
-          </a:blip>
-          <a:stretch>
-            <a:fillRect/>
-          </a:stretch>
-        </p:blipFill>
-        <p:spPr>
-          <a:xfrm>
             <a:off x="197853" y="138764"/>
             <a:ext cx="1236312" cy="259626"/>
           </a:xfrm>
@@ -27183,7 +27343,7 @@
     </p:spTree>
     <p:extLst>
       <p:ext uri="{BB962C8B-B14F-4D97-AF65-F5344CB8AC3E}">
-        <p14:creationId xmlns:p14="http://schemas.microsoft.com/office/powerpoint/2010/main" val="2090812483"/>
+        <p14:creationId xmlns:p14="http://schemas.microsoft.com/office/powerpoint/2010/main" val="3579950771"/>
       </p:ext>
     </p:extLst>
   </p:cSld>
@@ -27215,7 +27375,7 @@
           <p:cNvPr id="2" name="Title 1">
             <a:extLst>
               <a:ext uri="{FF2B5EF4-FFF2-40B4-BE49-F238E27FC236}">
-                <a16:creationId xmlns:a16="http://schemas.microsoft.com/office/drawing/2014/main" id="{E7E92F54-75A2-0B47-A89F-C0D4BBBA4652}"/>
+                <a16:creationId xmlns:a16="http://schemas.microsoft.com/office/drawing/2014/main" xmlns="" id="{E7E92F54-75A2-0B47-A89F-C0D4BBBA4652}"/>
               </a:ext>
             </a:extLst>
           </p:cNvPr>
@@ -27248,7 +27408,7 @@
           <p:cNvPr id="4" name="Picture 3">
             <a:extLst>
               <a:ext uri="{FF2B5EF4-FFF2-40B4-BE49-F238E27FC236}">
-                <a16:creationId xmlns:a16="http://schemas.microsoft.com/office/drawing/2014/main" id="{300DEC84-1303-1441-9F1C-1E73E331D3EC}"/>
+                <a16:creationId xmlns:a16="http://schemas.microsoft.com/office/drawing/2014/main" xmlns="" id="{300DEC84-1303-1441-9F1C-1E73E331D3EC}"/>
               </a:ext>
             </a:extLst>
           </p:cNvPr>
@@ -27258,7 +27418,13 @@
           <p:nvPr/>
         </p:nvPicPr>
         <p:blipFill>
-          <a:blip r:embed="rId2"/>
+          <a:blip r:embed="rId2">
+            <a:extLst>
+              <a:ext uri="{28A0092B-C50C-407E-A947-70E740481C1C}">
+                <a14:useLocalDpi xmlns:a14="http://schemas.microsoft.com/office/drawing/2010/main" val="0"/>
+              </a:ext>
+            </a:extLst>
+          </a:blip>
           <a:stretch>
             <a:fillRect/>
           </a:stretch>
@@ -27266,7 +27432,7 @@
         <p:spPr>
           <a:xfrm>
             <a:off x="838200" y="1440873"/>
-            <a:ext cx="5909593" cy="5417126"/>
+            <a:ext cx="5909592" cy="5417126"/>
           </a:xfrm>
           <a:prstGeom prst="rect">
             <a:avLst/>
@@ -27278,7 +27444,7 @@
           <p:cNvPr id="6" name="Picture 5">
             <a:extLst>
               <a:ext uri="{FF2B5EF4-FFF2-40B4-BE49-F238E27FC236}">
-                <a16:creationId xmlns:a16="http://schemas.microsoft.com/office/drawing/2014/main" id="{14A519BC-BA96-0A46-B90C-C120F8D5EA2D}"/>
+                <a16:creationId xmlns:a16="http://schemas.microsoft.com/office/drawing/2014/main" xmlns="" id="{14A519BC-BA96-0A46-B90C-C120F8D5EA2D}"/>
               </a:ext>
             </a:extLst>
           </p:cNvPr>
@@ -27336,7 +27502,7 @@
     </p:spTree>
     <p:extLst>
       <p:ext uri="{BB962C8B-B14F-4D97-AF65-F5344CB8AC3E}">
-        <p14:creationId xmlns:p14="http://schemas.microsoft.com/office/powerpoint/2010/main" val="868374743"/>
+        <p14:creationId xmlns:p14="http://schemas.microsoft.com/office/powerpoint/2010/main" val="573391556"/>
       </p:ext>
     </p:extLst>
   </p:cSld>
@@ -27368,7 +27534,7 @@
           <p:cNvPr id="2" name="Title 1">
             <a:extLst>
               <a:ext uri="{FF2B5EF4-FFF2-40B4-BE49-F238E27FC236}">
-                <a16:creationId xmlns:a16="http://schemas.microsoft.com/office/drawing/2014/main" id="{E7E92F54-75A2-0B47-A89F-C0D4BBBA4652}"/>
+                <a16:creationId xmlns:a16="http://schemas.microsoft.com/office/drawing/2014/main" xmlns="" id="{E7E92F54-75A2-0B47-A89F-C0D4BBBA4652}"/>
               </a:ext>
             </a:extLst>
           </p:cNvPr>
@@ -27401,7 +27567,7 @@
           <p:cNvPr id="4" name="Picture 3">
             <a:extLst>
               <a:ext uri="{FF2B5EF4-FFF2-40B4-BE49-F238E27FC236}">
-                <a16:creationId xmlns:a16="http://schemas.microsoft.com/office/drawing/2014/main" id="{300DEC84-1303-1441-9F1C-1E73E331D3EC}"/>
+                <a16:creationId xmlns:a16="http://schemas.microsoft.com/office/drawing/2014/main" xmlns="" id="{300DEC84-1303-1441-9F1C-1E73E331D3EC}"/>
               </a:ext>
             </a:extLst>
           </p:cNvPr>
@@ -27411,7 +27577,13 @@
           <p:nvPr/>
         </p:nvPicPr>
         <p:blipFill>
-          <a:blip r:embed="rId2"/>
+          <a:blip r:embed="rId2">
+            <a:extLst>
+              <a:ext uri="{28A0092B-C50C-407E-A947-70E740481C1C}">
+                <a14:useLocalDpi xmlns:a14="http://schemas.microsoft.com/office/drawing/2010/main" val="0"/>
+              </a:ext>
+            </a:extLst>
+          </a:blip>
           <a:stretch>
             <a:fillRect/>
           </a:stretch>
@@ -27431,7 +27603,7 @@
           <p:cNvPr id="6" name="Picture 5">
             <a:extLst>
               <a:ext uri="{FF2B5EF4-FFF2-40B4-BE49-F238E27FC236}">
-                <a16:creationId xmlns:a16="http://schemas.microsoft.com/office/drawing/2014/main" id="{14A519BC-BA96-0A46-B90C-C120F8D5EA2D}"/>
+                <a16:creationId xmlns:a16="http://schemas.microsoft.com/office/drawing/2014/main" xmlns="" id="{14A519BC-BA96-0A46-B90C-C120F8D5EA2D}"/>
               </a:ext>
             </a:extLst>
           </p:cNvPr>
@@ -27489,7 +27661,7 @@
     </p:spTree>
     <p:extLst>
       <p:ext uri="{BB962C8B-B14F-4D97-AF65-F5344CB8AC3E}">
-        <p14:creationId xmlns:p14="http://schemas.microsoft.com/office/powerpoint/2010/main" val="3579950771"/>
+        <p14:creationId xmlns:p14="http://schemas.microsoft.com/office/powerpoint/2010/main" val="1265314995"/>
       </p:ext>
     </p:extLst>
   </p:cSld>
@@ -27659,312 +27831,6 @@
       </p:grpSpPr>
       <p:sp>
         <p:nvSpPr>
-          <p:cNvPr id="2" name="Title 1">
-            <a:extLst>
-              <a:ext uri="{FF2B5EF4-FFF2-40B4-BE49-F238E27FC236}">
-                <a16:creationId xmlns:a16="http://schemas.microsoft.com/office/drawing/2014/main" id="{E7E92F54-75A2-0B47-A89F-C0D4BBBA4652}"/>
-              </a:ext>
-            </a:extLst>
-          </p:cNvPr>
-          <p:cNvSpPr>
-            <a:spLocks noGrp="1"/>
-          </p:cNvSpPr>
-          <p:nvPr>
-            <p:ph type="title"/>
-          </p:nvPr>
-        </p:nvSpPr>
-        <p:spPr/>
-        <p:txBody>
-          <a:bodyPr/>
-          <a:lstStyle/>
-          <a:p>
-            <a:r>
-              <a:rPr lang="da-DK" dirty="0"/>
-              <a:t>Simple </a:t>
-            </a:r>
-            <a:r>
-              <a:rPr lang="da-DK" dirty="0" err="1"/>
-              <a:t>example</a:t>
-            </a:r>
-            <a:endParaRPr lang="da-DK" dirty="0"/>
-          </a:p>
-        </p:txBody>
-      </p:sp>
-      <p:pic>
-        <p:nvPicPr>
-          <p:cNvPr id="4" name="Picture 3">
-            <a:extLst>
-              <a:ext uri="{FF2B5EF4-FFF2-40B4-BE49-F238E27FC236}">
-                <a16:creationId xmlns:a16="http://schemas.microsoft.com/office/drawing/2014/main" id="{300DEC84-1303-1441-9F1C-1E73E331D3EC}"/>
-              </a:ext>
-            </a:extLst>
-          </p:cNvPr>
-          <p:cNvPicPr>
-            <a:picLocks noChangeAspect="1"/>
-          </p:cNvPicPr>
-          <p:nvPr/>
-        </p:nvPicPr>
-        <p:blipFill>
-          <a:blip r:embed="rId2"/>
-          <a:stretch>
-            <a:fillRect/>
-          </a:stretch>
-        </p:blipFill>
-        <p:spPr>
-          <a:xfrm>
-            <a:off x="838200" y="1440873"/>
-            <a:ext cx="5909592" cy="5417126"/>
-          </a:xfrm>
-          <a:prstGeom prst="rect">
-            <a:avLst/>
-          </a:prstGeom>
-        </p:spPr>
-      </p:pic>
-      <p:pic>
-        <p:nvPicPr>
-          <p:cNvPr id="6" name="Picture 5">
-            <a:extLst>
-              <a:ext uri="{FF2B5EF4-FFF2-40B4-BE49-F238E27FC236}">
-                <a16:creationId xmlns:a16="http://schemas.microsoft.com/office/drawing/2014/main" id="{14A519BC-BA96-0A46-B90C-C120F8D5EA2D}"/>
-              </a:ext>
-            </a:extLst>
-          </p:cNvPr>
-          <p:cNvPicPr>
-            <a:picLocks noChangeAspect="1"/>
-          </p:cNvPicPr>
-          <p:nvPr/>
-        </p:nvPicPr>
-        <p:blipFill>
-          <a:blip r:embed="rId3"/>
-          <a:stretch>
-            <a:fillRect/>
-          </a:stretch>
-        </p:blipFill>
-        <p:spPr>
-          <a:xfrm>
-            <a:off x="7291584" y="1486766"/>
-            <a:ext cx="3906352" cy="5371234"/>
-          </a:xfrm>
-          <a:prstGeom prst="rect">
-            <a:avLst/>
-          </a:prstGeom>
-        </p:spPr>
-      </p:pic>
-      <p:pic>
-        <p:nvPicPr>
-          <p:cNvPr id="5" name="Picture 4"/>
-          <p:cNvPicPr>
-            <a:picLocks noChangeAspect="1"/>
-          </p:cNvPicPr>
-          <p:nvPr/>
-        </p:nvPicPr>
-        <p:blipFill>
-          <a:blip r:embed="rId4">
-            <a:extLst>
-              <a:ext uri="{28A0092B-C50C-407E-A947-70E740481C1C}">
-                <a14:useLocalDpi xmlns:a14="http://schemas.microsoft.com/office/drawing/2010/main" val="0"/>
-              </a:ext>
-            </a:extLst>
-          </a:blip>
-          <a:stretch>
-            <a:fillRect/>
-          </a:stretch>
-        </p:blipFill>
-        <p:spPr>
-          <a:xfrm>
-            <a:off x="197853" y="138764"/>
-            <a:ext cx="1236312" cy="259626"/>
-          </a:xfrm>
-          <a:prstGeom prst="rect">
-            <a:avLst/>
-          </a:prstGeom>
-        </p:spPr>
-      </p:pic>
-    </p:spTree>
-    <p:extLst>
-      <p:ext uri="{BB962C8B-B14F-4D97-AF65-F5344CB8AC3E}">
-        <p14:creationId xmlns:p14="http://schemas.microsoft.com/office/powerpoint/2010/main" val="573391556"/>
-      </p:ext>
-    </p:extLst>
-  </p:cSld>
-  <p:clrMapOvr>
-    <a:masterClrMapping/>
-  </p:clrMapOvr>
-</p:sld>
-</file>
-
-<file path=ppt/slides/slide41.xml><?xml version="1.0" encoding="utf-8"?>
-<p:sld xmlns:a="http://schemas.openxmlformats.org/drawingml/2006/main" xmlns:r="http://schemas.openxmlformats.org/officeDocument/2006/relationships" xmlns:p="http://schemas.openxmlformats.org/presentationml/2006/main">
-  <p:cSld>
-    <p:spTree>
-      <p:nvGrpSpPr>
-        <p:cNvPr id="1" name=""/>
-        <p:cNvGrpSpPr/>
-        <p:nvPr/>
-      </p:nvGrpSpPr>
-      <p:grpSpPr>
-        <a:xfrm>
-          <a:off x="0" y="0"/>
-          <a:ext cx="0" cy="0"/>
-          <a:chOff x="0" y="0"/>
-          <a:chExt cx="0" cy="0"/>
-        </a:xfrm>
-      </p:grpSpPr>
-      <p:sp>
-        <p:nvSpPr>
-          <p:cNvPr id="2" name="Title 1">
-            <a:extLst>
-              <a:ext uri="{FF2B5EF4-FFF2-40B4-BE49-F238E27FC236}">
-                <a16:creationId xmlns:a16="http://schemas.microsoft.com/office/drawing/2014/main" id="{E7E92F54-75A2-0B47-A89F-C0D4BBBA4652}"/>
-              </a:ext>
-            </a:extLst>
-          </p:cNvPr>
-          <p:cNvSpPr>
-            <a:spLocks noGrp="1"/>
-          </p:cNvSpPr>
-          <p:nvPr>
-            <p:ph type="title"/>
-          </p:nvPr>
-        </p:nvSpPr>
-        <p:spPr/>
-        <p:txBody>
-          <a:bodyPr/>
-          <a:lstStyle/>
-          <a:p>
-            <a:r>
-              <a:rPr lang="da-DK" dirty="0"/>
-              <a:t>Simple </a:t>
-            </a:r>
-            <a:r>
-              <a:rPr lang="da-DK" dirty="0" err="1"/>
-              <a:t>example</a:t>
-            </a:r>
-            <a:endParaRPr lang="da-DK" dirty="0"/>
-          </a:p>
-        </p:txBody>
-      </p:sp>
-      <p:pic>
-        <p:nvPicPr>
-          <p:cNvPr id="4" name="Picture 3">
-            <a:extLst>
-              <a:ext uri="{FF2B5EF4-FFF2-40B4-BE49-F238E27FC236}">
-                <a16:creationId xmlns:a16="http://schemas.microsoft.com/office/drawing/2014/main" id="{300DEC84-1303-1441-9F1C-1E73E331D3EC}"/>
-              </a:ext>
-            </a:extLst>
-          </p:cNvPr>
-          <p:cNvPicPr>
-            <a:picLocks noChangeAspect="1"/>
-          </p:cNvPicPr>
-          <p:nvPr/>
-        </p:nvPicPr>
-        <p:blipFill>
-          <a:blip r:embed="rId2"/>
-          <a:stretch>
-            <a:fillRect/>
-          </a:stretch>
-        </p:blipFill>
-        <p:spPr>
-          <a:xfrm>
-            <a:off x="838200" y="1440873"/>
-            <a:ext cx="5909593" cy="5417126"/>
-          </a:xfrm>
-          <a:prstGeom prst="rect">
-            <a:avLst/>
-          </a:prstGeom>
-        </p:spPr>
-      </p:pic>
-      <p:pic>
-        <p:nvPicPr>
-          <p:cNvPr id="6" name="Picture 5">
-            <a:extLst>
-              <a:ext uri="{FF2B5EF4-FFF2-40B4-BE49-F238E27FC236}">
-                <a16:creationId xmlns:a16="http://schemas.microsoft.com/office/drawing/2014/main" id="{14A519BC-BA96-0A46-B90C-C120F8D5EA2D}"/>
-              </a:ext>
-            </a:extLst>
-          </p:cNvPr>
-          <p:cNvPicPr>
-            <a:picLocks noChangeAspect="1"/>
-          </p:cNvPicPr>
-          <p:nvPr/>
-        </p:nvPicPr>
-        <p:blipFill>
-          <a:blip r:embed="rId3"/>
-          <a:stretch>
-            <a:fillRect/>
-          </a:stretch>
-        </p:blipFill>
-        <p:spPr>
-          <a:xfrm>
-            <a:off x="7291584" y="1486766"/>
-            <a:ext cx="3906352" cy="5371234"/>
-          </a:xfrm>
-          <a:prstGeom prst="rect">
-            <a:avLst/>
-          </a:prstGeom>
-        </p:spPr>
-      </p:pic>
-      <p:pic>
-        <p:nvPicPr>
-          <p:cNvPr id="5" name="Picture 4"/>
-          <p:cNvPicPr>
-            <a:picLocks noChangeAspect="1"/>
-          </p:cNvPicPr>
-          <p:nvPr/>
-        </p:nvPicPr>
-        <p:blipFill>
-          <a:blip r:embed="rId4">
-            <a:extLst>
-              <a:ext uri="{28A0092B-C50C-407E-A947-70E740481C1C}">
-                <a14:useLocalDpi xmlns:a14="http://schemas.microsoft.com/office/drawing/2010/main" val="0"/>
-              </a:ext>
-            </a:extLst>
-          </a:blip>
-          <a:stretch>
-            <a:fillRect/>
-          </a:stretch>
-        </p:blipFill>
-        <p:spPr>
-          <a:xfrm>
-            <a:off x="197853" y="138764"/>
-            <a:ext cx="1236312" cy="259626"/>
-          </a:xfrm>
-          <a:prstGeom prst="rect">
-            <a:avLst/>
-          </a:prstGeom>
-        </p:spPr>
-      </p:pic>
-    </p:spTree>
-    <p:extLst>
-      <p:ext uri="{BB962C8B-B14F-4D97-AF65-F5344CB8AC3E}">
-        <p14:creationId xmlns:p14="http://schemas.microsoft.com/office/powerpoint/2010/main" val="1265314995"/>
-      </p:ext>
-    </p:extLst>
-  </p:cSld>
-  <p:clrMapOvr>
-    <a:masterClrMapping/>
-  </p:clrMapOvr>
-</p:sld>
-</file>
-
-<file path=ppt/slides/slide42.xml><?xml version="1.0" encoding="utf-8"?>
-<p:sld xmlns:a="http://schemas.openxmlformats.org/drawingml/2006/main" xmlns:r="http://schemas.openxmlformats.org/officeDocument/2006/relationships" xmlns:p="http://schemas.openxmlformats.org/presentationml/2006/main">
-  <p:cSld>
-    <p:spTree>
-      <p:nvGrpSpPr>
-        <p:cNvPr id="1" name=""/>
-        <p:cNvGrpSpPr/>
-        <p:nvPr/>
-      </p:nvGrpSpPr>
-      <p:grpSpPr>
-        <a:xfrm>
-          <a:off x="0" y="0"/>
-          <a:ext cx="0" cy="0"/>
-          <a:chOff x="0" y="0"/>
-          <a:chExt cx="0" cy="0"/>
-        </a:xfrm>
-      </p:grpSpPr>
-      <p:sp>
-        <p:nvSpPr>
           <p:cNvPr id="2" name="Title 1"/>
           <p:cNvSpPr>
             <a:spLocks noGrp="1"/>
@@ -28731,7 +28597,7 @@
                         <m:sSubPr>
                           <m:ctrlPr>
                             <a:rPr lang="en-US" b="0" i="1" smtClean="0">
-                              <a:latin typeface="Cambria Math" panose="02040503050406030204" pitchFamily="18" charset="0"/>
+                              <a:latin typeface="Cambria Math" charset="0"/>
                             </a:rPr>
                           </m:ctrlPr>
                         </m:sSubPr>
@@ -28840,7 +28706,7 @@
                         <m:sSubPr>
                           <m:ctrlPr>
                             <a:rPr lang="en-US" sz="2400" b="0" i="1" smtClean="0">
-                              <a:latin typeface="Cambria Math" panose="02040503050406030204" pitchFamily="18" charset="0"/>
+                              <a:latin typeface="Cambria Math" charset="0"/>
                             </a:rPr>
                           </m:ctrlPr>
                         </m:sSubPr>
@@ -28871,7 +28737,7 @@
                         <m:sSubPr>
                           <m:ctrlPr>
                             <a:rPr lang="en-US" sz="2400" b="0" i="1" smtClean="0">
-                              <a:latin typeface="Cambria Math" panose="02040503050406030204" pitchFamily="18" charset="0"/>
+                              <a:latin typeface="Cambria Math" charset="0"/>
                             </a:rPr>
                           </m:ctrlPr>
                         </m:sSubPr>
@@ -29006,7 +28872,7 @@
 </p:sld>
 </file>
 
-<file path=ppt/slides/slide43.xml><?xml version="1.0" encoding="utf-8"?>
+<file path=ppt/slides/slide41.xml><?xml version="1.0" encoding="utf-8"?>
 <p:sld xmlns:a="http://schemas.openxmlformats.org/drawingml/2006/main" xmlns:r="http://schemas.openxmlformats.org/officeDocument/2006/relationships" xmlns:p="http://schemas.openxmlformats.org/presentationml/2006/main">
   <p:cSld>
     <p:spTree>
@@ -29791,7 +29657,7 @@
                         <m:sSubPr>
                           <m:ctrlPr>
                             <a:rPr lang="en-US" b="0" i="1" smtClean="0">
-                              <a:latin typeface="Cambria Math" panose="02040503050406030204" pitchFamily="18" charset="0"/>
+                              <a:latin typeface="Cambria Math" charset="0"/>
                             </a:rPr>
                           </m:ctrlPr>
                         </m:sSubPr>
@@ -29900,7 +29766,7 @@
                         <m:sSubPr>
                           <m:ctrlPr>
                             <a:rPr lang="en-US" sz="2400" b="0" i="1" smtClean="0">
-                              <a:latin typeface="Cambria Math" panose="02040503050406030204" pitchFamily="18" charset="0"/>
+                              <a:latin typeface="Cambria Math" charset="0"/>
                             </a:rPr>
                           </m:ctrlPr>
                         </m:sSubPr>
@@ -29931,7 +29797,7 @@
                         <m:sSubPr>
                           <m:ctrlPr>
                             <a:rPr lang="en-US" sz="2400" b="0" i="1" smtClean="0">
-                              <a:latin typeface="Cambria Math" panose="02040503050406030204" pitchFamily="18" charset="0"/>
+                              <a:latin typeface="Cambria Math" charset="0"/>
                             </a:rPr>
                           </m:ctrlPr>
                         </m:sSubPr>
@@ -30057,7 +29923,7 @@
                         <m:sSubPr>
                           <m:ctrlPr>
                             <a:rPr lang="en-US" sz="2400" i="1" smtClean="0">
-                              <a:latin typeface="Cambria Math" panose="02040503050406030204" pitchFamily="18" charset="0"/>
+                              <a:latin typeface="Cambria Math" charset="0"/>
                             </a:rPr>
                           </m:ctrlPr>
                         </m:sSubPr>
@@ -30174,7 +30040,7 @@
 </p:sld>
 </file>
 
-<file path=ppt/slides/slide44.xml><?xml version="1.0" encoding="utf-8"?>
+<file path=ppt/slides/slide42.xml><?xml version="1.0" encoding="utf-8"?>
 <p:sld xmlns:a="http://schemas.openxmlformats.org/drawingml/2006/main" xmlns:r="http://schemas.openxmlformats.org/officeDocument/2006/relationships" xmlns:p="http://schemas.openxmlformats.org/presentationml/2006/main">
   <p:cSld>
     <p:spTree>
@@ -30959,7 +30825,7 @@
                         <m:sSubPr>
                           <m:ctrlPr>
                             <a:rPr lang="en-US" b="0" i="1" smtClean="0">
-                              <a:latin typeface="Cambria Math" panose="02040503050406030204" pitchFamily="18" charset="0"/>
+                              <a:latin typeface="Cambria Math" charset="0"/>
                             </a:rPr>
                           </m:ctrlPr>
                         </m:sSubPr>
@@ -31068,7 +30934,7 @@
                         <m:sSubPr>
                           <m:ctrlPr>
                             <a:rPr lang="en-US" sz="2400" b="0" i="1" smtClean="0">
-                              <a:latin typeface="Cambria Math" panose="02040503050406030204" pitchFamily="18" charset="0"/>
+                              <a:latin typeface="Cambria Math" charset="0"/>
                             </a:rPr>
                           </m:ctrlPr>
                         </m:sSubPr>
@@ -31099,7 +30965,7 @@
                         <m:sSubPr>
                           <m:ctrlPr>
                             <a:rPr lang="en-US" sz="2400" b="0" i="1" smtClean="0">
-                              <a:latin typeface="Cambria Math" panose="02040503050406030204" pitchFamily="18" charset="0"/>
+                              <a:latin typeface="Cambria Math" charset="0"/>
                             </a:rPr>
                           </m:ctrlPr>
                         </m:sSubPr>
@@ -31225,7 +31091,7 @@
                         <m:sSubPr>
                           <m:ctrlPr>
                             <a:rPr lang="en-US" sz="2400" i="1" smtClean="0">
-                              <a:latin typeface="Cambria Math" panose="02040503050406030204" pitchFamily="18" charset="0"/>
+                              <a:latin typeface="Cambria Math" charset="0"/>
                             </a:rPr>
                           </m:ctrlPr>
                         </m:sSubPr>
@@ -31342,7 +31208,7 @@
 </p:sld>
 </file>
 
-<file path=ppt/slides/slide45.xml><?xml version="1.0" encoding="utf-8"?>
+<file path=ppt/slides/slide43.xml><?xml version="1.0" encoding="utf-8"?>
 <p:sld xmlns:a="http://schemas.openxmlformats.org/drawingml/2006/main" xmlns:r="http://schemas.openxmlformats.org/officeDocument/2006/relationships" xmlns:p="http://schemas.openxmlformats.org/presentationml/2006/main">
   <p:cSld>
     <p:spTree>
@@ -32143,7 +32009,7 @@
       </p:pic>
       <p:pic>
         <p:nvPicPr>
-          <p:cNvPr id="24" name="Picture 23"/>
+          <p:cNvPr id="26" name="Picture 25"/>
           <p:cNvPicPr>
             <a:picLocks noChangeAspect="1"/>
           </p:cNvPicPr>
@@ -32163,17 +32029,50 @@
         </p:blipFill>
         <p:spPr>
           <a:xfrm>
-            <a:off x="5816866" y="4122017"/>
-            <a:ext cx="1828800" cy="1828800"/>
+            <a:off x="3247188" y="4122017"/>
+            <a:ext cx="2463800" cy="1828800"/>
           </a:xfrm>
           <a:prstGeom prst="rect">
             <a:avLst/>
           </a:prstGeom>
         </p:spPr>
       </p:pic>
+      <p:cxnSp>
+        <p:nvCxnSpPr>
+          <p:cNvPr id="45" name="Straight Arrow Connector 44"/>
+          <p:cNvCxnSpPr/>
+          <p:nvPr/>
+        </p:nvCxnSpPr>
+        <p:spPr>
+          <a:xfrm>
+            <a:off x="4331368" y="4772352"/>
+            <a:ext cx="336885" cy="0"/>
+          </a:xfrm>
+          <a:prstGeom prst="straightConnector1">
+            <a:avLst/>
+          </a:prstGeom>
+          <a:ln>
+            <a:tailEnd type="triangle"/>
+          </a:ln>
+        </p:spPr>
+        <p:style>
+          <a:lnRef idx="3">
+            <a:schemeClr val="dk1"/>
+          </a:lnRef>
+          <a:fillRef idx="0">
+            <a:schemeClr val="dk1"/>
+          </a:fillRef>
+          <a:effectRef idx="2">
+            <a:schemeClr val="dk1"/>
+          </a:effectRef>
+          <a:fontRef idx="minor">
+            <a:schemeClr val="tx1"/>
+          </a:fontRef>
+        </p:style>
+      </p:cxnSp>
       <p:pic>
         <p:nvPicPr>
-          <p:cNvPr id="26" name="Picture 25"/>
+          <p:cNvPr id="15" name="Picture 14"/>
           <p:cNvPicPr>
             <a:picLocks noChangeAspect="1"/>
           </p:cNvPicPr>
@@ -32193,8 +32092,38 @@
         </p:blipFill>
         <p:spPr>
           <a:xfrm>
-            <a:off x="3247188" y="4122017"/>
-            <a:ext cx="2463800" cy="1828800"/>
+            <a:off x="197853" y="138764"/>
+            <a:ext cx="1236312" cy="259626"/>
+          </a:xfrm>
+          <a:prstGeom prst="rect">
+            <a:avLst/>
+          </a:prstGeom>
+        </p:spPr>
+      </p:pic>
+      <p:pic>
+        <p:nvPicPr>
+          <p:cNvPr id="16" name="Picture 15"/>
+          <p:cNvPicPr>
+            <a:picLocks noChangeAspect="1"/>
+          </p:cNvPicPr>
+          <p:nvPr/>
+        </p:nvPicPr>
+        <p:blipFill>
+          <a:blip r:embed="rId5">
+            <a:extLst>
+              <a:ext uri="{28A0092B-C50C-407E-A947-70E740481C1C}">
+                <a14:useLocalDpi xmlns:a14="http://schemas.microsoft.com/office/drawing/2010/main" val="0"/>
+              </a:ext>
+            </a:extLst>
+          </a:blip>
+          <a:stretch>
+            <a:fillRect/>
+          </a:stretch>
+        </p:blipFill>
+        <p:spPr>
+          <a:xfrm>
+            <a:off x="5816866" y="4122017"/>
+            <a:ext cx="1828800" cy="1828800"/>
           </a:xfrm>
           <a:prstGeom prst="rect">
             <a:avLst/>
@@ -32203,14 +32132,14 @@
       </p:pic>
       <p:sp>
         <p:nvSpPr>
-          <p:cNvPr id="31" name="Arc 30"/>
+          <p:cNvPr id="17" name="Arc 16"/>
           <p:cNvSpPr/>
           <p:nvPr/>
         </p:nvSpPr>
         <p:spPr>
-          <a:xfrm rot="809346">
-            <a:off x="6891237" y="4319268"/>
-            <a:ext cx="522974" cy="387008"/>
+          <a:xfrm>
+            <a:off x="7111435" y="4466122"/>
+            <a:ext cx="192505" cy="452387"/>
           </a:xfrm>
           <a:prstGeom prst="arc">
             <a:avLst/>
@@ -32241,14 +32170,14 @@
       </p:sp>
       <p:cxnSp>
         <p:nvCxnSpPr>
-          <p:cNvPr id="33" name="Straight Arrow Connector 32"/>
+          <p:cNvPr id="18" name="Straight Arrow Connector 17"/>
           <p:cNvCxnSpPr/>
           <p:nvPr/>
         </p:nvCxnSpPr>
         <p:spPr>
-          <a:xfrm rot="809346">
-            <a:off x="7401377" y="4523394"/>
-            <a:ext cx="36000" cy="112145"/>
+          <a:xfrm>
+            <a:off x="7305569" y="4629757"/>
+            <a:ext cx="0" cy="111971"/>
           </a:xfrm>
           <a:prstGeom prst="straightConnector1">
             <a:avLst/>
@@ -32272,76 +32201,54 @@
           </a:fontRef>
         </p:style>
       </p:cxnSp>
-      <p:cxnSp>
-        <p:nvCxnSpPr>
-          <p:cNvPr id="37" name="Straight Connector 36"/>
-          <p:cNvCxnSpPr/>
-          <p:nvPr/>
-        </p:nvCxnSpPr>
-        <p:spPr>
-          <a:xfrm flipV="1">
-            <a:off x="6853313" y="4263611"/>
-            <a:ext cx="350285" cy="492240"/>
-          </a:xfrm>
-          <a:prstGeom prst="line">
+      <p:sp>
+        <p:nvSpPr>
+          <p:cNvPr id="19" name="Arc 18"/>
+          <p:cNvSpPr/>
+          <p:nvPr/>
+        </p:nvSpPr>
+        <p:spPr>
+          <a:xfrm rot="7800000">
+            <a:off x="6539271" y="5014764"/>
+            <a:ext cx="192506" cy="250257"/>
+          </a:xfrm>
+          <a:prstGeom prst="arc">
             <a:avLst/>
           </a:prstGeom>
         </p:spPr>
         <p:style>
-          <a:lnRef idx="2">
+          <a:lnRef idx="3">
             <a:schemeClr val="dk1"/>
           </a:lnRef>
           <a:fillRef idx="0">
             <a:schemeClr val="dk1"/>
           </a:fillRef>
-          <a:effectRef idx="1">
+          <a:effectRef idx="2">
             <a:schemeClr val="dk1"/>
           </a:effectRef>
           <a:fontRef idx="minor">
             <a:schemeClr val="tx1"/>
           </a:fontRef>
         </p:style>
-      </p:cxnSp>
+        <p:txBody>
+          <a:bodyPr rtlCol="0" anchor="ctr"/>
+          <a:lstStyle/>
+          <a:p>
+            <a:pPr algn="ctr"/>
+            <a:endParaRPr lang="en-US"/>
+          </a:p>
+        </p:txBody>
+      </p:sp>
       <p:cxnSp>
         <p:nvCxnSpPr>
-          <p:cNvPr id="39" name="Straight Connector 38"/>
+          <p:cNvPr id="20" name="Straight Arrow Connector 19"/>
           <p:cNvCxnSpPr/>
           <p:nvPr/>
         </p:nvCxnSpPr>
         <p:spPr>
-          <a:xfrm flipV="1">
-            <a:off x="6853313" y="4638191"/>
-            <a:ext cx="721769" cy="112450"/>
-          </a:xfrm>
-          <a:prstGeom prst="line">
-            <a:avLst/>
-          </a:prstGeom>
-        </p:spPr>
-        <p:style>
-          <a:lnRef idx="2">
-            <a:schemeClr val="dk1"/>
-          </a:lnRef>
-          <a:fillRef idx="0">
-            <a:schemeClr val="dk1"/>
-          </a:fillRef>
-          <a:effectRef idx="1">
-            <a:schemeClr val="dk1"/>
-          </a:effectRef>
-          <a:fontRef idx="minor">
-            <a:schemeClr val="tx1"/>
-          </a:fontRef>
-        </p:style>
-      </p:cxnSp>
-      <p:cxnSp>
-        <p:nvCxnSpPr>
-          <p:cNvPr id="45" name="Straight Arrow Connector 44"/>
-          <p:cNvCxnSpPr/>
-          <p:nvPr/>
-        </p:nvCxnSpPr>
-        <p:spPr>
-          <a:xfrm>
-            <a:off x="4331368" y="4772352"/>
-            <a:ext cx="336885" cy="0"/>
+          <a:xfrm flipH="1" flipV="1">
+            <a:off x="6529133" y="5209671"/>
+            <a:ext cx="112294" cy="36000"/>
           </a:xfrm>
           <a:prstGeom prst="straightConnector1">
             <a:avLst/>
@@ -32365,36 +32272,6 @@
           </a:fontRef>
         </p:style>
       </p:cxnSp>
-      <p:pic>
-        <p:nvPicPr>
-          <p:cNvPr id="15" name="Picture 14"/>
-          <p:cNvPicPr>
-            <a:picLocks noChangeAspect="1"/>
-          </p:cNvPicPr>
-          <p:nvPr/>
-        </p:nvPicPr>
-        <p:blipFill>
-          <a:blip r:embed="rId5">
-            <a:extLst>
-              <a:ext uri="{28A0092B-C50C-407E-A947-70E740481C1C}">
-                <a14:useLocalDpi xmlns:a14="http://schemas.microsoft.com/office/drawing/2010/main" val="0"/>
-              </a:ext>
-            </a:extLst>
-          </a:blip>
-          <a:stretch>
-            <a:fillRect/>
-          </a:stretch>
-        </p:blipFill>
-        <p:spPr>
-          <a:xfrm>
-            <a:off x="197853" y="138764"/>
-            <a:ext cx="1236312" cy="259626"/>
-          </a:xfrm>
-          <a:prstGeom prst="rect">
-            <a:avLst/>
-          </a:prstGeom>
-        </p:spPr>
-      </p:pic>
     </p:spTree>
     <p:extLst>
       <p:ext uri="{BB962C8B-B14F-4D97-AF65-F5344CB8AC3E}">
@@ -32667,7 +32544,7 @@
       </p:pic>
       <p:pic>
         <p:nvPicPr>
-          <p:cNvPr id="24" name="Picture 23"/>
+          <p:cNvPr id="26" name="Picture 25"/>
           <p:cNvPicPr>
             <a:picLocks noChangeAspect="1"/>
           </p:cNvPicPr>
@@ -32687,17 +32564,50 @@
         </p:blipFill>
         <p:spPr>
           <a:xfrm>
-            <a:off x="5816866" y="4122017"/>
-            <a:ext cx="1828800" cy="1828800"/>
+            <a:off x="3247188" y="4122017"/>
+            <a:ext cx="2463800" cy="1828800"/>
           </a:xfrm>
           <a:prstGeom prst="rect">
             <a:avLst/>
           </a:prstGeom>
         </p:spPr>
       </p:pic>
+      <p:cxnSp>
+        <p:nvCxnSpPr>
+          <p:cNvPr id="45" name="Straight Arrow Connector 44"/>
+          <p:cNvCxnSpPr/>
+          <p:nvPr/>
+        </p:nvCxnSpPr>
+        <p:spPr>
+          <a:xfrm>
+            <a:off x="4331368" y="4772352"/>
+            <a:ext cx="336885" cy="0"/>
+          </a:xfrm>
+          <a:prstGeom prst="straightConnector1">
+            <a:avLst/>
+          </a:prstGeom>
+          <a:ln>
+            <a:tailEnd type="triangle"/>
+          </a:ln>
+        </p:spPr>
+        <p:style>
+          <a:lnRef idx="3">
+            <a:schemeClr val="dk1"/>
+          </a:lnRef>
+          <a:fillRef idx="0">
+            <a:schemeClr val="dk1"/>
+          </a:fillRef>
+          <a:effectRef idx="2">
+            <a:schemeClr val="dk1"/>
+          </a:effectRef>
+          <a:fontRef idx="minor">
+            <a:schemeClr val="tx1"/>
+          </a:fontRef>
+        </p:style>
+      </p:cxnSp>
       <p:pic>
         <p:nvPicPr>
-          <p:cNvPr id="26" name="Picture 25"/>
+          <p:cNvPr id="16" name="Picture 15"/>
           <p:cNvPicPr>
             <a:picLocks noChangeAspect="1"/>
           </p:cNvPicPr>
@@ -32717,8 +32627,38 @@
         </p:blipFill>
         <p:spPr>
           <a:xfrm>
-            <a:off x="3247188" y="4122017"/>
-            <a:ext cx="2463800" cy="1828800"/>
+            <a:off x="197853" y="138764"/>
+            <a:ext cx="1236312" cy="259626"/>
+          </a:xfrm>
+          <a:prstGeom prst="rect">
+            <a:avLst/>
+          </a:prstGeom>
+        </p:spPr>
+      </p:pic>
+      <p:pic>
+        <p:nvPicPr>
+          <p:cNvPr id="17" name="Picture 16"/>
+          <p:cNvPicPr>
+            <a:picLocks noChangeAspect="1"/>
+          </p:cNvPicPr>
+          <p:nvPr/>
+        </p:nvPicPr>
+        <p:blipFill>
+          <a:blip r:embed="rId6">
+            <a:extLst>
+              <a:ext uri="{28A0092B-C50C-407E-A947-70E740481C1C}">
+                <a14:useLocalDpi xmlns:a14="http://schemas.microsoft.com/office/drawing/2010/main" val="0"/>
+              </a:ext>
+            </a:extLst>
+          </a:blip>
+          <a:stretch>
+            <a:fillRect/>
+          </a:stretch>
+        </p:blipFill>
+        <p:spPr>
+          <a:xfrm>
+            <a:off x="5816866" y="4122017"/>
+            <a:ext cx="1828800" cy="1828800"/>
           </a:xfrm>
           <a:prstGeom prst="rect">
             <a:avLst/>
@@ -32727,14 +32667,14 @@
       </p:pic>
       <p:sp>
         <p:nvSpPr>
-          <p:cNvPr id="31" name="Arc 30"/>
+          <p:cNvPr id="18" name="Arc 17"/>
           <p:cNvSpPr/>
           <p:nvPr/>
         </p:nvSpPr>
         <p:spPr>
-          <a:xfrm rot="809346">
-            <a:off x="6891237" y="4319268"/>
-            <a:ext cx="522974" cy="387008"/>
+          <a:xfrm>
+            <a:off x="7111435" y="4466122"/>
+            <a:ext cx="192505" cy="452387"/>
           </a:xfrm>
           <a:prstGeom prst="arc">
             <a:avLst/>
@@ -32765,14 +32705,14 @@
       </p:sp>
       <p:cxnSp>
         <p:nvCxnSpPr>
-          <p:cNvPr id="33" name="Straight Arrow Connector 32"/>
+          <p:cNvPr id="19" name="Straight Arrow Connector 18"/>
           <p:cNvCxnSpPr/>
           <p:nvPr/>
         </p:nvCxnSpPr>
         <p:spPr>
-          <a:xfrm rot="809346">
-            <a:off x="7401377" y="4523394"/>
-            <a:ext cx="36000" cy="112145"/>
+          <a:xfrm>
+            <a:off x="7305569" y="4629757"/>
+            <a:ext cx="0" cy="111971"/>
           </a:xfrm>
           <a:prstGeom prst="straightConnector1">
             <a:avLst/>
@@ -32796,76 +32736,54 @@
           </a:fontRef>
         </p:style>
       </p:cxnSp>
-      <p:cxnSp>
-        <p:nvCxnSpPr>
-          <p:cNvPr id="37" name="Straight Connector 36"/>
-          <p:cNvCxnSpPr/>
-          <p:nvPr/>
-        </p:nvCxnSpPr>
-        <p:spPr>
-          <a:xfrm flipV="1">
-            <a:off x="6853313" y="4263611"/>
-            <a:ext cx="350285" cy="492240"/>
-          </a:xfrm>
-          <a:prstGeom prst="line">
+      <p:sp>
+        <p:nvSpPr>
+          <p:cNvPr id="20" name="Arc 19"/>
+          <p:cNvSpPr/>
+          <p:nvPr/>
+        </p:nvSpPr>
+        <p:spPr>
+          <a:xfrm rot="7800000">
+            <a:off x="6539271" y="5014764"/>
+            <a:ext cx="192506" cy="250257"/>
+          </a:xfrm>
+          <a:prstGeom prst="arc">
             <a:avLst/>
           </a:prstGeom>
         </p:spPr>
         <p:style>
-          <a:lnRef idx="2">
+          <a:lnRef idx="3">
             <a:schemeClr val="dk1"/>
           </a:lnRef>
           <a:fillRef idx="0">
             <a:schemeClr val="dk1"/>
           </a:fillRef>
-          <a:effectRef idx="1">
+          <a:effectRef idx="2">
             <a:schemeClr val="dk1"/>
           </a:effectRef>
           <a:fontRef idx="minor">
             <a:schemeClr val="tx1"/>
           </a:fontRef>
         </p:style>
-      </p:cxnSp>
+        <p:txBody>
+          <a:bodyPr rtlCol="0" anchor="ctr"/>
+          <a:lstStyle/>
+          <a:p>
+            <a:pPr algn="ctr"/>
+            <a:endParaRPr lang="en-US"/>
+          </a:p>
+        </p:txBody>
+      </p:sp>
       <p:cxnSp>
         <p:nvCxnSpPr>
-          <p:cNvPr id="39" name="Straight Connector 38"/>
+          <p:cNvPr id="22" name="Straight Arrow Connector 21"/>
           <p:cNvCxnSpPr/>
           <p:nvPr/>
         </p:nvCxnSpPr>
         <p:spPr>
-          <a:xfrm flipV="1">
-            <a:off x="6853313" y="4638191"/>
-            <a:ext cx="721769" cy="112450"/>
-          </a:xfrm>
-          <a:prstGeom prst="line">
-            <a:avLst/>
-          </a:prstGeom>
-        </p:spPr>
-        <p:style>
-          <a:lnRef idx="2">
-            <a:schemeClr val="dk1"/>
-          </a:lnRef>
-          <a:fillRef idx="0">
-            <a:schemeClr val="dk1"/>
-          </a:fillRef>
-          <a:effectRef idx="1">
-            <a:schemeClr val="dk1"/>
-          </a:effectRef>
-          <a:fontRef idx="minor">
-            <a:schemeClr val="tx1"/>
-          </a:fontRef>
-        </p:style>
-      </p:cxnSp>
-      <p:cxnSp>
-        <p:nvCxnSpPr>
-          <p:cNvPr id="45" name="Straight Arrow Connector 44"/>
-          <p:cNvCxnSpPr/>
-          <p:nvPr/>
-        </p:nvCxnSpPr>
-        <p:spPr>
-          <a:xfrm>
-            <a:off x="4331368" y="4772352"/>
-            <a:ext cx="336885" cy="0"/>
+          <a:xfrm flipH="1" flipV="1">
+            <a:off x="6529133" y="5209671"/>
+            <a:ext cx="112294" cy="36000"/>
           </a:xfrm>
           <a:prstGeom prst="straightConnector1">
             <a:avLst/>
@@ -32889,36 +32807,6 @@
           </a:fontRef>
         </p:style>
       </p:cxnSp>
-      <p:pic>
-        <p:nvPicPr>
-          <p:cNvPr id="16" name="Picture 15"/>
-          <p:cNvPicPr>
-            <a:picLocks noChangeAspect="1"/>
-          </p:cNvPicPr>
-          <p:nvPr/>
-        </p:nvPicPr>
-        <p:blipFill>
-          <a:blip r:embed="rId6">
-            <a:extLst>
-              <a:ext uri="{28A0092B-C50C-407E-A947-70E740481C1C}">
-                <a14:useLocalDpi xmlns:a14="http://schemas.microsoft.com/office/drawing/2010/main" val="0"/>
-              </a:ext>
-            </a:extLst>
-          </a:blip>
-          <a:stretch>
-            <a:fillRect/>
-          </a:stretch>
-        </p:blipFill>
-        <p:spPr>
-          <a:xfrm>
-            <a:off x="197853" y="138764"/>
-            <a:ext cx="1236312" cy="259626"/>
-          </a:xfrm>
-          <a:prstGeom prst="rect">
-            <a:avLst/>
-          </a:prstGeom>
-        </p:spPr>
-      </p:pic>
     </p:spTree>
     <p:extLst>
       <p:ext uri="{BB962C8B-B14F-4D97-AF65-F5344CB8AC3E}">
@@ -33071,7 +32959,7 @@
         <p:spPr>
           <a:xfrm>
             <a:off x="838200" y="3433524"/>
-            <a:ext cx="2101794" cy="2677656"/>
+            <a:ext cx="2092432" cy="2677656"/>
           </a:xfrm>
           <a:prstGeom prst="rect">
             <a:avLst/>
@@ -33141,8 +33029,13 @@
             </a:pPr>
             <a:r>
               <a:rPr lang="en-US" sz="2400" dirty="0"/>
-              <a:t>permutation</a:t>
+              <a:t>P</a:t>
             </a:r>
+            <a:r>
+              <a:rPr lang="en-US" sz="2400" dirty="0" smtClean="0"/>
+              <a:t>ermutation</a:t>
+            </a:r>
+            <a:endParaRPr lang="en-US" sz="2400" dirty="0"/>
           </a:p>
         </p:txBody>
       </p:sp>
@@ -33330,16 +33223,79 @@
           </a:fontRef>
         </p:style>
       </p:cxnSp>
+      <p:cxnSp>
+        <p:nvCxnSpPr>
+          <p:cNvPr id="45" name="Straight Arrow Connector 44"/>
+          <p:cNvCxnSpPr/>
+          <p:nvPr/>
+        </p:nvCxnSpPr>
+        <p:spPr>
+          <a:xfrm>
+            <a:off x="4331368" y="4772352"/>
+            <a:ext cx="336885" cy="0"/>
+          </a:xfrm>
+          <a:prstGeom prst="straightConnector1">
+            <a:avLst/>
+          </a:prstGeom>
+          <a:ln>
+            <a:tailEnd type="triangle"/>
+          </a:ln>
+        </p:spPr>
+        <p:style>
+          <a:lnRef idx="3">
+            <a:schemeClr val="dk1"/>
+          </a:lnRef>
+          <a:fillRef idx="0">
+            <a:schemeClr val="dk1"/>
+          </a:fillRef>
+          <a:effectRef idx="2">
+            <a:schemeClr val="dk1"/>
+          </a:effectRef>
+          <a:fontRef idx="minor">
+            <a:schemeClr val="tx1"/>
+          </a:fontRef>
+        </p:style>
+      </p:cxnSp>
+      <p:pic>
+        <p:nvPicPr>
+          <p:cNvPr id="18" name="Picture 17"/>
+          <p:cNvPicPr>
+            <a:picLocks noChangeAspect="1"/>
+          </p:cNvPicPr>
+          <p:nvPr/>
+        </p:nvPicPr>
+        <p:blipFill>
+          <a:blip r:embed="rId7">
+            <a:extLst>
+              <a:ext uri="{28A0092B-C50C-407E-A947-70E740481C1C}">
+                <a14:useLocalDpi xmlns:a14="http://schemas.microsoft.com/office/drawing/2010/main" val="0"/>
+              </a:ext>
+            </a:extLst>
+          </a:blip>
+          <a:stretch>
+            <a:fillRect/>
+          </a:stretch>
+        </p:blipFill>
+        <p:spPr>
+          <a:xfrm>
+            <a:off x="197853" y="138764"/>
+            <a:ext cx="1236312" cy="259626"/>
+          </a:xfrm>
+          <a:prstGeom prst="rect">
+            <a:avLst/>
+          </a:prstGeom>
+        </p:spPr>
+      </p:pic>
       <p:sp>
         <p:nvSpPr>
-          <p:cNvPr id="31" name="Arc 30"/>
+          <p:cNvPr id="14" name="Arc 13"/>
           <p:cNvSpPr/>
           <p:nvPr/>
         </p:nvSpPr>
         <p:spPr>
-          <a:xfrm rot="809346">
-            <a:off x="6891237" y="4319268"/>
-            <a:ext cx="522974" cy="387008"/>
+          <a:xfrm>
+            <a:off x="7111435" y="4466122"/>
+            <a:ext cx="192505" cy="452387"/>
           </a:xfrm>
           <a:prstGeom prst="arc">
             <a:avLst/>
@@ -33370,14 +33326,14 @@
       </p:sp>
       <p:cxnSp>
         <p:nvCxnSpPr>
-          <p:cNvPr id="33" name="Straight Arrow Connector 32"/>
+          <p:cNvPr id="16" name="Straight Arrow Connector 15"/>
           <p:cNvCxnSpPr/>
           <p:nvPr/>
         </p:nvCxnSpPr>
         <p:spPr>
-          <a:xfrm rot="809346">
-            <a:off x="7401377" y="4523394"/>
-            <a:ext cx="36000" cy="112145"/>
+          <a:xfrm>
+            <a:off x="7305569" y="4629757"/>
+            <a:ext cx="0" cy="111971"/>
           </a:xfrm>
           <a:prstGeom prst="straightConnector1">
             <a:avLst/>
@@ -33401,76 +33357,54 @@
           </a:fontRef>
         </p:style>
       </p:cxnSp>
-      <p:cxnSp>
-        <p:nvCxnSpPr>
-          <p:cNvPr id="37" name="Straight Connector 36"/>
-          <p:cNvCxnSpPr/>
-          <p:nvPr/>
-        </p:nvCxnSpPr>
-        <p:spPr>
-          <a:xfrm flipV="1">
-            <a:off x="6853313" y="4263611"/>
-            <a:ext cx="350285" cy="492240"/>
-          </a:xfrm>
-          <a:prstGeom prst="line">
+      <p:sp>
+        <p:nvSpPr>
+          <p:cNvPr id="17" name="Arc 16"/>
+          <p:cNvSpPr/>
+          <p:nvPr/>
+        </p:nvSpPr>
+        <p:spPr>
+          <a:xfrm rot="7800000">
+            <a:off x="6539271" y="5014764"/>
+            <a:ext cx="192506" cy="250257"/>
+          </a:xfrm>
+          <a:prstGeom prst="arc">
             <a:avLst/>
           </a:prstGeom>
         </p:spPr>
         <p:style>
-          <a:lnRef idx="2">
+          <a:lnRef idx="3">
             <a:schemeClr val="dk1"/>
           </a:lnRef>
           <a:fillRef idx="0">
             <a:schemeClr val="dk1"/>
           </a:fillRef>
-          <a:effectRef idx="1">
+          <a:effectRef idx="2">
             <a:schemeClr val="dk1"/>
           </a:effectRef>
           <a:fontRef idx="minor">
             <a:schemeClr val="tx1"/>
           </a:fontRef>
         </p:style>
-      </p:cxnSp>
+        <p:txBody>
+          <a:bodyPr rtlCol="0" anchor="ctr"/>
+          <a:lstStyle/>
+          <a:p>
+            <a:pPr algn="ctr"/>
+            <a:endParaRPr lang="en-US"/>
+          </a:p>
+        </p:txBody>
+      </p:sp>
       <p:cxnSp>
         <p:nvCxnSpPr>
-          <p:cNvPr id="39" name="Straight Connector 38"/>
+          <p:cNvPr id="29" name="Straight Arrow Connector 28"/>
           <p:cNvCxnSpPr/>
           <p:nvPr/>
         </p:nvCxnSpPr>
         <p:spPr>
-          <a:xfrm flipV="1">
-            <a:off x="6853313" y="4638191"/>
-            <a:ext cx="721769" cy="112450"/>
-          </a:xfrm>
-          <a:prstGeom prst="line">
-            <a:avLst/>
-          </a:prstGeom>
-        </p:spPr>
-        <p:style>
-          <a:lnRef idx="2">
-            <a:schemeClr val="dk1"/>
-          </a:lnRef>
-          <a:fillRef idx="0">
-            <a:schemeClr val="dk1"/>
-          </a:fillRef>
-          <a:effectRef idx="1">
-            <a:schemeClr val="dk1"/>
-          </a:effectRef>
-          <a:fontRef idx="minor">
-            <a:schemeClr val="tx1"/>
-          </a:fontRef>
-        </p:style>
-      </p:cxnSp>
-      <p:cxnSp>
-        <p:nvCxnSpPr>
-          <p:cNvPr id="45" name="Straight Arrow Connector 44"/>
-          <p:cNvCxnSpPr/>
-          <p:nvPr/>
-        </p:nvCxnSpPr>
-        <p:spPr>
-          <a:xfrm>
-            <a:off x="4331368" y="4772352"/>
-            <a:ext cx="336885" cy="0"/>
+          <a:xfrm flipH="1" flipV="1">
+            <a:off x="6529133" y="5209671"/>
+            <a:ext cx="112294" cy="36000"/>
           </a:xfrm>
           <a:prstGeom prst="straightConnector1">
             <a:avLst/>
@@ -33494,36 +33428,6 @@
           </a:fontRef>
         </p:style>
       </p:cxnSp>
-      <p:pic>
-        <p:nvPicPr>
-          <p:cNvPr id="18" name="Picture 17"/>
-          <p:cNvPicPr>
-            <a:picLocks noChangeAspect="1"/>
-          </p:cNvPicPr>
-          <p:nvPr/>
-        </p:nvPicPr>
-        <p:blipFill>
-          <a:blip r:embed="rId7">
-            <a:extLst>
-              <a:ext uri="{28A0092B-C50C-407E-A947-70E740481C1C}">
-                <a14:useLocalDpi xmlns:a14="http://schemas.microsoft.com/office/drawing/2010/main" val="0"/>
-              </a:ext>
-            </a:extLst>
-          </a:blip>
-          <a:stretch>
-            <a:fillRect/>
-          </a:stretch>
-        </p:blipFill>
-        <p:spPr>
-          <a:xfrm>
-            <a:off x="197853" y="138764"/>
-            <a:ext cx="1236312" cy="259626"/>
-          </a:xfrm>
-          <a:prstGeom prst="rect">
-            <a:avLst/>
-          </a:prstGeom>
-        </p:spPr>
-      </p:pic>
     </p:spTree>
     <p:extLst>
       <p:ext uri="{BB962C8B-B14F-4D97-AF65-F5344CB8AC3E}">

--- a/Presentations/2018-06-01-copenhagen.pptx
+++ b/Presentations/2018-06-01-copenhagen.pptx
@@ -239,7 +239,7 @@
           <a:p>
             <a:fld id="{02BEE1C2-E7BD-934A-8D18-E6008A0DDB51}" type="datetimeFigureOut">
               <a:rPr lang="en-US" smtClean="0"/>
-              <a:t>5/31/18</a:t>
+              <a:t>11/5/18</a:t>
             </a:fld>
             <a:endParaRPr lang="en-US"/>
           </a:p>
@@ -719,7 +719,7 @@
           <a:p>
             <a:fld id="{BC484ED6-F6A3-B346-BA5F-A54F99F35589}" type="datetime1">
               <a:rPr lang="da-DK" smtClean="0"/>
-              <a:t>31/05/2018</a:t>
+              <a:t>05/11/2018</a:t>
             </a:fld>
             <a:endParaRPr lang="en-US"/>
           </a:p>
@@ -887,7 +887,7 @@
           <a:p>
             <a:fld id="{0E8EAB46-9F19-B044-891C-83F217110939}" type="datetime1">
               <a:rPr lang="da-DK" smtClean="0"/>
-              <a:t>31/05/2018</a:t>
+              <a:t>05/11/2018</a:t>
             </a:fld>
             <a:endParaRPr lang="en-US"/>
           </a:p>
@@ -1065,7 +1065,7 @@
           <a:p>
             <a:fld id="{66C9981C-5FDC-7747-851E-A144F6D80B19}" type="datetime1">
               <a:rPr lang="da-DK" smtClean="0"/>
-              <a:t>31/05/2018</a:t>
+              <a:t>05/11/2018</a:t>
             </a:fld>
             <a:endParaRPr lang="en-US"/>
           </a:p>
@@ -1233,7 +1233,7 @@
           <a:p>
             <a:fld id="{7F0BDC2F-A316-9944-A01C-39985CB204A1}" type="datetime1">
               <a:rPr lang="da-DK" smtClean="0"/>
-              <a:t>31/05/2018</a:t>
+              <a:t>05/11/2018</a:t>
             </a:fld>
             <a:endParaRPr lang="en-US"/>
           </a:p>
@@ -1478,7 +1478,7 @@
           <a:p>
             <a:fld id="{D60BC340-CE39-1D40-80B7-92578B6F6FD9}" type="datetime1">
               <a:rPr lang="da-DK" smtClean="0"/>
-              <a:t>31/05/2018</a:t>
+              <a:t>05/11/2018</a:t>
             </a:fld>
             <a:endParaRPr lang="en-US"/>
           </a:p>
@@ -1707,7 +1707,7 @@
           <a:p>
             <a:fld id="{D0FA34BA-FA53-5F49-A1FC-604EEFEC20E3}" type="datetime1">
               <a:rPr lang="da-DK" smtClean="0"/>
-              <a:t>31/05/2018</a:t>
+              <a:t>05/11/2018</a:t>
             </a:fld>
             <a:endParaRPr lang="en-US"/>
           </a:p>
@@ -2071,7 +2071,7 @@
           <a:p>
             <a:fld id="{8E8F4B82-B0E7-0D47-B4F8-2D60FC9C5CAB}" type="datetime1">
               <a:rPr lang="da-DK" smtClean="0"/>
-              <a:t>31/05/2018</a:t>
+              <a:t>05/11/2018</a:t>
             </a:fld>
             <a:endParaRPr lang="en-US"/>
           </a:p>
@@ -2188,7 +2188,7 @@
           <a:p>
             <a:fld id="{C3BF52D3-05DA-574B-A512-4486EC32FC2E}" type="datetime1">
               <a:rPr lang="da-DK" smtClean="0"/>
-              <a:t>31/05/2018</a:t>
+              <a:t>05/11/2018</a:t>
             </a:fld>
             <a:endParaRPr lang="en-US"/>
           </a:p>
@@ -2283,7 +2283,7 @@
           <a:p>
             <a:fld id="{BE3BEB1F-C126-494B-AA93-8F7174D58246}" type="datetime1">
               <a:rPr lang="da-DK" smtClean="0"/>
-              <a:t>31/05/2018</a:t>
+              <a:t>05/11/2018</a:t>
             </a:fld>
             <a:endParaRPr lang="en-US"/>
           </a:p>
@@ -2558,7 +2558,7 @@
           <a:p>
             <a:fld id="{B2A63A00-6F63-2346-8263-304751AD47AA}" type="datetime1">
               <a:rPr lang="da-DK" smtClean="0"/>
-              <a:t>31/05/2018</a:t>
+              <a:t>05/11/2018</a:t>
             </a:fld>
             <a:endParaRPr lang="en-US"/>
           </a:p>
@@ -2810,7 +2810,7 @@
           <a:p>
             <a:fld id="{A49E3D73-B337-ED4D-9DAD-017AFB833F51}" type="datetime1">
               <a:rPr lang="da-DK" smtClean="0"/>
-              <a:t>31/05/2018</a:t>
+              <a:t>05/11/2018</a:t>
             </a:fld>
             <a:endParaRPr lang="en-US"/>
           </a:p>
@@ -3021,7 +3021,7 @@
           <a:p>
             <a:fld id="{529B2978-7EB9-2A4B-98D1-B0C0C918B4CC}" type="datetime1">
               <a:rPr lang="da-DK" smtClean="0"/>
-              <a:t>31/05/2018</a:t>
+              <a:t>05/11/2018</a:t>
             </a:fld>
             <a:endParaRPr lang="en-US"/>
           </a:p>
@@ -3432,7 +3432,7 @@
           <p:cNvPr id="2" name="Title 1">
             <a:extLst>
               <a:ext uri="{FF2B5EF4-FFF2-40B4-BE49-F238E27FC236}">
-                <a16:creationId xmlns:a16="http://schemas.microsoft.com/office/drawing/2014/main" xmlns="" id="{D5E189EA-57A0-3E40-B200-AA930432CB90}"/>
+                <a16:creationId xmlns:a16="http://schemas.microsoft.com/office/drawing/2014/main" id="{D5E189EA-57A0-3E40-B200-AA930432CB90}"/>
               </a:ext>
             </a:extLst>
           </p:cNvPr>
@@ -3908,7 +3908,7 @@
                         <m:sSubPr>
                           <m:ctrlPr>
                             <a:rPr lang="en-US" sz="2400" b="0" i="1" smtClean="0">
-                              <a:latin typeface="Cambria Math" charset="0"/>
+                              <a:latin typeface="Cambria Math" panose="02040503050406030204" pitchFamily="18" charset="0"/>
                             </a:rPr>
                           </m:ctrlPr>
                         </m:sSubPr>
@@ -3939,7 +3939,7 @@
                         <m:sSubPr>
                           <m:ctrlPr>
                             <a:rPr lang="en-US" sz="2400" b="0" i="1" smtClean="0">
-                              <a:latin typeface="Cambria Math" charset="0"/>
+                              <a:latin typeface="Cambria Math" panose="02040503050406030204" pitchFamily="18" charset="0"/>
                             </a:rPr>
                           </m:ctrlPr>
                         </m:sSubPr>
@@ -3970,7 +3970,7 @@
                         <m:sSubPr>
                           <m:ctrlPr>
                             <a:rPr lang="en-US" sz="2400" b="0" i="1" smtClean="0">
-                              <a:latin typeface="Cambria Math" charset="0"/>
+                              <a:latin typeface="Cambria Math" panose="02040503050406030204" pitchFamily="18" charset="0"/>
                             </a:rPr>
                           </m:ctrlPr>
                         </m:sSubPr>
@@ -4001,7 +4001,7 @@
                         <m:sSubPr>
                           <m:ctrlPr>
                             <a:rPr lang="en-US" sz="2400" b="0" i="1" smtClean="0">
-                              <a:latin typeface="Cambria Math" charset="0"/>
+                              <a:latin typeface="Cambria Math" panose="02040503050406030204" pitchFamily="18" charset="0"/>
                             </a:rPr>
                           </m:ctrlPr>
                         </m:sSubPr>
@@ -4032,7 +4032,7 @@
                         <m:sSubPr>
                           <m:ctrlPr>
                             <a:rPr lang="en-US" sz="2400" b="0" i="1" smtClean="0">
-                              <a:latin typeface="Cambria Math" charset="0"/>
+                              <a:latin typeface="Cambria Math" panose="02040503050406030204" pitchFamily="18" charset="0"/>
                             </a:rPr>
                           </m:ctrlPr>
                         </m:sSubPr>
@@ -4063,7 +4063,7 @@
                         <m:sSubPr>
                           <m:ctrlPr>
                             <a:rPr lang="en-US" sz="2400" b="0" i="1" smtClean="0">
-                              <a:latin typeface="Cambria Math" charset="0"/>
+                              <a:latin typeface="Cambria Math" panose="02040503050406030204" pitchFamily="18" charset="0"/>
                             </a:rPr>
                           </m:ctrlPr>
                         </m:sSubPr>
@@ -4178,7 +4178,7 @@
                         <m:sSubPr>
                           <m:ctrlPr>
                             <a:rPr lang="en-US" sz="2400" b="0" i="1" smtClean="0">
-                              <a:latin typeface="Cambria Math" charset="0"/>
+                              <a:latin typeface="Cambria Math" panose="02040503050406030204" pitchFamily="18" charset="0"/>
                             </a:rPr>
                           </m:ctrlPr>
                         </m:sSubPr>
@@ -4209,7 +4209,7 @@
                         <m:sSubPr>
                           <m:ctrlPr>
                             <a:rPr lang="en-US" sz="2400" b="0" i="1" smtClean="0">
-                              <a:latin typeface="Cambria Math" charset="0"/>
+                              <a:latin typeface="Cambria Math" panose="02040503050406030204" pitchFamily="18" charset="0"/>
                             </a:rPr>
                           </m:ctrlPr>
                         </m:sSubPr>
@@ -4240,7 +4240,7 @@
                         <m:sSubPr>
                           <m:ctrlPr>
                             <a:rPr lang="en-US" sz="2400" b="0" i="1" smtClean="0">
-                              <a:latin typeface="Cambria Math" charset="0"/>
+                              <a:latin typeface="Cambria Math" panose="02040503050406030204" pitchFamily="18" charset="0"/>
                             </a:rPr>
                           </m:ctrlPr>
                         </m:sSubPr>
@@ -4493,7 +4493,7 @@
           <p:cNvPr id="14" name="Picture 13">
             <a:extLst>
               <a:ext uri="{FF2B5EF4-FFF2-40B4-BE49-F238E27FC236}">
-                <a16:creationId xmlns:a16="http://schemas.microsoft.com/office/drawing/2014/main" xmlns="" id="{A78FC2C9-571A-DE4C-9120-104AD62F0351}"/>
+                <a16:creationId xmlns:a16="http://schemas.microsoft.com/office/drawing/2014/main" id="{A78FC2C9-571A-DE4C-9120-104AD62F0351}"/>
               </a:ext>
             </a:extLst>
           </p:cNvPr>
@@ -4646,7 +4646,7 @@
                         <m:sSubPr>
                           <m:ctrlPr>
                             <a:rPr lang="en-US" sz="2400" b="0" i="1" smtClean="0">
-                              <a:latin typeface="Cambria Math" charset="0"/>
+                              <a:latin typeface="Cambria Math" panose="02040503050406030204" pitchFamily="18" charset="0"/>
                             </a:rPr>
                           </m:ctrlPr>
                         </m:sSubPr>
@@ -4677,7 +4677,7 @@
                         <m:sSubPr>
                           <m:ctrlPr>
                             <a:rPr lang="en-US" sz="2400" b="0" i="1" smtClean="0">
-                              <a:latin typeface="Cambria Math" charset="0"/>
+                              <a:latin typeface="Cambria Math" panose="02040503050406030204" pitchFamily="18" charset="0"/>
                             </a:rPr>
                           </m:ctrlPr>
                         </m:sSubPr>
@@ -4708,7 +4708,7 @@
                         <m:sSubPr>
                           <m:ctrlPr>
                             <a:rPr lang="en-US" sz="2400" b="0" i="1" smtClean="0">
-                              <a:latin typeface="Cambria Math" charset="0"/>
+                              <a:latin typeface="Cambria Math" panose="02040503050406030204" pitchFamily="18" charset="0"/>
                             </a:rPr>
                           </m:ctrlPr>
                         </m:sSubPr>
@@ -4739,7 +4739,7 @@
                         <m:sSubPr>
                           <m:ctrlPr>
                             <a:rPr lang="en-US" sz="2400" b="0" i="1" smtClean="0">
-                              <a:latin typeface="Cambria Math" charset="0"/>
+                              <a:latin typeface="Cambria Math" panose="02040503050406030204" pitchFamily="18" charset="0"/>
                             </a:rPr>
                           </m:ctrlPr>
                         </m:sSubPr>
@@ -4770,7 +4770,7 @@
                         <m:sSubPr>
                           <m:ctrlPr>
                             <a:rPr lang="en-US" sz="2400" b="0" i="1" smtClean="0">
-                              <a:latin typeface="Cambria Math" charset="0"/>
+                              <a:latin typeface="Cambria Math" panose="02040503050406030204" pitchFamily="18" charset="0"/>
                             </a:rPr>
                           </m:ctrlPr>
                         </m:sSubPr>
@@ -4801,7 +4801,7 @@
                         <m:sSubPr>
                           <m:ctrlPr>
                             <a:rPr lang="en-US" sz="2400" b="0" i="1" smtClean="0">
-                              <a:latin typeface="Cambria Math" charset="0"/>
+                              <a:latin typeface="Cambria Math" panose="02040503050406030204" pitchFamily="18" charset="0"/>
                             </a:rPr>
                           </m:ctrlPr>
                         </m:sSubPr>
@@ -4916,7 +4916,7 @@
                         <m:sSubPr>
                           <m:ctrlPr>
                             <a:rPr lang="en-US" sz="2400" b="0" i="1" smtClean="0">
-                              <a:latin typeface="Cambria Math" charset="0"/>
+                              <a:latin typeface="Cambria Math" panose="02040503050406030204" pitchFamily="18" charset="0"/>
                             </a:rPr>
                           </m:ctrlPr>
                         </m:sSubPr>
@@ -4947,7 +4947,7 @@
                         <m:sSubPr>
                           <m:ctrlPr>
                             <a:rPr lang="en-US" sz="2400" b="0" i="1" smtClean="0">
-                              <a:latin typeface="Cambria Math" charset="0"/>
+                              <a:latin typeface="Cambria Math" panose="02040503050406030204" pitchFamily="18" charset="0"/>
                             </a:rPr>
                           </m:ctrlPr>
                         </m:sSubPr>
@@ -4978,7 +4978,7 @@
                         <m:sSubPr>
                           <m:ctrlPr>
                             <a:rPr lang="en-US" sz="2400" b="0" i="1" smtClean="0">
-                              <a:latin typeface="Cambria Math" charset="0"/>
+                              <a:latin typeface="Cambria Math" panose="02040503050406030204" pitchFamily="18" charset="0"/>
                             </a:rPr>
                           </m:ctrlPr>
                         </m:sSubPr>
@@ -5302,7 +5302,7 @@
           <p:cNvPr id="16" name="Picture 15">
             <a:extLst>
               <a:ext uri="{FF2B5EF4-FFF2-40B4-BE49-F238E27FC236}">
-                <a16:creationId xmlns:a16="http://schemas.microsoft.com/office/drawing/2014/main" xmlns="" id="{72E918DC-25CC-1B44-9E0F-9B1EBC3ACA04}"/>
+                <a16:creationId xmlns:a16="http://schemas.microsoft.com/office/drawing/2014/main" id="{72E918DC-25CC-1B44-9E0F-9B1EBC3ACA04}"/>
               </a:ext>
             </a:extLst>
           </p:cNvPr>
@@ -5485,7 +5485,7 @@
                         <m:sSubPr>
                           <m:ctrlPr>
                             <a:rPr lang="en-US" sz="2400" b="0" i="1" smtClean="0">
-                              <a:latin typeface="Cambria Math" charset="0"/>
+                              <a:latin typeface="Cambria Math" panose="02040503050406030204" pitchFamily="18" charset="0"/>
                             </a:rPr>
                           </m:ctrlPr>
                         </m:sSubPr>
@@ -5516,7 +5516,7 @@
                         <m:sSubPr>
                           <m:ctrlPr>
                             <a:rPr lang="en-US" sz="2400" b="0" i="1" smtClean="0">
-                              <a:latin typeface="Cambria Math" charset="0"/>
+                              <a:latin typeface="Cambria Math" panose="02040503050406030204" pitchFamily="18" charset="0"/>
                             </a:rPr>
                           </m:ctrlPr>
                         </m:sSubPr>
@@ -5547,7 +5547,7 @@
                         <m:sSubPr>
                           <m:ctrlPr>
                             <a:rPr lang="en-US" sz="2400" b="0" i="1" smtClean="0">
-                              <a:latin typeface="Cambria Math" charset="0"/>
+                              <a:latin typeface="Cambria Math" panose="02040503050406030204" pitchFamily="18" charset="0"/>
                             </a:rPr>
                           </m:ctrlPr>
                         </m:sSubPr>
@@ -5578,7 +5578,7 @@
                         <m:sSubPr>
                           <m:ctrlPr>
                             <a:rPr lang="en-US" sz="2400" b="0" i="1" smtClean="0">
-                              <a:latin typeface="Cambria Math" charset="0"/>
+                              <a:latin typeface="Cambria Math" panose="02040503050406030204" pitchFamily="18" charset="0"/>
                             </a:rPr>
                           </m:ctrlPr>
                         </m:sSubPr>
@@ -5609,7 +5609,7 @@
                         <m:sSubPr>
                           <m:ctrlPr>
                             <a:rPr lang="en-US" sz="2400" b="0" i="1" smtClean="0">
-                              <a:latin typeface="Cambria Math" charset="0"/>
+                              <a:latin typeface="Cambria Math" panose="02040503050406030204" pitchFamily="18" charset="0"/>
                             </a:rPr>
                           </m:ctrlPr>
                         </m:sSubPr>
@@ -5640,7 +5640,7 @@
                         <m:sSubPr>
                           <m:ctrlPr>
                             <a:rPr lang="en-US" sz="2400" b="0" i="1" smtClean="0">
-                              <a:latin typeface="Cambria Math" charset="0"/>
+                              <a:latin typeface="Cambria Math" panose="02040503050406030204" pitchFamily="18" charset="0"/>
                             </a:rPr>
                           </m:ctrlPr>
                         </m:sSubPr>
@@ -5755,7 +5755,7 @@
                         <m:sSubPr>
                           <m:ctrlPr>
                             <a:rPr lang="en-US" sz="2400" b="0" i="1" smtClean="0">
-                              <a:latin typeface="Cambria Math" charset="0"/>
+                              <a:latin typeface="Cambria Math" panose="02040503050406030204" pitchFamily="18" charset="0"/>
                             </a:rPr>
                           </m:ctrlPr>
                         </m:sSubPr>
@@ -5786,7 +5786,7 @@
                         <m:sSubPr>
                           <m:ctrlPr>
                             <a:rPr lang="en-US" sz="2400" b="0" i="1" smtClean="0">
-                              <a:latin typeface="Cambria Math" charset="0"/>
+                              <a:latin typeface="Cambria Math" panose="02040503050406030204" pitchFamily="18" charset="0"/>
                             </a:rPr>
                           </m:ctrlPr>
                         </m:sSubPr>
@@ -5817,7 +5817,7 @@
                         <m:sSubPr>
                           <m:ctrlPr>
                             <a:rPr lang="en-US" sz="2400" b="0" i="1" smtClean="0">
-                              <a:latin typeface="Cambria Math" charset="0"/>
+                              <a:latin typeface="Cambria Math" panose="02040503050406030204" pitchFamily="18" charset="0"/>
                             </a:rPr>
                           </m:ctrlPr>
                         </m:sSubPr>
@@ -6123,7 +6123,7 @@
                         <m:dPr>
                           <m:ctrlPr>
                             <a:rPr lang="mr-IN" sz="2400" i="1" smtClean="0">
-                              <a:latin typeface="Cambria Math" charset="0"/>
+                              <a:latin typeface="Cambria Math" panose="02040503050406030204" pitchFamily="18" charset="0"/>
                             </a:rPr>
                           </m:ctrlPr>
                         </m:dPr>
@@ -6140,7 +6140,7 @@
                               </m:mcs>
                               <m:ctrlPr>
                                 <a:rPr lang="mr-IN" sz="2400" i="1" smtClean="0">
-                                  <a:latin typeface="Cambria Math" charset="0"/>
+                                  <a:latin typeface="Cambria Math" panose="02040503050406030204" pitchFamily="18" charset="0"/>
                                 </a:rPr>
                               </m:ctrlPr>
                             </m:mPr>
@@ -6156,7 +6156,7 @@
                                   <m:sSubPr>
                                     <m:ctrlPr>
                                       <a:rPr lang="en-US" sz="2400" b="0" i="1" smtClean="0">
-                                        <a:latin typeface="Cambria Math" charset="0"/>
+                                        <a:latin typeface="Cambria Math" panose="02040503050406030204" pitchFamily="18" charset="0"/>
                                       </a:rPr>
                                     </m:ctrlPr>
                                   </m:sSubPr>
@@ -6191,7 +6191,7 @@
                                   <m:sSubPr>
                                     <m:ctrlPr>
                                       <a:rPr lang="en-US" sz="2400" b="0" i="1" smtClean="0">
-                                        <a:latin typeface="Cambria Math" charset="0"/>
+                                        <a:latin typeface="Cambria Math" panose="02040503050406030204" pitchFamily="18" charset="0"/>
                                       </a:rPr>
                                     </m:ctrlPr>
                                   </m:sSubPr>
@@ -6226,7 +6226,7 @@
                                   <m:sSubPr>
                                     <m:ctrlPr>
                                       <a:rPr lang="en-US" sz="2400" b="0" i="1" smtClean="0">
-                                        <a:latin typeface="Cambria Math" charset="0"/>
+                                        <a:latin typeface="Cambria Math" panose="02040503050406030204" pitchFamily="18" charset="0"/>
                                       </a:rPr>
                                     </m:ctrlPr>
                                   </m:sSubPr>
@@ -6540,7 +6540,7 @@
                         <m:sSubPr>
                           <m:ctrlPr>
                             <a:rPr lang="en-US" sz="2400" b="0" i="1" smtClean="0">
-                              <a:latin typeface="Cambria Math" charset="0"/>
+                              <a:latin typeface="Cambria Math" panose="02040503050406030204" pitchFamily="18" charset="0"/>
                             </a:rPr>
                           </m:ctrlPr>
                         </m:sSubPr>
@@ -6571,7 +6571,7 @@
                         <m:sSubPr>
                           <m:ctrlPr>
                             <a:rPr lang="en-US" sz="2400" b="0" i="1" smtClean="0">
-                              <a:latin typeface="Cambria Math" charset="0"/>
+                              <a:latin typeface="Cambria Math" panose="02040503050406030204" pitchFamily="18" charset="0"/>
                             </a:rPr>
                           </m:ctrlPr>
                         </m:sSubPr>
@@ -6602,7 +6602,7 @@
                         <m:sSubPr>
                           <m:ctrlPr>
                             <a:rPr lang="en-US" sz="2400" b="0" i="1" smtClean="0">
-                              <a:latin typeface="Cambria Math" charset="0"/>
+                              <a:latin typeface="Cambria Math" panose="02040503050406030204" pitchFamily="18" charset="0"/>
                             </a:rPr>
                           </m:ctrlPr>
                         </m:sSubPr>
@@ -6633,7 +6633,7 @@
                         <m:sSubPr>
                           <m:ctrlPr>
                             <a:rPr lang="en-US" sz="2400" b="0" i="1" smtClean="0">
-                              <a:latin typeface="Cambria Math" charset="0"/>
+                              <a:latin typeface="Cambria Math" panose="02040503050406030204" pitchFamily="18" charset="0"/>
                             </a:rPr>
                           </m:ctrlPr>
                         </m:sSubPr>
@@ -6664,7 +6664,7 @@
                         <m:sSubPr>
                           <m:ctrlPr>
                             <a:rPr lang="en-US" sz="2400" b="0" i="1" smtClean="0">
-                              <a:latin typeface="Cambria Math" charset="0"/>
+                              <a:latin typeface="Cambria Math" panose="02040503050406030204" pitchFamily="18" charset="0"/>
                             </a:rPr>
                           </m:ctrlPr>
                         </m:sSubPr>
@@ -6695,7 +6695,7 @@
                         <m:sSubPr>
                           <m:ctrlPr>
                             <a:rPr lang="en-US" sz="2400" b="0" i="1" smtClean="0">
-                              <a:latin typeface="Cambria Math" charset="0"/>
+                              <a:latin typeface="Cambria Math" panose="02040503050406030204" pitchFamily="18" charset="0"/>
                             </a:rPr>
                           </m:ctrlPr>
                         </m:sSubPr>
@@ -6810,7 +6810,7 @@
                         <m:sSubPr>
                           <m:ctrlPr>
                             <a:rPr lang="en-US" sz="2400" b="0" i="1" smtClean="0">
-                              <a:latin typeface="Cambria Math" charset="0"/>
+                              <a:latin typeface="Cambria Math" panose="02040503050406030204" pitchFamily="18" charset="0"/>
                             </a:rPr>
                           </m:ctrlPr>
                         </m:sSubPr>
@@ -6841,7 +6841,7 @@
                         <m:sSubPr>
                           <m:ctrlPr>
                             <a:rPr lang="en-US" sz="2400" b="0" i="1" smtClean="0">
-                              <a:latin typeface="Cambria Math" charset="0"/>
+                              <a:latin typeface="Cambria Math" panose="02040503050406030204" pitchFamily="18" charset="0"/>
                             </a:rPr>
                           </m:ctrlPr>
                         </m:sSubPr>
@@ -6872,7 +6872,7 @@
                         <m:sSubPr>
                           <m:ctrlPr>
                             <a:rPr lang="en-US" sz="2400" b="0" i="1" smtClean="0">
-                              <a:latin typeface="Cambria Math" charset="0"/>
+                              <a:latin typeface="Cambria Math" panose="02040503050406030204" pitchFamily="18" charset="0"/>
                             </a:rPr>
                           </m:ctrlPr>
                         </m:sSubPr>
@@ -7178,7 +7178,7 @@
                         <m:dPr>
                           <m:ctrlPr>
                             <a:rPr lang="mr-IN" sz="2400" i="1" smtClean="0">
-                              <a:latin typeface="Cambria Math" charset="0"/>
+                              <a:latin typeface="Cambria Math" panose="02040503050406030204" pitchFamily="18" charset="0"/>
                             </a:rPr>
                           </m:ctrlPr>
                         </m:dPr>
@@ -7195,7 +7195,7 @@
                               </m:mcs>
                               <m:ctrlPr>
                                 <a:rPr lang="mr-IN" sz="2400" i="1" smtClean="0">
-                                  <a:latin typeface="Cambria Math" charset="0"/>
+                                  <a:latin typeface="Cambria Math" panose="02040503050406030204" pitchFamily="18" charset="0"/>
                                 </a:rPr>
                               </m:ctrlPr>
                             </m:mPr>
@@ -7211,7 +7211,7 @@
                                   <m:sSubPr>
                                     <m:ctrlPr>
                                       <a:rPr lang="en-US" sz="2400" b="0" i="1" smtClean="0">
-                                        <a:latin typeface="Cambria Math" charset="0"/>
+                                        <a:latin typeface="Cambria Math" panose="02040503050406030204" pitchFamily="18" charset="0"/>
                                       </a:rPr>
                                     </m:ctrlPr>
                                   </m:sSubPr>
@@ -7246,7 +7246,7 @@
                                   <m:sSubPr>
                                     <m:ctrlPr>
                                       <a:rPr lang="en-US" sz="2400" b="0" i="1" smtClean="0">
-                                        <a:latin typeface="Cambria Math" charset="0"/>
+                                        <a:latin typeface="Cambria Math" panose="02040503050406030204" pitchFamily="18" charset="0"/>
                                       </a:rPr>
                                     </m:ctrlPr>
                                   </m:sSubPr>
@@ -7281,7 +7281,7 @@
                                   <m:sSubPr>
                                     <m:ctrlPr>
                                       <a:rPr lang="en-US" sz="2400" b="0" i="1" smtClean="0">
-                                        <a:latin typeface="Cambria Math" charset="0"/>
+                                        <a:latin typeface="Cambria Math" panose="02040503050406030204" pitchFamily="18" charset="0"/>
                                       </a:rPr>
                                     </m:ctrlPr>
                                   </m:sSubPr>
@@ -7457,7 +7457,7 @@
                         <m:dPr>
                           <m:ctrlPr>
                             <a:rPr lang="mr-IN" sz="2400" i="1" smtClean="0">
-                              <a:latin typeface="Cambria Math" charset="0"/>
+                              <a:latin typeface="Cambria Math" panose="02040503050406030204" pitchFamily="18" charset="0"/>
                             </a:rPr>
                           </m:ctrlPr>
                         </m:dPr>
@@ -7474,7 +7474,7 @@
                               </m:mcs>
                               <m:ctrlPr>
                                 <a:rPr lang="mr-IN" sz="2400" i="1">
-                                  <a:latin typeface="Cambria Math" charset="0"/>
+                                  <a:latin typeface="Cambria Math" panose="02040503050406030204" pitchFamily="18" charset="0"/>
                                 </a:rPr>
                               </m:ctrlPr>
                             </m:mPr>
@@ -7490,7 +7490,7 @@
                                   <m:sSubPr>
                                     <m:ctrlPr>
                                       <a:rPr lang="en-US" sz="2400" i="1">
-                                        <a:latin typeface="Cambria Math" charset="0"/>
+                                        <a:latin typeface="Cambria Math" panose="02040503050406030204" pitchFamily="18" charset="0"/>
                                       </a:rPr>
                                     </m:ctrlPr>
                                   </m:sSubPr>
@@ -7531,7 +7531,7 @@
                                   <m:sSubPr>
                                     <m:ctrlPr>
                                       <a:rPr lang="en-US" sz="2400" i="1">
-                                        <a:latin typeface="Cambria Math" charset="0"/>
+                                        <a:latin typeface="Cambria Math" panose="02040503050406030204" pitchFamily="18" charset="0"/>
                                       </a:rPr>
                                     </m:ctrlPr>
                                   </m:sSubPr>
@@ -7572,7 +7572,7 @@
                                   <m:sSubPr>
                                     <m:ctrlPr>
                                       <a:rPr lang="en-US" sz="2400" i="1">
-                                        <a:latin typeface="Cambria Math" charset="0"/>
+                                        <a:latin typeface="Cambria Math" panose="02040503050406030204" pitchFamily="18" charset="0"/>
                                       </a:rPr>
                                     </m:ctrlPr>
                                   </m:sSubPr>
@@ -7979,7 +7979,7 @@
                         <m:sSubPr>
                           <m:ctrlPr>
                             <a:rPr lang="en-US" sz="2400" b="0" i="1" smtClean="0">
-                              <a:latin typeface="Cambria Math" charset="0"/>
+                              <a:latin typeface="Cambria Math" panose="02040503050406030204" pitchFamily="18" charset="0"/>
                             </a:rPr>
                           </m:ctrlPr>
                         </m:sSubPr>
@@ -8010,7 +8010,7 @@
                         <m:sSubPr>
                           <m:ctrlPr>
                             <a:rPr lang="en-US" sz="2400" b="0" i="1" smtClean="0">
-                              <a:latin typeface="Cambria Math" charset="0"/>
+                              <a:latin typeface="Cambria Math" panose="02040503050406030204" pitchFamily="18" charset="0"/>
                             </a:rPr>
                           </m:ctrlPr>
                         </m:sSubPr>
@@ -8041,7 +8041,7 @@
                         <m:sSubPr>
                           <m:ctrlPr>
                             <a:rPr lang="en-US" sz="2400" b="0" i="1" smtClean="0">
-                              <a:latin typeface="Cambria Math" charset="0"/>
+                              <a:latin typeface="Cambria Math" panose="02040503050406030204" pitchFamily="18" charset="0"/>
                             </a:rPr>
                           </m:ctrlPr>
                         </m:sSubPr>
@@ -8072,7 +8072,7 @@
                         <m:sSubPr>
                           <m:ctrlPr>
                             <a:rPr lang="en-US" sz="2400" b="0" i="1" smtClean="0">
-                              <a:latin typeface="Cambria Math" charset="0"/>
+                              <a:latin typeface="Cambria Math" panose="02040503050406030204" pitchFamily="18" charset="0"/>
                             </a:rPr>
                           </m:ctrlPr>
                         </m:sSubPr>
@@ -8103,7 +8103,7 @@
                         <m:sSubPr>
                           <m:ctrlPr>
                             <a:rPr lang="en-US" sz="2400" b="0" i="1" smtClean="0">
-                              <a:latin typeface="Cambria Math" charset="0"/>
+                              <a:latin typeface="Cambria Math" panose="02040503050406030204" pitchFamily="18" charset="0"/>
                             </a:rPr>
                           </m:ctrlPr>
                         </m:sSubPr>
@@ -8134,7 +8134,7 @@
                         <m:sSubPr>
                           <m:ctrlPr>
                             <a:rPr lang="en-US" sz="2400" b="0" i="1" smtClean="0">
-                              <a:latin typeface="Cambria Math" charset="0"/>
+                              <a:latin typeface="Cambria Math" panose="02040503050406030204" pitchFamily="18" charset="0"/>
                             </a:rPr>
                           </m:ctrlPr>
                         </m:sSubPr>
@@ -8249,7 +8249,7 @@
                         <m:sSubPr>
                           <m:ctrlPr>
                             <a:rPr lang="en-US" sz="2400" b="0" i="1" smtClean="0">
-                              <a:latin typeface="Cambria Math" charset="0"/>
+                              <a:latin typeface="Cambria Math" panose="02040503050406030204" pitchFamily="18" charset="0"/>
                             </a:rPr>
                           </m:ctrlPr>
                         </m:sSubPr>
@@ -8280,7 +8280,7 @@
                         <m:sSubPr>
                           <m:ctrlPr>
                             <a:rPr lang="en-US" sz="2400" b="0" i="1" smtClean="0">
-                              <a:latin typeface="Cambria Math" charset="0"/>
+                              <a:latin typeface="Cambria Math" panose="02040503050406030204" pitchFamily="18" charset="0"/>
                             </a:rPr>
                           </m:ctrlPr>
                         </m:sSubPr>
@@ -8311,7 +8311,7 @@
                         <m:sSubPr>
                           <m:ctrlPr>
                             <a:rPr lang="en-US" sz="2400" b="0" i="1" smtClean="0">
-                              <a:latin typeface="Cambria Math" charset="0"/>
+                              <a:latin typeface="Cambria Math" panose="02040503050406030204" pitchFamily="18" charset="0"/>
                             </a:rPr>
                           </m:ctrlPr>
                         </m:sSubPr>
@@ -8617,7 +8617,7 @@
                         <m:dPr>
                           <m:ctrlPr>
                             <a:rPr lang="mr-IN" sz="2400" i="1" smtClean="0">
-                              <a:latin typeface="Cambria Math" charset="0"/>
+                              <a:latin typeface="Cambria Math" panose="02040503050406030204" pitchFamily="18" charset="0"/>
                             </a:rPr>
                           </m:ctrlPr>
                         </m:dPr>
@@ -8634,7 +8634,7 @@
                               </m:mcs>
                               <m:ctrlPr>
                                 <a:rPr lang="mr-IN" sz="2400" i="1" smtClean="0">
-                                  <a:latin typeface="Cambria Math" charset="0"/>
+                                  <a:latin typeface="Cambria Math" panose="02040503050406030204" pitchFamily="18" charset="0"/>
                                 </a:rPr>
                               </m:ctrlPr>
                             </m:mPr>
@@ -8650,7 +8650,7 @@
                                   <m:sSubPr>
                                     <m:ctrlPr>
                                       <a:rPr lang="en-US" sz="2400" b="0" i="1" smtClean="0">
-                                        <a:latin typeface="Cambria Math" charset="0"/>
+                                        <a:latin typeface="Cambria Math" panose="02040503050406030204" pitchFamily="18" charset="0"/>
                                       </a:rPr>
                                     </m:ctrlPr>
                                   </m:sSubPr>
@@ -8685,7 +8685,7 @@
                                   <m:sSubPr>
                                     <m:ctrlPr>
                                       <a:rPr lang="en-US" sz="2400" b="0" i="1" smtClean="0">
-                                        <a:latin typeface="Cambria Math" charset="0"/>
+                                        <a:latin typeface="Cambria Math" panose="02040503050406030204" pitchFamily="18" charset="0"/>
                                       </a:rPr>
                                     </m:ctrlPr>
                                   </m:sSubPr>
@@ -8720,7 +8720,7 @@
                                   <m:sSubPr>
                                     <m:ctrlPr>
                                       <a:rPr lang="en-US" sz="2400" b="0" i="1" smtClean="0">
-                                        <a:latin typeface="Cambria Math" charset="0"/>
+                                        <a:latin typeface="Cambria Math" panose="02040503050406030204" pitchFamily="18" charset="0"/>
                                       </a:rPr>
                                     </m:ctrlPr>
                                   </m:sSubPr>
@@ -8896,7 +8896,7 @@
                         <m:dPr>
                           <m:ctrlPr>
                             <a:rPr lang="mr-IN" sz="2400" i="1" smtClean="0">
-                              <a:latin typeface="Cambria Math" charset="0"/>
+                              <a:latin typeface="Cambria Math" panose="02040503050406030204" pitchFamily="18" charset="0"/>
                             </a:rPr>
                           </m:ctrlPr>
                         </m:dPr>
@@ -8913,7 +8913,7 @@
                               </m:mcs>
                               <m:ctrlPr>
                                 <a:rPr lang="mr-IN" sz="2400" i="1">
-                                  <a:latin typeface="Cambria Math" charset="0"/>
+                                  <a:latin typeface="Cambria Math" panose="02040503050406030204" pitchFamily="18" charset="0"/>
                                 </a:rPr>
                               </m:ctrlPr>
                             </m:mPr>
@@ -8929,7 +8929,7 @@
                                   <m:sSubPr>
                                     <m:ctrlPr>
                                       <a:rPr lang="en-US" sz="2400" i="1">
-                                        <a:latin typeface="Cambria Math" charset="0"/>
+                                        <a:latin typeface="Cambria Math" panose="02040503050406030204" pitchFamily="18" charset="0"/>
                                       </a:rPr>
                                     </m:ctrlPr>
                                   </m:sSubPr>
@@ -8970,7 +8970,7 @@
                                   <m:sSubPr>
                                     <m:ctrlPr>
                                       <a:rPr lang="en-US" sz="2400" i="1">
-                                        <a:latin typeface="Cambria Math" charset="0"/>
+                                        <a:latin typeface="Cambria Math" panose="02040503050406030204" pitchFamily="18" charset="0"/>
                                       </a:rPr>
                                     </m:ctrlPr>
                                   </m:sSubPr>
@@ -9011,7 +9011,7 @@
                                   <m:sSubPr>
                                     <m:ctrlPr>
                                       <a:rPr lang="en-US" sz="2400" i="1">
-                                        <a:latin typeface="Cambria Math" charset="0"/>
+                                        <a:latin typeface="Cambria Math" panose="02040503050406030204" pitchFamily="18" charset="0"/>
                                       </a:rPr>
                                     </m:ctrlPr>
                                   </m:sSubPr>
@@ -9271,7 +9271,7 @@
           <p:cNvPr id="6" name="Rectangle 5">
             <a:extLst>
               <a:ext uri="{FF2B5EF4-FFF2-40B4-BE49-F238E27FC236}">
-                <a16:creationId xmlns:a16="http://schemas.microsoft.com/office/drawing/2014/main" xmlns="" id="{3911C110-2840-B24F-B4A1-4A5127F64B9E}"/>
+                <a16:creationId xmlns:a16="http://schemas.microsoft.com/office/drawing/2014/main" id="{3911C110-2840-B24F-B4A1-4A5127F64B9E}"/>
               </a:ext>
             </a:extLst>
           </p:cNvPr>
@@ -9318,7 +9318,7 @@
           <p:cNvPr id="26" name="Rectangle 25">
             <a:extLst>
               <a:ext uri="{FF2B5EF4-FFF2-40B4-BE49-F238E27FC236}">
-                <a16:creationId xmlns:a16="http://schemas.microsoft.com/office/drawing/2014/main" xmlns="" id="{F4D63200-3C3B-8E4D-A192-82BE15AD2F33}"/>
+                <a16:creationId xmlns:a16="http://schemas.microsoft.com/office/drawing/2014/main" id="{F4D63200-3C3B-8E4D-A192-82BE15AD2F33}"/>
               </a:ext>
             </a:extLst>
           </p:cNvPr>
@@ -9365,7 +9365,7 @@
           <p:cNvPr id="32" name="Rectangle 31">
             <a:extLst>
               <a:ext uri="{FF2B5EF4-FFF2-40B4-BE49-F238E27FC236}">
-                <a16:creationId xmlns:a16="http://schemas.microsoft.com/office/drawing/2014/main" xmlns="" id="{B1DA25C3-EC2A-9046-9E66-3B831A7FD207}"/>
+                <a16:creationId xmlns:a16="http://schemas.microsoft.com/office/drawing/2014/main" id="{B1DA25C3-EC2A-9046-9E66-3B831A7FD207}"/>
               </a:ext>
             </a:extLst>
           </p:cNvPr>
@@ -9412,7 +9412,7 @@
           <p:cNvPr id="11" name="Straight Arrow Connector 10">
             <a:extLst>
               <a:ext uri="{FF2B5EF4-FFF2-40B4-BE49-F238E27FC236}">
-                <a16:creationId xmlns:a16="http://schemas.microsoft.com/office/drawing/2014/main" xmlns="" id="{C8E3F40C-BA70-FC4D-BCD1-BDCC43FB85F5}"/>
+                <a16:creationId xmlns:a16="http://schemas.microsoft.com/office/drawing/2014/main" id="{C8E3F40C-BA70-FC4D-BCD1-BDCC43FB85F5}"/>
               </a:ext>
             </a:extLst>
           </p:cNvPr>
@@ -9453,7 +9453,7 @@
           <p:cNvPr id="18" name="TextBox 17">
             <a:extLst>
               <a:ext uri="{FF2B5EF4-FFF2-40B4-BE49-F238E27FC236}">
-                <a16:creationId xmlns:a16="http://schemas.microsoft.com/office/drawing/2014/main" xmlns="" id="{7203E304-94C8-6349-B897-2DB4197A7EC7}"/>
+                <a16:creationId xmlns:a16="http://schemas.microsoft.com/office/drawing/2014/main" id="{7203E304-94C8-6349-B897-2DB4197A7EC7}"/>
               </a:ext>
             </a:extLst>
           </p:cNvPr>
@@ -9535,10 +9535,9 @@
           <a:lstStyle/>
           <a:p>
             <a:r>
-              <a:rPr lang="en-US" dirty="0" smtClean="0"/>
+              <a:rPr lang="en-US" dirty="0"/>
               <a:t>Descriptors</a:t>
             </a:r>
-            <a:endParaRPr lang="en-US" dirty="0"/>
           </a:p>
         </p:txBody>
       </p:sp>
@@ -9547,7 +9546,7 @@
           <p:cNvPr id="7" name="Rectangle 6">
             <a:extLst>
               <a:ext uri="{FF2B5EF4-FFF2-40B4-BE49-F238E27FC236}">
-                <a16:creationId xmlns:a16="http://schemas.microsoft.com/office/drawing/2014/main" xmlns="" id="{934568A6-9E16-1747-BBDA-DDABE1317ABF}"/>
+                <a16:creationId xmlns:a16="http://schemas.microsoft.com/office/drawing/2014/main" id="{934568A6-9E16-1747-BBDA-DDABE1317ABF}"/>
               </a:ext>
             </a:extLst>
           </p:cNvPr>
@@ -9600,7 +9599,7 @@
               <p:cNvPr id="8" name="Rectangle 7">
                 <a:extLst>
                   <a:ext uri="{FF2B5EF4-FFF2-40B4-BE49-F238E27FC236}">
-                    <a16:creationId xmlns:a16="http://schemas.microsoft.com/office/drawing/2014/main" xmlns="" id="{414104F3-916E-8442-8B11-CE399A765C44}"/>
+                    <a16:creationId xmlns:a16="http://schemas.microsoft.com/office/drawing/2014/main" id="{414104F3-916E-8442-8B11-CE399A765C44}"/>
                   </a:ext>
                 </a:extLst>
               </p:cNvPr>
@@ -9633,7 +9632,7 @@
                         <m:sSubPr>
                           <m:ctrlPr>
                             <a:rPr lang="en-US" sz="2400" i="1" smtClean="0">
-                              <a:latin typeface="Cambria Math" charset="0"/>
+                              <a:latin typeface="Cambria Math" panose="02040503050406030204" pitchFamily="18" charset="0"/>
                             </a:rPr>
                           </m:ctrlPr>
                         </m:sSubPr>
@@ -9670,7 +9669,7 @@
                         <m:dPr>
                           <m:ctrlPr>
                             <a:rPr lang="en-US" sz="2400" i="1">
-                              <a:latin typeface="Cambria Math" charset="0"/>
+                              <a:latin typeface="Cambria Math" panose="02040503050406030204" pitchFamily="18" charset="0"/>
                             </a:rPr>
                           </m:ctrlPr>
                         </m:dPr>
@@ -9695,7 +9694,7 @@
                           <m:supHide m:val="on"/>
                           <m:ctrlPr>
                             <a:rPr lang="en-US" sz="2400" i="1">
-                              <a:latin typeface="Cambria Math" charset="0"/>
+                              <a:latin typeface="Cambria Math" panose="02040503050406030204" pitchFamily="18" charset="0"/>
                             </a:rPr>
                           </m:ctrlPr>
                         </m:naryPr>
@@ -9704,7 +9703,7 @@
                             <m:sSubPr>
                               <m:ctrlPr>
                                 <a:rPr lang="en-US" sz="2400" i="1">
-                                  <a:latin typeface="Cambria Math" charset="0"/>
+                                  <a:latin typeface="Cambria Math" panose="02040503050406030204" pitchFamily="18" charset="0"/>
                                 </a:rPr>
                               </m:ctrlPr>
                             </m:sSubPr>
@@ -9744,7 +9743,7 @@
                             <m:sSubPr>
                               <m:ctrlPr>
                                 <a:rPr lang="en-US" sz="2400" i="1">
-                                  <a:latin typeface="Cambria Math" charset="0"/>
+                                  <a:latin typeface="Cambria Math" panose="02040503050406030204" pitchFamily="18" charset="0"/>
                                 </a:rPr>
                               </m:ctrlPr>
                             </m:sSubPr>
@@ -9775,7 +9774,7 @@
                             <m:fPr>
                               <m:ctrlPr>
                                 <a:rPr lang="mr-IN" sz="2400" i="1">
-                                  <a:latin typeface="Cambria Math" charset="0"/>
+                                  <a:latin typeface="Cambria Math" panose="02040503050406030204" pitchFamily="18" charset="0"/>
                                 </a:rPr>
                               </m:ctrlPr>
                             </m:fPr>
@@ -9784,7 +9783,7 @@
                                 <m:funcPr>
                                   <m:ctrlPr>
                                     <a:rPr lang="en-US" sz="2400" i="1">
-                                      <a:latin typeface="Cambria Math" charset="0"/>
+                                      <a:latin typeface="Cambria Math" panose="02040503050406030204" pitchFamily="18" charset="0"/>
                                     </a:rPr>
                                   </m:ctrlPr>
                                 </m:funcPr>
@@ -9804,7 +9803,7 @@
                                     <m:dPr>
                                       <m:ctrlPr>
                                         <a:rPr lang="mr-IN" sz="2400" i="1">
-                                          <a:latin typeface="Cambria Math" charset="0"/>
+                                          <a:latin typeface="Cambria Math" panose="02040503050406030204" pitchFamily="18" charset="0"/>
                                         </a:rPr>
                                       </m:ctrlPr>
                                     </m:dPr>
@@ -9819,7 +9818,7 @@
                                         <m:fPr>
                                           <m:ctrlPr>
                                             <a:rPr lang="en-US" sz="2400" i="1" smtClean="0">
-                                              <a:latin typeface="Cambria Math" charset="0"/>
+                                              <a:latin typeface="Cambria Math" panose="02040503050406030204" pitchFamily="18" charset="0"/>
                                             </a:rPr>
                                           </m:ctrlPr>
                                         </m:fPr>
@@ -9828,7 +9827,7 @@
                                             <m:sSupPr>
                                               <m:ctrlPr>
                                                 <a:rPr lang="en-US" sz="2400" i="1">
-                                                  <a:latin typeface="Cambria Math" charset="0"/>
+                                                  <a:latin typeface="Cambria Math" panose="02040503050406030204" pitchFamily="18" charset="0"/>
                                                 </a:rPr>
                                               </m:ctrlPr>
                                             </m:sSupPr>
@@ -9839,7 +9838,7 @@
                                                   <m:endChr m:val="‖"/>
                                                   <m:ctrlPr>
                                                     <a:rPr lang="mr-IN" sz="2400" i="1">
-                                                      <a:latin typeface="Cambria Math" charset="0"/>
+                                                      <a:latin typeface="Cambria Math" panose="02040503050406030204" pitchFamily="18" charset="0"/>
                                                     </a:rPr>
                                                   </m:ctrlPr>
                                                 </m:dPr>
@@ -9860,7 +9859,7 @@
                                                     <m:sSubPr>
                                                       <m:ctrlPr>
                                                         <a:rPr lang="en-US" sz="2400" i="1">
-                                                          <a:latin typeface="Cambria Math" charset="0"/>
+                                                          <a:latin typeface="Cambria Math" panose="02040503050406030204" pitchFamily="18" charset="0"/>
                                                         </a:rPr>
                                                       </m:ctrlPr>
                                                     </m:sSubPr>
@@ -9905,7 +9904,7 @@
                                             <m:sSupPr>
                                               <m:ctrlPr>
                                                 <a:rPr lang="en-US" sz="2400" i="1">
-                                                  <a:latin typeface="Cambria Math" charset="0"/>
+                                                  <a:latin typeface="Cambria Math" panose="02040503050406030204" pitchFamily="18" charset="0"/>
                                                 </a:rPr>
                                               </m:ctrlPr>
                                             </m:sSupPr>
@@ -9938,7 +9937,7 @@
                                 <m:sSubSupPr>
                                   <m:ctrlPr>
                                     <a:rPr lang="en-US" sz="2400" i="1">
-                                      <a:latin typeface="Cambria Math" charset="0"/>
+                                      <a:latin typeface="Cambria Math" panose="02040503050406030204" pitchFamily="18" charset="0"/>
                                     </a:rPr>
                                   </m:ctrlPr>
                                 </m:sSubSupPr>
@@ -10103,7 +10102,6 @@
               <a:rPr lang="en-US" dirty="0"/>
               <a:t>Descriptors</a:t>
             </a:r>
-            <a:endParaRPr lang="en-US" dirty="0"/>
           </a:p>
         </p:txBody>
       </p:sp>
@@ -10112,7 +10110,7 @@
           <p:cNvPr id="7" name="Rectangle 6">
             <a:extLst>
               <a:ext uri="{FF2B5EF4-FFF2-40B4-BE49-F238E27FC236}">
-                <a16:creationId xmlns:a16="http://schemas.microsoft.com/office/drawing/2014/main" xmlns="" id="{934568A6-9E16-1747-BBDA-DDABE1317ABF}"/>
+                <a16:creationId xmlns:a16="http://schemas.microsoft.com/office/drawing/2014/main" id="{934568A6-9E16-1747-BBDA-DDABE1317ABF}"/>
               </a:ext>
             </a:extLst>
           </p:cNvPr>
@@ -10158,14 +10156,14 @@
           </a:p>
         </p:txBody>
       </p:sp>
-      <mc:AlternateContent xmlns:mc="http://schemas.openxmlformats.org/markup-compatibility/2006">
-        <mc:Choice xmlns:a14="http://schemas.microsoft.com/office/drawing/2010/main" Requires="a14">
+      <mc:AlternateContent xmlns:mc="http://schemas.openxmlformats.org/markup-compatibility/2006" xmlns:a14="http://schemas.microsoft.com/office/drawing/2010/main">
+        <mc:Choice Requires="a14">
           <p:sp>
             <p:nvSpPr>
               <p:cNvPr id="8" name="Rectangle 7">
                 <a:extLst>
                   <a:ext uri="{FF2B5EF4-FFF2-40B4-BE49-F238E27FC236}">
-                    <a16:creationId xmlns:a16="http://schemas.microsoft.com/office/drawing/2014/main" xmlns="" id="{414104F3-916E-8442-8B11-CE399A765C44}"/>
+                    <a16:creationId xmlns:a16="http://schemas.microsoft.com/office/drawing/2014/main" id="{414104F3-916E-8442-8B11-CE399A765C44}"/>
                   </a:ext>
                 </a:extLst>
               </p:cNvPr>
@@ -10198,7 +10196,7 @@
                         <m:sSubPr>
                           <m:ctrlPr>
                             <a:rPr lang="en-US" sz="2400" i="1" smtClean="0">
-                              <a:latin typeface="Cambria Math" charset="0"/>
+                              <a:latin typeface="Cambria Math" panose="02040503050406030204" pitchFamily="18" charset="0"/>
                             </a:rPr>
                           </m:ctrlPr>
                         </m:sSubPr>
@@ -10235,7 +10233,7 @@
                         <m:dPr>
                           <m:ctrlPr>
                             <a:rPr lang="en-US" sz="2400" i="1">
-                              <a:latin typeface="Cambria Math" charset="0"/>
+                              <a:latin typeface="Cambria Math" panose="02040503050406030204" pitchFamily="18" charset="0"/>
                             </a:rPr>
                           </m:ctrlPr>
                         </m:dPr>
@@ -10260,7 +10258,7 @@
                           <m:supHide m:val="on"/>
                           <m:ctrlPr>
                             <a:rPr lang="en-US" sz="2400" i="1">
-                              <a:latin typeface="Cambria Math" charset="0"/>
+                              <a:latin typeface="Cambria Math" panose="02040503050406030204" pitchFamily="18" charset="0"/>
                             </a:rPr>
                           </m:ctrlPr>
                         </m:naryPr>
@@ -10269,7 +10267,7 @@
                             <m:sSubPr>
                               <m:ctrlPr>
                                 <a:rPr lang="en-US" sz="2400" i="1">
-                                  <a:latin typeface="Cambria Math" charset="0"/>
+                                  <a:latin typeface="Cambria Math" panose="02040503050406030204" pitchFamily="18" charset="0"/>
                                 </a:rPr>
                               </m:ctrlPr>
                             </m:sSubPr>
@@ -10309,7 +10307,7 @@
                             <m:sSubPr>
                               <m:ctrlPr>
                                 <a:rPr lang="en-US" sz="2400" i="1">
-                                  <a:latin typeface="Cambria Math" charset="0"/>
+                                  <a:latin typeface="Cambria Math" panose="02040503050406030204" pitchFamily="18" charset="0"/>
                                 </a:rPr>
                               </m:ctrlPr>
                             </m:sSubPr>
@@ -10340,7 +10338,7 @@
                             <m:fPr>
                               <m:ctrlPr>
                                 <a:rPr lang="mr-IN" sz="2400" i="1">
-                                  <a:latin typeface="Cambria Math" charset="0"/>
+                                  <a:latin typeface="Cambria Math" panose="02040503050406030204" pitchFamily="18" charset="0"/>
                                 </a:rPr>
                               </m:ctrlPr>
                             </m:fPr>
@@ -10349,7 +10347,7 @@
                                 <m:funcPr>
                                   <m:ctrlPr>
                                     <a:rPr lang="en-US" sz="2400" i="1">
-                                      <a:latin typeface="Cambria Math" charset="0"/>
+                                      <a:latin typeface="Cambria Math" panose="02040503050406030204" pitchFamily="18" charset="0"/>
                                     </a:rPr>
                                   </m:ctrlPr>
                                 </m:funcPr>
@@ -10369,7 +10367,7 @@
                                     <m:dPr>
                                       <m:ctrlPr>
                                         <a:rPr lang="mr-IN" sz="2400" i="1">
-                                          <a:latin typeface="Cambria Math" charset="0"/>
+                                          <a:latin typeface="Cambria Math" panose="02040503050406030204" pitchFamily="18" charset="0"/>
                                         </a:rPr>
                                       </m:ctrlPr>
                                     </m:dPr>
@@ -10384,7 +10382,7 @@
                                         <m:fPr>
                                           <m:ctrlPr>
                                             <a:rPr lang="en-US" sz="2400" i="1" smtClean="0">
-                                              <a:latin typeface="Cambria Math" charset="0"/>
+                                              <a:latin typeface="Cambria Math" panose="02040503050406030204" pitchFamily="18" charset="0"/>
                                             </a:rPr>
                                           </m:ctrlPr>
                                         </m:fPr>
@@ -10393,7 +10391,7 @@
                                             <m:sSupPr>
                                               <m:ctrlPr>
                                                 <a:rPr lang="en-US" sz="2400" i="1">
-                                                  <a:latin typeface="Cambria Math" charset="0"/>
+                                                  <a:latin typeface="Cambria Math" panose="02040503050406030204" pitchFamily="18" charset="0"/>
                                                 </a:rPr>
                                               </m:ctrlPr>
                                             </m:sSupPr>
@@ -10404,7 +10402,7 @@
                                                   <m:endChr m:val="‖"/>
                                                   <m:ctrlPr>
                                                     <a:rPr lang="mr-IN" sz="2400" i="1">
-                                                      <a:latin typeface="Cambria Math" charset="0"/>
+                                                      <a:latin typeface="Cambria Math" panose="02040503050406030204" pitchFamily="18" charset="0"/>
                                                     </a:rPr>
                                                   </m:ctrlPr>
                                                 </m:dPr>
@@ -10425,7 +10423,7 @@
                                                     <m:sSubPr>
                                                       <m:ctrlPr>
                                                         <a:rPr lang="en-US" sz="2400" i="1">
-                                                          <a:latin typeface="Cambria Math" charset="0"/>
+                                                          <a:latin typeface="Cambria Math" panose="02040503050406030204" pitchFamily="18" charset="0"/>
                                                         </a:rPr>
                                                       </m:ctrlPr>
                                                     </m:sSubPr>
@@ -10470,7 +10468,7 @@
                                             <m:sSupPr>
                                               <m:ctrlPr>
                                                 <a:rPr lang="en-US" sz="2400" i="1">
-                                                  <a:latin typeface="Cambria Math" charset="0"/>
+                                                  <a:latin typeface="Cambria Math" panose="02040503050406030204" pitchFamily="18" charset="0"/>
                                                 </a:rPr>
                                               </m:ctrlPr>
                                             </m:sSupPr>
@@ -10503,7 +10501,7 @@
                                 <m:sSubSupPr>
                                   <m:ctrlPr>
                                     <a:rPr lang="en-US" sz="2400" i="1">
-                                      <a:latin typeface="Cambria Math" charset="0"/>
+                                      <a:latin typeface="Cambria Math" panose="02040503050406030204" pitchFamily="18" charset="0"/>
                                     </a:rPr>
                                   </m:ctrlPr>
                                 </m:sSubSupPr>
@@ -10544,7 +10542,7 @@
             </p:txBody>
           </p:sp>
         </mc:Choice>
-        <mc:Fallback>
+        <mc:Fallback xmlns="">
           <p:sp>
             <p:nvSpPr>
               <p:cNvPr id="8" name="Rectangle 7">
@@ -10594,7 +10592,7 @@
           <p:cNvPr id="9" name="Picture 8">
             <a:extLst>
               <a:ext uri="{FF2B5EF4-FFF2-40B4-BE49-F238E27FC236}">
-                <a16:creationId xmlns:a16="http://schemas.microsoft.com/office/drawing/2014/main" xmlns="" id="{BF15BAE1-504B-B046-921C-435331A07A32}"/>
+                <a16:creationId xmlns:a16="http://schemas.microsoft.com/office/drawing/2014/main" id="{BF15BAE1-504B-B046-921C-435331A07A32}"/>
               </a:ext>
             </a:extLst>
           </p:cNvPr>
@@ -10630,7 +10628,7 @@
           <p:cNvPr id="10" name="Right Arrow 9">
             <a:extLst>
               <a:ext uri="{FF2B5EF4-FFF2-40B4-BE49-F238E27FC236}">
-                <a16:creationId xmlns:a16="http://schemas.microsoft.com/office/drawing/2014/main" xmlns="" id="{94C9DDF9-4503-204A-9DCF-BF98426053C9}"/>
+                <a16:creationId xmlns:a16="http://schemas.microsoft.com/office/drawing/2014/main" id="{94C9DDF9-4503-204A-9DCF-BF98426053C9}"/>
               </a:ext>
             </a:extLst>
           </p:cNvPr>
@@ -10676,7 +10674,7 @@
           <p:cNvPr id="17" name="Picture 16">
             <a:extLst>
               <a:ext uri="{FF2B5EF4-FFF2-40B4-BE49-F238E27FC236}">
-                <a16:creationId xmlns:a16="http://schemas.microsoft.com/office/drawing/2014/main" xmlns="" id="{8E28E06C-9213-0149-B35F-F9E2CDA8F14E}"/>
+                <a16:creationId xmlns:a16="http://schemas.microsoft.com/office/drawing/2014/main" id="{8E28E06C-9213-0149-B35F-F9E2CDA8F14E}"/>
               </a:ext>
             </a:extLst>
           </p:cNvPr>
@@ -10708,7 +10706,7 @@
               <p:cNvPr id="18" name="TextBox 17">
                 <a:extLst>
                   <a:ext uri="{FF2B5EF4-FFF2-40B4-BE49-F238E27FC236}">
-                    <a16:creationId xmlns:a16="http://schemas.microsoft.com/office/drawing/2014/main" xmlns="" id="{117860C4-3676-DC44-A99C-860D7396926F}"/>
+                    <a16:creationId xmlns:a16="http://schemas.microsoft.com/office/drawing/2014/main" id="{117860C4-3676-DC44-A99C-860D7396926F}"/>
                   </a:ext>
                 </a:extLst>
               </p:cNvPr>
@@ -10742,7 +10740,7 @@
                         <m:sSubPr>
                           <m:ctrlPr>
                             <a:rPr lang="en-US" sz="2400" b="0" i="1" smtClean="0">
-                              <a:latin typeface="Cambria Math" charset="0"/>
+                              <a:latin typeface="Cambria Math" panose="02040503050406030204" pitchFamily="18" charset="0"/>
                             </a:rPr>
                           </m:ctrlPr>
                         </m:sSubPr>
@@ -10821,7 +10819,7 @@
           <p:cNvPr id="19" name="TextBox 18">
             <a:extLst>
               <a:ext uri="{FF2B5EF4-FFF2-40B4-BE49-F238E27FC236}">
-                <a16:creationId xmlns:a16="http://schemas.microsoft.com/office/drawing/2014/main" xmlns="" id="{514039CA-F3C8-4341-A3F5-EF57A95433DF}"/>
+                <a16:creationId xmlns:a16="http://schemas.microsoft.com/office/drawing/2014/main" id="{514039CA-F3C8-4341-A3F5-EF57A95433DF}"/>
               </a:ext>
             </a:extLst>
           </p:cNvPr>
@@ -10935,7 +10933,6 @@
               <a:rPr lang="en-US" dirty="0"/>
               <a:t>Descriptors</a:t>
             </a:r>
-            <a:endParaRPr lang="en-US" dirty="0"/>
           </a:p>
         </p:txBody>
       </p:sp>
@@ -10944,7 +10941,7 @@
           <p:cNvPr id="7" name="Rectangle 6">
             <a:extLst>
               <a:ext uri="{FF2B5EF4-FFF2-40B4-BE49-F238E27FC236}">
-                <a16:creationId xmlns:a16="http://schemas.microsoft.com/office/drawing/2014/main" xmlns="" id="{934568A6-9E16-1747-BBDA-DDABE1317ABF}"/>
+                <a16:creationId xmlns:a16="http://schemas.microsoft.com/office/drawing/2014/main" id="{934568A6-9E16-1747-BBDA-DDABE1317ABF}"/>
               </a:ext>
             </a:extLst>
           </p:cNvPr>
@@ -10990,14 +10987,14 @@
           </a:p>
         </p:txBody>
       </p:sp>
-      <mc:AlternateContent xmlns:mc="http://schemas.openxmlformats.org/markup-compatibility/2006">
-        <mc:Choice xmlns:a14="http://schemas.microsoft.com/office/drawing/2010/main" Requires="a14">
+      <mc:AlternateContent xmlns:mc="http://schemas.openxmlformats.org/markup-compatibility/2006" xmlns:a14="http://schemas.microsoft.com/office/drawing/2010/main">
+        <mc:Choice Requires="a14">
           <p:sp>
             <p:nvSpPr>
               <p:cNvPr id="8" name="Rectangle 7">
                 <a:extLst>
                   <a:ext uri="{FF2B5EF4-FFF2-40B4-BE49-F238E27FC236}">
-                    <a16:creationId xmlns:a16="http://schemas.microsoft.com/office/drawing/2014/main" xmlns="" id="{414104F3-916E-8442-8B11-CE399A765C44}"/>
+                    <a16:creationId xmlns:a16="http://schemas.microsoft.com/office/drawing/2014/main" id="{414104F3-916E-8442-8B11-CE399A765C44}"/>
                   </a:ext>
                 </a:extLst>
               </p:cNvPr>
@@ -11030,7 +11027,7 @@
                         <m:sSubPr>
                           <m:ctrlPr>
                             <a:rPr lang="en-US" sz="2400" i="1" smtClean="0">
-                              <a:latin typeface="Cambria Math" charset="0"/>
+                              <a:latin typeface="Cambria Math" panose="02040503050406030204" pitchFamily="18" charset="0"/>
                             </a:rPr>
                           </m:ctrlPr>
                         </m:sSubPr>
@@ -11067,7 +11064,7 @@
                         <m:dPr>
                           <m:ctrlPr>
                             <a:rPr lang="en-US" sz="2400" i="1">
-                              <a:latin typeface="Cambria Math" charset="0"/>
+                              <a:latin typeface="Cambria Math" panose="02040503050406030204" pitchFamily="18" charset="0"/>
                             </a:rPr>
                           </m:ctrlPr>
                         </m:dPr>
@@ -11092,7 +11089,7 @@
                           <m:supHide m:val="on"/>
                           <m:ctrlPr>
                             <a:rPr lang="en-US" sz="2400" i="1">
-                              <a:latin typeface="Cambria Math" charset="0"/>
+                              <a:latin typeface="Cambria Math" panose="02040503050406030204" pitchFamily="18" charset="0"/>
                             </a:rPr>
                           </m:ctrlPr>
                         </m:naryPr>
@@ -11101,7 +11098,7 @@
                             <m:sSubPr>
                               <m:ctrlPr>
                                 <a:rPr lang="en-US" sz="2400" i="1">
-                                  <a:latin typeface="Cambria Math" charset="0"/>
+                                  <a:latin typeface="Cambria Math" panose="02040503050406030204" pitchFamily="18" charset="0"/>
                                 </a:rPr>
                               </m:ctrlPr>
                             </m:sSubPr>
@@ -11141,7 +11138,7 @@
                             <m:sSubPr>
                               <m:ctrlPr>
                                 <a:rPr lang="en-US" sz="2400" i="1">
-                                  <a:latin typeface="Cambria Math" charset="0"/>
+                                  <a:latin typeface="Cambria Math" panose="02040503050406030204" pitchFamily="18" charset="0"/>
                                 </a:rPr>
                               </m:ctrlPr>
                             </m:sSubPr>
@@ -11172,7 +11169,7 @@
                             <m:fPr>
                               <m:ctrlPr>
                                 <a:rPr lang="mr-IN" sz="2400" i="1">
-                                  <a:latin typeface="Cambria Math" charset="0"/>
+                                  <a:latin typeface="Cambria Math" panose="02040503050406030204" pitchFamily="18" charset="0"/>
                                 </a:rPr>
                               </m:ctrlPr>
                             </m:fPr>
@@ -11181,7 +11178,7 @@
                                 <m:funcPr>
                                   <m:ctrlPr>
                                     <a:rPr lang="en-US" sz="2400" i="1">
-                                      <a:latin typeface="Cambria Math" charset="0"/>
+                                      <a:latin typeface="Cambria Math" panose="02040503050406030204" pitchFamily="18" charset="0"/>
                                     </a:rPr>
                                   </m:ctrlPr>
                                 </m:funcPr>
@@ -11201,7 +11198,7 @@
                                     <m:dPr>
                                       <m:ctrlPr>
                                         <a:rPr lang="mr-IN" sz="2400" i="1">
-                                          <a:latin typeface="Cambria Math" charset="0"/>
+                                          <a:latin typeface="Cambria Math" panose="02040503050406030204" pitchFamily="18" charset="0"/>
                                         </a:rPr>
                                       </m:ctrlPr>
                                     </m:dPr>
@@ -11216,7 +11213,7 @@
                                         <m:fPr>
                                           <m:ctrlPr>
                                             <a:rPr lang="en-US" sz="2400" i="1" smtClean="0">
-                                              <a:latin typeface="Cambria Math" charset="0"/>
+                                              <a:latin typeface="Cambria Math" panose="02040503050406030204" pitchFamily="18" charset="0"/>
                                             </a:rPr>
                                           </m:ctrlPr>
                                         </m:fPr>
@@ -11225,7 +11222,7 @@
                                             <m:sSupPr>
                                               <m:ctrlPr>
                                                 <a:rPr lang="en-US" sz="2400" i="1">
-                                                  <a:latin typeface="Cambria Math" charset="0"/>
+                                                  <a:latin typeface="Cambria Math" panose="02040503050406030204" pitchFamily="18" charset="0"/>
                                                 </a:rPr>
                                               </m:ctrlPr>
                                             </m:sSupPr>
@@ -11236,7 +11233,7 @@
                                                   <m:endChr m:val="‖"/>
                                                   <m:ctrlPr>
                                                     <a:rPr lang="mr-IN" sz="2400" i="1">
-                                                      <a:latin typeface="Cambria Math" charset="0"/>
+                                                      <a:latin typeface="Cambria Math" panose="02040503050406030204" pitchFamily="18" charset="0"/>
                                                     </a:rPr>
                                                   </m:ctrlPr>
                                                 </m:dPr>
@@ -11257,7 +11254,7 @@
                                                     <m:sSubPr>
                                                       <m:ctrlPr>
                                                         <a:rPr lang="en-US" sz="2400" i="1">
-                                                          <a:latin typeface="Cambria Math" charset="0"/>
+                                                          <a:latin typeface="Cambria Math" panose="02040503050406030204" pitchFamily="18" charset="0"/>
                                                         </a:rPr>
                                                       </m:ctrlPr>
                                                     </m:sSubPr>
@@ -11302,7 +11299,7 @@
                                             <m:sSupPr>
                                               <m:ctrlPr>
                                                 <a:rPr lang="en-US" sz="2400" i="1">
-                                                  <a:latin typeface="Cambria Math" charset="0"/>
+                                                  <a:latin typeface="Cambria Math" panose="02040503050406030204" pitchFamily="18" charset="0"/>
                                                 </a:rPr>
                                               </m:ctrlPr>
                                             </m:sSupPr>
@@ -11335,7 +11332,7 @@
                                 <m:sSubSupPr>
                                   <m:ctrlPr>
                                     <a:rPr lang="en-US" sz="2400" i="1">
-                                      <a:latin typeface="Cambria Math" charset="0"/>
+                                      <a:latin typeface="Cambria Math" panose="02040503050406030204" pitchFamily="18" charset="0"/>
                                     </a:rPr>
                                   </m:ctrlPr>
                                 </m:sSubSupPr>
@@ -11376,7 +11373,7 @@
             </p:txBody>
           </p:sp>
         </mc:Choice>
-        <mc:Fallback>
+        <mc:Fallback xmlns="">
           <p:sp>
             <p:nvSpPr>
               <p:cNvPr id="8" name="Rectangle 7">
@@ -11426,7 +11423,7 @@
           <p:cNvPr id="9" name="Picture 8">
             <a:extLst>
               <a:ext uri="{FF2B5EF4-FFF2-40B4-BE49-F238E27FC236}">
-                <a16:creationId xmlns:a16="http://schemas.microsoft.com/office/drawing/2014/main" xmlns="" id="{BF15BAE1-504B-B046-921C-435331A07A32}"/>
+                <a16:creationId xmlns:a16="http://schemas.microsoft.com/office/drawing/2014/main" id="{BF15BAE1-504B-B046-921C-435331A07A32}"/>
               </a:ext>
             </a:extLst>
           </p:cNvPr>
@@ -11462,7 +11459,7 @@
           <p:cNvPr id="10" name="Right Arrow 9">
             <a:extLst>
               <a:ext uri="{FF2B5EF4-FFF2-40B4-BE49-F238E27FC236}">
-                <a16:creationId xmlns:a16="http://schemas.microsoft.com/office/drawing/2014/main" xmlns="" id="{94C9DDF9-4503-204A-9DCF-BF98426053C9}"/>
+                <a16:creationId xmlns:a16="http://schemas.microsoft.com/office/drawing/2014/main" id="{94C9DDF9-4503-204A-9DCF-BF98426053C9}"/>
               </a:ext>
             </a:extLst>
           </p:cNvPr>
@@ -11508,7 +11505,7 @@
           <p:cNvPr id="17" name="Picture 16">
             <a:extLst>
               <a:ext uri="{FF2B5EF4-FFF2-40B4-BE49-F238E27FC236}">
-                <a16:creationId xmlns:a16="http://schemas.microsoft.com/office/drawing/2014/main" xmlns="" id="{8E28E06C-9213-0149-B35F-F9E2CDA8F14E}"/>
+                <a16:creationId xmlns:a16="http://schemas.microsoft.com/office/drawing/2014/main" id="{8E28E06C-9213-0149-B35F-F9E2CDA8F14E}"/>
               </a:ext>
             </a:extLst>
           </p:cNvPr>
@@ -11540,7 +11537,7 @@
               <p:cNvPr id="11" name="TextBox 10">
                 <a:extLst>
                   <a:ext uri="{FF2B5EF4-FFF2-40B4-BE49-F238E27FC236}">
-                    <a16:creationId xmlns:a16="http://schemas.microsoft.com/office/drawing/2014/main" xmlns="" id="{37041112-33DD-6945-BBDF-ACF3D7A9F7B7}"/>
+                    <a16:creationId xmlns:a16="http://schemas.microsoft.com/office/drawing/2014/main" id="{37041112-33DD-6945-BBDF-ACF3D7A9F7B7}"/>
                   </a:ext>
                 </a:extLst>
               </p:cNvPr>
@@ -11574,7 +11571,7 @@
                         <m:sSubPr>
                           <m:ctrlPr>
                             <a:rPr lang="en-US" sz="2400" b="0" i="1" smtClean="0">
-                              <a:latin typeface="Cambria Math" charset="0"/>
+                              <a:latin typeface="Cambria Math" panose="02040503050406030204" pitchFamily="18" charset="0"/>
                             </a:rPr>
                           </m:ctrlPr>
                         </m:sSubPr>
@@ -11655,7 +11652,7 @@
               <p:cNvPr id="12" name="TextBox 11">
                 <a:extLst>
                   <a:ext uri="{FF2B5EF4-FFF2-40B4-BE49-F238E27FC236}">
-                    <a16:creationId xmlns:a16="http://schemas.microsoft.com/office/drawing/2014/main" xmlns="" id="{9EE32115-1C86-9C42-AF18-F0CEE0C377A1}"/>
+                    <a16:creationId xmlns:a16="http://schemas.microsoft.com/office/drawing/2014/main" id="{9EE32115-1C86-9C42-AF18-F0CEE0C377A1}"/>
                   </a:ext>
                 </a:extLst>
               </p:cNvPr>
@@ -11689,7 +11686,7 @@
                         <m:sSubPr>
                           <m:ctrlPr>
                             <a:rPr lang="en-US" sz="2400" b="0" i="1" smtClean="0">
-                              <a:latin typeface="Cambria Math" charset="0"/>
+                              <a:latin typeface="Cambria Math" panose="02040503050406030204" pitchFamily="18" charset="0"/>
                             </a:rPr>
                           </m:ctrlPr>
                         </m:sSubPr>
@@ -11768,7 +11765,7 @@
           <p:cNvPr id="13" name="TextBox 12">
             <a:extLst>
               <a:ext uri="{FF2B5EF4-FFF2-40B4-BE49-F238E27FC236}">
-                <a16:creationId xmlns:a16="http://schemas.microsoft.com/office/drawing/2014/main" xmlns="" id="{537E09A8-BC00-224A-BC56-D6A84F5016EA}"/>
+                <a16:creationId xmlns:a16="http://schemas.microsoft.com/office/drawing/2014/main" id="{537E09A8-BC00-224A-BC56-D6A84F5016EA}"/>
               </a:ext>
             </a:extLst>
           </p:cNvPr>
@@ -11882,7 +11879,6 @@
               <a:rPr lang="en-US" dirty="0"/>
               <a:t>Descriptors</a:t>
             </a:r>
-            <a:endParaRPr lang="en-US" dirty="0"/>
           </a:p>
         </p:txBody>
       </p:sp>
@@ -11891,7 +11887,7 @@
           <p:cNvPr id="7" name="Rectangle 6">
             <a:extLst>
               <a:ext uri="{FF2B5EF4-FFF2-40B4-BE49-F238E27FC236}">
-                <a16:creationId xmlns:a16="http://schemas.microsoft.com/office/drawing/2014/main" xmlns="" id="{934568A6-9E16-1747-BBDA-DDABE1317ABF}"/>
+                <a16:creationId xmlns:a16="http://schemas.microsoft.com/office/drawing/2014/main" id="{934568A6-9E16-1747-BBDA-DDABE1317ABF}"/>
               </a:ext>
             </a:extLst>
           </p:cNvPr>
@@ -11937,14 +11933,14 @@
           </a:p>
         </p:txBody>
       </p:sp>
-      <mc:AlternateContent xmlns:mc="http://schemas.openxmlformats.org/markup-compatibility/2006">
-        <mc:Choice xmlns:a14="http://schemas.microsoft.com/office/drawing/2010/main" Requires="a14">
+      <mc:AlternateContent xmlns:mc="http://schemas.openxmlformats.org/markup-compatibility/2006" xmlns:a14="http://schemas.microsoft.com/office/drawing/2010/main">
+        <mc:Choice Requires="a14">
           <p:sp>
             <p:nvSpPr>
               <p:cNvPr id="8" name="Rectangle 7">
                 <a:extLst>
                   <a:ext uri="{FF2B5EF4-FFF2-40B4-BE49-F238E27FC236}">
-                    <a16:creationId xmlns:a16="http://schemas.microsoft.com/office/drawing/2014/main" xmlns="" id="{414104F3-916E-8442-8B11-CE399A765C44}"/>
+                    <a16:creationId xmlns:a16="http://schemas.microsoft.com/office/drawing/2014/main" id="{414104F3-916E-8442-8B11-CE399A765C44}"/>
                   </a:ext>
                 </a:extLst>
               </p:cNvPr>
@@ -11977,7 +11973,7 @@
                         <m:sSubPr>
                           <m:ctrlPr>
                             <a:rPr lang="en-US" sz="2400" i="1" smtClean="0">
-                              <a:latin typeface="Cambria Math" charset="0"/>
+                              <a:latin typeface="Cambria Math" panose="02040503050406030204" pitchFamily="18" charset="0"/>
                             </a:rPr>
                           </m:ctrlPr>
                         </m:sSubPr>
@@ -12014,7 +12010,7 @@
                         <m:dPr>
                           <m:ctrlPr>
                             <a:rPr lang="en-US" sz="2400" i="1">
-                              <a:latin typeface="Cambria Math" charset="0"/>
+                              <a:latin typeface="Cambria Math" panose="02040503050406030204" pitchFamily="18" charset="0"/>
                             </a:rPr>
                           </m:ctrlPr>
                         </m:dPr>
@@ -12039,7 +12035,7 @@
                           <m:supHide m:val="on"/>
                           <m:ctrlPr>
                             <a:rPr lang="en-US" sz="2400" i="1">
-                              <a:latin typeface="Cambria Math" charset="0"/>
+                              <a:latin typeface="Cambria Math" panose="02040503050406030204" pitchFamily="18" charset="0"/>
                             </a:rPr>
                           </m:ctrlPr>
                         </m:naryPr>
@@ -12048,7 +12044,7 @@
                             <m:sSubPr>
                               <m:ctrlPr>
                                 <a:rPr lang="en-US" sz="2400" i="1">
-                                  <a:latin typeface="Cambria Math" charset="0"/>
+                                  <a:latin typeface="Cambria Math" panose="02040503050406030204" pitchFamily="18" charset="0"/>
                                 </a:rPr>
                               </m:ctrlPr>
                             </m:sSubPr>
@@ -12088,7 +12084,7 @@
                             <m:sSubPr>
                               <m:ctrlPr>
                                 <a:rPr lang="en-US" sz="2400" i="1">
-                                  <a:latin typeface="Cambria Math" charset="0"/>
+                                  <a:latin typeface="Cambria Math" panose="02040503050406030204" pitchFamily="18" charset="0"/>
                                 </a:rPr>
                               </m:ctrlPr>
                             </m:sSubPr>
@@ -12119,7 +12115,7 @@
                             <m:fPr>
                               <m:ctrlPr>
                                 <a:rPr lang="mr-IN" sz="2400" i="1">
-                                  <a:latin typeface="Cambria Math" charset="0"/>
+                                  <a:latin typeface="Cambria Math" panose="02040503050406030204" pitchFamily="18" charset="0"/>
                                 </a:rPr>
                               </m:ctrlPr>
                             </m:fPr>
@@ -12128,7 +12124,7 @@
                                 <m:funcPr>
                                   <m:ctrlPr>
                                     <a:rPr lang="en-US" sz="2400" i="1">
-                                      <a:latin typeface="Cambria Math" charset="0"/>
+                                      <a:latin typeface="Cambria Math" panose="02040503050406030204" pitchFamily="18" charset="0"/>
                                     </a:rPr>
                                   </m:ctrlPr>
                                 </m:funcPr>
@@ -12148,7 +12144,7 @@
                                     <m:dPr>
                                       <m:ctrlPr>
                                         <a:rPr lang="mr-IN" sz="2400" i="1">
-                                          <a:latin typeface="Cambria Math" charset="0"/>
+                                          <a:latin typeface="Cambria Math" panose="02040503050406030204" pitchFamily="18" charset="0"/>
                                         </a:rPr>
                                       </m:ctrlPr>
                                     </m:dPr>
@@ -12163,7 +12159,7 @@
                                         <m:fPr>
                                           <m:ctrlPr>
                                             <a:rPr lang="en-US" sz="2400" i="1" smtClean="0">
-                                              <a:latin typeface="Cambria Math" charset="0"/>
+                                              <a:latin typeface="Cambria Math" panose="02040503050406030204" pitchFamily="18" charset="0"/>
                                             </a:rPr>
                                           </m:ctrlPr>
                                         </m:fPr>
@@ -12172,7 +12168,7 @@
                                             <m:sSupPr>
                                               <m:ctrlPr>
                                                 <a:rPr lang="en-US" sz="2400" i="1">
-                                                  <a:latin typeface="Cambria Math" charset="0"/>
+                                                  <a:latin typeface="Cambria Math" panose="02040503050406030204" pitchFamily="18" charset="0"/>
                                                 </a:rPr>
                                               </m:ctrlPr>
                                             </m:sSupPr>
@@ -12183,7 +12179,7 @@
                                                   <m:endChr m:val="‖"/>
                                                   <m:ctrlPr>
                                                     <a:rPr lang="mr-IN" sz="2400" i="1">
-                                                      <a:latin typeface="Cambria Math" charset="0"/>
+                                                      <a:latin typeface="Cambria Math" panose="02040503050406030204" pitchFamily="18" charset="0"/>
                                                     </a:rPr>
                                                   </m:ctrlPr>
                                                 </m:dPr>
@@ -12204,7 +12200,7 @@
                                                     <m:sSubPr>
                                                       <m:ctrlPr>
                                                         <a:rPr lang="en-US" sz="2400" i="1">
-                                                          <a:latin typeface="Cambria Math" charset="0"/>
+                                                          <a:latin typeface="Cambria Math" panose="02040503050406030204" pitchFamily="18" charset="0"/>
                                                         </a:rPr>
                                                       </m:ctrlPr>
                                                     </m:sSubPr>
@@ -12249,7 +12245,7 @@
                                             <m:sSupPr>
                                               <m:ctrlPr>
                                                 <a:rPr lang="en-US" sz="2400" i="1">
-                                                  <a:latin typeface="Cambria Math" charset="0"/>
+                                                  <a:latin typeface="Cambria Math" panose="02040503050406030204" pitchFamily="18" charset="0"/>
                                                 </a:rPr>
                                               </m:ctrlPr>
                                             </m:sSupPr>
@@ -12282,7 +12278,7 @@
                                 <m:sSubSupPr>
                                   <m:ctrlPr>
                                     <a:rPr lang="en-US" sz="2400" i="1">
-                                      <a:latin typeface="Cambria Math" charset="0"/>
+                                      <a:latin typeface="Cambria Math" panose="02040503050406030204" pitchFamily="18" charset="0"/>
                                     </a:rPr>
                                   </m:ctrlPr>
                                 </m:sSubSupPr>
@@ -12323,7 +12319,7 @@
             </p:txBody>
           </p:sp>
         </mc:Choice>
-        <mc:Fallback>
+        <mc:Fallback xmlns="">
           <p:sp>
             <p:nvSpPr>
               <p:cNvPr id="8" name="Rectangle 7">
@@ -12373,7 +12369,7 @@
           <p:cNvPr id="9" name="Picture 8">
             <a:extLst>
               <a:ext uri="{FF2B5EF4-FFF2-40B4-BE49-F238E27FC236}">
-                <a16:creationId xmlns:a16="http://schemas.microsoft.com/office/drawing/2014/main" xmlns="" id="{BF15BAE1-504B-B046-921C-435331A07A32}"/>
+                <a16:creationId xmlns:a16="http://schemas.microsoft.com/office/drawing/2014/main" id="{BF15BAE1-504B-B046-921C-435331A07A32}"/>
               </a:ext>
             </a:extLst>
           </p:cNvPr>
@@ -12409,7 +12405,7 @@
           <p:cNvPr id="10" name="Right Arrow 9">
             <a:extLst>
               <a:ext uri="{FF2B5EF4-FFF2-40B4-BE49-F238E27FC236}">
-                <a16:creationId xmlns:a16="http://schemas.microsoft.com/office/drawing/2014/main" xmlns="" id="{94C9DDF9-4503-204A-9DCF-BF98426053C9}"/>
+                <a16:creationId xmlns:a16="http://schemas.microsoft.com/office/drawing/2014/main" id="{94C9DDF9-4503-204A-9DCF-BF98426053C9}"/>
               </a:ext>
             </a:extLst>
           </p:cNvPr>
@@ -12455,7 +12451,7 @@
           <p:cNvPr id="17" name="Picture 16">
             <a:extLst>
               <a:ext uri="{FF2B5EF4-FFF2-40B4-BE49-F238E27FC236}">
-                <a16:creationId xmlns:a16="http://schemas.microsoft.com/office/drawing/2014/main" xmlns="" id="{8E28E06C-9213-0149-B35F-F9E2CDA8F14E}"/>
+                <a16:creationId xmlns:a16="http://schemas.microsoft.com/office/drawing/2014/main" id="{8E28E06C-9213-0149-B35F-F9E2CDA8F14E}"/>
               </a:ext>
             </a:extLst>
           </p:cNvPr>
@@ -12487,7 +12483,7 @@
               <p:cNvPr id="11" name="TextBox 10">
                 <a:extLst>
                   <a:ext uri="{FF2B5EF4-FFF2-40B4-BE49-F238E27FC236}">
-                    <a16:creationId xmlns:a16="http://schemas.microsoft.com/office/drawing/2014/main" xmlns="" id="{F0021FB3-A36F-0E4D-9779-0FB3FFC9D816}"/>
+                    <a16:creationId xmlns:a16="http://schemas.microsoft.com/office/drawing/2014/main" id="{F0021FB3-A36F-0E4D-9779-0FB3FFC9D816}"/>
                   </a:ext>
                 </a:extLst>
               </p:cNvPr>
@@ -12521,7 +12517,7 @@
                         <m:sSubPr>
                           <m:ctrlPr>
                             <a:rPr lang="en-US" sz="2400" b="0" i="1" smtClean="0">
-                              <a:latin typeface="Cambria Math" charset="0"/>
+                              <a:latin typeface="Cambria Math" panose="02040503050406030204" pitchFamily="18" charset="0"/>
                             </a:rPr>
                           </m:ctrlPr>
                         </m:sSubPr>
@@ -12602,7 +12598,7 @@
               <p:cNvPr id="12" name="TextBox 11">
                 <a:extLst>
                   <a:ext uri="{FF2B5EF4-FFF2-40B4-BE49-F238E27FC236}">
-                    <a16:creationId xmlns:a16="http://schemas.microsoft.com/office/drawing/2014/main" xmlns="" id="{7CBFFABE-606D-6647-9C96-05940C597CB5}"/>
+                    <a16:creationId xmlns:a16="http://schemas.microsoft.com/office/drawing/2014/main" id="{7CBFFABE-606D-6647-9C96-05940C597CB5}"/>
                   </a:ext>
                 </a:extLst>
               </p:cNvPr>
@@ -12636,7 +12632,7 @@
                         <m:sSubPr>
                           <m:ctrlPr>
                             <a:rPr lang="en-US" sz="2400" b="0" i="1" smtClean="0">
-                              <a:latin typeface="Cambria Math" charset="0"/>
+                              <a:latin typeface="Cambria Math" panose="02040503050406030204" pitchFamily="18" charset="0"/>
                             </a:rPr>
                           </m:ctrlPr>
                         </m:sSubPr>
@@ -12717,7 +12713,7 @@
               <p:cNvPr id="13" name="TextBox 12">
                 <a:extLst>
                   <a:ext uri="{FF2B5EF4-FFF2-40B4-BE49-F238E27FC236}">
-                    <a16:creationId xmlns:a16="http://schemas.microsoft.com/office/drawing/2014/main" xmlns="" id="{BBF75692-95E3-524A-A032-D39A6C8B4A8D}"/>
+                    <a16:creationId xmlns:a16="http://schemas.microsoft.com/office/drawing/2014/main" id="{BBF75692-95E3-524A-A032-D39A6C8B4A8D}"/>
                   </a:ext>
                 </a:extLst>
               </p:cNvPr>
@@ -12751,7 +12747,7 @@
                         <m:sSubPr>
                           <m:ctrlPr>
                             <a:rPr lang="en-US" sz="2400" b="0" i="1" smtClean="0">
-                              <a:latin typeface="Cambria Math" charset="0"/>
+                              <a:latin typeface="Cambria Math" panose="02040503050406030204" pitchFamily="18" charset="0"/>
                             </a:rPr>
                           </m:ctrlPr>
                         </m:sSubPr>
@@ -12830,7 +12826,7 @@
           <p:cNvPr id="14" name="TextBox 13">
             <a:extLst>
               <a:ext uri="{FF2B5EF4-FFF2-40B4-BE49-F238E27FC236}">
-                <a16:creationId xmlns:a16="http://schemas.microsoft.com/office/drawing/2014/main" xmlns="" id="{954AC17A-CB84-C848-B0EF-06DF4CB9B8B3}"/>
+                <a16:creationId xmlns:a16="http://schemas.microsoft.com/office/drawing/2014/main" id="{954AC17A-CB84-C848-B0EF-06DF4CB9B8B3}"/>
               </a:ext>
             </a:extLst>
           </p:cNvPr>
@@ -13535,7 +13531,7 @@
                         <m:sSubPr>
                           <m:ctrlPr>
                             <a:rPr lang="en-US" b="0" i="1" smtClean="0">
-                              <a:latin typeface="Cambria Math" charset="0"/>
+                              <a:latin typeface="Cambria Math" panose="02040503050406030204" pitchFamily="18" charset="0"/>
                             </a:rPr>
                           </m:ctrlPr>
                         </m:sSubPr>
@@ -13644,7 +13640,7 @@
           <p:cNvPr id="33" name="Picture 32">
             <a:extLst>
               <a:ext uri="{FF2B5EF4-FFF2-40B4-BE49-F238E27FC236}">
-                <a16:creationId xmlns:a16="http://schemas.microsoft.com/office/drawing/2014/main" xmlns="" id="{2F9C8BD8-FBF9-8B4D-94C9-2F3BD3AA14AF}"/>
+                <a16:creationId xmlns:a16="http://schemas.microsoft.com/office/drawing/2014/main" id="{2F9C8BD8-FBF9-8B4D-94C9-2F3BD3AA14AF}"/>
               </a:ext>
             </a:extLst>
           </p:cNvPr>
@@ -13724,7 +13720,6 @@
               <a:rPr lang="en-US" dirty="0"/>
               <a:t>Descriptors</a:t>
             </a:r>
-            <a:endParaRPr lang="en-US" dirty="0"/>
           </a:p>
         </p:txBody>
       </p:sp>
@@ -13733,7 +13728,7 @@
           <p:cNvPr id="7" name="Rectangle 6">
             <a:extLst>
               <a:ext uri="{FF2B5EF4-FFF2-40B4-BE49-F238E27FC236}">
-                <a16:creationId xmlns:a16="http://schemas.microsoft.com/office/drawing/2014/main" xmlns="" id="{934568A6-9E16-1747-BBDA-DDABE1317ABF}"/>
+                <a16:creationId xmlns:a16="http://schemas.microsoft.com/office/drawing/2014/main" id="{934568A6-9E16-1747-BBDA-DDABE1317ABF}"/>
               </a:ext>
             </a:extLst>
           </p:cNvPr>
@@ -13779,14 +13774,14 @@
           </a:p>
         </p:txBody>
       </p:sp>
-      <mc:AlternateContent xmlns:mc="http://schemas.openxmlformats.org/markup-compatibility/2006">
-        <mc:Choice xmlns:a14="http://schemas.microsoft.com/office/drawing/2010/main" Requires="a14">
+      <mc:AlternateContent xmlns:mc="http://schemas.openxmlformats.org/markup-compatibility/2006" xmlns:a14="http://schemas.microsoft.com/office/drawing/2010/main">
+        <mc:Choice Requires="a14">
           <p:sp>
             <p:nvSpPr>
               <p:cNvPr id="8" name="Rectangle 7">
                 <a:extLst>
                   <a:ext uri="{FF2B5EF4-FFF2-40B4-BE49-F238E27FC236}">
-                    <a16:creationId xmlns:a16="http://schemas.microsoft.com/office/drawing/2014/main" xmlns="" id="{414104F3-916E-8442-8B11-CE399A765C44}"/>
+                    <a16:creationId xmlns:a16="http://schemas.microsoft.com/office/drawing/2014/main" id="{414104F3-916E-8442-8B11-CE399A765C44}"/>
                   </a:ext>
                 </a:extLst>
               </p:cNvPr>
@@ -13819,7 +13814,7 @@
                         <m:sSubPr>
                           <m:ctrlPr>
                             <a:rPr lang="en-US" sz="2400" i="1" smtClean="0">
-                              <a:latin typeface="Cambria Math" charset="0"/>
+                              <a:latin typeface="Cambria Math" panose="02040503050406030204" pitchFamily="18" charset="0"/>
                             </a:rPr>
                           </m:ctrlPr>
                         </m:sSubPr>
@@ -13856,7 +13851,7 @@
                         <m:dPr>
                           <m:ctrlPr>
                             <a:rPr lang="en-US" sz="2400" i="1">
-                              <a:latin typeface="Cambria Math" charset="0"/>
+                              <a:latin typeface="Cambria Math" panose="02040503050406030204" pitchFamily="18" charset="0"/>
                             </a:rPr>
                           </m:ctrlPr>
                         </m:dPr>
@@ -13881,7 +13876,7 @@
                           <m:supHide m:val="on"/>
                           <m:ctrlPr>
                             <a:rPr lang="en-US" sz="2400" i="1">
-                              <a:latin typeface="Cambria Math" charset="0"/>
+                              <a:latin typeface="Cambria Math" panose="02040503050406030204" pitchFamily="18" charset="0"/>
                             </a:rPr>
                           </m:ctrlPr>
                         </m:naryPr>
@@ -13890,7 +13885,7 @@
                             <m:sSubPr>
                               <m:ctrlPr>
                                 <a:rPr lang="en-US" sz="2400" i="1">
-                                  <a:latin typeface="Cambria Math" charset="0"/>
+                                  <a:latin typeface="Cambria Math" panose="02040503050406030204" pitchFamily="18" charset="0"/>
                                 </a:rPr>
                               </m:ctrlPr>
                             </m:sSubPr>
@@ -13930,7 +13925,7 @@
                             <m:sSubPr>
                               <m:ctrlPr>
                                 <a:rPr lang="en-US" sz="2400" i="1">
-                                  <a:latin typeface="Cambria Math" charset="0"/>
+                                  <a:latin typeface="Cambria Math" panose="02040503050406030204" pitchFamily="18" charset="0"/>
                                 </a:rPr>
                               </m:ctrlPr>
                             </m:sSubPr>
@@ -13961,7 +13956,7 @@
                             <m:fPr>
                               <m:ctrlPr>
                                 <a:rPr lang="mr-IN" sz="2400" i="1">
-                                  <a:latin typeface="Cambria Math" charset="0"/>
+                                  <a:latin typeface="Cambria Math" panose="02040503050406030204" pitchFamily="18" charset="0"/>
                                 </a:rPr>
                               </m:ctrlPr>
                             </m:fPr>
@@ -13970,7 +13965,7 @@
                                 <m:funcPr>
                                   <m:ctrlPr>
                                     <a:rPr lang="en-US" sz="2400" i="1">
-                                      <a:latin typeface="Cambria Math" charset="0"/>
+                                      <a:latin typeface="Cambria Math" panose="02040503050406030204" pitchFamily="18" charset="0"/>
                                     </a:rPr>
                                   </m:ctrlPr>
                                 </m:funcPr>
@@ -13990,7 +13985,7 @@
                                     <m:dPr>
                                       <m:ctrlPr>
                                         <a:rPr lang="mr-IN" sz="2400" i="1">
-                                          <a:latin typeface="Cambria Math" charset="0"/>
+                                          <a:latin typeface="Cambria Math" panose="02040503050406030204" pitchFamily="18" charset="0"/>
                                         </a:rPr>
                                       </m:ctrlPr>
                                     </m:dPr>
@@ -14005,7 +14000,7 @@
                                         <m:fPr>
                                           <m:ctrlPr>
                                             <a:rPr lang="en-US" sz="2400" i="1" smtClean="0">
-                                              <a:latin typeface="Cambria Math" charset="0"/>
+                                              <a:latin typeface="Cambria Math" panose="02040503050406030204" pitchFamily="18" charset="0"/>
                                             </a:rPr>
                                           </m:ctrlPr>
                                         </m:fPr>
@@ -14014,7 +14009,7 @@
                                             <m:sSupPr>
                                               <m:ctrlPr>
                                                 <a:rPr lang="en-US" sz="2400" i="1">
-                                                  <a:latin typeface="Cambria Math" charset="0"/>
+                                                  <a:latin typeface="Cambria Math" panose="02040503050406030204" pitchFamily="18" charset="0"/>
                                                 </a:rPr>
                                               </m:ctrlPr>
                                             </m:sSupPr>
@@ -14025,7 +14020,7 @@
                                                   <m:endChr m:val="‖"/>
                                                   <m:ctrlPr>
                                                     <a:rPr lang="mr-IN" sz="2400" i="1">
-                                                      <a:latin typeface="Cambria Math" charset="0"/>
+                                                      <a:latin typeface="Cambria Math" panose="02040503050406030204" pitchFamily="18" charset="0"/>
                                                     </a:rPr>
                                                   </m:ctrlPr>
                                                 </m:dPr>
@@ -14046,7 +14041,7 @@
                                                     <m:sSubPr>
                                                       <m:ctrlPr>
                                                         <a:rPr lang="en-US" sz="2400" i="1">
-                                                          <a:latin typeface="Cambria Math" charset="0"/>
+                                                          <a:latin typeface="Cambria Math" panose="02040503050406030204" pitchFamily="18" charset="0"/>
                                                         </a:rPr>
                                                       </m:ctrlPr>
                                                     </m:sSubPr>
@@ -14091,7 +14086,7 @@
                                             <m:sSupPr>
                                               <m:ctrlPr>
                                                 <a:rPr lang="en-US" sz="2400" i="1">
-                                                  <a:latin typeface="Cambria Math" charset="0"/>
+                                                  <a:latin typeface="Cambria Math" panose="02040503050406030204" pitchFamily="18" charset="0"/>
                                                 </a:rPr>
                                               </m:ctrlPr>
                                             </m:sSupPr>
@@ -14124,7 +14119,7 @@
                                 <m:sSubSupPr>
                                   <m:ctrlPr>
                                     <a:rPr lang="en-US" sz="2400" i="1">
-                                      <a:latin typeface="Cambria Math" charset="0"/>
+                                      <a:latin typeface="Cambria Math" panose="02040503050406030204" pitchFamily="18" charset="0"/>
                                     </a:rPr>
                                   </m:ctrlPr>
                                 </m:sSubSupPr>
@@ -14165,7 +14160,7 @@
             </p:txBody>
           </p:sp>
         </mc:Choice>
-        <mc:Fallback>
+        <mc:Fallback xmlns="">
           <p:sp>
             <p:nvSpPr>
               <p:cNvPr id="8" name="Rectangle 7">
@@ -14215,7 +14210,7 @@
           <p:cNvPr id="9" name="Picture 8">
             <a:extLst>
               <a:ext uri="{FF2B5EF4-FFF2-40B4-BE49-F238E27FC236}">
-                <a16:creationId xmlns:a16="http://schemas.microsoft.com/office/drawing/2014/main" xmlns="" id="{BF15BAE1-504B-B046-921C-435331A07A32}"/>
+                <a16:creationId xmlns:a16="http://schemas.microsoft.com/office/drawing/2014/main" id="{BF15BAE1-504B-B046-921C-435331A07A32}"/>
               </a:ext>
             </a:extLst>
           </p:cNvPr>
@@ -14251,7 +14246,7 @@
           <p:cNvPr id="10" name="Right Arrow 9">
             <a:extLst>
               <a:ext uri="{FF2B5EF4-FFF2-40B4-BE49-F238E27FC236}">
-                <a16:creationId xmlns:a16="http://schemas.microsoft.com/office/drawing/2014/main" xmlns="" id="{94C9DDF9-4503-204A-9DCF-BF98426053C9}"/>
+                <a16:creationId xmlns:a16="http://schemas.microsoft.com/office/drawing/2014/main" id="{94C9DDF9-4503-204A-9DCF-BF98426053C9}"/>
               </a:ext>
             </a:extLst>
           </p:cNvPr>
@@ -14297,7 +14292,7 @@
           <p:cNvPr id="17" name="Picture 16">
             <a:extLst>
               <a:ext uri="{FF2B5EF4-FFF2-40B4-BE49-F238E27FC236}">
-                <a16:creationId xmlns:a16="http://schemas.microsoft.com/office/drawing/2014/main" xmlns="" id="{8E28E06C-9213-0149-B35F-F9E2CDA8F14E}"/>
+                <a16:creationId xmlns:a16="http://schemas.microsoft.com/office/drawing/2014/main" id="{8E28E06C-9213-0149-B35F-F9E2CDA8F14E}"/>
               </a:ext>
             </a:extLst>
           </p:cNvPr>
@@ -14327,7 +14322,7 @@
           <p:cNvPr id="11" name="TextBox 10">
             <a:extLst>
               <a:ext uri="{FF2B5EF4-FFF2-40B4-BE49-F238E27FC236}">
-                <a16:creationId xmlns:a16="http://schemas.microsoft.com/office/drawing/2014/main" xmlns="" id="{CD90184F-5D4E-EA4F-84BF-EE0615F396C2}"/>
+                <a16:creationId xmlns:a16="http://schemas.microsoft.com/office/drawing/2014/main" id="{CD90184F-5D4E-EA4F-84BF-EE0615F396C2}"/>
               </a:ext>
             </a:extLst>
           </p:cNvPr>
@@ -14441,7 +14436,6 @@
               <a:rPr lang="en-US" dirty="0"/>
               <a:t>Descriptors</a:t>
             </a:r>
-            <a:endParaRPr lang="en-US" dirty="0"/>
           </a:p>
         </p:txBody>
       </p:sp>
@@ -14450,7 +14444,7 @@
           <p:cNvPr id="7" name="Rectangle 6">
             <a:extLst>
               <a:ext uri="{FF2B5EF4-FFF2-40B4-BE49-F238E27FC236}">
-                <a16:creationId xmlns:a16="http://schemas.microsoft.com/office/drawing/2014/main" xmlns="" id="{934568A6-9E16-1747-BBDA-DDABE1317ABF}"/>
+                <a16:creationId xmlns:a16="http://schemas.microsoft.com/office/drawing/2014/main" id="{934568A6-9E16-1747-BBDA-DDABE1317ABF}"/>
               </a:ext>
             </a:extLst>
           </p:cNvPr>
@@ -14496,14 +14490,14 @@
           </a:p>
         </p:txBody>
       </p:sp>
-      <mc:AlternateContent xmlns:mc="http://schemas.openxmlformats.org/markup-compatibility/2006">
-        <mc:Choice xmlns:a14="http://schemas.microsoft.com/office/drawing/2010/main" Requires="a14">
+      <mc:AlternateContent xmlns:mc="http://schemas.openxmlformats.org/markup-compatibility/2006" xmlns:a14="http://schemas.microsoft.com/office/drawing/2010/main">
+        <mc:Choice Requires="a14">
           <p:sp>
             <p:nvSpPr>
               <p:cNvPr id="8" name="Rectangle 7">
                 <a:extLst>
                   <a:ext uri="{FF2B5EF4-FFF2-40B4-BE49-F238E27FC236}">
-                    <a16:creationId xmlns:a16="http://schemas.microsoft.com/office/drawing/2014/main" xmlns="" id="{414104F3-916E-8442-8B11-CE399A765C44}"/>
+                    <a16:creationId xmlns:a16="http://schemas.microsoft.com/office/drawing/2014/main" id="{414104F3-916E-8442-8B11-CE399A765C44}"/>
                   </a:ext>
                 </a:extLst>
               </p:cNvPr>
@@ -14536,7 +14530,7 @@
                         <m:sSubPr>
                           <m:ctrlPr>
                             <a:rPr lang="en-US" sz="2400" i="1" smtClean="0">
-                              <a:latin typeface="Cambria Math" charset="0"/>
+                              <a:latin typeface="Cambria Math" panose="02040503050406030204" pitchFamily="18" charset="0"/>
                             </a:rPr>
                           </m:ctrlPr>
                         </m:sSubPr>
@@ -14573,7 +14567,7 @@
                         <m:dPr>
                           <m:ctrlPr>
                             <a:rPr lang="en-US" sz="2400" i="1">
-                              <a:latin typeface="Cambria Math" charset="0"/>
+                              <a:latin typeface="Cambria Math" panose="02040503050406030204" pitchFamily="18" charset="0"/>
                             </a:rPr>
                           </m:ctrlPr>
                         </m:dPr>
@@ -14598,7 +14592,7 @@
                           <m:supHide m:val="on"/>
                           <m:ctrlPr>
                             <a:rPr lang="en-US" sz="2400" i="1">
-                              <a:latin typeface="Cambria Math" charset="0"/>
+                              <a:latin typeface="Cambria Math" panose="02040503050406030204" pitchFamily="18" charset="0"/>
                             </a:rPr>
                           </m:ctrlPr>
                         </m:naryPr>
@@ -14607,7 +14601,7 @@
                             <m:sSubPr>
                               <m:ctrlPr>
                                 <a:rPr lang="en-US" sz="2400" i="1">
-                                  <a:latin typeface="Cambria Math" charset="0"/>
+                                  <a:latin typeface="Cambria Math" panose="02040503050406030204" pitchFamily="18" charset="0"/>
                                 </a:rPr>
                               </m:ctrlPr>
                             </m:sSubPr>
@@ -14647,7 +14641,7 @@
                             <m:sSubPr>
                               <m:ctrlPr>
                                 <a:rPr lang="en-US" sz="2400" i="1">
-                                  <a:latin typeface="Cambria Math" charset="0"/>
+                                  <a:latin typeface="Cambria Math" panose="02040503050406030204" pitchFamily="18" charset="0"/>
                                 </a:rPr>
                               </m:ctrlPr>
                             </m:sSubPr>
@@ -14678,7 +14672,7 @@
                             <m:fPr>
                               <m:ctrlPr>
                                 <a:rPr lang="mr-IN" sz="2400" i="1">
-                                  <a:latin typeface="Cambria Math" charset="0"/>
+                                  <a:latin typeface="Cambria Math" panose="02040503050406030204" pitchFamily="18" charset="0"/>
                                 </a:rPr>
                               </m:ctrlPr>
                             </m:fPr>
@@ -14687,7 +14681,7 @@
                                 <m:funcPr>
                                   <m:ctrlPr>
                                     <a:rPr lang="en-US" sz="2400" i="1">
-                                      <a:latin typeface="Cambria Math" charset="0"/>
+                                      <a:latin typeface="Cambria Math" panose="02040503050406030204" pitchFamily="18" charset="0"/>
                                     </a:rPr>
                                   </m:ctrlPr>
                                 </m:funcPr>
@@ -14707,7 +14701,7 @@
                                     <m:dPr>
                                       <m:ctrlPr>
                                         <a:rPr lang="mr-IN" sz="2400" i="1">
-                                          <a:latin typeface="Cambria Math" charset="0"/>
+                                          <a:latin typeface="Cambria Math" panose="02040503050406030204" pitchFamily="18" charset="0"/>
                                         </a:rPr>
                                       </m:ctrlPr>
                                     </m:dPr>
@@ -14722,7 +14716,7 @@
                                         <m:fPr>
                                           <m:ctrlPr>
                                             <a:rPr lang="en-US" sz="2400" i="1" smtClean="0">
-                                              <a:latin typeface="Cambria Math" charset="0"/>
+                                              <a:latin typeface="Cambria Math" panose="02040503050406030204" pitchFamily="18" charset="0"/>
                                             </a:rPr>
                                           </m:ctrlPr>
                                         </m:fPr>
@@ -14731,7 +14725,7 @@
                                             <m:sSupPr>
                                               <m:ctrlPr>
                                                 <a:rPr lang="en-US" sz="2400" i="1">
-                                                  <a:latin typeface="Cambria Math" charset="0"/>
+                                                  <a:latin typeface="Cambria Math" panose="02040503050406030204" pitchFamily="18" charset="0"/>
                                                 </a:rPr>
                                               </m:ctrlPr>
                                             </m:sSupPr>
@@ -14742,7 +14736,7 @@
                                                   <m:endChr m:val="‖"/>
                                                   <m:ctrlPr>
                                                     <a:rPr lang="mr-IN" sz="2400" i="1">
-                                                      <a:latin typeface="Cambria Math" charset="0"/>
+                                                      <a:latin typeface="Cambria Math" panose="02040503050406030204" pitchFamily="18" charset="0"/>
                                                     </a:rPr>
                                                   </m:ctrlPr>
                                                 </m:dPr>
@@ -14763,7 +14757,7 @@
                                                     <m:sSubPr>
                                                       <m:ctrlPr>
                                                         <a:rPr lang="en-US" sz="2400" i="1">
-                                                          <a:latin typeface="Cambria Math" charset="0"/>
+                                                          <a:latin typeface="Cambria Math" panose="02040503050406030204" pitchFamily="18" charset="0"/>
                                                         </a:rPr>
                                                       </m:ctrlPr>
                                                     </m:sSubPr>
@@ -14808,7 +14802,7 @@
                                             <m:sSupPr>
                                               <m:ctrlPr>
                                                 <a:rPr lang="en-US" sz="2400" i="1">
-                                                  <a:latin typeface="Cambria Math" charset="0"/>
+                                                  <a:latin typeface="Cambria Math" panose="02040503050406030204" pitchFamily="18" charset="0"/>
                                                 </a:rPr>
                                               </m:ctrlPr>
                                             </m:sSupPr>
@@ -14841,7 +14835,7 @@
                                 <m:sSubSupPr>
                                   <m:ctrlPr>
                                     <a:rPr lang="en-US" sz="2400" i="1">
-                                      <a:latin typeface="Cambria Math" charset="0"/>
+                                      <a:latin typeface="Cambria Math" panose="02040503050406030204" pitchFamily="18" charset="0"/>
                                     </a:rPr>
                                   </m:ctrlPr>
                                 </m:sSubSupPr>
@@ -14882,7 +14876,7 @@
             </p:txBody>
           </p:sp>
         </mc:Choice>
-        <mc:Fallback>
+        <mc:Fallback xmlns="">
           <p:sp>
             <p:nvSpPr>
               <p:cNvPr id="8" name="Rectangle 7">
@@ -14932,7 +14926,7 @@
           <p:cNvPr id="9" name="Picture 8">
             <a:extLst>
               <a:ext uri="{FF2B5EF4-FFF2-40B4-BE49-F238E27FC236}">
-                <a16:creationId xmlns:a16="http://schemas.microsoft.com/office/drawing/2014/main" xmlns="" id="{BF15BAE1-504B-B046-921C-435331A07A32}"/>
+                <a16:creationId xmlns:a16="http://schemas.microsoft.com/office/drawing/2014/main" id="{BF15BAE1-504B-B046-921C-435331A07A32}"/>
               </a:ext>
             </a:extLst>
           </p:cNvPr>
@@ -14968,7 +14962,7 @@
           <p:cNvPr id="10" name="Right Arrow 9">
             <a:extLst>
               <a:ext uri="{FF2B5EF4-FFF2-40B4-BE49-F238E27FC236}">
-                <a16:creationId xmlns:a16="http://schemas.microsoft.com/office/drawing/2014/main" xmlns="" id="{94C9DDF9-4503-204A-9DCF-BF98426053C9}"/>
+                <a16:creationId xmlns:a16="http://schemas.microsoft.com/office/drawing/2014/main" id="{94C9DDF9-4503-204A-9DCF-BF98426053C9}"/>
               </a:ext>
             </a:extLst>
           </p:cNvPr>
@@ -15014,7 +15008,7 @@
           <p:cNvPr id="17" name="Picture 16">
             <a:extLst>
               <a:ext uri="{FF2B5EF4-FFF2-40B4-BE49-F238E27FC236}">
-                <a16:creationId xmlns:a16="http://schemas.microsoft.com/office/drawing/2014/main" xmlns="" id="{8E28E06C-9213-0149-B35F-F9E2CDA8F14E}"/>
+                <a16:creationId xmlns:a16="http://schemas.microsoft.com/office/drawing/2014/main" id="{8E28E06C-9213-0149-B35F-F9E2CDA8F14E}"/>
               </a:ext>
             </a:extLst>
           </p:cNvPr>
@@ -15044,7 +15038,7 @@
           <p:cNvPr id="3" name="TextBox 2">
             <a:extLst>
               <a:ext uri="{FF2B5EF4-FFF2-40B4-BE49-F238E27FC236}">
-                <a16:creationId xmlns:a16="http://schemas.microsoft.com/office/drawing/2014/main" xmlns="" id="{83D6B78B-2F24-B44E-90E2-B6325D7C5DDC}"/>
+                <a16:creationId xmlns:a16="http://schemas.microsoft.com/office/drawing/2014/main" id="{83D6B78B-2F24-B44E-90E2-B6325D7C5DDC}"/>
               </a:ext>
             </a:extLst>
           </p:cNvPr>
@@ -15079,7 +15073,7 @@
           <p:cNvPr id="11" name="TextBox 10">
             <a:extLst>
               <a:ext uri="{FF2B5EF4-FFF2-40B4-BE49-F238E27FC236}">
-                <a16:creationId xmlns:a16="http://schemas.microsoft.com/office/drawing/2014/main" xmlns="" id="{6CB1F0AA-2860-4A45-9C7A-8C220DE88C4C}"/>
+                <a16:creationId xmlns:a16="http://schemas.microsoft.com/office/drawing/2014/main" id="{6CB1F0AA-2860-4A45-9C7A-8C220DE88C4C}"/>
               </a:ext>
             </a:extLst>
           </p:cNvPr>
@@ -15119,7 +15113,7 @@
           <p:cNvPr id="4" name="TextBox 3">
             <a:extLst>
               <a:ext uri="{FF2B5EF4-FFF2-40B4-BE49-F238E27FC236}">
-                <a16:creationId xmlns:a16="http://schemas.microsoft.com/office/drawing/2014/main" xmlns="" id="{C822D018-C3B5-3741-9DD7-81726C4FEE4A}"/>
+                <a16:creationId xmlns:a16="http://schemas.microsoft.com/office/drawing/2014/main" id="{C822D018-C3B5-3741-9DD7-81726C4FEE4A}"/>
               </a:ext>
             </a:extLst>
           </p:cNvPr>
@@ -15278,7 +15272,7 @@
           <p:cNvPr id="2" name="Title 1">
             <a:extLst>
               <a:ext uri="{FF2B5EF4-FFF2-40B4-BE49-F238E27FC236}">
-                <a16:creationId xmlns:a16="http://schemas.microsoft.com/office/drawing/2014/main" xmlns="" id="{90371848-C3C2-2946-8721-32944148379F}"/>
+                <a16:creationId xmlns:a16="http://schemas.microsoft.com/office/drawing/2014/main" id="{90371848-C3C2-2946-8721-32944148379F}"/>
               </a:ext>
             </a:extLst>
           </p:cNvPr>
@@ -15310,7 +15304,7 @@
           <p:cNvPr id="5" name="Picture 4">
             <a:extLst>
               <a:ext uri="{FF2B5EF4-FFF2-40B4-BE49-F238E27FC236}">
-                <a16:creationId xmlns:a16="http://schemas.microsoft.com/office/drawing/2014/main" xmlns="" id="{96C8DA8D-9BEF-744E-AFF8-50655E69712A}"/>
+                <a16:creationId xmlns:a16="http://schemas.microsoft.com/office/drawing/2014/main" id="{96C8DA8D-9BEF-744E-AFF8-50655E69712A}"/>
               </a:ext>
             </a:extLst>
           </p:cNvPr>
@@ -15342,7 +15336,7 @@
               <p:cNvPr id="6" name="TextBox 5">
                 <a:extLst>
                   <a:ext uri="{FF2B5EF4-FFF2-40B4-BE49-F238E27FC236}">
-                    <a16:creationId xmlns:a16="http://schemas.microsoft.com/office/drawing/2014/main" xmlns="" id="{B64305C1-D8DA-9449-80AD-775E6D513BE6}"/>
+                    <a16:creationId xmlns:a16="http://schemas.microsoft.com/office/drawing/2014/main" id="{B64305C1-D8DA-9449-80AD-775E6D513BE6}"/>
                   </a:ext>
                 </a:extLst>
               </p:cNvPr>
@@ -15381,7 +15375,7 @@
                         <m:endChr m:val="}"/>
                         <m:ctrlPr>
                           <a:rPr lang="en-US" sz="2400" b="0" i="1" smtClean="0">
-                            <a:latin typeface="Cambria Math" charset="0"/>
+                            <a:latin typeface="Cambria Math" panose="02040503050406030204" pitchFamily="18" charset="0"/>
                           </a:rPr>
                         </m:ctrlPr>
                       </m:dPr>
@@ -15390,7 +15384,7 @@
                           <m:sSubPr>
                             <m:ctrlPr>
                               <a:rPr lang="en-US" sz="2400" b="0" i="1" smtClean="0">
-                                <a:latin typeface="Cambria Math" charset="0"/>
+                                <a:latin typeface="Cambria Math" panose="02040503050406030204" pitchFamily="18" charset="0"/>
                               </a:rPr>
                             </m:ctrlPr>
                           </m:sSubPr>
@@ -15421,7 +15415,7 @@
                           <m:sSubPr>
                             <m:ctrlPr>
                               <a:rPr lang="en-US" sz="2400" b="0" i="1" smtClean="0">
-                                <a:latin typeface="Cambria Math" charset="0"/>
+                                <a:latin typeface="Cambria Math" panose="02040503050406030204" pitchFamily="18" charset="0"/>
                               </a:rPr>
                             </m:ctrlPr>
                           </m:sSubPr>
@@ -15597,7 +15591,7 @@
           <p:cNvPr id="2" name="Title 1">
             <a:extLst>
               <a:ext uri="{FF2B5EF4-FFF2-40B4-BE49-F238E27FC236}">
-                <a16:creationId xmlns:a16="http://schemas.microsoft.com/office/drawing/2014/main" xmlns="" id="{90371848-C3C2-2946-8721-32944148379F}"/>
+                <a16:creationId xmlns:a16="http://schemas.microsoft.com/office/drawing/2014/main" id="{90371848-C3C2-2946-8721-32944148379F}"/>
               </a:ext>
             </a:extLst>
           </p:cNvPr>
@@ -15629,7 +15623,7 @@
           <p:cNvPr id="5" name="Picture 4">
             <a:extLst>
               <a:ext uri="{FF2B5EF4-FFF2-40B4-BE49-F238E27FC236}">
-                <a16:creationId xmlns:a16="http://schemas.microsoft.com/office/drawing/2014/main" xmlns="" id="{96C8DA8D-9BEF-744E-AFF8-50655E69712A}"/>
+                <a16:creationId xmlns:a16="http://schemas.microsoft.com/office/drawing/2014/main" id="{96C8DA8D-9BEF-744E-AFF8-50655E69712A}"/>
               </a:ext>
             </a:extLst>
           </p:cNvPr>
@@ -15661,7 +15655,7 @@
               <p:cNvPr id="6" name="TextBox 5">
                 <a:extLst>
                   <a:ext uri="{FF2B5EF4-FFF2-40B4-BE49-F238E27FC236}">
-                    <a16:creationId xmlns:a16="http://schemas.microsoft.com/office/drawing/2014/main" xmlns="" id="{B64305C1-D8DA-9449-80AD-775E6D513BE6}"/>
+                    <a16:creationId xmlns:a16="http://schemas.microsoft.com/office/drawing/2014/main" id="{B64305C1-D8DA-9449-80AD-775E6D513BE6}"/>
                   </a:ext>
                 </a:extLst>
               </p:cNvPr>
@@ -15700,7 +15694,7 @@
                         <m:endChr m:val="}"/>
                         <m:ctrlPr>
                           <a:rPr lang="en-US" sz="2400" b="0" i="1" smtClean="0">
-                            <a:latin typeface="Cambria Math" charset="0"/>
+                            <a:latin typeface="Cambria Math" panose="02040503050406030204" pitchFamily="18" charset="0"/>
                           </a:rPr>
                         </m:ctrlPr>
                       </m:dPr>
@@ -15709,7 +15703,7 @@
                           <m:sSubPr>
                             <m:ctrlPr>
                               <a:rPr lang="en-US" sz="2400" b="0" i="1" smtClean="0">
-                                <a:latin typeface="Cambria Math" charset="0"/>
+                                <a:latin typeface="Cambria Math" panose="02040503050406030204" pitchFamily="18" charset="0"/>
                               </a:rPr>
                             </m:ctrlPr>
                           </m:sSubPr>
@@ -15740,7 +15734,7 @@
                           <m:sSubPr>
                             <m:ctrlPr>
                               <a:rPr lang="en-US" sz="2400" b="0" i="1" smtClean="0">
-                                <a:latin typeface="Cambria Math" charset="0"/>
+                                <a:latin typeface="Cambria Math" panose="02040503050406030204" pitchFamily="18" charset="0"/>
                               </a:rPr>
                             </m:ctrlPr>
                           </m:sSubPr>
@@ -15916,7 +15910,7 @@
           <p:cNvPr id="2" name="Title 1">
             <a:extLst>
               <a:ext uri="{FF2B5EF4-FFF2-40B4-BE49-F238E27FC236}">
-                <a16:creationId xmlns:a16="http://schemas.microsoft.com/office/drawing/2014/main" xmlns="" id="{90371848-C3C2-2946-8721-32944148379F}"/>
+                <a16:creationId xmlns:a16="http://schemas.microsoft.com/office/drawing/2014/main" id="{90371848-C3C2-2946-8721-32944148379F}"/>
               </a:ext>
             </a:extLst>
           </p:cNvPr>
@@ -15948,7 +15942,7 @@
           <p:cNvPr id="5" name="Picture 4">
             <a:extLst>
               <a:ext uri="{FF2B5EF4-FFF2-40B4-BE49-F238E27FC236}">
-                <a16:creationId xmlns:a16="http://schemas.microsoft.com/office/drawing/2014/main" xmlns="" id="{96C8DA8D-9BEF-744E-AFF8-50655E69712A}"/>
+                <a16:creationId xmlns:a16="http://schemas.microsoft.com/office/drawing/2014/main" id="{96C8DA8D-9BEF-744E-AFF8-50655E69712A}"/>
               </a:ext>
             </a:extLst>
           </p:cNvPr>
@@ -15980,7 +15974,7 @@
               <p:cNvPr id="6" name="TextBox 5">
                 <a:extLst>
                   <a:ext uri="{FF2B5EF4-FFF2-40B4-BE49-F238E27FC236}">
-                    <a16:creationId xmlns:a16="http://schemas.microsoft.com/office/drawing/2014/main" xmlns="" id="{B64305C1-D8DA-9449-80AD-775E6D513BE6}"/>
+                    <a16:creationId xmlns:a16="http://schemas.microsoft.com/office/drawing/2014/main" id="{B64305C1-D8DA-9449-80AD-775E6D513BE6}"/>
                   </a:ext>
                 </a:extLst>
               </p:cNvPr>
@@ -16019,7 +16013,7 @@
                         <m:endChr m:val="}"/>
                         <m:ctrlPr>
                           <a:rPr lang="en-US" sz="2400" b="0" i="1" smtClean="0">
-                            <a:latin typeface="Cambria Math" charset="0"/>
+                            <a:latin typeface="Cambria Math" panose="02040503050406030204" pitchFamily="18" charset="0"/>
                           </a:rPr>
                         </m:ctrlPr>
                       </m:dPr>
@@ -16028,7 +16022,7 @@
                           <m:sSubPr>
                             <m:ctrlPr>
                               <a:rPr lang="en-US" sz="2400" b="0" i="1" smtClean="0">
-                                <a:latin typeface="Cambria Math" charset="0"/>
+                                <a:latin typeface="Cambria Math" panose="02040503050406030204" pitchFamily="18" charset="0"/>
                               </a:rPr>
                             </m:ctrlPr>
                           </m:sSubPr>
@@ -16059,7 +16053,7 @@
                           <m:sSubPr>
                             <m:ctrlPr>
                               <a:rPr lang="en-US" sz="2400" b="0" i="1" smtClean="0">
-                                <a:latin typeface="Cambria Math" charset="0"/>
+                                <a:latin typeface="Cambria Math" panose="02040503050406030204" pitchFamily="18" charset="0"/>
                               </a:rPr>
                             </m:ctrlPr>
                           </m:sSubPr>
@@ -16177,7 +16171,7 @@
               <p:cNvPr id="7" name="TextBox 6">
                 <a:extLst>
                   <a:ext uri="{FF2B5EF4-FFF2-40B4-BE49-F238E27FC236}">
-                    <a16:creationId xmlns:a16="http://schemas.microsoft.com/office/drawing/2014/main" xmlns="" id="{2E27A3FC-BD37-3248-B5F7-F703EA8946A7}"/>
+                    <a16:creationId xmlns:a16="http://schemas.microsoft.com/office/drawing/2014/main" id="{2E27A3FC-BD37-3248-B5F7-F703EA8946A7}"/>
                   </a:ext>
                 </a:extLst>
               </p:cNvPr>
@@ -16211,7 +16205,7 @@
                         <m:funcPr>
                           <m:ctrlPr>
                             <a:rPr lang="en-US" sz="2400" i="1" smtClean="0">
-                              <a:latin typeface="Cambria Math" charset="0"/>
+                              <a:latin typeface="Cambria Math" panose="02040503050406030204" pitchFamily="18" charset="0"/>
                             </a:rPr>
                           </m:ctrlPr>
                         </m:funcPr>
@@ -16220,7 +16214,7 @@
                             <m:limLowPr>
                               <m:ctrlPr>
                                 <a:rPr lang="en-US" sz="2400" i="1" smtClean="0">
-                                  <a:latin typeface="Cambria Math" charset="0"/>
+                                  <a:latin typeface="Cambria Math" panose="02040503050406030204" pitchFamily="18" charset="0"/>
                                 </a:rPr>
                               </m:ctrlPr>
                             </m:limLowPr>
@@ -16251,7 +16245,7 @@
                               <m:chr m:val="∑"/>
                               <m:ctrlPr>
                                 <a:rPr lang="en-US" sz="2400" i="1" smtClean="0">
-                                  <a:latin typeface="Cambria Math" charset="0"/>
+                                  <a:latin typeface="Cambria Math" panose="02040503050406030204" pitchFamily="18" charset="0"/>
                                 </a:rPr>
                               </m:ctrlPr>
                             </m:naryPr>
@@ -16276,7 +16270,7 @@
                                 <m:sSupPr>
                                   <m:ctrlPr>
                                     <a:rPr lang="en-US" sz="2400" i="1">
-                                      <a:latin typeface="Cambria Math" charset="0"/>
+                                      <a:latin typeface="Cambria Math" panose="02040503050406030204" pitchFamily="18" charset="0"/>
                                     </a:rPr>
                                   </m:ctrlPr>
                                 </m:sSupPr>
@@ -16285,7 +16279,7 @@
                                     <m:dPr>
                                       <m:ctrlPr>
                                         <a:rPr lang="en-US" sz="2400" i="1">
-                                          <a:latin typeface="Cambria Math" charset="0"/>
+                                          <a:latin typeface="Cambria Math" panose="02040503050406030204" pitchFamily="18" charset="0"/>
                                         </a:rPr>
                                       </m:ctrlPr>
                                     </m:dPr>
@@ -16294,7 +16288,7 @@
                                         <m:sSupPr>
                                           <m:ctrlPr>
                                             <a:rPr lang="en-US" sz="2400" i="1">
-                                              <a:latin typeface="Cambria Math" charset="0"/>
+                                              <a:latin typeface="Cambria Math" panose="02040503050406030204" pitchFamily="18" charset="0"/>
                                             </a:rPr>
                                           </m:ctrlPr>
                                         </m:sSupPr>
@@ -16319,7 +16313,7 @@
                                         <m:dPr>
                                           <m:ctrlPr>
                                             <a:rPr lang="en-US" sz="2400" i="1">
-                                              <a:latin typeface="Cambria Math" charset="0"/>
+                                              <a:latin typeface="Cambria Math" panose="02040503050406030204" pitchFamily="18" charset="0"/>
                                             </a:rPr>
                                           </m:ctrlPr>
                                         </m:dPr>
@@ -16328,7 +16322,7 @@
                                             <m:sSubPr>
                                               <m:ctrlPr>
                                                 <a:rPr lang="en-US" sz="2400" b="1" i="1">
-                                                  <a:latin typeface="Cambria Math" charset="0"/>
+                                                  <a:latin typeface="Cambria Math" panose="02040503050406030204" pitchFamily="18" charset="0"/>
                                                 </a:rPr>
                                               </m:ctrlPr>
                                             </m:sSubPr>
@@ -16361,7 +16355,7 @@
                                         <m:sSubPr>
                                           <m:ctrlPr>
                                             <a:rPr lang="en-US" sz="2400" i="1">
-                                              <a:latin typeface="Cambria Math" charset="0"/>
+                                              <a:latin typeface="Cambria Math" panose="02040503050406030204" pitchFamily="18" charset="0"/>
                                             </a:rPr>
                                           </m:ctrlPr>
                                         </m:sSubPr>
@@ -16516,7 +16510,7 @@
           <p:cNvPr id="2" name="Title 1">
             <a:extLst>
               <a:ext uri="{FF2B5EF4-FFF2-40B4-BE49-F238E27FC236}">
-                <a16:creationId xmlns:a16="http://schemas.microsoft.com/office/drawing/2014/main" xmlns="" id="{90371848-C3C2-2946-8721-32944148379F}"/>
+                <a16:creationId xmlns:a16="http://schemas.microsoft.com/office/drawing/2014/main" id="{90371848-C3C2-2946-8721-32944148379F}"/>
               </a:ext>
             </a:extLst>
           </p:cNvPr>
@@ -16548,7 +16542,7 @@
           <p:cNvPr id="5" name="Picture 4">
             <a:extLst>
               <a:ext uri="{FF2B5EF4-FFF2-40B4-BE49-F238E27FC236}">
-                <a16:creationId xmlns:a16="http://schemas.microsoft.com/office/drawing/2014/main" xmlns="" id="{96C8DA8D-9BEF-744E-AFF8-50655E69712A}"/>
+                <a16:creationId xmlns:a16="http://schemas.microsoft.com/office/drawing/2014/main" id="{96C8DA8D-9BEF-744E-AFF8-50655E69712A}"/>
               </a:ext>
             </a:extLst>
           </p:cNvPr>
@@ -16580,7 +16574,7 @@
               <p:cNvPr id="6" name="TextBox 5">
                 <a:extLst>
                   <a:ext uri="{FF2B5EF4-FFF2-40B4-BE49-F238E27FC236}">
-                    <a16:creationId xmlns:a16="http://schemas.microsoft.com/office/drawing/2014/main" xmlns="" id="{B64305C1-D8DA-9449-80AD-775E6D513BE6}"/>
+                    <a16:creationId xmlns:a16="http://schemas.microsoft.com/office/drawing/2014/main" id="{B64305C1-D8DA-9449-80AD-775E6D513BE6}"/>
                   </a:ext>
                 </a:extLst>
               </p:cNvPr>
@@ -16619,7 +16613,7 @@
                         <m:endChr m:val="}"/>
                         <m:ctrlPr>
                           <a:rPr lang="en-US" sz="2400" b="0" i="1" smtClean="0">
-                            <a:latin typeface="Cambria Math" charset="0"/>
+                            <a:latin typeface="Cambria Math" panose="02040503050406030204" pitchFamily="18" charset="0"/>
                           </a:rPr>
                         </m:ctrlPr>
                       </m:dPr>
@@ -16628,7 +16622,7 @@
                           <m:sSubPr>
                             <m:ctrlPr>
                               <a:rPr lang="en-US" sz="2400" b="0" i="1" smtClean="0">
-                                <a:latin typeface="Cambria Math" charset="0"/>
+                                <a:latin typeface="Cambria Math" panose="02040503050406030204" pitchFamily="18" charset="0"/>
                               </a:rPr>
                             </m:ctrlPr>
                           </m:sSubPr>
@@ -16659,7 +16653,7 @@
                           <m:sSubPr>
                             <m:ctrlPr>
                               <a:rPr lang="en-US" sz="2400" b="0" i="1" smtClean="0">
-                                <a:latin typeface="Cambria Math" charset="0"/>
+                                <a:latin typeface="Cambria Math" panose="02040503050406030204" pitchFamily="18" charset="0"/>
                               </a:rPr>
                             </m:ctrlPr>
                           </m:sSubPr>
@@ -16777,7 +16771,7 @@
               <p:cNvPr id="10" name="TextBox 9">
                 <a:extLst>
                   <a:ext uri="{FF2B5EF4-FFF2-40B4-BE49-F238E27FC236}">
-                    <a16:creationId xmlns:a16="http://schemas.microsoft.com/office/drawing/2014/main" xmlns="" id="{1F23FA21-7447-684E-82A3-7876D03ED643}"/>
+                    <a16:creationId xmlns:a16="http://schemas.microsoft.com/office/drawing/2014/main" id="{1F23FA21-7447-684E-82A3-7876D03ED643}"/>
                   </a:ext>
                 </a:extLst>
               </p:cNvPr>
@@ -16811,7 +16805,7 @@
                         <m:sSubPr>
                           <m:ctrlPr>
                             <a:rPr lang="en-US" sz="2400" b="0" i="1" smtClean="0">
-                              <a:latin typeface="Cambria Math" charset="0"/>
+                              <a:latin typeface="Cambria Math" panose="02040503050406030204" pitchFamily="18" charset="0"/>
                             </a:rPr>
                           </m:ctrlPr>
                         </m:sSubPr>
@@ -16854,7 +16848,7 @@
                         <m:sSubPr>
                           <m:ctrlPr>
                             <a:rPr lang="en-US" sz="2400" b="0" i="1" smtClean="0">
-                              <a:latin typeface="Cambria Math" charset="0"/>
+                              <a:latin typeface="Cambria Math" panose="02040503050406030204" pitchFamily="18" charset="0"/>
                             </a:rPr>
                           </m:ctrlPr>
                         </m:sSubPr>
@@ -16885,7 +16879,7 @@
                         <m:sSubPr>
                           <m:ctrlPr>
                             <a:rPr lang="en-US" sz="2400" b="0" i="1" smtClean="0">
-                              <a:latin typeface="Cambria Math" charset="0"/>
+                              <a:latin typeface="Cambria Math" panose="02040503050406030204" pitchFamily="18" charset="0"/>
                             </a:rPr>
                           </m:ctrlPr>
                         </m:sSubPr>
@@ -16922,7 +16916,7 @@
                         <m:funcPr>
                           <m:ctrlPr>
                             <a:rPr lang="en-US" sz="2400" b="0" i="1" smtClean="0">
-                              <a:latin typeface="Cambria Math" charset="0"/>
+                              <a:latin typeface="Cambria Math" panose="02040503050406030204" pitchFamily="18" charset="0"/>
                             </a:rPr>
                           </m:ctrlPr>
                         </m:funcPr>
@@ -16942,7 +16936,7 @@
                             <m:dPr>
                               <m:ctrlPr>
                                 <a:rPr lang="en-US" sz="2400" i="1">
-                                  <a:latin typeface="Cambria Math" charset="0"/>
+                                  <a:latin typeface="Cambria Math" panose="02040503050406030204" pitchFamily="18" charset="0"/>
                                 </a:rPr>
                               </m:ctrlPr>
                             </m:dPr>
@@ -16957,7 +16951,7 @@
                                 <m:fPr>
                                   <m:ctrlPr>
                                     <a:rPr lang="en-US" sz="2400" i="1">
-                                      <a:latin typeface="Cambria Math" charset="0"/>
+                                      <a:latin typeface="Cambria Math" panose="02040503050406030204" pitchFamily="18" charset="0"/>
                                     </a:rPr>
                                   </m:ctrlPr>
                                 </m:fPr>
@@ -16966,7 +16960,7 @@
                                     <m:sSupPr>
                                       <m:ctrlPr>
                                         <a:rPr lang="en-US" sz="2400" i="1">
-                                          <a:latin typeface="Cambria Math" charset="0"/>
+                                          <a:latin typeface="Cambria Math" panose="02040503050406030204" pitchFamily="18" charset="0"/>
                                         </a:rPr>
                                       </m:ctrlPr>
                                     </m:sSupPr>
@@ -16977,7 +16971,7 @@
                                           <m:endChr m:val="‖"/>
                                           <m:ctrlPr>
                                             <a:rPr lang="en-US" sz="2400" i="1">
-                                              <a:latin typeface="Cambria Math" charset="0"/>
+                                              <a:latin typeface="Cambria Math" panose="02040503050406030204" pitchFamily="18" charset="0"/>
                                             </a:rPr>
                                           </m:ctrlPr>
                                         </m:dPr>
@@ -16986,7 +16980,7 @@
                                             <m:sSubPr>
                                               <m:ctrlPr>
                                                 <a:rPr lang="en-US" sz="2400" b="0" i="1" smtClean="0">
-                                                  <a:latin typeface="Cambria Math" charset="0"/>
+                                                  <a:latin typeface="Cambria Math" panose="02040503050406030204" pitchFamily="18" charset="0"/>
                                                 </a:rPr>
                                               </m:ctrlPr>
                                             </m:sSubPr>
@@ -17017,7 +17011,7 @@
                                             <m:sSubPr>
                                               <m:ctrlPr>
                                                 <a:rPr lang="en-US" sz="2400" i="1">
-                                                  <a:latin typeface="Cambria Math" charset="0"/>
+                                                  <a:latin typeface="Cambria Math" panose="02040503050406030204" pitchFamily="18" charset="0"/>
                                                 </a:rPr>
                                               </m:ctrlPr>
                                             </m:sSubPr>
@@ -17062,7 +17056,7 @@
                                     <m:sSupPr>
                                       <m:ctrlPr>
                                         <a:rPr lang="en-US" sz="2400" i="1">
-                                          <a:latin typeface="Cambria Math" charset="0"/>
+                                          <a:latin typeface="Cambria Math" panose="02040503050406030204" pitchFamily="18" charset="0"/>
                                         </a:rPr>
                                       </m:ctrlPr>
                                     </m:sSupPr>
@@ -17149,7 +17143,7 @@
               <p:cNvPr id="11" name="TextBox 10">
                 <a:extLst>
                   <a:ext uri="{FF2B5EF4-FFF2-40B4-BE49-F238E27FC236}">
-                    <a16:creationId xmlns:a16="http://schemas.microsoft.com/office/drawing/2014/main" xmlns="" id="{562228B6-98A4-0A4A-8CF0-FBD357ADB06A}"/>
+                    <a16:creationId xmlns:a16="http://schemas.microsoft.com/office/drawing/2014/main" id="{562228B6-98A4-0A4A-8CF0-FBD357ADB06A}"/>
                   </a:ext>
                 </a:extLst>
               </p:cNvPr>
@@ -17183,7 +17177,7 @@
                         <m:sSupPr>
                           <m:ctrlPr>
                             <a:rPr lang="en-US" sz="2400" i="1" smtClean="0">
-                              <a:latin typeface="Cambria Math" charset="0"/>
+                              <a:latin typeface="Cambria Math" panose="02040503050406030204" pitchFamily="18" charset="0"/>
                             </a:rPr>
                           </m:ctrlPr>
                         </m:sSupPr>
@@ -17208,7 +17202,7 @@
                         <m:dPr>
                           <m:ctrlPr>
                             <a:rPr lang="en-US" sz="2400" i="1" smtClean="0">
-                              <a:latin typeface="Cambria Math" charset="0"/>
+                              <a:latin typeface="Cambria Math" panose="02040503050406030204" pitchFamily="18" charset="0"/>
                             </a:rPr>
                           </m:ctrlPr>
                         </m:dPr>
@@ -17217,7 +17211,7 @@
                             <m:sSubPr>
                               <m:ctrlPr>
                                 <a:rPr lang="en-US" sz="2400" b="1" i="1" smtClean="0">
-                                  <a:latin typeface="Cambria Math" charset="0"/>
+                                  <a:latin typeface="Cambria Math" panose="02040503050406030204" pitchFamily="18" charset="0"/>
                                 </a:rPr>
                               </m:ctrlPr>
                             </m:sSubPr>
@@ -17251,7 +17245,7 @@
                           <m:chr m:val="∑"/>
                           <m:ctrlPr>
                             <a:rPr lang="en-US" sz="2400" i="1" smtClean="0">
-                              <a:latin typeface="Cambria Math" charset="0"/>
+                              <a:latin typeface="Cambria Math" panose="02040503050406030204" pitchFamily="18" charset="0"/>
                             </a:rPr>
                           </m:ctrlPr>
                         </m:naryPr>
@@ -17276,7 +17270,7 @@
                             <m:sSubPr>
                               <m:ctrlPr>
                                 <a:rPr lang="en-US" sz="2400" i="1" smtClean="0">
-                                  <a:latin typeface="Cambria Math" charset="0"/>
+                                  <a:latin typeface="Cambria Math" panose="02040503050406030204" pitchFamily="18" charset="0"/>
                                 </a:rPr>
                               </m:ctrlPr>
                             </m:sSubPr>
@@ -17301,7 +17295,7 @@
                             <m:sSubPr>
                               <m:ctrlPr>
                                 <a:rPr lang="en-US" sz="2400" b="0" i="1" smtClean="0">
-                                  <a:latin typeface="Cambria Math" charset="0"/>
+                                  <a:latin typeface="Cambria Math" panose="02040503050406030204" pitchFamily="18" charset="0"/>
                                 </a:rPr>
                               </m:ctrlPr>
                             </m:sSubPr>
@@ -17396,7 +17390,7 @@
               <p:cNvPr id="12" name="TextBox 11">
                 <a:extLst>
                   <a:ext uri="{FF2B5EF4-FFF2-40B4-BE49-F238E27FC236}">
-                    <a16:creationId xmlns:a16="http://schemas.microsoft.com/office/drawing/2014/main" xmlns="" id="{A54B9D57-2391-3E48-AB78-34250B63E794}"/>
+                    <a16:creationId xmlns:a16="http://schemas.microsoft.com/office/drawing/2014/main" id="{A54B9D57-2391-3E48-AB78-34250B63E794}"/>
                   </a:ext>
                 </a:extLst>
               </p:cNvPr>
@@ -17430,7 +17424,7 @@
                         <m:funcPr>
                           <m:ctrlPr>
                             <a:rPr lang="en-US" sz="2400" i="1" smtClean="0">
-                              <a:latin typeface="Cambria Math" charset="0"/>
+                              <a:latin typeface="Cambria Math" panose="02040503050406030204" pitchFamily="18" charset="0"/>
                             </a:rPr>
                           </m:ctrlPr>
                         </m:funcPr>
@@ -17439,7 +17433,7 @@
                             <m:limLowPr>
                               <m:ctrlPr>
                                 <a:rPr lang="en-US" sz="2400" i="1" smtClean="0">
-                                  <a:latin typeface="Cambria Math" charset="0"/>
+                                  <a:latin typeface="Cambria Math" panose="02040503050406030204" pitchFamily="18" charset="0"/>
                                 </a:rPr>
                               </m:ctrlPr>
                             </m:limLowPr>
@@ -17470,7 +17464,7 @@
                               <m:chr m:val="∑"/>
                               <m:ctrlPr>
                                 <a:rPr lang="en-US" sz="2400" i="1" smtClean="0">
-                                  <a:latin typeface="Cambria Math" charset="0"/>
+                                  <a:latin typeface="Cambria Math" panose="02040503050406030204" pitchFamily="18" charset="0"/>
                                 </a:rPr>
                               </m:ctrlPr>
                             </m:naryPr>
@@ -17495,7 +17489,7 @@
                                 <m:sSupPr>
                                   <m:ctrlPr>
                                     <a:rPr lang="en-US" sz="2400" i="1">
-                                      <a:latin typeface="Cambria Math" charset="0"/>
+                                      <a:latin typeface="Cambria Math" panose="02040503050406030204" pitchFamily="18" charset="0"/>
                                     </a:rPr>
                                   </m:ctrlPr>
                                 </m:sSupPr>
@@ -17504,7 +17498,7 @@
                                     <m:dPr>
                                       <m:ctrlPr>
                                         <a:rPr lang="en-US" sz="2400" i="1">
-                                          <a:latin typeface="Cambria Math" charset="0"/>
+                                          <a:latin typeface="Cambria Math" panose="02040503050406030204" pitchFamily="18" charset="0"/>
                                         </a:rPr>
                                       </m:ctrlPr>
                                     </m:dPr>
@@ -17513,7 +17507,7 @@
                                         <m:sSupPr>
                                           <m:ctrlPr>
                                             <a:rPr lang="en-US" sz="2400" i="1">
-                                              <a:latin typeface="Cambria Math" charset="0"/>
+                                              <a:latin typeface="Cambria Math" panose="02040503050406030204" pitchFamily="18" charset="0"/>
                                             </a:rPr>
                                           </m:ctrlPr>
                                         </m:sSupPr>
@@ -17538,7 +17532,7 @@
                                         <m:dPr>
                                           <m:ctrlPr>
                                             <a:rPr lang="en-US" sz="2400" i="1">
-                                              <a:latin typeface="Cambria Math" charset="0"/>
+                                              <a:latin typeface="Cambria Math" panose="02040503050406030204" pitchFamily="18" charset="0"/>
                                             </a:rPr>
                                           </m:ctrlPr>
                                         </m:dPr>
@@ -17547,7 +17541,7 @@
                                             <m:sSubPr>
                                               <m:ctrlPr>
                                                 <a:rPr lang="en-US" sz="2400" b="1" i="1">
-                                                  <a:latin typeface="Cambria Math" charset="0"/>
+                                                  <a:latin typeface="Cambria Math" panose="02040503050406030204" pitchFamily="18" charset="0"/>
                                                 </a:rPr>
                                               </m:ctrlPr>
                                             </m:sSubPr>
@@ -17580,7 +17574,7 @@
                                         <m:sSubPr>
                                           <m:ctrlPr>
                                             <a:rPr lang="en-US" sz="2400" i="1">
-                                              <a:latin typeface="Cambria Math" charset="0"/>
+                                              <a:latin typeface="Cambria Math" panose="02040503050406030204" pitchFamily="18" charset="0"/>
                                             </a:rPr>
                                           </m:ctrlPr>
                                         </m:sSubPr>
@@ -17705,7 +17699,7 @@
           <p:cNvPr id="9" name="Straight Arrow Connector 8">
             <a:extLst>
               <a:ext uri="{FF2B5EF4-FFF2-40B4-BE49-F238E27FC236}">
-                <a16:creationId xmlns:a16="http://schemas.microsoft.com/office/drawing/2014/main" xmlns="" id="{318D81B2-CEAA-0646-9CE4-5C0002EC01D2}"/>
+                <a16:creationId xmlns:a16="http://schemas.microsoft.com/office/drawing/2014/main" id="{318D81B2-CEAA-0646-9CE4-5C0002EC01D2}"/>
               </a:ext>
             </a:extLst>
           </p:cNvPr>
@@ -17802,10 +17796,9 @@
           <a:lstStyle/>
           <a:p>
             <a:r>
-              <a:rPr lang="en-US" sz="2400" dirty="0" smtClean="0"/>
+              <a:rPr lang="en-US" sz="2400" dirty="0"/>
               <a:t>Kernel: similarity measure</a:t>
             </a:r>
-            <a:endParaRPr lang="en-US" sz="2400" dirty="0"/>
           </a:p>
         </p:txBody>
       </p:sp>
@@ -17844,7 +17837,7 @@
           <p:cNvPr id="2" name="Title 1">
             <a:extLst>
               <a:ext uri="{FF2B5EF4-FFF2-40B4-BE49-F238E27FC236}">
-                <a16:creationId xmlns:a16="http://schemas.microsoft.com/office/drawing/2014/main" xmlns="" id="{90371848-C3C2-2946-8721-32944148379F}"/>
+                <a16:creationId xmlns:a16="http://schemas.microsoft.com/office/drawing/2014/main" id="{90371848-C3C2-2946-8721-32944148379F}"/>
               </a:ext>
             </a:extLst>
           </p:cNvPr>
@@ -17876,7 +17869,7 @@
           <p:cNvPr id="5" name="Picture 4">
             <a:extLst>
               <a:ext uri="{FF2B5EF4-FFF2-40B4-BE49-F238E27FC236}">
-                <a16:creationId xmlns:a16="http://schemas.microsoft.com/office/drawing/2014/main" xmlns="" id="{96C8DA8D-9BEF-744E-AFF8-50655E69712A}"/>
+                <a16:creationId xmlns:a16="http://schemas.microsoft.com/office/drawing/2014/main" id="{96C8DA8D-9BEF-744E-AFF8-50655E69712A}"/>
               </a:ext>
             </a:extLst>
           </p:cNvPr>
@@ -17914,7 +17907,7 @@
               <p:cNvPr id="6" name="TextBox 5">
                 <a:extLst>
                   <a:ext uri="{FF2B5EF4-FFF2-40B4-BE49-F238E27FC236}">
-                    <a16:creationId xmlns:a16="http://schemas.microsoft.com/office/drawing/2014/main" xmlns="" id="{B64305C1-D8DA-9449-80AD-775E6D513BE6}"/>
+                    <a16:creationId xmlns:a16="http://schemas.microsoft.com/office/drawing/2014/main" id="{B64305C1-D8DA-9449-80AD-775E6D513BE6}"/>
                   </a:ext>
                 </a:extLst>
               </p:cNvPr>
@@ -17953,7 +17946,7 @@
                         <m:endChr m:val="}"/>
                         <m:ctrlPr>
                           <a:rPr lang="en-US" sz="2400" b="0" i="1" smtClean="0">
-                            <a:latin typeface="Cambria Math" charset="0"/>
+                            <a:latin typeface="Cambria Math" panose="02040503050406030204" pitchFamily="18" charset="0"/>
                           </a:rPr>
                         </m:ctrlPr>
                       </m:dPr>
@@ -17962,7 +17955,7 @@
                           <m:sSubPr>
                             <m:ctrlPr>
                               <a:rPr lang="en-US" sz="2400" b="0" i="1" smtClean="0">
-                                <a:latin typeface="Cambria Math" charset="0"/>
+                                <a:latin typeface="Cambria Math" panose="02040503050406030204" pitchFamily="18" charset="0"/>
                               </a:rPr>
                             </m:ctrlPr>
                           </m:sSubPr>
@@ -17993,7 +17986,7 @@
                           <m:sSubPr>
                             <m:ctrlPr>
                               <a:rPr lang="en-US" sz="2400" b="0" i="1" smtClean="0">
-                                <a:latin typeface="Cambria Math" charset="0"/>
+                                <a:latin typeface="Cambria Math" panose="02040503050406030204" pitchFamily="18" charset="0"/>
                               </a:rPr>
                             </m:ctrlPr>
                           </m:sSubPr>
@@ -18111,7 +18104,7 @@
               <p:cNvPr id="10" name="TextBox 9">
                 <a:extLst>
                   <a:ext uri="{FF2B5EF4-FFF2-40B4-BE49-F238E27FC236}">
-                    <a16:creationId xmlns:a16="http://schemas.microsoft.com/office/drawing/2014/main" xmlns="" id="{7D5A9CE5-A77C-4946-B639-CBEAA30C1E22}"/>
+                    <a16:creationId xmlns:a16="http://schemas.microsoft.com/office/drawing/2014/main" id="{7D5A9CE5-A77C-4946-B639-CBEAA30C1E22}"/>
                   </a:ext>
                 </a:extLst>
               </p:cNvPr>
@@ -18145,7 +18138,7 @@
                         <m:sSubPr>
                           <m:ctrlPr>
                             <a:rPr lang="en-US" sz="2400" b="0" i="1" smtClean="0">
-                              <a:latin typeface="Cambria Math" charset="0"/>
+                              <a:latin typeface="Cambria Math" panose="02040503050406030204" pitchFamily="18" charset="0"/>
                             </a:rPr>
                           </m:ctrlPr>
                         </m:sSubPr>
@@ -18188,7 +18181,7 @@
                         <m:sSubPr>
                           <m:ctrlPr>
                             <a:rPr lang="en-US" sz="2400" b="0" i="1" smtClean="0">
-                              <a:latin typeface="Cambria Math" charset="0"/>
+                              <a:latin typeface="Cambria Math" panose="02040503050406030204" pitchFamily="18" charset="0"/>
                             </a:rPr>
                           </m:ctrlPr>
                         </m:sSubPr>
@@ -18219,7 +18212,7 @@
                         <m:sSubPr>
                           <m:ctrlPr>
                             <a:rPr lang="en-US" sz="2400" b="0" i="1" smtClean="0">
-                              <a:latin typeface="Cambria Math" charset="0"/>
+                              <a:latin typeface="Cambria Math" panose="02040503050406030204" pitchFamily="18" charset="0"/>
                             </a:rPr>
                           </m:ctrlPr>
                         </m:sSubPr>
@@ -18256,7 +18249,7 @@
                         <m:funcPr>
                           <m:ctrlPr>
                             <a:rPr lang="en-US" sz="2400" b="0" i="1" smtClean="0">
-                              <a:latin typeface="Cambria Math" charset="0"/>
+                              <a:latin typeface="Cambria Math" panose="02040503050406030204" pitchFamily="18" charset="0"/>
                             </a:rPr>
                           </m:ctrlPr>
                         </m:funcPr>
@@ -18276,7 +18269,7 @@
                             <m:dPr>
                               <m:ctrlPr>
                                 <a:rPr lang="en-US" sz="2400" i="1">
-                                  <a:latin typeface="Cambria Math" charset="0"/>
+                                  <a:latin typeface="Cambria Math" panose="02040503050406030204" pitchFamily="18" charset="0"/>
                                 </a:rPr>
                               </m:ctrlPr>
                             </m:dPr>
@@ -18291,7 +18284,7 @@
                                 <m:fPr>
                                   <m:ctrlPr>
                                     <a:rPr lang="en-US" sz="2400" i="1">
-                                      <a:latin typeface="Cambria Math" charset="0"/>
+                                      <a:latin typeface="Cambria Math" panose="02040503050406030204" pitchFamily="18" charset="0"/>
                                     </a:rPr>
                                   </m:ctrlPr>
                                 </m:fPr>
@@ -18300,7 +18293,7 @@
                                     <m:sSupPr>
                                       <m:ctrlPr>
                                         <a:rPr lang="en-US" sz="2400" i="1">
-                                          <a:latin typeface="Cambria Math" charset="0"/>
+                                          <a:latin typeface="Cambria Math" panose="02040503050406030204" pitchFamily="18" charset="0"/>
                                         </a:rPr>
                                       </m:ctrlPr>
                                     </m:sSupPr>
@@ -18311,7 +18304,7 @@
                                           <m:endChr m:val="‖"/>
                                           <m:ctrlPr>
                                             <a:rPr lang="en-US" sz="2400" i="1">
-                                              <a:latin typeface="Cambria Math" charset="0"/>
+                                              <a:latin typeface="Cambria Math" panose="02040503050406030204" pitchFamily="18" charset="0"/>
                                             </a:rPr>
                                           </m:ctrlPr>
                                         </m:dPr>
@@ -18320,7 +18313,7 @@
                                             <m:sSubPr>
                                               <m:ctrlPr>
                                                 <a:rPr lang="en-US" sz="2400" b="0" i="1" smtClean="0">
-                                                  <a:latin typeface="Cambria Math" charset="0"/>
+                                                  <a:latin typeface="Cambria Math" panose="02040503050406030204" pitchFamily="18" charset="0"/>
                                                 </a:rPr>
                                               </m:ctrlPr>
                                             </m:sSubPr>
@@ -18351,7 +18344,7 @@
                                             <m:sSubPr>
                                               <m:ctrlPr>
                                                 <a:rPr lang="en-US" sz="2400" i="1">
-                                                  <a:latin typeface="Cambria Math" charset="0"/>
+                                                  <a:latin typeface="Cambria Math" panose="02040503050406030204" pitchFamily="18" charset="0"/>
                                                 </a:rPr>
                                               </m:ctrlPr>
                                             </m:sSubPr>
@@ -18396,7 +18389,7 @@
                                     <m:sSupPr>
                                       <m:ctrlPr>
                                         <a:rPr lang="en-US" sz="2400" i="1">
-                                          <a:latin typeface="Cambria Math" charset="0"/>
+                                          <a:latin typeface="Cambria Math" panose="02040503050406030204" pitchFamily="18" charset="0"/>
                                         </a:rPr>
                                       </m:ctrlPr>
                                     </m:sSupPr>
@@ -18483,7 +18476,7 @@
               <p:cNvPr id="11" name="TextBox 10">
                 <a:extLst>
                   <a:ext uri="{FF2B5EF4-FFF2-40B4-BE49-F238E27FC236}">
-                    <a16:creationId xmlns:a16="http://schemas.microsoft.com/office/drawing/2014/main" xmlns="" id="{2BCFFAF7-053D-EC4C-B2C4-7D00740F1FEF}"/>
+                    <a16:creationId xmlns:a16="http://schemas.microsoft.com/office/drawing/2014/main" id="{2BCFFAF7-053D-EC4C-B2C4-7D00740F1FEF}"/>
                   </a:ext>
                 </a:extLst>
               </p:cNvPr>
@@ -18517,7 +18510,7 @@
                         <m:sSupPr>
                           <m:ctrlPr>
                             <a:rPr lang="en-US" sz="2400" i="1" smtClean="0">
-                              <a:latin typeface="Cambria Math" charset="0"/>
+                              <a:latin typeface="Cambria Math" panose="02040503050406030204" pitchFamily="18" charset="0"/>
                             </a:rPr>
                           </m:ctrlPr>
                         </m:sSupPr>
@@ -18542,7 +18535,7 @@
                         <m:dPr>
                           <m:ctrlPr>
                             <a:rPr lang="en-US" sz="2400" i="1" smtClean="0">
-                              <a:latin typeface="Cambria Math" charset="0"/>
+                              <a:latin typeface="Cambria Math" panose="02040503050406030204" pitchFamily="18" charset="0"/>
                             </a:rPr>
                           </m:ctrlPr>
                         </m:dPr>
@@ -18551,7 +18544,7 @@
                             <m:sSubPr>
                               <m:ctrlPr>
                                 <a:rPr lang="en-US" sz="2400" b="1" i="1" smtClean="0">
-                                  <a:latin typeface="Cambria Math" charset="0"/>
+                                  <a:latin typeface="Cambria Math" panose="02040503050406030204" pitchFamily="18" charset="0"/>
                                 </a:rPr>
                               </m:ctrlPr>
                             </m:sSubPr>
@@ -18585,7 +18578,7 @@
                           <m:chr m:val="∑"/>
                           <m:ctrlPr>
                             <a:rPr lang="en-US" sz="2400" i="1" smtClean="0">
-                              <a:latin typeface="Cambria Math" charset="0"/>
+                              <a:latin typeface="Cambria Math" panose="02040503050406030204" pitchFamily="18" charset="0"/>
                             </a:rPr>
                           </m:ctrlPr>
                         </m:naryPr>
@@ -18610,7 +18603,7 @@
                             <m:sSubPr>
                               <m:ctrlPr>
                                 <a:rPr lang="en-US" sz="2400" i="1" smtClean="0">
-                                  <a:latin typeface="Cambria Math" charset="0"/>
+                                  <a:latin typeface="Cambria Math" panose="02040503050406030204" pitchFamily="18" charset="0"/>
                                 </a:rPr>
                               </m:ctrlPr>
                             </m:sSubPr>
@@ -18635,7 +18628,7 @@
                             <m:sSubPr>
                               <m:ctrlPr>
                                 <a:rPr lang="en-US" sz="2400" b="0" i="1" smtClean="0">
-                                  <a:latin typeface="Cambria Math" charset="0"/>
+                                  <a:latin typeface="Cambria Math" panose="02040503050406030204" pitchFamily="18" charset="0"/>
                                 </a:rPr>
                               </m:ctrlPr>
                             </m:sSubPr>
@@ -18730,7 +18723,7 @@
               <p:cNvPr id="12" name="TextBox 11">
                 <a:extLst>
                   <a:ext uri="{FF2B5EF4-FFF2-40B4-BE49-F238E27FC236}">
-                    <a16:creationId xmlns:a16="http://schemas.microsoft.com/office/drawing/2014/main" xmlns="" id="{E42519B7-76F1-154B-B8F2-6D963495238A}"/>
+                    <a16:creationId xmlns:a16="http://schemas.microsoft.com/office/drawing/2014/main" id="{E42519B7-76F1-154B-B8F2-6D963495238A}"/>
                   </a:ext>
                 </a:extLst>
               </p:cNvPr>
@@ -18764,7 +18757,7 @@
                         <m:funcPr>
                           <m:ctrlPr>
                             <a:rPr lang="en-US" sz="2400" i="1" smtClean="0">
-                              <a:latin typeface="Cambria Math" charset="0"/>
+                              <a:latin typeface="Cambria Math" panose="02040503050406030204" pitchFamily="18" charset="0"/>
                             </a:rPr>
                           </m:ctrlPr>
                         </m:funcPr>
@@ -18773,7 +18766,7 @@
                             <m:limLowPr>
                               <m:ctrlPr>
                                 <a:rPr lang="en-US" sz="2400" i="1" smtClean="0">
-                                  <a:latin typeface="Cambria Math" charset="0"/>
+                                  <a:latin typeface="Cambria Math" panose="02040503050406030204" pitchFamily="18" charset="0"/>
                                 </a:rPr>
                               </m:ctrlPr>
                             </m:limLowPr>
@@ -18804,7 +18797,7 @@
                               <m:chr m:val="∑"/>
                               <m:ctrlPr>
                                 <a:rPr lang="en-US" sz="2400" i="1" smtClean="0">
-                                  <a:latin typeface="Cambria Math" charset="0"/>
+                                  <a:latin typeface="Cambria Math" panose="02040503050406030204" pitchFamily="18" charset="0"/>
                                 </a:rPr>
                               </m:ctrlPr>
                             </m:naryPr>
@@ -18829,7 +18822,7 @@
                                 <m:sSupPr>
                                   <m:ctrlPr>
                                     <a:rPr lang="en-US" sz="2400" i="1">
-                                      <a:latin typeface="Cambria Math" charset="0"/>
+                                      <a:latin typeface="Cambria Math" panose="02040503050406030204" pitchFamily="18" charset="0"/>
                                     </a:rPr>
                                   </m:ctrlPr>
                                 </m:sSupPr>
@@ -18838,7 +18831,7 @@
                                     <m:dPr>
                                       <m:ctrlPr>
                                         <a:rPr lang="en-US" sz="2400" i="1">
-                                          <a:latin typeface="Cambria Math" charset="0"/>
+                                          <a:latin typeface="Cambria Math" panose="02040503050406030204" pitchFamily="18" charset="0"/>
                                         </a:rPr>
                                       </m:ctrlPr>
                                     </m:dPr>
@@ -18847,7 +18840,7 @@
                                         <m:sSupPr>
                                           <m:ctrlPr>
                                             <a:rPr lang="en-US" sz="2400" i="1">
-                                              <a:latin typeface="Cambria Math" charset="0"/>
+                                              <a:latin typeface="Cambria Math" panose="02040503050406030204" pitchFamily="18" charset="0"/>
                                             </a:rPr>
                                           </m:ctrlPr>
                                         </m:sSupPr>
@@ -18872,7 +18865,7 @@
                                         <m:dPr>
                                           <m:ctrlPr>
                                             <a:rPr lang="en-US" sz="2400" i="1">
-                                              <a:latin typeface="Cambria Math" charset="0"/>
+                                              <a:latin typeface="Cambria Math" panose="02040503050406030204" pitchFamily="18" charset="0"/>
                                             </a:rPr>
                                           </m:ctrlPr>
                                         </m:dPr>
@@ -18881,7 +18874,7 @@
                                             <m:sSubPr>
                                               <m:ctrlPr>
                                                 <a:rPr lang="en-US" sz="2400" b="1" i="1">
-                                                  <a:latin typeface="Cambria Math" charset="0"/>
+                                                  <a:latin typeface="Cambria Math" panose="02040503050406030204" pitchFamily="18" charset="0"/>
                                                 </a:rPr>
                                               </m:ctrlPr>
                                             </m:sSubPr>
@@ -18914,7 +18907,7 @@
                                         <m:sSubPr>
                                           <m:ctrlPr>
                                             <a:rPr lang="en-US" sz="2400" i="1">
-                                              <a:latin typeface="Cambria Math" charset="0"/>
+                                              <a:latin typeface="Cambria Math" panose="02040503050406030204" pitchFamily="18" charset="0"/>
                                             </a:rPr>
                                           </m:ctrlPr>
                                         </m:sSubPr>
@@ -19039,7 +19032,7 @@
           <p:cNvPr id="13" name="TextBox 12">
             <a:extLst>
               <a:ext uri="{FF2B5EF4-FFF2-40B4-BE49-F238E27FC236}">
-                <a16:creationId xmlns:a16="http://schemas.microsoft.com/office/drawing/2014/main" xmlns="" id="{C4657861-505D-E349-88F7-4E3BDFF6A993}"/>
+                <a16:creationId xmlns:a16="http://schemas.microsoft.com/office/drawing/2014/main" id="{C4657861-505D-E349-88F7-4E3BDFF6A993}"/>
               </a:ext>
             </a:extLst>
           </p:cNvPr>
@@ -19086,7 +19079,7 @@
           <p:cNvPr id="14" name="Straight Arrow Connector 13">
             <a:extLst>
               <a:ext uri="{FF2B5EF4-FFF2-40B4-BE49-F238E27FC236}">
-                <a16:creationId xmlns:a16="http://schemas.microsoft.com/office/drawing/2014/main" xmlns="" id="{0F4BC9DA-DC9F-CE4C-8E26-E9BBAD44CE37}"/>
+                <a16:creationId xmlns:a16="http://schemas.microsoft.com/office/drawing/2014/main" id="{0F4BC9DA-DC9F-CE4C-8E26-E9BBAD44CE37}"/>
               </a:ext>
             </a:extLst>
           </p:cNvPr>
@@ -19157,7 +19150,7 @@
           <p:cNvPr id="2" name="Title 1">
             <a:extLst>
               <a:ext uri="{FF2B5EF4-FFF2-40B4-BE49-F238E27FC236}">
-                <a16:creationId xmlns:a16="http://schemas.microsoft.com/office/drawing/2014/main" xmlns="" id="{90371848-C3C2-2946-8721-32944148379F}"/>
+                <a16:creationId xmlns:a16="http://schemas.microsoft.com/office/drawing/2014/main" id="{90371848-C3C2-2946-8721-32944148379F}"/>
               </a:ext>
             </a:extLst>
           </p:cNvPr>
@@ -19189,7 +19182,7 @@
           <p:cNvPr id="5" name="Picture 4">
             <a:extLst>
               <a:ext uri="{FF2B5EF4-FFF2-40B4-BE49-F238E27FC236}">
-                <a16:creationId xmlns:a16="http://schemas.microsoft.com/office/drawing/2014/main" xmlns="" id="{96C8DA8D-9BEF-744E-AFF8-50655E69712A}"/>
+                <a16:creationId xmlns:a16="http://schemas.microsoft.com/office/drawing/2014/main" id="{96C8DA8D-9BEF-744E-AFF8-50655E69712A}"/>
               </a:ext>
             </a:extLst>
           </p:cNvPr>
@@ -19227,7 +19220,7 @@
               <p:cNvPr id="6" name="TextBox 5">
                 <a:extLst>
                   <a:ext uri="{FF2B5EF4-FFF2-40B4-BE49-F238E27FC236}">
-                    <a16:creationId xmlns:a16="http://schemas.microsoft.com/office/drawing/2014/main" xmlns="" id="{B64305C1-D8DA-9449-80AD-775E6D513BE6}"/>
+                    <a16:creationId xmlns:a16="http://schemas.microsoft.com/office/drawing/2014/main" id="{B64305C1-D8DA-9449-80AD-775E6D513BE6}"/>
                   </a:ext>
                 </a:extLst>
               </p:cNvPr>
@@ -19266,7 +19259,7 @@
                         <m:endChr m:val="}"/>
                         <m:ctrlPr>
                           <a:rPr lang="en-US" sz="2400" b="0" i="1" smtClean="0">
-                            <a:latin typeface="Cambria Math" charset="0"/>
+                            <a:latin typeface="Cambria Math" panose="02040503050406030204" pitchFamily="18" charset="0"/>
                           </a:rPr>
                         </m:ctrlPr>
                       </m:dPr>
@@ -19275,7 +19268,7 @@
                           <m:sSubPr>
                             <m:ctrlPr>
                               <a:rPr lang="en-US" sz="2400" b="0" i="1" smtClean="0">
-                                <a:latin typeface="Cambria Math" charset="0"/>
+                                <a:latin typeface="Cambria Math" panose="02040503050406030204" pitchFamily="18" charset="0"/>
                               </a:rPr>
                             </m:ctrlPr>
                           </m:sSubPr>
@@ -19306,7 +19299,7 @@
                           <m:sSubPr>
                             <m:ctrlPr>
                               <a:rPr lang="en-US" sz="2400" b="0" i="1" smtClean="0">
-                                <a:latin typeface="Cambria Math" charset="0"/>
+                                <a:latin typeface="Cambria Math" panose="02040503050406030204" pitchFamily="18" charset="0"/>
                               </a:rPr>
                             </m:ctrlPr>
                           </m:sSubPr>
@@ -19424,7 +19417,7 @@
               <p:cNvPr id="7" name="TextBox 6">
                 <a:extLst>
                   <a:ext uri="{FF2B5EF4-FFF2-40B4-BE49-F238E27FC236}">
-                    <a16:creationId xmlns:a16="http://schemas.microsoft.com/office/drawing/2014/main" xmlns="" id="{B326EACE-184C-7541-863E-4FC005F8970C}"/>
+                    <a16:creationId xmlns:a16="http://schemas.microsoft.com/office/drawing/2014/main" id="{B326EACE-184C-7541-863E-4FC005F8970C}"/>
                   </a:ext>
                 </a:extLst>
               </p:cNvPr>
@@ -19458,7 +19451,7 @@
                         <m:sSubPr>
                           <m:ctrlPr>
                             <a:rPr lang="en-US" sz="2400" b="0" i="1" smtClean="0">
-                              <a:latin typeface="Cambria Math" charset="0"/>
+                              <a:latin typeface="Cambria Math" panose="02040503050406030204" pitchFamily="18" charset="0"/>
                             </a:rPr>
                           </m:ctrlPr>
                         </m:sSubPr>
@@ -19501,7 +19494,7 @@
                         <m:sSubPr>
                           <m:ctrlPr>
                             <a:rPr lang="en-US" sz="2400" b="0" i="1" smtClean="0">
-                              <a:latin typeface="Cambria Math" charset="0"/>
+                              <a:latin typeface="Cambria Math" panose="02040503050406030204" pitchFamily="18" charset="0"/>
                             </a:rPr>
                           </m:ctrlPr>
                         </m:sSubPr>
@@ -19532,7 +19525,7 @@
                         <m:sSubPr>
                           <m:ctrlPr>
                             <a:rPr lang="en-US" sz="2400" b="0" i="1" smtClean="0">
-                              <a:latin typeface="Cambria Math" charset="0"/>
+                              <a:latin typeface="Cambria Math" panose="02040503050406030204" pitchFamily="18" charset="0"/>
                             </a:rPr>
                           </m:ctrlPr>
                         </m:sSubPr>
@@ -19569,7 +19562,7 @@
                         <m:funcPr>
                           <m:ctrlPr>
                             <a:rPr lang="en-US" sz="2400" b="0" i="1" smtClean="0">
-                              <a:latin typeface="Cambria Math" charset="0"/>
+                              <a:latin typeface="Cambria Math" panose="02040503050406030204" pitchFamily="18" charset="0"/>
                             </a:rPr>
                           </m:ctrlPr>
                         </m:funcPr>
@@ -19589,7 +19582,7 @@
                             <m:dPr>
                               <m:ctrlPr>
                                 <a:rPr lang="en-US" sz="2400" i="1">
-                                  <a:latin typeface="Cambria Math" charset="0"/>
+                                  <a:latin typeface="Cambria Math" panose="02040503050406030204" pitchFamily="18" charset="0"/>
                                 </a:rPr>
                               </m:ctrlPr>
                             </m:dPr>
@@ -19604,7 +19597,7 @@
                                 <m:fPr>
                                   <m:ctrlPr>
                                     <a:rPr lang="en-US" sz="2400" i="1">
-                                      <a:latin typeface="Cambria Math" charset="0"/>
+                                      <a:latin typeface="Cambria Math" panose="02040503050406030204" pitchFamily="18" charset="0"/>
                                     </a:rPr>
                                   </m:ctrlPr>
                                 </m:fPr>
@@ -19613,7 +19606,7 @@
                                     <m:sSupPr>
                                       <m:ctrlPr>
                                         <a:rPr lang="en-US" sz="2400" i="1">
-                                          <a:latin typeface="Cambria Math" charset="0"/>
+                                          <a:latin typeface="Cambria Math" panose="02040503050406030204" pitchFamily="18" charset="0"/>
                                         </a:rPr>
                                       </m:ctrlPr>
                                     </m:sSupPr>
@@ -19624,7 +19617,7 @@
                                           <m:endChr m:val="‖"/>
                                           <m:ctrlPr>
                                             <a:rPr lang="en-US" sz="2400" i="1">
-                                              <a:latin typeface="Cambria Math" charset="0"/>
+                                              <a:latin typeface="Cambria Math" panose="02040503050406030204" pitchFamily="18" charset="0"/>
                                             </a:rPr>
                                           </m:ctrlPr>
                                         </m:dPr>
@@ -19633,7 +19626,7 @@
                                             <m:sSubPr>
                                               <m:ctrlPr>
                                                 <a:rPr lang="en-US" sz="2400" b="0" i="1" smtClean="0">
-                                                  <a:latin typeface="Cambria Math" charset="0"/>
+                                                  <a:latin typeface="Cambria Math" panose="02040503050406030204" pitchFamily="18" charset="0"/>
                                                 </a:rPr>
                                               </m:ctrlPr>
                                             </m:sSubPr>
@@ -19664,7 +19657,7 @@
                                             <m:sSubPr>
                                               <m:ctrlPr>
                                                 <a:rPr lang="en-US" sz="2400" i="1">
-                                                  <a:latin typeface="Cambria Math" charset="0"/>
+                                                  <a:latin typeface="Cambria Math" panose="02040503050406030204" pitchFamily="18" charset="0"/>
                                                 </a:rPr>
                                               </m:ctrlPr>
                                             </m:sSubPr>
@@ -19709,7 +19702,7 @@
                                     <m:sSupPr>
                                       <m:ctrlPr>
                                         <a:rPr lang="en-US" sz="2400" i="1">
-                                          <a:latin typeface="Cambria Math" charset="0"/>
+                                          <a:latin typeface="Cambria Math" panose="02040503050406030204" pitchFamily="18" charset="0"/>
                                         </a:rPr>
                                       </m:ctrlPr>
                                     </m:sSupPr>
@@ -19796,7 +19789,7 @@
               <p:cNvPr id="8" name="TextBox 7">
                 <a:extLst>
                   <a:ext uri="{FF2B5EF4-FFF2-40B4-BE49-F238E27FC236}">
-                    <a16:creationId xmlns:a16="http://schemas.microsoft.com/office/drawing/2014/main" xmlns="" id="{4565886E-73A9-DD4D-90C2-BD9C2AFADF7F}"/>
+                    <a16:creationId xmlns:a16="http://schemas.microsoft.com/office/drawing/2014/main" id="{4565886E-73A9-DD4D-90C2-BD9C2AFADF7F}"/>
                   </a:ext>
                 </a:extLst>
               </p:cNvPr>
@@ -19830,7 +19823,7 @@
                         <m:sSupPr>
                           <m:ctrlPr>
                             <a:rPr lang="en-US" sz="2400" i="1" smtClean="0">
-                              <a:latin typeface="Cambria Math" charset="0"/>
+                              <a:latin typeface="Cambria Math" panose="02040503050406030204" pitchFamily="18" charset="0"/>
                             </a:rPr>
                           </m:ctrlPr>
                         </m:sSupPr>
@@ -19855,7 +19848,7 @@
                         <m:dPr>
                           <m:ctrlPr>
                             <a:rPr lang="en-US" sz="2400" i="1" smtClean="0">
-                              <a:latin typeface="Cambria Math" charset="0"/>
+                              <a:latin typeface="Cambria Math" panose="02040503050406030204" pitchFamily="18" charset="0"/>
                             </a:rPr>
                           </m:ctrlPr>
                         </m:dPr>
@@ -19864,7 +19857,7 @@
                             <m:sSubPr>
                               <m:ctrlPr>
                                 <a:rPr lang="en-US" sz="2400" b="1" i="1" smtClean="0">
-                                  <a:latin typeface="Cambria Math" charset="0"/>
+                                  <a:latin typeface="Cambria Math" panose="02040503050406030204" pitchFamily="18" charset="0"/>
                                 </a:rPr>
                               </m:ctrlPr>
                             </m:sSubPr>
@@ -19898,7 +19891,7 @@
                           <m:chr m:val="∑"/>
                           <m:ctrlPr>
                             <a:rPr lang="en-US" sz="2400" i="1" smtClean="0">
-                              <a:latin typeface="Cambria Math" charset="0"/>
+                              <a:latin typeface="Cambria Math" panose="02040503050406030204" pitchFamily="18" charset="0"/>
                             </a:rPr>
                           </m:ctrlPr>
                         </m:naryPr>
@@ -19923,7 +19916,7 @@
                             <m:sSubPr>
                               <m:ctrlPr>
                                 <a:rPr lang="en-US" sz="2400" i="1" smtClean="0">
-                                  <a:latin typeface="Cambria Math" charset="0"/>
+                                  <a:latin typeface="Cambria Math" panose="02040503050406030204" pitchFamily="18" charset="0"/>
                                 </a:rPr>
                               </m:ctrlPr>
                             </m:sSubPr>
@@ -19948,7 +19941,7 @@
                             <m:sSubPr>
                               <m:ctrlPr>
                                 <a:rPr lang="en-US" sz="2400" b="0" i="1" smtClean="0">
-                                  <a:latin typeface="Cambria Math" charset="0"/>
+                                  <a:latin typeface="Cambria Math" panose="02040503050406030204" pitchFamily="18" charset="0"/>
                                 </a:rPr>
                               </m:ctrlPr>
                             </m:sSubPr>
@@ -20043,7 +20036,7 @@
               <p:cNvPr id="9" name="TextBox 8">
                 <a:extLst>
                   <a:ext uri="{FF2B5EF4-FFF2-40B4-BE49-F238E27FC236}">
-                    <a16:creationId xmlns:a16="http://schemas.microsoft.com/office/drawing/2014/main" xmlns="" id="{F3A575DB-1649-C547-9BCE-503D6BD6423A}"/>
+                    <a16:creationId xmlns:a16="http://schemas.microsoft.com/office/drawing/2014/main" id="{F3A575DB-1649-C547-9BCE-503D6BD6423A}"/>
                   </a:ext>
                 </a:extLst>
               </p:cNvPr>
@@ -20077,7 +20070,7 @@
                         <m:funcPr>
                           <m:ctrlPr>
                             <a:rPr lang="en-US" sz="2400" i="1" smtClean="0">
-                              <a:latin typeface="Cambria Math" charset="0"/>
+                              <a:latin typeface="Cambria Math" panose="02040503050406030204" pitchFamily="18" charset="0"/>
                             </a:rPr>
                           </m:ctrlPr>
                         </m:funcPr>
@@ -20086,7 +20079,7 @@
                             <m:limLowPr>
                               <m:ctrlPr>
                                 <a:rPr lang="en-US" sz="2400" i="1" smtClean="0">
-                                  <a:latin typeface="Cambria Math" charset="0"/>
+                                  <a:latin typeface="Cambria Math" panose="02040503050406030204" pitchFamily="18" charset="0"/>
                                 </a:rPr>
                               </m:ctrlPr>
                             </m:limLowPr>
@@ -20117,7 +20110,7 @@
                               <m:chr m:val="∑"/>
                               <m:ctrlPr>
                                 <a:rPr lang="en-US" sz="2400" i="1" smtClean="0">
-                                  <a:latin typeface="Cambria Math" charset="0"/>
+                                  <a:latin typeface="Cambria Math" panose="02040503050406030204" pitchFamily="18" charset="0"/>
                                 </a:rPr>
                               </m:ctrlPr>
                             </m:naryPr>
@@ -20142,7 +20135,7 @@
                                 <m:sSupPr>
                                   <m:ctrlPr>
                                     <a:rPr lang="en-US" sz="2400" i="1">
-                                      <a:latin typeface="Cambria Math" charset="0"/>
+                                      <a:latin typeface="Cambria Math" panose="02040503050406030204" pitchFamily="18" charset="0"/>
                                     </a:rPr>
                                   </m:ctrlPr>
                                 </m:sSupPr>
@@ -20151,7 +20144,7 @@
                                     <m:dPr>
                                       <m:ctrlPr>
                                         <a:rPr lang="en-US" sz="2400" i="1">
-                                          <a:latin typeface="Cambria Math" charset="0"/>
+                                          <a:latin typeface="Cambria Math" panose="02040503050406030204" pitchFamily="18" charset="0"/>
                                         </a:rPr>
                                       </m:ctrlPr>
                                     </m:dPr>
@@ -20160,7 +20153,7 @@
                                         <m:sSupPr>
                                           <m:ctrlPr>
                                             <a:rPr lang="en-US" sz="2400" i="1">
-                                              <a:latin typeface="Cambria Math" charset="0"/>
+                                              <a:latin typeface="Cambria Math" panose="02040503050406030204" pitchFamily="18" charset="0"/>
                                             </a:rPr>
                                           </m:ctrlPr>
                                         </m:sSupPr>
@@ -20185,7 +20178,7 @@
                                         <m:dPr>
                                           <m:ctrlPr>
                                             <a:rPr lang="en-US" sz="2400" i="1">
-                                              <a:latin typeface="Cambria Math" charset="0"/>
+                                              <a:latin typeface="Cambria Math" panose="02040503050406030204" pitchFamily="18" charset="0"/>
                                             </a:rPr>
                                           </m:ctrlPr>
                                         </m:dPr>
@@ -20194,7 +20187,7 @@
                                             <m:sSubPr>
                                               <m:ctrlPr>
                                                 <a:rPr lang="en-US" sz="2400" b="1" i="1">
-                                                  <a:latin typeface="Cambria Math" charset="0"/>
+                                                  <a:latin typeface="Cambria Math" panose="02040503050406030204" pitchFamily="18" charset="0"/>
                                                 </a:rPr>
                                               </m:ctrlPr>
                                             </m:sSubPr>
@@ -20227,7 +20220,7 @@
                                         <m:sSubPr>
                                           <m:ctrlPr>
                                             <a:rPr lang="en-US" sz="2400" i="1">
-                                              <a:latin typeface="Cambria Math" charset="0"/>
+                                              <a:latin typeface="Cambria Math" panose="02040503050406030204" pitchFamily="18" charset="0"/>
                                             </a:rPr>
                                           </m:ctrlPr>
                                         </m:sSubPr>
@@ -20382,7 +20375,7 @@
           <p:cNvPr id="2" name="Title 1">
             <a:extLst>
               <a:ext uri="{FF2B5EF4-FFF2-40B4-BE49-F238E27FC236}">
-                <a16:creationId xmlns:a16="http://schemas.microsoft.com/office/drawing/2014/main" xmlns="" id="{90371848-C3C2-2946-8721-32944148379F}"/>
+                <a16:creationId xmlns:a16="http://schemas.microsoft.com/office/drawing/2014/main" id="{90371848-C3C2-2946-8721-32944148379F}"/>
               </a:ext>
             </a:extLst>
           </p:cNvPr>
@@ -20422,7 +20415,7 @@
           <p:cNvPr id="5" name="Picture 4">
             <a:extLst>
               <a:ext uri="{FF2B5EF4-FFF2-40B4-BE49-F238E27FC236}">
-                <a16:creationId xmlns:a16="http://schemas.microsoft.com/office/drawing/2014/main" xmlns="" id="{96C8DA8D-9BEF-744E-AFF8-50655E69712A}"/>
+                <a16:creationId xmlns:a16="http://schemas.microsoft.com/office/drawing/2014/main" id="{96C8DA8D-9BEF-744E-AFF8-50655E69712A}"/>
               </a:ext>
             </a:extLst>
           </p:cNvPr>
@@ -20460,7 +20453,7 @@
               <p:cNvPr id="6" name="TextBox 5">
                 <a:extLst>
                   <a:ext uri="{FF2B5EF4-FFF2-40B4-BE49-F238E27FC236}">
-                    <a16:creationId xmlns:a16="http://schemas.microsoft.com/office/drawing/2014/main" xmlns="" id="{B64305C1-D8DA-9449-80AD-775E6D513BE6}"/>
+                    <a16:creationId xmlns:a16="http://schemas.microsoft.com/office/drawing/2014/main" id="{B64305C1-D8DA-9449-80AD-775E6D513BE6}"/>
                   </a:ext>
                 </a:extLst>
               </p:cNvPr>
@@ -20499,7 +20492,7 @@
                         <m:endChr m:val="}"/>
                         <m:ctrlPr>
                           <a:rPr lang="en-US" sz="2400" b="0" i="1" smtClean="0">
-                            <a:latin typeface="Cambria Math" charset="0"/>
+                            <a:latin typeface="Cambria Math" panose="02040503050406030204" pitchFamily="18" charset="0"/>
                           </a:rPr>
                         </m:ctrlPr>
                       </m:dPr>
@@ -20508,7 +20501,7 @@
                           <m:sSubPr>
                             <m:ctrlPr>
                               <a:rPr lang="en-US" sz="2400" b="0" i="1" smtClean="0">
-                                <a:latin typeface="Cambria Math" charset="0"/>
+                                <a:latin typeface="Cambria Math" panose="02040503050406030204" pitchFamily="18" charset="0"/>
                               </a:rPr>
                             </m:ctrlPr>
                           </m:sSubPr>
@@ -20539,7 +20532,7 @@
                           <m:sSubPr>
                             <m:ctrlPr>
                               <a:rPr lang="en-US" sz="2400" b="0" i="1" smtClean="0">
-                                <a:latin typeface="Cambria Math" charset="0"/>
+                                <a:latin typeface="Cambria Math" panose="02040503050406030204" pitchFamily="18" charset="0"/>
                               </a:rPr>
                             </m:ctrlPr>
                           </m:sSubPr>
@@ -20657,7 +20650,7 @@
               <p:cNvPr id="7" name="TextBox 6">
                 <a:extLst>
                   <a:ext uri="{FF2B5EF4-FFF2-40B4-BE49-F238E27FC236}">
-                    <a16:creationId xmlns:a16="http://schemas.microsoft.com/office/drawing/2014/main" xmlns="" id="{B326EACE-184C-7541-863E-4FC005F8970C}"/>
+                    <a16:creationId xmlns:a16="http://schemas.microsoft.com/office/drawing/2014/main" id="{B326EACE-184C-7541-863E-4FC005F8970C}"/>
                   </a:ext>
                 </a:extLst>
               </p:cNvPr>
@@ -20691,7 +20684,7 @@
                         <m:sSubPr>
                           <m:ctrlPr>
                             <a:rPr lang="en-US" sz="2400" b="0" i="1" smtClean="0">
-                              <a:latin typeface="Cambria Math" charset="0"/>
+                              <a:latin typeface="Cambria Math" panose="02040503050406030204" pitchFamily="18" charset="0"/>
                             </a:rPr>
                           </m:ctrlPr>
                         </m:sSubPr>
@@ -20734,7 +20727,7 @@
                         <m:sSubPr>
                           <m:ctrlPr>
                             <a:rPr lang="en-US" sz="2400" b="0" i="1" smtClean="0">
-                              <a:latin typeface="Cambria Math" charset="0"/>
+                              <a:latin typeface="Cambria Math" panose="02040503050406030204" pitchFamily="18" charset="0"/>
                             </a:rPr>
                           </m:ctrlPr>
                         </m:sSubPr>
@@ -20765,7 +20758,7 @@
                         <m:sSubPr>
                           <m:ctrlPr>
                             <a:rPr lang="en-US" sz="2400" b="0" i="1" smtClean="0">
-                              <a:latin typeface="Cambria Math" charset="0"/>
+                              <a:latin typeface="Cambria Math" panose="02040503050406030204" pitchFamily="18" charset="0"/>
                             </a:rPr>
                           </m:ctrlPr>
                         </m:sSubPr>
@@ -20802,7 +20795,7 @@
                         <m:funcPr>
                           <m:ctrlPr>
                             <a:rPr lang="en-US" sz="2400" b="0" i="1" smtClean="0">
-                              <a:latin typeface="Cambria Math" charset="0"/>
+                              <a:latin typeface="Cambria Math" panose="02040503050406030204" pitchFamily="18" charset="0"/>
                             </a:rPr>
                           </m:ctrlPr>
                         </m:funcPr>
@@ -20822,7 +20815,7 @@
                             <m:dPr>
                               <m:ctrlPr>
                                 <a:rPr lang="en-US" sz="2400" i="1">
-                                  <a:latin typeface="Cambria Math" charset="0"/>
+                                  <a:latin typeface="Cambria Math" panose="02040503050406030204" pitchFamily="18" charset="0"/>
                                 </a:rPr>
                               </m:ctrlPr>
                             </m:dPr>
@@ -20837,7 +20830,7 @@
                                 <m:fPr>
                                   <m:ctrlPr>
                                     <a:rPr lang="en-US" sz="2400" i="1">
-                                      <a:latin typeface="Cambria Math" charset="0"/>
+                                      <a:latin typeface="Cambria Math" panose="02040503050406030204" pitchFamily="18" charset="0"/>
                                     </a:rPr>
                                   </m:ctrlPr>
                                 </m:fPr>
@@ -20846,7 +20839,7 @@
                                     <m:sSupPr>
                                       <m:ctrlPr>
                                         <a:rPr lang="en-US" sz="2400" i="1">
-                                          <a:latin typeface="Cambria Math" charset="0"/>
+                                          <a:latin typeface="Cambria Math" panose="02040503050406030204" pitchFamily="18" charset="0"/>
                                         </a:rPr>
                                       </m:ctrlPr>
                                     </m:sSupPr>
@@ -20857,7 +20850,7 @@
                                           <m:endChr m:val="‖"/>
                                           <m:ctrlPr>
                                             <a:rPr lang="en-US" sz="2400" i="1">
-                                              <a:latin typeface="Cambria Math" charset="0"/>
+                                              <a:latin typeface="Cambria Math" panose="02040503050406030204" pitchFamily="18" charset="0"/>
                                             </a:rPr>
                                           </m:ctrlPr>
                                         </m:dPr>
@@ -20866,7 +20859,7 @@
                                             <m:sSubPr>
                                               <m:ctrlPr>
                                                 <a:rPr lang="en-US" sz="2400" b="0" i="1" smtClean="0">
-                                                  <a:latin typeface="Cambria Math" charset="0"/>
+                                                  <a:latin typeface="Cambria Math" panose="02040503050406030204" pitchFamily="18" charset="0"/>
                                                 </a:rPr>
                                               </m:ctrlPr>
                                             </m:sSubPr>
@@ -20897,7 +20890,7 @@
                                             <m:sSubPr>
                                               <m:ctrlPr>
                                                 <a:rPr lang="en-US" sz="2400" i="1">
-                                                  <a:latin typeface="Cambria Math" charset="0"/>
+                                                  <a:latin typeface="Cambria Math" panose="02040503050406030204" pitchFamily="18" charset="0"/>
                                                 </a:rPr>
                                               </m:ctrlPr>
                                             </m:sSubPr>
@@ -20942,7 +20935,7 @@
                                     <m:sSupPr>
                                       <m:ctrlPr>
                                         <a:rPr lang="en-US" sz="2400" i="1">
-                                          <a:latin typeface="Cambria Math" charset="0"/>
+                                          <a:latin typeface="Cambria Math" panose="02040503050406030204" pitchFamily="18" charset="0"/>
                                         </a:rPr>
                                       </m:ctrlPr>
                                     </m:sSupPr>
@@ -21029,7 +21022,7 @@
               <p:cNvPr id="8" name="TextBox 7">
                 <a:extLst>
                   <a:ext uri="{FF2B5EF4-FFF2-40B4-BE49-F238E27FC236}">
-                    <a16:creationId xmlns:a16="http://schemas.microsoft.com/office/drawing/2014/main" xmlns="" id="{4565886E-73A9-DD4D-90C2-BD9C2AFADF7F}"/>
+                    <a16:creationId xmlns:a16="http://schemas.microsoft.com/office/drawing/2014/main" id="{4565886E-73A9-DD4D-90C2-BD9C2AFADF7F}"/>
                   </a:ext>
                 </a:extLst>
               </p:cNvPr>
@@ -21063,7 +21056,7 @@
                         <m:sSupPr>
                           <m:ctrlPr>
                             <a:rPr lang="en-US" sz="2400" i="1" smtClean="0">
-                              <a:latin typeface="Cambria Math" charset="0"/>
+                              <a:latin typeface="Cambria Math" panose="02040503050406030204" pitchFamily="18" charset="0"/>
                             </a:rPr>
                           </m:ctrlPr>
                         </m:sSupPr>
@@ -21088,7 +21081,7 @@
                         <m:dPr>
                           <m:ctrlPr>
                             <a:rPr lang="en-US" sz="2400" i="1" smtClean="0">
-                              <a:latin typeface="Cambria Math" charset="0"/>
+                              <a:latin typeface="Cambria Math" panose="02040503050406030204" pitchFamily="18" charset="0"/>
                             </a:rPr>
                           </m:ctrlPr>
                         </m:dPr>
@@ -21097,7 +21090,7 @@
                             <m:sSubPr>
                               <m:ctrlPr>
                                 <a:rPr lang="en-US" sz="2400" b="1" i="1" smtClean="0">
-                                  <a:latin typeface="Cambria Math" charset="0"/>
+                                  <a:latin typeface="Cambria Math" panose="02040503050406030204" pitchFamily="18" charset="0"/>
                                 </a:rPr>
                               </m:ctrlPr>
                             </m:sSubPr>
@@ -21131,7 +21124,7 @@
                           <m:chr m:val="∑"/>
                           <m:ctrlPr>
                             <a:rPr lang="en-US" sz="2400" i="1" smtClean="0">
-                              <a:latin typeface="Cambria Math" charset="0"/>
+                              <a:latin typeface="Cambria Math" panose="02040503050406030204" pitchFamily="18" charset="0"/>
                             </a:rPr>
                           </m:ctrlPr>
                         </m:naryPr>
@@ -21156,7 +21149,7 @@
                             <m:sSubPr>
                               <m:ctrlPr>
                                 <a:rPr lang="en-US" sz="2400" i="1" smtClean="0">
-                                  <a:latin typeface="Cambria Math" charset="0"/>
+                                  <a:latin typeface="Cambria Math" panose="02040503050406030204" pitchFamily="18" charset="0"/>
                                 </a:rPr>
                               </m:ctrlPr>
                             </m:sSubPr>
@@ -21181,7 +21174,7 @@
                             <m:sSubPr>
                               <m:ctrlPr>
                                 <a:rPr lang="en-US" sz="2400" b="0" i="1" smtClean="0">
-                                  <a:latin typeface="Cambria Math" charset="0"/>
+                                  <a:latin typeface="Cambria Math" panose="02040503050406030204" pitchFamily="18" charset="0"/>
                                 </a:rPr>
                               </m:ctrlPr>
                             </m:sSubPr>
@@ -21276,7 +21269,7 @@
               <p:cNvPr id="9" name="TextBox 8">
                 <a:extLst>
                   <a:ext uri="{FF2B5EF4-FFF2-40B4-BE49-F238E27FC236}">
-                    <a16:creationId xmlns:a16="http://schemas.microsoft.com/office/drawing/2014/main" xmlns="" id="{F3A575DB-1649-C547-9BCE-503D6BD6423A}"/>
+                    <a16:creationId xmlns:a16="http://schemas.microsoft.com/office/drawing/2014/main" id="{F3A575DB-1649-C547-9BCE-503D6BD6423A}"/>
                   </a:ext>
                 </a:extLst>
               </p:cNvPr>
@@ -21310,7 +21303,7 @@
                         <m:funcPr>
                           <m:ctrlPr>
                             <a:rPr lang="en-US" sz="2400" i="1" smtClean="0">
-                              <a:latin typeface="Cambria Math" charset="0"/>
+                              <a:latin typeface="Cambria Math" panose="02040503050406030204" pitchFamily="18" charset="0"/>
                             </a:rPr>
                           </m:ctrlPr>
                         </m:funcPr>
@@ -21319,7 +21312,7 @@
                             <m:limLowPr>
                               <m:ctrlPr>
                                 <a:rPr lang="en-US" sz="2400" i="1" smtClean="0">
-                                  <a:latin typeface="Cambria Math" charset="0"/>
+                                  <a:latin typeface="Cambria Math" panose="02040503050406030204" pitchFamily="18" charset="0"/>
                                 </a:rPr>
                               </m:ctrlPr>
                             </m:limLowPr>
@@ -21350,7 +21343,7 @@
                               <m:chr m:val="∑"/>
                               <m:ctrlPr>
                                 <a:rPr lang="en-US" sz="2400" i="1" smtClean="0">
-                                  <a:latin typeface="Cambria Math" charset="0"/>
+                                  <a:latin typeface="Cambria Math" panose="02040503050406030204" pitchFamily="18" charset="0"/>
                                 </a:rPr>
                               </m:ctrlPr>
                             </m:naryPr>
@@ -21375,7 +21368,7 @@
                                 <m:sSupPr>
                                   <m:ctrlPr>
                                     <a:rPr lang="en-US" sz="2400" i="1">
-                                      <a:latin typeface="Cambria Math" charset="0"/>
+                                      <a:latin typeface="Cambria Math" panose="02040503050406030204" pitchFamily="18" charset="0"/>
                                     </a:rPr>
                                   </m:ctrlPr>
                                 </m:sSupPr>
@@ -21384,7 +21377,7 @@
                                     <m:dPr>
                                       <m:ctrlPr>
                                         <a:rPr lang="en-US" sz="2400" i="1">
-                                          <a:latin typeface="Cambria Math" charset="0"/>
+                                          <a:latin typeface="Cambria Math" panose="02040503050406030204" pitchFamily="18" charset="0"/>
                                         </a:rPr>
                                       </m:ctrlPr>
                                     </m:dPr>
@@ -21393,7 +21386,7 @@
                                         <m:sSupPr>
                                           <m:ctrlPr>
                                             <a:rPr lang="en-US" sz="2400" i="1">
-                                              <a:latin typeface="Cambria Math" charset="0"/>
+                                              <a:latin typeface="Cambria Math" panose="02040503050406030204" pitchFamily="18" charset="0"/>
                                             </a:rPr>
                                           </m:ctrlPr>
                                         </m:sSupPr>
@@ -21418,7 +21411,7 @@
                                         <m:dPr>
                                           <m:ctrlPr>
                                             <a:rPr lang="en-US" sz="2400" i="1">
-                                              <a:latin typeface="Cambria Math" charset="0"/>
+                                              <a:latin typeface="Cambria Math" panose="02040503050406030204" pitchFamily="18" charset="0"/>
                                             </a:rPr>
                                           </m:ctrlPr>
                                         </m:dPr>
@@ -21427,7 +21420,7 @@
                                             <m:sSubPr>
                                               <m:ctrlPr>
                                                 <a:rPr lang="en-US" sz="2400" b="1" i="1">
-                                                  <a:latin typeface="Cambria Math" charset="0"/>
+                                                  <a:latin typeface="Cambria Math" panose="02040503050406030204" pitchFamily="18" charset="0"/>
                                                 </a:rPr>
                                               </m:ctrlPr>
                                             </m:sSubPr>
@@ -21460,7 +21453,7 @@
                                         <m:sSubPr>
                                           <m:ctrlPr>
                                             <a:rPr lang="en-US" sz="2400" i="1">
-                                              <a:latin typeface="Cambria Math" charset="0"/>
+                                              <a:latin typeface="Cambria Math" panose="02040503050406030204" pitchFamily="18" charset="0"/>
                                             </a:rPr>
                                           </m:ctrlPr>
                                         </m:sSubPr>
@@ -21512,7 +21505,7 @@
                               <m:chr m:val="∑"/>
                               <m:ctrlPr>
                                 <a:rPr lang="en-US" sz="2400" i="1" smtClean="0">
-                                  <a:latin typeface="Cambria Math" charset="0"/>
+                                  <a:latin typeface="Cambria Math" panose="02040503050406030204" pitchFamily="18" charset="0"/>
                                 </a:rPr>
                               </m:ctrlPr>
                             </m:naryPr>
@@ -21552,7 +21545,7 @@
                                 <m:sSubSupPr>
                                   <m:ctrlPr>
                                     <a:rPr lang="en-US" sz="2400" b="0" i="1" smtClean="0">
-                                      <a:latin typeface="Cambria Math" charset="0"/>
+                                      <a:latin typeface="Cambria Math" panose="02040503050406030204" pitchFamily="18" charset="0"/>
                                     </a:rPr>
                                   </m:ctrlPr>
                                 </m:sSubSupPr>
@@ -21585,7 +21578,7 @@
                                 <m:sSubPr>
                                   <m:ctrlPr>
                                     <a:rPr lang="en-US" sz="2400" b="0" i="1" smtClean="0">
-                                      <a:latin typeface="Cambria Math" charset="0"/>
+                                      <a:latin typeface="Cambria Math" panose="02040503050406030204" pitchFamily="18" charset="0"/>
                                     </a:rPr>
                                   </m:ctrlPr>
                                 </m:sSubPr>
@@ -21610,7 +21603,7 @@
                                 <m:sSubPr>
                                   <m:ctrlPr>
                                     <a:rPr lang="en-US" sz="2400" b="0" i="1" smtClean="0">
-                                      <a:latin typeface="Cambria Math" charset="0"/>
+                                      <a:latin typeface="Cambria Math" panose="02040503050406030204" pitchFamily="18" charset="0"/>
                                     </a:rPr>
                                   </m:ctrlPr>
                                 </m:sSubPr>
@@ -21784,10 +21777,9 @@
           <a:lstStyle/>
           <a:p>
             <a:r>
-              <a:rPr lang="en-US" sz="2400" smtClean="0"/>
+              <a:rPr lang="en-US" sz="2400"/>
               <a:t>Regularization</a:t>
             </a:r>
-            <a:endParaRPr lang="en-US" sz="2400"/>
           </a:p>
         </p:txBody>
       </p:sp>
@@ -21796,7 +21788,7 @@
           <p:cNvPr id="13" name="Straight Arrow Connector 12">
             <a:extLst>
               <a:ext uri="{FF2B5EF4-FFF2-40B4-BE49-F238E27FC236}">
-                <a16:creationId xmlns:a16="http://schemas.microsoft.com/office/drawing/2014/main" xmlns="" id="{318D81B2-CEAA-0646-9CE4-5C0002EC01D2}"/>
+                <a16:creationId xmlns:a16="http://schemas.microsoft.com/office/drawing/2014/main" id="{318D81B2-CEAA-0646-9CE4-5C0002EC01D2}"/>
               </a:ext>
             </a:extLst>
           </p:cNvPr>
@@ -21867,7 +21859,7 @@
           <p:cNvPr id="2" name="Title 1">
             <a:extLst>
               <a:ext uri="{FF2B5EF4-FFF2-40B4-BE49-F238E27FC236}">
-                <a16:creationId xmlns:a16="http://schemas.microsoft.com/office/drawing/2014/main" xmlns="" id="{90371848-C3C2-2946-8721-32944148379F}"/>
+                <a16:creationId xmlns:a16="http://schemas.microsoft.com/office/drawing/2014/main" id="{90371848-C3C2-2946-8721-32944148379F}"/>
               </a:ext>
             </a:extLst>
           </p:cNvPr>
@@ -21907,7 +21899,7 @@
           <p:cNvPr id="5" name="Picture 4">
             <a:extLst>
               <a:ext uri="{FF2B5EF4-FFF2-40B4-BE49-F238E27FC236}">
-                <a16:creationId xmlns:a16="http://schemas.microsoft.com/office/drawing/2014/main" xmlns="" id="{96C8DA8D-9BEF-744E-AFF8-50655E69712A}"/>
+                <a16:creationId xmlns:a16="http://schemas.microsoft.com/office/drawing/2014/main" id="{96C8DA8D-9BEF-744E-AFF8-50655E69712A}"/>
               </a:ext>
             </a:extLst>
           </p:cNvPr>
@@ -21943,7 +21935,7 @@
           <p:cNvPr id="6" name="TextBox 5">
             <a:extLst>
               <a:ext uri="{FF2B5EF4-FFF2-40B4-BE49-F238E27FC236}">
-                <a16:creationId xmlns:a16="http://schemas.microsoft.com/office/drawing/2014/main" xmlns="" id="{B64305C1-D8DA-9449-80AD-775E6D513BE6}"/>
+                <a16:creationId xmlns:a16="http://schemas.microsoft.com/office/drawing/2014/main" id="{B64305C1-D8DA-9449-80AD-775E6D513BE6}"/>
               </a:ext>
             </a:extLst>
           </p:cNvPr>
@@ -21980,7 +21972,7 @@
               <p:cNvPr id="8" name="TextBox 7">
                 <a:extLst>
                   <a:ext uri="{FF2B5EF4-FFF2-40B4-BE49-F238E27FC236}">
-                    <a16:creationId xmlns:a16="http://schemas.microsoft.com/office/drawing/2014/main" xmlns="" id="{4565886E-73A9-DD4D-90C2-BD9C2AFADF7F}"/>
+                    <a16:creationId xmlns:a16="http://schemas.microsoft.com/office/drawing/2014/main" id="{4565886E-73A9-DD4D-90C2-BD9C2AFADF7F}"/>
                   </a:ext>
                 </a:extLst>
               </p:cNvPr>
@@ -22014,7 +22006,7 @@
                         <m:sSupPr>
                           <m:ctrlPr>
                             <a:rPr lang="en-US" sz="2400" i="1" smtClean="0">
-                              <a:latin typeface="Cambria Math" charset="0"/>
+                              <a:latin typeface="Cambria Math" panose="02040503050406030204" pitchFamily="18" charset="0"/>
                             </a:rPr>
                           </m:ctrlPr>
                         </m:sSupPr>
@@ -22039,7 +22031,7 @@
                         <m:dPr>
                           <m:ctrlPr>
                             <a:rPr lang="en-US" sz="2400" i="1" smtClean="0">
-                              <a:latin typeface="Cambria Math" charset="0"/>
+                              <a:latin typeface="Cambria Math" panose="02040503050406030204" pitchFamily="18" charset="0"/>
                             </a:rPr>
                           </m:ctrlPr>
                         </m:dPr>
@@ -22048,7 +22040,7 @@
                             <m:sSupPr>
                               <m:ctrlPr>
                                 <a:rPr lang="en-US" sz="2400" b="1" i="1" smtClean="0">
-                                  <a:latin typeface="Cambria Math" charset="0"/>
+                                  <a:latin typeface="Cambria Math" panose="02040503050406030204" pitchFamily="18" charset="0"/>
                                 </a:rPr>
                               </m:ctrlPr>
                             </m:sSupPr>
@@ -22082,7 +22074,7 @@
                           <m:chr m:val="∑"/>
                           <m:ctrlPr>
                             <a:rPr lang="en-US" sz="2400" i="1" smtClean="0">
-                              <a:latin typeface="Cambria Math" charset="0"/>
+                              <a:latin typeface="Cambria Math" panose="02040503050406030204" pitchFamily="18" charset="0"/>
                             </a:rPr>
                           </m:ctrlPr>
                         </m:naryPr>
@@ -22107,7 +22099,7 @@
                             <m:sSubPr>
                               <m:ctrlPr>
                                 <a:rPr lang="en-US" sz="2400" i="1" smtClean="0">
-                                  <a:latin typeface="Cambria Math" charset="0"/>
+                                  <a:latin typeface="Cambria Math" panose="02040503050406030204" pitchFamily="18" charset="0"/>
                                 </a:rPr>
                               </m:ctrlPr>
                             </m:sSubPr>
@@ -22144,7 +22136,7 @@
                             <m:sSupPr>
                               <m:ctrlPr>
                                 <a:rPr lang="en-US" sz="2400" b="0" i="1" smtClean="0">
-                                  <a:latin typeface="Cambria Math" charset="0"/>
+                                  <a:latin typeface="Cambria Math" panose="02040503050406030204" pitchFamily="18" charset="0"/>
                                 </a:rPr>
                               </m:ctrlPr>
                             </m:sSupPr>
@@ -22175,7 +22167,7 @@
                             <m:sSubPr>
                               <m:ctrlPr>
                                 <a:rPr lang="en-US" sz="2400" i="1">
-                                  <a:latin typeface="Cambria Math" charset="0"/>
+                                  <a:latin typeface="Cambria Math" panose="02040503050406030204" pitchFamily="18" charset="0"/>
                                 </a:rPr>
                               </m:ctrlPr>
                             </m:sSubPr>
@@ -22276,7 +22268,7 @@
               <p:cNvPr id="9" name="TextBox 8">
                 <a:extLst>
                   <a:ext uri="{FF2B5EF4-FFF2-40B4-BE49-F238E27FC236}">
-                    <a16:creationId xmlns:a16="http://schemas.microsoft.com/office/drawing/2014/main" xmlns="" id="{F3A575DB-1649-C547-9BCE-503D6BD6423A}"/>
+                    <a16:creationId xmlns:a16="http://schemas.microsoft.com/office/drawing/2014/main" id="{F3A575DB-1649-C547-9BCE-503D6BD6423A}"/>
                   </a:ext>
                 </a:extLst>
               </p:cNvPr>
@@ -22310,7 +22302,7 @@
                         <m:dPr>
                           <m:ctrlPr>
                             <a:rPr lang="en-US" sz="2400" i="1" smtClean="0">
-                              <a:latin typeface="Cambria Math" charset="0"/>
+                              <a:latin typeface="Cambria Math" panose="02040503050406030204" pitchFamily="18" charset="0"/>
                             </a:rPr>
                           </m:ctrlPr>
                         </m:dPr>
@@ -22327,7 +22319,7 @@
                               </m:mcs>
                               <m:ctrlPr>
                                 <a:rPr lang="en-US" sz="2400" i="1">
-                                  <a:latin typeface="Cambria Math" charset="0"/>
+                                  <a:latin typeface="Cambria Math" panose="02040503050406030204" pitchFamily="18" charset="0"/>
                                 </a:rPr>
                               </m:ctrlPr>
                             </m:mPr>
@@ -22337,7 +22329,7 @@
                                   <m:sSubPr>
                                     <m:ctrlPr>
                                       <a:rPr lang="en-US" sz="2400" i="1">
-                                        <a:latin typeface="Cambria Math" charset="0"/>
+                                        <a:latin typeface="Cambria Math" panose="02040503050406030204" pitchFamily="18" charset="0"/>
                                       </a:rPr>
                                     </m:ctrlPr>
                                   </m:sSubPr>
@@ -22379,7 +22371,7 @@
                                   <m:sSubPr>
                                     <m:ctrlPr>
                                       <a:rPr lang="en-US" sz="2400" i="1">
-                                        <a:latin typeface="Cambria Math" charset="0"/>
+                                        <a:latin typeface="Cambria Math" panose="02040503050406030204" pitchFamily="18" charset="0"/>
                                       </a:rPr>
                                     </m:ctrlPr>
                                   </m:sSubPr>
@@ -22415,7 +22407,7 @@
                         <m:sSupPr>
                           <m:ctrlPr>
                             <a:rPr lang="en-US" sz="2400" b="0" i="1" smtClean="0">
-                              <a:latin typeface="Cambria Math" charset="0"/>
+                              <a:latin typeface="Cambria Math" panose="02040503050406030204" pitchFamily="18" charset="0"/>
                             </a:rPr>
                           </m:ctrlPr>
                         </m:sSupPr>
@@ -22424,7 +22416,7 @@
                             <m:dPr>
                               <m:ctrlPr>
                                 <a:rPr lang="en-US" sz="2400" b="0" i="1" smtClean="0">
-                                  <a:latin typeface="Cambria Math" charset="0"/>
+                                  <a:latin typeface="Cambria Math" panose="02040503050406030204" pitchFamily="18" charset="0"/>
                                 </a:rPr>
                               </m:ctrlPr>
                             </m:dPr>
@@ -22469,7 +22461,7 @@
                         <m:dPr>
                           <m:ctrlPr>
                             <a:rPr lang="en-US" sz="2400" b="0" i="1" smtClean="0">
-                              <a:latin typeface="Cambria Math" charset="0"/>
+                              <a:latin typeface="Cambria Math" panose="02040503050406030204" pitchFamily="18" charset="0"/>
                             </a:rPr>
                           </m:ctrlPr>
                         </m:dPr>
@@ -22486,7 +22478,7 @@
                               </m:mcs>
                               <m:ctrlPr>
                                 <a:rPr lang="en-US" sz="2400" i="1">
-                                  <a:latin typeface="Cambria Math" charset="0"/>
+                                  <a:latin typeface="Cambria Math" panose="02040503050406030204" pitchFamily="18" charset="0"/>
                                 </a:rPr>
                               </m:ctrlPr>
                             </m:mPr>
@@ -22496,7 +22488,7 @@
                                   <m:sSubPr>
                                     <m:ctrlPr>
                                       <a:rPr lang="en-US" sz="2400" b="0" i="1" smtClean="0">
-                                        <a:latin typeface="Cambria Math" charset="0"/>
+                                        <a:latin typeface="Cambria Math" panose="02040503050406030204" pitchFamily="18" charset="0"/>
                                       </a:rPr>
                                     </m:ctrlPr>
                                   </m:sSubPr>
@@ -22541,7 +22533,7 @@
                                   <m:sSubPr>
                                     <m:ctrlPr>
                                       <a:rPr lang="en-US" sz="2400" b="0" i="1" smtClean="0">
-                                        <a:latin typeface="Cambria Math" charset="0"/>
+                                        <a:latin typeface="Cambria Math" panose="02040503050406030204" pitchFamily="18" charset="0"/>
                                       </a:rPr>
                                     </m:ctrlPr>
                                   </m:sSubPr>
@@ -22625,7 +22617,7 @@
           <p:cNvPr id="4" name="TextBox 3">
             <a:extLst>
               <a:ext uri="{FF2B5EF4-FFF2-40B4-BE49-F238E27FC236}">
-                <a16:creationId xmlns:a16="http://schemas.microsoft.com/office/drawing/2014/main" xmlns="" id="{418E9695-FFEC-9740-A3A8-69ED16AB64CF}"/>
+                <a16:creationId xmlns:a16="http://schemas.microsoft.com/office/drawing/2014/main" id="{418E9695-FFEC-9740-A3A8-69ED16AB64CF}"/>
               </a:ext>
             </a:extLst>
           </p:cNvPr>
@@ -22664,7 +22656,7 @@
           <p:cNvPr id="10" name="TextBox 9">
             <a:extLst>
               <a:ext uri="{FF2B5EF4-FFF2-40B4-BE49-F238E27FC236}">
-                <a16:creationId xmlns:a16="http://schemas.microsoft.com/office/drawing/2014/main" xmlns="" id="{945ACA75-0E48-FF40-A53C-87B487D242ED}"/>
+                <a16:creationId xmlns:a16="http://schemas.microsoft.com/office/drawing/2014/main" id="{945ACA75-0E48-FF40-A53C-87B487D242ED}"/>
               </a:ext>
             </a:extLst>
           </p:cNvPr>
@@ -22702,7 +22694,7 @@
               <p:cNvPr id="7" name="Rectangle 6">
                 <a:extLst>
                   <a:ext uri="{FF2B5EF4-FFF2-40B4-BE49-F238E27FC236}">
-                    <a16:creationId xmlns:a16="http://schemas.microsoft.com/office/drawing/2014/main" xmlns="" id="{4BF5CFFC-8B74-194D-B6CA-9B4FAFDE734F}"/>
+                    <a16:creationId xmlns:a16="http://schemas.microsoft.com/office/drawing/2014/main" id="{4BF5CFFC-8B74-194D-B6CA-9B4FAFDE734F}"/>
                   </a:ext>
                 </a:extLst>
               </p:cNvPr>
@@ -22735,7 +22727,7 @@
                         <m:sSubPr>
                           <m:ctrlPr>
                             <a:rPr lang="en-US" sz="2400" i="1">
-                              <a:latin typeface="Cambria Math" charset="0"/>
+                              <a:latin typeface="Cambria Math" panose="02040503050406030204" pitchFamily="18" charset="0"/>
                             </a:rPr>
                           </m:ctrlPr>
                         </m:sSubPr>
@@ -22778,7 +22770,7 @@
                         <m:sSubPr>
                           <m:ctrlPr>
                             <a:rPr lang="en-US" sz="2400" i="1">
-                              <a:latin typeface="Cambria Math" charset="0"/>
+                              <a:latin typeface="Cambria Math" panose="02040503050406030204" pitchFamily="18" charset="0"/>
                             </a:rPr>
                           </m:ctrlPr>
                         </m:sSubPr>
@@ -22809,7 +22801,7 @@
                         <m:sSubPr>
                           <m:ctrlPr>
                             <a:rPr lang="en-US" sz="2400" i="1">
-                              <a:latin typeface="Cambria Math" charset="0"/>
+                              <a:latin typeface="Cambria Math" panose="02040503050406030204" pitchFamily="18" charset="0"/>
                             </a:rPr>
                           </m:ctrlPr>
                         </m:sSubPr>
@@ -22846,7 +22838,7 @@
                         <m:funcPr>
                           <m:ctrlPr>
                             <a:rPr lang="en-US" sz="2400" i="1">
-                              <a:latin typeface="Cambria Math" charset="0"/>
+                              <a:latin typeface="Cambria Math" panose="02040503050406030204" pitchFamily="18" charset="0"/>
                             </a:rPr>
                           </m:ctrlPr>
                         </m:funcPr>
@@ -22866,7 +22858,7 @@
                             <m:dPr>
                               <m:ctrlPr>
                                 <a:rPr lang="en-US" sz="2400" i="1">
-                                  <a:latin typeface="Cambria Math" charset="0"/>
+                                  <a:latin typeface="Cambria Math" panose="02040503050406030204" pitchFamily="18" charset="0"/>
                                 </a:rPr>
                               </m:ctrlPr>
                             </m:dPr>
@@ -22881,7 +22873,7 @@
                                 <m:fPr>
                                   <m:ctrlPr>
                                     <a:rPr lang="en-US" sz="2400" i="1">
-                                      <a:latin typeface="Cambria Math" charset="0"/>
+                                      <a:latin typeface="Cambria Math" panose="02040503050406030204" pitchFamily="18" charset="0"/>
                                     </a:rPr>
                                   </m:ctrlPr>
                                 </m:fPr>
@@ -22890,7 +22882,7 @@
                                     <m:sSupPr>
                                       <m:ctrlPr>
                                         <a:rPr lang="en-US" sz="2400" i="1">
-                                          <a:latin typeface="Cambria Math" charset="0"/>
+                                          <a:latin typeface="Cambria Math" panose="02040503050406030204" pitchFamily="18" charset="0"/>
                                         </a:rPr>
                                       </m:ctrlPr>
                                     </m:sSupPr>
@@ -22901,7 +22893,7 @@
                                           <m:endChr m:val="‖"/>
                                           <m:ctrlPr>
                                             <a:rPr lang="en-US" sz="2400" i="1">
-                                              <a:latin typeface="Cambria Math" charset="0"/>
+                                              <a:latin typeface="Cambria Math" panose="02040503050406030204" pitchFamily="18" charset="0"/>
                                             </a:rPr>
                                           </m:ctrlPr>
                                         </m:dPr>
@@ -22910,7 +22902,7 @@
                                             <m:sSubPr>
                                               <m:ctrlPr>
                                                 <a:rPr lang="en-US" sz="2400" i="1">
-                                                  <a:latin typeface="Cambria Math" charset="0"/>
+                                                  <a:latin typeface="Cambria Math" panose="02040503050406030204" pitchFamily="18" charset="0"/>
                                                 </a:rPr>
                                               </m:ctrlPr>
                                             </m:sSubPr>
@@ -22941,7 +22933,7 @@
                                             <m:sSubPr>
                                               <m:ctrlPr>
                                                 <a:rPr lang="en-US" sz="2400" i="1">
-                                                  <a:latin typeface="Cambria Math" charset="0"/>
+                                                  <a:latin typeface="Cambria Math" panose="02040503050406030204" pitchFamily="18" charset="0"/>
                                                 </a:rPr>
                                               </m:ctrlPr>
                                             </m:sSubPr>
@@ -22986,7 +22978,7 @@
                                     <m:sSupPr>
                                       <m:ctrlPr>
                                         <a:rPr lang="en-US" sz="2400" i="1">
-                                          <a:latin typeface="Cambria Math" charset="0"/>
+                                          <a:latin typeface="Cambria Math" panose="02040503050406030204" pitchFamily="18" charset="0"/>
                                         </a:rPr>
                                       </m:ctrlPr>
                                     </m:sSupPr>
@@ -23101,7 +23093,7 @@
           <p:cNvPr id="12" name="Rectangle 11">
             <a:extLst>
               <a:ext uri="{FF2B5EF4-FFF2-40B4-BE49-F238E27FC236}">
-                <a16:creationId xmlns:a16="http://schemas.microsoft.com/office/drawing/2014/main" xmlns="" id="{DFCB7776-3A99-654E-A7CB-893A0B26F93E}"/>
+                <a16:creationId xmlns:a16="http://schemas.microsoft.com/office/drawing/2014/main" id="{DFCB7776-3A99-654E-A7CB-893A0B26F93E}"/>
               </a:ext>
             </a:extLst>
           </p:cNvPr>
@@ -23140,14 +23132,14 @@
           </a:p>
         </p:txBody>
       </p:sp>
-      <mc:AlternateContent xmlns:mc="http://schemas.openxmlformats.org/markup-compatibility/2006">
-        <mc:Choice xmlns:a14="http://schemas.microsoft.com/office/drawing/2010/main" Requires="a14">
+      <mc:AlternateContent xmlns:mc="http://schemas.openxmlformats.org/markup-compatibility/2006" xmlns:a14="http://schemas.microsoft.com/office/drawing/2010/main">
+        <mc:Choice Requires="a14">
           <p:sp>
             <p:nvSpPr>
               <p:cNvPr id="13" name="TextBox 12">
                 <a:extLst>
                   <a:ext uri="{FF2B5EF4-FFF2-40B4-BE49-F238E27FC236}">
-                    <a16:creationId xmlns:a16="http://schemas.microsoft.com/office/drawing/2014/main" xmlns="" id="{D3BFF035-F363-0641-A3CC-D7C2EC3D858B}"/>
+                    <a16:creationId xmlns:a16="http://schemas.microsoft.com/office/drawing/2014/main" id="{D3BFF035-F363-0641-A3CC-D7C2EC3D858B}"/>
                   </a:ext>
                 </a:extLst>
               </p:cNvPr>
@@ -23228,7 +23220,7 @@
             </p:txBody>
           </p:sp>
         </mc:Choice>
-        <mc:Fallback>
+        <mc:Fallback xmlns="">
           <p:sp>
             <p:nvSpPr>
               <p:cNvPr id="13" name="TextBox 12">
@@ -23913,7 +23905,7 @@
                         <m:sSubPr>
                           <m:ctrlPr>
                             <a:rPr lang="en-US" b="0" i="1" smtClean="0">
-                              <a:latin typeface="Cambria Math" charset="0"/>
+                              <a:latin typeface="Cambria Math" panose="02040503050406030204" pitchFamily="18" charset="0"/>
                             </a:rPr>
                           </m:ctrlPr>
                         </m:sSubPr>
@@ -24022,7 +24014,7 @@
           <p:cNvPr id="33" name="Picture 32">
             <a:extLst>
               <a:ext uri="{FF2B5EF4-FFF2-40B4-BE49-F238E27FC236}">
-                <a16:creationId xmlns:a16="http://schemas.microsoft.com/office/drawing/2014/main" xmlns="" id="{2F9C8BD8-FBF9-8B4D-94C9-2F3BD3AA14AF}"/>
+                <a16:creationId xmlns:a16="http://schemas.microsoft.com/office/drawing/2014/main" id="{2F9C8BD8-FBF9-8B4D-94C9-2F3BD3AA14AF}"/>
               </a:ext>
             </a:extLst>
           </p:cNvPr>
@@ -24058,7 +24050,7 @@
           <p:cNvPr id="9" name="Up Arrow 8">
             <a:extLst>
               <a:ext uri="{FF2B5EF4-FFF2-40B4-BE49-F238E27FC236}">
-                <a16:creationId xmlns:a16="http://schemas.microsoft.com/office/drawing/2014/main" xmlns="" id="{0700C848-A330-6F41-AF78-565CAF5DD4BE}"/>
+                <a16:creationId xmlns:a16="http://schemas.microsoft.com/office/drawing/2014/main" id="{0700C848-A330-6F41-AF78-565CAF5DD4BE}"/>
               </a:ext>
             </a:extLst>
           </p:cNvPr>
@@ -24104,7 +24096,7 @@
           <p:cNvPr id="10" name="TextBox 9">
             <a:extLst>
               <a:ext uri="{FF2B5EF4-FFF2-40B4-BE49-F238E27FC236}">
-                <a16:creationId xmlns:a16="http://schemas.microsoft.com/office/drawing/2014/main" xmlns="" id="{BC6EF6D9-2D70-1443-B980-FD5072AD6A3B}"/>
+                <a16:creationId xmlns:a16="http://schemas.microsoft.com/office/drawing/2014/main" id="{BC6EF6D9-2D70-1443-B980-FD5072AD6A3B}"/>
               </a:ext>
             </a:extLst>
           </p:cNvPr>
@@ -24177,7 +24169,7 @@
           <p:cNvPr id="2" name="Title 1">
             <a:extLst>
               <a:ext uri="{FF2B5EF4-FFF2-40B4-BE49-F238E27FC236}">
-                <a16:creationId xmlns:a16="http://schemas.microsoft.com/office/drawing/2014/main" xmlns="" id="{90371848-C3C2-2946-8721-32944148379F}"/>
+                <a16:creationId xmlns:a16="http://schemas.microsoft.com/office/drawing/2014/main" id="{90371848-C3C2-2946-8721-32944148379F}"/>
               </a:ext>
             </a:extLst>
           </p:cNvPr>
@@ -24217,7 +24209,7 @@
           <p:cNvPr id="5" name="Picture 4">
             <a:extLst>
               <a:ext uri="{FF2B5EF4-FFF2-40B4-BE49-F238E27FC236}">
-                <a16:creationId xmlns:a16="http://schemas.microsoft.com/office/drawing/2014/main" xmlns="" id="{96C8DA8D-9BEF-744E-AFF8-50655E69712A}"/>
+                <a16:creationId xmlns:a16="http://schemas.microsoft.com/office/drawing/2014/main" id="{96C8DA8D-9BEF-744E-AFF8-50655E69712A}"/>
               </a:ext>
             </a:extLst>
           </p:cNvPr>
@@ -24253,7 +24245,7 @@
           <p:cNvPr id="6" name="TextBox 5">
             <a:extLst>
               <a:ext uri="{FF2B5EF4-FFF2-40B4-BE49-F238E27FC236}">
-                <a16:creationId xmlns:a16="http://schemas.microsoft.com/office/drawing/2014/main" xmlns="" id="{B64305C1-D8DA-9449-80AD-775E6D513BE6}"/>
+                <a16:creationId xmlns:a16="http://schemas.microsoft.com/office/drawing/2014/main" id="{B64305C1-D8DA-9449-80AD-775E6D513BE6}"/>
               </a:ext>
             </a:extLst>
           </p:cNvPr>
@@ -24290,7 +24282,7 @@
               <p:cNvPr id="8" name="TextBox 7">
                 <a:extLst>
                   <a:ext uri="{FF2B5EF4-FFF2-40B4-BE49-F238E27FC236}">
-                    <a16:creationId xmlns:a16="http://schemas.microsoft.com/office/drawing/2014/main" xmlns="" id="{4565886E-73A9-DD4D-90C2-BD9C2AFADF7F}"/>
+                    <a16:creationId xmlns:a16="http://schemas.microsoft.com/office/drawing/2014/main" id="{4565886E-73A9-DD4D-90C2-BD9C2AFADF7F}"/>
                   </a:ext>
                 </a:extLst>
               </p:cNvPr>
@@ -24324,7 +24316,7 @@
                         <m:sSupPr>
                           <m:ctrlPr>
                             <a:rPr lang="en-US" sz="2400" i="1" smtClean="0">
-                              <a:latin typeface="Cambria Math" charset="0"/>
+                              <a:latin typeface="Cambria Math" panose="02040503050406030204" pitchFamily="18" charset="0"/>
                             </a:rPr>
                           </m:ctrlPr>
                         </m:sSupPr>
@@ -24349,7 +24341,7 @@
                         <m:dPr>
                           <m:ctrlPr>
                             <a:rPr lang="en-US" sz="2400" i="1" smtClean="0">
-                              <a:latin typeface="Cambria Math" charset="0"/>
+                              <a:latin typeface="Cambria Math" panose="02040503050406030204" pitchFamily="18" charset="0"/>
                             </a:rPr>
                           </m:ctrlPr>
                         </m:dPr>
@@ -24358,7 +24350,7 @@
                             <m:sSupPr>
                               <m:ctrlPr>
                                 <a:rPr lang="en-US" sz="2400" b="1" i="1" smtClean="0">
-                                  <a:latin typeface="Cambria Math" charset="0"/>
+                                  <a:latin typeface="Cambria Math" panose="02040503050406030204" pitchFamily="18" charset="0"/>
                                 </a:rPr>
                               </m:ctrlPr>
                             </m:sSupPr>
@@ -24392,7 +24384,7 @@
                           <m:chr m:val="∑"/>
                           <m:ctrlPr>
                             <a:rPr lang="en-US" sz="2400" i="1" smtClean="0">
-                              <a:latin typeface="Cambria Math" charset="0"/>
+                              <a:latin typeface="Cambria Math" panose="02040503050406030204" pitchFamily="18" charset="0"/>
                             </a:rPr>
                           </m:ctrlPr>
                         </m:naryPr>
@@ -24417,7 +24409,7 @@
                             <m:sSubPr>
                               <m:ctrlPr>
                                 <a:rPr lang="en-US" sz="2400" i="1" smtClean="0">
-                                  <a:latin typeface="Cambria Math" charset="0"/>
+                                  <a:latin typeface="Cambria Math" panose="02040503050406030204" pitchFamily="18" charset="0"/>
                                 </a:rPr>
                               </m:ctrlPr>
                             </m:sSubPr>
@@ -24454,7 +24446,7 @@
                             <m:sSupPr>
                               <m:ctrlPr>
                                 <a:rPr lang="en-US" sz="2400" b="0" i="1" smtClean="0">
-                                  <a:latin typeface="Cambria Math" charset="0"/>
+                                  <a:latin typeface="Cambria Math" panose="02040503050406030204" pitchFamily="18" charset="0"/>
                                 </a:rPr>
                               </m:ctrlPr>
                             </m:sSupPr>
@@ -24485,7 +24477,7 @@
                             <m:sSubPr>
                               <m:ctrlPr>
                                 <a:rPr lang="en-US" sz="2400" i="1">
-                                  <a:latin typeface="Cambria Math" charset="0"/>
+                                  <a:latin typeface="Cambria Math" panose="02040503050406030204" pitchFamily="18" charset="0"/>
                                 </a:rPr>
                               </m:ctrlPr>
                             </m:sSubPr>
@@ -24586,7 +24578,7 @@
               <p:cNvPr id="9" name="TextBox 8">
                 <a:extLst>
                   <a:ext uri="{FF2B5EF4-FFF2-40B4-BE49-F238E27FC236}">
-                    <a16:creationId xmlns:a16="http://schemas.microsoft.com/office/drawing/2014/main" xmlns="" id="{F3A575DB-1649-C547-9BCE-503D6BD6423A}"/>
+                    <a16:creationId xmlns:a16="http://schemas.microsoft.com/office/drawing/2014/main" id="{F3A575DB-1649-C547-9BCE-503D6BD6423A}"/>
                   </a:ext>
                 </a:extLst>
               </p:cNvPr>
@@ -24620,7 +24612,7 @@
                         <m:dPr>
                           <m:ctrlPr>
                             <a:rPr lang="en-US" sz="2400" i="1" smtClean="0">
-                              <a:latin typeface="Cambria Math" charset="0"/>
+                              <a:latin typeface="Cambria Math" panose="02040503050406030204" pitchFamily="18" charset="0"/>
                             </a:rPr>
                           </m:ctrlPr>
                         </m:dPr>
@@ -24637,7 +24629,7 @@
                               </m:mcs>
                               <m:ctrlPr>
                                 <a:rPr lang="en-US" sz="2400" i="1">
-                                  <a:latin typeface="Cambria Math" charset="0"/>
+                                  <a:latin typeface="Cambria Math" panose="02040503050406030204" pitchFamily="18" charset="0"/>
                                 </a:rPr>
                               </m:ctrlPr>
                             </m:mPr>
@@ -24647,7 +24639,7 @@
                                   <m:sSubPr>
                                     <m:ctrlPr>
                                       <a:rPr lang="en-US" sz="2400" i="1">
-                                        <a:latin typeface="Cambria Math" charset="0"/>
+                                        <a:latin typeface="Cambria Math" panose="02040503050406030204" pitchFamily="18" charset="0"/>
                                       </a:rPr>
                                     </m:ctrlPr>
                                   </m:sSubPr>
@@ -24689,7 +24681,7 @@
                                   <m:sSubPr>
                                     <m:ctrlPr>
                                       <a:rPr lang="en-US" sz="2400" i="1">
-                                        <a:latin typeface="Cambria Math" charset="0"/>
+                                        <a:latin typeface="Cambria Math" panose="02040503050406030204" pitchFamily="18" charset="0"/>
                                       </a:rPr>
                                     </m:ctrlPr>
                                   </m:sSubPr>
@@ -24725,7 +24717,7 @@
                         <m:sSupPr>
                           <m:ctrlPr>
                             <a:rPr lang="en-US" sz="2400" b="0" i="1" smtClean="0">
-                              <a:latin typeface="Cambria Math" charset="0"/>
+                              <a:latin typeface="Cambria Math" panose="02040503050406030204" pitchFamily="18" charset="0"/>
                             </a:rPr>
                           </m:ctrlPr>
                         </m:sSupPr>
@@ -24734,7 +24726,7 @@
                             <m:dPr>
                               <m:ctrlPr>
                                 <a:rPr lang="en-US" sz="2400" b="0" i="1" smtClean="0">
-                                  <a:latin typeface="Cambria Math" charset="0"/>
+                                  <a:latin typeface="Cambria Math" panose="02040503050406030204" pitchFamily="18" charset="0"/>
                                 </a:rPr>
                               </m:ctrlPr>
                             </m:dPr>
@@ -24779,7 +24771,7 @@
                         <m:dPr>
                           <m:ctrlPr>
                             <a:rPr lang="en-US" sz="2400" b="0" i="1" smtClean="0">
-                              <a:latin typeface="Cambria Math" charset="0"/>
+                              <a:latin typeface="Cambria Math" panose="02040503050406030204" pitchFamily="18" charset="0"/>
                             </a:rPr>
                           </m:ctrlPr>
                         </m:dPr>
@@ -24796,7 +24788,7 @@
                               </m:mcs>
                               <m:ctrlPr>
                                 <a:rPr lang="en-US" sz="2400" i="1">
-                                  <a:latin typeface="Cambria Math" charset="0"/>
+                                  <a:latin typeface="Cambria Math" panose="02040503050406030204" pitchFamily="18" charset="0"/>
                                 </a:rPr>
                               </m:ctrlPr>
                             </m:mPr>
@@ -24806,7 +24798,7 @@
                                   <m:sSubPr>
                                     <m:ctrlPr>
                                       <a:rPr lang="en-US" sz="2400" b="0" i="1" smtClean="0">
-                                        <a:latin typeface="Cambria Math" charset="0"/>
+                                        <a:latin typeface="Cambria Math" panose="02040503050406030204" pitchFamily="18" charset="0"/>
                                       </a:rPr>
                                     </m:ctrlPr>
                                   </m:sSubPr>
@@ -24851,7 +24843,7 @@
                                   <m:sSubPr>
                                     <m:ctrlPr>
                                       <a:rPr lang="en-US" sz="2400" b="0" i="1" smtClean="0">
-                                        <a:latin typeface="Cambria Math" charset="0"/>
+                                        <a:latin typeface="Cambria Math" panose="02040503050406030204" pitchFamily="18" charset="0"/>
                                       </a:rPr>
                                     </m:ctrlPr>
                                   </m:sSubPr>
@@ -24935,7 +24927,7 @@
           <p:cNvPr id="4" name="TextBox 3">
             <a:extLst>
               <a:ext uri="{FF2B5EF4-FFF2-40B4-BE49-F238E27FC236}">
-                <a16:creationId xmlns:a16="http://schemas.microsoft.com/office/drawing/2014/main" xmlns="" id="{418E9695-FFEC-9740-A3A8-69ED16AB64CF}"/>
+                <a16:creationId xmlns:a16="http://schemas.microsoft.com/office/drawing/2014/main" id="{418E9695-FFEC-9740-A3A8-69ED16AB64CF}"/>
               </a:ext>
             </a:extLst>
           </p:cNvPr>
@@ -24974,7 +24966,7 @@
           <p:cNvPr id="11" name="TextBox 10">
             <a:extLst>
               <a:ext uri="{FF2B5EF4-FFF2-40B4-BE49-F238E27FC236}">
-                <a16:creationId xmlns:a16="http://schemas.microsoft.com/office/drawing/2014/main" xmlns="" id="{48B9982E-2EAD-4D48-B195-35C6B9D88A1B}"/>
+                <a16:creationId xmlns:a16="http://schemas.microsoft.com/office/drawing/2014/main" id="{48B9982E-2EAD-4D48-B195-35C6B9D88A1B}"/>
               </a:ext>
             </a:extLst>
           </p:cNvPr>
@@ -25012,7 +25004,7 @@
               <p:cNvPr id="12" name="Rectangle 11">
                 <a:extLst>
                   <a:ext uri="{FF2B5EF4-FFF2-40B4-BE49-F238E27FC236}">
-                    <a16:creationId xmlns:a16="http://schemas.microsoft.com/office/drawing/2014/main" xmlns="" id="{06025BE2-4565-C142-B590-3B9BA62978DA}"/>
+                    <a16:creationId xmlns:a16="http://schemas.microsoft.com/office/drawing/2014/main" id="{06025BE2-4565-C142-B590-3B9BA62978DA}"/>
                   </a:ext>
                 </a:extLst>
               </p:cNvPr>
@@ -25045,7 +25037,7 @@
                         <m:sSubPr>
                           <m:ctrlPr>
                             <a:rPr lang="en-US" sz="2400" i="1">
-                              <a:latin typeface="Cambria Math" charset="0"/>
+                              <a:latin typeface="Cambria Math" panose="02040503050406030204" pitchFamily="18" charset="0"/>
                             </a:rPr>
                           </m:ctrlPr>
                         </m:sSubPr>
@@ -25088,7 +25080,7 @@
                         <m:sSubPr>
                           <m:ctrlPr>
                             <a:rPr lang="en-US" sz="2400" i="1">
-                              <a:latin typeface="Cambria Math" charset="0"/>
+                              <a:latin typeface="Cambria Math" panose="02040503050406030204" pitchFamily="18" charset="0"/>
                             </a:rPr>
                           </m:ctrlPr>
                         </m:sSubPr>
@@ -25119,7 +25111,7 @@
                         <m:sSubPr>
                           <m:ctrlPr>
                             <a:rPr lang="en-US" sz="2400" i="1">
-                              <a:latin typeface="Cambria Math" charset="0"/>
+                              <a:latin typeface="Cambria Math" panose="02040503050406030204" pitchFamily="18" charset="0"/>
                             </a:rPr>
                           </m:ctrlPr>
                         </m:sSubPr>
@@ -25156,7 +25148,7 @@
                         <m:funcPr>
                           <m:ctrlPr>
                             <a:rPr lang="en-US" sz="2400" i="1">
-                              <a:latin typeface="Cambria Math" charset="0"/>
+                              <a:latin typeface="Cambria Math" panose="02040503050406030204" pitchFamily="18" charset="0"/>
                             </a:rPr>
                           </m:ctrlPr>
                         </m:funcPr>
@@ -25176,7 +25168,7 @@
                             <m:dPr>
                               <m:ctrlPr>
                                 <a:rPr lang="en-US" sz="2400" i="1">
-                                  <a:latin typeface="Cambria Math" charset="0"/>
+                                  <a:latin typeface="Cambria Math" panose="02040503050406030204" pitchFamily="18" charset="0"/>
                                 </a:rPr>
                               </m:ctrlPr>
                             </m:dPr>
@@ -25191,7 +25183,7 @@
                                 <m:fPr>
                                   <m:ctrlPr>
                                     <a:rPr lang="en-US" sz="2400" i="1">
-                                      <a:latin typeface="Cambria Math" charset="0"/>
+                                      <a:latin typeface="Cambria Math" panose="02040503050406030204" pitchFamily="18" charset="0"/>
                                     </a:rPr>
                                   </m:ctrlPr>
                                 </m:fPr>
@@ -25200,7 +25192,7 @@
                                     <m:sSupPr>
                                       <m:ctrlPr>
                                         <a:rPr lang="en-US" sz="2400" i="1">
-                                          <a:latin typeface="Cambria Math" charset="0"/>
+                                          <a:latin typeface="Cambria Math" panose="02040503050406030204" pitchFamily="18" charset="0"/>
                                         </a:rPr>
                                       </m:ctrlPr>
                                     </m:sSupPr>
@@ -25211,7 +25203,7 @@
                                           <m:endChr m:val="‖"/>
                                           <m:ctrlPr>
                                             <a:rPr lang="en-US" sz="2400" i="1">
-                                              <a:latin typeface="Cambria Math" charset="0"/>
+                                              <a:latin typeface="Cambria Math" panose="02040503050406030204" pitchFamily="18" charset="0"/>
                                             </a:rPr>
                                           </m:ctrlPr>
                                         </m:dPr>
@@ -25220,7 +25212,7 @@
                                             <m:sSubPr>
                                               <m:ctrlPr>
                                                 <a:rPr lang="en-US" sz="2400" i="1">
-                                                  <a:latin typeface="Cambria Math" charset="0"/>
+                                                  <a:latin typeface="Cambria Math" panose="02040503050406030204" pitchFamily="18" charset="0"/>
                                                 </a:rPr>
                                               </m:ctrlPr>
                                             </m:sSubPr>
@@ -25251,7 +25243,7 @@
                                             <m:sSubPr>
                                               <m:ctrlPr>
                                                 <a:rPr lang="en-US" sz="2400" i="1">
-                                                  <a:latin typeface="Cambria Math" charset="0"/>
+                                                  <a:latin typeface="Cambria Math" panose="02040503050406030204" pitchFamily="18" charset="0"/>
                                                 </a:rPr>
                                               </m:ctrlPr>
                                             </m:sSubPr>
@@ -25296,7 +25288,7 @@
                                     <m:sSupPr>
                                       <m:ctrlPr>
                                         <a:rPr lang="en-US" sz="2400" i="1">
-                                          <a:latin typeface="Cambria Math" charset="0"/>
+                                          <a:latin typeface="Cambria Math" panose="02040503050406030204" pitchFamily="18" charset="0"/>
                                         </a:rPr>
                                       </m:ctrlPr>
                                     </m:sSupPr>
@@ -25441,7 +25433,7 @@
           <p:cNvPr id="2" name="Title 1">
             <a:extLst>
               <a:ext uri="{FF2B5EF4-FFF2-40B4-BE49-F238E27FC236}">
-                <a16:creationId xmlns:a16="http://schemas.microsoft.com/office/drawing/2014/main" xmlns="" id="{90371848-C3C2-2946-8721-32944148379F}"/>
+                <a16:creationId xmlns:a16="http://schemas.microsoft.com/office/drawing/2014/main" id="{90371848-C3C2-2946-8721-32944148379F}"/>
               </a:ext>
             </a:extLst>
           </p:cNvPr>
@@ -25481,7 +25473,7 @@
           <p:cNvPr id="5" name="Picture 4">
             <a:extLst>
               <a:ext uri="{FF2B5EF4-FFF2-40B4-BE49-F238E27FC236}">
-                <a16:creationId xmlns:a16="http://schemas.microsoft.com/office/drawing/2014/main" xmlns="" id="{96C8DA8D-9BEF-744E-AFF8-50655E69712A}"/>
+                <a16:creationId xmlns:a16="http://schemas.microsoft.com/office/drawing/2014/main" id="{96C8DA8D-9BEF-744E-AFF8-50655E69712A}"/>
               </a:ext>
             </a:extLst>
           </p:cNvPr>
@@ -25511,7 +25503,7 @@
           <p:cNvPr id="6" name="TextBox 5">
             <a:extLst>
               <a:ext uri="{FF2B5EF4-FFF2-40B4-BE49-F238E27FC236}">
-                <a16:creationId xmlns:a16="http://schemas.microsoft.com/office/drawing/2014/main" xmlns="" id="{B64305C1-D8DA-9449-80AD-775E6D513BE6}"/>
+                <a16:creationId xmlns:a16="http://schemas.microsoft.com/office/drawing/2014/main" id="{B64305C1-D8DA-9449-80AD-775E6D513BE6}"/>
               </a:ext>
             </a:extLst>
           </p:cNvPr>
@@ -25548,7 +25540,7 @@
               <p:cNvPr id="8" name="TextBox 7">
                 <a:extLst>
                   <a:ext uri="{FF2B5EF4-FFF2-40B4-BE49-F238E27FC236}">
-                    <a16:creationId xmlns:a16="http://schemas.microsoft.com/office/drawing/2014/main" xmlns="" id="{4565886E-73A9-DD4D-90C2-BD9C2AFADF7F}"/>
+                    <a16:creationId xmlns:a16="http://schemas.microsoft.com/office/drawing/2014/main" id="{4565886E-73A9-DD4D-90C2-BD9C2AFADF7F}"/>
                   </a:ext>
                 </a:extLst>
               </p:cNvPr>
@@ -25582,7 +25574,7 @@
                         <m:sSupPr>
                           <m:ctrlPr>
                             <a:rPr lang="en-US" sz="2400" i="1" smtClean="0">
-                              <a:latin typeface="Cambria Math" charset="0"/>
+                              <a:latin typeface="Cambria Math" panose="02040503050406030204" pitchFamily="18" charset="0"/>
                             </a:rPr>
                           </m:ctrlPr>
                         </m:sSupPr>
@@ -25607,7 +25599,7 @@
                         <m:dPr>
                           <m:ctrlPr>
                             <a:rPr lang="en-US" sz="2400" i="1" smtClean="0">
-                              <a:latin typeface="Cambria Math" charset="0"/>
+                              <a:latin typeface="Cambria Math" panose="02040503050406030204" pitchFamily="18" charset="0"/>
                             </a:rPr>
                           </m:ctrlPr>
                         </m:dPr>
@@ -25616,7 +25608,7 @@
                             <m:sSupPr>
                               <m:ctrlPr>
                                 <a:rPr lang="en-US" sz="2400" b="1" i="1" smtClean="0">
-                                  <a:latin typeface="Cambria Math" charset="0"/>
+                                  <a:latin typeface="Cambria Math" panose="02040503050406030204" pitchFamily="18" charset="0"/>
                                 </a:rPr>
                               </m:ctrlPr>
                             </m:sSupPr>
@@ -25650,7 +25642,7 @@
                           <m:chr m:val="∑"/>
                           <m:ctrlPr>
                             <a:rPr lang="en-US" sz="2400" i="1" smtClean="0">
-                              <a:latin typeface="Cambria Math" charset="0"/>
+                              <a:latin typeface="Cambria Math" panose="02040503050406030204" pitchFamily="18" charset="0"/>
                             </a:rPr>
                           </m:ctrlPr>
                         </m:naryPr>
@@ -25675,7 +25667,7 @@
                             <m:sSubPr>
                               <m:ctrlPr>
                                 <a:rPr lang="en-US" sz="2400" i="1" smtClean="0">
-                                  <a:latin typeface="Cambria Math" charset="0"/>
+                                  <a:latin typeface="Cambria Math" panose="02040503050406030204" pitchFamily="18" charset="0"/>
                                 </a:rPr>
                               </m:ctrlPr>
                             </m:sSubPr>
@@ -25712,7 +25704,7 @@
                             <m:sSupPr>
                               <m:ctrlPr>
                                 <a:rPr lang="en-US" sz="2400" b="0" i="1" smtClean="0">
-                                  <a:latin typeface="Cambria Math" charset="0"/>
+                                  <a:latin typeface="Cambria Math" panose="02040503050406030204" pitchFamily="18" charset="0"/>
                                 </a:rPr>
                               </m:ctrlPr>
                             </m:sSupPr>
@@ -25743,7 +25735,7 @@
                             <m:sSubPr>
                               <m:ctrlPr>
                                 <a:rPr lang="en-US" sz="2400" i="1">
-                                  <a:latin typeface="Cambria Math" charset="0"/>
+                                  <a:latin typeface="Cambria Math" panose="02040503050406030204" pitchFamily="18" charset="0"/>
                                 </a:rPr>
                               </m:ctrlPr>
                             </m:sSubPr>
@@ -25844,7 +25836,7 @@
               <p:cNvPr id="9" name="TextBox 8">
                 <a:extLst>
                   <a:ext uri="{FF2B5EF4-FFF2-40B4-BE49-F238E27FC236}">
-                    <a16:creationId xmlns:a16="http://schemas.microsoft.com/office/drawing/2014/main" xmlns="" id="{F3A575DB-1649-C547-9BCE-503D6BD6423A}"/>
+                    <a16:creationId xmlns:a16="http://schemas.microsoft.com/office/drawing/2014/main" id="{F3A575DB-1649-C547-9BCE-503D6BD6423A}"/>
                   </a:ext>
                 </a:extLst>
               </p:cNvPr>
@@ -25878,7 +25870,7 @@
                         <m:dPr>
                           <m:ctrlPr>
                             <a:rPr lang="en-US" sz="2400" i="1" smtClean="0">
-                              <a:latin typeface="Cambria Math" charset="0"/>
+                              <a:latin typeface="Cambria Math" panose="02040503050406030204" pitchFamily="18" charset="0"/>
                             </a:rPr>
                           </m:ctrlPr>
                         </m:dPr>
@@ -25895,7 +25887,7 @@
                               </m:mcs>
                               <m:ctrlPr>
                                 <a:rPr lang="en-US" sz="2400" i="1">
-                                  <a:latin typeface="Cambria Math" charset="0"/>
+                                  <a:latin typeface="Cambria Math" panose="02040503050406030204" pitchFamily="18" charset="0"/>
                                 </a:rPr>
                               </m:ctrlPr>
                             </m:mPr>
@@ -25905,7 +25897,7 @@
                                   <m:sSubPr>
                                     <m:ctrlPr>
                                       <a:rPr lang="en-US" sz="2400" i="1">
-                                        <a:latin typeface="Cambria Math" charset="0"/>
+                                        <a:latin typeface="Cambria Math" panose="02040503050406030204" pitchFamily="18" charset="0"/>
                                       </a:rPr>
                                     </m:ctrlPr>
                                   </m:sSubPr>
@@ -25947,7 +25939,7 @@
                                   <m:sSubPr>
                                     <m:ctrlPr>
                                       <a:rPr lang="en-US" sz="2400" i="1">
-                                        <a:latin typeface="Cambria Math" charset="0"/>
+                                        <a:latin typeface="Cambria Math" panose="02040503050406030204" pitchFamily="18" charset="0"/>
                                       </a:rPr>
                                     </m:ctrlPr>
                                   </m:sSubPr>
@@ -25983,7 +25975,7 @@
                         <m:sSupPr>
                           <m:ctrlPr>
                             <a:rPr lang="en-US" sz="2400" b="0" i="1" smtClean="0">
-                              <a:latin typeface="Cambria Math" charset="0"/>
+                              <a:latin typeface="Cambria Math" panose="02040503050406030204" pitchFamily="18" charset="0"/>
                             </a:rPr>
                           </m:ctrlPr>
                         </m:sSupPr>
@@ -25992,7 +25984,7 @@
                             <m:dPr>
                               <m:ctrlPr>
                                 <a:rPr lang="en-US" sz="2400" b="0" i="1" smtClean="0">
-                                  <a:latin typeface="Cambria Math" charset="0"/>
+                                  <a:latin typeface="Cambria Math" panose="02040503050406030204" pitchFamily="18" charset="0"/>
                                 </a:rPr>
                               </m:ctrlPr>
                             </m:dPr>
@@ -26037,7 +26029,7 @@
                         <m:dPr>
                           <m:ctrlPr>
                             <a:rPr lang="en-US" sz="2400" b="0" i="1" smtClean="0">
-                              <a:latin typeface="Cambria Math" charset="0"/>
+                              <a:latin typeface="Cambria Math" panose="02040503050406030204" pitchFamily="18" charset="0"/>
                             </a:rPr>
                           </m:ctrlPr>
                         </m:dPr>
@@ -26054,7 +26046,7 @@
                               </m:mcs>
                               <m:ctrlPr>
                                 <a:rPr lang="en-US" sz="2400" i="1">
-                                  <a:latin typeface="Cambria Math" charset="0"/>
+                                  <a:latin typeface="Cambria Math" panose="02040503050406030204" pitchFamily="18" charset="0"/>
                                 </a:rPr>
                               </m:ctrlPr>
                             </m:mPr>
@@ -26064,7 +26056,7 @@
                                   <m:sSubPr>
                                     <m:ctrlPr>
                                       <a:rPr lang="en-US" sz="2400" b="0" i="1" smtClean="0">
-                                        <a:latin typeface="Cambria Math" charset="0"/>
+                                        <a:latin typeface="Cambria Math" panose="02040503050406030204" pitchFamily="18" charset="0"/>
                                       </a:rPr>
                                     </m:ctrlPr>
                                   </m:sSubPr>
@@ -26109,7 +26101,7 @@
                                   <m:sSubPr>
                                     <m:ctrlPr>
                                       <a:rPr lang="en-US" sz="2400" b="0" i="1" smtClean="0">
-                                        <a:latin typeface="Cambria Math" charset="0"/>
+                                        <a:latin typeface="Cambria Math" panose="02040503050406030204" pitchFamily="18" charset="0"/>
                                       </a:rPr>
                                     </m:ctrlPr>
                                   </m:sSubPr>
@@ -26193,7 +26185,7 @@
           <p:cNvPr id="4" name="TextBox 3">
             <a:extLst>
               <a:ext uri="{FF2B5EF4-FFF2-40B4-BE49-F238E27FC236}">
-                <a16:creationId xmlns:a16="http://schemas.microsoft.com/office/drawing/2014/main" xmlns="" id="{418E9695-FFEC-9740-A3A8-69ED16AB64CF}"/>
+                <a16:creationId xmlns:a16="http://schemas.microsoft.com/office/drawing/2014/main" id="{418E9695-FFEC-9740-A3A8-69ED16AB64CF}"/>
               </a:ext>
             </a:extLst>
           </p:cNvPr>
@@ -26232,7 +26224,7 @@
           <p:cNvPr id="11" name="TextBox 10">
             <a:extLst>
               <a:ext uri="{FF2B5EF4-FFF2-40B4-BE49-F238E27FC236}">
-                <a16:creationId xmlns:a16="http://schemas.microsoft.com/office/drawing/2014/main" xmlns="" id="{48B9982E-2EAD-4D48-B195-35C6B9D88A1B}"/>
+                <a16:creationId xmlns:a16="http://schemas.microsoft.com/office/drawing/2014/main" id="{48B9982E-2EAD-4D48-B195-35C6B9D88A1B}"/>
               </a:ext>
             </a:extLst>
           </p:cNvPr>
@@ -26279,7 +26271,7 @@
           <p:cNvPr id="3" name="TextBox 2">
             <a:extLst>
               <a:ext uri="{FF2B5EF4-FFF2-40B4-BE49-F238E27FC236}">
-                <a16:creationId xmlns:a16="http://schemas.microsoft.com/office/drawing/2014/main" xmlns="" id="{11136707-7EEC-3249-B706-C64078848168}"/>
+                <a16:creationId xmlns:a16="http://schemas.microsoft.com/office/drawing/2014/main" id="{11136707-7EEC-3249-B706-C64078848168}"/>
               </a:ext>
             </a:extLst>
           </p:cNvPr>
@@ -26391,7 +26383,7 @@
           <p:cNvPr id="2" name="Title 1">
             <a:extLst>
               <a:ext uri="{FF2B5EF4-FFF2-40B4-BE49-F238E27FC236}">
-                <a16:creationId xmlns:a16="http://schemas.microsoft.com/office/drawing/2014/main" xmlns="" id="{E7E92F54-75A2-0B47-A89F-C0D4BBBA4652}"/>
+                <a16:creationId xmlns:a16="http://schemas.microsoft.com/office/drawing/2014/main" id="{E7E92F54-75A2-0B47-A89F-C0D4BBBA4652}"/>
               </a:ext>
             </a:extLst>
           </p:cNvPr>
@@ -26424,7 +26416,7 @@
           <p:cNvPr id="4" name="Picture 3">
             <a:extLst>
               <a:ext uri="{FF2B5EF4-FFF2-40B4-BE49-F238E27FC236}">
-                <a16:creationId xmlns:a16="http://schemas.microsoft.com/office/drawing/2014/main" xmlns="" id="{300DEC84-1303-1441-9F1C-1E73E331D3EC}"/>
+                <a16:creationId xmlns:a16="http://schemas.microsoft.com/office/drawing/2014/main" id="{300DEC84-1303-1441-9F1C-1E73E331D3EC}"/>
               </a:ext>
             </a:extLst>
           </p:cNvPr>
@@ -26460,7 +26452,7 @@
           <p:cNvPr id="6" name="Picture 5">
             <a:extLst>
               <a:ext uri="{FF2B5EF4-FFF2-40B4-BE49-F238E27FC236}">
-                <a16:creationId xmlns:a16="http://schemas.microsoft.com/office/drawing/2014/main" xmlns="" id="{14A519BC-BA96-0A46-B90C-C120F8D5EA2D}"/>
+                <a16:creationId xmlns:a16="http://schemas.microsoft.com/office/drawing/2014/main" id="{14A519BC-BA96-0A46-B90C-C120F8D5EA2D}"/>
               </a:ext>
             </a:extLst>
           </p:cNvPr>
@@ -26550,7 +26542,7 @@
           <p:cNvPr id="2" name="Title 1">
             <a:extLst>
               <a:ext uri="{FF2B5EF4-FFF2-40B4-BE49-F238E27FC236}">
-                <a16:creationId xmlns:a16="http://schemas.microsoft.com/office/drawing/2014/main" xmlns="" id="{E7E92F54-75A2-0B47-A89F-C0D4BBBA4652}"/>
+                <a16:creationId xmlns:a16="http://schemas.microsoft.com/office/drawing/2014/main" id="{E7E92F54-75A2-0B47-A89F-C0D4BBBA4652}"/>
               </a:ext>
             </a:extLst>
           </p:cNvPr>
@@ -26583,7 +26575,7 @@
           <p:cNvPr id="4" name="Picture 3">
             <a:extLst>
               <a:ext uri="{FF2B5EF4-FFF2-40B4-BE49-F238E27FC236}">
-                <a16:creationId xmlns:a16="http://schemas.microsoft.com/office/drawing/2014/main" xmlns="" id="{300DEC84-1303-1441-9F1C-1E73E331D3EC}"/>
+                <a16:creationId xmlns:a16="http://schemas.microsoft.com/office/drawing/2014/main" id="{300DEC84-1303-1441-9F1C-1E73E331D3EC}"/>
               </a:ext>
             </a:extLst>
           </p:cNvPr>
@@ -26619,7 +26611,7 @@
           <p:cNvPr id="6" name="Picture 5">
             <a:extLst>
               <a:ext uri="{FF2B5EF4-FFF2-40B4-BE49-F238E27FC236}">
-                <a16:creationId xmlns:a16="http://schemas.microsoft.com/office/drawing/2014/main" xmlns="" id="{14A519BC-BA96-0A46-B90C-C120F8D5EA2D}"/>
+                <a16:creationId xmlns:a16="http://schemas.microsoft.com/office/drawing/2014/main" id="{14A519BC-BA96-0A46-B90C-C120F8D5EA2D}"/>
               </a:ext>
             </a:extLst>
           </p:cNvPr>
@@ -26709,7 +26701,7 @@
           <p:cNvPr id="2" name="Title 1">
             <a:extLst>
               <a:ext uri="{FF2B5EF4-FFF2-40B4-BE49-F238E27FC236}">
-                <a16:creationId xmlns:a16="http://schemas.microsoft.com/office/drawing/2014/main" xmlns="" id="{E7E92F54-75A2-0B47-A89F-C0D4BBBA4652}"/>
+                <a16:creationId xmlns:a16="http://schemas.microsoft.com/office/drawing/2014/main" id="{E7E92F54-75A2-0B47-A89F-C0D4BBBA4652}"/>
               </a:ext>
             </a:extLst>
           </p:cNvPr>
@@ -26742,7 +26734,7 @@
           <p:cNvPr id="4" name="Picture 3">
             <a:extLst>
               <a:ext uri="{FF2B5EF4-FFF2-40B4-BE49-F238E27FC236}">
-                <a16:creationId xmlns:a16="http://schemas.microsoft.com/office/drawing/2014/main" xmlns="" id="{300DEC84-1303-1441-9F1C-1E73E331D3EC}"/>
+                <a16:creationId xmlns:a16="http://schemas.microsoft.com/office/drawing/2014/main" id="{300DEC84-1303-1441-9F1C-1E73E331D3EC}"/>
               </a:ext>
             </a:extLst>
           </p:cNvPr>
@@ -26778,7 +26770,7 @@
           <p:cNvPr id="6" name="Picture 5">
             <a:extLst>
               <a:ext uri="{FF2B5EF4-FFF2-40B4-BE49-F238E27FC236}">
-                <a16:creationId xmlns:a16="http://schemas.microsoft.com/office/drawing/2014/main" xmlns="" id="{14A519BC-BA96-0A46-B90C-C120F8D5EA2D}"/>
+                <a16:creationId xmlns:a16="http://schemas.microsoft.com/office/drawing/2014/main" id="{14A519BC-BA96-0A46-B90C-C120F8D5EA2D}"/>
               </a:ext>
             </a:extLst>
           </p:cNvPr>
@@ -26868,7 +26860,7 @@
           <p:cNvPr id="2" name="Title 1">
             <a:extLst>
               <a:ext uri="{FF2B5EF4-FFF2-40B4-BE49-F238E27FC236}">
-                <a16:creationId xmlns:a16="http://schemas.microsoft.com/office/drawing/2014/main" xmlns="" id="{E7E92F54-75A2-0B47-A89F-C0D4BBBA4652}"/>
+                <a16:creationId xmlns:a16="http://schemas.microsoft.com/office/drawing/2014/main" id="{E7E92F54-75A2-0B47-A89F-C0D4BBBA4652}"/>
               </a:ext>
             </a:extLst>
           </p:cNvPr>
@@ -26901,7 +26893,7 @@
           <p:cNvPr id="4" name="Picture 3">
             <a:extLst>
               <a:ext uri="{FF2B5EF4-FFF2-40B4-BE49-F238E27FC236}">
-                <a16:creationId xmlns:a16="http://schemas.microsoft.com/office/drawing/2014/main" xmlns="" id="{300DEC84-1303-1441-9F1C-1E73E331D3EC}"/>
+                <a16:creationId xmlns:a16="http://schemas.microsoft.com/office/drawing/2014/main" id="{300DEC84-1303-1441-9F1C-1E73E331D3EC}"/>
               </a:ext>
             </a:extLst>
           </p:cNvPr>
@@ -26937,7 +26929,7 @@
           <p:cNvPr id="6" name="Picture 5">
             <a:extLst>
               <a:ext uri="{FF2B5EF4-FFF2-40B4-BE49-F238E27FC236}">
-                <a16:creationId xmlns:a16="http://schemas.microsoft.com/office/drawing/2014/main" xmlns="" id="{14A519BC-BA96-0A46-B90C-C120F8D5EA2D}"/>
+                <a16:creationId xmlns:a16="http://schemas.microsoft.com/office/drawing/2014/main" id="{14A519BC-BA96-0A46-B90C-C120F8D5EA2D}"/>
               </a:ext>
             </a:extLst>
           </p:cNvPr>
@@ -27057,7 +27049,7 @@
           <p:cNvPr id="2" name="Title 1">
             <a:extLst>
               <a:ext uri="{FF2B5EF4-FFF2-40B4-BE49-F238E27FC236}">
-                <a16:creationId xmlns:a16="http://schemas.microsoft.com/office/drawing/2014/main" xmlns="" id="{E7E92F54-75A2-0B47-A89F-C0D4BBBA4652}"/>
+                <a16:creationId xmlns:a16="http://schemas.microsoft.com/office/drawing/2014/main" id="{E7E92F54-75A2-0B47-A89F-C0D4BBBA4652}"/>
               </a:ext>
             </a:extLst>
           </p:cNvPr>
@@ -27090,7 +27082,7 @@
           <p:cNvPr id="4" name="Picture 3">
             <a:extLst>
               <a:ext uri="{FF2B5EF4-FFF2-40B4-BE49-F238E27FC236}">
-                <a16:creationId xmlns:a16="http://schemas.microsoft.com/office/drawing/2014/main" xmlns="" id="{300DEC84-1303-1441-9F1C-1E73E331D3EC}"/>
+                <a16:creationId xmlns:a16="http://schemas.microsoft.com/office/drawing/2014/main" id="{300DEC84-1303-1441-9F1C-1E73E331D3EC}"/>
               </a:ext>
             </a:extLst>
           </p:cNvPr>
@@ -27126,7 +27118,7 @@
           <p:cNvPr id="6" name="Picture 5">
             <a:extLst>
               <a:ext uri="{FF2B5EF4-FFF2-40B4-BE49-F238E27FC236}">
-                <a16:creationId xmlns:a16="http://schemas.microsoft.com/office/drawing/2014/main" xmlns="" id="{14A519BC-BA96-0A46-B90C-C120F8D5EA2D}"/>
+                <a16:creationId xmlns:a16="http://schemas.microsoft.com/office/drawing/2014/main" id="{14A519BC-BA96-0A46-B90C-C120F8D5EA2D}"/>
               </a:ext>
             </a:extLst>
           </p:cNvPr>
@@ -27216,7 +27208,7 @@
           <p:cNvPr id="2" name="Title 1">
             <a:extLst>
               <a:ext uri="{FF2B5EF4-FFF2-40B4-BE49-F238E27FC236}">
-                <a16:creationId xmlns:a16="http://schemas.microsoft.com/office/drawing/2014/main" xmlns="" id="{E7E92F54-75A2-0B47-A89F-C0D4BBBA4652}"/>
+                <a16:creationId xmlns:a16="http://schemas.microsoft.com/office/drawing/2014/main" id="{E7E92F54-75A2-0B47-A89F-C0D4BBBA4652}"/>
               </a:ext>
             </a:extLst>
           </p:cNvPr>
@@ -27249,7 +27241,7 @@
           <p:cNvPr id="4" name="Picture 3">
             <a:extLst>
               <a:ext uri="{FF2B5EF4-FFF2-40B4-BE49-F238E27FC236}">
-                <a16:creationId xmlns:a16="http://schemas.microsoft.com/office/drawing/2014/main" xmlns="" id="{300DEC84-1303-1441-9F1C-1E73E331D3EC}"/>
+                <a16:creationId xmlns:a16="http://schemas.microsoft.com/office/drawing/2014/main" id="{300DEC84-1303-1441-9F1C-1E73E331D3EC}"/>
               </a:ext>
             </a:extLst>
           </p:cNvPr>
@@ -27285,7 +27277,7 @@
           <p:cNvPr id="6" name="Picture 5">
             <a:extLst>
               <a:ext uri="{FF2B5EF4-FFF2-40B4-BE49-F238E27FC236}">
-                <a16:creationId xmlns:a16="http://schemas.microsoft.com/office/drawing/2014/main" xmlns="" id="{14A519BC-BA96-0A46-B90C-C120F8D5EA2D}"/>
+                <a16:creationId xmlns:a16="http://schemas.microsoft.com/office/drawing/2014/main" id="{14A519BC-BA96-0A46-B90C-C120F8D5EA2D}"/>
               </a:ext>
             </a:extLst>
           </p:cNvPr>
@@ -27375,7 +27367,7 @@
           <p:cNvPr id="2" name="Title 1">
             <a:extLst>
               <a:ext uri="{FF2B5EF4-FFF2-40B4-BE49-F238E27FC236}">
-                <a16:creationId xmlns:a16="http://schemas.microsoft.com/office/drawing/2014/main" xmlns="" id="{E7E92F54-75A2-0B47-A89F-C0D4BBBA4652}"/>
+                <a16:creationId xmlns:a16="http://schemas.microsoft.com/office/drawing/2014/main" id="{E7E92F54-75A2-0B47-A89F-C0D4BBBA4652}"/>
               </a:ext>
             </a:extLst>
           </p:cNvPr>
@@ -27408,7 +27400,7 @@
           <p:cNvPr id="4" name="Picture 3">
             <a:extLst>
               <a:ext uri="{FF2B5EF4-FFF2-40B4-BE49-F238E27FC236}">
-                <a16:creationId xmlns:a16="http://schemas.microsoft.com/office/drawing/2014/main" xmlns="" id="{300DEC84-1303-1441-9F1C-1E73E331D3EC}"/>
+                <a16:creationId xmlns:a16="http://schemas.microsoft.com/office/drawing/2014/main" id="{300DEC84-1303-1441-9F1C-1E73E331D3EC}"/>
               </a:ext>
             </a:extLst>
           </p:cNvPr>
@@ -27444,7 +27436,7 @@
           <p:cNvPr id="6" name="Picture 5">
             <a:extLst>
               <a:ext uri="{FF2B5EF4-FFF2-40B4-BE49-F238E27FC236}">
-                <a16:creationId xmlns:a16="http://schemas.microsoft.com/office/drawing/2014/main" xmlns="" id="{14A519BC-BA96-0A46-B90C-C120F8D5EA2D}"/>
+                <a16:creationId xmlns:a16="http://schemas.microsoft.com/office/drawing/2014/main" id="{14A519BC-BA96-0A46-B90C-C120F8D5EA2D}"/>
               </a:ext>
             </a:extLst>
           </p:cNvPr>
@@ -27534,7 +27526,7 @@
           <p:cNvPr id="2" name="Title 1">
             <a:extLst>
               <a:ext uri="{FF2B5EF4-FFF2-40B4-BE49-F238E27FC236}">
-                <a16:creationId xmlns:a16="http://schemas.microsoft.com/office/drawing/2014/main" xmlns="" id="{E7E92F54-75A2-0B47-A89F-C0D4BBBA4652}"/>
+                <a16:creationId xmlns:a16="http://schemas.microsoft.com/office/drawing/2014/main" id="{E7E92F54-75A2-0B47-A89F-C0D4BBBA4652}"/>
               </a:ext>
             </a:extLst>
           </p:cNvPr>
@@ -27567,7 +27559,7 @@
           <p:cNvPr id="4" name="Picture 3">
             <a:extLst>
               <a:ext uri="{FF2B5EF4-FFF2-40B4-BE49-F238E27FC236}">
-                <a16:creationId xmlns:a16="http://schemas.microsoft.com/office/drawing/2014/main" xmlns="" id="{300DEC84-1303-1441-9F1C-1E73E331D3EC}"/>
+                <a16:creationId xmlns:a16="http://schemas.microsoft.com/office/drawing/2014/main" id="{300DEC84-1303-1441-9F1C-1E73E331D3EC}"/>
               </a:ext>
             </a:extLst>
           </p:cNvPr>
@@ -27603,7 +27595,7 @@
           <p:cNvPr id="6" name="Picture 5">
             <a:extLst>
               <a:ext uri="{FF2B5EF4-FFF2-40B4-BE49-F238E27FC236}">
-                <a16:creationId xmlns:a16="http://schemas.microsoft.com/office/drawing/2014/main" xmlns="" id="{14A519BC-BA96-0A46-B90C-C120F8D5EA2D}"/>
+                <a16:creationId xmlns:a16="http://schemas.microsoft.com/office/drawing/2014/main" id="{14A519BC-BA96-0A46-B90C-C120F8D5EA2D}"/>
               </a:ext>
             </a:extLst>
           </p:cNvPr>
@@ -28597,7 +28589,7 @@
                         <m:sSubPr>
                           <m:ctrlPr>
                             <a:rPr lang="en-US" b="0" i="1" smtClean="0">
-                              <a:latin typeface="Cambria Math" charset="0"/>
+                              <a:latin typeface="Cambria Math" panose="02040503050406030204" pitchFamily="18" charset="0"/>
                             </a:rPr>
                           </m:ctrlPr>
                         </m:sSubPr>
@@ -28706,7 +28698,7 @@
                         <m:sSubPr>
                           <m:ctrlPr>
                             <a:rPr lang="en-US" sz="2400" b="0" i="1" smtClean="0">
-                              <a:latin typeface="Cambria Math" charset="0"/>
+                              <a:latin typeface="Cambria Math" panose="02040503050406030204" pitchFamily="18" charset="0"/>
                             </a:rPr>
                           </m:ctrlPr>
                         </m:sSubPr>
@@ -28737,7 +28729,7 @@
                         <m:sSubPr>
                           <m:ctrlPr>
                             <a:rPr lang="en-US" sz="2400" b="0" i="1" smtClean="0">
-                              <a:latin typeface="Cambria Math" charset="0"/>
+                              <a:latin typeface="Cambria Math" panose="02040503050406030204" pitchFamily="18" charset="0"/>
                             </a:rPr>
                           </m:ctrlPr>
                         </m:sSubPr>
@@ -29657,7 +29649,7 @@
                         <m:sSubPr>
                           <m:ctrlPr>
                             <a:rPr lang="en-US" b="0" i="1" smtClean="0">
-                              <a:latin typeface="Cambria Math" charset="0"/>
+                              <a:latin typeface="Cambria Math" panose="02040503050406030204" pitchFamily="18" charset="0"/>
                             </a:rPr>
                           </m:ctrlPr>
                         </m:sSubPr>
@@ -29766,7 +29758,7 @@
                         <m:sSubPr>
                           <m:ctrlPr>
                             <a:rPr lang="en-US" sz="2400" b="0" i="1" smtClean="0">
-                              <a:latin typeface="Cambria Math" charset="0"/>
+                              <a:latin typeface="Cambria Math" panose="02040503050406030204" pitchFamily="18" charset="0"/>
                             </a:rPr>
                           </m:ctrlPr>
                         </m:sSubPr>
@@ -29797,7 +29789,7 @@
                         <m:sSubPr>
                           <m:ctrlPr>
                             <a:rPr lang="en-US" sz="2400" b="0" i="1" smtClean="0">
-                              <a:latin typeface="Cambria Math" charset="0"/>
+                              <a:latin typeface="Cambria Math" panose="02040503050406030204" pitchFamily="18" charset="0"/>
                             </a:rPr>
                           </m:ctrlPr>
                         </m:sSubPr>
@@ -29923,7 +29915,7 @@
                         <m:sSubPr>
                           <m:ctrlPr>
                             <a:rPr lang="en-US" sz="2400" i="1" smtClean="0">
-                              <a:latin typeface="Cambria Math" charset="0"/>
+                              <a:latin typeface="Cambria Math" panose="02040503050406030204" pitchFamily="18" charset="0"/>
                             </a:rPr>
                           </m:ctrlPr>
                         </m:sSubPr>
@@ -30825,7 +30817,7 @@
                         <m:sSubPr>
                           <m:ctrlPr>
                             <a:rPr lang="en-US" b="0" i="1" smtClean="0">
-                              <a:latin typeface="Cambria Math" charset="0"/>
+                              <a:latin typeface="Cambria Math" panose="02040503050406030204" pitchFamily="18" charset="0"/>
                             </a:rPr>
                           </m:ctrlPr>
                         </m:sSubPr>
@@ -30934,7 +30926,7 @@
                         <m:sSubPr>
                           <m:ctrlPr>
                             <a:rPr lang="en-US" sz="2400" b="0" i="1" smtClean="0">
-                              <a:latin typeface="Cambria Math" charset="0"/>
+                              <a:latin typeface="Cambria Math" panose="02040503050406030204" pitchFamily="18" charset="0"/>
                             </a:rPr>
                           </m:ctrlPr>
                         </m:sSubPr>
@@ -30965,7 +30957,7 @@
                         <m:sSubPr>
                           <m:ctrlPr>
                             <a:rPr lang="en-US" sz="2400" b="0" i="1" smtClean="0">
-                              <a:latin typeface="Cambria Math" charset="0"/>
+                              <a:latin typeface="Cambria Math" panose="02040503050406030204" pitchFamily="18" charset="0"/>
                             </a:rPr>
                           </m:ctrlPr>
                         </m:sSubPr>
@@ -31091,7 +31083,7 @@
                         <m:sSubPr>
                           <m:ctrlPr>
                             <a:rPr lang="en-US" sz="2400" i="1" smtClean="0">
-                              <a:latin typeface="Cambria Math" charset="0"/>
+                              <a:latin typeface="Cambria Math" panose="02040503050406030204" pitchFamily="18" charset="0"/>
                             </a:rPr>
                           </m:ctrlPr>
                         </m:sSubPr>
@@ -33029,13 +33021,8 @@
             </a:pPr>
             <a:r>
               <a:rPr lang="en-US" sz="2400" dirty="0"/>
-              <a:t>P</a:t>
+              <a:t>Permutation</a:t>
             </a:r>
-            <a:r>
-              <a:rPr lang="en-US" sz="2400" dirty="0" smtClean="0"/>
-              <a:t>ermutation</a:t>
-            </a:r>
-            <a:endParaRPr lang="en-US" sz="2400" dirty="0"/>
           </a:p>
         </p:txBody>
       </p:sp>
